--- a/AmruthaMohan.pptx
+++ b/AmruthaMohan.pptx
@@ -5,10 +5,10 @@
     <p:sldMasterId id="2147483648" r:id="rId1"/>
   </p:sldMasterIdLst>
   <p:notesMasterIdLst>
-    <p:notesMasterId r:id="rId38"/>
+    <p:notesMasterId r:id="rId45"/>
   </p:notesMasterIdLst>
   <p:handoutMasterIdLst>
-    <p:handoutMasterId r:id="rId39"/>
+    <p:handoutMasterId r:id="rId46"/>
   </p:handoutMasterIdLst>
   <p:sldIdLst>
     <p:sldId id="257" r:id="rId2"/>
@@ -42,11 +42,18 @@
     <p:sldId id="293" r:id="rId30"/>
     <p:sldId id="271" r:id="rId31"/>
     <p:sldId id="272" r:id="rId32"/>
-    <p:sldId id="273" r:id="rId33"/>
-    <p:sldId id="274" r:id="rId34"/>
-    <p:sldId id="275" r:id="rId35"/>
-    <p:sldId id="276" r:id="rId36"/>
-    <p:sldId id="277" r:id="rId37"/>
+    <p:sldId id="294" r:id="rId33"/>
+    <p:sldId id="296" r:id="rId34"/>
+    <p:sldId id="297" r:id="rId35"/>
+    <p:sldId id="300" r:id="rId36"/>
+    <p:sldId id="298" r:id="rId37"/>
+    <p:sldId id="299" r:id="rId38"/>
+    <p:sldId id="295" r:id="rId39"/>
+    <p:sldId id="273" r:id="rId40"/>
+    <p:sldId id="274" r:id="rId41"/>
+    <p:sldId id="275" r:id="rId42"/>
+    <p:sldId id="276" r:id="rId43"/>
+    <p:sldId id="277" r:id="rId44"/>
   </p:sldIdLst>
   <p:sldSz cx="8785225" cy="5256213"/>
   <p:notesSz cx="6858000" cy="9144000"/>
@@ -147,7 +154,7 @@
   </p:defaultTextStyle>
   <p:extLst>
     <p:ext uri="{EFAFB233-063F-42B5-8137-9DF3F51BA10A}">
-      <p15:sldGuideLst xmlns:p15="http://schemas.microsoft.com/office/powerpoint/2012/main">
+      <p15:sldGuideLst xmlns="" xmlns:p15="http://schemas.microsoft.com/office/powerpoint/2012/main">
         <p15:guide id="1" orient="horz" pos="1656">
           <p15:clr>
             <a:srgbClr val="A4A3A4"/>
@@ -161,7 +168,7 @@
       </p15:sldGuideLst>
     </p:ext>
     <p:ext uri="{2D200454-40CA-4A62-9FC3-DE9A4176ACB9}">
-      <p15:notesGuideLst xmlns:p15="http://schemas.microsoft.com/office/powerpoint/2012/main">
+      <p15:notesGuideLst xmlns="" xmlns:p15="http://schemas.microsoft.com/office/powerpoint/2012/main">
         <p15:guide id="1" orient="horz" pos="2880">
           <p15:clr>
             <a:srgbClr val="A4A3A4"/>
@@ -260,7 +267,7 @@
           <a:p>
             <a:fld id="{2E403D10-7F5E-4FE6-8B11-C5F4484721E3}" type="datetimeFigureOut">
               <a:rPr lang="en-GB" smtClean="0"/>
-              <a:t>03/09/2018</a:t>
+              <a:t>04/09/2018</a:t>
             </a:fld>
             <a:endParaRPr lang="en-GB"/>
           </a:p>
@@ -425,7 +432,7 @@
           <a:p>
             <a:fld id="{9F5E9DC1-8FB7-41FF-9F50-7EF2E6EBE329}" type="datetimeFigureOut">
               <a:rPr lang="en-GB" smtClean="0"/>
-              <a:t>03/09/2018</a:t>
+              <a:t>04/09/2018</a:t>
             </a:fld>
             <a:endParaRPr lang="en-GB"/>
           </a:p>
@@ -875,7 +882,7 @@
             <a:fld id="{1D8BD707-D9CF-40AE-B4C6-C98DA3205C09}" type="datetimeFigureOut">
               <a:rPr lang="en-US" smtClean="0"/>
               <a:pPr/>
-              <a:t>9/3/2018</a:t>
+              <a:t>9/4/2018</a:t>
             </a:fld>
             <a:endParaRPr lang="en-US"/>
           </a:p>
@@ -1042,7 +1049,7 @@
             <a:fld id="{1D8BD707-D9CF-40AE-B4C6-C98DA3205C09}" type="datetimeFigureOut">
               <a:rPr lang="en-US" smtClean="0"/>
               <a:pPr/>
-              <a:t>9/3/2018</a:t>
+              <a:t>9/4/2018</a:t>
             </a:fld>
             <a:endParaRPr lang="en-US"/>
           </a:p>
@@ -1219,7 +1226,7 @@
             <a:fld id="{1D8BD707-D9CF-40AE-B4C6-C98DA3205C09}" type="datetimeFigureOut">
               <a:rPr lang="en-US" smtClean="0"/>
               <a:pPr/>
-              <a:t>9/3/2018</a:t>
+              <a:t>9/4/2018</a:t>
             </a:fld>
             <a:endParaRPr lang="en-US"/>
           </a:p>
@@ -2627,7 +2634,7 @@
           <a:p>
             <a:fld id="{B0712CAB-150C-4C67-A6F6-7AD476CA4C2E}" type="datetime5">
               <a:rPr lang="en-US" smtClean="0"/>
-              <a:t>3-Sep-18</a:t>
+              <a:t>4-Sep-18</a:t>
             </a:fld>
             <a:endParaRPr lang="en-GB"/>
           </a:p>
@@ -3020,7 +3027,7 @@
             <a:fld id="{1D8BD707-D9CF-40AE-B4C6-C98DA3205C09}" type="datetimeFigureOut">
               <a:rPr lang="en-US" smtClean="0"/>
               <a:pPr/>
-              <a:t>9/3/2018</a:t>
+              <a:t>9/4/2018</a:t>
             </a:fld>
             <a:endParaRPr lang="en-US"/>
           </a:p>
@@ -3263,7 +3270,7 @@
             <a:fld id="{1D8BD707-D9CF-40AE-B4C6-C98DA3205C09}" type="datetimeFigureOut">
               <a:rPr lang="en-US" smtClean="0"/>
               <a:pPr/>
-              <a:t>9/3/2018</a:t>
+              <a:t>9/4/2018</a:t>
             </a:fld>
             <a:endParaRPr lang="en-US"/>
           </a:p>
@@ -3548,7 +3555,7 @@
             <a:fld id="{1D8BD707-D9CF-40AE-B4C6-C98DA3205C09}" type="datetimeFigureOut">
               <a:rPr lang="en-US" smtClean="0"/>
               <a:pPr/>
-              <a:t>9/3/2018</a:t>
+              <a:t>9/4/2018</a:t>
             </a:fld>
             <a:endParaRPr lang="en-US"/>
           </a:p>
@@ -3967,7 +3974,7 @@
             <a:fld id="{1D8BD707-D9CF-40AE-B4C6-C98DA3205C09}" type="datetimeFigureOut">
               <a:rPr lang="en-US" smtClean="0"/>
               <a:pPr/>
-              <a:t>9/3/2018</a:t>
+              <a:t>9/4/2018</a:t>
             </a:fld>
             <a:endParaRPr lang="en-US"/>
           </a:p>
@@ -4082,7 +4089,7 @@
             <a:fld id="{1D8BD707-D9CF-40AE-B4C6-C98DA3205C09}" type="datetimeFigureOut">
               <a:rPr lang="en-US" smtClean="0"/>
               <a:pPr/>
-              <a:t>9/3/2018</a:t>
+              <a:t>9/4/2018</a:t>
             </a:fld>
             <a:endParaRPr lang="en-US"/>
           </a:p>
@@ -4174,7 +4181,7 @@
             <a:fld id="{1D8BD707-D9CF-40AE-B4C6-C98DA3205C09}" type="datetimeFigureOut">
               <a:rPr lang="en-US" smtClean="0"/>
               <a:pPr/>
-              <a:t>9/3/2018</a:t>
+              <a:t>9/4/2018</a:t>
             </a:fld>
             <a:endParaRPr lang="en-US"/>
           </a:p>
@@ -4448,7 +4455,7 @@
             <a:fld id="{1D8BD707-D9CF-40AE-B4C6-C98DA3205C09}" type="datetimeFigureOut">
               <a:rPr lang="en-US" smtClean="0"/>
               <a:pPr/>
-              <a:t>9/3/2018</a:t>
+              <a:t>9/4/2018</a:t>
             </a:fld>
             <a:endParaRPr lang="en-US"/>
           </a:p>
@@ -4698,7 +4705,7 @@
             <a:fld id="{1D8BD707-D9CF-40AE-B4C6-C98DA3205C09}" type="datetimeFigureOut">
               <a:rPr lang="en-US" smtClean="0"/>
               <a:pPr/>
-              <a:t>9/3/2018</a:t>
+              <a:t>9/4/2018</a:t>
             </a:fld>
             <a:endParaRPr lang="en-US"/>
           </a:p>
@@ -4908,7 +4915,7 @@
             <a:fld id="{1D8BD707-D9CF-40AE-B4C6-C98DA3205C09}" type="datetimeFigureOut">
               <a:rPr lang="en-US" smtClean="0"/>
               <a:pPr/>
-              <a:t>9/3/2018</a:t>
+              <a:t>9/4/2018</a:t>
             </a:fld>
             <a:endParaRPr lang="en-US"/>
           </a:p>
@@ -9558,34 +9565,30 @@
               <a:buChar char="Ø"/>
             </a:pPr>
             <a:r>
+              <a:rPr lang="en-GB" sz="2000" dirty="0">
+                <a:latin typeface="Times New Roman" panose="02020603050405020304" pitchFamily="18" charset="0"/>
+                <a:cs typeface="Times New Roman" panose="02020603050405020304" pitchFamily="18" charset="0"/>
+              </a:rPr>
+              <a:t>Data Analysis and Decision Making.</a:t>
+            </a:r>
+          </a:p>
+          <a:p>
+            <a:endParaRPr lang="en-GB" sz="2000" dirty="0">
+              <a:latin typeface="Times New Roman" panose="02020603050405020304" pitchFamily="18" charset="0"/>
+              <a:cs typeface="Times New Roman" panose="02020603050405020304" pitchFamily="18" charset="0"/>
+            </a:endParaRPr>
+          </a:p>
+          <a:p>
+            <a:pPr marL="285750" indent="-285750">
+              <a:buFont typeface="Wingdings" panose="05000000000000000000" pitchFamily="2" charset="2"/>
+              <a:buChar char="Ø"/>
+            </a:pPr>
+            <a:r>
               <a:rPr lang="en-GB" sz="2000" dirty="0" smtClean="0">
                 <a:latin typeface="Times New Roman" panose="02020603050405020304" pitchFamily="18" charset="0"/>
                 <a:cs typeface="Times New Roman" panose="02020603050405020304" pitchFamily="18" charset="0"/>
               </a:rPr>
               <a:t>Produces reports on operations for every level of management.</a:t>
-            </a:r>
-          </a:p>
-          <a:p>
-            <a:pPr marL="285750" indent="-285750">
-              <a:buFont typeface="Wingdings" panose="05000000000000000000" pitchFamily="2" charset="2"/>
-              <a:buChar char="Ø"/>
-            </a:pPr>
-            <a:endParaRPr lang="en-GB" sz="2000" dirty="0">
-              <a:latin typeface="Times New Roman" panose="02020603050405020304" pitchFamily="18" charset="0"/>
-              <a:cs typeface="Times New Roman" panose="02020603050405020304" pitchFamily="18" charset="0"/>
-            </a:endParaRPr>
-          </a:p>
-          <a:p>
-            <a:pPr marL="285750" indent="-285750">
-              <a:buFont typeface="Wingdings" panose="05000000000000000000" pitchFamily="2" charset="2"/>
-              <a:buChar char="Ø"/>
-            </a:pPr>
-            <a:r>
-              <a:rPr lang="en-GB" sz="2000" dirty="0" smtClean="0">
-                <a:latin typeface="Times New Roman" panose="02020603050405020304" pitchFamily="18" charset="0"/>
-                <a:cs typeface="Times New Roman" panose="02020603050405020304" pitchFamily="18" charset="0"/>
-              </a:rPr>
-              <a:t>Data Analysis and Decision Making.</a:t>
             </a:r>
           </a:p>
           <a:p>
@@ -9773,8 +9776,8 @@
         </p:blipFill>
         <p:spPr bwMode="auto">
           <a:xfrm>
-            <a:off x="4848224" y="113506"/>
-            <a:ext cx="534195" cy="641129"/>
+            <a:off x="430212" y="1758377"/>
+            <a:ext cx="747712" cy="793529"/>
           </a:xfrm>
           <a:prstGeom prst="rect">
             <a:avLst/>
@@ -9812,8 +9815,8 @@
         </p:blipFill>
         <p:spPr bwMode="auto">
           <a:xfrm>
-            <a:off x="4848224" y="907035"/>
-            <a:ext cx="534988" cy="641129"/>
+            <a:off x="1504156" y="1761344"/>
+            <a:ext cx="747712" cy="793529"/>
           </a:xfrm>
           <a:prstGeom prst="rect">
             <a:avLst/>
@@ -9851,8 +9854,8 @@
         </p:blipFill>
         <p:spPr bwMode="auto">
           <a:xfrm>
-            <a:off x="4836980" y="1696204"/>
-            <a:ext cx="534988" cy="641129"/>
+            <a:off x="2578100" y="1762140"/>
+            <a:ext cx="747712" cy="792733"/>
           </a:xfrm>
           <a:prstGeom prst="rect">
             <a:avLst/>
@@ -9890,8 +9893,8 @@
         </p:blipFill>
         <p:spPr bwMode="auto">
           <a:xfrm>
-            <a:off x="4831013" y="2497245"/>
-            <a:ext cx="534988" cy="641129"/>
+            <a:off x="3641328" y="1758377"/>
+            <a:ext cx="747712" cy="792735"/>
           </a:xfrm>
           <a:prstGeom prst="rect">
             <a:avLst/>
@@ -9929,8 +9932,8 @@
         </p:blipFill>
         <p:spPr bwMode="auto">
           <a:xfrm>
-            <a:off x="5997081" y="3270980"/>
-            <a:ext cx="534988" cy="641129"/>
+            <a:off x="5778500" y="1757882"/>
+            <a:ext cx="747712" cy="792735"/>
           </a:xfrm>
           <a:prstGeom prst="rect">
             <a:avLst/>
@@ -9968,8 +9971,8 @@
         </p:blipFill>
         <p:spPr bwMode="auto">
           <a:xfrm>
-            <a:off x="4848224" y="3270981"/>
-            <a:ext cx="534988" cy="641129"/>
+            <a:off x="4715272" y="1757883"/>
+            <a:ext cx="747712" cy="792734"/>
           </a:xfrm>
           <a:prstGeom prst="rect">
             <a:avLst/>
@@ -10007,8 +10010,8 @@
         </p:blipFill>
         <p:spPr bwMode="auto">
           <a:xfrm>
-            <a:off x="5535612" y="1447733"/>
-            <a:ext cx="2057400" cy="927350"/>
+            <a:off x="5009356" y="2859673"/>
+            <a:ext cx="2286000" cy="1066800"/>
           </a:xfrm>
           <a:prstGeom prst="rect">
             <a:avLst/>
@@ -10027,16 +10030,16 @@
       </p:pic>
       <p:sp>
         <p:nvSpPr>
-          <p:cNvPr id="2" name="Down Arrow 1"/>
+          <p:cNvPr id="3" name="Right Arrow 2"/>
           <p:cNvSpPr/>
           <p:nvPr/>
         </p:nvSpPr>
         <p:spPr>
           <a:xfrm>
-            <a:off x="5034822" y="754635"/>
-            <a:ext cx="139304" cy="152400"/>
-          </a:xfrm>
-          <a:prstGeom prst="downArrow">
+            <a:off x="1177924" y="2037238"/>
+            <a:ext cx="326232" cy="241742"/>
+          </a:xfrm>
+          <a:prstGeom prst="rightArrow">
             <a:avLst/>
           </a:prstGeom>
         </p:spPr>
@@ -10061,22 +10064,22 @@
           <a:lstStyle/>
           <a:p>
             <a:pPr algn="ctr"/>
-            <a:endParaRPr lang="en-IN"/>
-          </a:p>
-        </p:txBody>
-      </p:sp>
-      <p:sp>
-        <p:nvSpPr>
-          <p:cNvPr id="15" name="Down Arrow 14"/>
+            <a:endParaRPr lang="en-GB"/>
+          </a:p>
+        </p:txBody>
+      </p:sp>
+      <p:sp>
+        <p:nvSpPr>
+          <p:cNvPr id="19" name="Right Arrow 18"/>
           <p:cNvSpPr/>
           <p:nvPr/>
         </p:nvSpPr>
         <p:spPr>
           <a:xfrm>
-            <a:off x="5034822" y="1535214"/>
-            <a:ext cx="139304" cy="152400"/>
-          </a:xfrm>
-          <a:prstGeom prst="downArrow">
+            <a:off x="2251868" y="2034270"/>
+            <a:ext cx="326232" cy="241742"/>
+          </a:xfrm>
+          <a:prstGeom prst="rightArrow">
             <a:avLst/>
           </a:prstGeom>
         </p:spPr>
@@ -10101,22 +10104,22 @@
           <a:lstStyle/>
           <a:p>
             <a:pPr algn="ctr"/>
-            <a:endParaRPr lang="en-IN"/>
-          </a:p>
-        </p:txBody>
-      </p:sp>
-      <p:sp>
-        <p:nvSpPr>
-          <p:cNvPr id="16" name="Down Arrow 15"/>
+            <a:endParaRPr lang="en-GB"/>
+          </a:p>
+        </p:txBody>
+      </p:sp>
+      <p:sp>
+        <p:nvSpPr>
+          <p:cNvPr id="20" name="Right Arrow 19"/>
           <p:cNvSpPr/>
           <p:nvPr/>
         </p:nvSpPr>
         <p:spPr>
           <a:xfrm>
-            <a:off x="5034822" y="2344845"/>
-            <a:ext cx="139304" cy="152400"/>
-          </a:xfrm>
-          <a:prstGeom prst="downArrow">
+            <a:off x="3315096" y="2037238"/>
+            <a:ext cx="326232" cy="241742"/>
+          </a:xfrm>
+          <a:prstGeom prst="rightArrow">
             <a:avLst/>
           </a:prstGeom>
         </p:spPr>
@@ -10141,22 +10144,22 @@
           <a:lstStyle/>
           <a:p>
             <a:pPr algn="ctr"/>
-            <a:endParaRPr lang="en-IN"/>
-          </a:p>
-        </p:txBody>
-      </p:sp>
-      <p:sp>
-        <p:nvSpPr>
-          <p:cNvPr id="17" name="Down Arrow 16"/>
+            <a:endParaRPr lang="en-GB"/>
+          </a:p>
+        </p:txBody>
+      </p:sp>
+      <p:sp>
+        <p:nvSpPr>
+          <p:cNvPr id="21" name="Right Arrow 20"/>
           <p:cNvSpPr/>
           <p:nvPr/>
         </p:nvSpPr>
         <p:spPr>
           <a:xfrm>
-            <a:off x="5028855" y="3138374"/>
-            <a:ext cx="139304" cy="152400"/>
-          </a:xfrm>
-          <a:prstGeom prst="downArrow">
+            <a:off x="4389040" y="2033379"/>
+            <a:ext cx="326232" cy="241742"/>
+          </a:xfrm>
+          <a:prstGeom prst="rightArrow">
             <a:avLst/>
           </a:prstGeom>
         </p:spPr>
@@ -10181,22 +10184,22 @@
           <a:lstStyle/>
           <a:p>
             <a:pPr algn="ctr"/>
-            <a:endParaRPr lang="en-IN"/>
-          </a:p>
-        </p:txBody>
-      </p:sp>
-      <p:sp>
-        <p:nvSpPr>
-          <p:cNvPr id="18" name="Down Arrow 17"/>
+            <a:endParaRPr lang="en-GB"/>
+          </a:p>
+        </p:txBody>
+      </p:sp>
+      <p:sp>
+        <p:nvSpPr>
+          <p:cNvPr id="22" name="Right Arrow 21"/>
           <p:cNvSpPr/>
           <p:nvPr/>
         </p:nvSpPr>
         <p:spPr>
           <a:xfrm>
-            <a:off x="5028855" y="3929623"/>
-            <a:ext cx="139304" cy="152400"/>
-          </a:xfrm>
-          <a:prstGeom prst="downArrow">
+            <a:off x="5470524" y="2037238"/>
+            <a:ext cx="326232" cy="241742"/>
+          </a:xfrm>
+          <a:prstGeom prst="rightArrow">
             <a:avLst/>
           </a:prstGeom>
         </p:spPr>
@@ -10221,7 +10224,47 @@
           <a:lstStyle/>
           <a:p>
             <a:pPr algn="ctr"/>
-            <a:endParaRPr lang="en-IN"/>
+            <a:endParaRPr lang="en-GB"/>
+          </a:p>
+        </p:txBody>
+      </p:sp>
+      <p:sp>
+        <p:nvSpPr>
+          <p:cNvPr id="8" name="Down Arrow 7"/>
+          <p:cNvSpPr/>
+          <p:nvPr/>
+        </p:nvSpPr>
+        <p:spPr>
+          <a:xfrm>
+            <a:off x="6038056" y="2554873"/>
+            <a:ext cx="228600" cy="304800"/>
+          </a:xfrm>
+          <a:prstGeom prst="downArrow">
+            <a:avLst/>
+          </a:prstGeom>
+        </p:spPr>
+        <p:style>
+          <a:lnRef idx="2">
+            <a:schemeClr val="accent1">
+              <a:shade val="50000"/>
+            </a:schemeClr>
+          </a:lnRef>
+          <a:fillRef idx="1">
+            <a:schemeClr val="accent1"/>
+          </a:fillRef>
+          <a:effectRef idx="0">
+            <a:schemeClr val="accent1"/>
+          </a:effectRef>
+          <a:fontRef idx="minor">
+            <a:schemeClr val="lt1"/>
+          </a:fontRef>
+        </p:style>
+        <p:txBody>
+          <a:bodyPr rtlCol="0" anchor="ctr"/>
+          <a:lstStyle/>
+          <a:p>
+            <a:pPr algn="ctr"/>
+            <a:endParaRPr lang="en-GB"/>
           </a:p>
         </p:txBody>
       </p:sp>
@@ -10360,45 +10403,9 @@
           </a:p>
         </p:txBody>
       </p:sp>
-      <p:sp>
-        <p:nvSpPr>
-          <p:cNvPr id="2" name="TextBox 1"/>
-          <p:cNvSpPr txBox="1"/>
-          <p:nvPr/>
-        </p:nvSpPr>
-        <p:spPr>
-          <a:xfrm>
-            <a:off x="354012" y="723106"/>
-            <a:ext cx="1583500" cy="400110"/>
-          </a:xfrm>
-          <a:prstGeom prst="rect">
-            <a:avLst/>
-          </a:prstGeom>
-          <a:noFill/>
-        </p:spPr>
-        <p:txBody>
-          <a:bodyPr wrap="square" rtlCol="0">
-            <a:spAutoFit/>
-          </a:bodyPr>
-          <a:lstStyle/>
-          <a:p>
-            <a:r>
-              <a:rPr lang="en-GB" sz="2000" b="1" dirty="0" smtClean="0">
-                <a:latin typeface="Times New Roman" panose="02020603050405020304" pitchFamily="18" charset="0"/>
-                <a:cs typeface="Times New Roman" panose="02020603050405020304" pitchFamily="18" charset="0"/>
-              </a:rPr>
-              <a:t>Architecture</a:t>
-            </a:r>
-            <a:endParaRPr lang="en-GB" sz="2000" b="1" dirty="0">
-              <a:latin typeface="Times New Roman" panose="02020603050405020304" pitchFamily="18" charset="0"/>
-              <a:cs typeface="Times New Roman" panose="02020603050405020304" pitchFamily="18" charset="0"/>
-            </a:endParaRPr>
-          </a:p>
-        </p:txBody>
-      </p:sp>
       <p:pic>
         <p:nvPicPr>
-          <p:cNvPr id="12290" name="Picture 2" descr="U:\AILP Batch4\Images\data warehouse.jpg"/>
+          <p:cNvPr id="1026" name="Picture 2" descr="\\s81dsp01data01\ACIS-Udrive\Users\t10313\AILP Batch4\Images\archetecture.png"/>
           <p:cNvPicPr>
             <a:picLocks noChangeAspect="1" noChangeArrowheads="1"/>
           </p:cNvPicPr>
@@ -10419,8 +10426,8 @@
         </p:blipFill>
         <p:spPr bwMode="auto">
           <a:xfrm>
-            <a:off x="294512" y="1275616"/>
-            <a:ext cx="8212900" cy="3980597"/>
+            <a:off x="16555" y="705983"/>
+            <a:ext cx="8768670" cy="4550230"/>
           </a:xfrm>
           <a:prstGeom prst="rect">
             <a:avLst/>
@@ -10536,42 +10543,47 @@
           </a:p>
         </p:txBody>
       </p:sp>
-      <p:sp>
-        <p:nvSpPr>
-          <p:cNvPr id="5" name="TextBox 4"/>
-          <p:cNvSpPr txBox="1"/>
+      <p:pic>
+        <p:nvPicPr>
+          <p:cNvPr id="2050" name="Picture 2" descr="\\s81dsp01data01\ACIS-Udrive\Users\t10313\AILP Batch4\Images\ETL.jpg"/>
+          <p:cNvPicPr>
+            <a:picLocks noChangeAspect="1" noChangeArrowheads="1"/>
+          </p:cNvPicPr>
           <p:nvPr/>
-        </p:nvSpPr>
-        <p:spPr>
-          <a:xfrm>
-            <a:off x="354012" y="723106"/>
-            <a:ext cx="1583500" cy="400110"/>
+        </p:nvPicPr>
+        <p:blipFill>
+          <a:blip r:embed="rId2">
+            <a:extLst>
+              <a:ext uri="{28A0092B-C50C-407E-A947-70E740481C1C}">
+                <a14:useLocalDpi xmlns:a14="http://schemas.microsoft.com/office/drawing/2010/main" val="0"/>
+              </a:ext>
+            </a:extLst>
+          </a:blip>
+          <a:srcRect/>
+          <a:stretch>
+            <a:fillRect/>
+          </a:stretch>
+        </p:blipFill>
+        <p:spPr bwMode="auto">
+          <a:xfrm>
+            <a:off x="125411" y="799306"/>
+            <a:ext cx="8458201" cy="4191000"/>
           </a:xfrm>
           <a:prstGeom prst="rect">
             <a:avLst/>
           </a:prstGeom>
           <a:noFill/>
-        </p:spPr>
-        <p:txBody>
-          <a:bodyPr wrap="square" rtlCol="0">
-            <a:spAutoFit/>
-          </a:bodyPr>
-          <a:lstStyle/>
-          <a:p>
-            <a:r>
-              <a:rPr lang="en-GB" sz="2000" b="1" dirty="0" smtClean="0">
-                <a:latin typeface="Times New Roman" panose="02020603050405020304" pitchFamily="18" charset="0"/>
-                <a:cs typeface="Times New Roman" panose="02020603050405020304" pitchFamily="18" charset="0"/>
-              </a:rPr>
-              <a:t>ETL Process</a:t>
-            </a:r>
-            <a:endParaRPr lang="en-GB" sz="2000" b="1" dirty="0">
-              <a:latin typeface="Times New Roman" panose="02020603050405020304" pitchFamily="18" charset="0"/>
-              <a:cs typeface="Times New Roman" panose="02020603050405020304" pitchFamily="18" charset="0"/>
-            </a:endParaRPr>
-          </a:p>
-        </p:txBody>
-      </p:sp>
+          <a:extLst>
+            <a:ext uri="{909E8E84-426E-40DD-AFC4-6F175D3DCCD1}">
+              <a14:hiddenFill xmlns:a14="http://schemas.microsoft.com/office/drawing/2010/main">
+                <a:solidFill>
+                  <a:srgbClr val="FFFFFF"/>
+                </a:solidFill>
+              </a14:hiddenFill>
+            </a:ext>
+          </a:extLst>
+        </p:spPr>
+      </p:pic>
     </p:spTree>
     <p:extLst>
       <p:ext uri="{BB962C8B-B14F-4D97-AF65-F5344CB8AC3E}">
@@ -10657,7 +10669,12 @@
             <p:ph type="sldNum" sz="quarter" idx="12"/>
           </p:nvPr>
         </p:nvSpPr>
-        <p:spPr/>
+        <p:spPr>
+          <a:xfrm>
+            <a:off x="7897812" y="4871733"/>
+            <a:ext cx="448152" cy="270974"/>
+          </a:xfrm>
+        </p:spPr>
         <p:txBody>
           <a:bodyPr/>
           <a:lstStyle/>
@@ -10668,6 +10685,196 @@
               <a:t>29</a:t>
             </a:fld>
             <a:endParaRPr lang="en-GB" dirty="0"/>
+          </a:p>
+        </p:txBody>
+      </p:sp>
+      <p:sp>
+        <p:nvSpPr>
+          <p:cNvPr id="5" name="TextBox 4"/>
+          <p:cNvSpPr txBox="1"/>
+          <p:nvPr/>
+        </p:nvSpPr>
+        <p:spPr>
+          <a:xfrm>
+            <a:off x="294512" y="123686"/>
+            <a:ext cx="4707700" cy="523220"/>
+          </a:xfrm>
+          <a:prstGeom prst="rect">
+            <a:avLst/>
+          </a:prstGeom>
+          <a:noFill/>
+        </p:spPr>
+        <p:txBody>
+          <a:bodyPr wrap="square" rtlCol="0">
+            <a:spAutoFit/>
+          </a:bodyPr>
+          <a:lstStyle/>
+          <a:p>
+            <a:r>
+              <a:rPr lang="en-GB" sz="2800" b="1" dirty="0" smtClean="0">
+                <a:latin typeface="Times New Roman" panose="02020603050405020304" pitchFamily="18" charset="0"/>
+                <a:cs typeface="Times New Roman" panose="02020603050405020304" pitchFamily="18" charset="0"/>
+              </a:rPr>
+              <a:t>Multidimensional Schema</a:t>
+            </a:r>
+            <a:endParaRPr lang="en-GB" sz="2800" b="1" dirty="0">
+              <a:latin typeface="Times New Roman" panose="02020603050405020304" pitchFamily="18" charset="0"/>
+              <a:cs typeface="Times New Roman" panose="02020603050405020304" pitchFamily="18" charset="0"/>
+            </a:endParaRPr>
+          </a:p>
+        </p:txBody>
+      </p:sp>
+      <p:pic>
+        <p:nvPicPr>
+          <p:cNvPr id="1026" name="Picture 2" descr="\\s81dsp01data01\ACIS-Udrive\Users\t10313\AILP Batch4\Images\star.png"/>
+          <p:cNvPicPr>
+            <a:picLocks noChangeAspect="1" noChangeArrowheads="1"/>
+          </p:cNvPicPr>
+          <p:nvPr/>
+        </p:nvPicPr>
+        <p:blipFill>
+          <a:blip r:embed="rId2">
+            <a:extLst>
+              <a:ext uri="{28A0092B-C50C-407E-A947-70E740481C1C}">
+                <a14:useLocalDpi xmlns:a14="http://schemas.microsoft.com/office/drawing/2010/main" val="0"/>
+              </a:ext>
+            </a:extLst>
+          </a:blip>
+          <a:srcRect/>
+          <a:stretch>
+            <a:fillRect/>
+          </a:stretch>
+        </p:blipFill>
+        <p:spPr bwMode="auto">
+          <a:xfrm>
+            <a:off x="201612" y="1485106"/>
+            <a:ext cx="3352800" cy="3000375"/>
+          </a:xfrm>
+          <a:prstGeom prst="rect">
+            <a:avLst/>
+          </a:prstGeom>
+          <a:noFill/>
+          <a:extLst>
+            <a:ext uri="{909E8E84-426E-40DD-AFC4-6F175D3DCCD1}">
+              <a14:hiddenFill xmlns:a14="http://schemas.microsoft.com/office/drawing/2010/main">
+                <a:solidFill>
+                  <a:srgbClr val="FFFFFF"/>
+                </a:solidFill>
+              </a14:hiddenFill>
+            </a:ext>
+          </a:extLst>
+        </p:spPr>
+      </p:pic>
+      <p:pic>
+        <p:nvPicPr>
+          <p:cNvPr id="1027" name="Picture 3" descr="\\s81dsp01data01\ACIS-Udrive\Users\t10313\AILP Batch4\Images\snowflake.png"/>
+          <p:cNvPicPr>
+            <a:picLocks noChangeAspect="1" noChangeArrowheads="1"/>
+          </p:cNvPicPr>
+          <p:nvPr/>
+        </p:nvPicPr>
+        <p:blipFill>
+          <a:blip r:embed="rId3">
+            <a:extLst>
+              <a:ext uri="{28A0092B-C50C-407E-A947-70E740481C1C}">
+                <a14:useLocalDpi xmlns:a14="http://schemas.microsoft.com/office/drawing/2010/main" val="0"/>
+              </a:ext>
+            </a:extLst>
+          </a:blip>
+          <a:srcRect/>
+          <a:stretch>
+            <a:fillRect/>
+          </a:stretch>
+        </p:blipFill>
+        <p:spPr bwMode="auto">
+          <a:xfrm>
+            <a:off x="4240212" y="1509712"/>
+            <a:ext cx="4343400" cy="3095625"/>
+          </a:xfrm>
+          <a:prstGeom prst="rect">
+            <a:avLst/>
+          </a:prstGeom>
+          <a:noFill/>
+          <a:extLst>
+            <a:ext uri="{909E8E84-426E-40DD-AFC4-6F175D3DCCD1}">
+              <a14:hiddenFill xmlns:a14="http://schemas.microsoft.com/office/drawing/2010/main">
+                <a:solidFill>
+                  <a:srgbClr val="FFFFFF"/>
+                </a:solidFill>
+              </a14:hiddenFill>
+            </a:ext>
+          </a:extLst>
+        </p:spPr>
+      </p:pic>
+      <p:sp>
+        <p:nvSpPr>
+          <p:cNvPr id="2" name="TextBox 1"/>
+          <p:cNvSpPr txBox="1"/>
+          <p:nvPr/>
+        </p:nvSpPr>
+        <p:spPr>
+          <a:xfrm>
+            <a:off x="201612" y="856178"/>
+            <a:ext cx="1600200" cy="369332"/>
+          </a:xfrm>
+          <a:prstGeom prst="rect">
+            <a:avLst/>
+          </a:prstGeom>
+          <a:noFill/>
+        </p:spPr>
+        <p:txBody>
+          <a:bodyPr wrap="square" rtlCol="0">
+            <a:spAutoFit/>
+          </a:bodyPr>
+          <a:lstStyle/>
+          <a:p>
+            <a:r>
+              <a:rPr lang="en-GB" b="1" dirty="0" smtClean="0">
+                <a:latin typeface="Times New Roman" panose="02020603050405020304" pitchFamily="18" charset="0"/>
+                <a:cs typeface="Times New Roman" panose="02020603050405020304" pitchFamily="18" charset="0"/>
+              </a:rPr>
+              <a:t>Star Schema</a:t>
+            </a:r>
+            <a:endParaRPr lang="en-GB" b="1" dirty="0">
+              <a:latin typeface="Times New Roman" panose="02020603050405020304" pitchFamily="18" charset="0"/>
+              <a:cs typeface="Times New Roman" panose="02020603050405020304" pitchFamily="18" charset="0"/>
+            </a:endParaRPr>
+          </a:p>
+        </p:txBody>
+      </p:sp>
+      <p:sp>
+        <p:nvSpPr>
+          <p:cNvPr id="8" name="TextBox 7"/>
+          <p:cNvSpPr txBox="1"/>
+          <p:nvPr/>
+        </p:nvSpPr>
+        <p:spPr>
+          <a:xfrm>
+            <a:off x="4240212" y="881340"/>
+            <a:ext cx="2095500" cy="369332"/>
+          </a:xfrm>
+          <a:prstGeom prst="rect">
+            <a:avLst/>
+          </a:prstGeom>
+          <a:noFill/>
+        </p:spPr>
+        <p:txBody>
+          <a:bodyPr wrap="square" rtlCol="0">
+            <a:spAutoFit/>
+          </a:bodyPr>
+          <a:lstStyle/>
+          <a:p>
+            <a:r>
+              <a:rPr lang="en-GB" b="1" dirty="0" smtClean="0">
+                <a:latin typeface="Times New Roman" panose="02020603050405020304" pitchFamily="18" charset="0"/>
+                <a:cs typeface="Times New Roman" panose="02020603050405020304" pitchFamily="18" charset="0"/>
+              </a:rPr>
+              <a:t>Snowflake Schema</a:t>
+            </a:r>
+            <a:endParaRPr lang="en-GB" b="1" dirty="0">
+              <a:latin typeface="Times New Roman" panose="02020603050405020304" pitchFamily="18" charset="0"/>
+              <a:cs typeface="Times New Roman" panose="02020603050405020304" pitchFamily="18" charset="0"/>
+            </a:endParaRPr>
           </a:p>
         </p:txBody>
       </p:sp>
@@ -11064,6 +11271,225 @@
           </a:p>
         </p:txBody>
       </p:sp>
+      <p:sp>
+        <p:nvSpPr>
+          <p:cNvPr id="5" name="TextBox 4"/>
+          <p:cNvSpPr txBox="1"/>
+          <p:nvPr/>
+        </p:nvSpPr>
+        <p:spPr>
+          <a:xfrm>
+            <a:off x="294512" y="123686"/>
+            <a:ext cx="4707700" cy="523220"/>
+          </a:xfrm>
+          <a:prstGeom prst="rect">
+            <a:avLst/>
+          </a:prstGeom>
+          <a:noFill/>
+        </p:spPr>
+        <p:txBody>
+          <a:bodyPr wrap="square" rtlCol="0">
+            <a:spAutoFit/>
+          </a:bodyPr>
+          <a:lstStyle/>
+          <a:p>
+            <a:r>
+              <a:rPr lang="en-GB" sz="2800" b="1" dirty="0" smtClean="0">
+                <a:latin typeface="Times New Roman" panose="02020603050405020304" pitchFamily="18" charset="0"/>
+                <a:cs typeface="Times New Roman" panose="02020603050405020304" pitchFamily="18" charset="0"/>
+              </a:rPr>
+              <a:t>SAS</a:t>
+            </a:r>
+            <a:endParaRPr lang="en-GB" sz="2800" b="1" dirty="0">
+              <a:latin typeface="Times New Roman" panose="02020603050405020304" pitchFamily="18" charset="0"/>
+              <a:cs typeface="Times New Roman" panose="02020603050405020304" pitchFamily="18" charset="0"/>
+            </a:endParaRPr>
+          </a:p>
+        </p:txBody>
+      </p:sp>
+      <p:sp>
+        <p:nvSpPr>
+          <p:cNvPr id="2" name="TextBox 1"/>
+          <p:cNvSpPr txBox="1"/>
+          <p:nvPr/>
+        </p:nvSpPr>
+        <p:spPr>
+          <a:xfrm>
+            <a:off x="294512" y="1027906"/>
+            <a:ext cx="7450900" cy="3785652"/>
+          </a:xfrm>
+          <a:prstGeom prst="rect">
+            <a:avLst/>
+          </a:prstGeom>
+          <a:noFill/>
+        </p:spPr>
+        <p:txBody>
+          <a:bodyPr wrap="square" rtlCol="0">
+            <a:spAutoFit/>
+          </a:bodyPr>
+          <a:lstStyle/>
+          <a:p>
+            <a:pPr marL="285750" indent="-285750">
+              <a:buFont typeface="Wingdings" panose="05000000000000000000" pitchFamily="2" charset="2"/>
+              <a:buChar char="Ø"/>
+            </a:pPr>
+            <a:r>
+              <a:rPr lang="en-GB" sz="2000" dirty="0" smtClean="0">
+                <a:latin typeface="Times New Roman" panose="02020603050405020304" pitchFamily="18" charset="0"/>
+                <a:cs typeface="Times New Roman" panose="02020603050405020304" pitchFamily="18" charset="0"/>
+              </a:rPr>
+              <a:t>Company and Software.</a:t>
+            </a:r>
+          </a:p>
+          <a:p>
+            <a:pPr marL="285750" indent="-285750">
+              <a:buFont typeface="Wingdings" panose="05000000000000000000" pitchFamily="2" charset="2"/>
+              <a:buChar char="Ø"/>
+            </a:pPr>
+            <a:endParaRPr lang="en-GB" sz="2000" dirty="0">
+              <a:latin typeface="Times New Roman" panose="02020603050405020304" pitchFamily="18" charset="0"/>
+              <a:cs typeface="Times New Roman" panose="02020603050405020304" pitchFamily="18" charset="0"/>
+            </a:endParaRPr>
+          </a:p>
+          <a:p>
+            <a:pPr marL="285750" indent="-285750">
+              <a:buFont typeface="Wingdings" panose="05000000000000000000" pitchFamily="2" charset="2"/>
+              <a:buChar char="Ø"/>
+            </a:pPr>
+            <a:r>
+              <a:rPr lang="en-GB" sz="2000" dirty="0" smtClean="0">
+                <a:latin typeface="Times New Roman" panose="02020603050405020304" pitchFamily="18" charset="0"/>
+                <a:cs typeface="Times New Roman" panose="02020603050405020304" pitchFamily="18" charset="0"/>
+              </a:rPr>
+              <a:t>Have rules and conventions like other programming languages</a:t>
+            </a:r>
+          </a:p>
+          <a:p>
+            <a:pPr marL="285750" indent="-285750">
+              <a:buFont typeface="Wingdings" panose="05000000000000000000" pitchFamily="2" charset="2"/>
+              <a:buChar char="Ø"/>
+            </a:pPr>
+            <a:endParaRPr lang="en-GB" sz="2000" dirty="0">
+              <a:latin typeface="Times New Roman" panose="02020603050405020304" pitchFamily="18" charset="0"/>
+              <a:cs typeface="Times New Roman" panose="02020603050405020304" pitchFamily="18" charset="0"/>
+            </a:endParaRPr>
+          </a:p>
+          <a:p>
+            <a:pPr marL="285750" indent="-285750">
+              <a:buFont typeface="Wingdings" panose="05000000000000000000" pitchFamily="2" charset="2"/>
+              <a:buChar char="Ø"/>
+            </a:pPr>
+            <a:r>
+              <a:rPr lang="en-GB" sz="2000" dirty="0" smtClean="0">
+                <a:latin typeface="Times New Roman" panose="02020603050405020304" pitchFamily="18" charset="0"/>
+                <a:cs typeface="Times New Roman" panose="02020603050405020304" pitchFamily="18" charset="0"/>
+              </a:rPr>
+              <a:t>Only two datatypes : Character &amp; Numeric</a:t>
+            </a:r>
+          </a:p>
+          <a:p>
+            <a:pPr marL="285750" indent="-285750">
+              <a:buFont typeface="Wingdings" panose="05000000000000000000" pitchFamily="2" charset="2"/>
+              <a:buChar char="Ø"/>
+            </a:pPr>
+            <a:endParaRPr lang="en-GB" sz="2000" dirty="0">
+              <a:latin typeface="Times New Roman" panose="02020603050405020304" pitchFamily="18" charset="0"/>
+              <a:cs typeface="Times New Roman" panose="02020603050405020304" pitchFamily="18" charset="0"/>
+            </a:endParaRPr>
+          </a:p>
+          <a:p>
+            <a:pPr marL="285750" indent="-285750">
+              <a:buFont typeface="Wingdings" panose="05000000000000000000" pitchFamily="2" charset="2"/>
+              <a:buChar char="Ø"/>
+            </a:pPr>
+            <a:r>
+              <a:rPr lang="en-GB" sz="2000" dirty="0" smtClean="0">
+                <a:latin typeface="Times New Roman" panose="02020603050405020304" pitchFamily="18" charset="0"/>
+                <a:cs typeface="Times New Roman" panose="02020603050405020304" pitchFamily="18" charset="0"/>
+              </a:rPr>
+              <a:t>Formats and </a:t>
+            </a:r>
+            <a:r>
+              <a:rPr lang="en-GB" sz="2000" dirty="0" err="1" smtClean="0">
+                <a:latin typeface="Times New Roman" panose="02020603050405020304" pitchFamily="18" charset="0"/>
+                <a:cs typeface="Times New Roman" panose="02020603050405020304" pitchFamily="18" charset="0"/>
+              </a:rPr>
+              <a:t>Informats</a:t>
+            </a:r>
+            <a:r>
+              <a:rPr lang="en-GB" sz="2000" dirty="0" smtClean="0">
+                <a:latin typeface="Times New Roman" panose="02020603050405020304" pitchFamily="18" charset="0"/>
+                <a:cs typeface="Times New Roman" panose="02020603050405020304" pitchFamily="18" charset="0"/>
+              </a:rPr>
+              <a:t>. Format : How to write data. </a:t>
+            </a:r>
+            <a:r>
+              <a:rPr lang="en-GB" sz="2000" dirty="0" err="1" smtClean="0">
+                <a:latin typeface="Times New Roman" panose="02020603050405020304" pitchFamily="18" charset="0"/>
+                <a:cs typeface="Times New Roman" panose="02020603050405020304" pitchFamily="18" charset="0"/>
+              </a:rPr>
+              <a:t>Informat</a:t>
+            </a:r>
+            <a:r>
+              <a:rPr lang="en-GB" sz="2000" dirty="0" smtClean="0">
+                <a:latin typeface="Times New Roman" panose="02020603050405020304" pitchFamily="18" charset="0"/>
+                <a:cs typeface="Times New Roman" panose="02020603050405020304" pitchFamily="18" charset="0"/>
+              </a:rPr>
+              <a:t>: How to read data.</a:t>
+            </a:r>
+          </a:p>
+          <a:p>
+            <a:pPr marL="285750" indent="-285750">
+              <a:buFont typeface="Wingdings" panose="05000000000000000000" pitchFamily="2" charset="2"/>
+              <a:buChar char="Ø"/>
+            </a:pPr>
+            <a:endParaRPr lang="en-GB" sz="2000" dirty="0">
+              <a:latin typeface="Times New Roman" panose="02020603050405020304" pitchFamily="18" charset="0"/>
+              <a:cs typeface="Times New Roman" panose="02020603050405020304" pitchFamily="18" charset="0"/>
+            </a:endParaRPr>
+          </a:p>
+          <a:p>
+            <a:pPr marL="285750" indent="-285750">
+              <a:buFont typeface="Wingdings" panose="05000000000000000000" pitchFamily="2" charset="2"/>
+              <a:buChar char="Ø"/>
+            </a:pPr>
+            <a:r>
+              <a:rPr lang="en-GB" sz="2000" dirty="0" smtClean="0">
+                <a:latin typeface="Times New Roman" panose="02020603050405020304" pitchFamily="18" charset="0"/>
+                <a:cs typeface="Times New Roman" panose="02020603050405020304" pitchFamily="18" charset="0"/>
+              </a:rPr>
+              <a:t>SAS Dataset : Variables and Observations.</a:t>
+            </a:r>
+          </a:p>
+          <a:p>
+            <a:pPr marL="285750" indent="-285750">
+              <a:buFont typeface="Wingdings" panose="05000000000000000000" pitchFamily="2" charset="2"/>
+              <a:buChar char="Ø"/>
+            </a:pPr>
+            <a:endParaRPr lang="en-GB" sz="2000" dirty="0">
+              <a:latin typeface="Times New Roman" panose="02020603050405020304" pitchFamily="18" charset="0"/>
+              <a:cs typeface="Times New Roman" panose="02020603050405020304" pitchFamily="18" charset="0"/>
+            </a:endParaRPr>
+          </a:p>
+          <a:p>
+            <a:pPr marL="285750" indent="-285750">
+              <a:buFont typeface="Wingdings" panose="05000000000000000000" pitchFamily="2" charset="2"/>
+              <a:buChar char="Ø"/>
+            </a:pPr>
+            <a:r>
+              <a:rPr lang="en-GB" sz="2000" dirty="0" smtClean="0">
+                <a:latin typeface="Times New Roman" panose="02020603050405020304" pitchFamily="18" charset="0"/>
+                <a:cs typeface="Times New Roman" panose="02020603050405020304" pitchFamily="18" charset="0"/>
+              </a:rPr>
+              <a:t>DATA Step &amp; PROC Step of a SAS program.</a:t>
+            </a:r>
+            <a:endParaRPr lang="en-GB" sz="2000" dirty="0">
+              <a:latin typeface="Times New Roman" panose="02020603050405020304" pitchFamily="18" charset="0"/>
+              <a:cs typeface="Times New Roman" panose="02020603050405020304" pitchFamily="18" charset="0"/>
+            </a:endParaRPr>
+          </a:p>
+        </p:txBody>
+      </p:sp>
     </p:spTree>
     <p:extLst>
       <p:ext uri="{BB962C8B-B14F-4D97-AF65-F5344CB8AC3E}">
@@ -11103,7 +11529,7 @@
       </p:grpSpPr>
       <p:sp>
         <p:nvSpPr>
-          <p:cNvPr id="9" name="Textplatzhalter 8"/>
+          <p:cNvPr id="11" name="Textplatzhalter 10"/>
           <p:cNvSpPr>
             <a:spLocks noGrp="1"/>
           </p:cNvSpPr>
@@ -11111,66 +11537,112 @@
             <p:ph type="body" sz="quarter" idx="19"/>
           </p:nvPr>
         </p:nvSpPr>
+        <p:spPr>
+          <a:xfrm>
+            <a:off x="0" y="8016"/>
+            <a:ext cx="7974008" cy="676049"/>
+          </a:xfrm>
+          <a:solidFill>
+            <a:schemeClr val="tx2">
+              <a:lumMod val="20000"/>
+              <a:lumOff val="80000"/>
+            </a:schemeClr>
+          </a:solidFill>
+          <a:ln>
+            <a:solidFill>
+              <a:schemeClr val="tx2">
+                <a:lumMod val="20000"/>
+                <a:lumOff val="80000"/>
+              </a:schemeClr>
+            </a:solidFill>
+          </a:ln>
+        </p:spPr>
+        <p:txBody>
+          <a:bodyPr/>
+          <a:lstStyle/>
+          <a:p>
+            <a:endParaRPr lang="de-DE" dirty="0"/>
+          </a:p>
+        </p:txBody>
+      </p:sp>
+      <p:sp>
+        <p:nvSpPr>
+          <p:cNvPr id="4" name="Foliennummernplatzhalter 3"/>
+          <p:cNvSpPr>
+            <a:spLocks noGrp="1"/>
+          </p:cNvSpPr>
+          <p:nvPr>
+            <p:ph type="sldNum" sz="quarter" idx="12"/>
+          </p:nvPr>
+        </p:nvSpPr>
         <p:spPr/>
         <p:txBody>
           <a:bodyPr/>
           <a:lstStyle/>
           <a:p>
-            <a:pPr marL="0" indent="0">
-              <a:buNone/>
-            </a:pPr>
-            <a:endParaRPr lang="de-DE" dirty="0"/>
+            <a:fld id="{61201FF1-C63B-412E-ABF0-3D0E918900AC}" type="slidenum">
+              <a:rPr lang="en-GB" smtClean="0"/>
+              <a:pPr/>
+              <a:t>32</a:t>
+            </a:fld>
+            <a:endParaRPr lang="en-GB" dirty="0"/>
           </a:p>
         </p:txBody>
       </p:sp>
       <p:pic>
         <p:nvPicPr>
-          <p:cNvPr id="49" name="Grafik 8"/>
+          <p:cNvPr id="5" name="Picture 4" descr="\\s81dsp01data01\ACIS-Udrive\Users\t10313\AILP Batch4\Images\sasProgram.png"/>
           <p:cNvPicPr>
-            <a:picLocks noChangeAspect="1"/>
+            <a:picLocks noChangeAspect="1" noChangeArrowheads="1"/>
           </p:cNvPicPr>
           <p:nvPr/>
         </p:nvPicPr>
-        <p:blipFill>
+        <p:blipFill rotWithShape="1">
           <a:blip r:embed="rId2">
-            <a:alphaModFix amt="45000"/>
-            <a:duotone>
-              <a:prstClr val="black"/>
-              <a:schemeClr val="tx2">
-                <a:tint val="45000"/>
-                <a:satMod val="400000"/>
-              </a:schemeClr>
-            </a:duotone>
+            <a:extLst>
+              <a:ext uri="{28A0092B-C50C-407E-A947-70E740481C1C}">
+                <a14:useLocalDpi xmlns:a14="http://schemas.microsoft.com/office/drawing/2010/main" val="0"/>
+              </a:ext>
+            </a:extLst>
           </a:blip>
-          <a:stretch>
-            <a:fillRect/>
-          </a:stretch>
+          <a:srcRect t="4116" r="37361" b="8768"/>
+          <a:stretch/>
         </p:blipFill>
-        <p:spPr>
-          <a:xfrm>
-            <a:off x="4392613" y="421526"/>
-            <a:ext cx="4392612" cy="4834689"/>
-          </a:xfrm>
-          <a:prstGeom prst="rect">
-            <a:avLst/>
-          </a:prstGeom>
-        </p:spPr>
-      </p:pic>
-      <p:sp>
-        <p:nvSpPr>
-          <p:cNvPr id="5" name="TextBox 4"/>
-          <p:cNvSpPr txBox="1"/>
-          <p:nvPr/>
-        </p:nvSpPr>
-        <p:spPr>
-          <a:xfrm>
-            <a:off x="735012" y="615117"/>
-            <a:ext cx="2362200" cy="1792770"/>
+        <p:spPr bwMode="auto">
+          <a:xfrm>
+            <a:off x="201612" y="1096962"/>
+            <a:ext cx="3845687" cy="3055144"/>
           </a:xfrm>
           <a:prstGeom prst="rect">
             <a:avLst/>
           </a:prstGeom>
           <a:noFill/>
+          <a:extLst>
+            <a:ext uri="{909E8E84-426E-40DD-AFC4-6F175D3DCCD1}">
+              <a14:hiddenFill xmlns:a14="http://schemas.microsoft.com/office/drawing/2010/main">
+                <a:solidFill>
+                  <a:srgbClr val="FFFFFF"/>
+                </a:solidFill>
+              </a14:hiddenFill>
+            </a:ext>
+          </a:extLst>
+        </p:spPr>
+      </p:pic>
+      <p:sp>
+        <p:nvSpPr>
+          <p:cNvPr id="6" name="TextBox 5"/>
+          <p:cNvSpPr txBox="1"/>
+          <p:nvPr/>
+        </p:nvSpPr>
+        <p:spPr>
+          <a:xfrm>
+            <a:off x="294512" y="123686"/>
+            <a:ext cx="4707700" cy="523220"/>
+          </a:xfrm>
+          <a:prstGeom prst="rect">
+            <a:avLst/>
+          </a:prstGeom>
+          <a:noFill/>
         </p:spPr>
         <p:txBody>
           <a:bodyPr wrap="square" rtlCol="0">
@@ -11178,34 +11650,124 @@
           </a:bodyPr>
           <a:lstStyle/>
           <a:p>
-            <a:pPr algn="ctr"/>
-            <a:r>
-              <a:rPr lang="en-GB" sz="5400" b="1" dirty="0" smtClean="0">
-                <a:solidFill>
-                  <a:schemeClr val="bg1"/>
-                </a:solidFill>
-                <a:latin typeface="Allianz Serif" pitchFamily="50" charset="0"/>
+            <a:r>
+              <a:rPr lang="en-GB" sz="2800" b="1" dirty="0" smtClean="0">
+                <a:latin typeface="Times New Roman" panose="02020603050405020304" pitchFamily="18" charset="0"/>
                 <a:cs typeface="Times New Roman" panose="02020603050405020304" pitchFamily="18" charset="0"/>
               </a:rPr>
-              <a:t>08</a:t>
-            </a:r>
-          </a:p>
-          <a:p>
-            <a:r>
-              <a:rPr lang="en-GB" sz="5400" b="1" dirty="0" smtClean="0">
-                <a:solidFill>
-                  <a:schemeClr val="bg1"/>
-                </a:solidFill>
-                <a:latin typeface="Allianz Serif" pitchFamily="50" charset="0"/>
+              <a:t>SAS Program Structure</a:t>
+            </a:r>
+            <a:endParaRPr lang="en-GB" sz="2800" b="1" dirty="0">
+              <a:latin typeface="Times New Roman" panose="02020603050405020304" pitchFamily="18" charset="0"/>
+              <a:cs typeface="Times New Roman" panose="02020603050405020304" pitchFamily="18" charset="0"/>
+            </a:endParaRPr>
+          </a:p>
+        </p:txBody>
+      </p:sp>
+      <p:sp>
+        <p:nvSpPr>
+          <p:cNvPr id="3" name="TextBox 2"/>
+          <p:cNvSpPr txBox="1"/>
+          <p:nvPr/>
+        </p:nvSpPr>
+        <p:spPr>
+          <a:xfrm>
+            <a:off x="4468812" y="1256506"/>
+            <a:ext cx="3429000" cy="2862322"/>
+          </a:xfrm>
+          <a:prstGeom prst="rect">
+            <a:avLst/>
+          </a:prstGeom>
+          <a:noFill/>
+        </p:spPr>
+        <p:txBody>
+          <a:bodyPr wrap="square" rtlCol="0">
+            <a:spAutoFit/>
+          </a:bodyPr>
+          <a:lstStyle/>
+          <a:p>
+            <a:r>
+              <a:rPr lang="en-GB" sz="2000" dirty="0" smtClean="0">
+                <a:latin typeface="Times New Roman" panose="02020603050405020304" pitchFamily="18" charset="0"/>
                 <a:cs typeface="Times New Roman" panose="02020603050405020304" pitchFamily="18" charset="0"/>
               </a:rPr>
-              <a:t>Claims</a:t>
-            </a:r>
-            <a:endParaRPr lang="en-GB" sz="5400" b="1" dirty="0">
-              <a:solidFill>
-                <a:schemeClr val="bg1"/>
-              </a:solidFill>
-              <a:latin typeface="Allianz Serif" pitchFamily="50" charset="0"/>
+              <a:t>DATA Step :</a:t>
+            </a:r>
+          </a:p>
+          <a:p>
+            <a:endParaRPr lang="en-GB" sz="2000" dirty="0" smtClean="0">
+              <a:latin typeface="Times New Roman" panose="02020603050405020304" pitchFamily="18" charset="0"/>
+              <a:cs typeface="Times New Roman" panose="02020603050405020304" pitchFamily="18" charset="0"/>
+            </a:endParaRPr>
+          </a:p>
+          <a:p>
+            <a:pPr marL="285750" indent="-285750">
+              <a:buFont typeface="Wingdings" panose="05000000000000000000" pitchFamily="2" charset="2"/>
+              <a:buChar char="Ø"/>
+            </a:pPr>
+            <a:r>
+              <a:rPr lang="en-GB" sz="2000" dirty="0" smtClean="0">
+                <a:latin typeface="Times New Roman" panose="02020603050405020304" pitchFamily="18" charset="0"/>
+                <a:cs typeface="Times New Roman" panose="02020603050405020304" pitchFamily="18" charset="0"/>
+              </a:rPr>
+              <a:t>Read and Modify data.</a:t>
+            </a:r>
+          </a:p>
+          <a:p>
+            <a:pPr marL="285750" indent="-285750">
+              <a:buFont typeface="Wingdings" panose="05000000000000000000" pitchFamily="2" charset="2"/>
+              <a:buChar char="Ø"/>
+            </a:pPr>
+            <a:r>
+              <a:rPr lang="en-GB" sz="2000" dirty="0" smtClean="0">
+                <a:latin typeface="Times New Roman" panose="02020603050405020304" pitchFamily="18" charset="0"/>
+                <a:cs typeface="Times New Roman" panose="02020603050405020304" pitchFamily="18" charset="0"/>
+              </a:rPr>
+              <a:t>Create SAS Data Set.</a:t>
+            </a:r>
+          </a:p>
+          <a:p>
+            <a:endParaRPr lang="en-GB" sz="2000" dirty="0">
+              <a:latin typeface="Times New Roman" panose="02020603050405020304" pitchFamily="18" charset="0"/>
+              <a:cs typeface="Times New Roman" panose="02020603050405020304" pitchFamily="18" charset="0"/>
+            </a:endParaRPr>
+          </a:p>
+          <a:p>
+            <a:r>
+              <a:rPr lang="en-GB" sz="2000" dirty="0" smtClean="0">
+                <a:latin typeface="Times New Roman" panose="02020603050405020304" pitchFamily="18" charset="0"/>
+                <a:cs typeface="Times New Roman" panose="02020603050405020304" pitchFamily="18" charset="0"/>
+              </a:rPr>
+              <a:t>PROC Step :</a:t>
+            </a:r>
+          </a:p>
+          <a:p>
+            <a:pPr marL="285750" indent="-285750">
+              <a:buFont typeface="Wingdings" panose="05000000000000000000" pitchFamily="2" charset="2"/>
+              <a:buChar char="Ø"/>
+            </a:pPr>
+            <a:r>
+              <a:rPr lang="en-GB" sz="2000" dirty="0" smtClean="0">
+                <a:latin typeface="Times New Roman" panose="02020603050405020304" pitchFamily="18" charset="0"/>
+                <a:cs typeface="Times New Roman" panose="02020603050405020304" pitchFamily="18" charset="0"/>
+              </a:rPr>
+              <a:t>Perform specific analysis or function.</a:t>
+            </a:r>
+          </a:p>
+          <a:p>
+            <a:pPr marL="285750" indent="-285750">
+              <a:buFont typeface="Wingdings" panose="05000000000000000000" pitchFamily="2" charset="2"/>
+              <a:buChar char="Ø"/>
+            </a:pPr>
+            <a:r>
+              <a:rPr lang="en-GB" sz="2000" dirty="0" smtClean="0">
+                <a:latin typeface="Times New Roman" panose="02020603050405020304" pitchFamily="18" charset="0"/>
+                <a:cs typeface="Times New Roman" panose="02020603050405020304" pitchFamily="18" charset="0"/>
+              </a:rPr>
+              <a:t>Produce results or output.</a:t>
+            </a:r>
+            <a:endParaRPr lang="en-GB" sz="2000" dirty="0">
+              <a:latin typeface="Times New Roman" panose="02020603050405020304" pitchFamily="18" charset="0"/>
               <a:cs typeface="Times New Roman" panose="02020603050405020304" pitchFamily="18" charset="0"/>
             </a:endParaRPr>
           </a:p>
@@ -11214,7 +11776,7 @@
     </p:spTree>
     <p:extLst>
       <p:ext uri="{BB962C8B-B14F-4D97-AF65-F5344CB8AC3E}">
-        <p14:creationId xmlns:p14="http://schemas.microsoft.com/office/powerpoint/2010/main" val="680084884"/>
+        <p14:creationId xmlns:p14="http://schemas.microsoft.com/office/powerpoint/2010/main" val="1373631645"/>
       </p:ext>
     </p:extLst>
   </p:cSld>
@@ -11310,10 +11872,87 @@
           </a:p>
         </p:txBody>
       </p:sp>
+      <p:pic>
+        <p:nvPicPr>
+          <p:cNvPr id="6" name="Picture 2" descr="\\s81dsp01data01\ACIS-Udrive\Users\t10313\AILP Batch4\Images\sas program sample.gif"/>
+          <p:cNvPicPr>
+            <a:picLocks noChangeAspect="1" noChangeArrowheads="1"/>
+          </p:cNvPicPr>
+          <p:nvPr/>
+        </p:nvPicPr>
+        <p:blipFill>
+          <a:blip r:embed="rId2">
+            <a:extLst>
+              <a:ext uri="{28A0092B-C50C-407E-A947-70E740481C1C}">
+                <a14:useLocalDpi xmlns:a14="http://schemas.microsoft.com/office/drawing/2010/main" val="0"/>
+              </a:ext>
+            </a:extLst>
+          </a:blip>
+          <a:srcRect/>
+          <a:stretch>
+            <a:fillRect/>
+          </a:stretch>
+        </p:blipFill>
+        <p:spPr bwMode="auto">
+          <a:xfrm>
+            <a:off x="582612" y="1027906"/>
+            <a:ext cx="6172200" cy="3581400"/>
+          </a:xfrm>
+          <a:prstGeom prst="rect">
+            <a:avLst/>
+          </a:prstGeom>
+          <a:noFill/>
+          <a:extLst>
+            <a:ext uri="{909E8E84-426E-40DD-AFC4-6F175D3DCCD1}">
+              <a14:hiddenFill xmlns:a14="http://schemas.microsoft.com/office/drawing/2010/main">
+                <a:solidFill>
+                  <a:srgbClr val="FFFFFF"/>
+                </a:solidFill>
+              </a14:hiddenFill>
+            </a:ext>
+          </a:extLst>
+        </p:spPr>
+      </p:pic>
+      <p:sp>
+        <p:nvSpPr>
+          <p:cNvPr id="7" name="TextBox 6"/>
+          <p:cNvSpPr txBox="1"/>
+          <p:nvPr/>
+        </p:nvSpPr>
+        <p:spPr>
+          <a:xfrm>
+            <a:off x="294512" y="123686"/>
+            <a:ext cx="4707700" cy="523220"/>
+          </a:xfrm>
+          <a:prstGeom prst="rect">
+            <a:avLst/>
+          </a:prstGeom>
+          <a:noFill/>
+        </p:spPr>
+        <p:txBody>
+          <a:bodyPr wrap="square" rtlCol="0">
+            <a:spAutoFit/>
+          </a:bodyPr>
+          <a:lstStyle/>
+          <a:p>
+            <a:r>
+              <a:rPr lang="en-GB" sz="2800" b="1" dirty="0" smtClean="0">
+                <a:latin typeface="Times New Roman" panose="02020603050405020304" pitchFamily="18" charset="0"/>
+                <a:cs typeface="Times New Roman" panose="02020603050405020304" pitchFamily="18" charset="0"/>
+              </a:rPr>
+              <a:t>Sample SAS Program</a:t>
+            </a:r>
+            <a:endParaRPr lang="en-GB" sz="2800" b="1" dirty="0">
+              <a:latin typeface="Times New Roman" panose="02020603050405020304" pitchFamily="18" charset="0"/>
+              <a:cs typeface="Times New Roman" panose="02020603050405020304" pitchFamily="18" charset="0"/>
+            </a:endParaRPr>
+          </a:p>
+        </p:txBody>
+      </p:sp>
     </p:spTree>
     <p:extLst>
       <p:ext uri="{BB962C8B-B14F-4D97-AF65-F5344CB8AC3E}">
-        <p14:creationId xmlns:p14="http://schemas.microsoft.com/office/powerpoint/2010/main" val="1462879094"/>
+        <p14:creationId xmlns:p14="http://schemas.microsoft.com/office/powerpoint/2010/main" val="9462830"/>
       </p:ext>
     </p:extLst>
   </p:cSld>
@@ -11349,7 +11988,7 @@
       </p:grpSpPr>
       <p:sp>
         <p:nvSpPr>
-          <p:cNvPr id="9" name="Textplatzhalter 8"/>
+          <p:cNvPr id="11" name="Textplatzhalter 10"/>
           <p:cNvSpPr>
             <a:spLocks noGrp="1"/>
           </p:cNvSpPr>
@@ -11357,61 +11996,68 @@
             <p:ph type="body" sz="quarter" idx="19"/>
           </p:nvPr>
         </p:nvSpPr>
+        <p:spPr>
+          <a:xfrm>
+            <a:off x="0" y="8016"/>
+            <a:ext cx="7974008" cy="676049"/>
+          </a:xfrm>
+          <a:solidFill>
+            <a:schemeClr val="tx2">
+              <a:lumMod val="20000"/>
+              <a:lumOff val="80000"/>
+            </a:schemeClr>
+          </a:solidFill>
+          <a:ln>
+            <a:solidFill>
+              <a:schemeClr val="tx2">
+                <a:lumMod val="20000"/>
+                <a:lumOff val="80000"/>
+              </a:schemeClr>
+            </a:solidFill>
+          </a:ln>
+        </p:spPr>
+        <p:txBody>
+          <a:bodyPr/>
+          <a:lstStyle/>
+          <a:p>
+            <a:endParaRPr lang="de-DE" dirty="0"/>
+          </a:p>
+        </p:txBody>
+      </p:sp>
+      <p:sp>
+        <p:nvSpPr>
+          <p:cNvPr id="4" name="Foliennummernplatzhalter 3"/>
+          <p:cNvSpPr>
+            <a:spLocks noGrp="1"/>
+          </p:cNvSpPr>
+          <p:nvPr>
+            <p:ph type="sldNum" sz="quarter" idx="12"/>
+          </p:nvPr>
+        </p:nvSpPr>
         <p:spPr/>
         <p:txBody>
           <a:bodyPr/>
           <a:lstStyle/>
           <a:p>
-            <a:pPr marL="0" indent="0">
-              <a:buNone/>
-            </a:pPr>
-            <a:endParaRPr lang="de-DE" dirty="0"/>
-          </a:p>
-        </p:txBody>
-      </p:sp>
-      <p:pic>
-        <p:nvPicPr>
-          <p:cNvPr id="49" name="Grafik 8"/>
-          <p:cNvPicPr>
-            <a:picLocks noChangeAspect="1"/>
-          </p:cNvPicPr>
-          <p:nvPr/>
-        </p:nvPicPr>
-        <p:blipFill>
-          <a:blip r:embed="rId2">
-            <a:alphaModFix amt="45000"/>
-            <a:duotone>
-              <a:prstClr val="black"/>
-              <a:schemeClr val="tx2">
-                <a:tint val="45000"/>
-                <a:satMod val="400000"/>
-              </a:schemeClr>
-            </a:duotone>
-          </a:blip>
-          <a:stretch>
-            <a:fillRect/>
-          </a:stretch>
-        </p:blipFill>
-        <p:spPr>
-          <a:xfrm>
-            <a:off x="4392613" y="421526"/>
-            <a:ext cx="4392612" cy="4834689"/>
-          </a:xfrm>
-          <a:prstGeom prst="rect">
-            <a:avLst/>
-          </a:prstGeom>
-        </p:spPr>
-      </p:pic>
-      <p:sp>
-        <p:nvSpPr>
-          <p:cNvPr id="5" name="TextBox 4"/>
+            <a:fld id="{61201FF1-C63B-412E-ABF0-3D0E918900AC}" type="slidenum">
+              <a:rPr lang="en-GB" smtClean="0"/>
+              <a:pPr/>
+              <a:t>34</a:t>
+            </a:fld>
+            <a:endParaRPr lang="en-GB" dirty="0"/>
+          </a:p>
+        </p:txBody>
+      </p:sp>
+      <p:sp>
+        <p:nvSpPr>
+          <p:cNvPr id="3" name="TextBox 2"/>
           <p:cNvSpPr txBox="1"/>
           <p:nvPr/>
         </p:nvSpPr>
         <p:spPr>
           <a:xfrm>
-            <a:off x="506412" y="615117"/>
-            <a:ext cx="4572000" cy="1792770"/>
+            <a:off x="201612" y="875506"/>
+            <a:ext cx="8382000" cy="4524315"/>
           </a:xfrm>
           <a:prstGeom prst="rect">
             <a:avLst/>
@@ -11424,43 +12070,112 @@
           </a:bodyPr>
           <a:lstStyle/>
           <a:p>
-            <a:pPr algn="ctr"/>
-            <a:r>
-              <a:rPr lang="en-GB" sz="5400" b="1" dirty="0" smtClean="0">
-                <a:solidFill>
-                  <a:schemeClr val="bg1"/>
-                </a:solidFill>
-                <a:latin typeface="Allianz Serif" pitchFamily="50" charset="0"/>
-                <a:cs typeface="Times New Roman" panose="02020603050405020304" pitchFamily="18" charset="0"/>
+            <a:r>
+              <a:rPr lang="en-GB" sz="1200" b="1" dirty="0"/>
+              <a:t>a. Multivariate Analysis</a:t>
+            </a:r>
+          </a:p>
+          <a:p>
+            <a:r>
+              <a:rPr lang="en-GB" sz="1200" dirty="0"/>
+              <a:t>For instance, consider a person wishes to buy stock in bulk. So he or she would weigh various factors like price and quantity or price and quality etc. The multivariate analysis does the same thing. It detects and analyses various statistical variables of an outcome at the same time. A technique is used in this analysis. It uses various studies which depict the effect of variable factors on one single result. It includes analysis of factor analysis, bivariate analysis, and multiple </a:t>
+            </a:r>
+            <a:r>
+              <a:rPr lang="en-GB" sz="1200" b="1" dirty="0">
+                <a:hlinkClick r:id="rId2"/>
               </a:rPr>
-              <a:t>09</a:t>
-            </a:r>
-          </a:p>
-          <a:p>
-            <a:r>
-              <a:rPr lang="en-GB" sz="5400" b="1" dirty="0" smtClean="0">
-                <a:solidFill>
-                  <a:schemeClr val="bg1"/>
-                </a:solidFill>
-                <a:latin typeface="Allianz Serif" pitchFamily="50" charset="0"/>
-                <a:cs typeface="Times New Roman" panose="02020603050405020304" pitchFamily="18" charset="0"/>
+              <a:t>regressions</a:t>
+            </a:r>
+            <a:r>
+              <a:rPr lang="en-GB" sz="1200" dirty="0"/>
+              <a:t>.</a:t>
+            </a:r>
+          </a:p>
+          <a:p>
+            <a:r>
+              <a:rPr lang="en-GB" sz="1200" b="1" dirty="0">
+                <a:hlinkClick r:id="rId3"/>
               </a:rPr>
-              <a:t>Participations</a:t>
-            </a:r>
-            <a:endParaRPr lang="en-GB" sz="5400" b="1" dirty="0">
-              <a:solidFill>
-                <a:schemeClr val="bg1"/>
-              </a:solidFill>
-              <a:latin typeface="Allianz Serif" pitchFamily="50" charset="0"/>
-              <a:cs typeface="Times New Roman" panose="02020603050405020304" pitchFamily="18" charset="0"/>
-            </a:endParaRPr>
+              <a:t>Let’s Discuss SAS One Way ANOVA – SAS PROC ANOVA</a:t>
+            </a:r>
+            <a:endParaRPr lang="en-GB" sz="1200" dirty="0"/>
+          </a:p>
+          <a:p>
+            <a:r>
+              <a:rPr lang="en-GB" sz="1200" b="1" dirty="0"/>
+              <a:t>b. Business Intelligence</a:t>
+            </a:r>
+          </a:p>
+          <a:p>
+            <a:r>
+              <a:rPr lang="en-GB" sz="1200" dirty="0"/>
+              <a:t>It refers to strategies and technologies used by any enterprise for data analysis of business information. It provides insights regarding predictive, current and historical views of business working. The analysis of data helps the senior board with scope for decision making. These technologies include reporting, </a:t>
+            </a:r>
+            <a:r>
+              <a:rPr lang="en-GB" sz="1200" b="1" dirty="0">
+                <a:hlinkClick r:id="rId4"/>
+              </a:rPr>
+              <a:t>data mining</a:t>
+            </a:r>
+            <a:r>
+              <a:rPr lang="en-GB" sz="1200" dirty="0"/>
+              <a:t>, process mining, complex event processing, benchmarking etc.</a:t>
+            </a:r>
+          </a:p>
+          <a:p>
+            <a:r>
+              <a:rPr lang="en-GB" sz="1200" b="1" dirty="0"/>
+              <a:t>c. Predictive Analytics</a:t>
+            </a:r>
+          </a:p>
+          <a:p>
+            <a:r>
+              <a:rPr lang="en-GB" sz="1200" dirty="0"/>
+              <a:t>As the name suggests it uses already available data to predict the future. It uses various statistical techniques to draw inferences. For instance, in a company, the trend in sales of product A has been constant over years. So, it suggests non-changing demand of the product. But for product B with changing demand every month. It analyses all the factors causing the variation, hidden inferences in text, customer thought process etc. Here predictive model exploits patterns found in historical data to identify risk.</a:t>
+            </a:r>
+          </a:p>
+          <a:p>
+            <a:r>
+              <a:rPr lang="en-GB" sz="1200" b="1" dirty="0">
+                <a:hlinkClick r:id="rId5"/>
+              </a:rPr>
+              <a:t>Read a new Topic – SAS Repeated Measure Analysis</a:t>
+            </a:r>
+            <a:endParaRPr lang="en-GB" sz="1200" dirty="0"/>
+          </a:p>
+          <a:p>
+            <a:r>
+              <a:rPr lang="en-GB" sz="1200" b="1" dirty="0"/>
+              <a:t>d. Creating Safe Drugs &amp; Clinical Research and Forecasting</a:t>
+            </a:r>
+          </a:p>
+          <a:p>
+            <a:r>
+              <a:rPr lang="en-GB" sz="1200" dirty="0"/>
+              <a:t>Diagnosis and prognosis are a very critical element of medicine. They should always be very precise and accurate. SAS has played a revolutionary role in the field of medicine. It is used in clinical decision making support system. This is used to monitor whether patients are at risk. They are even used to find small opportunities for improvement in the condition of a patient.</a:t>
+            </a:r>
+          </a:p>
+          <a:p>
+            <a:r>
+              <a:rPr lang="en-GB" sz="1200" dirty="0"/>
+              <a:t>SAS is a 4GL language. The main SAS application is to minimize programming efforts and reduce the time and money required to develop software.</a:t>
+            </a:r>
+          </a:p>
+          <a:p>
+            <a:r>
+              <a:rPr lang="en-GB" sz="1200" dirty="0"/>
+              <a:t>So, this was all about SAS Applications. Hope you like our explanation.</a:t>
+            </a:r>
+          </a:p>
+          <a:p>
+            <a:endParaRPr lang="en-GB" sz="1200" dirty="0"/>
           </a:p>
         </p:txBody>
       </p:sp>
     </p:spTree>
     <p:extLst>
       <p:ext uri="{BB962C8B-B14F-4D97-AF65-F5344CB8AC3E}">
-        <p14:creationId xmlns:p14="http://schemas.microsoft.com/office/powerpoint/2010/main" val="680084884"/>
+        <p14:creationId xmlns:p14="http://schemas.microsoft.com/office/powerpoint/2010/main" val="9462830"/>
       </p:ext>
     </p:extLst>
   </p:cSld>
@@ -11556,10 +12271,51 @@
           </a:p>
         </p:txBody>
       </p:sp>
+      <p:pic>
+        <p:nvPicPr>
+          <p:cNvPr id="3074" name="Picture 2" descr="\\s81dsp01data01\ACIS-Udrive\Users\t10313\AILP Batch4\Images\sas applications.jpg"/>
+          <p:cNvPicPr>
+            <a:picLocks noChangeAspect="1" noChangeArrowheads="1"/>
+          </p:cNvPicPr>
+          <p:nvPr/>
+        </p:nvPicPr>
+        <p:blipFill>
+          <a:blip r:embed="rId2">
+            <a:extLst>
+              <a:ext uri="{28A0092B-C50C-407E-A947-70E740481C1C}">
+                <a14:useLocalDpi xmlns:a14="http://schemas.microsoft.com/office/drawing/2010/main" val="0"/>
+              </a:ext>
+            </a:extLst>
+          </a:blip>
+          <a:srcRect/>
+          <a:stretch>
+            <a:fillRect/>
+          </a:stretch>
+        </p:blipFill>
+        <p:spPr bwMode="auto">
+          <a:xfrm>
+            <a:off x="1268412" y="951706"/>
+            <a:ext cx="6934201" cy="3906044"/>
+          </a:xfrm>
+          <a:prstGeom prst="rect">
+            <a:avLst/>
+          </a:prstGeom>
+          <a:noFill/>
+          <a:extLst>
+            <a:ext uri="{909E8E84-426E-40DD-AFC4-6F175D3DCCD1}">
+              <a14:hiddenFill xmlns:a14="http://schemas.microsoft.com/office/drawing/2010/main">
+                <a:solidFill>
+                  <a:srgbClr val="FFFFFF"/>
+                </a:solidFill>
+              </a14:hiddenFill>
+            </a:ext>
+          </a:extLst>
+        </p:spPr>
+      </p:pic>
     </p:spTree>
     <p:extLst>
       <p:ext uri="{BB962C8B-B14F-4D97-AF65-F5344CB8AC3E}">
-        <p14:creationId xmlns:p14="http://schemas.microsoft.com/office/powerpoint/2010/main" val="1462879094"/>
+        <p14:creationId xmlns:p14="http://schemas.microsoft.com/office/powerpoint/2010/main" val="637193032"/>
       </p:ext>
     </p:extLst>
   </p:cSld>
@@ -11595,6 +12351,44 @@
       </p:grpSpPr>
       <p:sp>
         <p:nvSpPr>
+          <p:cNvPr id="11" name="Textplatzhalter 10"/>
+          <p:cNvSpPr>
+            <a:spLocks noGrp="1"/>
+          </p:cNvSpPr>
+          <p:nvPr>
+            <p:ph type="body" sz="quarter" idx="19"/>
+          </p:nvPr>
+        </p:nvSpPr>
+        <p:spPr>
+          <a:xfrm>
+            <a:off x="0" y="8016"/>
+            <a:ext cx="7974008" cy="676049"/>
+          </a:xfrm>
+          <a:solidFill>
+            <a:schemeClr val="tx2">
+              <a:lumMod val="20000"/>
+              <a:lumOff val="80000"/>
+            </a:schemeClr>
+          </a:solidFill>
+          <a:ln>
+            <a:solidFill>
+              <a:schemeClr val="tx2">
+                <a:lumMod val="20000"/>
+                <a:lumOff val="80000"/>
+              </a:schemeClr>
+            </a:solidFill>
+          </a:ln>
+        </p:spPr>
+        <p:txBody>
+          <a:bodyPr/>
+          <a:lstStyle/>
+          <a:p>
+            <a:endParaRPr lang="de-DE" dirty="0"/>
+          </a:p>
+        </p:txBody>
+      </p:sp>
+      <p:sp>
+        <p:nvSpPr>
           <p:cNvPr id="4" name="Foliennummernplatzhalter 3"/>
           <p:cNvSpPr>
             <a:spLocks noGrp="1"/>
@@ -11617,16 +12411,242 @@
           </a:p>
         </p:txBody>
       </p:sp>
+      <p:sp>
+        <p:nvSpPr>
+          <p:cNvPr id="2" name="Rectangle 1"/>
+          <p:cNvSpPr/>
+          <p:nvPr/>
+        </p:nvSpPr>
+        <p:spPr>
+          <a:xfrm>
+            <a:off x="2226571" y="2442647"/>
+            <a:ext cx="4332083" cy="369332"/>
+          </a:xfrm>
+          <a:prstGeom prst="rect">
+            <a:avLst/>
+          </a:prstGeom>
+        </p:spPr>
+        <p:txBody>
+          <a:bodyPr wrap="none">
+            <a:spAutoFit/>
+          </a:bodyPr>
+          <a:lstStyle/>
+          <a:p>
+            <a:r>
+              <a:rPr lang="en-GB" dirty="0"/>
+              <a:t>https://data-flair.training/blogs/sas-tutorial/</a:t>
+            </a:r>
+          </a:p>
+        </p:txBody>
+      </p:sp>
+    </p:spTree>
+    <p:extLst>
+      <p:ext uri="{BB962C8B-B14F-4D97-AF65-F5344CB8AC3E}">
+        <p14:creationId xmlns:p14="http://schemas.microsoft.com/office/powerpoint/2010/main" val="637193032"/>
+      </p:ext>
+    </p:extLst>
+  </p:cSld>
+  <p:clrMapOvr>
+    <a:masterClrMapping/>
+  </p:clrMapOvr>
+  <p:timing>
+    <p:tnLst>
+      <p:par>
+        <p:cTn id="1" dur="indefinite" restart="never" nodeType="tmRoot"/>
+      </p:par>
+    </p:tnLst>
+  </p:timing>
+</p:sld>
+</file>
+
+<file path=ppt/slides/slide37.xml><?xml version="1.0" encoding="utf-8"?>
+<p:sld xmlns:a="http://schemas.openxmlformats.org/drawingml/2006/main" xmlns:r="http://schemas.openxmlformats.org/officeDocument/2006/relationships" xmlns:p="http://schemas.openxmlformats.org/presentationml/2006/main">
+  <p:cSld>
+    <p:spTree>
+      <p:nvGrpSpPr>
+        <p:cNvPr id="1" name=""/>
+        <p:cNvGrpSpPr/>
+        <p:nvPr/>
+      </p:nvGrpSpPr>
+      <p:grpSpPr>
+        <a:xfrm>
+          <a:off x="0" y="0"/>
+          <a:ext cx="0" cy="0"/>
+          <a:chOff x="0" y="0"/>
+          <a:chExt cx="0" cy="0"/>
+        </a:xfrm>
+      </p:grpSpPr>
+      <p:sp>
+        <p:nvSpPr>
+          <p:cNvPr id="11" name="Textplatzhalter 10"/>
+          <p:cNvSpPr>
+            <a:spLocks noGrp="1"/>
+          </p:cNvSpPr>
+          <p:nvPr>
+            <p:ph type="body" sz="quarter" idx="19"/>
+          </p:nvPr>
+        </p:nvSpPr>
+        <p:spPr>
+          <a:xfrm>
+            <a:off x="0" y="8016"/>
+            <a:ext cx="7974008" cy="676049"/>
+          </a:xfrm>
+          <a:solidFill>
+            <a:schemeClr val="tx2">
+              <a:lumMod val="20000"/>
+              <a:lumOff val="80000"/>
+            </a:schemeClr>
+          </a:solidFill>
+          <a:ln>
+            <a:solidFill>
+              <a:schemeClr val="tx2">
+                <a:lumMod val="20000"/>
+                <a:lumOff val="80000"/>
+              </a:schemeClr>
+            </a:solidFill>
+          </a:ln>
+        </p:spPr>
+        <p:txBody>
+          <a:bodyPr/>
+          <a:lstStyle/>
+          <a:p>
+            <a:endParaRPr lang="de-DE" dirty="0"/>
+          </a:p>
+        </p:txBody>
+      </p:sp>
+      <p:sp>
+        <p:nvSpPr>
+          <p:cNvPr id="4" name="Foliennummernplatzhalter 3"/>
+          <p:cNvSpPr>
+            <a:spLocks noGrp="1"/>
+          </p:cNvSpPr>
+          <p:nvPr>
+            <p:ph type="sldNum" sz="quarter" idx="12"/>
+          </p:nvPr>
+        </p:nvSpPr>
+        <p:spPr/>
+        <p:txBody>
+          <a:bodyPr/>
+          <a:lstStyle/>
+          <a:p>
+            <a:fld id="{61201FF1-C63B-412E-ABF0-3D0E918900AC}" type="slidenum">
+              <a:rPr lang="en-GB" smtClean="0"/>
+              <a:pPr/>
+              <a:t>37</a:t>
+            </a:fld>
+            <a:endParaRPr lang="en-GB" dirty="0"/>
+          </a:p>
+        </p:txBody>
+      </p:sp>
+    </p:spTree>
+    <p:extLst>
+      <p:ext uri="{BB962C8B-B14F-4D97-AF65-F5344CB8AC3E}">
+        <p14:creationId xmlns:p14="http://schemas.microsoft.com/office/powerpoint/2010/main" val="637193032"/>
+      </p:ext>
+    </p:extLst>
+  </p:cSld>
+  <p:clrMapOvr>
+    <a:masterClrMapping/>
+  </p:clrMapOvr>
+  <p:timing>
+    <p:tnLst>
+      <p:par>
+        <p:cTn id="1" dur="indefinite" restart="never" nodeType="tmRoot"/>
+      </p:par>
+    </p:tnLst>
+  </p:timing>
+</p:sld>
+</file>
+
+<file path=ppt/slides/slide38.xml><?xml version="1.0" encoding="utf-8"?>
+<p:sld xmlns:a="http://schemas.openxmlformats.org/drawingml/2006/main" xmlns:r="http://schemas.openxmlformats.org/officeDocument/2006/relationships" xmlns:p="http://schemas.openxmlformats.org/presentationml/2006/main">
+  <p:cSld>
+    <p:spTree>
+      <p:nvGrpSpPr>
+        <p:cNvPr id="1" name=""/>
+        <p:cNvGrpSpPr/>
+        <p:nvPr/>
+      </p:nvGrpSpPr>
+      <p:grpSpPr>
+        <a:xfrm>
+          <a:off x="0" y="0"/>
+          <a:ext cx="0" cy="0"/>
+          <a:chOff x="0" y="0"/>
+          <a:chExt cx="0" cy="0"/>
+        </a:xfrm>
+      </p:grpSpPr>
+      <p:sp>
+        <p:nvSpPr>
+          <p:cNvPr id="11" name="Textplatzhalter 10"/>
+          <p:cNvSpPr>
+            <a:spLocks noGrp="1"/>
+          </p:cNvSpPr>
+          <p:nvPr>
+            <p:ph type="body" sz="quarter" idx="19"/>
+          </p:nvPr>
+        </p:nvSpPr>
+        <p:spPr>
+          <a:xfrm>
+            <a:off x="0" y="8016"/>
+            <a:ext cx="7974008" cy="676049"/>
+          </a:xfrm>
+          <a:solidFill>
+            <a:schemeClr val="tx2">
+              <a:lumMod val="20000"/>
+              <a:lumOff val="80000"/>
+            </a:schemeClr>
+          </a:solidFill>
+          <a:ln>
+            <a:solidFill>
+              <a:schemeClr val="tx2">
+                <a:lumMod val="20000"/>
+                <a:lumOff val="80000"/>
+              </a:schemeClr>
+            </a:solidFill>
+          </a:ln>
+        </p:spPr>
+        <p:txBody>
+          <a:bodyPr/>
+          <a:lstStyle/>
+          <a:p>
+            <a:endParaRPr lang="de-DE" dirty="0"/>
+          </a:p>
+        </p:txBody>
+      </p:sp>
+      <p:sp>
+        <p:nvSpPr>
+          <p:cNvPr id="4" name="Foliennummernplatzhalter 3"/>
+          <p:cNvSpPr>
+            <a:spLocks noGrp="1"/>
+          </p:cNvSpPr>
+          <p:nvPr>
+            <p:ph type="sldNum" sz="quarter" idx="12"/>
+          </p:nvPr>
+        </p:nvSpPr>
+        <p:spPr/>
+        <p:txBody>
+          <a:bodyPr/>
+          <a:lstStyle/>
+          <a:p>
+            <a:fld id="{61201FF1-C63B-412E-ABF0-3D0E918900AC}" type="slidenum">
+              <a:rPr lang="en-GB" smtClean="0"/>
+              <a:pPr/>
+              <a:t>38</a:t>
+            </a:fld>
+            <a:endParaRPr lang="en-GB" dirty="0"/>
+          </a:p>
+        </p:txBody>
+      </p:sp>
       <p:pic>
         <p:nvPicPr>
-          <p:cNvPr id="2050" name="Picture 2" descr="\\s81dsp01data01\ACIS-Udrive\Users\t10313\AILP Batch4\Images\thank you.jpg"/>
+          <p:cNvPr id="2051" name="Picture 3" descr="\\s81dsp01data01\ACIS-Udrive\Users\t10313\AILP Batch4\Images\sas.jpg"/>
           <p:cNvPicPr>
             <a:picLocks noChangeAspect="1" noChangeArrowheads="1"/>
           </p:cNvPicPr>
           <p:nvPr/>
         </p:nvPicPr>
         <p:blipFill>
-          <a:blip r:embed="rId2" cstate="print">
+          <a:blip r:embed="rId2">
             <a:extLst>
               <a:ext uri="{28A0092B-C50C-407E-A947-70E740481C1C}">
                 <a14:useLocalDpi xmlns:a14="http://schemas.microsoft.com/office/drawing/2010/main" val="0"/>
@@ -11640,8 +12660,8 @@
         </p:blipFill>
         <p:spPr bwMode="auto">
           <a:xfrm>
-            <a:off x="1" y="0"/>
-            <a:ext cx="8785224" cy="5256213"/>
+            <a:off x="3249613" y="1484313"/>
+            <a:ext cx="2286000" cy="2286000"/>
           </a:xfrm>
           <a:prstGeom prst="rect">
             <a:avLst/>
@@ -11661,7 +12681,154 @@
     </p:spTree>
     <p:extLst>
       <p:ext uri="{BB962C8B-B14F-4D97-AF65-F5344CB8AC3E}">
-        <p14:creationId xmlns:p14="http://schemas.microsoft.com/office/powerpoint/2010/main" val="2155627671"/>
+        <p14:creationId xmlns:p14="http://schemas.microsoft.com/office/powerpoint/2010/main" val="1373631645"/>
+      </p:ext>
+    </p:extLst>
+  </p:cSld>
+  <p:clrMapOvr>
+    <a:masterClrMapping/>
+  </p:clrMapOvr>
+  <p:timing>
+    <p:tnLst>
+      <p:par>
+        <p:cTn id="1" dur="indefinite" restart="never" nodeType="tmRoot"/>
+      </p:par>
+    </p:tnLst>
+  </p:timing>
+</p:sld>
+</file>
+
+<file path=ppt/slides/slide39.xml><?xml version="1.0" encoding="utf-8"?>
+<p:sld xmlns:a="http://schemas.openxmlformats.org/drawingml/2006/main" xmlns:r="http://schemas.openxmlformats.org/officeDocument/2006/relationships" xmlns:p="http://schemas.openxmlformats.org/presentationml/2006/main">
+  <p:cSld>
+    <p:spTree>
+      <p:nvGrpSpPr>
+        <p:cNvPr id="1" name=""/>
+        <p:cNvGrpSpPr/>
+        <p:nvPr/>
+      </p:nvGrpSpPr>
+      <p:grpSpPr>
+        <a:xfrm>
+          <a:off x="0" y="0"/>
+          <a:ext cx="0" cy="0"/>
+          <a:chOff x="0" y="0"/>
+          <a:chExt cx="0" cy="0"/>
+        </a:xfrm>
+      </p:grpSpPr>
+      <p:sp>
+        <p:nvSpPr>
+          <p:cNvPr id="9" name="Textplatzhalter 8"/>
+          <p:cNvSpPr>
+            <a:spLocks noGrp="1"/>
+          </p:cNvSpPr>
+          <p:nvPr>
+            <p:ph type="body" sz="quarter" idx="19"/>
+          </p:nvPr>
+        </p:nvSpPr>
+        <p:spPr/>
+        <p:txBody>
+          <a:bodyPr/>
+          <a:lstStyle/>
+          <a:p>
+            <a:pPr marL="0" indent="0">
+              <a:buNone/>
+            </a:pPr>
+            <a:endParaRPr lang="de-DE" dirty="0"/>
+          </a:p>
+        </p:txBody>
+      </p:sp>
+      <p:pic>
+        <p:nvPicPr>
+          <p:cNvPr id="49" name="Grafik 8"/>
+          <p:cNvPicPr>
+            <a:picLocks noChangeAspect="1"/>
+          </p:cNvPicPr>
+          <p:nvPr/>
+        </p:nvPicPr>
+        <p:blipFill>
+          <a:blip r:embed="rId2">
+            <a:alphaModFix amt="45000"/>
+            <a:duotone>
+              <a:prstClr val="black"/>
+              <a:schemeClr val="tx2">
+                <a:tint val="45000"/>
+                <a:satMod val="400000"/>
+              </a:schemeClr>
+            </a:duotone>
+          </a:blip>
+          <a:stretch>
+            <a:fillRect/>
+          </a:stretch>
+        </p:blipFill>
+        <p:spPr>
+          <a:xfrm>
+            <a:off x="4392613" y="421526"/>
+            <a:ext cx="4392612" cy="4834689"/>
+          </a:xfrm>
+          <a:prstGeom prst="rect">
+            <a:avLst/>
+          </a:prstGeom>
+        </p:spPr>
+      </p:pic>
+      <p:sp>
+        <p:nvSpPr>
+          <p:cNvPr id="5" name="TextBox 4"/>
+          <p:cNvSpPr txBox="1"/>
+          <p:nvPr/>
+        </p:nvSpPr>
+        <p:spPr>
+          <a:xfrm>
+            <a:off x="735012" y="615117"/>
+            <a:ext cx="2362200" cy="1792770"/>
+          </a:xfrm>
+          <a:prstGeom prst="rect">
+            <a:avLst/>
+          </a:prstGeom>
+          <a:noFill/>
+        </p:spPr>
+        <p:txBody>
+          <a:bodyPr wrap="square" rtlCol="0">
+            <a:spAutoFit/>
+          </a:bodyPr>
+          <a:lstStyle/>
+          <a:p>
+            <a:pPr algn="ctr"/>
+            <a:r>
+              <a:rPr lang="en-GB" sz="5400" b="1" dirty="0" smtClean="0">
+                <a:solidFill>
+                  <a:schemeClr val="bg1"/>
+                </a:solidFill>
+                <a:latin typeface="Allianz Serif" pitchFamily="50" charset="0"/>
+                <a:cs typeface="Times New Roman" panose="02020603050405020304" pitchFamily="18" charset="0"/>
+              </a:rPr>
+              <a:t>08</a:t>
+            </a:r>
+          </a:p>
+          <a:p>
+            <a:r>
+              <a:rPr lang="en-GB" sz="5400" b="1" dirty="0" smtClean="0">
+                <a:solidFill>
+                  <a:schemeClr val="bg1"/>
+                </a:solidFill>
+                <a:latin typeface="Allianz Serif" pitchFamily="50" charset="0"/>
+                <a:cs typeface="Times New Roman" panose="02020603050405020304" pitchFamily="18" charset="0"/>
+              </a:rPr>
+              <a:t>Claims</a:t>
+            </a:r>
+            <a:endParaRPr lang="en-GB" sz="5400" b="1" dirty="0">
+              <a:solidFill>
+                <a:schemeClr val="bg1"/>
+              </a:solidFill>
+              <a:latin typeface="Allianz Serif" pitchFamily="50" charset="0"/>
+              <a:cs typeface="Times New Roman" panose="02020603050405020304" pitchFamily="18" charset="0"/>
+            </a:endParaRPr>
+          </a:p>
+        </p:txBody>
+      </p:sp>
+    </p:spTree>
+    <p:extLst>
+      <p:ext uri="{BB962C8B-B14F-4D97-AF65-F5344CB8AC3E}">
+        <p14:creationId xmlns:p14="http://schemas.microsoft.com/office/powerpoint/2010/main" val="680084884"/>
       </p:ext>
     </p:extLst>
   </p:cSld>
@@ -11802,6 +12969,453 @@
     <p:extLst>
       <p:ext uri="{BB962C8B-B14F-4D97-AF65-F5344CB8AC3E}">
         <p14:creationId xmlns:p14="http://schemas.microsoft.com/office/powerpoint/2010/main" val="496455477"/>
+      </p:ext>
+    </p:extLst>
+  </p:cSld>
+  <p:clrMapOvr>
+    <a:masterClrMapping/>
+  </p:clrMapOvr>
+  <p:timing>
+    <p:tnLst>
+      <p:par>
+        <p:cTn id="1" dur="indefinite" restart="never" nodeType="tmRoot"/>
+      </p:par>
+    </p:tnLst>
+  </p:timing>
+</p:sld>
+</file>
+
+<file path=ppt/slides/slide40.xml><?xml version="1.0" encoding="utf-8"?>
+<p:sld xmlns:a="http://schemas.openxmlformats.org/drawingml/2006/main" xmlns:r="http://schemas.openxmlformats.org/officeDocument/2006/relationships" xmlns:p="http://schemas.openxmlformats.org/presentationml/2006/main">
+  <p:cSld>
+    <p:spTree>
+      <p:nvGrpSpPr>
+        <p:cNvPr id="1" name=""/>
+        <p:cNvGrpSpPr/>
+        <p:nvPr/>
+      </p:nvGrpSpPr>
+      <p:grpSpPr>
+        <a:xfrm>
+          <a:off x="0" y="0"/>
+          <a:ext cx="0" cy="0"/>
+          <a:chOff x="0" y="0"/>
+          <a:chExt cx="0" cy="0"/>
+        </a:xfrm>
+      </p:grpSpPr>
+      <p:sp>
+        <p:nvSpPr>
+          <p:cNvPr id="11" name="Textplatzhalter 10"/>
+          <p:cNvSpPr>
+            <a:spLocks noGrp="1"/>
+          </p:cNvSpPr>
+          <p:nvPr>
+            <p:ph type="body" sz="quarter" idx="19"/>
+          </p:nvPr>
+        </p:nvSpPr>
+        <p:spPr>
+          <a:xfrm>
+            <a:off x="0" y="8016"/>
+            <a:ext cx="7974008" cy="676049"/>
+          </a:xfrm>
+          <a:solidFill>
+            <a:schemeClr val="tx2">
+              <a:lumMod val="20000"/>
+              <a:lumOff val="80000"/>
+            </a:schemeClr>
+          </a:solidFill>
+          <a:ln>
+            <a:solidFill>
+              <a:schemeClr val="tx2">
+                <a:lumMod val="20000"/>
+                <a:lumOff val="80000"/>
+              </a:schemeClr>
+            </a:solidFill>
+          </a:ln>
+        </p:spPr>
+        <p:txBody>
+          <a:bodyPr/>
+          <a:lstStyle/>
+          <a:p>
+            <a:endParaRPr lang="de-DE" dirty="0"/>
+          </a:p>
+        </p:txBody>
+      </p:sp>
+      <p:sp>
+        <p:nvSpPr>
+          <p:cNvPr id="4" name="Foliennummernplatzhalter 3"/>
+          <p:cNvSpPr>
+            <a:spLocks noGrp="1"/>
+          </p:cNvSpPr>
+          <p:nvPr>
+            <p:ph type="sldNum" sz="quarter" idx="12"/>
+          </p:nvPr>
+        </p:nvSpPr>
+        <p:spPr/>
+        <p:txBody>
+          <a:bodyPr/>
+          <a:lstStyle/>
+          <a:p>
+            <a:fld id="{61201FF1-C63B-412E-ABF0-3D0E918900AC}" type="slidenum">
+              <a:rPr lang="en-GB" smtClean="0"/>
+              <a:pPr/>
+              <a:t>40</a:t>
+            </a:fld>
+            <a:endParaRPr lang="en-GB" dirty="0"/>
+          </a:p>
+        </p:txBody>
+      </p:sp>
+    </p:spTree>
+    <p:extLst>
+      <p:ext uri="{BB962C8B-B14F-4D97-AF65-F5344CB8AC3E}">
+        <p14:creationId xmlns:p14="http://schemas.microsoft.com/office/powerpoint/2010/main" val="1462879094"/>
+      </p:ext>
+    </p:extLst>
+  </p:cSld>
+  <p:clrMapOvr>
+    <a:masterClrMapping/>
+  </p:clrMapOvr>
+  <p:timing>
+    <p:tnLst>
+      <p:par>
+        <p:cTn id="1" dur="indefinite" restart="never" nodeType="tmRoot"/>
+      </p:par>
+    </p:tnLst>
+  </p:timing>
+</p:sld>
+</file>
+
+<file path=ppt/slides/slide41.xml><?xml version="1.0" encoding="utf-8"?>
+<p:sld xmlns:a="http://schemas.openxmlformats.org/drawingml/2006/main" xmlns:r="http://schemas.openxmlformats.org/officeDocument/2006/relationships" xmlns:p="http://schemas.openxmlformats.org/presentationml/2006/main">
+  <p:cSld>
+    <p:spTree>
+      <p:nvGrpSpPr>
+        <p:cNvPr id="1" name=""/>
+        <p:cNvGrpSpPr/>
+        <p:nvPr/>
+      </p:nvGrpSpPr>
+      <p:grpSpPr>
+        <a:xfrm>
+          <a:off x="0" y="0"/>
+          <a:ext cx="0" cy="0"/>
+          <a:chOff x="0" y="0"/>
+          <a:chExt cx="0" cy="0"/>
+        </a:xfrm>
+      </p:grpSpPr>
+      <p:sp>
+        <p:nvSpPr>
+          <p:cNvPr id="9" name="Textplatzhalter 8"/>
+          <p:cNvSpPr>
+            <a:spLocks noGrp="1"/>
+          </p:cNvSpPr>
+          <p:nvPr>
+            <p:ph type="body" sz="quarter" idx="19"/>
+          </p:nvPr>
+        </p:nvSpPr>
+        <p:spPr/>
+        <p:txBody>
+          <a:bodyPr/>
+          <a:lstStyle/>
+          <a:p>
+            <a:pPr marL="0" indent="0">
+              <a:buNone/>
+            </a:pPr>
+            <a:endParaRPr lang="de-DE" dirty="0"/>
+          </a:p>
+        </p:txBody>
+      </p:sp>
+      <p:pic>
+        <p:nvPicPr>
+          <p:cNvPr id="49" name="Grafik 8"/>
+          <p:cNvPicPr>
+            <a:picLocks noChangeAspect="1"/>
+          </p:cNvPicPr>
+          <p:nvPr/>
+        </p:nvPicPr>
+        <p:blipFill>
+          <a:blip r:embed="rId2">
+            <a:alphaModFix amt="45000"/>
+            <a:duotone>
+              <a:prstClr val="black"/>
+              <a:schemeClr val="tx2">
+                <a:tint val="45000"/>
+                <a:satMod val="400000"/>
+              </a:schemeClr>
+            </a:duotone>
+          </a:blip>
+          <a:stretch>
+            <a:fillRect/>
+          </a:stretch>
+        </p:blipFill>
+        <p:spPr>
+          <a:xfrm>
+            <a:off x="4392613" y="421526"/>
+            <a:ext cx="4392612" cy="4834689"/>
+          </a:xfrm>
+          <a:prstGeom prst="rect">
+            <a:avLst/>
+          </a:prstGeom>
+        </p:spPr>
+      </p:pic>
+      <p:sp>
+        <p:nvSpPr>
+          <p:cNvPr id="5" name="TextBox 4"/>
+          <p:cNvSpPr txBox="1"/>
+          <p:nvPr/>
+        </p:nvSpPr>
+        <p:spPr>
+          <a:xfrm>
+            <a:off x="506412" y="615117"/>
+            <a:ext cx="4572000" cy="1792770"/>
+          </a:xfrm>
+          <a:prstGeom prst="rect">
+            <a:avLst/>
+          </a:prstGeom>
+          <a:noFill/>
+        </p:spPr>
+        <p:txBody>
+          <a:bodyPr wrap="square" rtlCol="0">
+            <a:spAutoFit/>
+          </a:bodyPr>
+          <a:lstStyle/>
+          <a:p>
+            <a:pPr algn="ctr"/>
+            <a:r>
+              <a:rPr lang="en-GB" sz="5400" b="1" dirty="0" smtClean="0">
+                <a:solidFill>
+                  <a:schemeClr val="bg1"/>
+                </a:solidFill>
+                <a:latin typeface="Allianz Serif" pitchFamily="50" charset="0"/>
+                <a:cs typeface="Times New Roman" panose="02020603050405020304" pitchFamily="18" charset="0"/>
+              </a:rPr>
+              <a:t>09</a:t>
+            </a:r>
+          </a:p>
+          <a:p>
+            <a:r>
+              <a:rPr lang="en-GB" sz="5400" b="1" dirty="0" smtClean="0">
+                <a:solidFill>
+                  <a:schemeClr val="bg1"/>
+                </a:solidFill>
+                <a:latin typeface="Allianz Serif" pitchFamily="50" charset="0"/>
+                <a:cs typeface="Times New Roman" panose="02020603050405020304" pitchFamily="18" charset="0"/>
+              </a:rPr>
+              <a:t>Participations</a:t>
+            </a:r>
+            <a:endParaRPr lang="en-GB" sz="5400" b="1" dirty="0">
+              <a:solidFill>
+                <a:schemeClr val="bg1"/>
+              </a:solidFill>
+              <a:latin typeface="Allianz Serif" pitchFamily="50" charset="0"/>
+              <a:cs typeface="Times New Roman" panose="02020603050405020304" pitchFamily="18" charset="0"/>
+            </a:endParaRPr>
+          </a:p>
+        </p:txBody>
+      </p:sp>
+    </p:spTree>
+    <p:extLst>
+      <p:ext uri="{BB962C8B-B14F-4D97-AF65-F5344CB8AC3E}">
+        <p14:creationId xmlns:p14="http://schemas.microsoft.com/office/powerpoint/2010/main" val="680084884"/>
+      </p:ext>
+    </p:extLst>
+  </p:cSld>
+  <p:clrMapOvr>
+    <a:masterClrMapping/>
+  </p:clrMapOvr>
+  <p:timing>
+    <p:tnLst>
+      <p:par>
+        <p:cTn id="1" dur="indefinite" restart="never" nodeType="tmRoot"/>
+      </p:par>
+    </p:tnLst>
+  </p:timing>
+</p:sld>
+</file>
+
+<file path=ppt/slides/slide42.xml><?xml version="1.0" encoding="utf-8"?>
+<p:sld xmlns:a="http://schemas.openxmlformats.org/drawingml/2006/main" xmlns:r="http://schemas.openxmlformats.org/officeDocument/2006/relationships" xmlns:p="http://schemas.openxmlformats.org/presentationml/2006/main">
+  <p:cSld>
+    <p:spTree>
+      <p:nvGrpSpPr>
+        <p:cNvPr id="1" name=""/>
+        <p:cNvGrpSpPr/>
+        <p:nvPr/>
+      </p:nvGrpSpPr>
+      <p:grpSpPr>
+        <a:xfrm>
+          <a:off x="0" y="0"/>
+          <a:ext cx="0" cy="0"/>
+          <a:chOff x="0" y="0"/>
+          <a:chExt cx="0" cy="0"/>
+        </a:xfrm>
+      </p:grpSpPr>
+      <p:sp>
+        <p:nvSpPr>
+          <p:cNvPr id="11" name="Textplatzhalter 10"/>
+          <p:cNvSpPr>
+            <a:spLocks noGrp="1"/>
+          </p:cNvSpPr>
+          <p:nvPr>
+            <p:ph type="body" sz="quarter" idx="19"/>
+          </p:nvPr>
+        </p:nvSpPr>
+        <p:spPr>
+          <a:xfrm>
+            <a:off x="0" y="8016"/>
+            <a:ext cx="7974008" cy="676049"/>
+          </a:xfrm>
+          <a:solidFill>
+            <a:schemeClr val="tx2">
+              <a:lumMod val="20000"/>
+              <a:lumOff val="80000"/>
+            </a:schemeClr>
+          </a:solidFill>
+          <a:ln>
+            <a:solidFill>
+              <a:schemeClr val="tx2">
+                <a:lumMod val="20000"/>
+                <a:lumOff val="80000"/>
+              </a:schemeClr>
+            </a:solidFill>
+          </a:ln>
+        </p:spPr>
+        <p:txBody>
+          <a:bodyPr/>
+          <a:lstStyle/>
+          <a:p>
+            <a:endParaRPr lang="de-DE" dirty="0"/>
+          </a:p>
+        </p:txBody>
+      </p:sp>
+      <p:sp>
+        <p:nvSpPr>
+          <p:cNvPr id="4" name="Foliennummernplatzhalter 3"/>
+          <p:cNvSpPr>
+            <a:spLocks noGrp="1"/>
+          </p:cNvSpPr>
+          <p:nvPr>
+            <p:ph type="sldNum" sz="quarter" idx="12"/>
+          </p:nvPr>
+        </p:nvSpPr>
+        <p:spPr/>
+        <p:txBody>
+          <a:bodyPr/>
+          <a:lstStyle/>
+          <a:p>
+            <a:fld id="{61201FF1-C63B-412E-ABF0-3D0E918900AC}" type="slidenum">
+              <a:rPr lang="en-GB" smtClean="0"/>
+              <a:pPr/>
+              <a:t>42</a:t>
+            </a:fld>
+            <a:endParaRPr lang="en-GB" dirty="0"/>
+          </a:p>
+        </p:txBody>
+      </p:sp>
+    </p:spTree>
+    <p:extLst>
+      <p:ext uri="{BB962C8B-B14F-4D97-AF65-F5344CB8AC3E}">
+        <p14:creationId xmlns:p14="http://schemas.microsoft.com/office/powerpoint/2010/main" val="1462879094"/>
+      </p:ext>
+    </p:extLst>
+  </p:cSld>
+  <p:clrMapOvr>
+    <a:masterClrMapping/>
+  </p:clrMapOvr>
+  <p:timing>
+    <p:tnLst>
+      <p:par>
+        <p:cTn id="1" dur="indefinite" restart="never" nodeType="tmRoot"/>
+      </p:par>
+    </p:tnLst>
+  </p:timing>
+</p:sld>
+</file>
+
+<file path=ppt/slides/slide43.xml><?xml version="1.0" encoding="utf-8"?>
+<p:sld xmlns:a="http://schemas.openxmlformats.org/drawingml/2006/main" xmlns:r="http://schemas.openxmlformats.org/officeDocument/2006/relationships" xmlns:p="http://schemas.openxmlformats.org/presentationml/2006/main">
+  <p:cSld>
+    <p:spTree>
+      <p:nvGrpSpPr>
+        <p:cNvPr id="1" name=""/>
+        <p:cNvGrpSpPr/>
+        <p:nvPr/>
+      </p:nvGrpSpPr>
+      <p:grpSpPr>
+        <a:xfrm>
+          <a:off x="0" y="0"/>
+          <a:ext cx="0" cy="0"/>
+          <a:chOff x="0" y="0"/>
+          <a:chExt cx="0" cy="0"/>
+        </a:xfrm>
+      </p:grpSpPr>
+      <p:sp>
+        <p:nvSpPr>
+          <p:cNvPr id="4" name="Foliennummernplatzhalter 3"/>
+          <p:cNvSpPr>
+            <a:spLocks noGrp="1"/>
+          </p:cNvSpPr>
+          <p:nvPr>
+            <p:ph type="sldNum" sz="quarter" idx="12"/>
+          </p:nvPr>
+        </p:nvSpPr>
+        <p:spPr/>
+        <p:txBody>
+          <a:bodyPr/>
+          <a:lstStyle/>
+          <a:p>
+            <a:fld id="{61201FF1-C63B-412E-ABF0-3D0E918900AC}" type="slidenum">
+              <a:rPr lang="en-GB" smtClean="0"/>
+              <a:pPr/>
+              <a:t>43</a:t>
+            </a:fld>
+            <a:endParaRPr lang="en-GB" dirty="0"/>
+          </a:p>
+        </p:txBody>
+      </p:sp>
+      <p:pic>
+        <p:nvPicPr>
+          <p:cNvPr id="2050" name="Picture 2" descr="\\s81dsp01data01\ACIS-Udrive\Users\t10313\AILP Batch4\Images\thank you.jpg"/>
+          <p:cNvPicPr>
+            <a:picLocks noChangeAspect="1" noChangeArrowheads="1"/>
+          </p:cNvPicPr>
+          <p:nvPr/>
+        </p:nvPicPr>
+        <p:blipFill>
+          <a:blip r:embed="rId2" cstate="print">
+            <a:extLst>
+              <a:ext uri="{28A0092B-C50C-407E-A947-70E740481C1C}">
+                <a14:useLocalDpi xmlns:a14="http://schemas.microsoft.com/office/drawing/2010/main" val="0"/>
+              </a:ext>
+            </a:extLst>
+          </a:blip>
+          <a:srcRect/>
+          <a:stretch>
+            <a:fillRect/>
+          </a:stretch>
+        </p:blipFill>
+        <p:spPr bwMode="auto">
+          <a:xfrm>
+            <a:off x="1" y="0"/>
+            <a:ext cx="8785224" cy="5256213"/>
+          </a:xfrm>
+          <a:prstGeom prst="rect">
+            <a:avLst/>
+          </a:prstGeom>
+          <a:noFill/>
+          <a:extLst>
+            <a:ext uri="{909E8E84-426E-40DD-AFC4-6F175D3DCCD1}">
+              <a14:hiddenFill xmlns:a14="http://schemas.microsoft.com/office/drawing/2010/main">
+                <a:solidFill>
+                  <a:srgbClr val="FFFFFF"/>
+                </a:solidFill>
+              </a14:hiddenFill>
+            </a:ext>
+          </a:extLst>
+        </p:spPr>
+      </p:pic>
+    </p:spTree>
+    <p:extLst>
+      <p:ext uri="{BB962C8B-B14F-4D97-AF65-F5344CB8AC3E}">
+        <p14:creationId xmlns:p14="http://schemas.microsoft.com/office/powerpoint/2010/main" val="2155627671"/>
       </p:ext>
     </p:extLst>
   </p:cSld>

--- a/AmruthaMohan.pptx
+++ b/AmruthaMohan.pptx
@@ -5,10 +5,10 @@
     <p:sldMasterId id="2147483648" r:id="rId1"/>
   </p:sldMasterIdLst>
   <p:notesMasterIdLst>
-    <p:notesMasterId r:id="rId45"/>
+    <p:notesMasterId r:id="rId42"/>
   </p:notesMasterIdLst>
   <p:handoutMasterIdLst>
-    <p:handoutMasterId r:id="rId46"/>
+    <p:handoutMasterId r:id="rId43"/>
   </p:handoutMasterIdLst>
   <p:sldIdLst>
     <p:sldId id="257" r:id="rId2"/>
@@ -26,34 +26,31 @@
     <p:sldId id="268" r:id="rId14"/>
     <p:sldId id="278" r:id="rId15"/>
     <p:sldId id="281" r:id="rId16"/>
-    <p:sldId id="282" r:id="rId17"/>
-    <p:sldId id="285" r:id="rId18"/>
-    <p:sldId id="286" r:id="rId19"/>
-    <p:sldId id="279" r:id="rId20"/>
-    <p:sldId id="280" r:id="rId21"/>
-    <p:sldId id="283" r:id="rId22"/>
-    <p:sldId id="287" r:id="rId23"/>
-    <p:sldId id="269" r:id="rId24"/>
-    <p:sldId id="270" r:id="rId25"/>
-    <p:sldId id="289" r:id="rId26"/>
-    <p:sldId id="290" r:id="rId27"/>
-    <p:sldId id="291" r:id="rId28"/>
-    <p:sldId id="292" r:id="rId29"/>
-    <p:sldId id="293" r:id="rId30"/>
-    <p:sldId id="271" r:id="rId31"/>
-    <p:sldId id="272" r:id="rId32"/>
-    <p:sldId id="294" r:id="rId33"/>
-    <p:sldId id="296" r:id="rId34"/>
-    <p:sldId id="297" r:id="rId35"/>
-    <p:sldId id="300" r:id="rId36"/>
-    <p:sldId id="298" r:id="rId37"/>
-    <p:sldId id="299" r:id="rId38"/>
-    <p:sldId id="295" r:id="rId39"/>
-    <p:sldId id="273" r:id="rId40"/>
-    <p:sldId id="274" r:id="rId41"/>
-    <p:sldId id="275" r:id="rId42"/>
-    <p:sldId id="276" r:id="rId43"/>
-    <p:sldId id="277" r:id="rId44"/>
+    <p:sldId id="285" r:id="rId17"/>
+    <p:sldId id="286" r:id="rId18"/>
+    <p:sldId id="279" r:id="rId19"/>
+    <p:sldId id="280" r:id="rId20"/>
+    <p:sldId id="283" r:id="rId21"/>
+    <p:sldId id="287" r:id="rId22"/>
+    <p:sldId id="269" r:id="rId23"/>
+    <p:sldId id="270" r:id="rId24"/>
+    <p:sldId id="290" r:id="rId25"/>
+    <p:sldId id="302" r:id="rId26"/>
+    <p:sldId id="291" r:id="rId27"/>
+    <p:sldId id="292" r:id="rId28"/>
+    <p:sldId id="293" r:id="rId29"/>
+    <p:sldId id="271" r:id="rId30"/>
+    <p:sldId id="272" r:id="rId31"/>
+    <p:sldId id="294" r:id="rId32"/>
+    <p:sldId id="296" r:id="rId33"/>
+    <p:sldId id="301" r:id="rId34"/>
+    <p:sldId id="300" r:id="rId35"/>
+    <p:sldId id="295" r:id="rId36"/>
+    <p:sldId id="273" r:id="rId37"/>
+    <p:sldId id="274" r:id="rId38"/>
+    <p:sldId id="275" r:id="rId39"/>
+    <p:sldId id="276" r:id="rId40"/>
+    <p:sldId id="277" r:id="rId41"/>
   </p:sldIdLst>
   <p:sldSz cx="8785225" cy="5256213"/>
   <p:notesSz cx="6858000" cy="9144000"/>
@@ -154,7 +151,7 @@
   </p:defaultTextStyle>
   <p:extLst>
     <p:ext uri="{EFAFB233-063F-42B5-8137-9DF3F51BA10A}">
-      <p15:sldGuideLst xmlns="" xmlns:p15="http://schemas.microsoft.com/office/powerpoint/2012/main">
+      <p15:sldGuideLst xmlns:p15="http://schemas.microsoft.com/office/powerpoint/2012/main" xmlns="">
         <p15:guide id="1" orient="horz" pos="1656">
           <p15:clr>
             <a:srgbClr val="A4A3A4"/>
@@ -168,7 +165,7 @@
       </p15:sldGuideLst>
     </p:ext>
     <p:ext uri="{2D200454-40CA-4A62-9FC3-DE9A4176ACB9}">
-      <p15:notesGuideLst xmlns="" xmlns:p15="http://schemas.microsoft.com/office/powerpoint/2012/main">
+      <p15:notesGuideLst xmlns:p15="http://schemas.microsoft.com/office/powerpoint/2012/main" xmlns="">
         <p15:guide id="1" orient="horz" pos="2880">
           <p15:clr>
             <a:srgbClr val="A4A3A4"/>
@@ -267,7 +264,7 @@
           <a:p>
             <a:fld id="{2E403D10-7F5E-4FE6-8B11-C5F4484721E3}" type="datetimeFigureOut">
               <a:rPr lang="en-GB" smtClean="0"/>
-              <a:t>04/09/2018</a:t>
+              <a:t>05/09/2018</a:t>
             </a:fld>
             <a:endParaRPr lang="en-GB"/>
           </a:p>
@@ -432,7 +429,7 @@
           <a:p>
             <a:fld id="{9F5E9DC1-8FB7-41FF-9F50-7EF2E6EBE329}" type="datetimeFigureOut">
               <a:rPr lang="en-GB" smtClean="0"/>
-              <a:t>04/09/2018</a:t>
+              <a:t>05/09/2018</a:t>
             </a:fld>
             <a:endParaRPr lang="en-GB"/>
           </a:p>
@@ -882,7 +879,7 @@
             <a:fld id="{1D8BD707-D9CF-40AE-B4C6-C98DA3205C09}" type="datetimeFigureOut">
               <a:rPr lang="en-US" smtClean="0"/>
               <a:pPr/>
-              <a:t>9/4/2018</a:t>
+              <a:t>9/5/2018</a:t>
             </a:fld>
             <a:endParaRPr lang="en-US"/>
           </a:p>
@@ -1049,7 +1046,7 @@
             <a:fld id="{1D8BD707-D9CF-40AE-B4C6-C98DA3205C09}" type="datetimeFigureOut">
               <a:rPr lang="en-US" smtClean="0"/>
               <a:pPr/>
-              <a:t>9/4/2018</a:t>
+              <a:t>9/5/2018</a:t>
             </a:fld>
             <a:endParaRPr lang="en-US"/>
           </a:p>
@@ -1226,7 +1223,7 @@
             <a:fld id="{1D8BD707-D9CF-40AE-B4C6-C98DA3205C09}" type="datetimeFigureOut">
               <a:rPr lang="en-US" smtClean="0"/>
               <a:pPr/>
-              <a:t>9/4/2018</a:t>
+              <a:t>9/5/2018</a:t>
             </a:fld>
             <a:endParaRPr lang="en-US"/>
           </a:p>
@@ -2634,7 +2631,7 @@
           <a:p>
             <a:fld id="{B0712CAB-150C-4C67-A6F6-7AD476CA4C2E}" type="datetime5">
               <a:rPr lang="en-US" smtClean="0"/>
-              <a:t>4-Sep-18</a:t>
+              <a:t>5-Sep-18</a:t>
             </a:fld>
             <a:endParaRPr lang="en-GB"/>
           </a:p>
@@ -3027,7 +3024,7 @@
             <a:fld id="{1D8BD707-D9CF-40AE-B4C6-C98DA3205C09}" type="datetimeFigureOut">
               <a:rPr lang="en-US" smtClean="0"/>
               <a:pPr/>
-              <a:t>9/4/2018</a:t>
+              <a:t>9/5/2018</a:t>
             </a:fld>
             <a:endParaRPr lang="en-US"/>
           </a:p>
@@ -3270,7 +3267,7 @@
             <a:fld id="{1D8BD707-D9CF-40AE-B4C6-C98DA3205C09}" type="datetimeFigureOut">
               <a:rPr lang="en-US" smtClean="0"/>
               <a:pPr/>
-              <a:t>9/4/2018</a:t>
+              <a:t>9/5/2018</a:t>
             </a:fld>
             <a:endParaRPr lang="en-US"/>
           </a:p>
@@ -3555,7 +3552,7 @@
             <a:fld id="{1D8BD707-D9CF-40AE-B4C6-C98DA3205C09}" type="datetimeFigureOut">
               <a:rPr lang="en-US" smtClean="0"/>
               <a:pPr/>
-              <a:t>9/4/2018</a:t>
+              <a:t>9/5/2018</a:t>
             </a:fld>
             <a:endParaRPr lang="en-US"/>
           </a:p>
@@ -3974,7 +3971,7 @@
             <a:fld id="{1D8BD707-D9CF-40AE-B4C6-C98DA3205C09}" type="datetimeFigureOut">
               <a:rPr lang="en-US" smtClean="0"/>
               <a:pPr/>
-              <a:t>9/4/2018</a:t>
+              <a:t>9/5/2018</a:t>
             </a:fld>
             <a:endParaRPr lang="en-US"/>
           </a:p>
@@ -4089,7 +4086,7 @@
             <a:fld id="{1D8BD707-D9CF-40AE-B4C6-C98DA3205C09}" type="datetimeFigureOut">
               <a:rPr lang="en-US" smtClean="0"/>
               <a:pPr/>
-              <a:t>9/4/2018</a:t>
+              <a:t>9/5/2018</a:t>
             </a:fld>
             <a:endParaRPr lang="en-US"/>
           </a:p>
@@ -4181,7 +4178,7 @@
             <a:fld id="{1D8BD707-D9CF-40AE-B4C6-C98DA3205C09}" type="datetimeFigureOut">
               <a:rPr lang="en-US" smtClean="0"/>
               <a:pPr/>
-              <a:t>9/4/2018</a:t>
+              <a:t>9/5/2018</a:t>
             </a:fld>
             <a:endParaRPr lang="en-US"/>
           </a:p>
@@ -4455,7 +4452,7 @@
             <a:fld id="{1D8BD707-D9CF-40AE-B4C6-C98DA3205C09}" type="datetimeFigureOut">
               <a:rPr lang="en-US" smtClean="0"/>
               <a:pPr/>
-              <a:t>9/4/2018</a:t>
+              <a:t>9/5/2018</a:t>
             </a:fld>
             <a:endParaRPr lang="en-US"/>
           </a:p>
@@ -4705,7 +4702,7 @@
             <a:fld id="{1D8BD707-D9CF-40AE-B4C6-C98DA3205C09}" type="datetimeFigureOut">
               <a:rPr lang="en-US" smtClean="0"/>
               <a:pPr/>
-              <a:t>9/4/2018</a:t>
+              <a:t>9/5/2018</a:t>
             </a:fld>
             <a:endParaRPr lang="en-US"/>
           </a:p>
@@ -4915,7 +4912,7 @@
             <a:fld id="{1D8BD707-D9CF-40AE-B4C6-C98DA3205C09}" type="datetimeFigureOut">
               <a:rPr lang="en-US" smtClean="0"/>
               <a:pPr/>
-              <a:t>9/4/2018</a:t>
+              <a:t>9/5/2018</a:t>
             </a:fld>
             <a:endParaRPr lang="en-US"/>
           </a:p>
@@ -5456,158 +5453,9 @@
   <p:timing>
     <p:tnLst>
       <p:par>
-        <p:cTn id="1" dur="indefinite" restart="never" nodeType="tmRoot">
-          <p:childTnLst>
-            <p:seq concurrent="1" nextAc="seek">
-              <p:cTn id="2" dur="indefinite" nodeType="mainSeq">
-                <p:childTnLst>
-                  <p:par>
-                    <p:cTn id="3" fill="hold">
-                      <p:stCondLst>
-                        <p:cond delay="indefinite"/>
-                      </p:stCondLst>
-                      <p:childTnLst>
-                        <p:par>
-                          <p:cTn id="4" fill="hold">
-                            <p:stCondLst>
-                              <p:cond delay="0"/>
-                            </p:stCondLst>
-                            <p:childTnLst>
-                              <p:par>
-                                <p:cTn id="5" presetID="21" presetClass="entr" presetSubtype="1" fill="hold" grpId="0" nodeType="clickEffect">
-                                  <p:stCondLst>
-                                    <p:cond delay="0"/>
-                                  </p:stCondLst>
-                                  <p:childTnLst>
-                                    <p:set>
-                                      <p:cBhvr>
-                                        <p:cTn id="6" dur="1" fill="hold">
-                                          <p:stCondLst>
-                                            <p:cond delay="0"/>
-                                          </p:stCondLst>
-                                        </p:cTn>
-                                        <p:tgtEl>
-                                          <p:spTgt spid="3">
-                                            <p:bg/>
-                                          </p:spTgt>
-                                        </p:tgtEl>
-                                        <p:attrNameLst>
-                                          <p:attrName>style.visibility</p:attrName>
-                                        </p:attrNameLst>
-                                      </p:cBhvr>
-                                      <p:to>
-                                        <p:strVal val="visible"/>
-                                      </p:to>
-                                    </p:set>
-                                    <p:animEffect transition="in" filter="wheel(1)">
-                                      <p:cBhvr>
-                                        <p:cTn id="7" dur="2000"/>
-                                        <p:tgtEl>
-                                          <p:spTgt spid="3">
-                                            <p:bg/>
-                                          </p:spTgt>
-                                        </p:tgtEl>
-                                      </p:cBhvr>
-                                    </p:animEffect>
-                                  </p:childTnLst>
-                                </p:cTn>
-                              </p:par>
-                            </p:childTnLst>
-                          </p:cTn>
-                        </p:par>
-                      </p:childTnLst>
-                    </p:cTn>
-                  </p:par>
-                  <p:par>
-                    <p:cTn id="8" fill="hold">
-                      <p:stCondLst>
-                        <p:cond delay="indefinite"/>
-                      </p:stCondLst>
-                      <p:childTnLst>
-                        <p:par>
-                          <p:cTn id="9" fill="hold">
-                            <p:stCondLst>
-                              <p:cond delay="0"/>
-                            </p:stCondLst>
-                            <p:childTnLst>
-                              <p:par>
-                                <p:cTn id="10" presetID="21" presetClass="entr" presetSubtype="1" fill="hold" grpId="0" nodeType="clickEffect" nodePh="1">
-                                  <p:stCondLst>
-                                    <p:cond delay="0"/>
-                                  </p:stCondLst>
-                                  <p:endCondLst>
-                                    <p:cond evt="begin" delay="0">
-                                      <p:tn val="10"/>
-                                    </p:cond>
-                                  </p:endCondLst>
-                                  <p:childTnLst>
-                                    <p:set>
-                                      <p:cBhvr>
-                                        <p:cTn id="11" dur="1" fill="hold">
-                                          <p:stCondLst>
-                                            <p:cond delay="0"/>
-                                          </p:stCondLst>
-                                        </p:cTn>
-                                        <p:tgtEl>
-                                          <p:spTgt spid="3">
-                                            <p:txEl>
-                                              <p:pRg st="0" end="0"/>
-                                            </p:txEl>
-                                          </p:spTgt>
-                                        </p:tgtEl>
-                                        <p:attrNameLst>
-                                          <p:attrName>style.visibility</p:attrName>
-                                        </p:attrNameLst>
-                                      </p:cBhvr>
-                                      <p:to>
-                                        <p:strVal val="visible"/>
-                                      </p:to>
-                                    </p:set>
-                                    <p:animEffect transition="in" filter="wheel(1)">
-                                      <p:cBhvr>
-                                        <p:cTn id="12" dur="2000"/>
-                                        <p:tgtEl>
-                                          <p:spTgt spid="3">
-                                            <p:txEl>
-                                              <p:pRg st="0" end="0"/>
-                                            </p:txEl>
-                                          </p:spTgt>
-                                        </p:tgtEl>
-                                      </p:cBhvr>
-                                    </p:animEffect>
-                                  </p:childTnLst>
-                                </p:cTn>
-                              </p:par>
-                            </p:childTnLst>
-                          </p:cTn>
-                        </p:par>
-                      </p:childTnLst>
-                    </p:cTn>
-                  </p:par>
-                </p:childTnLst>
-              </p:cTn>
-              <p:prevCondLst>
-                <p:cond evt="onPrev" delay="0">
-                  <p:tgtEl>
-                    <p:sldTgt/>
-                  </p:tgtEl>
-                </p:cond>
-              </p:prevCondLst>
-              <p:nextCondLst>
-                <p:cond evt="onNext" delay="0">
-                  <p:tgtEl>
-                    <p:sldTgt/>
-                  </p:tgtEl>
-                </p:cond>
-              </p:nextCondLst>
-            </p:seq>
-          </p:childTnLst>
-        </p:cTn>
+        <p:cTn id="1" dur="indefinite" restart="never" nodeType="tmRoot"/>
       </p:par>
     </p:tnLst>
-    <p:bldLst>
-      <p:bldP spid="3" grpId="0" build="p" animBg="1"/>
-    </p:bldLst>
   </p:timing>
 </p:sld>
 </file>
@@ -5925,7 +5773,7 @@
           </p:cNvPicPr>
           <p:nvPr/>
         </p:nvPicPr>
-        <p:blipFill>
+        <p:blipFill rotWithShape="1">
           <a:blip r:embed="rId4">
             <a:extLst>
               <a:ext uri="{28A0092B-C50C-407E-A947-70E740481C1C}">
@@ -5933,15 +5781,13 @@
               </a:ext>
             </a:extLst>
           </a:blip>
-          <a:srcRect/>
-          <a:stretch>
-            <a:fillRect/>
-          </a:stretch>
+          <a:srcRect l="3436" t="5605" r="3598" b="6157"/>
+          <a:stretch/>
         </p:blipFill>
         <p:spPr bwMode="auto">
           <a:xfrm>
-            <a:off x="2384427" y="3313906"/>
-            <a:ext cx="3071819" cy="1865312"/>
+            <a:off x="2489982" y="3418448"/>
+            <a:ext cx="2855742" cy="1645921"/>
           </a:xfrm>
           <a:prstGeom prst="rect">
             <a:avLst/>
@@ -6116,7 +5962,7 @@
         </p:blipFill>
         <p:spPr bwMode="auto">
           <a:xfrm>
-            <a:off x="2335212" y="723105"/>
+            <a:off x="2343393" y="1121529"/>
             <a:ext cx="1758950" cy="1819275"/>
           </a:xfrm>
           <a:prstGeom prst="rect">
@@ -6136,7 +5982,7 @@
       </p:pic>
       <p:pic>
         <p:nvPicPr>
-          <p:cNvPr id="10243" name="Picture 3" descr="U:\AILP Batch4\Images\java.png"/>
+          <p:cNvPr id="10244" name="Picture 4" descr="U:\AILP Batch4\Images\jsp.jpg"/>
           <p:cNvPicPr>
             <a:picLocks noChangeAspect="1" noChangeArrowheads="1"/>
           </p:cNvPicPr>
@@ -6150,13 +5996,13 @@
               </a:ext>
             </a:extLst>
           </a:blip>
-          <a:srcRect l="27888" r="22144"/>
+          <a:srcRect l="5642" r="6135"/>
           <a:stretch/>
         </p:blipFill>
         <p:spPr bwMode="auto">
           <a:xfrm>
-            <a:off x="4392612" y="3213098"/>
-            <a:ext cx="1243013" cy="1565275"/>
+            <a:off x="120648" y="758031"/>
+            <a:ext cx="1985963" cy="2251075"/>
           </a:xfrm>
           <a:prstGeom prst="rect">
             <a:avLst/>
@@ -6175,7 +6021,7 @@
       </p:pic>
       <p:pic>
         <p:nvPicPr>
-          <p:cNvPr id="10244" name="Picture 4" descr="U:\AILP Batch4\Images\jsp.jpg"/>
+          <p:cNvPr id="10245" name="Picture 5" descr="U:\AILP Batch4\Images\jstl.png"/>
           <p:cNvPicPr>
             <a:picLocks noChangeAspect="1" noChangeArrowheads="1"/>
           </p:cNvPicPr>
@@ -6189,13 +6035,13 @@
               </a:ext>
             </a:extLst>
           </a:blip>
-          <a:srcRect l="5642" r="6135"/>
+          <a:srcRect l="8138" t="4542" r="5637" b="42307"/>
           <a:stretch/>
         </p:blipFill>
         <p:spPr bwMode="auto">
           <a:xfrm>
-            <a:off x="120649" y="1027906"/>
-            <a:ext cx="1985963" cy="2251075"/>
+            <a:off x="149224" y="3315003"/>
+            <a:ext cx="2185988" cy="1261450"/>
           </a:xfrm>
           <a:prstGeom prst="rect">
             <a:avLst/>
@@ -6214,7 +6060,7 @@
       </p:pic>
       <p:pic>
         <p:nvPicPr>
-          <p:cNvPr id="10245" name="Picture 5" descr="U:\AILP Batch4\Images\jstl.png"/>
+          <p:cNvPr id="10246" name="Picture 6" descr="U:\AILP Batch4\Images\ajax.png"/>
           <p:cNvPicPr>
             <a:picLocks noChangeAspect="1" noChangeArrowheads="1"/>
           </p:cNvPicPr>
@@ -6228,13 +6074,13 @@
               </a:ext>
             </a:extLst>
           </a:blip>
-          <a:srcRect l="8138" t="1" r="5637" b="42307"/>
+          <a:srcRect l="11559" t="12287" r="6786" b="3798"/>
           <a:stretch/>
         </p:blipFill>
         <p:spPr bwMode="auto">
           <a:xfrm>
-            <a:off x="354012" y="3409152"/>
-            <a:ext cx="2185988" cy="1369221"/>
+            <a:off x="4425951" y="813326"/>
+            <a:ext cx="1928814" cy="1718468"/>
           </a:xfrm>
           <a:prstGeom prst="rect">
             <a:avLst/>
@@ -6253,27 +6099,29 @@
       </p:pic>
       <p:pic>
         <p:nvPicPr>
-          <p:cNvPr id="10246" name="Picture 6" descr="U:\AILP Batch4\Images\ajax.png"/>
+          <p:cNvPr id="10247" name="Picture 7" descr="U:\AILP Batch4\Images\css.jpg"/>
           <p:cNvPicPr>
             <a:picLocks noChangeAspect="1" noChangeArrowheads="1"/>
           </p:cNvPicPr>
           <p:nvPr/>
         </p:nvPicPr>
-        <p:blipFill rotWithShape="1">
-          <a:blip r:embed="rId6">
+        <p:blipFill>
+          <a:blip r:embed="rId6" cstate="print">
             <a:extLst>
               <a:ext uri="{28A0092B-C50C-407E-A947-70E740481C1C}">
                 <a14:useLocalDpi xmlns:a14="http://schemas.microsoft.com/office/drawing/2010/main" val="0"/>
               </a:ext>
             </a:extLst>
           </a:blip>
-          <a:srcRect l="11559" t="12287" r="6786" b="3798"/>
-          <a:stretch/>
+          <a:srcRect/>
+          <a:stretch>
+            <a:fillRect/>
+          </a:stretch>
         </p:blipFill>
         <p:spPr bwMode="auto">
           <a:xfrm>
-            <a:off x="4468812" y="799306"/>
-            <a:ext cx="1928814" cy="1718468"/>
+            <a:off x="6602412" y="3237706"/>
+            <a:ext cx="2056607" cy="1776410"/>
           </a:xfrm>
           <a:prstGeom prst="rect">
             <a:avLst/>
@@ -6292,13 +6140,13 @@
       </p:pic>
       <p:pic>
         <p:nvPicPr>
-          <p:cNvPr id="10247" name="Picture 7" descr="U:\AILP Batch4\Images\css.jpg"/>
+          <p:cNvPr id="10248" name="Picture 8" descr="U:\AILP Batch4\Images\html.png"/>
           <p:cNvPicPr>
             <a:picLocks noChangeAspect="1" noChangeArrowheads="1"/>
           </p:cNvPicPr>
           <p:nvPr/>
         </p:nvPicPr>
-        <p:blipFill>
+        <p:blipFill rotWithShape="1">
           <a:blip r:embed="rId7" cstate="print">
             <a:extLst>
               <a:ext uri="{28A0092B-C50C-407E-A947-70E740481C1C}">
@@ -6306,15 +6154,13 @@
               </a:ext>
             </a:extLst>
           </a:blip>
-          <a:srcRect/>
-          <a:stretch>
-            <a:fillRect/>
-          </a:stretch>
+          <a:srcRect l="9722" r="11806"/>
+          <a:stretch/>
         </p:blipFill>
         <p:spPr bwMode="auto">
           <a:xfrm>
-            <a:off x="6069012" y="2856706"/>
-            <a:ext cx="2056607" cy="1776410"/>
+            <a:off x="2738437" y="3237706"/>
+            <a:ext cx="1355725" cy="1836737"/>
           </a:xfrm>
           <a:prstGeom prst="rect">
             <a:avLst/>
@@ -6333,27 +6179,27 @@
       </p:pic>
       <p:pic>
         <p:nvPicPr>
-          <p:cNvPr id="10248" name="Picture 8" descr="U:\AILP Batch4\Images\html.png"/>
+          <p:cNvPr id="10249" name="Picture 9" descr="U:\AILP Batch4\Images\javascript.png"/>
           <p:cNvPicPr>
             <a:picLocks noChangeAspect="1" noChangeArrowheads="1"/>
           </p:cNvPicPr>
           <p:nvPr/>
         </p:nvPicPr>
         <p:blipFill rotWithShape="1">
-          <a:blip r:embed="rId8" cstate="print">
+          <a:blip r:embed="rId8">
             <a:extLst>
               <a:ext uri="{28A0092B-C50C-407E-A947-70E740481C1C}">
                 <a14:useLocalDpi xmlns:a14="http://schemas.microsoft.com/office/drawing/2010/main" val="0"/>
               </a:ext>
             </a:extLst>
           </a:blip>
-          <a:srcRect l="9722" r="11806"/>
+          <a:srcRect l="23416" t="25281" r="25411" b="23943"/>
           <a:stretch/>
         </p:blipFill>
         <p:spPr bwMode="auto">
           <a:xfrm>
-            <a:off x="2868612" y="3027360"/>
-            <a:ext cx="1355725" cy="1836737"/>
+            <a:off x="6562529" y="1152088"/>
+            <a:ext cx="1328737" cy="1758156"/>
           </a:xfrm>
           <a:prstGeom prst="rect">
             <a:avLst/>
@@ -6372,13 +6218,13 @@
       </p:pic>
       <p:pic>
         <p:nvPicPr>
-          <p:cNvPr id="10249" name="Picture 9" descr="U:\AILP Batch4\Images\javascript.png"/>
+          <p:cNvPr id="1026" name="Picture 2" descr="\\s81dsp01data01\ACIS-Udrive\Users\t10313\AILP Batch4\Images\oracle.gif"/>
           <p:cNvPicPr>
             <a:picLocks noChangeAspect="1" noChangeArrowheads="1"/>
           </p:cNvPicPr>
           <p:nvPr/>
         </p:nvPicPr>
-        <p:blipFill rotWithShape="1">
+        <p:blipFill>
           <a:blip r:embed="rId9">
             <a:extLst>
               <a:ext uri="{28A0092B-C50C-407E-A947-70E740481C1C}">
@@ -6386,13 +6232,15 @@
               </a:ext>
             </a:extLst>
           </a:blip>
-          <a:srcRect l="23416" t="25281" r="25411" b="23943"/>
-          <a:stretch/>
+          <a:srcRect/>
+          <a:stretch>
+            <a:fillRect/>
+          </a:stretch>
         </p:blipFill>
         <p:spPr bwMode="auto">
           <a:xfrm>
-            <a:off x="6526212" y="921539"/>
-            <a:ext cx="1328737" cy="1758156"/>
+            <a:off x="4425951" y="2994328"/>
+            <a:ext cx="1971675" cy="1543050"/>
           </a:xfrm>
           <a:prstGeom prst="rect">
             <a:avLst/>
@@ -6848,8 +6696,8 @@
         </p:nvSpPr>
         <p:spPr>
           <a:xfrm>
-            <a:off x="-22813" y="8889"/>
-            <a:ext cx="3124200" cy="534686"/>
+            <a:off x="-22814" y="8889"/>
+            <a:ext cx="3805825" cy="523220"/>
           </a:xfrm>
           <a:prstGeom prst="rect">
             <a:avLst/>
@@ -6867,7 +6715,14 @@
                 <a:latin typeface="Times New Roman" panose="02020603050405020304" pitchFamily="18" charset="0"/>
                 <a:cs typeface="Times New Roman" panose="02020603050405020304" pitchFamily="18" charset="0"/>
               </a:rPr>
-              <a:t>Admin Home Page</a:t>
+              <a:t>Admin : </a:t>
+            </a:r>
+            <a:r>
+              <a:rPr lang="en-GB" sz="2800" b="1" dirty="0" smtClean="0">
+                <a:latin typeface="Times New Roman" panose="02020603050405020304" pitchFamily="18" charset="0"/>
+                <a:cs typeface="Times New Roman" panose="02020603050405020304" pitchFamily="18" charset="0"/>
+              </a:rPr>
+              <a:t>Home Page</a:t>
             </a:r>
             <a:endParaRPr lang="en-GB" sz="2800" b="1" dirty="0">
               <a:latin typeface="Times New Roman" panose="02020603050405020304" pitchFamily="18" charset="0"/>
@@ -6899,8 +6754,8 @@
         </p:blipFill>
         <p:spPr bwMode="auto">
           <a:xfrm>
-            <a:off x="1" y="543575"/>
-            <a:ext cx="8785224" cy="4712637"/>
+            <a:off x="1" y="569415"/>
+            <a:ext cx="8785224" cy="4686798"/>
           </a:xfrm>
           <a:prstGeom prst="rect">
             <a:avLst/>
@@ -7016,9 +6871,45 @@
           </a:p>
         </p:txBody>
       </p:sp>
+      <p:sp>
+        <p:nvSpPr>
+          <p:cNvPr id="5" name="TextBox 4"/>
+          <p:cNvSpPr txBox="1"/>
+          <p:nvPr/>
+        </p:nvSpPr>
+        <p:spPr>
+          <a:xfrm>
+            <a:off x="0" y="0"/>
+            <a:ext cx="5638800" cy="534686"/>
+          </a:xfrm>
+          <a:prstGeom prst="rect">
+            <a:avLst/>
+          </a:prstGeom>
+          <a:noFill/>
+        </p:spPr>
+        <p:txBody>
+          <a:bodyPr wrap="square" rtlCol="0">
+            <a:spAutoFit/>
+          </a:bodyPr>
+          <a:lstStyle/>
+          <a:p>
+            <a:r>
+              <a:rPr lang="en-GB" sz="2800" b="1" dirty="0" smtClean="0">
+                <a:latin typeface="Times New Roman" panose="02020603050405020304" pitchFamily="18" charset="0"/>
+                <a:cs typeface="Times New Roman" panose="02020603050405020304" pitchFamily="18" charset="0"/>
+              </a:rPr>
+              <a:t>Add an Employee &amp; Line Manager</a:t>
+            </a:r>
+            <a:endParaRPr lang="en-GB" sz="2800" b="1" dirty="0">
+              <a:latin typeface="Times New Roman" panose="02020603050405020304" pitchFamily="18" charset="0"/>
+              <a:cs typeface="Times New Roman" panose="02020603050405020304" pitchFamily="18" charset="0"/>
+            </a:endParaRPr>
+          </a:p>
+        </p:txBody>
+      </p:sp>
       <p:pic>
         <p:nvPicPr>
-          <p:cNvPr id="2050" name="Picture 2" descr="\\s81dsp01data01\ACIS-Udrive\Users\t10313\Gamification\Screenshots\Cropped\adminEmp.png"/>
+          <p:cNvPr id="6" name="Picture 2" descr="\\s81dsp01data01\ACIS-Udrive\Users\t10313\Gamification\Screenshots\Cropped\adminEmp.png"/>
           <p:cNvPicPr>
             <a:picLocks noChangeAspect="1" noChangeArrowheads="1"/>
           </p:cNvPicPr>
@@ -7039,8 +6930,8 @@
         </p:blipFill>
         <p:spPr bwMode="auto">
           <a:xfrm>
-            <a:off x="-1" y="534686"/>
-            <a:ext cx="8785225" cy="4721527"/>
+            <a:off x="0" y="534686"/>
+            <a:ext cx="8778165" cy="4721527"/>
           </a:xfrm>
           <a:prstGeom prst="rect">
             <a:avLst/>
@@ -7057,42 +6948,6 @@
           </a:extLst>
         </p:spPr>
       </p:pic>
-      <p:sp>
-        <p:nvSpPr>
-          <p:cNvPr id="5" name="TextBox 4"/>
-          <p:cNvSpPr txBox="1"/>
-          <p:nvPr/>
-        </p:nvSpPr>
-        <p:spPr>
-          <a:xfrm>
-            <a:off x="0" y="0"/>
-            <a:ext cx="5638800" cy="534686"/>
-          </a:xfrm>
-          <a:prstGeom prst="rect">
-            <a:avLst/>
-          </a:prstGeom>
-          <a:noFill/>
-        </p:spPr>
-        <p:txBody>
-          <a:bodyPr wrap="square" rtlCol="0">
-            <a:spAutoFit/>
-          </a:bodyPr>
-          <a:lstStyle/>
-          <a:p>
-            <a:r>
-              <a:rPr lang="en-GB" sz="2800" b="1" dirty="0" smtClean="0">
-                <a:latin typeface="Times New Roman" panose="02020603050405020304" pitchFamily="18" charset="0"/>
-                <a:cs typeface="Times New Roman" panose="02020603050405020304" pitchFamily="18" charset="0"/>
-              </a:rPr>
-              <a:t>Add an Employee &amp; Line Manager</a:t>
-            </a:r>
-            <a:endParaRPr lang="en-GB" sz="2800" b="1" dirty="0">
-              <a:latin typeface="Times New Roman" panose="02020603050405020304" pitchFamily="18" charset="0"/>
-              <a:cs typeface="Times New Roman" panose="02020603050405020304" pitchFamily="18" charset="0"/>
-            </a:endParaRPr>
-          </a:p>
-        </p:txBody>
-      </p:sp>
     </p:spTree>
     <p:extLst>
       <p:ext uri="{BB962C8B-B14F-4D97-AF65-F5344CB8AC3E}">
@@ -7192,21 +7047,62 @@
           </a:p>
         </p:txBody>
       </p:sp>
-      <p:sp>
-        <p:nvSpPr>
-          <p:cNvPr id="5" name="TextBox 4"/>
-          <p:cNvSpPr txBox="1"/>
+      <p:pic>
+        <p:nvPicPr>
+          <p:cNvPr id="3074" name="Picture 2" descr="\\s81dsp01data01\ACIS-Udrive\Users\t10313\Gamification\Screenshots\Cropped\adminUpload.png"/>
+          <p:cNvPicPr>
+            <a:picLocks noChangeAspect="1" noChangeArrowheads="1"/>
+          </p:cNvPicPr>
           <p:nvPr/>
-        </p:nvSpPr>
-        <p:spPr>
-          <a:xfrm>
-            <a:off x="0" y="0"/>
-            <a:ext cx="5638800" cy="534686"/>
+        </p:nvPicPr>
+        <p:blipFill>
+          <a:blip r:embed="rId2">
+            <a:extLst>
+              <a:ext uri="{28A0092B-C50C-407E-A947-70E740481C1C}">
+                <a14:useLocalDpi xmlns:a14="http://schemas.microsoft.com/office/drawing/2010/main" val="0"/>
+              </a:ext>
+            </a:extLst>
+          </a:blip>
+          <a:srcRect/>
+          <a:stretch>
+            <a:fillRect/>
+          </a:stretch>
+        </p:blipFill>
+        <p:spPr bwMode="auto">
+          <a:xfrm>
+            <a:off x="0" y="534686"/>
+            <a:ext cx="8785225" cy="4721527"/>
           </a:xfrm>
           <a:prstGeom prst="rect">
             <a:avLst/>
           </a:prstGeom>
           <a:noFill/>
+          <a:extLst>
+            <a:ext uri="{909E8E84-426E-40DD-AFC4-6F175D3DCCD1}">
+              <a14:hiddenFill xmlns:a14="http://schemas.microsoft.com/office/drawing/2010/main">
+                <a:solidFill>
+                  <a:srgbClr val="FFFFFF"/>
+                </a:solidFill>
+              </a14:hiddenFill>
+            </a:ext>
+          </a:extLst>
+        </p:spPr>
+      </p:pic>
+      <p:sp>
+        <p:nvSpPr>
+          <p:cNvPr id="5" name="TextBox 4"/>
+          <p:cNvSpPr txBox="1"/>
+          <p:nvPr/>
+        </p:nvSpPr>
+        <p:spPr>
+          <a:xfrm>
+            <a:off x="0" y="0"/>
+            <a:ext cx="3276600" cy="534686"/>
+          </a:xfrm>
+          <a:prstGeom prst="rect">
+            <a:avLst/>
+          </a:prstGeom>
+          <a:noFill/>
         </p:spPr>
         <p:txBody>
           <a:bodyPr wrap="square" rtlCol="0">
@@ -7219,7 +7115,7 @@
                 <a:latin typeface="Times New Roman" panose="02020603050405020304" pitchFamily="18" charset="0"/>
                 <a:cs typeface="Times New Roman" panose="02020603050405020304" pitchFamily="18" charset="0"/>
               </a:rPr>
-              <a:t>Search, Edit &amp; Delete Employee</a:t>
+              <a:t>Upload Excel Sheet</a:t>
             </a:r>
             <a:endParaRPr lang="en-GB" sz="2800" b="1" dirty="0">
               <a:latin typeface="Times New Roman" panose="02020603050405020304" pitchFamily="18" charset="0"/>
@@ -7231,7 +7127,7 @@
     </p:spTree>
     <p:extLst>
       <p:ext uri="{BB962C8B-B14F-4D97-AF65-F5344CB8AC3E}">
-        <p14:creationId xmlns:p14="http://schemas.microsoft.com/office/powerpoint/2010/main" val="734278784"/>
+        <p14:creationId xmlns:p14="http://schemas.microsoft.com/office/powerpoint/2010/main" val="2198825972"/>
       </p:ext>
     </p:extLst>
   </p:cSld>
@@ -7277,8 +7173,8 @@
         </p:nvSpPr>
         <p:spPr>
           <a:xfrm>
-            <a:off x="0" y="8017"/>
-            <a:ext cx="7974008" cy="526670"/>
+            <a:off x="0" y="8016"/>
+            <a:ext cx="7974008" cy="523033"/>
           </a:xfrm>
           <a:solidFill>
             <a:schemeClr val="tx2">
@@ -7327,9 +7223,45 @@
           </a:p>
         </p:txBody>
       </p:sp>
+      <p:sp>
+        <p:nvSpPr>
+          <p:cNvPr id="5" name="TextBox 4"/>
+          <p:cNvSpPr txBox="1"/>
+          <p:nvPr/>
+        </p:nvSpPr>
+        <p:spPr>
+          <a:xfrm>
+            <a:off x="-10287" y="-3637"/>
+            <a:ext cx="3276600" cy="534686"/>
+          </a:xfrm>
+          <a:prstGeom prst="rect">
+            <a:avLst/>
+          </a:prstGeom>
+          <a:noFill/>
+        </p:spPr>
+        <p:txBody>
+          <a:bodyPr wrap="square" rtlCol="0">
+            <a:spAutoFit/>
+          </a:bodyPr>
+          <a:lstStyle/>
+          <a:p>
+            <a:r>
+              <a:rPr lang="en-GB" sz="2800" b="1" dirty="0" smtClean="0">
+                <a:latin typeface="Times New Roman" panose="02020603050405020304" pitchFamily="18" charset="0"/>
+                <a:cs typeface="Times New Roman" panose="02020603050405020304" pitchFamily="18" charset="0"/>
+              </a:rPr>
+              <a:t>Report Generation</a:t>
+            </a:r>
+            <a:endParaRPr lang="en-GB" sz="2800" b="1" dirty="0">
+              <a:latin typeface="Times New Roman" panose="02020603050405020304" pitchFamily="18" charset="0"/>
+              <a:cs typeface="Times New Roman" panose="02020603050405020304" pitchFamily="18" charset="0"/>
+            </a:endParaRPr>
+          </a:p>
+        </p:txBody>
+      </p:sp>
       <p:pic>
         <p:nvPicPr>
-          <p:cNvPr id="3074" name="Picture 2" descr="\\s81dsp01data01\ACIS-Udrive\Users\t10313\Gamification\Screenshots\Cropped\adminUpload.png"/>
+          <p:cNvPr id="4098" name="Picture 2" descr="\\s81dsp01data01\ACIS-Udrive\Users\t10313\Gamification\Screenshots\Cropped\adminReport.png"/>
           <p:cNvPicPr>
             <a:picLocks noChangeAspect="1" noChangeArrowheads="1"/>
           </p:cNvPicPr>
@@ -7350,8 +7282,8 @@
         </p:blipFill>
         <p:spPr bwMode="auto">
           <a:xfrm>
-            <a:off x="0" y="534686"/>
-            <a:ext cx="8785225" cy="4721527"/>
+            <a:off x="3283" y="531049"/>
+            <a:ext cx="8781942" cy="4725164"/>
           </a:xfrm>
           <a:prstGeom prst="rect">
             <a:avLst/>
@@ -7368,42 +7300,6 @@
           </a:extLst>
         </p:spPr>
       </p:pic>
-      <p:sp>
-        <p:nvSpPr>
-          <p:cNvPr id="5" name="TextBox 4"/>
-          <p:cNvSpPr txBox="1"/>
-          <p:nvPr/>
-        </p:nvSpPr>
-        <p:spPr>
-          <a:xfrm>
-            <a:off x="0" y="0"/>
-            <a:ext cx="3276600" cy="534686"/>
-          </a:xfrm>
-          <a:prstGeom prst="rect">
-            <a:avLst/>
-          </a:prstGeom>
-          <a:noFill/>
-        </p:spPr>
-        <p:txBody>
-          <a:bodyPr wrap="square" rtlCol="0">
-            <a:spAutoFit/>
-          </a:bodyPr>
-          <a:lstStyle/>
-          <a:p>
-            <a:r>
-              <a:rPr lang="en-GB" sz="2800" b="1" dirty="0" smtClean="0">
-                <a:latin typeface="Times New Roman" panose="02020603050405020304" pitchFamily="18" charset="0"/>
-                <a:cs typeface="Times New Roman" panose="02020603050405020304" pitchFamily="18" charset="0"/>
-              </a:rPr>
-              <a:t>Upload Excel Sheet</a:t>
-            </a:r>
-            <a:endParaRPr lang="en-GB" sz="2800" b="1" dirty="0">
-              <a:latin typeface="Times New Roman" panose="02020603050405020304" pitchFamily="18" charset="0"/>
-              <a:cs typeface="Times New Roman" panose="02020603050405020304" pitchFamily="18" charset="0"/>
-            </a:endParaRPr>
-          </a:p>
-        </p:txBody>
-      </p:sp>
     </p:spTree>
     <p:extLst>
       <p:ext uri="{BB962C8B-B14F-4D97-AF65-F5344CB8AC3E}">
@@ -7454,7 +7350,7 @@
         <p:spPr>
           <a:xfrm>
             <a:off x="0" y="8016"/>
-            <a:ext cx="7974008" cy="523033"/>
+            <a:ext cx="7974008" cy="511567"/>
           </a:xfrm>
           <a:solidFill>
             <a:schemeClr val="tx2">
@@ -7503,52 +7399,16 @@
           </a:p>
         </p:txBody>
       </p:sp>
-      <p:sp>
-        <p:nvSpPr>
-          <p:cNvPr id="5" name="TextBox 4"/>
-          <p:cNvSpPr txBox="1"/>
-          <p:nvPr/>
-        </p:nvSpPr>
-        <p:spPr>
-          <a:xfrm>
-            <a:off x="-10287" y="-3637"/>
-            <a:ext cx="3276600" cy="534686"/>
-          </a:xfrm>
-          <a:prstGeom prst="rect">
-            <a:avLst/>
-          </a:prstGeom>
-          <a:noFill/>
-        </p:spPr>
-        <p:txBody>
-          <a:bodyPr wrap="square" rtlCol="0">
-            <a:spAutoFit/>
-          </a:bodyPr>
-          <a:lstStyle/>
-          <a:p>
-            <a:r>
-              <a:rPr lang="en-GB" sz="2800" b="1" dirty="0" smtClean="0">
-                <a:latin typeface="Times New Roman" panose="02020603050405020304" pitchFamily="18" charset="0"/>
-                <a:cs typeface="Times New Roman" panose="02020603050405020304" pitchFamily="18" charset="0"/>
-              </a:rPr>
-              <a:t>Report Generation</a:t>
-            </a:r>
-            <a:endParaRPr lang="en-GB" sz="2800" b="1" dirty="0">
-              <a:latin typeface="Times New Roman" panose="02020603050405020304" pitchFamily="18" charset="0"/>
-              <a:cs typeface="Times New Roman" panose="02020603050405020304" pitchFamily="18" charset="0"/>
-            </a:endParaRPr>
-          </a:p>
-        </p:txBody>
-      </p:sp>
       <p:pic>
         <p:nvPicPr>
-          <p:cNvPr id="4098" name="Picture 2" descr="\\s81dsp01data01\ACIS-Udrive\Users\t10313\Gamification\Screenshots\Cropped\adminReport.png"/>
+          <p:cNvPr id="5" name="Picture 4" descr="\\s81dsp01data01\ACIS-Udrive\Users\t10313\Gamification\Screenshots\Cropped\userHome.png"/>
           <p:cNvPicPr>
             <a:picLocks noChangeAspect="1" noChangeArrowheads="1"/>
           </p:cNvPicPr>
           <p:nvPr/>
         </p:nvPicPr>
         <p:blipFill>
-          <a:blip r:embed="rId2">
+          <a:blip r:embed="rId2" cstate="print">
             <a:extLst>
               <a:ext uri="{28A0092B-C50C-407E-A947-70E740481C1C}">
                 <a14:useLocalDpi xmlns:a14="http://schemas.microsoft.com/office/drawing/2010/main" val="0"/>
@@ -7562,8 +7422,8 @@
         </p:blipFill>
         <p:spPr bwMode="auto">
           <a:xfrm>
-            <a:off x="3283" y="531049"/>
-            <a:ext cx="8781942" cy="4725164"/>
+            <a:off x="-1" y="519583"/>
+            <a:ext cx="8785225" cy="4736630"/>
           </a:xfrm>
           <a:prstGeom prst="rect">
             <a:avLst/>
@@ -7580,10 +7440,46 @@
           </a:extLst>
         </p:spPr>
       </p:pic>
+      <p:sp>
+        <p:nvSpPr>
+          <p:cNvPr id="6" name="TextBox 5"/>
+          <p:cNvSpPr txBox="1"/>
+          <p:nvPr/>
+        </p:nvSpPr>
+        <p:spPr>
+          <a:xfrm>
+            <a:off x="-10288" y="-3637"/>
+            <a:ext cx="3640899" cy="523220"/>
+          </a:xfrm>
+          <a:prstGeom prst="rect">
+            <a:avLst/>
+          </a:prstGeom>
+          <a:noFill/>
+        </p:spPr>
+        <p:txBody>
+          <a:bodyPr wrap="square" rtlCol="0">
+            <a:spAutoFit/>
+          </a:bodyPr>
+          <a:lstStyle/>
+          <a:p>
+            <a:r>
+              <a:rPr lang="en-GB" sz="2800" b="1" dirty="0" smtClean="0">
+                <a:latin typeface="Times New Roman" panose="02020603050405020304" pitchFamily="18" charset="0"/>
+                <a:cs typeface="Times New Roman" panose="02020603050405020304" pitchFamily="18" charset="0"/>
+              </a:rPr>
+              <a:t>Employee Home Page</a:t>
+            </a:r>
+            <a:endParaRPr lang="en-GB" sz="2800" b="1" dirty="0">
+              <a:latin typeface="Times New Roman" panose="02020603050405020304" pitchFamily="18" charset="0"/>
+              <a:cs typeface="Times New Roman" panose="02020603050405020304" pitchFamily="18" charset="0"/>
+            </a:endParaRPr>
+          </a:p>
+        </p:txBody>
+      </p:sp>
     </p:spTree>
     <p:extLst>
       <p:ext uri="{BB962C8B-B14F-4D97-AF65-F5344CB8AC3E}">
-        <p14:creationId xmlns:p14="http://schemas.microsoft.com/office/powerpoint/2010/main" val="2198825972"/>
+        <p14:creationId xmlns:p14="http://schemas.microsoft.com/office/powerpoint/2010/main" val="2046680725"/>
       </p:ext>
     </p:extLst>
   </p:cSld>
@@ -7679,16 +7575,52 @@
           </a:p>
         </p:txBody>
       </p:sp>
+      <p:sp>
+        <p:nvSpPr>
+          <p:cNvPr id="5" name="TextBox 4"/>
+          <p:cNvSpPr txBox="1"/>
+          <p:nvPr/>
+        </p:nvSpPr>
+        <p:spPr>
+          <a:xfrm>
+            <a:off x="-10288" y="-3637"/>
+            <a:ext cx="3640899" cy="523220"/>
+          </a:xfrm>
+          <a:prstGeom prst="rect">
+            <a:avLst/>
+          </a:prstGeom>
+          <a:noFill/>
+        </p:spPr>
+        <p:txBody>
+          <a:bodyPr wrap="square" rtlCol="0">
+            <a:spAutoFit/>
+          </a:bodyPr>
+          <a:lstStyle/>
+          <a:p>
+            <a:r>
+              <a:rPr lang="en-GB" sz="2800" b="1" dirty="0" smtClean="0">
+                <a:latin typeface="Times New Roman" panose="02020603050405020304" pitchFamily="18" charset="0"/>
+                <a:cs typeface="Times New Roman" panose="02020603050405020304" pitchFamily="18" charset="0"/>
+              </a:rPr>
+              <a:t>Employee Profile</a:t>
+            </a:r>
+            <a:endParaRPr lang="en-GB" sz="2800" b="1" dirty="0">
+              <a:latin typeface="Times New Roman" panose="02020603050405020304" pitchFamily="18" charset="0"/>
+              <a:cs typeface="Times New Roman" panose="02020603050405020304" pitchFamily="18" charset="0"/>
+            </a:endParaRPr>
+          </a:p>
+        </p:txBody>
+      </p:sp>
       <p:pic>
         <p:nvPicPr>
-          <p:cNvPr id="5" name="Picture 4" descr="\\s81dsp01data01\ACIS-Udrive\Users\t10313\Gamification\Screenshots\Cropped\userHome.png"/>
+          <p:cNvPr id="5122" name="Picture 2" descr="\\s81dsp01data01\ACIS-Udrive\Users\t10313\Gamification\Screenshots\Cropped\userProfile.png"/>
           <p:cNvPicPr>
             <a:picLocks noChangeAspect="1" noChangeArrowheads="1"/>
           </p:cNvPicPr>
           <p:nvPr/>
         </p:nvPicPr>
         <p:blipFill>
-          <a:blip r:embed="rId2" cstate="print">
+          <a:blip r:embed="rId2">
             <a:extLst>
               <a:ext uri="{28A0092B-C50C-407E-A947-70E740481C1C}">
                 <a14:useLocalDpi xmlns:a14="http://schemas.microsoft.com/office/drawing/2010/main" val="0"/>
@@ -7702,7 +7634,7 @@
         </p:blipFill>
         <p:spPr bwMode="auto">
           <a:xfrm>
-            <a:off x="-1" y="519583"/>
+            <a:off x="0" y="519583"/>
             <a:ext cx="8785225" cy="4736630"/>
           </a:xfrm>
           <a:prstGeom prst="rect">
@@ -7720,42 +7652,6 @@
           </a:extLst>
         </p:spPr>
       </p:pic>
-      <p:sp>
-        <p:nvSpPr>
-          <p:cNvPr id="6" name="TextBox 5"/>
-          <p:cNvSpPr txBox="1"/>
-          <p:nvPr/>
-        </p:nvSpPr>
-        <p:spPr>
-          <a:xfrm>
-            <a:off x="-10288" y="-3637"/>
-            <a:ext cx="3640899" cy="523220"/>
-          </a:xfrm>
-          <a:prstGeom prst="rect">
-            <a:avLst/>
-          </a:prstGeom>
-          <a:noFill/>
-        </p:spPr>
-        <p:txBody>
-          <a:bodyPr wrap="square" rtlCol="0">
-            <a:spAutoFit/>
-          </a:bodyPr>
-          <a:lstStyle/>
-          <a:p>
-            <a:r>
-              <a:rPr lang="en-GB" sz="2800" b="1" dirty="0" smtClean="0">
-                <a:latin typeface="Times New Roman" panose="02020603050405020304" pitchFamily="18" charset="0"/>
-                <a:cs typeface="Times New Roman" panose="02020603050405020304" pitchFamily="18" charset="0"/>
-              </a:rPr>
-              <a:t>Employee Home Page</a:t>
-            </a:r>
-            <a:endParaRPr lang="en-GB" sz="2800" b="1" dirty="0">
-              <a:latin typeface="Times New Roman" panose="02020603050405020304" pitchFamily="18" charset="0"/>
-              <a:cs typeface="Times New Roman" panose="02020603050405020304" pitchFamily="18" charset="0"/>
-            </a:endParaRPr>
-          </a:p>
-        </p:txBody>
-      </p:sp>
     </p:spTree>
     <p:extLst>
       <p:ext uri="{BB962C8B-B14F-4D97-AF65-F5344CB8AC3E}">
@@ -8317,141 +8213,9 @@
   <p:timing>
     <p:tnLst>
       <p:par>
-        <p:cTn id="1" dur="indefinite" restart="never" nodeType="tmRoot">
-          <p:childTnLst>
-            <p:seq concurrent="1" nextAc="seek">
-              <p:cTn id="2" dur="indefinite" nodeType="mainSeq">
-                <p:childTnLst>
-                  <p:par>
-                    <p:cTn id="3" fill="hold">
-                      <p:stCondLst>
-                        <p:cond delay="indefinite"/>
-                      </p:stCondLst>
-                      <p:childTnLst>
-                        <p:par>
-                          <p:cTn id="4" fill="hold">
-                            <p:stCondLst>
-                              <p:cond delay="0"/>
-                            </p:stCondLst>
-                            <p:childTnLst>
-                              <p:par>
-                                <p:cTn id="5" presetID="6" presetClass="entr" presetSubtype="16" fill="hold" nodeType="clickEffect">
-                                  <p:stCondLst>
-                                    <p:cond delay="0"/>
-                                  </p:stCondLst>
-                                  <p:childTnLst>
-                                    <p:set>
-                                      <p:cBhvr>
-                                        <p:cTn id="6" dur="1" fill="hold">
-                                          <p:stCondLst>
-                                            <p:cond delay="0"/>
-                                          </p:stCondLst>
-                                        </p:cTn>
-                                        <p:tgtEl>
-                                          <p:spTgt spid="8"/>
-                                        </p:tgtEl>
-                                        <p:attrNameLst>
-                                          <p:attrName>style.visibility</p:attrName>
-                                        </p:attrNameLst>
-                                      </p:cBhvr>
-                                      <p:to>
-                                        <p:strVal val="visible"/>
-                                      </p:to>
-                                    </p:set>
-                                    <p:animEffect transition="in" filter="circle(in)">
-                                      <p:cBhvr>
-                                        <p:cTn id="7" dur="2000"/>
-                                        <p:tgtEl>
-                                          <p:spTgt spid="8"/>
-                                        </p:tgtEl>
-                                      </p:cBhvr>
-                                    </p:animEffect>
-                                  </p:childTnLst>
-                                </p:cTn>
-                              </p:par>
-                            </p:childTnLst>
-                          </p:cTn>
-                        </p:par>
-                      </p:childTnLst>
-                    </p:cTn>
-                  </p:par>
-                  <p:par>
-                    <p:cTn id="8" fill="hold">
-                      <p:stCondLst>
-                        <p:cond delay="indefinite"/>
-                      </p:stCondLst>
-                      <p:childTnLst>
-                        <p:par>
-                          <p:cTn id="9" fill="hold">
-                            <p:stCondLst>
-                              <p:cond delay="0"/>
-                            </p:stCondLst>
-                            <p:childTnLst>
-                              <p:par>
-                                <p:cTn id="10" presetID="6" presetClass="entr" presetSubtype="16" fill="hold" grpId="0" nodeType="clickEffect">
-                                  <p:stCondLst>
-                                    <p:cond delay="0"/>
-                                  </p:stCondLst>
-                                  <p:childTnLst>
-                                    <p:set>
-                                      <p:cBhvr>
-                                        <p:cTn id="11" dur="1" fill="hold">
-                                          <p:stCondLst>
-                                            <p:cond delay="0"/>
-                                          </p:stCondLst>
-                                        </p:cTn>
-                                        <p:tgtEl>
-                                          <p:spTgt spid="10"/>
-                                        </p:tgtEl>
-                                        <p:attrNameLst>
-                                          <p:attrName>style.visibility</p:attrName>
-                                        </p:attrNameLst>
-                                      </p:cBhvr>
-                                      <p:to>
-                                        <p:strVal val="visible"/>
-                                      </p:to>
-                                    </p:set>
-                                    <p:animEffect transition="in" filter="circle(in)">
-                                      <p:cBhvr>
-                                        <p:cTn id="12" dur="2000"/>
-                                        <p:tgtEl>
-                                          <p:spTgt spid="10"/>
-                                        </p:tgtEl>
-                                      </p:cBhvr>
-                                    </p:animEffect>
-                                  </p:childTnLst>
-                                </p:cTn>
-                              </p:par>
-                            </p:childTnLst>
-                          </p:cTn>
-                        </p:par>
-                      </p:childTnLst>
-                    </p:cTn>
-                  </p:par>
-                </p:childTnLst>
-              </p:cTn>
-              <p:prevCondLst>
-                <p:cond evt="onPrev" delay="0">
-                  <p:tgtEl>
-                    <p:sldTgt/>
-                  </p:tgtEl>
-                </p:cond>
-              </p:prevCondLst>
-              <p:nextCondLst>
-                <p:cond evt="onNext" delay="0">
-                  <p:tgtEl>
-                    <p:sldTgt/>
-                  </p:tgtEl>
-                </p:cond>
-              </p:nextCondLst>
-            </p:seq>
-          </p:childTnLst>
-        </p:cTn>
+        <p:cTn id="1" dur="indefinite" restart="never" nodeType="tmRoot"/>
       </p:par>
     </p:tnLst>
-    <p:bldLst>
-      <p:bldP spid="10" grpId="0"/>
-    </p:bldLst>
   </p:timing>
 </p:sld>
 </file>
@@ -8562,7 +8326,7 @@
                 <a:latin typeface="Times New Roman" panose="02020603050405020304" pitchFamily="18" charset="0"/>
                 <a:cs typeface="Times New Roman" panose="02020603050405020304" pitchFamily="18" charset="0"/>
               </a:rPr>
-              <a:t>Employee Profile</a:t>
+              <a:t>Employee Scoreboard</a:t>
             </a:r>
             <a:endParaRPr lang="en-GB" sz="2800" b="1" dirty="0">
               <a:latin typeface="Times New Roman" panose="02020603050405020304" pitchFamily="18" charset="0"/>
@@ -8573,7 +8337,7 @@
       </p:sp>
       <p:pic>
         <p:nvPicPr>
-          <p:cNvPr id="5122" name="Picture 2" descr="\\s81dsp01data01\ACIS-Udrive\Users\t10313\Gamification\Screenshots\Cropped\userProfile.png"/>
+          <p:cNvPr id="6146" name="Picture 2" descr="\\s81dsp01data01\ACIS-Udrive\Users\t10313\Gamification\Screenshots\Cropped\userScore1.png"/>
           <p:cNvPicPr>
             <a:picLocks noChangeAspect="1" noChangeArrowheads="1"/>
           </p:cNvPicPr>
@@ -8615,7 +8379,7 @@
     </p:spTree>
     <p:extLst>
       <p:ext uri="{BB962C8B-B14F-4D97-AF65-F5344CB8AC3E}">
-        <p14:creationId xmlns:p14="http://schemas.microsoft.com/office/powerpoint/2010/main" val="2046680725"/>
+        <p14:creationId xmlns:p14="http://schemas.microsoft.com/office/powerpoint/2010/main" val="734278784"/>
       </p:ext>
     </p:extLst>
   </p:cSld>
@@ -8651,44 +8415,6 @@
       </p:grpSpPr>
       <p:sp>
         <p:nvSpPr>
-          <p:cNvPr id="11" name="Textplatzhalter 10"/>
-          <p:cNvSpPr>
-            <a:spLocks noGrp="1"/>
-          </p:cNvSpPr>
-          <p:nvPr>
-            <p:ph type="body" sz="quarter" idx="19"/>
-          </p:nvPr>
-        </p:nvSpPr>
-        <p:spPr>
-          <a:xfrm>
-            <a:off x="0" y="8016"/>
-            <a:ext cx="7974008" cy="511567"/>
-          </a:xfrm>
-          <a:solidFill>
-            <a:schemeClr val="tx2">
-              <a:lumMod val="20000"/>
-              <a:lumOff val="80000"/>
-            </a:schemeClr>
-          </a:solidFill>
-          <a:ln>
-            <a:solidFill>
-              <a:schemeClr val="tx2">
-                <a:lumMod val="20000"/>
-                <a:lumOff val="80000"/>
-              </a:schemeClr>
-            </a:solidFill>
-          </a:ln>
-        </p:spPr>
-        <p:txBody>
-          <a:bodyPr/>
-          <a:lstStyle/>
-          <a:p>
-            <a:endParaRPr lang="de-DE" dirty="0"/>
-          </a:p>
-        </p:txBody>
-      </p:sp>
-      <p:sp>
-        <p:nvSpPr>
           <p:cNvPr id="4" name="Foliennummernplatzhalter 3"/>
           <p:cNvSpPr>
             <a:spLocks noGrp="1"/>
@@ -8711,45 +8437,9 @@
           </a:p>
         </p:txBody>
       </p:sp>
-      <p:sp>
-        <p:nvSpPr>
-          <p:cNvPr id="5" name="TextBox 4"/>
-          <p:cNvSpPr txBox="1"/>
-          <p:nvPr/>
-        </p:nvSpPr>
-        <p:spPr>
-          <a:xfrm>
-            <a:off x="-10288" y="-3637"/>
-            <a:ext cx="3640899" cy="523220"/>
-          </a:xfrm>
-          <a:prstGeom prst="rect">
-            <a:avLst/>
-          </a:prstGeom>
-          <a:noFill/>
-        </p:spPr>
-        <p:txBody>
-          <a:bodyPr wrap="square" rtlCol="0">
-            <a:spAutoFit/>
-          </a:bodyPr>
-          <a:lstStyle/>
-          <a:p>
-            <a:r>
-              <a:rPr lang="en-GB" sz="2800" b="1" dirty="0" smtClean="0">
-                <a:latin typeface="Times New Roman" panose="02020603050405020304" pitchFamily="18" charset="0"/>
-                <a:cs typeface="Times New Roman" panose="02020603050405020304" pitchFamily="18" charset="0"/>
-              </a:rPr>
-              <a:t>Employee Scoreboard</a:t>
-            </a:r>
-            <a:endParaRPr lang="en-GB" sz="2800" b="1" dirty="0">
-              <a:latin typeface="Times New Roman" panose="02020603050405020304" pitchFamily="18" charset="0"/>
-              <a:cs typeface="Times New Roman" panose="02020603050405020304" pitchFamily="18" charset="0"/>
-            </a:endParaRPr>
-          </a:p>
-        </p:txBody>
-      </p:sp>
       <p:pic>
         <p:nvPicPr>
-          <p:cNvPr id="6146" name="Picture 2" descr="\\s81dsp01data01\ACIS-Udrive\Users\t10313\Gamification\Screenshots\Cropped\userScore1.png"/>
+          <p:cNvPr id="7170" name="Picture 2" descr="\\s81dsp01data01\ACIS-Udrive\Users\t10313\Gamification\Screenshots\Cropped\userScore2.png"/>
           <p:cNvPicPr>
             <a:picLocks noChangeAspect="1" noChangeArrowheads="1"/>
           </p:cNvPicPr>
@@ -8770,8 +8460,8 @@
         </p:blipFill>
         <p:spPr bwMode="auto">
           <a:xfrm>
-            <a:off x="0" y="519583"/>
-            <a:ext cx="8785225" cy="4736630"/>
+            <a:off x="3283" y="519583"/>
+            <a:ext cx="8781942" cy="4736630"/>
           </a:xfrm>
           <a:prstGeom prst="rect">
             <a:avLst/>
@@ -8788,10 +8478,84 @@
           </a:extLst>
         </p:spPr>
       </p:pic>
+      <p:sp>
+        <p:nvSpPr>
+          <p:cNvPr id="5" name="Textplatzhalter 10"/>
+          <p:cNvSpPr>
+            <a:spLocks noGrp="1"/>
+          </p:cNvSpPr>
+          <p:nvPr>
+            <p:ph type="body" sz="quarter" idx="19"/>
+          </p:nvPr>
+        </p:nvSpPr>
+        <p:spPr>
+          <a:xfrm>
+            <a:off x="0" y="8016"/>
+            <a:ext cx="7974008" cy="511567"/>
+          </a:xfrm>
+          <a:solidFill>
+            <a:schemeClr val="tx2">
+              <a:lumMod val="20000"/>
+              <a:lumOff val="80000"/>
+            </a:schemeClr>
+          </a:solidFill>
+          <a:ln>
+            <a:solidFill>
+              <a:schemeClr val="tx2">
+                <a:lumMod val="20000"/>
+                <a:lumOff val="80000"/>
+              </a:schemeClr>
+            </a:solidFill>
+          </a:ln>
+        </p:spPr>
+        <p:txBody>
+          <a:bodyPr/>
+          <a:lstStyle/>
+          <a:p>
+            <a:endParaRPr lang="de-DE" dirty="0"/>
+          </a:p>
+        </p:txBody>
+      </p:sp>
+      <p:sp>
+        <p:nvSpPr>
+          <p:cNvPr id="6" name="TextBox 5"/>
+          <p:cNvSpPr txBox="1"/>
+          <p:nvPr/>
+        </p:nvSpPr>
+        <p:spPr>
+          <a:xfrm>
+            <a:off x="-10288" y="-3637"/>
+            <a:ext cx="4707700" cy="523220"/>
+          </a:xfrm>
+          <a:prstGeom prst="rect">
+            <a:avLst/>
+          </a:prstGeom>
+          <a:noFill/>
+        </p:spPr>
+        <p:txBody>
+          <a:bodyPr wrap="square" rtlCol="0">
+            <a:spAutoFit/>
+          </a:bodyPr>
+          <a:lstStyle/>
+          <a:p>
+            <a:r>
+              <a:rPr lang="en-GB" sz="2800" b="1" dirty="0" smtClean="0">
+                <a:latin typeface="Times New Roman" panose="02020603050405020304" pitchFamily="18" charset="0"/>
+                <a:cs typeface="Times New Roman" panose="02020603050405020304" pitchFamily="18" charset="0"/>
+              </a:rPr>
+              <a:t>Position Relative to Others</a:t>
+            </a:r>
+            <a:endParaRPr lang="en-GB" sz="2800" b="1" dirty="0">
+              <a:latin typeface="Times New Roman" panose="02020603050405020304" pitchFamily="18" charset="0"/>
+              <a:cs typeface="Times New Roman" panose="02020603050405020304" pitchFamily="18" charset="0"/>
+            </a:endParaRPr>
+          </a:p>
+        </p:txBody>
+      </p:sp>
     </p:spTree>
     <p:extLst>
       <p:ext uri="{BB962C8B-B14F-4D97-AF65-F5344CB8AC3E}">
-        <p14:creationId xmlns:p14="http://schemas.microsoft.com/office/powerpoint/2010/main" val="734278784"/>
+        <p14:creationId xmlns:p14="http://schemas.microsoft.com/office/powerpoint/2010/main" val="2720048751"/>
       </p:ext>
     </p:extLst>
   </p:cSld>
@@ -8827,72 +8591,7 @@
       </p:grpSpPr>
       <p:sp>
         <p:nvSpPr>
-          <p:cNvPr id="4" name="Foliennummernplatzhalter 3"/>
-          <p:cNvSpPr>
-            <a:spLocks noGrp="1"/>
-          </p:cNvSpPr>
-          <p:nvPr>
-            <p:ph type="sldNum" sz="quarter" idx="12"/>
-          </p:nvPr>
-        </p:nvSpPr>
-        <p:spPr/>
-        <p:txBody>
-          <a:bodyPr/>
-          <a:lstStyle/>
-          <a:p>
-            <a:fld id="{61201FF1-C63B-412E-ABF0-3D0E918900AC}" type="slidenum">
-              <a:rPr lang="en-GB" smtClean="0"/>
-              <a:pPr/>
-              <a:t>22</a:t>
-            </a:fld>
-            <a:endParaRPr lang="en-GB" dirty="0"/>
-          </a:p>
-        </p:txBody>
-      </p:sp>
-      <p:pic>
-        <p:nvPicPr>
-          <p:cNvPr id="7170" name="Picture 2" descr="\\s81dsp01data01\ACIS-Udrive\Users\t10313\Gamification\Screenshots\Cropped\userScore2.png"/>
-          <p:cNvPicPr>
-            <a:picLocks noChangeAspect="1" noChangeArrowheads="1"/>
-          </p:cNvPicPr>
-          <p:nvPr/>
-        </p:nvPicPr>
-        <p:blipFill>
-          <a:blip r:embed="rId2">
-            <a:extLst>
-              <a:ext uri="{28A0092B-C50C-407E-A947-70E740481C1C}">
-                <a14:useLocalDpi xmlns:a14="http://schemas.microsoft.com/office/drawing/2010/main" val="0"/>
-              </a:ext>
-            </a:extLst>
-          </a:blip>
-          <a:srcRect/>
-          <a:stretch>
-            <a:fillRect/>
-          </a:stretch>
-        </p:blipFill>
-        <p:spPr bwMode="auto">
-          <a:xfrm>
-            <a:off x="3283" y="519583"/>
-            <a:ext cx="8781942" cy="4736630"/>
-          </a:xfrm>
-          <a:prstGeom prst="rect">
-            <a:avLst/>
-          </a:prstGeom>
-          <a:noFill/>
-          <a:extLst>
-            <a:ext uri="{909E8E84-426E-40DD-AFC4-6F175D3DCCD1}">
-              <a14:hiddenFill xmlns:a14="http://schemas.microsoft.com/office/drawing/2010/main">
-                <a:solidFill>
-                  <a:srgbClr val="FFFFFF"/>
-                </a:solidFill>
-              </a14:hiddenFill>
-            </a:ext>
-          </a:extLst>
-        </p:spPr>
-      </p:pic>
-      <p:sp>
-        <p:nvSpPr>
-          <p:cNvPr id="5" name="Textplatzhalter 10"/>
+          <p:cNvPr id="9" name="Textplatzhalter 8"/>
           <p:cNvSpPr>
             <a:spLocks noGrp="1"/>
           </p:cNvSpPr>
@@ -8900,44 +8599,61 @@
             <p:ph type="body" sz="quarter" idx="19"/>
           </p:nvPr>
         </p:nvSpPr>
+        <p:spPr/>
+        <p:txBody>
+          <a:bodyPr/>
+          <a:lstStyle/>
+          <a:p>
+            <a:pPr marL="0" indent="0">
+              <a:buNone/>
+            </a:pPr>
+            <a:endParaRPr lang="de-DE" dirty="0"/>
+          </a:p>
+        </p:txBody>
+      </p:sp>
+      <p:pic>
+        <p:nvPicPr>
+          <p:cNvPr id="49" name="Grafik 8"/>
+          <p:cNvPicPr>
+            <a:picLocks noChangeAspect="1"/>
+          </p:cNvPicPr>
+          <p:nvPr/>
+        </p:nvPicPr>
+        <p:blipFill>
+          <a:blip r:embed="rId2">
+            <a:alphaModFix amt="45000"/>
+            <a:duotone>
+              <a:prstClr val="black"/>
+              <a:schemeClr val="tx2">
+                <a:tint val="45000"/>
+                <a:satMod val="400000"/>
+              </a:schemeClr>
+            </a:duotone>
+          </a:blip>
+          <a:stretch>
+            <a:fillRect/>
+          </a:stretch>
+        </p:blipFill>
         <p:spPr>
           <a:xfrm>
-            <a:off x="0" y="8016"/>
-            <a:ext cx="7974008" cy="511567"/>
-          </a:xfrm>
-          <a:solidFill>
-            <a:schemeClr val="tx2">
-              <a:lumMod val="20000"/>
-              <a:lumOff val="80000"/>
-            </a:schemeClr>
-          </a:solidFill>
-          <a:ln>
-            <a:solidFill>
-              <a:schemeClr val="tx2">
-                <a:lumMod val="20000"/>
-                <a:lumOff val="80000"/>
-              </a:schemeClr>
-            </a:solidFill>
-          </a:ln>
-        </p:spPr>
-        <p:txBody>
-          <a:bodyPr/>
-          <a:lstStyle/>
-          <a:p>
-            <a:endParaRPr lang="de-DE" dirty="0"/>
-          </a:p>
-        </p:txBody>
-      </p:sp>
-      <p:sp>
-        <p:nvSpPr>
-          <p:cNvPr id="6" name="TextBox 5"/>
+            <a:off x="4392613" y="421526"/>
+            <a:ext cx="4392612" cy="4834689"/>
+          </a:xfrm>
+          <a:prstGeom prst="rect">
+            <a:avLst/>
+          </a:prstGeom>
+        </p:spPr>
+      </p:pic>
+      <p:sp>
+        <p:nvSpPr>
+          <p:cNvPr id="5" name="TextBox 4"/>
           <p:cNvSpPr txBox="1"/>
           <p:nvPr/>
         </p:nvSpPr>
         <p:spPr>
           <a:xfrm>
-            <a:off x="-10288" y="-3637"/>
-            <a:ext cx="4707700" cy="523220"/>
+            <a:off x="430212" y="615117"/>
+            <a:ext cx="4191000" cy="1792770"/>
           </a:xfrm>
           <a:prstGeom prst="rect">
             <a:avLst/>
@@ -8950,15 +8666,34 @@
           </a:bodyPr>
           <a:lstStyle/>
           <a:p>
-            <a:r>
-              <a:rPr lang="en-GB" sz="2800" b="1" dirty="0" smtClean="0">
-                <a:latin typeface="Times New Roman" panose="02020603050405020304" pitchFamily="18" charset="0"/>
+            <a:pPr algn="ctr"/>
+            <a:r>
+              <a:rPr lang="en-GB" sz="5400" b="1" dirty="0" smtClean="0">
+                <a:solidFill>
+                  <a:schemeClr val="bg1"/>
+                </a:solidFill>
+                <a:latin typeface="Allianz Serif" pitchFamily="50" charset="0"/>
                 <a:cs typeface="Times New Roman" panose="02020603050405020304" pitchFamily="18" charset="0"/>
               </a:rPr>
-              <a:t>Position Relative to Others</a:t>
-            </a:r>
-            <a:endParaRPr lang="en-GB" sz="2800" b="1" dirty="0">
-              <a:latin typeface="Times New Roman" panose="02020603050405020304" pitchFamily="18" charset="0"/>
+              <a:t>06</a:t>
+            </a:r>
+          </a:p>
+          <a:p>
+            <a:r>
+              <a:rPr lang="en-GB" sz="5400" b="1" dirty="0" smtClean="0">
+                <a:solidFill>
+                  <a:schemeClr val="bg1"/>
+                </a:solidFill>
+                <a:latin typeface="Allianz Serif" pitchFamily="50" charset="0"/>
+                <a:cs typeface="Times New Roman" panose="02020603050405020304" pitchFamily="18" charset="0"/>
+              </a:rPr>
+              <a:t>IT Data Team</a:t>
+            </a:r>
+            <a:endParaRPr lang="en-GB" sz="5400" b="1" dirty="0">
+              <a:solidFill>
+                <a:schemeClr val="bg1"/>
+              </a:solidFill>
+              <a:latin typeface="Allianz Serif" pitchFamily="50" charset="0"/>
               <a:cs typeface="Times New Roman" panose="02020603050405020304" pitchFamily="18" charset="0"/>
             </a:endParaRPr>
           </a:p>
@@ -8967,7 +8702,7 @@
     </p:spTree>
     <p:extLst>
       <p:ext uri="{BB962C8B-B14F-4D97-AF65-F5344CB8AC3E}">
-        <p14:creationId xmlns:p14="http://schemas.microsoft.com/office/powerpoint/2010/main" val="2720048751"/>
+        <p14:creationId xmlns:p14="http://schemas.microsoft.com/office/powerpoint/2010/main" val="1321641882"/>
       </p:ext>
     </p:extLst>
   </p:cSld>
@@ -9003,7 +8738,7 @@
       </p:grpSpPr>
       <p:sp>
         <p:nvSpPr>
-          <p:cNvPr id="9" name="Textplatzhalter 8"/>
+          <p:cNvPr id="11" name="Textplatzhalter 10"/>
           <p:cNvSpPr>
             <a:spLocks noGrp="1"/>
           </p:cNvSpPr>
@@ -9011,51 +8746,58 @@
             <p:ph type="body" sz="quarter" idx="19"/>
           </p:nvPr>
         </p:nvSpPr>
+        <p:spPr>
+          <a:xfrm>
+            <a:off x="0" y="8016"/>
+            <a:ext cx="7974008" cy="676049"/>
+          </a:xfrm>
+          <a:solidFill>
+            <a:schemeClr val="tx2">
+              <a:lumMod val="20000"/>
+              <a:lumOff val="80000"/>
+            </a:schemeClr>
+          </a:solidFill>
+          <a:ln>
+            <a:solidFill>
+              <a:schemeClr val="tx2">
+                <a:lumMod val="20000"/>
+                <a:lumOff val="80000"/>
+              </a:schemeClr>
+            </a:solidFill>
+          </a:ln>
+        </p:spPr>
+        <p:txBody>
+          <a:bodyPr/>
+          <a:lstStyle/>
+          <a:p>
+            <a:endParaRPr lang="de-DE" dirty="0"/>
+          </a:p>
+        </p:txBody>
+      </p:sp>
+      <p:sp>
+        <p:nvSpPr>
+          <p:cNvPr id="4" name="Foliennummernplatzhalter 3"/>
+          <p:cNvSpPr>
+            <a:spLocks noGrp="1"/>
+          </p:cNvSpPr>
+          <p:nvPr>
+            <p:ph type="sldNum" sz="quarter" idx="12"/>
+          </p:nvPr>
+        </p:nvSpPr>
         <p:spPr/>
         <p:txBody>
           <a:bodyPr/>
           <a:lstStyle/>
           <a:p>
-            <a:pPr marL="0" indent="0">
-              <a:buNone/>
-            </a:pPr>
-            <a:endParaRPr lang="de-DE" dirty="0"/>
-          </a:p>
-        </p:txBody>
-      </p:sp>
-      <p:pic>
-        <p:nvPicPr>
-          <p:cNvPr id="49" name="Grafik 8"/>
-          <p:cNvPicPr>
-            <a:picLocks noChangeAspect="1"/>
-          </p:cNvPicPr>
-          <p:nvPr/>
-        </p:nvPicPr>
-        <p:blipFill>
-          <a:blip r:embed="rId2">
-            <a:alphaModFix amt="45000"/>
-            <a:duotone>
-              <a:prstClr val="black"/>
-              <a:schemeClr val="tx2">
-                <a:tint val="45000"/>
-                <a:satMod val="400000"/>
-              </a:schemeClr>
-            </a:duotone>
-          </a:blip>
-          <a:stretch>
-            <a:fillRect/>
-          </a:stretch>
-        </p:blipFill>
-        <p:spPr>
-          <a:xfrm>
-            <a:off x="4392613" y="421526"/>
-            <a:ext cx="4392612" cy="4834689"/>
-          </a:xfrm>
-          <a:prstGeom prst="rect">
-            <a:avLst/>
-          </a:prstGeom>
-        </p:spPr>
-      </p:pic>
+            <a:fld id="{61201FF1-C63B-412E-ABF0-3D0E918900AC}" type="slidenum">
+              <a:rPr lang="en-GB" smtClean="0"/>
+              <a:pPr/>
+              <a:t>23</a:t>
+            </a:fld>
+            <a:endParaRPr lang="en-GB" dirty="0"/>
+          </a:p>
+        </p:txBody>
+      </p:sp>
       <p:sp>
         <p:nvSpPr>
           <p:cNvPr id="5" name="TextBox 4"/>
@@ -9064,8 +8806,8 @@
         </p:nvSpPr>
         <p:spPr>
           <a:xfrm>
-            <a:off x="430212" y="615117"/>
-            <a:ext cx="4191000" cy="1792770"/>
+            <a:off x="2640012" y="1264116"/>
+            <a:ext cx="2667000" cy="400110"/>
           </a:xfrm>
           <a:prstGeom prst="rect">
             <a:avLst/>
@@ -9078,34 +8820,191 @@
           </a:bodyPr>
           <a:lstStyle/>
           <a:p>
-            <a:pPr algn="ctr"/>
-            <a:r>
-              <a:rPr lang="en-GB" sz="5400" b="1" dirty="0" smtClean="0">
-                <a:solidFill>
-                  <a:schemeClr val="bg1"/>
-                </a:solidFill>
-                <a:latin typeface="Allianz Serif" pitchFamily="50" charset="0"/>
+            <a:r>
+              <a:rPr lang="en-GB" sz="2000" b="1" dirty="0" smtClean="0">
+                <a:latin typeface="Times New Roman" panose="02020603050405020304" pitchFamily="18" charset="0"/>
                 <a:cs typeface="Times New Roman" panose="02020603050405020304" pitchFamily="18" charset="0"/>
               </a:rPr>
-              <a:t>06</a:t>
-            </a:r>
-          </a:p>
-          <a:p>
-            <a:r>
-              <a:rPr lang="en-GB" sz="5400" b="1" dirty="0" smtClean="0">
-                <a:solidFill>
-                  <a:schemeClr val="bg1"/>
-                </a:solidFill>
-                <a:latin typeface="Allianz Serif" pitchFamily="50" charset="0"/>
+              <a:t>Corporate MIS Team</a:t>
+            </a:r>
+          </a:p>
+        </p:txBody>
+      </p:sp>
+      <p:sp>
+        <p:nvSpPr>
+          <p:cNvPr id="6" name="TextBox 5"/>
+          <p:cNvSpPr txBox="1"/>
+          <p:nvPr/>
+        </p:nvSpPr>
+        <p:spPr>
+          <a:xfrm>
+            <a:off x="3097212" y="2440454"/>
+            <a:ext cx="1676400" cy="400110"/>
+          </a:xfrm>
+          <a:prstGeom prst="rect">
+            <a:avLst/>
+          </a:prstGeom>
+          <a:noFill/>
+        </p:spPr>
+        <p:txBody>
+          <a:bodyPr wrap="square" rtlCol="0">
+            <a:spAutoFit/>
+          </a:bodyPr>
+          <a:lstStyle/>
+          <a:p>
+            <a:r>
+              <a:rPr lang="en-GB" sz="2000" b="1" dirty="0" smtClean="0">
+                <a:latin typeface="Times New Roman" panose="02020603050405020304" pitchFamily="18" charset="0"/>
+                <a:cs typeface="Times New Roman" panose="02020603050405020304" pitchFamily="18" charset="0"/>
+              </a:rPr>
+              <a:t>EBI IT Team</a:t>
+            </a:r>
+          </a:p>
+        </p:txBody>
+      </p:sp>
+      <p:sp>
+        <p:nvSpPr>
+          <p:cNvPr id="7" name="TextBox 6"/>
+          <p:cNvSpPr txBox="1"/>
+          <p:nvPr/>
+        </p:nvSpPr>
+        <p:spPr>
+          <a:xfrm>
+            <a:off x="3113880" y="3675796"/>
+            <a:ext cx="1735932" cy="400110"/>
+          </a:xfrm>
+          <a:prstGeom prst="rect">
+            <a:avLst/>
+          </a:prstGeom>
+          <a:noFill/>
+        </p:spPr>
+        <p:txBody>
+          <a:bodyPr wrap="square" rtlCol="0">
+            <a:spAutoFit/>
+          </a:bodyPr>
+          <a:lstStyle/>
+          <a:p>
+            <a:r>
+              <a:rPr lang="en-GB" sz="2000" b="1" dirty="0" smtClean="0">
+                <a:latin typeface="Times New Roman" panose="02020603050405020304" pitchFamily="18" charset="0"/>
                 <a:cs typeface="Times New Roman" panose="02020603050405020304" pitchFamily="18" charset="0"/>
               </a:rPr>
               <a:t>IT Data Team</a:t>
             </a:r>
-            <a:endParaRPr lang="en-GB" sz="5400" b="1" dirty="0">
-              <a:solidFill>
-                <a:schemeClr val="bg1"/>
-              </a:solidFill>
-              <a:latin typeface="Allianz Serif" pitchFamily="50" charset="0"/>
+          </a:p>
+        </p:txBody>
+      </p:sp>
+      <p:sp>
+        <p:nvSpPr>
+          <p:cNvPr id="3" name="Plus 2"/>
+          <p:cNvSpPr/>
+          <p:nvPr/>
+        </p:nvSpPr>
+        <p:spPr>
+          <a:xfrm>
+            <a:off x="3706812" y="1825595"/>
+            <a:ext cx="365919" cy="363339"/>
+          </a:xfrm>
+          <a:prstGeom prst="mathPlus">
+            <a:avLst/>
+          </a:prstGeom>
+        </p:spPr>
+        <p:style>
+          <a:lnRef idx="2">
+            <a:schemeClr val="accent1">
+              <a:shade val="50000"/>
+            </a:schemeClr>
+          </a:lnRef>
+          <a:fillRef idx="1">
+            <a:schemeClr val="accent1"/>
+          </a:fillRef>
+          <a:effectRef idx="0">
+            <a:schemeClr val="accent1"/>
+          </a:effectRef>
+          <a:fontRef idx="minor">
+            <a:schemeClr val="lt1"/>
+          </a:fontRef>
+        </p:style>
+        <p:txBody>
+          <a:bodyPr rtlCol="0" anchor="ctr"/>
+          <a:lstStyle/>
+          <a:p>
+            <a:pPr algn="ctr"/>
+            <a:endParaRPr lang="en-GB"/>
+          </a:p>
+        </p:txBody>
+      </p:sp>
+      <p:sp>
+        <p:nvSpPr>
+          <p:cNvPr id="8" name="Down Arrow 7"/>
+          <p:cNvSpPr/>
+          <p:nvPr/>
+        </p:nvSpPr>
+        <p:spPr>
+          <a:xfrm>
+            <a:off x="3752452" y="3094741"/>
+            <a:ext cx="274638" cy="381000"/>
+          </a:xfrm>
+          <a:prstGeom prst="downArrow">
+            <a:avLst/>
+          </a:prstGeom>
+        </p:spPr>
+        <p:style>
+          <a:lnRef idx="2">
+            <a:schemeClr val="accent1">
+              <a:shade val="50000"/>
+            </a:schemeClr>
+          </a:lnRef>
+          <a:fillRef idx="1">
+            <a:schemeClr val="accent1"/>
+          </a:fillRef>
+          <a:effectRef idx="0">
+            <a:schemeClr val="accent1"/>
+          </a:effectRef>
+          <a:fontRef idx="minor">
+            <a:schemeClr val="lt1"/>
+          </a:fontRef>
+        </p:style>
+        <p:txBody>
+          <a:bodyPr rtlCol="0" anchor="ctr"/>
+          <a:lstStyle/>
+          <a:p>
+            <a:pPr algn="ctr"/>
+            <a:endParaRPr lang="en-GB"/>
+          </a:p>
+        </p:txBody>
+      </p:sp>
+      <p:sp>
+        <p:nvSpPr>
+          <p:cNvPr id="9" name="TextBox 8"/>
+          <p:cNvSpPr txBox="1"/>
+          <p:nvPr/>
+        </p:nvSpPr>
+        <p:spPr>
+          <a:xfrm>
+            <a:off x="125412" y="123686"/>
+            <a:ext cx="3505200" cy="523220"/>
+          </a:xfrm>
+          <a:prstGeom prst="rect">
+            <a:avLst/>
+          </a:prstGeom>
+          <a:noFill/>
+        </p:spPr>
+        <p:txBody>
+          <a:bodyPr wrap="square" rtlCol="0">
+            <a:spAutoFit/>
+          </a:bodyPr>
+          <a:lstStyle/>
+          <a:p>
+            <a:r>
+              <a:rPr lang="en-GB" sz="2800" b="1" dirty="0" smtClean="0">
+                <a:latin typeface="Times New Roman" panose="02020603050405020304" pitchFamily="18" charset="0"/>
+                <a:cs typeface="Times New Roman" panose="02020603050405020304" pitchFamily="18" charset="0"/>
+              </a:rPr>
+              <a:t>Team</a:t>
+            </a:r>
+            <a:endParaRPr lang="en-GB" sz="2800" b="1" dirty="0">
+              <a:latin typeface="Times New Roman" panose="02020603050405020304" pitchFamily="18" charset="0"/>
               <a:cs typeface="Times New Roman" panose="02020603050405020304" pitchFamily="18" charset="0"/>
             </a:endParaRPr>
           </a:p>
@@ -9114,7 +9013,7 @@
     </p:spTree>
     <p:extLst>
       <p:ext uri="{BB962C8B-B14F-4D97-AF65-F5344CB8AC3E}">
-        <p14:creationId xmlns:p14="http://schemas.microsoft.com/office/powerpoint/2010/main" val="1321641882"/>
+        <p14:creationId xmlns:p14="http://schemas.microsoft.com/office/powerpoint/2010/main" val="2360728564"/>
       </p:ext>
     </p:extLst>
   </p:cSld>
@@ -9161,7 +9060,7 @@
         <p:spPr>
           <a:xfrm>
             <a:off x="0" y="8016"/>
-            <a:ext cx="7974008" cy="676049"/>
+            <a:ext cx="3706812" cy="676049"/>
           </a:xfrm>
           <a:solidFill>
             <a:schemeClr val="tx2">
@@ -9218,8 +9117,8 @@
         </p:nvSpPr>
         <p:spPr>
           <a:xfrm>
-            <a:off x="2640012" y="1264116"/>
-            <a:ext cx="2667000" cy="400110"/>
+            <a:off x="125412" y="123686"/>
+            <a:ext cx="3505200" cy="523220"/>
           </a:xfrm>
           <a:prstGeom prst="rect">
             <a:avLst/>
@@ -9233,91 +9132,304 @@
           <a:lstStyle/>
           <a:p>
             <a:r>
-              <a:rPr lang="en-GB" sz="2000" b="1" dirty="0" smtClean="0">
+              <a:rPr lang="en-GB" sz="2800" b="1" dirty="0" smtClean="0">
                 <a:latin typeface="Times New Roman" panose="02020603050405020304" pitchFamily="18" charset="0"/>
                 <a:cs typeface="Times New Roman" panose="02020603050405020304" pitchFamily="18" charset="0"/>
               </a:rPr>
-              <a:t>Corporate MIS Team</a:t>
-            </a:r>
-          </a:p>
-        </p:txBody>
-      </p:sp>
-      <p:sp>
-        <p:nvSpPr>
-          <p:cNvPr id="6" name="TextBox 5"/>
-          <p:cNvSpPr txBox="1"/>
+              <a:t>Organizational Chart</a:t>
+            </a:r>
+            <a:endParaRPr lang="en-GB" sz="2800" b="1" dirty="0">
+              <a:latin typeface="Times New Roman" panose="02020603050405020304" pitchFamily="18" charset="0"/>
+              <a:cs typeface="Times New Roman" panose="02020603050405020304" pitchFamily="18" charset="0"/>
+            </a:endParaRPr>
+          </a:p>
+        </p:txBody>
+      </p:sp>
+      <p:pic>
+        <p:nvPicPr>
+          <p:cNvPr id="11269" name="Picture 5" descr="U:\AILP Batch4\org\org1.PNG"/>
+          <p:cNvPicPr>
+            <a:picLocks noChangeAspect="1" noChangeArrowheads="1"/>
+          </p:cNvPicPr>
           <p:nvPr/>
-        </p:nvSpPr>
-        <p:spPr>
-          <a:xfrm>
-            <a:off x="3097212" y="2440454"/>
-            <a:ext cx="1676400" cy="400110"/>
+        </p:nvPicPr>
+        <p:blipFill rotWithShape="1">
+          <a:blip r:embed="rId2">
+            <a:extLst>
+              <a:ext uri="{28A0092B-C50C-407E-A947-70E740481C1C}">
+                <a14:useLocalDpi xmlns:a14="http://schemas.microsoft.com/office/drawing/2010/main" val="0"/>
+              </a:ext>
+            </a:extLst>
+          </a:blip>
+          <a:srcRect l="30464" t="4995" r="28704" b="62653"/>
+          <a:stretch/>
+        </p:blipFill>
+        <p:spPr bwMode="auto">
+          <a:xfrm>
+            <a:off x="430212" y="1758377"/>
+            <a:ext cx="747712" cy="793529"/>
           </a:xfrm>
           <a:prstGeom prst="rect">
             <a:avLst/>
           </a:prstGeom>
           <a:noFill/>
-        </p:spPr>
-        <p:txBody>
-          <a:bodyPr wrap="square" rtlCol="0">
-            <a:spAutoFit/>
-          </a:bodyPr>
-          <a:lstStyle/>
-          <a:p>
-            <a:r>
-              <a:rPr lang="en-GB" sz="2000" b="1" dirty="0" smtClean="0">
-                <a:latin typeface="Times New Roman" panose="02020603050405020304" pitchFamily="18" charset="0"/>
-                <a:cs typeface="Times New Roman" panose="02020603050405020304" pitchFamily="18" charset="0"/>
-              </a:rPr>
-              <a:t>EBI IT Team</a:t>
-            </a:r>
-          </a:p>
-        </p:txBody>
-      </p:sp>
-      <p:sp>
-        <p:nvSpPr>
-          <p:cNvPr id="7" name="TextBox 6"/>
-          <p:cNvSpPr txBox="1"/>
+          <a:extLst>
+            <a:ext uri="{909E8E84-426E-40DD-AFC4-6F175D3DCCD1}">
+              <a14:hiddenFill xmlns:a14="http://schemas.microsoft.com/office/drawing/2010/main">
+                <a:solidFill>
+                  <a:srgbClr val="FFFFFF"/>
+                </a:solidFill>
+              </a14:hiddenFill>
+            </a:ext>
+          </a:extLst>
+        </p:spPr>
+      </p:pic>
+      <p:pic>
+        <p:nvPicPr>
+          <p:cNvPr id="11270" name="Picture 6" descr="U:\AILP Batch4\org\org1.PNG"/>
+          <p:cNvPicPr>
+            <a:picLocks noChangeAspect="1" noChangeArrowheads="1"/>
+          </p:cNvPicPr>
           <p:nvPr/>
-        </p:nvSpPr>
-        <p:spPr>
-          <a:xfrm>
-            <a:off x="3113880" y="3675796"/>
-            <a:ext cx="1735932" cy="400110"/>
+        </p:nvPicPr>
+        <p:blipFill rotWithShape="1">
+          <a:blip r:embed="rId2">
+            <a:extLst>
+              <a:ext uri="{28A0092B-C50C-407E-A947-70E740481C1C}">
+                <a14:useLocalDpi xmlns:a14="http://schemas.microsoft.com/office/drawing/2010/main" val="0"/>
+              </a:ext>
+            </a:extLst>
+          </a:blip>
+          <a:srcRect l="29353" t="60141" r="28148" b="7506"/>
+          <a:stretch/>
+        </p:blipFill>
+        <p:spPr bwMode="auto">
+          <a:xfrm>
+            <a:off x="1504156" y="1761344"/>
+            <a:ext cx="747712" cy="793529"/>
           </a:xfrm>
           <a:prstGeom prst="rect">
             <a:avLst/>
           </a:prstGeom>
           <a:noFill/>
-        </p:spPr>
-        <p:txBody>
-          <a:bodyPr wrap="square" rtlCol="0">
-            <a:spAutoFit/>
-          </a:bodyPr>
-          <a:lstStyle/>
-          <a:p>
-            <a:r>
-              <a:rPr lang="en-GB" sz="2000" b="1" dirty="0" smtClean="0">
-                <a:latin typeface="Times New Roman" panose="02020603050405020304" pitchFamily="18" charset="0"/>
-                <a:cs typeface="Times New Roman" panose="02020603050405020304" pitchFamily="18" charset="0"/>
-              </a:rPr>
-              <a:t>IT Data Team</a:t>
-            </a:r>
-          </a:p>
-        </p:txBody>
-      </p:sp>
-      <p:sp>
-        <p:nvSpPr>
-          <p:cNvPr id="3" name="Plus 2"/>
+          <a:extLst>
+            <a:ext uri="{909E8E84-426E-40DD-AFC4-6F175D3DCCD1}">
+              <a14:hiddenFill xmlns:a14="http://schemas.microsoft.com/office/drawing/2010/main">
+                <a:solidFill>
+                  <a:srgbClr val="FFFFFF"/>
+                </a:solidFill>
+              </a14:hiddenFill>
+            </a:ext>
+          </a:extLst>
+        </p:spPr>
+      </p:pic>
+      <p:pic>
+        <p:nvPicPr>
+          <p:cNvPr id="11271" name="Picture 7" descr="U:\AILP Batch4\org\org2.PNG"/>
+          <p:cNvPicPr>
+            <a:picLocks noChangeAspect="1" noChangeArrowheads="1"/>
+          </p:cNvPicPr>
+          <p:nvPr/>
+        </p:nvPicPr>
+        <p:blipFill rotWithShape="1">
+          <a:blip r:embed="rId3">
+            <a:extLst>
+              <a:ext uri="{28A0092B-C50C-407E-A947-70E740481C1C}">
+                <a14:useLocalDpi xmlns:a14="http://schemas.microsoft.com/office/drawing/2010/main" val="0"/>
+              </a:ext>
+            </a:extLst>
+          </a:blip>
+          <a:srcRect l="18805" t="59829" r="15952" b="7937"/>
+          <a:stretch/>
+        </p:blipFill>
+        <p:spPr bwMode="auto">
+          <a:xfrm>
+            <a:off x="2578100" y="1762140"/>
+            <a:ext cx="747712" cy="792733"/>
+          </a:xfrm>
+          <a:prstGeom prst="rect">
+            <a:avLst/>
+          </a:prstGeom>
+          <a:noFill/>
+          <a:extLst>
+            <a:ext uri="{909E8E84-426E-40DD-AFC4-6F175D3DCCD1}">
+              <a14:hiddenFill xmlns:a14="http://schemas.microsoft.com/office/drawing/2010/main">
+                <a:solidFill>
+                  <a:srgbClr val="FFFFFF"/>
+                </a:solidFill>
+              </a14:hiddenFill>
+            </a:ext>
+          </a:extLst>
+        </p:spPr>
+      </p:pic>
+      <p:pic>
+        <p:nvPicPr>
+          <p:cNvPr id="11272" name="Picture 8" descr="U:\AILP Batch4\org\org3.PNG"/>
+          <p:cNvPicPr>
+            <a:picLocks noChangeAspect="1" noChangeArrowheads="1"/>
+          </p:cNvPicPr>
+          <p:nvPr/>
+        </p:nvPicPr>
+        <p:blipFill rotWithShape="1">
+          <a:blip r:embed="rId4">
+            <a:extLst>
+              <a:ext uri="{28A0092B-C50C-407E-A947-70E740481C1C}">
+                <a14:useLocalDpi xmlns:a14="http://schemas.microsoft.com/office/drawing/2010/main" val="0"/>
+              </a:ext>
+            </a:extLst>
+          </a:blip>
+          <a:srcRect l="14414" t="60347" r="20720" b="6446"/>
+          <a:stretch/>
+        </p:blipFill>
+        <p:spPr bwMode="auto">
+          <a:xfrm>
+            <a:off x="3641328" y="1758377"/>
+            <a:ext cx="747712" cy="792735"/>
+          </a:xfrm>
+          <a:prstGeom prst="rect">
+            <a:avLst/>
+          </a:prstGeom>
+          <a:noFill/>
+          <a:extLst>
+            <a:ext uri="{909E8E84-426E-40DD-AFC4-6F175D3DCCD1}">
+              <a14:hiddenFill xmlns:a14="http://schemas.microsoft.com/office/drawing/2010/main">
+                <a:solidFill>
+                  <a:srgbClr val="FFFFFF"/>
+                </a:solidFill>
+              </a14:hiddenFill>
+            </a:ext>
+          </a:extLst>
+        </p:spPr>
+      </p:pic>
+      <p:pic>
+        <p:nvPicPr>
+          <p:cNvPr id="11274" name="Picture 10" descr="U:\AILP Batch4\org\org5.PNG"/>
+          <p:cNvPicPr>
+            <a:picLocks noChangeAspect="1" noChangeArrowheads="1"/>
+          </p:cNvPicPr>
+          <p:nvPr/>
+        </p:nvPicPr>
+        <p:blipFill rotWithShape="1">
+          <a:blip r:embed="rId5">
+            <a:extLst>
+              <a:ext uri="{28A0092B-C50C-407E-A947-70E740481C1C}">
+                <a14:useLocalDpi xmlns:a14="http://schemas.microsoft.com/office/drawing/2010/main" val="0"/>
+              </a:ext>
+            </a:extLst>
+          </a:blip>
+          <a:srcRect l="38127" t="38863" r="38796" b="42180"/>
+          <a:stretch/>
+        </p:blipFill>
+        <p:spPr bwMode="auto">
+          <a:xfrm>
+            <a:off x="5778500" y="1757882"/>
+            <a:ext cx="747712" cy="792735"/>
+          </a:xfrm>
+          <a:prstGeom prst="rect">
+            <a:avLst/>
+          </a:prstGeom>
+          <a:noFill/>
+          <a:extLst>
+            <a:ext uri="{909E8E84-426E-40DD-AFC4-6F175D3DCCD1}">
+              <a14:hiddenFill xmlns:a14="http://schemas.microsoft.com/office/drawing/2010/main">
+                <a:solidFill>
+                  <a:srgbClr val="FFFFFF"/>
+                </a:solidFill>
+              </a14:hiddenFill>
+            </a:ext>
+          </a:extLst>
+        </p:spPr>
+      </p:pic>
+      <p:pic>
+        <p:nvPicPr>
+          <p:cNvPr id="11275" name="Picture 11" descr="U:\AILP Batch4\org\org5.PNG"/>
+          <p:cNvPicPr>
+            <a:picLocks noChangeAspect="1" noChangeArrowheads="1"/>
+          </p:cNvPicPr>
+          <p:nvPr/>
+        </p:nvPicPr>
+        <p:blipFill rotWithShape="1">
+          <a:blip r:embed="rId5">
+            <a:extLst>
+              <a:ext uri="{28A0092B-C50C-407E-A947-70E740481C1C}">
+                <a14:useLocalDpi xmlns:a14="http://schemas.microsoft.com/office/drawing/2010/main" val="0"/>
+              </a:ext>
+            </a:extLst>
+          </a:blip>
+          <a:srcRect l="38728" t="2349" r="38195" b="76798"/>
+          <a:stretch/>
+        </p:blipFill>
+        <p:spPr bwMode="auto">
+          <a:xfrm>
+            <a:off x="4715272" y="1757883"/>
+            <a:ext cx="747712" cy="792734"/>
+          </a:xfrm>
+          <a:prstGeom prst="rect">
+            <a:avLst/>
+          </a:prstGeom>
+          <a:noFill/>
+          <a:extLst>
+            <a:ext uri="{909E8E84-426E-40DD-AFC4-6F175D3DCCD1}">
+              <a14:hiddenFill xmlns:a14="http://schemas.microsoft.com/office/drawing/2010/main">
+                <a:solidFill>
+                  <a:srgbClr val="FFFFFF"/>
+                </a:solidFill>
+              </a14:hiddenFill>
+            </a:ext>
+          </a:extLst>
+        </p:spPr>
+      </p:pic>
+      <p:pic>
+        <p:nvPicPr>
+          <p:cNvPr id="13" name="Picture 11" descr="U:\AILP Batch4\org\org5.PNG"/>
+          <p:cNvPicPr>
+            <a:picLocks noChangeAspect="1" noChangeArrowheads="1"/>
+          </p:cNvPicPr>
+          <p:nvPr/>
+        </p:nvPicPr>
+        <p:blipFill rotWithShape="1">
+          <a:blip r:embed="rId5">
+            <a:extLst>
+              <a:ext uri="{28A0092B-C50C-407E-A947-70E740481C1C}">
+                <a14:useLocalDpi xmlns:a14="http://schemas.microsoft.com/office/drawing/2010/main" val="0"/>
+              </a:ext>
+            </a:extLst>
+          </a:blip>
+          <a:srcRect l="7691" t="66570" r="7693" b="4993"/>
+          <a:stretch/>
+        </p:blipFill>
+        <p:spPr bwMode="auto">
+          <a:xfrm>
+            <a:off x="5009356" y="3085306"/>
+            <a:ext cx="2286000" cy="1066800"/>
+          </a:xfrm>
+          <a:prstGeom prst="rect">
+            <a:avLst/>
+          </a:prstGeom>
+          <a:noFill/>
+          <a:extLst>
+            <a:ext uri="{909E8E84-426E-40DD-AFC4-6F175D3DCCD1}">
+              <a14:hiddenFill xmlns:a14="http://schemas.microsoft.com/office/drawing/2010/main">
+                <a:solidFill>
+                  <a:srgbClr val="FFFFFF"/>
+                </a:solidFill>
+              </a14:hiddenFill>
+            </a:ext>
+          </a:extLst>
+        </p:spPr>
+      </p:pic>
+      <p:sp>
+        <p:nvSpPr>
+          <p:cNvPr id="3" name="Right Arrow 2"/>
           <p:cNvSpPr/>
           <p:nvPr/>
         </p:nvSpPr>
         <p:spPr>
           <a:xfrm>
-            <a:off x="3706812" y="1825595"/>
-            <a:ext cx="365919" cy="363339"/>
-          </a:xfrm>
-          <a:prstGeom prst="mathPlus">
+            <a:off x="1177924" y="2037238"/>
+            <a:ext cx="326232" cy="241742"/>
+          </a:xfrm>
+          <a:prstGeom prst="rightArrow">
             <a:avLst/>
           </a:prstGeom>
         </p:spPr>
@@ -9348,16 +9460,16 @@
       </p:sp>
       <p:sp>
         <p:nvSpPr>
-          <p:cNvPr id="8" name="Down Arrow 7"/>
+          <p:cNvPr id="19" name="Right Arrow 18"/>
           <p:cNvSpPr/>
           <p:nvPr/>
         </p:nvSpPr>
         <p:spPr>
           <a:xfrm>
-            <a:off x="3752452" y="3094741"/>
-            <a:ext cx="274638" cy="381000"/>
-          </a:xfrm>
-          <a:prstGeom prst="downArrow">
+            <a:off x="2251868" y="2034270"/>
+            <a:ext cx="326232" cy="241742"/>
+          </a:xfrm>
+          <a:prstGeom prst="rightArrow">
             <a:avLst/>
           </a:prstGeom>
         </p:spPr>
@@ -9386,10 +9498,170 @@
           </a:p>
         </p:txBody>
       </p:sp>
+      <p:sp>
+        <p:nvSpPr>
+          <p:cNvPr id="20" name="Right Arrow 19"/>
+          <p:cNvSpPr/>
+          <p:nvPr/>
+        </p:nvSpPr>
+        <p:spPr>
+          <a:xfrm>
+            <a:off x="3315096" y="2037238"/>
+            <a:ext cx="326232" cy="241742"/>
+          </a:xfrm>
+          <a:prstGeom prst="rightArrow">
+            <a:avLst/>
+          </a:prstGeom>
+        </p:spPr>
+        <p:style>
+          <a:lnRef idx="2">
+            <a:schemeClr val="accent1">
+              <a:shade val="50000"/>
+            </a:schemeClr>
+          </a:lnRef>
+          <a:fillRef idx="1">
+            <a:schemeClr val="accent1"/>
+          </a:fillRef>
+          <a:effectRef idx="0">
+            <a:schemeClr val="accent1"/>
+          </a:effectRef>
+          <a:fontRef idx="minor">
+            <a:schemeClr val="lt1"/>
+          </a:fontRef>
+        </p:style>
+        <p:txBody>
+          <a:bodyPr rtlCol="0" anchor="ctr"/>
+          <a:lstStyle/>
+          <a:p>
+            <a:pPr algn="ctr"/>
+            <a:endParaRPr lang="en-GB"/>
+          </a:p>
+        </p:txBody>
+      </p:sp>
+      <p:sp>
+        <p:nvSpPr>
+          <p:cNvPr id="21" name="Right Arrow 20"/>
+          <p:cNvSpPr/>
+          <p:nvPr/>
+        </p:nvSpPr>
+        <p:spPr>
+          <a:xfrm>
+            <a:off x="4389040" y="2033379"/>
+            <a:ext cx="326232" cy="241742"/>
+          </a:xfrm>
+          <a:prstGeom prst="rightArrow">
+            <a:avLst/>
+          </a:prstGeom>
+        </p:spPr>
+        <p:style>
+          <a:lnRef idx="2">
+            <a:schemeClr val="accent1">
+              <a:shade val="50000"/>
+            </a:schemeClr>
+          </a:lnRef>
+          <a:fillRef idx="1">
+            <a:schemeClr val="accent1"/>
+          </a:fillRef>
+          <a:effectRef idx="0">
+            <a:schemeClr val="accent1"/>
+          </a:effectRef>
+          <a:fontRef idx="minor">
+            <a:schemeClr val="lt1"/>
+          </a:fontRef>
+        </p:style>
+        <p:txBody>
+          <a:bodyPr rtlCol="0" anchor="ctr"/>
+          <a:lstStyle/>
+          <a:p>
+            <a:pPr algn="ctr"/>
+            <a:endParaRPr lang="en-GB"/>
+          </a:p>
+        </p:txBody>
+      </p:sp>
+      <p:sp>
+        <p:nvSpPr>
+          <p:cNvPr id="22" name="Right Arrow 21"/>
+          <p:cNvSpPr/>
+          <p:nvPr/>
+        </p:nvSpPr>
+        <p:spPr>
+          <a:xfrm>
+            <a:off x="5470524" y="2037238"/>
+            <a:ext cx="326232" cy="241742"/>
+          </a:xfrm>
+          <a:prstGeom prst="rightArrow">
+            <a:avLst/>
+          </a:prstGeom>
+        </p:spPr>
+        <p:style>
+          <a:lnRef idx="2">
+            <a:schemeClr val="accent1">
+              <a:shade val="50000"/>
+            </a:schemeClr>
+          </a:lnRef>
+          <a:fillRef idx="1">
+            <a:schemeClr val="accent1"/>
+          </a:fillRef>
+          <a:effectRef idx="0">
+            <a:schemeClr val="accent1"/>
+          </a:effectRef>
+          <a:fontRef idx="minor">
+            <a:schemeClr val="lt1"/>
+          </a:fontRef>
+        </p:style>
+        <p:txBody>
+          <a:bodyPr rtlCol="0" anchor="ctr"/>
+          <a:lstStyle/>
+          <a:p>
+            <a:pPr algn="ctr"/>
+            <a:endParaRPr lang="en-GB"/>
+          </a:p>
+        </p:txBody>
+      </p:sp>
+      <p:sp>
+        <p:nvSpPr>
+          <p:cNvPr id="8" name="Down Arrow 7"/>
+          <p:cNvSpPr/>
+          <p:nvPr/>
+        </p:nvSpPr>
+        <p:spPr>
+          <a:xfrm>
+            <a:off x="6038056" y="2554872"/>
+            <a:ext cx="228600" cy="530433"/>
+          </a:xfrm>
+          <a:prstGeom prst="downArrow">
+            <a:avLst/>
+          </a:prstGeom>
+        </p:spPr>
+        <p:style>
+          <a:lnRef idx="2">
+            <a:schemeClr val="accent1">
+              <a:shade val="50000"/>
+            </a:schemeClr>
+          </a:lnRef>
+          <a:fillRef idx="1">
+            <a:schemeClr val="accent1"/>
+          </a:fillRef>
+          <a:effectRef idx="0">
+            <a:schemeClr val="accent1"/>
+          </a:effectRef>
+          <a:fontRef idx="minor">
+            <a:schemeClr val="lt1"/>
+          </a:fontRef>
+        </p:style>
+        <p:txBody>
+          <a:bodyPr rtlCol="0" anchor="ctr"/>
+          <a:lstStyle/>
+          <a:p>
+            <a:pPr algn="ctr"/>
+            <a:endParaRPr lang="en-GB"/>
+          </a:p>
+        </p:txBody>
+      </p:sp>
     </p:spTree>
     <p:extLst>
       <p:ext uri="{BB962C8B-B14F-4D97-AF65-F5344CB8AC3E}">
-        <p14:creationId xmlns:p14="http://schemas.microsoft.com/office/powerpoint/2010/main" val="2360728564"/>
+        <p14:creationId xmlns:p14="http://schemas.microsoft.com/office/powerpoint/2010/main" val="4199472096"/>
       </p:ext>
     </p:extLst>
   </p:cSld>
@@ -9512,11 +9784,32 @@
               <a:buChar char="Ø"/>
             </a:pPr>
             <a:r>
-              <a:rPr lang="en-GB" sz="2000" dirty="0">
+              <a:rPr lang="en-GB" sz="2000" dirty="0" smtClean="0">
                 <a:latin typeface="Times New Roman" panose="02020603050405020304" pitchFamily="18" charset="0"/>
                 <a:cs typeface="Times New Roman" panose="02020603050405020304" pitchFamily="18" charset="0"/>
               </a:rPr>
-              <a:t>Data Warehousing and Data reporting</a:t>
+              <a:t>Track </a:t>
+            </a:r>
+            <a:r>
+              <a:rPr lang="en-GB" sz="2000" dirty="0" smtClean="0">
+                <a:latin typeface="Times New Roman" panose="02020603050405020304" pitchFamily="18" charset="0"/>
+                <a:cs typeface="Times New Roman" panose="02020603050405020304" pitchFamily="18" charset="0"/>
+              </a:rPr>
+              <a:t>all </a:t>
+            </a:r>
+            <a:r>
+              <a:rPr lang="en-GB" sz="2000" dirty="0" smtClean="0">
+                <a:latin typeface="Times New Roman" panose="02020603050405020304" pitchFamily="18" charset="0"/>
+                <a:cs typeface="Times New Roman" panose="02020603050405020304" pitchFamily="18" charset="0"/>
+              </a:rPr>
+              <a:t>organizational data </a:t>
+            </a:r>
+            <a:r>
+              <a:rPr lang="en-GB" sz="2000" dirty="0" smtClean="0">
+                <a:latin typeface="Times New Roman" panose="02020603050405020304" pitchFamily="18" charset="0"/>
+                <a:cs typeface="Times New Roman" panose="02020603050405020304" pitchFamily="18" charset="0"/>
+              </a:rPr>
+              <a:t>and keep histories</a:t>
             </a:r>
             <a:r>
               <a:rPr lang="en-GB" sz="2000" dirty="0" smtClean="0">
@@ -9542,12 +9835,23 @@
               <a:buChar char="Ø"/>
             </a:pPr>
             <a:r>
+              <a:rPr lang="en-GB" sz="2000" dirty="0">
+                <a:latin typeface="Times New Roman" panose="02020603050405020304" pitchFamily="18" charset="0"/>
+                <a:cs typeface="Times New Roman" panose="02020603050405020304" pitchFamily="18" charset="0"/>
+              </a:rPr>
+              <a:t>Produces reports on operations for every level of management</a:t>
+            </a:r>
+            <a:r>
               <a:rPr lang="en-GB" sz="2000" dirty="0" smtClean="0">
                 <a:latin typeface="Times New Roman" panose="02020603050405020304" pitchFamily="18" charset="0"/>
                 <a:cs typeface="Times New Roman" panose="02020603050405020304" pitchFamily="18" charset="0"/>
               </a:rPr>
-              <a:t>Track all organizational data and keep histories.</a:t>
-            </a:r>
+              <a:t>.</a:t>
+            </a:r>
+            <a:endParaRPr lang="en-GB" sz="2000" dirty="0" smtClean="0">
+              <a:latin typeface="Times New Roman" panose="02020603050405020304" pitchFamily="18" charset="0"/>
+              <a:cs typeface="Times New Roman" panose="02020603050405020304" pitchFamily="18" charset="0"/>
+            </a:endParaRPr>
           </a:p>
           <a:p>
             <a:pPr marL="285750" indent="-285750">
@@ -9569,27 +9873,19 @@
                 <a:latin typeface="Times New Roman" panose="02020603050405020304" pitchFamily="18" charset="0"/>
                 <a:cs typeface="Times New Roman" panose="02020603050405020304" pitchFamily="18" charset="0"/>
               </a:rPr>
-              <a:t>Data Analysis and Decision Making.</a:t>
-            </a:r>
-          </a:p>
-          <a:p>
-            <a:endParaRPr lang="en-GB" sz="2000" dirty="0">
-              <a:latin typeface="Times New Roman" panose="02020603050405020304" pitchFamily="18" charset="0"/>
-              <a:cs typeface="Times New Roman" panose="02020603050405020304" pitchFamily="18" charset="0"/>
-            </a:endParaRPr>
-          </a:p>
-          <a:p>
-            <a:pPr marL="285750" indent="-285750">
-              <a:buFont typeface="Wingdings" panose="05000000000000000000" pitchFamily="2" charset="2"/>
-              <a:buChar char="Ø"/>
-            </a:pPr>
+              <a:t>Data Warehousing and Data Reporting</a:t>
+            </a:r>
             <a:r>
               <a:rPr lang="en-GB" sz="2000" dirty="0" smtClean="0">
                 <a:latin typeface="Times New Roman" panose="02020603050405020304" pitchFamily="18" charset="0"/>
                 <a:cs typeface="Times New Roman" panose="02020603050405020304" pitchFamily="18" charset="0"/>
               </a:rPr>
-              <a:t>Produces reports on operations for every level of management.</a:t>
-            </a:r>
+              <a:t>.</a:t>
+            </a:r>
+            <a:endParaRPr lang="en-GB" sz="2000" dirty="0" smtClean="0">
+              <a:latin typeface="Times New Roman" panose="02020603050405020304" pitchFamily="18" charset="0"/>
+              <a:cs typeface="Times New Roman" panose="02020603050405020304" pitchFamily="18" charset="0"/>
+            </a:endParaRPr>
           </a:p>
           <a:p>
             <a:pPr marL="285750" indent="-285750">
@@ -9607,6 +9903,25 @@
               <a:buChar char="Ø"/>
             </a:pPr>
             <a:r>
+              <a:rPr lang="en-GB" sz="2000" dirty="0">
+                <a:latin typeface="Times New Roman" panose="02020603050405020304" pitchFamily="18" charset="0"/>
+                <a:cs typeface="Times New Roman" panose="02020603050405020304" pitchFamily="18" charset="0"/>
+              </a:rPr>
+              <a:t>Data Analysis and Decision Making.</a:t>
+            </a:r>
+          </a:p>
+          <a:p>
+            <a:endParaRPr lang="en-GB" sz="2000" dirty="0">
+              <a:latin typeface="Times New Roman" panose="02020603050405020304" pitchFamily="18" charset="0"/>
+              <a:cs typeface="Times New Roman" panose="02020603050405020304" pitchFamily="18" charset="0"/>
+            </a:endParaRPr>
+          </a:p>
+          <a:p>
+            <a:pPr marL="285750" indent="-285750">
+              <a:buFont typeface="Wingdings" panose="05000000000000000000" pitchFamily="2" charset="2"/>
+              <a:buChar char="Ø"/>
+            </a:pPr>
+            <a:r>
               <a:rPr lang="en-GB" sz="2000" dirty="0" smtClean="0">
                 <a:latin typeface="Times New Roman" panose="02020603050405020304" pitchFamily="18" charset="0"/>
                 <a:cs typeface="Times New Roman" panose="02020603050405020304" pitchFamily="18" charset="0"/>
@@ -9620,10 +9935,46 @@
           </a:p>
         </p:txBody>
       </p:sp>
+      <p:sp>
+        <p:nvSpPr>
+          <p:cNvPr id="6" name="TextBox 5"/>
+          <p:cNvSpPr txBox="1"/>
+          <p:nvPr/>
+        </p:nvSpPr>
+        <p:spPr>
+          <a:xfrm>
+            <a:off x="125412" y="123686"/>
+            <a:ext cx="3505200" cy="523220"/>
+          </a:xfrm>
+          <a:prstGeom prst="rect">
+            <a:avLst/>
+          </a:prstGeom>
+          <a:noFill/>
+        </p:spPr>
+        <p:txBody>
+          <a:bodyPr wrap="square" rtlCol="0">
+            <a:spAutoFit/>
+          </a:bodyPr>
+          <a:lstStyle/>
+          <a:p>
+            <a:r>
+              <a:rPr lang="en-GB" sz="2800" b="1" dirty="0" smtClean="0">
+                <a:latin typeface="Times New Roman" panose="02020603050405020304" pitchFamily="18" charset="0"/>
+                <a:cs typeface="Times New Roman" panose="02020603050405020304" pitchFamily="18" charset="0"/>
+              </a:rPr>
+              <a:t>Why such a Team?</a:t>
+            </a:r>
+            <a:endParaRPr lang="en-GB" sz="2800" b="1" dirty="0">
+              <a:latin typeface="Times New Roman" panose="02020603050405020304" pitchFamily="18" charset="0"/>
+              <a:cs typeface="Times New Roman" panose="02020603050405020304" pitchFamily="18" charset="0"/>
+            </a:endParaRPr>
+          </a:p>
+        </p:txBody>
+      </p:sp>
     </p:spTree>
     <p:extLst>
       <p:ext uri="{BB962C8B-B14F-4D97-AF65-F5344CB8AC3E}">
-        <p14:creationId xmlns:p14="http://schemas.microsoft.com/office/powerpoint/2010/main" val="4199472096"/>
+        <p14:creationId xmlns:p14="http://schemas.microsoft.com/office/powerpoint/2010/main" val="2096581181"/>
       </p:ext>
     </p:extLst>
   </p:cSld>
@@ -9670,7 +10021,7 @@
         <p:spPr>
           <a:xfrm>
             <a:off x="0" y="8016"/>
-            <a:ext cx="3706812" cy="676049"/>
+            <a:ext cx="7974008" cy="676049"/>
           </a:xfrm>
           <a:solidFill>
             <a:schemeClr val="tx2">
@@ -9727,8 +10078,8 @@
         </p:nvSpPr>
         <p:spPr>
           <a:xfrm>
-            <a:off x="125412" y="123686"/>
-            <a:ext cx="3505200" cy="523220"/>
+            <a:off x="294512" y="123686"/>
+            <a:ext cx="4707700" cy="523220"/>
           </a:xfrm>
           <a:prstGeom prst="rect">
             <a:avLst/>
@@ -9746,7 +10097,7 @@
                 <a:latin typeface="Times New Roman" panose="02020603050405020304" pitchFamily="18" charset="0"/>
                 <a:cs typeface="Times New Roman" panose="02020603050405020304" pitchFamily="18" charset="0"/>
               </a:rPr>
-              <a:t>Organizational Chart</a:t>
+              <a:t>Data Warehouse</a:t>
             </a:r>
             <a:endParaRPr lang="en-GB" sz="2800" b="1" dirty="0">
               <a:latin typeface="Times New Roman" panose="02020603050405020304" pitchFamily="18" charset="0"/>
@@ -9757,13 +10108,13 @@
       </p:sp>
       <p:pic>
         <p:nvPicPr>
-          <p:cNvPr id="11269" name="Picture 5" descr="U:\AILP Batch4\org\org1.PNG"/>
+          <p:cNvPr id="1026" name="Picture 2" descr="\\s81dsp01data01\ACIS-Udrive\Users\t10313\AILP Batch4\Images\archetecture.png"/>
           <p:cNvPicPr>
             <a:picLocks noChangeAspect="1" noChangeArrowheads="1"/>
           </p:cNvPicPr>
           <p:nvPr/>
         </p:nvPicPr>
-        <p:blipFill rotWithShape="1">
+        <p:blipFill>
           <a:blip r:embed="rId2">
             <a:extLst>
               <a:ext uri="{28A0092B-C50C-407E-A947-70E740481C1C}">
@@ -9771,13 +10122,15 @@
               </a:ext>
             </a:extLst>
           </a:blip>
-          <a:srcRect l="30464" t="4995" r="28704" b="62653"/>
-          <a:stretch/>
+          <a:srcRect/>
+          <a:stretch>
+            <a:fillRect/>
+          </a:stretch>
         </p:blipFill>
         <p:spPr bwMode="auto">
           <a:xfrm>
-            <a:off x="430212" y="1758377"/>
-            <a:ext cx="747712" cy="793529"/>
+            <a:off x="16555" y="705983"/>
+            <a:ext cx="8768670" cy="4550230"/>
           </a:xfrm>
           <a:prstGeom prst="rect">
             <a:avLst/>
@@ -9794,480 +10147,6 @@
           </a:extLst>
         </p:spPr>
       </p:pic>
-      <p:pic>
-        <p:nvPicPr>
-          <p:cNvPr id="11270" name="Picture 6" descr="U:\AILP Batch4\org\org1.PNG"/>
-          <p:cNvPicPr>
-            <a:picLocks noChangeAspect="1" noChangeArrowheads="1"/>
-          </p:cNvPicPr>
-          <p:nvPr/>
-        </p:nvPicPr>
-        <p:blipFill rotWithShape="1">
-          <a:blip r:embed="rId2">
-            <a:extLst>
-              <a:ext uri="{28A0092B-C50C-407E-A947-70E740481C1C}">
-                <a14:useLocalDpi xmlns:a14="http://schemas.microsoft.com/office/drawing/2010/main" val="0"/>
-              </a:ext>
-            </a:extLst>
-          </a:blip>
-          <a:srcRect l="29353" t="60141" r="28148" b="7506"/>
-          <a:stretch/>
-        </p:blipFill>
-        <p:spPr bwMode="auto">
-          <a:xfrm>
-            <a:off x="1504156" y="1761344"/>
-            <a:ext cx="747712" cy="793529"/>
-          </a:xfrm>
-          <a:prstGeom prst="rect">
-            <a:avLst/>
-          </a:prstGeom>
-          <a:noFill/>
-          <a:extLst>
-            <a:ext uri="{909E8E84-426E-40DD-AFC4-6F175D3DCCD1}">
-              <a14:hiddenFill xmlns:a14="http://schemas.microsoft.com/office/drawing/2010/main">
-                <a:solidFill>
-                  <a:srgbClr val="FFFFFF"/>
-                </a:solidFill>
-              </a14:hiddenFill>
-            </a:ext>
-          </a:extLst>
-        </p:spPr>
-      </p:pic>
-      <p:pic>
-        <p:nvPicPr>
-          <p:cNvPr id="11271" name="Picture 7" descr="U:\AILP Batch4\org\org2.PNG"/>
-          <p:cNvPicPr>
-            <a:picLocks noChangeAspect="1" noChangeArrowheads="1"/>
-          </p:cNvPicPr>
-          <p:nvPr/>
-        </p:nvPicPr>
-        <p:blipFill rotWithShape="1">
-          <a:blip r:embed="rId3">
-            <a:extLst>
-              <a:ext uri="{28A0092B-C50C-407E-A947-70E740481C1C}">
-                <a14:useLocalDpi xmlns:a14="http://schemas.microsoft.com/office/drawing/2010/main" val="0"/>
-              </a:ext>
-            </a:extLst>
-          </a:blip>
-          <a:srcRect l="18805" t="59829" r="15952" b="7937"/>
-          <a:stretch/>
-        </p:blipFill>
-        <p:spPr bwMode="auto">
-          <a:xfrm>
-            <a:off x="2578100" y="1762140"/>
-            <a:ext cx="747712" cy="792733"/>
-          </a:xfrm>
-          <a:prstGeom prst="rect">
-            <a:avLst/>
-          </a:prstGeom>
-          <a:noFill/>
-          <a:extLst>
-            <a:ext uri="{909E8E84-426E-40DD-AFC4-6F175D3DCCD1}">
-              <a14:hiddenFill xmlns:a14="http://schemas.microsoft.com/office/drawing/2010/main">
-                <a:solidFill>
-                  <a:srgbClr val="FFFFFF"/>
-                </a:solidFill>
-              </a14:hiddenFill>
-            </a:ext>
-          </a:extLst>
-        </p:spPr>
-      </p:pic>
-      <p:pic>
-        <p:nvPicPr>
-          <p:cNvPr id="11272" name="Picture 8" descr="U:\AILP Batch4\org\org3.PNG"/>
-          <p:cNvPicPr>
-            <a:picLocks noChangeAspect="1" noChangeArrowheads="1"/>
-          </p:cNvPicPr>
-          <p:nvPr/>
-        </p:nvPicPr>
-        <p:blipFill rotWithShape="1">
-          <a:blip r:embed="rId4">
-            <a:extLst>
-              <a:ext uri="{28A0092B-C50C-407E-A947-70E740481C1C}">
-                <a14:useLocalDpi xmlns:a14="http://schemas.microsoft.com/office/drawing/2010/main" val="0"/>
-              </a:ext>
-            </a:extLst>
-          </a:blip>
-          <a:srcRect l="14414" t="60347" r="20720" b="6446"/>
-          <a:stretch/>
-        </p:blipFill>
-        <p:spPr bwMode="auto">
-          <a:xfrm>
-            <a:off x="3641328" y="1758377"/>
-            <a:ext cx="747712" cy="792735"/>
-          </a:xfrm>
-          <a:prstGeom prst="rect">
-            <a:avLst/>
-          </a:prstGeom>
-          <a:noFill/>
-          <a:extLst>
-            <a:ext uri="{909E8E84-426E-40DD-AFC4-6F175D3DCCD1}">
-              <a14:hiddenFill xmlns:a14="http://schemas.microsoft.com/office/drawing/2010/main">
-                <a:solidFill>
-                  <a:srgbClr val="FFFFFF"/>
-                </a:solidFill>
-              </a14:hiddenFill>
-            </a:ext>
-          </a:extLst>
-        </p:spPr>
-      </p:pic>
-      <p:pic>
-        <p:nvPicPr>
-          <p:cNvPr id="11274" name="Picture 10" descr="U:\AILP Batch4\org\org5.PNG"/>
-          <p:cNvPicPr>
-            <a:picLocks noChangeAspect="1" noChangeArrowheads="1"/>
-          </p:cNvPicPr>
-          <p:nvPr/>
-        </p:nvPicPr>
-        <p:blipFill rotWithShape="1">
-          <a:blip r:embed="rId5">
-            <a:extLst>
-              <a:ext uri="{28A0092B-C50C-407E-A947-70E740481C1C}">
-                <a14:useLocalDpi xmlns:a14="http://schemas.microsoft.com/office/drawing/2010/main" val="0"/>
-              </a:ext>
-            </a:extLst>
-          </a:blip>
-          <a:srcRect l="38127" t="38863" r="38796" b="42180"/>
-          <a:stretch/>
-        </p:blipFill>
-        <p:spPr bwMode="auto">
-          <a:xfrm>
-            <a:off x="5778500" y="1757882"/>
-            <a:ext cx="747712" cy="792735"/>
-          </a:xfrm>
-          <a:prstGeom prst="rect">
-            <a:avLst/>
-          </a:prstGeom>
-          <a:noFill/>
-          <a:extLst>
-            <a:ext uri="{909E8E84-426E-40DD-AFC4-6F175D3DCCD1}">
-              <a14:hiddenFill xmlns:a14="http://schemas.microsoft.com/office/drawing/2010/main">
-                <a:solidFill>
-                  <a:srgbClr val="FFFFFF"/>
-                </a:solidFill>
-              </a14:hiddenFill>
-            </a:ext>
-          </a:extLst>
-        </p:spPr>
-      </p:pic>
-      <p:pic>
-        <p:nvPicPr>
-          <p:cNvPr id="11275" name="Picture 11" descr="U:\AILP Batch4\org\org5.PNG"/>
-          <p:cNvPicPr>
-            <a:picLocks noChangeAspect="1" noChangeArrowheads="1"/>
-          </p:cNvPicPr>
-          <p:nvPr/>
-        </p:nvPicPr>
-        <p:blipFill rotWithShape="1">
-          <a:blip r:embed="rId5">
-            <a:extLst>
-              <a:ext uri="{28A0092B-C50C-407E-A947-70E740481C1C}">
-                <a14:useLocalDpi xmlns:a14="http://schemas.microsoft.com/office/drawing/2010/main" val="0"/>
-              </a:ext>
-            </a:extLst>
-          </a:blip>
-          <a:srcRect l="38728" t="2349" r="38195" b="76798"/>
-          <a:stretch/>
-        </p:blipFill>
-        <p:spPr bwMode="auto">
-          <a:xfrm>
-            <a:off x="4715272" y="1757883"/>
-            <a:ext cx="747712" cy="792734"/>
-          </a:xfrm>
-          <a:prstGeom prst="rect">
-            <a:avLst/>
-          </a:prstGeom>
-          <a:noFill/>
-          <a:extLst>
-            <a:ext uri="{909E8E84-426E-40DD-AFC4-6F175D3DCCD1}">
-              <a14:hiddenFill xmlns:a14="http://schemas.microsoft.com/office/drawing/2010/main">
-                <a:solidFill>
-                  <a:srgbClr val="FFFFFF"/>
-                </a:solidFill>
-              </a14:hiddenFill>
-            </a:ext>
-          </a:extLst>
-        </p:spPr>
-      </p:pic>
-      <p:pic>
-        <p:nvPicPr>
-          <p:cNvPr id="13" name="Picture 11" descr="U:\AILP Batch4\org\org5.PNG"/>
-          <p:cNvPicPr>
-            <a:picLocks noChangeAspect="1" noChangeArrowheads="1"/>
-          </p:cNvPicPr>
-          <p:nvPr/>
-        </p:nvPicPr>
-        <p:blipFill rotWithShape="1">
-          <a:blip r:embed="rId5">
-            <a:extLst>
-              <a:ext uri="{28A0092B-C50C-407E-A947-70E740481C1C}">
-                <a14:useLocalDpi xmlns:a14="http://schemas.microsoft.com/office/drawing/2010/main" val="0"/>
-              </a:ext>
-            </a:extLst>
-          </a:blip>
-          <a:srcRect l="7691" t="66570" r="7693" b="4993"/>
-          <a:stretch/>
-        </p:blipFill>
-        <p:spPr bwMode="auto">
-          <a:xfrm>
-            <a:off x="5009356" y="2859673"/>
-            <a:ext cx="2286000" cy="1066800"/>
-          </a:xfrm>
-          <a:prstGeom prst="rect">
-            <a:avLst/>
-          </a:prstGeom>
-          <a:noFill/>
-          <a:extLst>
-            <a:ext uri="{909E8E84-426E-40DD-AFC4-6F175D3DCCD1}">
-              <a14:hiddenFill xmlns:a14="http://schemas.microsoft.com/office/drawing/2010/main">
-                <a:solidFill>
-                  <a:srgbClr val="FFFFFF"/>
-                </a:solidFill>
-              </a14:hiddenFill>
-            </a:ext>
-          </a:extLst>
-        </p:spPr>
-      </p:pic>
-      <p:sp>
-        <p:nvSpPr>
-          <p:cNvPr id="3" name="Right Arrow 2"/>
-          <p:cNvSpPr/>
-          <p:nvPr/>
-        </p:nvSpPr>
-        <p:spPr>
-          <a:xfrm>
-            <a:off x="1177924" y="2037238"/>
-            <a:ext cx="326232" cy="241742"/>
-          </a:xfrm>
-          <a:prstGeom prst="rightArrow">
-            <a:avLst/>
-          </a:prstGeom>
-        </p:spPr>
-        <p:style>
-          <a:lnRef idx="2">
-            <a:schemeClr val="accent1">
-              <a:shade val="50000"/>
-            </a:schemeClr>
-          </a:lnRef>
-          <a:fillRef idx="1">
-            <a:schemeClr val="accent1"/>
-          </a:fillRef>
-          <a:effectRef idx="0">
-            <a:schemeClr val="accent1"/>
-          </a:effectRef>
-          <a:fontRef idx="minor">
-            <a:schemeClr val="lt1"/>
-          </a:fontRef>
-        </p:style>
-        <p:txBody>
-          <a:bodyPr rtlCol="0" anchor="ctr"/>
-          <a:lstStyle/>
-          <a:p>
-            <a:pPr algn="ctr"/>
-            <a:endParaRPr lang="en-GB"/>
-          </a:p>
-        </p:txBody>
-      </p:sp>
-      <p:sp>
-        <p:nvSpPr>
-          <p:cNvPr id="19" name="Right Arrow 18"/>
-          <p:cNvSpPr/>
-          <p:nvPr/>
-        </p:nvSpPr>
-        <p:spPr>
-          <a:xfrm>
-            <a:off x="2251868" y="2034270"/>
-            <a:ext cx="326232" cy="241742"/>
-          </a:xfrm>
-          <a:prstGeom prst="rightArrow">
-            <a:avLst/>
-          </a:prstGeom>
-        </p:spPr>
-        <p:style>
-          <a:lnRef idx="2">
-            <a:schemeClr val="accent1">
-              <a:shade val="50000"/>
-            </a:schemeClr>
-          </a:lnRef>
-          <a:fillRef idx="1">
-            <a:schemeClr val="accent1"/>
-          </a:fillRef>
-          <a:effectRef idx="0">
-            <a:schemeClr val="accent1"/>
-          </a:effectRef>
-          <a:fontRef idx="minor">
-            <a:schemeClr val="lt1"/>
-          </a:fontRef>
-        </p:style>
-        <p:txBody>
-          <a:bodyPr rtlCol="0" anchor="ctr"/>
-          <a:lstStyle/>
-          <a:p>
-            <a:pPr algn="ctr"/>
-            <a:endParaRPr lang="en-GB"/>
-          </a:p>
-        </p:txBody>
-      </p:sp>
-      <p:sp>
-        <p:nvSpPr>
-          <p:cNvPr id="20" name="Right Arrow 19"/>
-          <p:cNvSpPr/>
-          <p:nvPr/>
-        </p:nvSpPr>
-        <p:spPr>
-          <a:xfrm>
-            <a:off x="3315096" y="2037238"/>
-            <a:ext cx="326232" cy="241742"/>
-          </a:xfrm>
-          <a:prstGeom prst="rightArrow">
-            <a:avLst/>
-          </a:prstGeom>
-        </p:spPr>
-        <p:style>
-          <a:lnRef idx="2">
-            <a:schemeClr val="accent1">
-              <a:shade val="50000"/>
-            </a:schemeClr>
-          </a:lnRef>
-          <a:fillRef idx="1">
-            <a:schemeClr val="accent1"/>
-          </a:fillRef>
-          <a:effectRef idx="0">
-            <a:schemeClr val="accent1"/>
-          </a:effectRef>
-          <a:fontRef idx="minor">
-            <a:schemeClr val="lt1"/>
-          </a:fontRef>
-        </p:style>
-        <p:txBody>
-          <a:bodyPr rtlCol="0" anchor="ctr"/>
-          <a:lstStyle/>
-          <a:p>
-            <a:pPr algn="ctr"/>
-            <a:endParaRPr lang="en-GB"/>
-          </a:p>
-        </p:txBody>
-      </p:sp>
-      <p:sp>
-        <p:nvSpPr>
-          <p:cNvPr id="21" name="Right Arrow 20"/>
-          <p:cNvSpPr/>
-          <p:nvPr/>
-        </p:nvSpPr>
-        <p:spPr>
-          <a:xfrm>
-            <a:off x="4389040" y="2033379"/>
-            <a:ext cx="326232" cy="241742"/>
-          </a:xfrm>
-          <a:prstGeom prst="rightArrow">
-            <a:avLst/>
-          </a:prstGeom>
-        </p:spPr>
-        <p:style>
-          <a:lnRef idx="2">
-            <a:schemeClr val="accent1">
-              <a:shade val="50000"/>
-            </a:schemeClr>
-          </a:lnRef>
-          <a:fillRef idx="1">
-            <a:schemeClr val="accent1"/>
-          </a:fillRef>
-          <a:effectRef idx="0">
-            <a:schemeClr val="accent1"/>
-          </a:effectRef>
-          <a:fontRef idx="minor">
-            <a:schemeClr val="lt1"/>
-          </a:fontRef>
-        </p:style>
-        <p:txBody>
-          <a:bodyPr rtlCol="0" anchor="ctr"/>
-          <a:lstStyle/>
-          <a:p>
-            <a:pPr algn="ctr"/>
-            <a:endParaRPr lang="en-GB"/>
-          </a:p>
-        </p:txBody>
-      </p:sp>
-      <p:sp>
-        <p:nvSpPr>
-          <p:cNvPr id="22" name="Right Arrow 21"/>
-          <p:cNvSpPr/>
-          <p:nvPr/>
-        </p:nvSpPr>
-        <p:spPr>
-          <a:xfrm>
-            <a:off x="5470524" y="2037238"/>
-            <a:ext cx="326232" cy="241742"/>
-          </a:xfrm>
-          <a:prstGeom prst="rightArrow">
-            <a:avLst/>
-          </a:prstGeom>
-        </p:spPr>
-        <p:style>
-          <a:lnRef idx="2">
-            <a:schemeClr val="accent1">
-              <a:shade val="50000"/>
-            </a:schemeClr>
-          </a:lnRef>
-          <a:fillRef idx="1">
-            <a:schemeClr val="accent1"/>
-          </a:fillRef>
-          <a:effectRef idx="0">
-            <a:schemeClr val="accent1"/>
-          </a:effectRef>
-          <a:fontRef idx="minor">
-            <a:schemeClr val="lt1"/>
-          </a:fontRef>
-        </p:style>
-        <p:txBody>
-          <a:bodyPr rtlCol="0" anchor="ctr"/>
-          <a:lstStyle/>
-          <a:p>
-            <a:pPr algn="ctr"/>
-            <a:endParaRPr lang="en-GB"/>
-          </a:p>
-        </p:txBody>
-      </p:sp>
-      <p:sp>
-        <p:nvSpPr>
-          <p:cNvPr id="8" name="Down Arrow 7"/>
-          <p:cNvSpPr/>
-          <p:nvPr/>
-        </p:nvSpPr>
-        <p:spPr>
-          <a:xfrm>
-            <a:off x="6038056" y="2554873"/>
-            <a:ext cx="228600" cy="304800"/>
-          </a:xfrm>
-          <a:prstGeom prst="downArrow">
-            <a:avLst/>
-          </a:prstGeom>
-        </p:spPr>
-        <p:style>
-          <a:lnRef idx="2">
-            <a:schemeClr val="accent1">
-              <a:shade val="50000"/>
-            </a:schemeClr>
-          </a:lnRef>
-          <a:fillRef idx="1">
-            <a:schemeClr val="accent1"/>
-          </a:fillRef>
-          <a:effectRef idx="0">
-            <a:schemeClr val="accent1"/>
-          </a:effectRef>
-          <a:fontRef idx="minor">
-            <a:schemeClr val="lt1"/>
-          </a:fontRef>
-        </p:style>
-        <p:txBody>
-          <a:bodyPr rtlCol="0" anchor="ctr"/>
-          <a:lstStyle/>
-          <a:p>
-            <a:pPr algn="ctr"/>
-            <a:endParaRPr lang="en-GB"/>
-          </a:p>
-        </p:txBody>
-      </p:sp>
     </p:spTree>
     <p:extLst>
       <p:ext uri="{BB962C8B-B14F-4D97-AF65-F5344CB8AC3E}">
@@ -10367,45 +10246,9 @@
           </a:p>
         </p:txBody>
       </p:sp>
-      <p:sp>
-        <p:nvSpPr>
-          <p:cNvPr id="5" name="TextBox 4"/>
-          <p:cNvSpPr txBox="1"/>
-          <p:nvPr/>
-        </p:nvSpPr>
-        <p:spPr>
-          <a:xfrm>
-            <a:off x="294512" y="123686"/>
-            <a:ext cx="4707700" cy="523220"/>
-          </a:xfrm>
-          <a:prstGeom prst="rect">
-            <a:avLst/>
-          </a:prstGeom>
-          <a:noFill/>
-        </p:spPr>
-        <p:txBody>
-          <a:bodyPr wrap="square" rtlCol="0">
-            <a:spAutoFit/>
-          </a:bodyPr>
-          <a:lstStyle/>
-          <a:p>
-            <a:r>
-              <a:rPr lang="en-GB" sz="2800" b="1" dirty="0" smtClean="0">
-                <a:latin typeface="Times New Roman" panose="02020603050405020304" pitchFamily="18" charset="0"/>
-                <a:cs typeface="Times New Roman" panose="02020603050405020304" pitchFamily="18" charset="0"/>
-              </a:rPr>
-              <a:t>Data Warehouse</a:t>
-            </a:r>
-            <a:endParaRPr lang="en-GB" sz="2800" b="1" dirty="0">
-              <a:latin typeface="Times New Roman" panose="02020603050405020304" pitchFamily="18" charset="0"/>
-              <a:cs typeface="Times New Roman" panose="02020603050405020304" pitchFamily="18" charset="0"/>
-            </a:endParaRPr>
-          </a:p>
-        </p:txBody>
-      </p:sp>
       <p:pic>
         <p:nvPicPr>
-          <p:cNvPr id="1026" name="Picture 2" descr="\\s81dsp01data01\ACIS-Udrive\Users\t10313\AILP Batch4\Images\archetecture.png"/>
+          <p:cNvPr id="2050" name="Picture 2" descr="\\s81dsp01data01\ACIS-Udrive\Users\t10313\AILP Batch4\Images\ETL.jpg"/>
           <p:cNvPicPr>
             <a:picLocks noChangeAspect="1" noChangeArrowheads="1"/>
           </p:cNvPicPr>
@@ -10426,8 +10269,8 @@
         </p:blipFill>
         <p:spPr bwMode="auto">
           <a:xfrm>
-            <a:off x="16555" y="705983"/>
-            <a:ext cx="8768670" cy="4550230"/>
+            <a:off x="125411" y="799306"/>
+            <a:ext cx="8458201" cy="4191000"/>
           </a:xfrm>
           <a:prstGeom prst="rect">
             <a:avLst/>
@@ -10447,7 +10290,7 @@
     </p:spTree>
     <p:extLst>
       <p:ext uri="{BB962C8B-B14F-4D97-AF65-F5344CB8AC3E}">
-        <p14:creationId xmlns:p14="http://schemas.microsoft.com/office/powerpoint/2010/main" val="4199472096"/>
+        <p14:creationId xmlns:p14="http://schemas.microsoft.com/office/powerpoint/2010/main" val="379036599"/>
       </p:ext>
     </p:extLst>
   </p:cSld>
@@ -10529,7 +10372,12 @@
             <p:ph type="sldNum" sz="quarter" idx="12"/>
           </p:nvPr>
         </p:nvSpPr>
-        <p:spPr/>
+        <p:spPr>
+          <a:xfrm>
+            <a:off x="7897812" y="4871733"/>
+            <a:ext cx="448152" cy="270974"/>
+          </a:xfrm>
+        </p:spPr>
         <p:txBody>
           <a:bodyPr/>
           <a:lstStyle/>
@@ -10543,9 +10391,45 @@
           </a:p>
         </p:txBody>
       </p:sp>
+      <p:sp>
+        <p:nvSpPr>
+          <p:cNvPr id="5" name="TextBox 4"/>
+          <p:cNvSpPr txBox="1"/>
+          <p:nvPr/>
+        </p:nvSpPr>
+        <p:spPr>
+          <a:xfrm>
+            <a:off x="294512" y="123686"/>
+            <a:ext cx="4707700" cy="523220"/>
+          </a:xfrm>
+          <a:prstGeom prst="rect">
+            <a:avLst/>
+          </a:prstGeom>
+          <a:noFill/>
+        </p:spPr>
+        <p:txBody>
+          <a:bodyPr wrap="square" rtlCol="0">
+            <a:spAutoFit/>
+          </a:bodyPr>
+          <a:lstStyle/>
+          <a:p>
+            <a:r>
+              <a:rPr lang="en-GB" sz="2800" b="1" dirty="0" smtClean="0">
+                <a:latin typeface="Times New Roman" panose="02020603050405020304" pitchFamily="18" charset="0"/>
+                <a:cs typeface="Times New Roman" panose="02020603050405020304" pitchFamily="18" charset="0"/>
+              </a:rPr>
+              <a:t>Multidimensional Schema</a:t>
+            </a:r>
+            <a:endParaRPr lang="en-GB" sz="2800" b="1" dirty="0">
+              <a:latin typeface="Times New Roman" panose="02020603050405020304" pitchFamily="18" charset="0"/>
+              <a:cs typeface="Times New Roman" panose="02020603050405020304" pitchFamily="18" charset="0"/>
+            </a:endParaRPr>
+          </a:p>
+        </p:txBody>
+      </p:sp>
       <p:pic>
         <p:nvPicPr>
-          <p:cNvPr id="2050" name="Picture 2" descr="\\s81dsp01data01\ACIS-Udrive\Users\t10313\AILP Batch4\Images\ETL.jpg"/>
+          <p:cNvPr id="1026" name="Picture 2" descr="\\s81dsp01data01\ACIS-Udrive\Users\t10313\AILP Batch4\Images\star.png"/>
           <p:cNvPicPr>
             <a:picLocks noChangeAspect="1" noChangeArrowheads="1"/>
           </p:cNvPicPr>
@@ -10566,8 +10450,8 @@
         </p:blipFill>
         <p:spPr bwMode="auto">
           <a:xfrm>
-            <a:off x="125411" y="799306"/>
-            <a:ext cx="8458201" cy="4191000"/>
+            <a:off x="201612" y="1485106"/>
+            <a:ext cx="3352800" cy="3000375"/>
           </a:xfrm>
           <a:prstGeom prst="rect">
             <a:avLst/>
@@ -10584,6 +10468,119 @@
           </a:extLst>
         </p:spPr>
       </p:pic>
+      <p:pic>
+        <p:nvPicPr>
+          <p:cNvPr id="1027" name="Picture 3" descr="\\s81dsp01data01\ACIS-Udrive\Users\t10313\AILP Batch4\Images\snowflake.png"/>
+          <p:cNvPicPr>
+            <a:picLocks noChangeAspect="1" noChangeArrowheads="1"/>
+          </p:cNvPicPr>
+          <p:nvPr/>
+        </p:nvPicPr>
+        <p:blipFill>
+          <a:blip r:embed="rId3">
+            <a:extLst>
+              <a:ext uri="{28A0092B-C50C-407E-A947-70E740481C1C}">
+                <a14:useLocalDpi xmlns:a14="http://schemas.microsoft.com/office/drawing/2010/main" val="0"/>
+              </a:ext>
+            </a:extLst>
+          </a:blip>
+          <a:srcRect/>
+          <a:stretch>
+            <a:fillRect/>
+          </a:stretch>
+        </p:blipFill>
+        <p:spPr bwMode="auto">
+          <a:xfrm>
+            <a:off x="4240212" y="1509712"/>
+            <a:ext cx="4343400" cy="3095625"/>
+          </a:xfrm>
+          <a:prstGeom prst="rect">
+            <a:avLst/>
+          </a:prstGeom>
+          <a:noFill/>
+          <a:extLst>
+            <a:ext uri="{909E8E84-426E-40DD-AFC4-6F175D3DCCD1}">
+              <a14:hiddenFill xmlns:a14="http://schemas.microsoft.com/office/drawing/2010/main">
+                <a:solidFill>
+                  <a:srgbClr val="FFFFFF"/>
+                </a:solidFill>
+              </a14:hiddenFill>
+            </a:ext>
+          </a:extLst>
+        </p:spPr>
+      </p:pic>
+      <p:sp>
+        <p:nvSpPr>
+          <p:cNvPr id="2" name="TextBox 1"/>
+          <p:cNvSpPr txBox="1"/>
+          <p:nvPr/>
+        </p:nvSpPr>
+        <p:spPr>
+          <a:xfrm>
+            <a:off x="201612" y="856178"/>
+            <a:ext cx="1600200" cy="369332"/>
+          </a:xfrm>
+          <a:prstGeom prst="rect">
+            <a:avLst/>
+          </a:prstGeom>
+          <a:noFill/>
+        </p:spPr>
+        <p:txBody>
+          <a:bodyPr wrap="square" rtlCol="0">
+            <a:spAutoFit/>
+          </a:bodyPr>
+          <a:lstStyle/>
+          <a:p>
+            <a:r>
+              <a:rPr lang="en-GB" b="1" dirty="0" smtClean="0">
+                <a:latin typeface="Times New Roman" panose="02020603050405020304" pitchFamily="18" charset="0"/>
+                <a:cs typeface="Times New Roman" panose="02020603050405020304" pitchFamily="18" charset="0"/>
+              </a:rPr>
+              <a:t>Star Schema</a:t>
+            </a:r>
+            <a:endParaRPr lang="en-GB" b="1" dirty="0">
+              <a:latin typeface="Times New Roman" panose="02020603050405020304" pitchFamily="18" charset="0"/>
+              <a:cs typeface="Times New Roman" panose="02020603050405020304" pitchFamily="18" charset="0"/>
+            </a:endParaRPr>
+          </a:p>
+        </p:txBody>
+      </p:sp>
+      <p:sp>
+        <p:nvSpPr>
+          <p:cNvPr id="8" name="TextBox 7"/>
+          <p:cNvSpPr txBox="1"/>
+          <p:nvPr/>
+        </p:nvSpPr>
+        <p:spPr>
+          <a:xfrm>
+            <a:off x="4240212" y="881340"/>
+            <a:ext cx="2095500" cy="369332"/>
+          </a:xfrm>
+          <a:prstGeom prst="rect">
+            <a:avLst/>
+          </a:prstGeom>
+          <a:noFill/>
+        </p:spPr>
+        <p:txBody>
+          <a:bodyPr wrap="square" rtlCol="0">
+            <a:spAutoFit/>
+          </a:bodyPr>
+          <a:lstStyle/>
+          <a:p>
+            <a:r>
+              <a:rPr lang="en-GB" b="1" dirty="0" smtClean="0">
+                <a:latin typeface="Times New Roman" panose="02020603050405020304" pitchFamily="18" charset="0"/>
+                <a:cs typeface="Times New Roman" panose="02020603050405020304" pitchFamily="18" charset="0"/>
+              </a:rPr>
+              <a:t>Snowflake Schema</a:t>
+            </a:r>
+            <a:endParaRPr lang="en-GB" b="1" dirty="0">
+              <a:latin typeface="Times New Roman" panose="02020603050405020304" pitchFamily="18" charset="0"/>
+              <a:cs typeface="Times New Roman" panose="02020603050405020304" pitchFamily="18" charset="0"/>
+            </a:endParaRPr>
+          </a:p>
+        </p:txBody>
+      </p:sp>
     </p:spTree>
     <p:extLst>
       <p:ext uri="{BB962C8B-B14F-4D97-AF65-F5344CB8AC3E}">
@@ -10623,7 +10620,7 @@
       </p:grpSpPr>
       <p:sp>
         <p:nvSpPr>
-          <p:cNvPr id="11" name="Textplatzhalter 10"/>
+          <p:cNvPr id="9" name="Textplatzhalter 8"/>
           <p:cNvSpPr>
             <a:spLocks noGrp="1"/>
           </p:cNvSpPr>
@@ -10631,196 +10628,66 @@
             <p:ph type="body" sz="quarter" idx="19"/>
           </p:nvPr>
         </p:nvSpPr>
-        <p:spPr>
-          <a:xfrm>
-            <a:off x="0" y="8016"/>
-            <a:ext cx="7974008" cy="676049"/>
-          </a:xfrm>
-          <a:solidFill>
-            <a:schemeClr val="tx2">
-              <a:lumMod val="20000"/>
-              <a:lumOff val="80000"/>
-            </a:schemeClr>
-          </a:solidFill>
-          <a:ln>
-            <a:solidFill>
-              <a:schemeClr val="tx2">
-                <a:lumMod val="20000"/>
-                <a:lumOff val="80000"/>
-              </a:schemeClr>
-            </a:solidFill>
-          </a:ln>
-        </p:spPr>
+        <p:spPr/>
         <p:txBody>
           <a:bodyPr/>
           <a:lstStyle/>
           <a:p>
+            <a:pPr marL="0" indent="0">
+              <a:buNone/>
+            </a:pPr>
             <a:endParaRPr lang="de-DE" dirty="0"/>
-          </a:p>
-        </p:txBody>
-      </p:sp>
-      <p:sp>
-        <p:nvSpPr>
-          <p:cNvPr id="4" name="Foliennummernplatzhalter 3"/>
-          <p:cNvSpPr>
-            <a:spLocks noGrp="1"/>
-          </p:cNvSpPr>
-          <p:nvPr>
-            <p:ph type="sldNum" sz="quarter" idx="12"/>
-          </p:nvPr>
-        </p:nvSpPr>
-        <p:spPr>
-          <a:xfrm>
-            <a:off x="7897812" y="4871733"/>
-            <a:ext cx="448152" cy="270974"/>
-          </a:xfrm>
-        </p:spPr>
-        <p:txBody>
-          <a:bodyPr/>
-          <a:lstStyle/>
-          <a:p>
-            <a:fld id="{61201FF1-C63B-412E-ABF0-3D0E918900AC}" type="slidenum">
-              <a:rPr lang="en-GB" smtClean="0"/>
-              <a:pPr/>
-              <a:t>29</a:t>
-            </a:fld>
-            <a:endParaRPr lang="en-GB" dirty="0"/>
-          </a:p>
-        </p:txBody>
-      </p:sp>
-      <p:sp>
-        <p:nvSpPr>
-          <p:cNvPr id="5" name="TextBox 4"/>
-          <p:cNvSpPr txBox="1"/>
-          <p:nvPr/>
-        </p:nvSpPr>
-        <p:spPr>
-          <a:xfrm>
-            <a:off x="294512" y="123686"/>
-            <a:ext cx="4707700" cy="523220"/>
-          </a:xfrm>
-          <a:prstGeom prst="rect">
-            <a:avLst/>
-          </a:prstGeom>
-          <a:noFill/>
-        </p:spPr>
-        <p:txBody>
-          <a:bodyPr wrap="square" rtlCol="0">
-            <a:spAutoFit/>
-          </a:bodyPr>
-          <a:lstStyle/>
-          <a:p>
-            <a:r>
-              <a:rPr lang="en-GB" sz="2800" b="1" dirty="0" smtClean="0">
-                <a:latin typeface="Times New Roman" panose="02020603050405020304" pitchFamily="18" charset="0"/>
-                <a:cs typeface="Times New Roman" panose="02020603050405020304" pitchFamily="18" charset="0"/>
-              </a:rPr>
-              <a:t>Multidimensional Schema</a:t>
-            </a:r>
-            <a:endParaRPr lang="en-GB" sz="2800" b="1" dirty="0">
-              <a:latin typeface="Times New Roman" panose="02020603050405020304" pitchFamily="18" charset="0"/>
-              <a:cs typeface="Times New Roman" panose="02020603050405020304" pitchFamily="18" charset="0"/>
-            </a:endParaRPr>
           </a:p>
         </p:txBody>
       </p:sp>
       <p:pic>
         <p:nvPicPr>
-          <p:cNvPr id="1026" name="Picture 2" descr="\\s81dsp01data01\ACIS-Udrive\Users\t10313\AILP Batch4\Images\star.png"/>
+          <p:cNvPr id="49" name="Grafik 8"/>
           <p:cNvPicPr>
-            <a:picLocks noChangeAspect="1" noChangeArrowheads="1"/>
+            <a:picLocks noChangeAspect="1"/>
           </p:cNvPicPr>
           <p:nvPr/>
         </p:nvPicPr>
         <p:blipFill>
           <a:blip r:embed="rId2">
-            <a:extLst>
-              <a:ext uri="{28A0092B-C50C-407E-A947-70E740481C1C}">
-                <a14:useLocalDpi xmlns:a14="http://schemas.microsoft.com/office/drawing/2010/main" val="0"/>
-              </a:ext>
-            </a:extLst>
+            <a:alphaModFix amt="45000"/>
+            <a:duotone>
+              <a:prstClr val="black"/>
+              <a:schemeClr val="tx2">
+                <a:tint val="45000"/>
+                <a:satMod val="400000"/>
+              </a:schemeClr>
+            </a:duotone>
           </a:blip>
-          <a:srcRect/>
           <a:stretch>
             <a:fillRect/>
           </a:stretch>
         </p:blipFill>
-        <p:spPr bwMode="auto">
-          <a:xfrm>
-            <a:off x="201612" y="1485106"/>
-            <a:ext cx="3352800" cy="3000375"/>
+        <p:spPr>
+          <a:xfrm>
+            <a:off x="4392613" y="421526"/>
+            <a:ext cx="4392612" cy="4834689"/>
+          </a:xfrm>
+          <a:prstGeom prst="rect">
+            <a:avLst/>
+          </a:prstGeom>
+        </p:spPr>
+      </p:pic>
+      <p:sp>
+        <p:nvSpPr>
+          <p:cNvPr id="5" name="TextBox 4"/>
+          <p:cNvSpPr txBox="1"/>
+          <p:nvPr/>
+        </p:nvSpPr>
+        <p:spPr>
+          <a:xfrm>
+            <a:off x="582612" y="615118"/>
+            <a:ext cx="3657600" cy="2641977"/>
           </a:xfrm>
           <a:prstGeom prst="rect">
             <a:avLst/>
           </a:prstGeom>
           <a:noFill/>
-          <a:extLst>
-            <a:ext uri="{909E8E84-426E-40DD-AFC4-6F175D3DCCD1}">
-              <a14:hiddenFill xmlns:a14="http://schemas.microsoft.com/office/drawing/2010/main">
-                <a:solidFill>
-                  <a:srgbClr val="FFFFFF"/>
-                </a:solidFill>
-              </a14:hiddenFill>
-            </a:ext>
-          </a:extLst>
-        </p:spPr>
-      </p:pic>
-      <p:pic>
-        <p:nvPicPr>
-          <p:cNvPr id="1027" name="Picture 3" descr="\\s81dsp01data01\ACIS-Udrive\Users\t10313\AILP Batch4\Images\snowflake.png"/>
-          <p:cNvPicPr>
-            <a:picLocks noChangeAspect="1" noChangeArrowheads="1"/>
-          </p:cNvPicPr>
-          <p:nvPr/>
-        </p:nvPicPr>
-        <p:blipFill>
-          <a:blip r:embed="rId3">
-            <a:extLst>
-              <a:ext uri="{28A0092B-C50C-407E-A947-70E740481C1C}">
-                <a14:useLocalDpi xmlns:a14="http://schemas.microsoft.com/office/drawing/2010/main" val="0"/>
-              </a:ext>
-            </a:extLst>
-          </a:blip>
-          <a:srcRect/>
-          <a:stretch>
-            <a:fillRect/>
-          </a:stretch>
-        </p:blipFill>
-        <p:spPr bwMode="auto">
-          <a:xfrm>
-            <a:off x="4240212" y="1509712"/>
-            <a:ext cx="4343400" cy="3095625"/>
-          </a:xfrm>
-          <a:prstGeom prst="rect">
-            <a:avLst/>
-          </a:prstGeom>
-          <a:noFill/>
-          <a:extLst>
-            <a:ext uri="{909E8E84-426E-40DD-AFC4-6F175D3DCCD1}">
-              <a14:hiddenFill xmlns:a14="http://schemas.microsoft.com/office/drawing/2010/main">
-                <a:solidFill>
-                  <a:srgbClr val="FFFFFF"/>
-                </a:solidFill>
-              </a14:hiddenFill>
-            </a:ext>
-          </a:extLst>
-        </p:spPr>
-      </p:pic>
-      <p:sp>
-        <p:nvSpPr>
-          <p:cNvPr id="2" name="TextBox 1"/>
-          <p:cNvSpPr txBox="1"/>
-          <p:nvPr/>
-        </p:nvSpPr>
-        <p:spPr>
-          <a:xfrm>
-            <a:off x="201612" y="856178"/>
-            <a:ext cx="1600200" cy="369332"/>
-          </a:xfrm>
-          <a:prstGeom prst="rect">
-            <a:avLst/>
-          </a:prstGeom>
-          <a:noFill/>
         </p:spPr>
         <p:txBody>
           <a:bodyPr wrap="square" rtlCol="0">
@@ -10828,51 +10695,34 @@
           </a:bodyPr>
           <a:lstStyle/>
           <a:p>
-            <a:r>
-              <a:rPr lang="en-GB" b="1" dirty="0" smtClean="0">
-                <a:latin typeface="Times New Roman" panose="02020603050405020304" pitchFamily="18" charset="0"/>
+            <a:pPr algn="ctr"/>
+            <a:r>
+              <a:rPr lang="en-GB" sz="5400" b="1" dirty="0" smtClean="0">
+                <a:solidFill>
+                  <a:schemeClr val="bg1"/>
+                </a:solidFill>
+                <a:latin typeface="Allianz Serif" pitchFamily="50" charset="0"/>
                 <a:cs typeface="Times New Roman" panose="02020603050405020304" pitchFamily="18" charset="0"/>
               </a:rPr>
-              <a:t>Star Schema</a:t>
-            </a:r>
-            <a:endParaRPr lang="en-GB" b="1" dirty="0">
-              <a:latin typeface="Times New Roman" panose="02020603050405020304" pitchFamily="18" charset="0"/>
-              <a:cs typeface="Times New Roman" panose="02020603050405020304" pitchFamily="18" charset="0"/>
-            </a:endParaRPr>
-          </a:p>
-        </p:txBody>
-      </p:sp>
-      <p:sp>
-        <p:nvSpPr>
-          <p:cNvPr id="8" name="TextBox 7"/>
-          <p:cNvSpPr txBox="1"/>
-          <p:nvPr/>
-        </p:nvSpPr>
-        <p:spPr>
-          <a:xfrm>
-            <a:off x="4240212" y="881340"/>
-            <a:ext cx="2095500" cy="369332"/>
-          </a:xfrm>
-          <a:prstGeom prst="rect">
-            <a:avLst/>
-          </a:prstGeom>
-          <a:noFill/>
-        </p:spPr>
-        <p:txBody>
-          <a:bodyPr wrap="square" rtlCol="0">
-            <a:spAutoFit/>
-          </a:bodyPr>
-          <a:lstStyle/>
-          <a:p>
-            <a:r>
-              <a:rPr lang="en-GB" b="1" dirty="0" smtClean="0">
-                <a:latin typeface="Times New Roman" panose="02020603050405020304" pitchFamily="18" charset="0"/>
+              <a:t>07</a:t>
+            </a:r>
+          </a:p>
+          <a:p>
+            <a:r>
+              <a:rPr lang="en-GB" sz="5400" b="1" dirty="0" smtClean="0">
+                <a:solidFill>
+                  <a:schemeClr val="bg1"/>
+                </a:solidFill>
+                <a:latin typeface="Allianz Serif" pitchFamily="50" charset="0"/>
                 <a:cs typeface="Times New Roman" panose="02020603050405020304" pitchFamily="18" charset="0"/>
               </a:rPr>
-              <a:t>Snowflake Schema</a:t>
-            </a:r>
-            <a:endParaRPr lang="en-GB" b="1" dirty="0">
-              <a:latin typeface="Times New Roman" panose="02020603050405020304" pitchFamily="18" charset="0"/>
+              <a:t>         SAS Technology</a:t>
+            </a:r>
+            <a:endParaRPr lang="en-GB" sz="5400" b="1" dirty="0">
+              <a:solidFill>
+                <a:schemeClr val="bg1"/>
+              </a:solidFill>
+              <a:latin typeface="Allianz Serif" pitchFamily="50" charset="0"/>
               <a:cs typeface="Times New Roman" panose="02020603050405020304" pitchFamily="18" charset="0"/>
             </a:endParaRPr>
           </a:p>
@@ -10881,7 +10731,7 @@
     </p:spTree>
     <p:extLst>
       <p:ext uri="{BB962C8B-B14F-4D97-AF65-F5344CB8AC3E}">
-        <p14:creationId xmlns:p14="http://schemas.microsoft.com/office/powerpoint/2010/main" val="379036599"/>
+        <p14:creationId xmlns:p14="http://schemas.microsoft.com/office/powerpoint/2010/main" val="680084884"/>
       </p:ext>
     </p:extLst>
   </p:cSld>
@@ -11064,7 +10914,7 @@
       </p:grpSpPr>
       <p:sp>
         <p:nvSpPr>
-          <p:cNvPr id="9" name="Textplatzhalter 8"/>
+          <p:cNvPr id="11" name="Textplatzhalter 10"/>
           <p:cNvSpPr>
             <a:spLocks noGrp="1"/>
           </p:cNvSpPr>
@@ -11072,51 +10922,58 @@
             <p:ph type="body" sz="quarter" idx="19"/>
           </p:nvPr>
         </p:nvSpPr>
+        <p:spPr>
+          <a:xfrm>
+            <a:off x="0" y="8016"/>
+            <a:ext cx="7974008" cy="676049"/>
+          </a:xfrm>
+          <a:solidFill>
+            <a:schemeClr val="tx2">
+              <a:lumMod val="20000"/>
+              <a:lumOff val="80000"/>
+            </a:schemeClr>
+          </a:solidFill>
+          <a:ln>
+            <a:solidFill>
+              <a:schemeClr val="tx2">
+                <a:lumMod val="20000"/>
+                <a:lumOff val="80000"/>
+              </a:schemeClr>
+            </a:solidFill>
+          </a:ln>
+        </p:spPr>
+        <p:txBody>
+          <a:bodyPr/>
+          <a:lstStyle/>
+          <a:p>
+            <a:endParaRPr lang="de-DE" dirty="0"/>
+          </a:p>
+        </p:txBody>
+      </p:sp>
+      <p:sp>
+        <p:nvSpPr>
+          <p:cNvPr id="4" name="Foliennummernplatzhalter 3"/>
+          <p:cNvSpPr>
+            <a:spLocks noGrp="1"/>
+          </p:cNvSpPr>
+          <p:nvPr>
+            <p:ph type="sldNum" sz="quarter" idx="12"/>
+          </p:nvPr>
+        </p:nvSpPr>
         <p:spPr/>
         <p:txBody>
           <a:bodyPr/>
           <a:lstStyle/>
           <a:p>
-            <a:pPr marL="0" indent="0">
-              <a:buNone/>
-            </a:pPr>
-            <a:endParaRPr lang="de-DE" dirty="0"/>
-          </a:p>
-        </p:txBody>
-      </p:sp>
-      <p:pic>
-        <p:nvPicPr>
-          <p:cNvPr id="49" name="Grafik 8"/>
-          <p:cNvPicPr>
-            <a:picLocks noChangeAspect="1"/>
-          </p:cNvPicPr>
-          <p:nvPr/>
-        </p:nvPicPr>
-        <p:blipFill>
-          <a:blip r:embed="rId2">
-            <a:alphaModFix amt="45000"/>
-            <a:duotone>
-              <a:prstClr val="black"/>
-              <a:schemeClr val="tx2">
-                <a:tint val="45000"/>
-                <a:satMod val="400000"/>
-              </a:schemeClr>
-            </a:duotone>
-          </a:blip>
-          <a:stretch>
-            <a:fillRect/>
-          </a:stretch>
-        </p:blipFill>
-        <p:spPr>
-          <a:xfrm>
-            <a:off x="4392613" y="421526"/>
-            <a:ext cx="4392612" cy="4834689"/>
-          </a:xfrm>
-          <a:prstGeom prst="rect">
-            <a:avLst/>
-          </a:prstGeom>
-        </p:spPr>
-      </p:pic>
+            <a:fld id="{61201FF1-C63B-412E-ABF0-3D0E918900AC}" type="slidenum">
+              <a:rPr lang="en-GB" smtClean="0"/>
+              <a:pPr/>
+              <a:t>30</a:t>
+            </a:fld>
+            <a:endParaRPr lang="en-GB" dirty="0"/>
+          </a:p>
+        </p:txBody>
+      </p:sp>
       <p:sp>
         <p:nvSpPr>
           <p:cNvPr id="5" name="TextBox 4"/>
@@ -11125,8 +10982,8 @@
         </p:nvSpPr>
         <p:spPr>
           <a:xfrm>
-            <a:off x="582612" y="615118"/>
-            <a:ext cx="3657600" cy="2641977"/>
+            <a:off x="294512" y="123686"/>
+            <a:ext cx="4707700" cy="523220"/>
           </a:xfrm>
           <a:prstGeom prst="rect">
             <a:avLst/>
@@ -11139,34 +10996,198 @@
           </a:bodyPr>
           <a:lstStyle/>
           <a:p>
-            <a:pPr algn="ctr"/>
-            <a:r>
-              <a:rPr lang="en-GB" sz="5400" b="1" dirty="0" smtClean="0">
-                <a:solidFill>
-                  <a:schemeClr val="bg1"/>
-                </a:solidFill>
-                <a:latin typeface="Allianz Serif" pitchFamily="50" charset="0"/>
+            <a:r>
+              <a:rPr lang="en-GB" sz="2800" b="1" dirty="0" smtClean="0">
+                <a:latin typeface="Times New Roman" panose="02020603050405020304" pitchFamily="18" charset="0"/>
                 <a:cs typeface="Times New Roman" panose="02020603050405020304" pitchFamily="18" charset="0"/>
               </a:rPr>
-              <a:t>07</a:t>
-            </a:r>
-          </a:p>
-          <a:p>
-            <a:r>
-              <a:rPr lang="en-GB" sz="5400" b="1" dirty="0" smtClean="0">
-                <a:solidFill>
-                  <a:schemeClr val="bg1"/>
-                </a:solidFill>
-                <a:latin typeface="Allianz Serif" pitchFamily="50" charset="0"/>
+              <a:t>SAS</a:t>
+            </a:r>
+            <a:endParaRPr lang="en-GB" sz="2800" b="1" dirty="0">
+              <a:latin typeface="Times New Roman" panose="02020603050405020304" pitchFamily="18" charset="0"/>
+              <a:cs typeface="Times New Roman" panose="02020603050405020304" pitchFamily="18" charset="0"/>
+            </a:endParaRPr>
+          </a:p>
+        </p:txBody>
+      </p:sp>
+      <p:sp>
+        <p:nvSpPr>
+          <p:cNvPr id="2" name="TextBox 1"/>
+          <p:cNvSpPr txBox="1"/>
+          <p:nvPr/>
+        </p:nvSpPr>
+        <p:spPr>
+          <a:xfrm>
+            <a:off x="294512" y="1027906"/>
+            <a:ext cx="7450900" cy="3785652"/>
+          </a:xfrm>
+          <a:prstGeom prst="rect">
+            <a:avLst/>
+          </a:prstGeom>
+          <a:noFill/>
+        </p:spPr>
+        <p:txBody>
+          <a:bodyPr wrap="square" rtlCol="0">
+            <a:spAutoFit/>
+          </a:bodyPr>
+          <a:lstStyle/>
+          <a:p>
+            <a:pPr marL="285750" indent="-285750">
+              <a:buFont typeface="Wingdings" panose="05000000000000000000" pitchFamily="2" charset="2"/>
+              <a:buChar char="Ø"/>
+            </a:pPr>
+            <a:r>
+              <a:rPr lang="en-GB" sz="2000" dirty="0" smtClean="0">
+                <a:latin typeface="Times New Roman" panose="02020603050405020304" pitchFamily="18" charset="0"/>
                 <a:cs typeface="Times New Roman" panose="02020603050405020304" pitchFamily="18" charset="0"/>
               </a:rPr>
-              <a:t>         SAS Technology</a:t>
-            </a:r>
-            <a:endParaRPr lang="en-GB" sz="5400" b="1" dirty="0">
-              <a:solidFill>
-                <a:schemeClr val="bg1"/>
-              </a:solidFill>
-              <a:latin typeface="Allianz Serif" pitchFamily="50" charset="0"/>
+              <a:t>Company and Software.</a:t>
+            </a:r>
+          </a:p>
+          <a:p>
+            <a:pPr marL="285750" indent="-285750">
+              <a:buFont typeface="Wingdings" panose="05000000000000000000" pitchFamily="2" charset="2"/>
+              <a:buChar char="Ø"/>
+            </a:pPr>
+            <a:endParaRPr lang="en-GB" sz="2000" dirty="0">
+              <a:latin typeface="Times New Roman" panose="02020603050405020304" pitchFamily="18" charset="0"/>
+              <a:cs typeface="Times New Roman" panose="02020603050405020304" pitchFamily="18" charset="0"/>
+            </a:endParaRPr>
+          </a:p>
+          <a:p>
+            <a:pPr marL="285750" indent="-285750">
+              <a:buFont typeface="Wingdings" panose="05000000000000000000" pitchFamily="2" charset="2"/>
+              <a:buChar char="Ø"/>
+            </a:pPr>
+            <a:r>
+              <a:rPr lang="en-GB" sz="2000" dirty="0" smtClean="0">
+                <a:latin typeface="Times New Roman" panose="02020603050405020304" pitchFamily="18" charset="0"/>
+                <a:cs typeface="Times New Roman" panose="02020603050405020304" pitchFamily="18" charset="0"/>
+              </a:rPr>
+              <a:t>Have rules and conventions like other programming languages</a:t>
+            </a:r>
+          </a:p>
+          <a:p>
+            <a:pPr marL="285750" indent="-285750">
+              <a:buFont typeface="Wingdings" panose="05000000000000000000" pitchFamily="2" charset="2"/>
+              <a:buChar char="Ø"/>
+            </a:pPr>
+            <a:endParaRPr lang="en-GB" sz="2000" dirty="0">
+              <a:latin typeface="Times New Roman" panose="02020603050405020304" pitchFamily="18" charset="0"/>
+              <a:cs typeface="Times New Roman" panose="02020603050405020304" pitchFamily="18" charset="0"/>
+            </a:endParaRPr>
+          </a:p>
+          <a:p>
+            <a:pPr marL="285750" indent="-285750">
+              <a:buFont typeface="Wingdings" panose="05000000000000000000" pitchFamily="2" charset="2"/>
+              <a:buChar char="Ø"/>
+            </a:pPr>
+            <a:r>
+              <a:rPr lang="en-GB" sz="2000" dirty="0" smtClean="0">
+                <a:latin typeface="Times New Roman" panose="02020603050405020304" pitchFamily="18" charset="0"/>
+                <a:cs typeface="Times New Roman" panose="02020603050405020304" pitchFamily="18" charset="0"/>
+              </a:rPr>
+              <a:t>Only two datatypes : Character &amp; Numeric</a:t>
+            </a:r>
+          </a:p>
+          <a:p>
+            <a:pPr marL="285750" indent="-285750">
+              <a:buFont typeface="Wingdings" panose="05000000000000000000" pitchFamily="2" charset="2"/>
+              <a:buChar char="Ø"/>
+            </a:pPr>
+            <a:endParaRPr lang="en-GB" sz="2000" dirty="0">
+              <a:latin typeface="Times New Roman" panose="02020603050405020304" pitchFamily="18" charset="0"/>
+              <a:cs typeface="Times New Roman" panose="02020603050405020304" pitchFamily="18" charset="0"/>
+            </a:endParaRPr>
+          </a:p>
+          <a:p>
+            <a:pPr marL="285750" indent="-285750">
+              <a:buFont typeface="Wingdings" panose="05000000000000000000" pitchFamily="2" charset="2"/>
+              <a:buChar char="Ø"/>
+            </a:pPr>
+            <a:r>
+              <a:rPr lang="en-GB" sz="2000" dirty="0" smtClean="0">
+                <a:latin typeface="Times New Roman" panose="02020603050405020304" pitchFamily="18" charset="0"/>
+                <a:cs typeface="Times New Roman" panose="02020603050405020304" pitchFamily="18" charset="0"/>
+              </a:rPr>
+              <a:t>Formats and </a:t>
+            </a:r>
+            <a:r>
+              <a:rPr lang="en-GB" sz="2000" dirty="0" err="1" smtClean="0">
+                <a:latin typeface="Times New Roman" panose="02020603050405020304" pitchFamily="18" charset="0"/>
+                <a:cs typeface="Times New Roman" panose="02020603050405020304" pitchFamily="18" charset="0"/>
+              </a:rPr>
+              <a:t>Informats</a:t>
+            </a:r>
+            <a:r>
+              <a:rPr lang="en-GB" sz="2000" dirty="0" smtClean="0">
+                <a:latin typeface="Times New Roman" panose="02020603050405020304" pitchFamily="18" charset="0"/>
+                <a:cs typeface="Times New Roman" panose="02020603050405020304" pitchFamily="18" charset="0"/>
+              </a:rPr>
+              <a:t>. Format : How to write data. </a:t>
+            </a:r>
+            <a:r>
+              <a:rPr lang="en-GB" sz="2000" dirty="0" err="1" smtClean="0">
+                <a:latin typeface="Times New Roman" panose="02020603050405020304" pitchFamily="18" charset="0"/>
+                <a:cs typeface="Times New Roman" panose="02020603050405020304" pitchFamily="18" charset="0"/>
+              </a:rPr>
+              <a:t>Informat</a:t>
+            </a:r>
+            <a:r>
+              <a:rPr lang="en-GB" sz="2000" dirty="0" smtClean="0">
+                <a:latin typeface="Times New Roman" panose="02020603050405020304" pitchFamily="18" charset="0"/>
+                <a:cs typeface="Times New Roman" panose="02020603050405020304" pitchFamily="18" charset="0"/>
+              </a:rPr>
+              <a:t>: How to read data.</a:t>
+            </a:r>
+          </a:p>
+          <a:p>
+            <a:pPr marL="285750" indent="-285750">
+              <a:buFont typeface="Wingdings" panose="05000000000000000000" pitchFamily="2" charset="2"/>
+              <a:buChar char="Ø"/>
+            </a:pPr>
+            <a:endParaRPr lang="en-GB" sz="2000" dirty="0">
+              <a:latin typeface="Times New Roman" panose="02020603050405020304" pitchFamily="18" charset="0"/>
+              <a:cs typeface="Times New Roman" panose="02020603050405020304" pitchFamily="18" charset="0"/>
+            </a:endParaRPr>
+          </a:p>
+          <a:p>
+            <a:pPr marL="285750" indent="-285750">
+              <a:buFont typeface="Wingdings" panose="05000000000000000000" pitchFamily="2" charset="2"/>
+              <a:buChar char="Ø"/>
+            </a:pPr>
+            <a:r>
+              <a:rPr lang="en-GB" sz="2000" dirty="0" smtClean="0">
+                <a:latin typeface="Times New Roman" panose="02020603050405020304" pitchFamily="18" charset="0"/>
+                <a:cs typeface="Times New Roman" panose="02020603050405020304" pitchFamily="18" charset="0"/>
+              </a:rPr>
+              <a:t>SAS Dataset : Variables and Observations.</a:t>
+            </a:r>
+          </a:p>
+          <a:p>
+            <a:pPr marL="285750" indent="-285750">
+              <a:buFont typeface="Wingdings" panose="05000000000000000000" pitchFamily="2" charset="2"/>
+              <a:buChar char="Ø"/>
+            </a:pPr>
+            <a:endParaRPr lang="en-GB" sz="2000" dirty="0">
+              <a:latin typeface="Times New Roman" panose="02020603050405020304" pitchFamily="18" charset="0"/>
+              <a:cs typeface="Times New Roman" panose="02020603050405020304" pitchFamily="18" charset="0"/>
+            </a:endParaRPr>
+          </a:p>
+          <a:p>
+            <a:pPr marL="285750" indent="-285750">
+              <a:buFont typeface="Wingdings" panose="05000000000000000000" pitchFamily="2" charset="2"/>
+              <a:buChar char="Ø"/>
+            </a:pPr>
+            <a:r>
+              <a:rPr lang="en-GB" sz="2000" dirty="0" smtClean="0">
+                <a:latin typeface="Times New Roman" panose="02020603050405020304" pitchFamily="18" charset="0"/>
+                <a:cs typeface="Times New Roman" panose="02020603050405020304" pitchFamily="18" charset="0"/>
+              </a:rPr>
+              <a:t>DATA Step &amp; PROC Step of a SAS program.</a:t>
+            </a:r>
+            <a:endParaRPr lang="en-GB" sz="2000" dirty="0">
+              <a:latin typeface="Times New Roman" panose="02020603050405020304" pitchFamily="18" charset="0"/>
               <a:cs typeface="Times New Roman" panose="02020603050405020304" pitchFamily="18" charset="0"/>
             </a:endParaRPr>
           </a:p>
@@ -11175,7 +11196,7 @@
     </p:spTree>
     <p:extLst>
       <p:ext uri="{BB962C8B-B14F-4D97-AF65-F5344CB8AC3E}">
-        <p14:creationId xmlns:p14="http://schemas.microsoft.com/office/powerpoint/2010/main" val="680084884"/>
+        <p14:creationId xmlns:p14="http://schemas.microsoft.com/office/powerpoint/2010/main" val="1462879094"/>
       </p:ext>
     </p:extLst>
   </p:cSld>
@@ -11271,21 +11292,60 @@
           </a:p>
         </p:txBody>
       </p:sp>
-      <p:sp>
-        <p:nvSpPr>
-          <p:cNvPr id="5" name="TextBox 4"/>
-          <p:cNvSpPr txBox="1"/>
+      <p:pic>
+        <p:nvPicPr>
+          <p:cNvPr id="5" name="Picture 4" descr="\\s81dsp01data01\ACIS-Udrive\Users\t10313\AILP Batch4\Images\sasProgram.png"/>
+          <p:cNvPicPr>
+            <a:picLocks noChangeAspect="1" noChangeArrowheads="1"/>
+          </p:cNvPicPr>
           <p:nvPr/>
-        </p:nvSpPr>
-        <p:spPr>
-          <a:xfrm>
-            <a:off x="294512" y="123686"/>
-            <a:ext cx="4707700" cy="523220"/>
+        </p:nvPicPr>
+        <p:blipFill rotWithShape="1">
+          <a:blip r:embed="rId2">
+            <a:extLst>
+              <a:ext uri="{28A0092B-C50C-407E-A947-70E740481C1C}">
+                <a14:useLocalDpi xmlns:a14="http://schemas.microsoft.com/office/drawing/2010/main" val="0"/>
+              </a:ext>
+            </a:extLst>
+          </a:blip>
+          <a:srcRect t="4116" r="37361" b="8768"/>
+          <a:stretch/>
+        </p:blipFill>
+        <p:spPr bwMode="auto">
+          <a:xfrm>
+            <a:off x="201612" y="1096962"/>
+            <a:ext cx="3845687" cy="3055144"/>
           </a:xfrm>
           <a:prstGeom prst="rect">
             <a:avLst/>
           </a:prstGeom>
           <a:noFill/>
+          <a:extLst>
+            <a:ext uri="{909E8E84-426E-40DD-AFC4-6F175D3DCCD1}">
+              <a14:hiddenFill xmlns:a14="http://schemas.microsoft.com/office/drawing/2010/main">
+                <a:solidFill>
+                  <a:srgbClr val="FFFFFF"/>
+                </a:solidFill>
+              </a14:hiddenFill>
+            </a:ext>
+          </a:extLst>
+        </p:spPr>
+      </p:pic>
+      <p:sp>
+        <p:nvSpPr>
+          <p:cNvPr id="6" name="TextBox 5"/>
+          <p:cNvSpPr txBox="1"/>
+          <p:nvPr/>
+        </p:nvSpPr>
+        <p:spPr>
+          <a:xfrm>
+            <a:off x="294512" y="123686"/>
+            <a:ext cx="4707700" cy="523220"/>
+          </a:xfrm>
+          <a:prstGeom prst="rect">
+            <a:avLst/>
+          </a:prstGeom>
+          <a:noFill/>
         </p:spPr>
         <p:txBody>
           <a:bodyPr wrap="square" rtlCol="0">
@@ -11298,7 +11358,7 @@
                 <a:latin typeface="Times New Roman" panose="02020603050405020304" pitchFamily="18" charset="0"/>
                 <a:cs typeface="Times New Roman" panose="02020603050405020304" pitchFamily="18" charset="0"/>
               </a:rPr>
-              <a:t>SAS</a:t>
+              <a:t>SAS Program Structure</a:t>
             </a:r>
             <a:endParaRPr lang="en-GB" sz="2800" b="1" dirty="0">
               <a:latin typeface="Times New Roman" panose="02020603050405020304" pitchFamily="18" charset="0"/>
@@ -11309,14 +11369,14 @@
       </p:sp>
       <p:sp>
         <p:nvSpPr>
-          <p:cNvPr id="2" name="TextBox 1"/>
+          <p:cNvPr id="3" name="TextBox 2"/>
           <p:cNvSpPr txBox="1"/>
           <p:nvPr/>
         </p:nvSpPr>
         <p:spPr>
           <a:xfrm>
-            <a:off x="294512" y="1027906"/>
-            <a:ext cx="7450900" cy="3785652"/>
+            <a:off x="4468812" y="1256506"/>
+            <a:ext cx="3429000" cy="2862322"/>
           </a:xfrm>
           <a:prstGeom prst="rect">
             <a:avLst/>
@@ -11329,6 +11389,21 @@
           </a:bodyPr>
           <a:lstStyle/>
           <a:p>
+            <a:r>
+              <a:rPr lang="en-GB" sz="2000" dirty="0" smtClean="0">
+                <a:latin typeface="Times New Roman" panose="02020603050405020304" pitchFamily="18" charset="0"/>
+                <a:cs typeface="Times New Roman" panose="02020603050405020304" pitchFamily="18" charset="0"/>
+              </a:rPr>
+              <a:t>DATA Step :</a:t>
+            </a:r>
+          </a:p>
+          <a:p>
+            <a:endParaRPr lang="en-GB" sz="2000" dirty="0" smtClean="0">
+              <a:latin typeface="Times New Roman" panose="02020603050405020304" pitchFamily="18" charset="0"/>
+              <a:cs typeface="Times New Roman" panose="02020603050405020304" pitchFamily="18" charset="0"/>
+            </a:endParaRPr>
+          </a:p>
+          <a:p>
             <a:pPr marL="285750" indent="-285750">
               <a:buFont typeface="Wingdings" panose="05000000000000000000" pitchFamily="2" charset="2"/>
               <a:buChar char="Ø"/>
@@ -11338,7 +11413,7 @@
                 <a:latin typeface="Times New Roman" panose="02020603050405020304" pitchFamily="18" charset="0"/>
                 <a:cs typeface="Times New Roman" panose="02020603050405020304" pitchFamily="18" charset="0"/>
               </a:rPr>
-              <a:t>Company and Software.</a:t>
+              <a:t>Read and Modify data.</a:t>
             </a:r>
           </a:p>
           <a:p>
@@ -11346,12 +11421,30 @@
               <a:buFont typeface="Wingdings" panose="05000000000000000000" pitchFamily="2" charset="2"/>
               <a:buChar char="Ø"/>
             </a:pPr>
+            <a:r>
+              <a:rPr lang="en-GB" sz="2000" dirty="0" smtClean="0">
+                <a:latin typeface="Times New Roman" panose="02020603050405020304" pitchFamily="18" charset="0"/>
+                <a:cs typeface="Times New Roman" panose="02020603050405020304" pitchFamily="18" charset="0"/>
+              </a:rPr>
+              <a:t>Create SAS Data Set.</a:t>
+            </a:r>
+          </a:p>
+          <a:p>
             <a:endParaRPr lang="en-GB" sz="2000" dirty="0">
               <a:latin typeface="Times New Roman" panose="02020603050405020304" pitchFamily="18" charset="0"/>
               <a:cs typeface="Times New Roman" panose="02020603050405020304" pitchFamily="18" charset="0"/>
             </a:endParaRPr>
           </a:p>
           <a:p>
+            <a:r>
+              <a:rPr lang="en-GB" sz="2000" dirty="0" smtClean="0">
+                <a:latin typeface="Times New Roman" panose="02020603050405020304" pitchFamily="18" charset="0"/>
+                <a:cs typeface="Times New Roman" panose="02020603050405020304" pitchFamily="18" charset="0"/>
+              </a:rPr>
+              <a:t>PROC Step :</a:t>
+            </a:r>
+          </a:p>
+          <a:p>
             <a:pPr marL="285750" indent="-285750">
               <a:buFont typeface="Wingdings" panose="05000000000000000000" pitchFamily="2" charset="2"/>
               <a:buChar char="Ø"/>
@@ -11361,7 +11454,7 @@
                 <a:latin typeface="Times New Roman" panose="02020603050405020304" pitchFamily="18" charset="0"/>
                 <a:cs typeface="Times New Roman" panose="02020603050405020304" pitchFamily="18" charset="0"/>
               </a:rPr>
-              <a:t>Have rules and conventions like other programming languages</a:t>
+              <a:t>Perform specific analysis or function.</a:t>
             </a:r>
           </a:p>
           <a:p>
@@ -11369,131 +11462,24 @@
               <a:buFont typeface="Wingdings" panose="05000000000000000000" pitchFamily="2" charset="2"/>
               <a:buChar char="Ø"/>
             </a:pPr>
+            <a:r>
+              <a:rPr lang="en-GB" sz="2000" dirty="0" smtClean="0">
+                <a:latin typeface="Times New Roman" panose="02020603050405020304" pitchFamily="18" charset="0"/>
+                <a:cs typeface="Times New Roman" panose="02020603050405020304" pitchFamily="18" charset="0"/>
+              </a:rPr>
+              <a:t>Produce results or output.</a:t>
+            </a:r>
             <a:endParaRPr lang="en-GB" sz="2000" dirty="0">
               <a:latin typeface="Times New Roman" panose="02020603050405020304" pitchFamily="18" charset="0"/>
               <a:cs typeface="Times New Roman" panose="02020603050405020304" pitchFamily="18" charset="0"/>
             </a:endParaRPr>
           </a:p>
-          <a:p>
-            <a:pPr marL="285750" indent="-285750">
-              <a:buFont typeface="Wingdings" panose="05000000000000000000" pitchFamily="2" charset="2"/>
-              <a:buChar char="Ø"/>
-            </a:pPr>
-            <a:r>
-              <a:rPr lang="en-GB" sz="2000" dirty="0" smtClean="0">
-                <a:latin typeface="Times New Roman" panose="02020603050405020304" pitchFamily="18" charset="0"/>
-                <a:cs typeface="Times New Roman" panose="02020603050405020304" pitchFamily="18" charset="0"/>
-              </a:rPr>
-              <a:t>Only two datatypes : Character &amp; Numeric</a:t>
-            </a:r>
-          </a:p>
-          <a:p>
-            <a:pPr marL="285750" indent="-285750">
-              <a:buFont typeface="Wingdings" panose="05000000000000000000" pitchFamily="2" charset="2"/>
-              <a:buChar char="Ø"/>
-            </a:pPr>
-            <a:endParaRPr lang="en-GB" sz="2000" dirty="0">
-              <a:latin typeface="Times New Roman" panose="02020603050405020304" pitchFamily="18" charset="0"/>
-              <a:cs typeface="Times New Roman" panose="02020603050405020304" pitchFamily="18" charset="0"/>
-            </a:endParaRPr>
-          </a:p>
-          <a:p>
-            <a:pPr marL="285750" indent="-285750">
-              <a:buFont typeface="Wingdings" panose="05000000000000000000" pitchFamily="2" charset="2"/>
-              <a:buChar char="Ø"/>
-            </a:pPr>
-            <a:r>
-              <a:rPr lang="en-GB" sz="2000" dirty="0" smtClean="0">
-                <a:latin typeface="Times New Roman" panose="02020603050405020304" pitchFamily="18" charset="0"/>
-                <a:cs typeface="Times New Roman" panose="02020603050405020304" pitchFamily="18" charset="0"/>
-              </a:rPr>
-              <a:t>Formats and </a:t>
-            </a:r>
-            <a:r>
-              <a:rPr lang="en-GB" sz="2000" dirty="0" err="1" smtClean="0">
-                <a:latin typeface="Times New Roman" panose="02020603050405020304" pitchFamily="18" charset="0"/>
-                <a:cs typeface="Times New Roman" panose="02020603050405020304" pitchFamily="18" charset="0"/>
-              </a:rPr>
-              <a:t>Informats</a:t>
-            </a:r>
-            <a:r>
-              <a:rPr lang="en-GB" sz="2000" dirty="0" smtClean="0">
-                <a:latin typeface="Times New Roman" panose="02020603050405020304" pitchFamily="18" charset="0"/>
-                <a:cs typeface="Times New Roman" panose="02020603050405020304" pitchFamily="18" charset="0"/>
-              </a:rPr>
-              <a:t>. Format : How to write data. </a:t>
-            </a:r>
-            <a:r>
-              <a:rPr lang="en-GB" sz="2000" dirty="0" err="1" smtClean="0">
-                <a:latin typeface="Times New Roman" panose="02020603050405020304" pitchFamily="18" charset="0"/>
-                <a:cs typeface="Times New Roman" panose="02020603050405020304" pitchFamily="18" charset="0"/>
-              </a:rPr>
-              <a:t>Informat</a:t>
-            </a:r>
-            <a:r>
-              <a:rPr lang="en-GB" sz="2000" dirty="0" smtClean="0">
-                <a:latin typeface="Times New Roman" panose="02020603050405020304" pitchFamily="18" charset="0"/>
-                <a:cs typeface="Times New Roman" panose="02020603050405020304" pitchFamily="18" charset="0"/>
-              </a:rPr>
-              <a:t>: How to read data.</a:t>
-            </a:r>
-          </a:p>
-          <a:p>
-            <a:pPr marL="285750" indent="-285750">
-              <a:buFont typeface="Wingdings" panose="05000000000000000000" pitchFamily="2" charset="2"/>
-              <a:buChar char="Ø"/>
-            </a:pPr>
-            <a:endParaRPr lang="en-GB" sz="2000" dirty="0">
-              <a:latin typeface="Times New Roman" panose="02020603050405020304" pitchFamily="18" charset="0"/>
-              <a:cs typeface="Times New Roman" panose="02020603050405020304" pitchFamily="18" charset="0"/>
-            </a:endParaRPr>
-          </a:p>
-          <a:p>
-            <a:pPr marL="285750" indent="-285750">
-              <a:buFont typeface="Wingdings" panose="05000000000000000000" pitchFamily="2" charset="2"/>
-              <a:buChar char="Ø"/>
-            </a:pPr>
-            <a:r>
-              <a:rPr lang="en-GB" sz="2000" dirty="0" smtClean="0">
-                <a:latin typeface="Times New Roman" panose="02020603050405020304" pitchFamily="18" charset="0"/>
-                <a:cs typeface="Times New Roman" panose="02020603050405020304" pitchFamily="18" charset="0"/>
-              </a:rPr>
-              <a:t>SAS Dataset : Variables and Observations.</a:t>
-            </a:r>
-          </a:p>
-          <a:p>
-            <a:pPr marL="285750" indent="-285750">
-              <a:buFont typeface="Wingdings" panose="05000000000000000000" pitchFamily="2" charset="2"/>
-              <a:buChar char="Ø"/>
-            </a:pPr>
-            <a:endParaRPr lang="en-GB" sz="2000" dirty="0">
-              <a:latin typeface="Times New Roman" panose="02020603050405020304" pitchFamily="18" charset="0"/>
-              <a:cs typeface="Times New Roman" panose="02020603050405020304" pitchFamily="18" charset="0"/>
-            </a:endParaRPr>
-          </a:p>
-          <a:p>
-            <a:pPr marL="285750" indent="-285750">
-              <a:buFont typeface="Wingdings" panose="05000000000000000000" pitchFamily="2" charset="2"/>
-              <a:buChar char="Ø"/>
-            </a:pPr>
-            <a:r>
-              <a:rPr lang="en-GB" sz="2000" dirty="0" smtClean="0">
-                <a:latin typeface="Times New Roman" panose="02020603050405020304" pitchFamily="18" charset="0"/>
-                <a:cs typeface="Times New Roman" panose="02020603050405020304" pitchFamily="18" charset="0"/>
-              </a:rPr>
-              <a:t>DATA Step &amp; PROC Step of a SAS program.</a:t>
-            </a:r>
-            <a:endParaRPr lang="en-GB" sz="2000" dirty="0">
-              <a:latin typeface="Times New Roman" panose="02020603050405020304" pitchFamily="18" charset="0"/>
-              <a:cs typeface="Times New Roman" panose="02020603050405020304" pitchFamily="18" charset="0"/>
-            </a:endParaRPr>
-          </a:p>
         </p:txBody>
       </p:sp>
     </p:spTree>
     <p:extLst>
       <p:ext uri="{BB962C8B-B14F-4D97-AF65-F5344CB8AC3E}">
-        <p14:creationId xmlns:p14="http://schemas.microsoft.com/office/powerpoint/2010/main" val="1462879094"/>
+        <p14:creationId xmlns:p14="http://schemas.microsoft.com/office/powerpoint/2010/main" val="1373631645"/>
       </p:ext>
     </p:extLst>
   </p:cSld>
@@ -11591,13 +11577,13 @@
       </p:sp>
       <p:pic>
         <p:nvPicPr>
-          <p:cNvPr id="5" name="Picture 4" descr="\\s81dsp01data01\ACIS-Udrive\Users\t10313\AILP Batch4\Images\sasProgram.png"/>
+          <p:cNvPr id="6" name="Picture 2" descr="\\s81dsp01data01\ACIS-Udrive\Users\t10313\AILP Batch4\Images\sas program sample.gif"/>
           <p:cNvPicPr>
             <a:picLocks noChangeAspect="1" noChangeArrowheads="1"/>
           </p:cNvPicPr>
           <p:nvPr/>
         </p:nvPicPr>
-        <p:blipFill rotWithShape="1">
+        <p:blipFill>
           <a:blip r:embed="rId2">
             <a:extLst>
               <a:ext uri="{28A0092B-C50C-407E-A947-70E740481C1C}">
@@ -11605,13 +11591,15 @@
               </a:ext>
             </a:extLst>
           </a:blip>
-          <a:srcRect t="4116" r="37361" b="8768"/>
-          <a:stretch/>
+          <a:srcRect/>
+          <a:stretch>
+            <a:fillRect/>
+          </a:stretch>
         </p:blipFill>
         <p:spPr bwMode="auto">
           <a:xfrm>
-            <a:off x="201612" y="1096962"/>
-            <a:ext cx="3845687" cy="3055144"/>
+            <a:off x="582612" y="1027906"/>
+            <a:ext cx="6172200" cy="3581400"/>
           </a:xfrm>
           <a:prstGeom prst="rect">
             <a:avLst/>
@@ -11630,7 +11618,7 @@
       </p:pic>
       <p:sp>
         <p:nvSpPr>
-          <p:cNvPr id="6" name="TextBox 5"/>
+          <p:cNvPr id="7" name="TextBox 6"/>
           <p:cNvSpPr txBox="1"/>
           <p:nvPr/>
         </p:nvSpPr>
@@ -11655,7 +11643,7 @@
                 <a:latin typeface="Times New Roman" panose="02020603050405020304" pitchFamily="18" charset="0"/>
                 <a:cs typeface="Times New Roman" panose="02020603050405020304" pitchFamily="18" charset="0"/>
               </a:rPr>
-              <a:t>SAS Program Structure</a:t>
+              <a:t>Sample SAS Program</a:t>
             </a:r>
             <a:endParaRPr lang="en-GB" sz="2800" b="1" dirty="0">
               <a:latin typeface="Times New Roman" panose="02020603050405020304" pitchFamily="18" charset="0"/>
@@ -11664,119 +11652,10 @@
           </a:p>
         </p:txBody>
       </p:sp>
-      <p:sp>
-        <p:nvSpPr>
-          <p:cNvPr id="3" name="TextBox 2"/>
-          <p:cNvSpPr txBox="1"/>
-          <p:nvPr/>
-        </p:nvSpPr>
-        <p:spPr>
-          <a:xfrm>
-            <a:off x="4468812" y="1256506"/>
-            <a:ext cx="3429000" cy="2862322"/>
-          </a:xfrm>
-          <a:prstGeom prst="rect">
-            <a:avLst/>
-          </a:prstGeom>
-          <a:noFill/>
-        </p:spPr>
-        <p:txBody>
-          <a:bodyPr wrap="square" rtlCol="0">
-            <a:spAutoFit/>
-          </a:bodyPr>
-          <a:lstStyle/>
-          <a:p>
-            <a:r>
-              <a:rPr lang="en-GB" sz="2000" dirty="0" smtClean="0">
-                <a:latin typeface="Times New Roman" panose="02020603050405020304" pitchFamily="18" charset="0"/>
-                <a:cs typeface="Times New Roman" panose="02020603050405020304" pitchFamily="18" charset="0"/>
-              </a:rPr>
-              <a:t>DATA Step :</a:t>
-            </a:r>
-          </a:p>
-          <a:p>
-            <a:endParaRPr lang="en-GB" sz="2000" dirty="0" smtClean="0">
-              <a:latin typeface="Times New Roman" panose="02020603050405020304" pitchFamily="18" charset="0"/>
-              <a:cs typeface="Times New Roman" panose="02020603050405020304" pitchFamily="18" charset="0"/>
-            </a:endParaRPr>
-          </a:p>
-          <a:p>
-            <a:pPr marL="285750" indent="-285750">
-              <a:buFont typeface="Wingdings" panose="05000000000000000000" pitchFamily="2" charset="2"/>
-              <a:buChar char="Ø"/>
-            </a:pPr>
-            <a:r>
-              <a:rPr lang="en-GB" sz="2000" dirty="0" smtClean="0">
-                <a:latin typeface="Times New Roman" panose="02020603050405020304" pitchFamily="18" charset="0"/>
-                <a:cs typeface="Times New Roman" panose="02020603050405020304" pitchFamily="18" charset="0"/>
-              </a:rPr>
-              <a:t>Read and Modify data.</a:t>
-            </a:r>
-          </a:p>
-          <a:p>
-            <a:pPr marL="285750" indent="-285750">
-              <a:buFont typeface="Wingdings" panose="05000000000000000000" pitchFamily="2" charset="2"/>
-              <a:buChar char="Ø"/>
-            </a:pPr>
-            <a:r>
-              <a:rPr lang="en-GB" sz="2000" dirty="0" smtClean="0">
-                <a:latin typeface="Times New Roman" panose="02020603050405020304" pitchFamily="18" charset="0"/>
-                <a:cs typeface="Times New Roman" panose="02020603050405020304" pitchFamily="18" charset="0"/>
-              </a:rPr>
-              <a:t>Create SAS Data Set.</a:t>
-            </a:r>
-          </a:p>
-          <a:p>
-            <a:endParaRPr lang="en-GB" sz="2000" dirty="0">
-              <a:latin typeface="Times New Roman" panose="02020603050405020304" pitchFamily="18" charset="0"/>
-              <a:cs typeface="Times New Roman" panose="02020603050405020304" pitchFamily="18" charset="0"/>
-            </a:endParaRPr>
-          </a:p>
-          <a:p>
-            <a:r>
-              <a:rPr lang="en-GB" sz="2000" dirty="0" smtClean="0">
-                <a:latin typeface="Times New Roman" panose="02020603050405020304" pitchFamily="18" charset="0"/>
-                <a:cs typeface="Times New Roman" panose="02020603050405020304" pitchFamily="18" charset="0"/>
-              </a:rPr>
-              <a:t>PROC Step :</a:t>
-            </a:r>
-          </a:p>
-          <a:p>
-            <a:pPr marL="285750" indent="-285750">
-              <a:buFont typeface="Wingdings" panose="05000000000000000000" pitchFamily="2" charset="2"/>
-              <a:buChar char="Ø"/>
-            </a:pPr>
-            <a:r>
-              <a:rPr lang="en-GB" sz="2000" dirty="0" smtClean="0">
-                <a:latin typeface="Times New Roman" panose="02020603050405020304" pitchFamily="18" charset="0"/>
-                <a:cs typeface="Times New Roman" panose="02020603050405020304" pitchFamily="18" charset="0"/>
-              </a:rPr>
-              <a:t>Perform specific analysis or function.</a:t>
-            </a:r>
-          </a:p>
-          <a:p>
-            <a:pPr marL="285750" indent="-285750">
-              <a:buFont typeface="Wingdings" panose="05000000000000000000" pitchFamily="2" charset="2"/>
-              <a:buChar char="Ø"/>
-            </a:pPr>
-            <a:r>
-              <a:rPr lang="en-GB" sz="2000" dirty="0" smtClean="0">
-                <a:latin typeface="Times New Roman" panose="02020603050405020304" pitchFamily="18" charset="0"/>
-                <a:cs typeface="Times New Roman" panose="02020603050405020304" pitchFamily="18" charset="0"/>
-              </a:rPr>
-              <a:t>Produce results or output.</a:t>
-            </a:r>
-            <a:endParaRPr lang="en-GB" sz="2000" dirty="0">
-              <a:latin typeface="Times New Roman" panose="02020603050405020304" pitchFamily="18" charset="0"/>
-              <a:cs typeface="Times New Roman" panose="02020603050405020304" pitchFamily="18" charset="0"/>
-            </a:endParaRPr>
-          </a:p>
-        </p:txBody>
-      </p:sp>
     </p:spTree>
     <p:extLst>
       <p:ext uri="{BB962C8B-B14F-4D97-AF65-F5344CB8AC3E}">
-        <p14:creationId xmlns:p14="http://schemas.microsoft.com/office/powerpoint/2010/main" val="1373631645"/>
+        <p14:creationId xmlns:p14="http://schemas.microsoft.com/office/powerpoint/2010/main" val="9462830"/>
       </p:ext>
     </p:extLst>
   </p:cSld>
@@ -11872,15 +11751,51 @@
           </a:p>
         </p:txBody>
       </p:sp>
+      <p:sp>
+        <p:nvSpPr>
+          <p:cNvPr id="5" name="TextBox 4"/>
+          <p:cNvSpPr txBox="1"/>
+          <p:nvPr/>
+        </p:nvSpPr>
+        <p:spPr>
+          <a:xfrm>
+            <a:off x="294512" y="123686"/>
+            <a:ext cx="4707700" cy="523220"/>
+          </a:xfrm>
+          <a:prstGeom prst="rect">
+            <a:avLst/>
+          </a:prstGeom>
+          <a:noFill/>
+        </p:spPr>
+        <p:txBody>
+          <a:bodyPr wrap="square" rtlCol="0">
+            <a:spAutoFit/>
+          </a:bodyPr>
+          <a:lstStyle/>
+          <a:p>
+            <a:r>
+              <a:rPr lang="en-GB" sz="2800" b="1" dirty="0" smtClean="0">
+                <a:latin typeface="Times New Roman" panose="02020603050405020304" pitchFamily="18" charset="0"/>
+                <a:cs typeface="Times New Roman" panose="02020603050405020304" pitchFamily="18" charset="0"/>
+              </a:rPr>
+              <a:t>Applications of SAS</a:t>
+            </a:r>
+            <a:endParaRPr lang="en-GB" sz="2800" b="1" dirty="0">
+              <a:latin typeface="Times New Roman" panose="02020603050405020304" pitchFamily="18" charset="0"/>
+              <a:cs typeface="Times New Roman" panose="02020603050405020304" pitchFamily="18" charset="0"/>
+            </a:endParaRPr>
+          </a:p>
+        </p:txBody>
+      </p:sp>
       <p:pic>
         <p:nvPicPr>
-          <p:cNvPr id="6" name="Picture 2" descr="\\s81dsp01data01\ACIS-Udrive\Users\t10313\AILP Batch4\Images\sas program sample.gif"/>
+          <p:cNvPr id="6" name="Picture 2" descr="\\s81dsp01data01\ACIS-Udrive\Users\t10313\AILP Batch4\Images\sas applications.jpg"/>
           <p:cNvPicPr>
             <a:picLocks noChangeAspect="1" noChangeArrowheads="1"/>
           </p:cNvPicPr>
           <p:nvPr/>
         </p:nvPicPr>
-        <p:blipFill>
+        <p:blipFill rotWithShape="1">
           <a:blip r:embed="rId2">
             <a:extLst>
               <a:ext uri="{28A0092B-C50C-407E-A947-70E740481C1C}">
@@ -11888,15 +11803,13 @@
               </a:ext>
             </a:extLst>
           </a:blip>
-          <a:srcRect/>
-          <a:stretch>
-            <a:fillRect/>
-          </a:stretch>
+          <a:srcRect l="28369"/>
+          <a:stretch/>
         </p:blipFill>
         <p:spPr bwMode="auto">
           <a:xfrm>
-            <a:off x="582612" y="1027906"/>
-            <a:ext cx="6172200" cy="3581400"/>
+            <a:off x="0" y="646907"/>
+            <a:ext cx="6526212" cy="4609306"/>
           </a:xfrm>
           <a:prstGeom prst="rect">
             <a:avLst/>
@@ -11913,46 +11826,10 @@
           </a:extLst>
         </p:spPr>
       </p:pic>
-      <p:sp>
-        <p:nvSpPr>
-          <p:cNvPr id="7" name="TextBox 6"/>
-          <p:cNvSpPr txBox="1"/>
-          <p:nvPr/>
-        </p:nvSpPr>
-        <p:spPr>
-          <a:xfrm>
-            <a:off x="294512" y="123686"/>
-            <a:ext cx="4707700" cy="523220"/>
-          </a:xfrm>
-          <a:prstGeom prst="rect">
-            <a:avLst/>
-          </a:prstGeom>
-          <a:noFill/>
-        </p:spPr>
-        <p:txBody>
-          <a:bodyPr wrap="square" rtlCol="0">
-            <a:spAutoFit/>
-          </a:bodyPr>
-          <a:lstStyle/>
-          <a:p>
-            <a:r>
-              <a:rPr lang="en-GB" sz="2800" b="1" dirty="0" smtClean="0">
-                <a:latin typeface="Times New Roman" panose="02020603050405020304" pitchFamily="18" charset="0"/>
-                <a:cs typeface="Times New Roman" panose="02020603050405020304" pitchFamily="18" charset="0"/>
-              </a:rPr>
-              <a:t>Sample SAS Program</a:t>
-            </a:r>
-            <a:endParaRPr lang="en-GB" sz="2800" b="1" dirty="0">
-              <a:latin typeface="Times New Roman" panose="02020603050405020304" pitchFamily="18" charset="0"/>
-              <a:cs typeface="Times New Roman" panose="02020603050405020304" pitchFamily="18" charset="0"/>
-            </a:endParaRPr>
-          </a:p>
-        </p:txBody>
-      </p:sp>
     </p:spTree>
     <p:extLst>
       <p:ext uri="{BB962C8B-B14F-4D97-AF65-F5344CB8AC3E}">
-        <p14:creationId xmlns:p14="http://schemas.microsoft.com/office/powerpoint/2010/main" val="9462830"/>
+        <p14:creationId xmlns:p14="http://schemas.microsoft.com/office/powerpoint/2010/main" val="1002739986"/>
       </p:ext>
     </p:extLst>
   </p:cSld>
@@ -12048,134 +11925,51 @@
           </a:p>
         </p:txBody>
       </p:sp>
-      <p:sp>
-        <p:nvSpPr>
-          <p:cNvPr id="3" name="TextBox 2"/>
-          <p:cNvSpPr txBox="1"/>
+      <p:pic>
+        <p:nvPicPr>
+          <p:cNvPr id="3074" name="Picture 2" descr="\\s81dsp01data01\ACIS-Udrive\Users\t10313\AILP Batch4\Images\sas applications.jpg"/>
+          <p:cNvPicPr>
+            <a:picLocks noChangeAspect="1" noChangeArrowheads="1"/>
+          </p:cNvPicPr>
           <p:nvPr/>
-        </p:nvSpPr>
-        <p:spPr>
-          <a:xfrm>
-            <a:off x="201612" y="875506"/>
-            <a:ext cx="8382000" cy="4524315"/>
+        </p:nvPicPr>
+        <p:blipFill>
+          <a:blip r:embed="rId2">
+            <a:extLst>
+              <a:ext uri="{28A0092B-C50C-407E-A947-70E740481C1C}">
+                <a14:useLocalDpi xmlns:a14="http://schemas.microsoft.com/office/drawing/2010/main" val="0"/>
+              </a:ext>
+            </a:extLst>
+          </a:blip>
+          <a:srcRect/>
+          <a:stretch>
+            <a:fillRect/>
+          </a:stretch>
+        </p:blipFill>
+        <p:spPr bwMode="auto">
+          <a:xfrm>
+            <a:off x="1268412" y="951706"/>
+            <a:ext cx="6934201" cy="3906044"/>
           </a:xfrm>
           <a:prstGeom prst="rect">
             <a:avLst/>
           </a:prstGeom>
           <a:noFill/>
-        </p:spPr>
-        <p:txBody>
-          <a:bodyPr wrap="square" rtlCol="0">
-            <a:spAutoFit/>
-          </a:bodyPr>
-          <a:lstStyle/>
-          <a:p>
-            <a:r>
-              <a:rPr lang="en-GB" sz="1200" b="1" dirty="0"/>
-              <a:t>a. Multivariate Analysis</a:t>
-            </a:r>
-          </a:p>
-          <a:p>
-            <a:r>
-              <a:rPr lang="en-GB" sz="1200" dirty="0"/>
-              <a:t>For instance, consider a person wishes to buy stock in bulk. So he or she would weigh various factors like price and quantity or price and quality etc. The multivariate analysis does the same thing. It detects and analyses various statistical variables of an outcome at the same time. A technique is used in this analysis. It uses various studies which depict the effect of variable factors on one single result. It includes analysis of factor analysis, bivariate analysis, and multiple </a:t>
-            </a:r>
-            <a:r>
-              <a:rPr lang="en-GB" sz="1200" b="1" dirty="0">
-                <a:hlinkClick r:id="rId2"/>
-              </a:rPr>
-              <a:t>regressions</a:t>
-            </a:r>
-            <a:r>
-              <a:rPr lang="en-GB" sz="1200" dirty="0"/>
-              <a:t>.</a:t>
-            </a:r>
-          </a:p>
-          <a:p>
-            <a:r>
-              <a:rPr lang="en-GB" sz="1200" b="1" dirty="0">
-                <a:hlinkClick r:id="rId3"/>
-              </a:rPr>
-              <a:t>Let’s Discuss SAS One Way ANOVA – SAS PROC ANOVA</a:t>
-            </a:r>
-            <a:endParaRPr lang="en-GB" sz="1200" dirty="0"/>
-          </a:p>
-          <a:p>
-            <a:r>
-              <a:rPr lang="en-GB" sz="1200" b="1" dirty="0"/>
-              <a:t>b. Business Intelligence</a:t>
-            </a:r>
-          </a:p>
-          <a:p>
-            <a:r>
-              <a:rPr lang="en-GB" sz="1200" dirty="0"/>
-              <a:t>It refers to strategies and technologies used by any enterprise for data analysis of business information. It provides insights regarding predictive, current and historical views of business working. The analysis of data helps the senior board with scope for decision making. These technologies include reporting, </a:t>
-            </a:r>
-            <a:r>
-              <a:rPr lang="en-GB" sz="1200" b="1" dirty="0">
-                <a:hlinkClick r:id="rId4"/>
-              </a:rPr>
-              <a:t>data mining</a:t>
-            </a:r>
-            <a:r>
-              <a:rPr lang="en-GB" sz="1200" dirty="0"/>
-              <a:t>, process mining, complex event processing, benchmarking etc.</a:t>
-            </a:r>
-          </a:p>
-          <a:p>
-            <a:r>
-              <a:rPr lang="en-GB" sz="1200" b="1" dirty="0"/>
-              <a:t>c. Predictive Analytics</a:t>
-            </a:r>
-          </a:p>
-          <a:p>
-            <a:r>
-              <a:rPr lang="en-GB" sz="1200" dirty="0"/>
-              <a:t>As the name suggests it uses already available data to predict the future. It uses various statistical techniques to draw inferences. For instance, in a company, the trend in sales of product A has been constant over years. So, it suggests non-changing demand of the product. But for product B with changing demand every month. It analyses all the factors causing the variation, hidden inferences in text, customer thought process etc. Here predictive model exploits patterns found in historical data to identify risk.</a:t>
-            </a:r>
-          </a:p>
-          <a:p>
-            <a:r>
-              <a:rPr lang="en-GB" sz="1200" b="1" dirty="0">
-                <a:hlinkClick r:id="rId5"/>
-              </a:rPr>
-              <a:t>Read a new Topic – SAS Repeated Measure Analysis</a:t>
-            </a:r>
-            <a:endParaRPr lang="en-GB" sz="1200" dirty="0"/>
-          </a:p>
-          <a:p>
-            <a:r>
-              <a:rPr lang="en-GB" sz="1200" b="1" dirty="0"/>
-              <a:t>d. Creating Safe Drugs &amp; Clinical Research and Forecasting</a:t>
-            </a:r>
-          </a:p>
-          <a:p>
-            <a:r>
-              <a:rPr lang="en-GB" sz="1200" dirty="0"/>
-              <a:t>Diagnosis and prognosis are a very critical element of medicine. They should always be very precise and accurate. SAS has played a revolutionary role in the field of medicine. It is used in clinical decision making support system. This is used to monitor whether patients are at risk. They are even used to find small opportunities for improvement in the condition of a patient.</a:t>
-            </a:r>
-          </a:p>
-          <a:p>
-            <a:r>
-              <a:rPr lang="en-GB" sz="1200" dirty="0"/>
-              <a:t>SAS is a 4GL language. The main SAS application is to minimize programming efforts and reduce the time and money required to develop software.</a:t>
-            </a:r>
-          </a:p>
-          <a:p>
-            <a:r>
-              <a:rPr lang="en-GB" sz="1200" dirty="0"/>
-              <a:t>So, this was all about SAS Applications. Hope you like our explanation.</a:t>
-            </a:r>
-          </a:p>
-          <a:p>
-            <a:endParaRPr lang="en-GB" sz="1200" dirty="0"/>
-          </a:p>
-        </p:txBody>
-      </p:sp>
+          <a:extLst>
+            <a:ext uri="{909E8E84-426E-40DD-AFC4-6F175D3DCCD1}">
+              <a14:hiddenFill xmlns:a14="http://schemas.microsoft.com/office/drawing/2010/main">
+                <a:solidFill>
+                  <a:srgbClr val="FFFFFF"/>
+                </a:solidFill>
+              </a14:hiddenFill>
+            </a:ext>
+          </a:extLst>
+        </p:spPr>
+      </p:pic>
     </p:spTree>
     <p:extLst>
       <p:ext uri="{BB962C8B-B14F-4D97-AF65-F5344CB8AC3E}">
-        <p14:creationId xmlns:p14="http://schemas.microsoft.com/office/powerpoint/2010/main" val="9462830"/>
+        <p14:creationId xmlns:p14="http://schemas.microsoft.com/office/powerpoint/2010/main" val="637193032"/>
       </p:ext>
     </p:extLst>
   </p:cSld>
@@ -12273,7 +12067,7 @@
       </p:sp>
       <p:pic>
         <p:nvPicPr>
-          <p:cNvPr id="3074" name="Picture 2" descr="\\s81dsp01data01\ACIS-Udrive\Users\t10313\AILP Batch4\Images\sas applications.jpg"/>
+          <p:cNvPr id="2051" name="Picture 3" descr="\\s81dsp01data01\ACIS-Udrive\Users\t10313\AILP Batch4\Images\sas.jpg"/>
           <p:cNvPicPr>
             <a:picLocks noChangeAspect="1" noChangeArrowheads="1"/>
           </p:cNvPicPr>
@@ -12294,8 +12088,8 @@
         </p:blipFill>
         <p:spPr bwMode="auto">
           <a:xfrm>
-            <a:off x="1268412" y="951706"/>
-            <a:ext cx="6934201" cy="3906044"/>
+            <a:off x="3249613" y="1484313"/>
+            <a:ext cx="2286000" cy="2286000"/>
           </a:xfrm>
           <a:prstGeom prst="rect">
             <a:avLst/>
@@ -12315,7 +12109,7 @@
     </p:spTree>
     <p:extLst>
       <p:ext uri="{BB962C8B-B14F-4D97-AF65-F5344CB8AC3E}">
-        <p14:creationId xmlns:p14="http://schemas.microsoft.com/office/powerpoint/2010/main" val="637193032"/>
+        <p14:creationId xmlns:p14="http://schemas.microsoft.com/office/powerpoint/2010/main" val="1373631645"/>
       </p:ext>
     </p:extLst>
   </p:cSld>
@@ -12351,7 +12145,7 @@
       </p:grpSpPr>
       <p:sp>
         <p:nvSpPr>
-          <p:cNvPr id="11" name="Textplatzhalter 10"/>
+          <p:cNvPr id="9" name="Textplatzhalter 8"/>
           <p:cNvSpPr>
             <a:spLocks noGrp="1"/>
           </p:cNvSpPr>
@@ -12359,90 +12153,110 @@
             <p:ph type="body" sz="quarter" idx="19"/>
           </p:nvPr>
         </p:nvSpPr>
+        <p:spPr/>
+        <p:txBody>
+          <a:bodyPr/>
+          <a:lstStyle/>
+          <a:p>
+            <a:pPr marL="0" indent="0">
+              <a:buNone/>
+            </a:pPr>
+            <a:endParaRPr lang="de-DE" dirty="0"/>
+          </a:p>
+        </p:txBody>
+      </p:sp>
+      <p:pic>
+        <p:nvPicPr>
+          <p:cNvPr id="49" name="Grafik 8"/>
+          <p:cNvPicPr>
+            <a:picLocks noChangeAspect="1"/>
+          </p:cNvPicPr>
+          <p:nvPr/>
+        </p:nvPicPr>
+        <p:blipFill>
+          <a:blip r:embed="rId2">
+            <a:alphaModFix amt="45000"/>
+            <a:duotone>
+              <a:prstClr val="black"/>
+              <a:schemeClr val="tx2">
+                <a:tint val="45000"/>
+                <a:satMod val="400000"/>
+              </a:schemeClr>
+            </a:duotone>
+          </a:blip>
+          <a:stretch>
+            <a:fillRect/>
+          </a:stretch>
+        </p:blipFill>
         <p:spPr>
           <a:xfrm>
-            <a:off x="0" y="8016"/>
-            <a:ext cx="7974008" cy="676049"/>
-          </a:xfrm>
-          <a:solidFill>
-            <a:schemeClr val="tx2">
-              <a:lumMod val="20000"/>
-              <a:lumOff val="80000"/>
-            </a:schemeClr>
-          </a:solidFill>
-          <a:ln>
-            <a:solidFill>
-              <a:schemeClr val="tx2">
-                <a:lumMod val="20000"/>
-                <a:lumOff val="80000"/>
-              </a:schemeClr>
-            </a:solidFill>
-          </a:ln>
-        </p:spPr>
-        <p:txBody>
-          <a:bodyPr/>
-          <a:lstStyle/>
-          <a:p>
-            <a:endParaRPr lang="de-DE" dirty="0"/>
-          </a:p>
-        </p:txBody>
-      </p:sp>
-      <p:sp>
-        <p:nvSpPr>
-          <p:cNvPr id="4" name="Foliennummernplatzhalter 3"/>
-          <p:cNvSpPr>
-            <a:spLocks noGrp="1"/>
-          </p:cNvSpPr>
-          <p:nvPr>
-            <p:ph type="sldNum" sz="quarter" idx="12"/>
-          </p:nvPr>
-        </p:nvSpPr>
-        <p:spPr/>
-        <p:txBody>
-          <a:bodyPr/>
-          <a:lstStyle/>
-          <a:p>
-            <a:fld id="{61201FF1-C63B-412E-ABF0-3D0E918900AC}" type="slidenum">
-              <a:rPr lang="en-GB" smtClean="0"/>
-              <a:pPr/>
-              <a:t>36</a:t>
-            </a:fld>
-            <a:endParaRPr lang="en-GB" dirty="0"/>
-          </a:p>
-        </p:txBody>
-      </p:sp>
-      <p:sp>
-        <p:nvSpPr>
-          <p:cNvPr id="2" name="Rectangle 1"/>
-          <p:cNvSpPr/>
-          <p:nvPr/>
-        </p:nvSpPr>
-        <p:spPr>
-          <a:xfrm>
-            <a:off x="2226571" y="2442647"/>
-            <a:ext cx="4332083" cy="369332"/>
+            <a:off x="4392613" y="421526"/>
+            <a:ext cx="4392612" cy="4834689"/>
           </a:xfrm>
           <a:prstGeom prst="rect">
             <a:avLst/>
           </a:prstGeom>
         </p:spPr>
-        <p:txBody>
-          <a:bodyPr wrap="none">
+      </p:pic>
+      <p:sp>
+        <p:nvSpPr>
+          <p:cNvPr id="5" name="TextBox 4"/>
+          <p:cNvSpPr txBox="1"/>
+          <p:nvPr/>
+        </p:nvSpPr>
+        <p:spPr>
+          <a:xfrm>
+            <a:off x="735012" y="615117"/>
+            <a:ext cx="2362200" cy="1792770"/>
+          </a:xfrm>
+          <a:prstGeom prst="rect">
+            <a:avLst/>
+          </a:prstGeom>
+          <a:noFill/>
+        </p:spPr>
+        <p:txBody>
+          <a:bodyPr wrap="square" rtlCol="0">
             <a:spAutoFit/>
           </a:bodyPr>
           <a:lstStyle/>
           <a:p>
-            <a:r>
-              <a:rPr lang="en-GB" dirty="0"/>
-              <a:t>https://data-flair.training/blogs/sas-tutorial/</a:t>
-            </a:r>
+            <a:pPr algn="ctr"/>
+            <a:r>
+              <a:rPr lang="en-GB" sz="5400" b="1" dirty="0" smtClean="0">
+                <a:solidFill>
+                  <a:schemeClr val="bg1"/>
+                </a:solidFill>
+                <a:latin typeface="Allianz Serif" pitchFamily="50" charset="0"/>
+                <a:cs typeface="Times New Roman" panose="02020603050405020304" pitchFamily="18" charset="0"/>
+              </a:rPr>
+              <a:t>08</a:t>
+            </a:r>
+          </a:p>
+          <a:p>
+            <a:r>
+              <a:rPr lang="en-GB" sz="5400" b="1" dirty="0" smtClean="0">
+                <a:solidFill>
+                  <a:schemeClr val="bg1"/>
+                </a:solidFill>
+                <a:latin typeface="Allianz Serif" pitchFamily="50" charset="0"/>
+                <a:cs typeface="Times New Roman" panose="02020603050405020304" pitchFamily="18" charset="0"/>
+              </a:rPr>
+              <a:t>Claims</a:t>
+            </a:r>
+            <a:endParaRPr lang="en-GB" sz="5400" b="1" dirty="0">
+              <a:solidFill>
+                <a:schemeClr val="bg1"/>
+              </a:solidFill>
+              <a:latin typeface="Allianz Serif" pitchFamily="50" charset="0"/>
+              <a:cs typeface="Times New Roman" panose="02020603050405020304" pitchFamily="18" charset="0"/>
+            </a:endParaRPr>
           </a:p>
         </p:txBody>
       </p:sp>
     </p:spTree>
     <p:extLst>
       <p:ext uri="{BB962C8B-B14F-4D97-AF65-F5344CB8AC3E}">
-        <p14:creationId xmlns:p14="http://schemas.microsoft.com/office/powerpoint/2010/main" val="637193032"/>
+        <p14:creationId xmlns:p14="http://schemas.microsoft.com/office/powerpoint/2010/main" val="680084884"/>
       </p:ext>
     </p:extLst>
   </p:cSld>
@@ -12541,7 +12355,7 @@
     </p:spTree>
     <p:extLst>
       <p:ext uri="{BB962C8B-B14F-4D97-AF65-F5344CB8AC3E}">
-        <p14:creationId xmlns:p14="http://schemas.microsoft.com/office/powerpoint/2010/main" val="637193032"/>
+        <p14:creationId xmlns:p14="http://schemas.microsoft.com/office/powerpoint/2010/main" val="1462879094"/>
       </p:ext>
     </p:extLst>
   </p:cSld>
@@ -12577,7 +12391,7 @@
       </p:grpSpPr>
       <p:sp>
         <p:nvSpPr>
-          <p:cNvPr id="11" name="Textplatzhalter 10"/>
+          <p:cNvPr id="9" name="Textplatzhalter 8"/>
           <p:cNvSpPr>
             <a:spLocks noGrp="1"/>
           </p:cNvSpPr>
@@ -12585,103 +12399,110 @@
             <p:ph type="body" sz="quarter" idx="19"/>
           </p:nvPr>
         </p:nvSpPr>
-        <p:spPr>
-          <a:xfrm>
-            <a:off x="0" y="8016"/>
-            <a:ext cx="7974008" cy="676049"/>
-          </a:xfrm>
-          <a:solidFill>
-            <a:schemeClr val="tx2">
-              <a:lumMod val="20000"/>
-              <a:lumOff val="80000"/>
-            </a:schemeClr>
-          </a:solidFill>
-          <a:ln>
-            <a:solidFill>
-              <a:schemeClr val="tx2">
-                <a:lumMod val="20000"/>
-                <a:lumOff val="80000"/>
-              </a:schemeClr>
-            </a:solidFill>
-          </a:ln>
-        </p:spPr>
+        <p:spPr/>
         <p:txBody>
           <a:bodyPr/>
           <a:lstStyle/>
           <a:p>
+            <a:pPr marL="0" indent="0">
+              <a:buNone/>
+            </a:pPr>
             <a:endParaRPr lang="de-DE" dirty="0"/>
-          </a:p>
-        </p:txBody>
-      </p:sp>
-      <p:sp>
-        <p:nvSpPr>
-          <p:cNvPr id="4" name="Foliennummernplatzhalter 3"/>
-          <p:cNvSpPr>
-            <a:spLocks noGrp="1"/>
-          </p:cNvSpPr>
-          <p:nvPr>
-            <p:ph type="sldNum" sz="quarter" idx="12"/>
-          </p:nvPr>
-        </p:nvSpPr>
-        <p:spPr/>
-        <p:txBody>
-          <a:bodyPr/>
-          <a:lstStyle/>
-          <a:p>
-            <a:fld id="{61201FF1-C63B-412E-ABF0-3D0E918900AC}" type="slidenum">
-              <a:rPr lang="en-GB" smtClean="0"/>
-              <a:pPr/>
-              <a:t>38</a:t>
-            </a:fld>
-            <a:endParaRPr lang="en-GB" dirty="0"/>
           </a:p>
         </p:txBody>
       </p:sp>
       <p:pic>
         <p:nvPicPr>
-          <p:cNvPr id="2051" name="Picture 3" descr="\\s81dsp01data01\ACIS-Udrive\Users\t10313\AILP Batch4\Images\sas.jpg"/>
+          <p:cNvPr id="49" name="Grafik 8"/>
           <p:cNvPicPr>
-            <a:picLocks noChangeAspect="1" noChangeArrowheads="1"/>
+            <a:picLocks noChangeAspect="1"/>
           </p:cNvPicPr>
           <p:nvPr/>
         </p:nvPicPr>
         <p:blipFill>
           <a:blip r:embed="rId2">
-            <a:extLst>
-              <a:ext uri="{28A0092B-C50C-407E-A947-70E740481C1C}">
-                <a14:useLocalDpi xmlns:a14="http://schemas.microsoft.com/office/drawing/2010/main" val="0"/>
-              </a:ext>
-            </a:extLst>
+            <a:alphaModFix amt="45000"/>
+            <a:duotone>
+              <a:prstClr val="black"/>
+              <a:schemeClr val="tx2">
+                <a:tint val="45000"/>
+                <a:satMod val="400000"/>
+              </a:schemeClr>
+            </a:duotone>
           </a:blip>
-          <a:srcRect/>
           <a:stretch>
             <a:fillRect/>
           </a:stretch>
         </p:blipFill>
-        <p:spPr bwMode="auto">
-          <a:xfrm>
-            <a:off x="3249613" y="1484313"/>
-            <a:ext cx="2286000" cy="2286000"/>
+        <p:spPr>
+          <a:xfrm>
+            <a:off x="4392613" y="421526"/>
+            <a:ext cx="4392612" cy="4834689"/>
+          </a:xfrm>
+          <a:prstGeom prst="rect">
+            <a:avLst/>
+          </a:prstGeom>
+        </p:spPr>
+      </p:pic>
+      <p:sp>
+        <p:nvSpPr>
+          <p:cNvPr id="5" name="TextBox 4"/>
+          <p:cNvSpPr txBox="1"/>
+          <p:nvPr/>
+        </p:nvSpPr>
+        <p:spPr>
+          <a:xfrm>
+            <a:off x="506412" y="615117"/>
+            <a:ext cx="4572000" cy="1792770"/>
           </a:xfrm>
           <a:prstGeom prst="rect">
             <a:avLst/>
           </a:prstGeom>
           <a:noFill/>
-          <a:extLst>
-            <a:ext uri="{909E8E84-426E-40DD-AFC4-6F175D3DCCD1}">
-              <a14:hiddenFill xmlns:a14="http://schemas.microsoft.com/office/drawing/2010/main">
+        </p:spPr>
+        <p:txBody>
+          <a:bodyPr wrap="square" rtlCol="0">
+            <a:spAutoFit/>
+          </a:bodyPr>
+          <a:lstStyle/>
+          <a:p>
+            <a:pPr algn="ctr"/>
+            <a:r>
+              <a:rPr lang="en-GB" sz="5400" b="1" dirty="0" smtClean="0">
                 <a:solidFill>
-                  <a:srgbClr val="FFFFFF"/>
+                  <a:schemeClr val="bg1"/>
                 </a:solidFill>
-              </a14:hiddenFill>
-            </a:ext>
-          </a:extLst>
-        </p:spPr>
-      </p:pic>
+                <a:latin typeface="Allianz Serif" pitchFamily="50" charset="0"/>
+                <a:cs typeface="Times New Roman" panose="02020603050405020304" pitchFamily="18" charset="0"/>
+              </a:rPr>
+              <a:t>09</a:t>
+            </a:r>
+          </a:p>
+          <a:p>
+            <a:r>
+              <a:rPr lang="en-GB" sz="5400" b="1" dirty="0" smtClean="0">
+                <a:solidFill>
+                  <a:schemeClr val="bg1"/>
+                </a:solidFill>
+                <a:latin typeface="Allianz Serif" pitchFamily="50" charset="0"/>
+                <a:cs typeface="Times New Roman" panose="02020603050405020304" pitchFamily="18" charset="0"/>
+              </a:rPr>
+              <a:t>Participations</a:t>
+            </a:r>
+            <a:endParaRPr lang="en-GB" sz="5400" b="1" dirty="0">
+              <a:solidFill>
+                <a:schemeClr val="bg1"/>
+              </a:solidFill>
+              <a:latin typeface="Allianz Serif" pitchFamily="50" charset="0"/>
+              <a:cs typeface="Times New Roman" panose="02020603050405020304" pitchFamily="18" charset="0"/>
+            </a:endParaRPr>
+          </a:p>
+        </p:txBody>
+      </p:sp>
     </p:spTree>
     <p:extLst>
       <p:ext uri="{BB962C8B-B14F-4D97-AF65-F5344CB8AC3E}">
-        <p14:creationId xmlns:p14="http://schemas.microsoft.com/office/powerpoint/2010/main" val="1373631645"/>
+        <p14:creationId xmlns:p14="http://schemas.microsoft.com/office/powerpoint/2010/main" val="680084884"/>
       </p:ext>
     </p:extLst>
   </p:cSld>
@@ -12717,7 +12538,7 @@
       </p:grpSpPr>
       <p:sp>
         <p:nvSpPr>
-          <p:cNvPr id="9" name="Textplatzhalter 8"/>
+          <p:cNvPr id="11" name="Textplatzhalter 10"/>
           <p:cNvSpPr>
             <a:spLocks noGrp="1"/>
           </p:cNvSpPr>
@@ -12725,110 +12546,62 @@
             <p:ph type="body" sz="quarter" idx="19"/>
           </p:nvPr>
         </p:nvSpPr>
+        <p:spPr>
+          <a:xfrm>
+            <a:off x="0" y="8016"/>
+            <a:ext cx="7974008" cy="676049"/>
+          </a:xfrm>
+          <a:solidFill>
+            <a:schemeClr val="tx2">
+              <a:lumMod val="20000"/>
+              <a:lumOff val="80000"/>
+            </a:schemeClr>
+          </a:solidFill>
+          <a:ln>
+            <a:solidFill>
+              <a:schemeClr val="tx2">
+                <a:lumMod val="20000"/>
+                <a:lumOff val="80000"/>
+              </a:schemeClr>
+            </a:solidFill>
+          </a:ln>
+        </p:spPr>
+        <p:txBody>
+          <a:bodyPr/>
+          <a:lstStyle/>
+          <a:p>
+            <a:endParaRPr lang="de-DE" dirty="0"/>
+          </a:p>
+        </p:txBody>
+      </p:sp>
+      <p:sp>
+        <p:nvSpPr>
+          <p:cNvPr id="4" name="Foliennummernplatzhalter 3"/>
+          <p:cNvSpPr>
+            <a:spLocks noGrp="1"/>
+          </p:cNvSpPr>
+          <p:nvPr>
+            <p:ph type="sldNum" sz="quarter" idx="12"/>
+          </p:nvPr>
+        </p:nvSpPr>
         <p:spPr/>
         <p:txBody>
           <a:bodyPr/>
           <a:lstStyle/>
           <a:p>
-            <a:pPr marL="0" indent="0">
-              <a:buNone/>
-            </a:pPr>
-            <a:endParaRPr lang="de-DE" dirty="0"/>
-          </a:p>
-        </p:txBody>
-      </p:sp>
-      <p:pic>
-        <p:nvPicPr>
-          <p:cNvPr id="49" name="Grafik 8"/>
-          <p:cNvPicPr>
-            <a:picLocks noChangeAspect="1"/>
-          </p:cNvPicPr>
-          <p:nvPr/>
-        </p:nvPicPr>
-        <p:blipFill>
-          <a:blip r:embed="rId2">
-            <a:alphaModFix amt="45000"/>
-            <a:duotone>
-              <a:prstClr val="black"/>
-              <a:schemeClr val="tx2">
-                <a:tint val="45000"/>
-                <a:satMod val="400000"/>
-              </a:schemeClr>
-            </a:duotone>
-          </a:blip>
-          <a:stretch>
-            <a:fillRect/>
-          </a:stretch>
-        </p:blipFill>
-        <p:spPr>
-          <a:xfrm>
-            <a:off x="4392613" y="421526"/>
-            <a:ext cx="4392612" cy="4834689"/>
-          </a:xfrm>
-          <a:prstGeom prst="rect">
-            <a:avLst/>
-          </a:prstGeom>
-        </p:spPr>
-      </p:pic>
-      <p:sp>
-        <p:nvSpPr>
-          <p:cNvPr id="5" name="TextBox 4"/>
-          <p:cNvSpPr txBox="1"/>
-          <p:nvPr/>
-        </p:nvSpPr>
-        <p:spPr>
-          <a:xfrm>
-            <a:off x="735012" y="615117"/>
-            <a:ext cx="2362200" cy="1792770"/>
-          </a:xfrm>
-          <a:prstGeom prst="rect">
-            <a:avLst/>
-          </a:prstGeom>
-          <a:noFill/>
-        </p:spPr>
-        <p:txBody>
-          <a:bodyPr wrap="square" rtlCol="0">
-            <a:spAutoFit/>
-          </a:bodyPr>
-          <a:lstStyle/>
-          <a:p>
-            <a:pPr algn="ctr"/>
-            <a:r>
-              <a:rPr lang="en-GB" sz="5400" b="1" dirty="0" smtClean="0">
-                <a:solidFill>
-                  <a:schemeClr val="bg1"/>
-                </a:solidFill>
-                <a:latin typeface="Allianz Serif" pitchFamily="50" charset="0"/>
-                <a:cs typeface="Times New Roman" panose="02020603050405020304" pitchFamily="18" charset="0"/>
-              </a:rPr>
-              <a:t>08</a:t>
-            </a:r>
-          </a:p>
-          <a:p>
-            <a:r>
-              <a:rPr lang="en-GB" sz="5400" b="1" dirty="0" smtClean="0">
-                <a:solidFill>
-                  <a:schemeClr val="bg1"/>
-                </a:solidFill>
-                <a:latin typeface="Allianz Serif" pitchFamily="50" charset="0"/>
-                <a:cs typeface="Times New Roman" panose="02020603050405020304" pitchFamily="18" charset="0"/>
-              </a:rPr>
-              <a:t>Claims</a:t>
-            </a:r>
-            <a:endParaRPr lang="en-GB" sz="5400" b="1" dirty="0">
-              <a:solidFill>
-                <a:schemeClr val="bg1"/>
-              </a:solidFill>
-              <a:latin typeface="Allianz Serif" pitchFamily="50" charset="0"/>
-              <a:cs typeface="Times New Roman" panose="02020603050405020304" pitchFamily="18" charset="0"/>
-            </a:endParaRPr>
+            <a:fld id="{61201FF1-C63B-412E-ABF0-3D0E918900AC}" type="slidenum">
+              <a:rPr lang="en-GB" smtClean="0"/>
+              <a:pPr/>
+              <a:t>39</a:t>
+            </a:fld>
+            <a:endParaRPr lang="en-GB" dirty="0"/>
           </a:p>
         </p:txBody>
       </p:sp>
     </p:spTree>
     <p:extLst>
       <p:ext uri="{BB962C8B-B14F-4D97-AF65-F5344CB8AC3E}">
-        <p14:creationId xmlns:p14="http://schemas.microsoft.com/office/powerpoint/2010/main" val="680084884"/>
+        <p14:creationId xmlns:p14="http://schemas.microsoft.com/office/powerpoint/2010/main" val="1462879094"/>
       </p:ext>
     </p:extLst>
   </p:cSld>
@@ -13004,44 +12777,6 @@
       </p:grpSpPr>
       <p:sp>
         <p:nvSpPr>
-          <p:cNvPr id="11" name="Textplatzhalter 10"/>
-          <p:cNvSpPr>
-            <a:spLocks noGrp="1"/>
-          </p:cNvSpPr>
-          <p:nvPr>
-            <p:ph type="body" sz="quarter" idx="19"/>
-          </p:nvPr>
-        </p:nvSpPr>
-        <p:spPr>
-          <a:xfrm>
-            <a:off x="0" y="8016"/>
-            <a:ext cx="7974008" cy="676049"/>
-          </a:xfrm>
-          <a:solidFill>
-            <a:schemeClr val="tx2">
-              <a:lumMod val="20000"/>
-              <a:lumOff val="80000"/>
-            </a:schemeClr>
-          </a:solidFill>
-          <a:ln>
-            <a:solidFill>
-              <a:schemeClr val="tx2">
-                <a:lumMod val="20000"/>
-                <a:lumOff val="80000"/>
-              </a:schemeClr>
-            </a:solidFill>
-          </a:ln>
-        </p:spPr>
-        <p:txBody>
-          <a:bodyPr/>
-          <a:lstStyle/>
-          <a:p>
-            <a:endParaRPr lang="de-DE" dirty="0"/>
-          </a:p>
-        </p:txBody>
-      </p:sp>
-      <p:sp>
-        <p:nvSpPr>
           <p:cNvPr id="4" name="Foliennummernplatzhalter 3"/>
           <p:cNvSpPr>
             <a:spLocks noGrp="1"/>
@@ -13059,313 +12794,6 @@
               <a:rPr lang="en-GB" smtClean="0"/>
               <a:pPr/>
               <a:t>40</a:t>
-            </a:fld>
-            <a:endParaRPr lang="en-GB" dirty="0"/>
-          </a:p>
-        </p:txBody>
-      </p:sp>
-    </p:spTree>
-    <p:extLst>
-      <p:ext uri="{BB962C8B-B14F-4D97-AF65-F5344CB8AC3E}">
-        <p14:creationId xmlns:p14="http://schemas.microsoft.com/office/powerpoint/2010/main" val="1462879094"/>
-      </p:ext>
-    </p:extLst>
-  </p:cSld>
-  <p:clrMapOvr>
-    <a:masterClrMapping/>
-  </p:clrMapOvr>
-  <p:timing>
-    <p:tnLst>
-      <p:par>
-        <p:cTn id="1" dur="indefinite" restart="never" nodeType="tmRoot"/>
-      </p:par>
-    </p:tnLst>
-  </p:timing>
-</p:sld>
-</file>
-
-<file path=ppt/slides/slide41.xml><?xml version="1.0" encoding="utf-8"?>
-<p:sld xmlns:a="http://schemas.openxmlformats.org/drawingml/2006/main" xmlns:r="http://schemas.openxmlformats.org/officeDocument/2006/relationships" xmlns:p="http://schemas.openxmlformats.org/presentationml/2006/main">
-  <p:cSld>
-    <p:spTree>
-      <p:nvGrpSpPr>
-        <p:cNvPr id="1" name=""/>
-        <p:cNvGrpSpPr/>
-        <p:nvPr/>
-      </p:nvGrpSpPr>
-      <p:grpSpPr>
-        <a:xfrm>
-          <a:off x="0" y="0"/>
-          <a:ext cx="0" cy="0"/>
-          <a:chOff x="0" y="0"/>
-          <a:chExt cx="0" cy="0"/>
-        </a:xfrm>
-      </p:grpSpPr>
-      <p:sp>
-        <p:nvSpPr>
-          <p:cNvPr id="9" name="Textplatzhalter 8"/>
-          <p:cNvSpPr>
-            <a:spLocks noGrp="1"/>
-          </p:cNvSpPr>
-          <p:nvPr>
-            <p:ph type="body" sz="quarter" idx="19"/>
-          </p:nvPr>
-        </p:nvSpPr>
-        <p:spPr/>
-        <p:txBody>
-          <a:bodyPr/>
-          <a:lstStyle/>
-          <a:p>
-            <a:pPr marL="0" indent="0">
-              <a:buNone/>
-            </a:pPr>
-            <a:endParaRPr lang="de-DE" dirty="0"/>
-          </a:p>
-        </p:txBody>
-      </p:sp>
-      <p:pic>
-        <p:nvPicPr>
-          <p:cNvPr id="49" name="Grafik 8"/>
-          <p:cNvPicPr>
-            <a:picLocks noChangeAspect="1"/>
-          </p:cNvPicPr>
-          <p:nvPr/>
-        </p:nvPicPr>
-        <p:blipFill>
-          <a:blip r:embed="rId2">
-            <a:alphaModFix amt="45000"/>
-            <a:duotone>
-              <a:prstClr val="black"/>
-              <a:schemeClr val="tx2">
-                <a:tint val="45000"/>
-                <a:satMod val="400000"/>
-              </a:schemeClr>
-            </a:duotone>
-          </a:blip>
-          <a:stretch>
-            <a:fillRect/>
-          </a:stretch>
-        </p:blipFill>
-        <p:spPr>
-          <a:xfrm>
-            <a:off x="4392613" y="421526"/>
-            <a:ext cx="4392612" cy="4834689"/>
-          </a:xfrm>
-          <a:prstGeom prst="rect">
-            <a:avLst/>
-          </a:prstGeom>
-        </p:spPr>
-      </p:pic>
-      <p:sp>
-        <p:nvSpPr>
-          <p:cNvPr id="5" name="TextBox 4"/>
-          <p:cNvSpPr txBox="1"/>
-          <p:nvPr/>
-        </p:nvSpPr>
-        <p:spPr>
-          <a:xfrm>
-            <a:off x="506412" y="615117"/>
-            <a:ext cx="4572000" cy="1792770"/>
-          </a:xfrm>
-          <a:prstGeom prst="rect">
-            <a:avLst/>
-          </a:prstGeom>
-          <a:noFill/>
-        </p:spPr>
-        <p:txBody>
-          <a:bodyPr wrap="square" rtlCol="0">
-            <a:spAutoFit/>
-          </a:bodyPr>
-          <a:lstStyle/>
-          <a:p>
-            <a:pPr algn="ctr"/>
-            <a:r>
-              <a:rPr lang="en-GB" sz="5400" b="1" dirty="0" smtClean="0">
-                <a:solidFill>
-                  <a:schemeClr val="bg1"/>
-                </a:solidFill>
-                <a:latin typeface="Allianz Serif" pitchFamily="50" charset="0"/>
-                <a:cs typeface="Times New Roman" panose="02020603050405020304" pitchFamily="18" charset="0"/>
-              </a:rPr>
-              <a:t>09</a:t>
-            </a:r>
-          </a:p>
-          <a:p>
-            <a:r>
-              <a:rPr lang="en-GB" sz="5400" b="1" dirty="0" smtClean="0">
-                <a:solidFill>
-                  <a:schemeClr val="bg1"/>
-                </a:solidFill>
-                <a:latin typeface="Allianz Serif" pitchFamily="50" charset="0"/>
-                <a:cs typeface="Times New Roman" panose="02020603050405020304" pitchFamily="18" charset="0"/>
-              </a:rPr>
-              <a:t>Participations</a:t>
-            </a:r>
-            <a:endParaRPr lang="en-GB" sz="5400" b="1" dirty="0">
-              <a:solidFill>
-                <a:schemeClr val="bg1"/>
-              </a:solidFill>
-              <a:latin typeface="Allianz Serif" pitchFamily="50" charset="0"/>
-              <a:cs typeface="Times New Roman" panose="02020603050405020304" pitchFamily="18" charset="0"/>
-            </a:endParaRPr>
-          </a:p>
-        </p:txBody>
-      </p:sp>
-    </p:spTree>
-    <p:extLst>
-      <p:ext uri="{BB962C8B-B14F-4D97-AF65-F5344CB8AC3E}">
-        <p14:creationId xmlns:p14="http://schemas.microsoft.com/office/powerpoint/2010/main" val="680084884"/>
-      </p:ext>
-    </p:extLst>
-  </p:cSld>
-  <p:clrMapOvr>
-    <a:masterClrMapping/>
-  </p:clrMapOvr>
-  <p:timing>
-    <p:tnLst>
-      <p:par>
-        <p:cTn id="1" dur="indefinite" restart="never" nodeType="tmRoot"/>
-      </p:par>
-    </p:tnLst>
-  </p:timing>
-</p:sld>
-</file>
-
-<file path=ppt/slides/slide42.xml><?xml version="1.0" encoding="utf-8"?>
-<p:sld xmlns:a="http://schemas.openxmlformats.org/drawingml/2006/main" xmlns:r="http://schemas.openxmlformats.org/officeDocument/2006/relationships" xmlns:p="http://schemas.openxmlformats.org/presentationml/2006/main">
-  <p:cSld>
-    <p:spTree>
-      <p:nvGrpSpPr>
-        <p:cNvPr id="1" name=""/>
-        <p:cNvGrpSpPr/>
-        <p:nvPr/>
-      </p:nvGrpSpPr>
-      <p:grpSpPr>
-        <a:xfrm>
-          <a:off x="0" y="0"/>
-          <a:ext cx="0" cy="0"/>
-          <a:chOff x="0" y="0"/>
-          <a:chExt cx="0" cy="0"/>
-        </a:xfrm>
-      </p:grpSpPr>
-      <p:sp>
-        <p:nvSpPr>
-          <p:cNvPr id="11" name="Textplatzhalter 10"/>
-          <p:cNvSpPr>
-            <a:spLocks noGrp="1"/>
-          </p:cNvSpPr>
-          <p:nvPr>
-            <p:ph type="body" sz="quarter" idx="19"/>
-          </p:nvPr>
-        </p:nvSpPr>
-        <p:spPr>
-          <a:xfrm>
-            <a:off x="0" y="8016"/>
-            <a:ext cx="7974008" cy="676049"/>
-          </a:xfrm>
-          <a:solidFill>
-            <a:schemeClr val="tx2">
-              <a:lumMod val="20000"/>
-              <a:lumOff val="80000"/>
-            </a:schemeClr>
-          </a:solidFill>
-          <a:ln>
-            <a:solidFill>
-              <a:schemeClr val="tx2">
-                <a:lumMod val="20000"/>
-                <a:lumOff val="80000"/>
-              </a:schemeClr>
-            </a:solidFill>
-          </a:ln>
-        </p:spPr>
-        <p:txBody>
-          <a:bodyPr/>
-          <a:lstStyle/>
-          <a:p>
-            <a:endParaRPr lang="de-DE" dirty="0"/>
-          </a:p>
-        </p:txBody>
-      </p:sp>
-      <p:sp>
-        <p:nvSpPr>
-          <p:cNvPr id="4" name="Foliennummernplatzhalter 3"/>
-          <p:cNvSpPr>
-            <a:spLocks noGrp="1"/>
-          </p:cNvSpPr>
-          <p:nvPr>
-            <p:ph type="sldNum" sz="quarter" idx="12"/>
-          </p:nvPr>
-        </p:nvSpPr>
-        <p:spPr/>
-        <p:txBody>
-          <a:bodyPr/>
-          <a:lstStyle/>
-          <a:p>
-            <a:fld id="{61201FF1-C63B-412E-ABF0-3D0E918900AC}" type="slidenum">
-              <a:rPr lang="en-GB" smtClean="0"/>
-              <a:pPr/>
-              <a:t>42</a:t>
-            </a:fld>
-            <a:endParaRPr lang="en-GB" dirty="0"/>
-          </a:p>
-        </p:txBody>
-      </p:sp>
-    </p:spTree>
-    <p:extLst>
-      <p:ext uri="{BB962C8B-B14F-4D97-AF65-F5344CB8AC3E}">
-        <p14:creationId xmlns:p14="http://schemas.microsoft.com/office/powerpoint/2010/main" val="1462879094"/>
-      </p:ext>
-    </p:extLst>
-  </p:cSld>
-  <p:clrMapOvr>
-    <a:masterClrMapping/>
-  </p:clrMapOvr>
-  <p:timing>
-    <p:tnLst>
-      <p:par>
-        <p:cTn id="1" dur="indefinite" restart="never" nodeType="tmRoot"/>
-      </p:par>
-    </p:tnLst>
-  </p:timing>
-</p:sld>
-</file>
-
-<file path=ppt/slides/slide43.xml><?xml version="1.0" encoding="utf-8"?>
-<p:sld xmlns:a="http://schemas.openxmlformats.org/drawingml/2006/main" xmlns:r="http://schemas.openxmlformats.org/officeDocument/2006/relationships" xmlns:p="http://schemas.openxmlformats.org/presentationml/2006/main">
-  <p:cSld>
-    <p:spTree>
-      <p:nvGrpSpPr>
-        <p:cNvPr id="1" name=""/>
-        <p:cNvGrpSpPr/>
-        <p:nvPr/>
-      </p:nvGrpSpPr>
-      <p:grpSpPr>
-        <a:xfrm>
-          <a:off x="0" y="0"/>
-          <a:ext cx="0" cy="0"/>
-          <a:chOff x="0" y="0"/>
-          <a:chExt cx="0" cy="0"/>
-        </a:xfrm>
-      </p:grpSpPr>
-      <p:sp>
-        <p:nvSpPr>
-          <p:cNvPr id="4" name="Foliennummernplatzhalter 3"/>
-          <p:cNvSpPr>
-            <a:spLocks noGrp="1"/>
-          </p:cNvSpPr>
-          <p:nvPr>
-            <p:ph type="sldNum" sz="quarter" idx="12"/>
-          </p:nvPr>
-        </p:nvSpPr>
-        <p:spPr/>
-        <p:txBody>
-          <a:bodyPr/>
-          <a:lstStyle/>
-          <a:p>
-            <a:fld id="{61201FF1-C63B-412E-ABF0-3D0E918900AC}" type="slidenum">
-              <a:rPr lang="en-GB" smtClean="0"/>
-              <a:pPr/>
-              <a:t>43</a:t>
             </a:fld>
             <a:endParaRPr lang="en-GB" dirty="0"/>
           </a:p>
@@ -13703,14 +13131,14 @@
           <p:nvPr>
             <p:extLst>
               <p:ext uri="{D42A27DB-BD31-4B8C-83A1-F6EECF244321}">
-                <p14:modId xmlns:p14="http://schemas.microsoft.com/office/powerpoint/2010/main" val="145718212"/>
+                <p14:modId xmlns:p14="http://schemas.microsoft.com/office/powerpoint/2010/main" val="4188615938"/>
               </p:ext>
             </p:extLst>
           </p:nvPr>
         </p:nvGraphicFramePr>
         <p:xfrm>
-          <a:off x="277812" y="799306"/>
-          <a:ext cx="4191000" cy="4275510"/>
+          <a:off x="277812" y="799304"/>
+          <a:ext cx="4191000" cy="4419602"/>
         </p:xfrm>
         <a:graphic>
           <a:graphicData uri="http://schemas.openxmlformats.org/drawingml/2006/table">
@@ -13721,7 +13149,7 @@
               <a:tblGrid>
                 <a:gridCol w="4191000"/>
               </a:tblGrid>
-              <a:tr h="387927">
+              <a:tr h="431992">
                 <a:tc>
                   <a:txBody>
                     <a:bodyPr/>
@@ -13744,7 +13172,7 @@
                   <a:tcPr/>
                 </a:tc>
               </a:tr>
-              <a:tr h="387927">
+              <a:tr h="398761">
                 <a:tc>
                   <a:txBody>
                     <a:bodyPr/>
@@ -13770,7 +13198,7 @@
                   <a:tcPr/>
                 </a:tc>
               </a:tr>
-              <a:tr h="387927">
+              <a:tr h="398761">
                 <a:tc>
                   <a:txBody>
                     <a:bodyPr/>
@@ -13805,7 +13233,7 @@
                   <a:tcPr/>
                 </a:tc>
               </a:tr>
-              <a:tr h="387927">
+              <a:tr h="398761">
                 <a:tc>
                   <a:txBody>
                     <a:bodyPr/>
@@ -13840,7 +13268,7 @@
                   <a:tcPr/>
                 </a:tc>
               </a:tr>
-              <a:tr h="387927">
+              <a:tr h="398761">
                 <a:tc>
                   <a:txBody>
                     <a:bodyPr/>
@@ -13866,7 +13294,7 @@
                   <a:tcPr/>
                 </a:tc>
               </a:tr>
-              <a:tr h="387927">
+              <a:tr h="398761">
                 <a:tc>
                   <a:txBody>
                     <a:bodyPr/>
@@ -13881,7 +13309,14 @@
                           <a:latin typeface="Times New Roman" panose="02020603050405020304" pitchFamily="18" charset="0"/>
                           <a:cs typeface="Times New Roman" panose="02020603050405020304" pitchFamily="18" charset="0"/>
                         </a:rPr>
-                        <a:t>Java Script</a:t>
+                        <a:t>Java </a:t>
+                      </a:r>
+                      <a:r>
+                        <a:rPr lang="en-GB" dirty="0" smtClean="0">
+                          <a:latin typeface="Times New Roman" panose="02020603050405020304" pitchFamily="18" charset="0"/>
+                          <a:cs typeface="Times New Roman" panose="02020603050405020304" pitchFamily="18" charset="0"/>
+                        </a:rPr>
+                        <a:t>Script, Ajax</a:t>
                       </a:r>
                       <a:endParaRPr lang="en-GB" dirty="0">
                         <a:latin typeface="Times New Roman" panose="02020603050405020304" pitchFamily="18" charset="0"/>
@@ -13892,7 +13327,7 @@
                   <a:tcPr/>
                 </a:tc>
               </a:tr>
-              <a:tr h="387927">
+              <a:tr h="398761">
                 <a:tc>
                   <a:txBody>
                     <a:bodyPr/>
@@ -13918,7 +13353,7 @@
                   <a:tcPr/>
                 </a:tc>
               </a:tr>
-              <a:tr h="387927">
+              <a:tr h="398761">
                 <a:tc>
                   <a:txBody>
                     <a:bodyPr/>
@@ -13944,7 +13379,7 @@
                   <a:tcPr/>
                 </a:tc>
               </a:tr>
-              <a:tr h="387927">
+              <a:tr h="398761">
                 <a:tc>
                   <a:txBody>
                     <a:bodyPr/>
@@ -13970,7 +13405,7 @@
                   <a:tcPr/>
                 </a:tc>
               </a:tr>
-              <a:tr h="387927">
+              <a:tr h="398761">
                 <a:tc>
                   <a:txBody>
                     <a:bodyPr/>
@@ -13996,7 +13431,7 @@
                   <a:tcPr/>
                 </a:tc>
               </a:tr>
-              <a:tr h="387927">
+              <a:tr h="398761">
                 <a:tc>
                   <a:txBody>
                     <a:bodyPr/>
@@ -14011,12 +13446,15 @@
                           <a:latin typeface="Times New Roman" panose="02020603050405020304" pitchFamily="18" charset="0"/>
                           <a:cs typeface="Times New Roman" panose="02020603050405020304" pitchFamily="18" charset="0"/>
                         </a:rPr>
-                        <a:t>Basics of Insurance</a:t>
+                        <a:t>Basics of </a:t>
                       </a:r>
-                      <a:endParaRPr lang="en-GB" dirty="0">
-                        <a:latin typeface="Times New Roman" panose="02020603050405020304" pitchFamily="18" charset="0"/>
-                        <a:cs typeface="Times New Roman" panose="02020603050405020304" pitchFamily="18" charset="0"/>
-                      </a:endParaRPr>
+                      <a:r>
+                        <a:rPr lang="en-GB" dirty="0" smtClean="0">
+                          <a:latin typeface="Times New Roman" panose="02020603050405020304" pitchFamily="18" charset="0"/>
+                          <a:cs typeface="Times New Roman" panose="02020603050405020304" pitchFamily="18" charset="0"/>
+                        </a:rPr>
+                        <a:t>Insurance</a:t>
+                      </a:r>
                     </a:p>
                   </a:txBody>
                   <a:tcPr/>
@@ -14035,7 +13473,7 @@
           <p:nvPr>
             <p:extLst>
               <p:ext uri="{D42A27DB-BD31-4B8C-83A1-F6EECF244321}">
-                <p14:modId xmlns:p14="http://schemas.microsoft.com/office/powerpoint/2010/main" val="4023781291"/>
+                <p14:modId xmlns:p14="http://schemas.microsoft.com/office/powerpoint/2010/main" val="3610379653"/>
               </p:ext>
             </p:extLst>
           </p:nvPr>
@@ -14427,6 +13865,2001 @@
               <a:t>8</a:t>
             </a:fld>
             <a:endParaRPr lang="en-GB" dirty="0"/>
+          </a:p>
+        </p:txBody>
+      </p:sp>
+      <p:sp>
+        <p:nvSpPr>
+          <p:cNvPr id="2" name="TextBox 1"/>
+          <p:cNvSpPr txBox="1"/>
+          <p:nvPr/>
+        </p:nvSpPr>
+        <p:spPr>
+          <a:xfrm>
+            <a:off x="658812" y="2699264"/>
+            <a:ext cx="838200" cy="369332"/>
+          </a:xfrm>
+          <a:prstGeom prst="rect">
+            <a:avLst/>
+          </a:prstGeom>
+          <a:noFill/>
+        </p:spPr>
+        <p:txBody>
+          <a:bodyPr wrap="square" rtlCol="0">
+            <a:spAutoFit/>
+          </a:bodyPr>
+          <a:lstStyle/>
+          <a:p>
+            <a:endParaRPr lang="en-GB" dirty="0"/>
+          </a:p>
+        </p:txBody>
+      </p:sp>
+      <p:grpSp>
+        <p:nvGrpSpPr>
+          <p:cNvPr id="44" name="Canvas 1"/>
+          <p:cNvGrpSpPr/>
+          <p:nvPr/>
+        </p:nvGrpSpPr>
+        <p:grpSpPr>
+          <a:xfrm>
+            <a:off x="4833937" y="1265464"/>
+            <a:ext cx="3521075" cy="1935480"/>
+            <a:chOff x="0" y="0"/>
+            <a:chExt cx="3521075" cy="1935480"/>
+          </a:xfrm>
+        </p:grpSpPr>
+        <p:sp>
+          <p:nvSpPr>
+            <p:cNvPr id="45" name="Rectangle 44"/>
+            <p:cNvSpPr/>
+            <p:nvPr/>
+          </p:nvSpPr>
+          <p:spPr>
+            <a:xfrm>
+              <a:off x="0" y="0"/>
+              <a:ext cx="3521075" cy="1935480"/>
+            </a:xfrm>
+            <a:prstGeom prst="rect">
+              <a:avLst/>
+            </a:prstGeom>
+          </p:spPr>
+        </p:sp>
+        <p:sp>
+          <p:nvSpPr>
+            <p:cNvPr id="46" name="Rectangle 45"/>
+            <p:cNvSpPr/>
+            <p:nvPr/>
+          </p:nvSpPr>
+          <p:spPr>
+            <a:xfrm>
+              <a:off x="1391056" y="126460"/>
+              <a:ext cx="680936" cy="272374"/>
+            </a:xfrm>
+            <a:prstGeom prst="rect">
+              <a:avLst/>
+            </a:prstGeom>
+            <a:ln w="9525"/>
+          </p:spPr>
+          <p:style>
+            <a:lnRef idx="2">
+              <a:schemeClr val="dk1"/>
+            </a:lnRef>
+            <a:fillRef idx="1">
+              <a:schemeClr val="lt1"/>
+            </a:fillRef>
+            <a:effectRef idx="0">
+              <a:schemeClr val="dk1"/>
+            </a:effectRef>
+            <a:fontRef idx="minor">
+              <a:schemeClr val="dk1"/>
+            </a:fontRef>
+          </p:style>
+          <p:txBody>
+            <a:bodyPr rot="0" spcFirstLastPara="0" vert="horz" wrap="square" lIns="91440" tIns="45720" rIns="91440" bIns="45720" numCol="1" spcCol="0" rtlCol="0" fromWordArt="0" anchor="ctr" anchorCtr="0" forceAA="0" compatLnSpc="1">
+              <a:prstTxWarp prst="textNoShape">
+                <a:avLst/>
+              </a:prstTxWarp>
+              <a:noAutofit/>
+            </a:bodyPr>
+            <a:lstStyle/>
+            <a:p>
+              <a:pPr algn="ctr">
+                <a:lnSpc>
+                  <a:spcPct val="115000"/>
+                </a:lnSpc>
+                <a:spcAft>
+                  <a:spcPts val="1000"/>
+                </a:spcAft>
+              </a:pPr>
+              <a:r>
+                <a:rPr lang="en-GB" sz="1100">
+                  <a:effectLst/>
+                  <a:ea typeface="Calibri"/>
+                  <a:cs typeface="Times New Roman"/>
+                </a:rPr>
+                <a:t>Login</a:t>
+              </a:r>
+            </a:p>
+          </p:txBody>
+        </p:sp>
+        <p:sp>
+          <p:nvSpPr>
+            <p:cNvPr id="47" name="Rectangle 46"/>
+            <p:cNvSpPr/>
+            <p:nvPr/>
+          </p:nvSpPr>
+          <p:spPr>
+            <a:xfrm>
+              <a:off x="126460" y="661666"/>
+              <a:ext cx="963039" cy="291646"/>
+            </a:xfrm>
+            <a:prstGeom prst="rect">
+              <a:avLst/>
+            </a:prstGeom>
+            <a:ln w="9525"/>
+          </p:spPr>
+          <p:style>
+            <a:lnRef idx="2">
+              <a:schemeClr val="dk1"/>
+            </a:lnRef>
+            <a:fillRef idx="1">
+              <a:schemeClr val="lt1"/>
+            </a:fillRef>
+            <a:effectRef idx="0">
+              <a:schemeClr val="dk1"/>
+            </a:effectRef>
+            <a:fontRef idx="minor">
+              <a:schemeClr val="dk1"/>
+            </a:fontRef>
+          </p:style>
+          <p:txBody>
+            <a:bodyPr rot="0" spcFirstLastPara="0" vert="horz" wrap="square" lIns="91440" tIns="45720" rIns="91440" bIns="45720" numCol="1" spcCol="0" rtlCol="0" fromWordArt="0" anchor="ctr" anchorCtr="0" forceAA="0" compatLnSpc="1">
+              <a:prstTxWarp prst="textNoShape">
+                <a:avLst/>
+              </a:prstTxWarp>
+              <a:noAutofit/>
+            </a:bodyPr>
+            <a:lstStyle/>
+            <a:p>
+              <a:pPr algn="ctr">
+                <a:lnSpc>
+                  <a:spcPct val="115000"/>
+                </a:lnSpc>
+                <a:spcAft>
+                  <a:spcPts val="1000"/>
+                </a:spcAft>
+              </a:pPr>
+              <a:r>
+                <a:rPr lang="en-GB" sz="1100">
+                  <a:effectLst/>
+                  <a:latin typeface="Times New Roman"/>
+                  <a:ea typeface="Calibri"/>
+                </a:rPr>
+                <a:t>View Profile</a:t>
+              </a:r>
+              <a:endParaRPr lang="en-GB" sz="1200">
+                <a:effectLst/>
+                <a:latin typeface="Times New Roman"/>
+                <a:ea typeface="Times New Roman"/>
+              </a:endParaRPr>
+            </a:p>
+          </p:txBody>
+        </p:sp>
+        <p:sp>
+          <p:nvSpPr>
+            <p:cNvPr id="48" name="Rectangle 47"/>
+            <p:cNvSpPr/>
+            <p:nvPr/>
+          </p:nvSpPr>
+          <p:spPr>
+            <a:xfrm>
+              <a:off x="1254869" y="663216"/>
+              <a:ext cx="1064657" cy="436010"/>
+            </a:xfrm>
+            <a:prstGeom prst="rect">
+              <a:avLst/>
+            </a:prstGeom>
+            <a:ln w="9525"/>
+          </p:spPr>
+          <p:style>
+            <a:lnRef idx="2">
+              <a:schemeClr val="dk1"/>
+            </a:lnRef>
+            <a:fillRef idx="1">
+              <a:schemeClr val="lt1"/>
+            </a:fillRef>
+            <a:effectRef idx="0">
+              <a:schemeClr val="dk1"/>
+            </a:effectRef>
+            <a:fontRef idx="minor">
+              <a:schemeClr val="dk1"/>
+            </a:fontRef>
+          </p:style>
+          <p:txBody>
+            <a:bodyPr rot="0" spcFirstLastPara="0" vert="horz" wrap="square" lIns="91440" tIns="45720" rIns="91440" bIns="45720" numCol="1" spcCol="0" rtlCol="0" fromWordArt="0" anchor="ctr" anchorCtr="0" forceAA="0" compatLnSpc="1">
+              <a:prstTxWarp prst="textNoShape">
+                <a:avLst/>
+              </a:prstTxWarp>
+              <a:noAutofit/>
+            </a:bodyPr>
+            <a:lstStyle/>
+            <a:p>
+              <a:pPr algn="ctr">
+                <a:lnSpc>
+                  <a:spcPct val="115000"/>
+                </a:lnSpc>
+                <a:spcAft>
+                  <a:spcPts val="1000"/>
+                </a:spcAft>
+              </a:pPr>
+              <a:endParaRPr lang="en-GB" sz="1100" dirty="0" smtClean="0">
+                <a:effectLst/>
+                <a:latin typeface="Times New Roman"/>
+                <a:ea typeface="Calibri"/>
+              </a:endParaRPr>
+            </a:p>
+            <a:p>
+              <a:pPr algn="ctr">
+                <a:lnSpc>
+                  <a:spcPct val="115000"/>
+                </a:lnSpc>
+                <a:spcAft>
+                  <a:spcPts val="1000"/>
+                </a:spcAft>
+              </a:pPr>
+              <a:r>
+                <a:rPr lang="en-GB" sz="1100" dirty="0" smtClean="0">
+                  <a:effectLst/>
+                  <a:latin typeface="Times New Roman"/>
+                  <a:ea typeface="Calibri"/>
+                </a:rPr>
+                <a:t>View </a:t>
+              </a:r>
+              <a:r>
+                <a:rPr lang="en-GB" sz="1100" dirty="0">
+                  <a:effectLst/>
+                  <a:latin typeface="Times New Roman"/>
+                  <a:ea typeface="Calibri"/>
+                </a:rPr>
+                <a:t>Scoreboard</a:t>
+              </a:r>
+              <a:endParaRPr lang="en-GB" sz="1200" dirty="0">
+                <a:effectLst/>
+                <a:latin typeface="Times New Roman"/>
+                <a:ea typeface="Times New Roman"/>
+              </a:endParaRPr>
+            </a:p>
+            <a:p>
+              <a:pPr algn="ctr">
+                <a:lnSpc>
+                  <a:spcPct val="115000"/>
+                </a:lnSpc>
+                <a:spcAft>
+                  <a:spcPts val="1000"/>
+                </a:spcAft>
+              </a:pPr>
+              <a:r>
+                <a:rPr lang="en-GB" sz="1200" dirty="0">
+                  <a:effectLst/>
+                  <a:latin typeface="Times New Roman"/>
+                  <a:ea typeface="Times New Roman"/>
+                </a:rPr>
+                <a:t> </a:t>
+              </a:r>
+            </a:p>
+          </p:txBody>
+        </p:sp>
+        <p:sp>
+          <p:nvSpPr>
+            <p:cNvPr id="49" name="Rectangle 48"/>
+            <p:cNvSpPr/>
+            <p:nvPr/>
+          </p:nvSpPr>
+          <p:spPr>
+            <a:xfrm>
+              <a:off x="2436800" y="663215"/>
+              <a:ext cx="958153" cy="436011"/>
+            </a:xfrm>
+            <a:prstGeom prst="rect">
+              <a:avLst/>
+            </a:prstGeom>
+            <a:ln w="9525"/>
+          </p:spPr>
+          <p:style>
+            <a:lnRef idx="2">
+              <a:schemeClr val="dk1"/>
+            </a:lnRef>
+            <a:fillRef idx="1">
+              <a:schemeClr val="lt1"/>
+            </a:fillRef>
+            <a:effectRef idx="0">
+              <a:schemeClr val="dk1"/>
+            </a:effectRef>
+            <a:fontRef idx="minor">
+              <a:schemeClr val="dk1"/>
+            </a:fontRef>
+          </p:style>
+          <p:txBody>
+            <a:bodyPr rot="0" spcFirstLastPara="0" vert="horz" wrap="square" lIns="91440" tIns="45720" rIns="91440" bIns="45720" numCol="1" spcCol="0" rtlCol="0" fromWordArt="0" anchor="ctr" anchorCtr="0" forceAA="0" compatLnSpc="1">
+              <a:prstTxWarp prst="textNoShape">
+                <a:avLst/>
+              </a:prstTxWarp>
+              <a:noAutofit/>
+            </a:bodyPr>
+            <a:lstStyle/>
+            <a:p>
+              <a:pPr algn="ctr">
+                <a:lnSpc>
+                  <a:spcPct val="115000"/>
+                </a:lnSpc>
+                <a:spcAft>
+                  <a:spcPts val="1000"/>
+                </a:spcAft>
+              </a:pPr>
+              <a:r>
+                <a:rPr lang="en-GB" sz="1100">
+                  <a:effectLst/>
+                  <a:latin typeface="Times New Roman"/>
+                  <a:ea typeface="Calibri"/>
+                </a:rPr>
+                <a:t>Change Password</a:t>
+              </a:r>
+              <a:endParaRPr lang="en-GB" sz="1200">
+                <a:effectLst/>
+                <a:latin typeface="Times New Roman"/>
+                <a:ea typeface="Times New Roman"/>
+              </a:endParaRPr>
+            </a:p>
+          </p:txBody>
+        </p:sp>
+        <p:sp>
+          <p:nvSpPr>
+            <p:cNvPr id="50" name="Rectangle 49"/>
+            <p:cNvSpPr/>
+            <p:nvPr/>
+          </p:nvSpPr>
+          <p:spPr>
+            <a:xfrm>
+              <a:off x="1391056" y="1475766"/>
+              <a:ext cx="787400" cy="294642"/>
+            </a:xfrm>
+            <a:prstGeom prst="rect">
+              <a:avLst/>
+            </a:prstGeom>
+            <a:ln w="9525"/>
+          </p:spPr>
+          <p:style>
+            <a:lnRef idx="2">
+              <a:schemeClr val="dk1"/>
+            </a:lnRef>
+            <a:fillRef idx="1">
+              <a:schemeClr val="lt1"/>
+            </a:fillRef>
+            <a:effectRef idx="0">
+              <a:schemeClr val="dk1"/>
+            </a:effectRef>
+            <a:fontRef idx="minor">
+              <a:schemeClr val="dk1"/>
+            </a:fontRef>
+          </p:style>
+          <p:txBody>
+            <a:bodyPr rot="0" spcFirstLastPara="0" vert="horz" wrap="square" lIns="91440" tIns="45720" rIns="91440" bIns="45720" numCol="1" spcCol="0" rtlCol="0" fromWordArt="0" anchor="ctr" anchorCtr="0" forceAA="0" compatLnSpc="1">
+              <a:prstTxWarp prst="textNoShape">
+                <a:avLst/>
+              </a:prstTxWarp>
+              <a:noAutofit/>
+            </a:bodyPr>
+            <a:lstStyle/>
+            <a:p>
+              <a:pPr algn="ctr">
+                <a:lnSpc>
+                  <a:spcPct val="115000"/>
+                </a:lnSpc>
+                <a:spcAft>
+                  <a:spcPts val="1000"/>
+                </a:spcAft>
+              </a:pPr>
+              <a:r>
+                <a:rPr lang="en-GB" sz="1100">
+                  <a:effectLst/>
+                  <a:latin typeface="Times New Roman"/>
+                  <a:ea typeface="Calibri"/>
+                </a:rPr>
+                <a:t>Logout</a:t>
+              </a:r>
+              <a:endParaRPr lang="en-GB" sz="1200">
+                <a:effectLst/>
+                <a:latin typeface="Times New Roman"/>
+                <a:ea typeface="Times New Roman"/>
+              </a:endParaRPr>
+            </a:p>
+          </p:txBody>
+        </p:sp>
+        <p:cxnSp>
+          <p:nvCxnSpPr>
+            <p:cNvPr id="51" name="Straight Arrow Connector 50"/>
+            <p:cNvCxnSpPr>
+              <a:stCxn id="46" idx="2"/>
+              <a:endCxn id="47" idx="0"/>
+            </p:cNvCxnSpPr>
+            <p:nvPr/>
+          </p:nvCxnSpPr>
+          <p:spPr>
+            <a:xfrm flipH="1">
+              <a:off x="607980" y="398834"/>
+              <a:ext cx="1123544" cy="262832"/>
+            </a:xfrm>
+            <a:prstGeom prst="straightConnector1">
+              <a:avLst/>
+            </a:prstGeom>
+            <a:ln>
+              <a:solidFill>
+                <a:schemeClr val="tx1"/>
+              </a:solidFill>
+              <a:tailEnd type="arrow"/>
+            </a:ln>
+          </p:spPr>
+          <p:style>
+            <a:lnRef idx="1">
+              <a:schemeClr val="accent1"/>
+            </a:lnRef>
+            <a:fillRef idx="0">
+              <a:schemeClr val="accent1"/>
+            </a:fillRef>
+            <a:effectRef idx="0">
+              <a:schemeClr val="accent1"/>
+            </a:effectRef>
+            <a:fontRef idx="minor">
+              <a:schemeClr val="tx1"/>
+            </a:fontRef>
+          </p:style>
+        </p:cxnSp>
+        <p:cxnSp>
+          <p:nvCxnSpPr>
+            <p:cNvPr id="52" name="Straight Arrow Connector 51"/>
+            <p:cNvCxnSpPr>
+              <a:stCxn id="46" idx="2"/>
+              <a:endCxn id="48" idx="0"/>
+            </p:cNvCxnSpPr>
+            <p:nvPr/>
+          </p:nvCxnSpPr>
+          <p:spPr>
+            <a:xfrm>
+              <a:off x="1731524" y="398834"/>
+              <a:ext cx="55674" cy="264382"/>
+            </a:xfrm>
+            <a:prstGeom prst="straightConnector1">
+              <a:avLst/>
+            </a:prstGeom>
+            <a:ln>
+              <a:solidFill>
+                <a:schemeClr val="tx1"/>
+              </a:solidFill>
+              <a:tailEnd type="arrow"/>
+            </a:ln>
+          </p:spPr>
+          <p:style>
+            <a:lnRef idx="1">
+              <a:schemeClr val="accent1"/>
+            </a:lnRef>
+            <a:fillRef idx="0">
+              <a:schemeClr val="accent1"/>
+            </a:fillRef>
+            <a:effectRef idx="0">
+              <a:schemeClr val="accent1"/>
+            </a:effectRef>
+            <a:fontRef idx="minor">
+              <a:schemeClr val="tx1"/>
+            </a:fontRef>
+          </p:style>
+        </p:cxnSp>
+        <p:cxnSp>
+          <p:nvCxnSpPr>
+            <p:cNvPr id="53" name="Straight Arrow Connector 52"/>
+            <p:cNvCxnSpPr>
+              <a:stCxn id="46" idx="2"/>
+              <a:endCxn id="49" idx="0"/>
+            </p:cNvCxnSpPr>
+            <p:nvPr/>
+          </p:nvCxnSpPr>
+          <p:spPr>
+            <a:xfrm>
+              <a:off x="1731524" y="398834"/>
+              <a:ext cx="1184353" cy="264381"/>
+            </a:xfrm>
+            <a:prstGeom prst="straightConnector1">
+              <a:avLst/>
+            </a:prstGeom>
+            <a:ln>
+              <a:solidFill>
+                <a:schemeClr val="tx1"/>
+              </a:solidFill>
+              <a:tailEnd type="arrow"/>
+            </a:ln>
+          </p:spPr>
+          <p:style>
+            <a:lnRef idx="1">
+              <a:schemeClr val="accent1"/>
+            </a:lnRef>
+            <a:fillRef idx="0">
+              <a:schemeClr val="accent1"/>
+            </a:fillRef>
+            <a:effectRef idx="0">
+              <a:schemeClr val="accent1"/>
+            </a:effectRef>
+            <a:fontRef idx="minor">
+              <a:schemeClr val="tx1"/>
+            </a:fontRef>
+          </p:style>
+        </p:cxnSp>
+        <p:cxnSp>
+          <p:nvCxnSpPr>
+            <p:cNvPr id="54" name="Straight Arrow Connector 53"/>
+            <p:cNvCxnSpPr>
+              <a:stCxn id="48" idx="2"/>
+              <a:endCxn id="50" idx="0"/>
+            </p:cNvCxnSpPr>
+            <p:nvPr/>
+          </p:nvCxnSpPr>
+          <p:spPr>
+            <a:xfrm flipH="1">
+              <a:off x="1784756" y="1099226"/>
+              <a:ext cx="2442" cy="376540"/>
+            </a:xfrm>
+            <a:prstGeom prst="straightConnector1">
+              <a:avLst/>
+            </a:prstGeom>
+            <a:ln>
+              <a:solidFill>
+                <a:schemeClr val="tx1"/>
+              </a:solidFill>
+              <a:tailEnd type="arrow"/>
+            </a:ln>
+          </p:spPr>
+          <p:style>
+            <a:lnRef idx="1">
+              <a:schemeClr val="accent1"/>
+            </a:lnRef>
+            <a:fillRef idx="0">
+              <a:schemeClr val="accent1"/>
+            </a:fillRef>
+            <a:effectRef idx="0">
+              <a:schemeClr val="accent1"/>
+            </a:effectRef>
+            <a:fontRef idx="minor">
+              <a:schemeClr val="tx1"/>
+            </a:fontRef>
+          </p:style>
+        </p:cxnSp>
+        <p:cxnSp>
+          <p:nvCxnSpPr>
+            <p:cNvPr id="55" name="Straight Arrow Connector 54"/>
+            <p:cNvCxnSpPr>
+              <a:stCxn id="49" idx="2"/>
+              <a:endCxn id="50" idx="0"/>
+            </p:cNvCxnSpPr>
+            <p:nvPr/>
+          </p:nvCxnSpPr>
+          <p:spPr>
+            <a:xfrm flipH="1">
+              <a:off x="1784756" y="1099226"/>
+              <a:ext cx="1131121" cy="376540"/>
+            </a:xfrm>
+            <a:prstGeom prst="straightConnector1">
+              <a:avLst/>
+            </a:prstGeom>
+            <a:ln>
+              <a:solidFill>
+                <a:schemeClr val="tx1"/>
+              </a:solidFill>
+              <a:tailEnd type="arrow"/>
+            </a:ln>
+          </p:spPr>
+          <p:style>
+            <a:lnRef idx="1">
+              <a:schemeClr val="accent1"/>
+            </a:lnRef>
+            <a:fillRef idx="0">
+              <a:schemeClr val="accent1"/>
+            </a:fillRef>
+            <a:effectRef idx="0">
+              <a:schemeClr val="accent1"/>
+            </a:effectRef>
+            <a:fontRef idx="minor">
+              <a:schemeClr val="tx1"/>
+            </a:fontRef>
+          </p:style>
+        </p:cxnSp>
+        <p:cxnSp>
+          <p:nvCxnSpPr>
+            <p:cNvPr id="56" name="Straight Arrow Connector 55"/>
+            <p:cNvCxnSpPr>
+              <a:stCxn id="47" idx="2"/>
+            </p:cNvCxnSpPr>
+            <p:nvPr/>
+          </p:nvCxnSpPr>
+          <p:spPr>
+            <a:xfrm>
+              <a:off x="607980" y="953312"/>
+              <a:ext cx="1176776" cy="522454"/>
+            </a:xfrm>
+            <a:prstGeom prst="straightConnector1">
+              <a:avLst/>
+            </a:prstGeom>
+            <a:ln>
+              <a:solidFill>
+                <a:schemeClr val="tx1"/>
+              </a:solidFill>
+              <a:tailEnd type="arrow"/>
+            </a:ln>
+          </p:spPr>
+          <p:style>
+            <a:lnRef idx="1">
+              <a:schemeClr val="accent1"/>
+            </a:lnRef>
+            <a:fillRef idx="0">
+              <a:schemeClr val="accent1"/>
+            </a:fillRef>
+            <a:effectRef idx="0">
+              <a:schemeClr val="accent1"/>
+            </a:effectRef>
+            <a:fontRef idx="minor">
+              <a:schemeClr val="tx1"/>
+            </a:fontRef>
+          </p:style>
+        </p:cxnSp>
+      </p:grpSp>
+      <p:grpSp>
+        <p:nvGrpSpPr>
+          <p:cNvPr id="57" name="Canvas 1"/>
+          <p:cNvGrpSpPr/>
+          <p:nvPr/>
+        </p:nvGrpSpPr>
+        <p:grpSpPr>
+          <a:xfrm>
+            <a:off x="125412" y="1196816"/>
+            <a:ext cx="4488815" cy="3260090"/>
+            <a:chOff x="0" y="0"/>
+            <a:chExt cx="4260215" cy="2879090"/>
+          </a:xfrm>
+        </p:grpSpPr>
+        <p:sp>
+          <p:nvSpPr>
+            <p:cNvPr id="58" name="Rectangle 57"/>
+            <p:cNvSpPr/>
+            <p:nvPr/>
+          </p:nvSpPr>
+          <p:spPr>
+            <a:xfrm>
+              <a:off x="0" y="0"/>
+              <a:ext cx="4260215" cy="2879090"/>
+            </a:xfrm>
+            <a:prstGeom prst="rect">
+              <a:avLst/>
+            </a:prstGeom>
+          </p:spPr>
+        </p:sp>
+        <p:sp>
+          <p:nvSpPr>
+            <p:cNvPr id="59" name="Rectangle 58"/>
+            <p:cNvSpPr/>
+            <p:nvPr/>
+          </p:nvSpPr>
+          <p:spPr>
+            <a:xfrm>
+              <a:off x="1916350" y="126460"/>
+              <a:ext cx="680936" cy="272374"/>
+            </a:xfrm>
+            <a:prstGeom prst="rect">
+              <a:avLst/>
+            </a:prstGeom>
+            <a:ln w="9525"/>
+          </p:spPr>
+          <p:style>
+            <a:lnRef idx="2">
+              <a:schemeClr val="dk1"/>
+            </a:lnRef>
+            <a:fillRef idx="1">
+              <a:schemeClr val="lt1"/>
+            </a:fillRef>
+            <a:effectRef idx="0">
+              <a:schemeClr val="dk1"/>
+            </a:effectRef>
+            <a:fontRef idx="minor">
+              <a:schemeClr val="dk1"/>
+            </a:fontRef>
+          </p:style>
+          <p:txBody>
+            <a:bodyPr rot="0" spcFirstLastPara="0" vert="horz" wrap="square" lIns="91440" tIns="45720" rIns="91440" bIns="45720" numCol="1" spcCol="0" rtlCol="0" fromWordArt="0" anchor="ctr" anchorCtr="0" forceAA="0" compatLnSpc="1">
+              <a:prstTxWarp prst="textNoShape">
+                <a:avLst/>
+              </a:prstTxWarp>
+              <a:noAutofit/>
+            </a:bodyPr>
+            <a:lstStyle/>
+            <a:p>
+              <a:pPr algn="ctr">
+                <a:lnSpc>
+                  <a:spcPct val="115000"/>
+                </a:lnSpc>
+                <a:spcAft>
+                  <a:spcPts val="1000"/>
+                </a:spcAft>
+              </a:pPr>
+              <a:r>
+                <a:rPr lang="en-GB" sz="1100">
+                  <a:effectLst/>
+                  <a:ea typeface="Calibri"/>
+                  <a:cs typeface="Times New Roman"/>
+                </a:rPr>
+                <a:t>Login</a:t>
+              </a:r>
+            </a:p>
+          </p:txBody>
+        </p:sp>
+        <p:sp>
+          <p:nvSpPr>
+            <p:cNvPr id="60" name="Rectangle 59"/>
+            <p:cNvSpPr/>
+            <p:nvPr/>
+          </p:nvSpPr>
+          <p:spPr>
+            <a:xfrm>
+              <a:off x="1381328" y="656655"/>
+              <a:ext cx="860860" cy="510664"/>
+            </a:xfrm>
+            <a:prstGeom prst="rect">
+              <a:avLst/>
+            </a:prstGeom>
+            <a:ln w="9525"/>
+          </p:spPr>
+          <p:style>
+            <a:lnRef idx="2">
+              <a:schemeClr val="dk1"/>
+            </a:lnRef>
+            <a:fillRef idx="1">
+              <a:schemeClr val="lt1"/>
+            </a:fillRef>
+            <a:effectRef idx="0">
+              <a:schemeClr val="dk1"/>
+            </a:effectRef>
+            <a:fontRef idx="minor">
+              <a:schemeClr val="dk1"/>
+            </a:fontRef>
+          </p:style>
+          <p:txBody>
+            <a:bodyPr rot="0" spcFirstLastPara="0" vert="horz" wrap="square" lIns="91440" tIns="45720" rIns="91440" bIns="45720" numCol="1" spcCol="0" rtlCol="0" fromWordArt="0" anchor="ctr" anchorCtr="0" forceAA="0" compatLnSpc="1">
+              <a:prstTxWarp prst="textNoShape">
+                <a:avLst/>
+              </a:prstTxWarp>
+              <a:noAutofit/>
+            </a:bodyPr>
+            <a:lstStyle/>
+            <a:p>
+              <a:pPr algn="ctr">
+                <a:lnSpc>
+                  <a:spcPct val="115000"/>
+                </a:lnSpc>
+                <a:spcAft>
+                  <a:spcPts val="1000"/>
+                </a:spcAft>
+              </a:pPr>
+              <a:r>
+                <a:rPr lang="en-GB" sz="1100">
+                  <a:effectLst/>
+                  <a:latin typeface="Times New Roman"/>
+                  <a:ea typeface="Calibri"/>
+                </a:rPr>
+                <a:t>Manage Employees</a:t>
+              </a:r>
+              <a:endParaRPr lang="en-GB" sz="1200">
+                <a:effectLst/>
+                <a:latin typeface="Times New Roman"/>
+                <a:ea typeface="Times New Roman"/>
+              </a:endParaRPr>
+            </a:p>
+          </p:txBody>
+        </p:sp>
+        <p:sp>
+          <p:nvSpPr>
+            <p:cNvPr id="61" name="Rectangle 60"/>
+            <p:cNvSpPr/>
+            <p:nvPr/>
+          </p:nvSpPr>
+          <p:spPr>
+            <a:xfrm>
+              <a:off x="118400" y="661665"/>
+              <a:ext cx="1117021" cy="505654"/>
+            </a:xfrm>
+            <a:prstGeom prst="rect">
+              <a:avLst/>
+            </a:prstGeom>
+            <a:ln w="9525"/>
+          </p:spPr>
+          <p:style>
+            <a:lnRef idx="2">
+              <a:schemeClr val="dk1"/>
+            </a:lnRef>
+            <a:fillRef idx="1">
+              <a:schemeClr val="lt1"/>
+            </a:fillRef>
+            <a:effectRef idx="0">
+              <a:schemeClr val="dk1"/>
+            </a:effectRef>
+            <a:fontRef idx="minor">
+              <a:schemeClr val="dk1"/>
+            </a:fontRef>
+          </p:style>
+          <p:txBody>
+            <a:bodyPr rot="0" spcFirstLastPara="0" vert="horz" wrap="square" lIns="91440" tIns="45720" rIns="91440" bIns="45720" numCol="1" spcCol="0" rtlCol="0" fromWordArt="0" anchor="ctr" anchorCtr="0" forceAA="0" compatLnSpc="1">
+              <a:prstTxWarp prst="textNoShape">
+                <a:avLst/>
+              </a:prstTxWarp>
+              <a:noAutofit/>
+            </a:bodyPr>
+            <a:lstStyle/>
+            <a:p>
+              <a:pPr algn="ctr">
+                <a:lnSpc>
+                  <a:spcPct val="115000"/>
+                </a:lnSpc>
+                <a:spcAft>
+                  <a:spcPts val="1000"/>
+                </a:spcAft>
+              </a:pPr>
+              <a:r>
+                <a:rPr lang="en-GB" sz="1100" dirty="0">
+                  <a:effectLst/>
+                  <a:latin typeface="Times New Roman"/>
+                  <a:ea typeface="Calibri"/>
+                </a:rPr>
+                <a:t>Upload Training Details</a:t>
+              </a:r>
+              <a:endParaRPr lang="en-GB" sz="1200" dirty="0">
+                <a:effectLst/>
+                <a:latin typeface="Times New Roman"/>
+                <a:ea typeface="Times New Roman"/>
+              </a:endParaRPr>
+            </a:p>
+          </p:txBody>
+        </p:sp>
+        <p:sp>
+          <p:nvSpPr>
+            <p:cNvPr id="62" name="Rectangle 61"/>
+            <p:cNvSpPr/>
+            <p:nvPr/>
+          </p:nvSpPr>
+          <p:spPr>
+            <a:xfrm>
+              <a:off x="2397900" y="663216"/>
+              <a:ext cx="787400" cy="504103"/>
+            </a:xfrm>
+            <a:prstGeom prst="rect">
+              <a:avLst/>
+            </a:prstGeom>
+            <a:ln w="9525"/>
+          </p:spPr>
+          <p:style>
+            <a:lnRef idx="2">
+              <a:schemeClr val="dk1"/>
+            </a:lnRef>
+            <a:fillRef idx="1">
+              <a:schemeClr val="lt1"/>
+            </a:fillRef>
+            <a:effectRef idx="0">
+              <a:schemeClr val="dk1"/>
+            </a:effectRef>
+            <a:fontRef idx="minor">
+              <a:schemeClr val="dk1"/>
+            </a:fontRef>
+          </p:style>
+          <p:txBody>
+            <a:bodyPr rot="0" spcFirstLastPara="0" vert="horz" wrap="square" lIns="91440" tIns="45720" rIns="91440" bIns="45720" numCol="1" spcCol="0" rtlCol="0" fromWordArt="0" anchor="ctr" anchorCtr="0" forceAA="0" compatLnSpc="1">
+              <a:prstTxWarp prst="textNoShape">
+                <a:avLst/>
+              </a:prstTxWarp>
+              <a:noAutofit/>
+            </a:bodyPr>
+            <a:lstStyle/>
+            <a:p>
+              <a:pPr algn="ctr">
+                <a:lnSpc>
+                  <a:spcPct val="115000"/>
+                </a:lnSpc>
+                <a:spcAft>
+                  <a:spcPts val="1000"/>
+                </a:spcAft>
+              </a:pPr>
+              <a:r>
+                <a:rPr lang="en-GB" sz="1100">
+                  <a:effectLst/>
+                  <a:latin typeface="Times New Roman"/>
+                  <a:ea typeface="Calibri"/>
+                </a:rPr>
+                <a:t>Generate Reports</a:t>
+              </a:r>
+              <a:endParaRPr lang="en-GB" sz="1200">
+                <a:effectLst/>
+                <a:latin typeface="Times New Roman"/>
+                <a:ea typeface="Times New Roman"/>
+              </a:endParaRPr>
+            </a:p>
+          </p:txBody>
+        </p:sp>
+        <p:sp>
+          <p:nvSpPr>
+            <p:cNvPr id="63" name="Rectangle 62"/>
+            <p:cNvSpPr/>
+            <p:nvPr/>
+          </p:nvSpPr>
+          <p:spPr>
+            <a:xfrm>
+              <a:off x="3341487" y="663215"/>
+              <a:ext cx="787400" cy="504103"/>
+            </a:xfrm>
+            <a:prstGeom prst="rect">
+              <a:avLst/>
+            </a:prstGeom>
+            <a:ln w="9525"/>
+          </p:spPr>
+          <p:style>
+            <a:lnRef idx="2">
+              <a:schemeClr val="dk1"/>
+            </a:lnRef>
+            <a:fillRef idx="1">
+              <a:schemeClr val="lt1"/>
+            </a:fillRef>
+            <a:effectRef idx="0">
+              <a:schemeClr val="dk1"/>
+            </a:effectRef>
+            <a:fontRef idx="minor">
+              <a:schemeClr val="dk1"/>
+            </a:fontRef>
+          </p:style>
+          <p:txBody>
+            <a:bodyPr rot="0" spcFirstLastPara="0" vert="horz" wrap="square" lIns="91440" tIns="45720" rIns="91440" bIns="45720" numCol="1" spcCol="0" rtlCol="0" fromWordArt="0" anchor="ctr" anchorCtr="0" forceAA="0" compatLnSpc="1">
+              <a:prstTxWarp prst="textNoShape">
+                <a:avLst/>
+              </a:prstTxWarp>
+              <a:noAutofit/>
+            </a:bodyPr>
+            <a:lstStyle/>
+            <a:p>
+              <a:pPr algn="ctr">
+                <a:lnSpc>
+                  <a:spcPct val="115000"/>
+                </a:lnSpc>
+                <a:spcAft>
+                  <a:spcPts val="1000"/>
+                </a:spcAft>
+              </a:pPr>
+              <a:r>
+                <a:rPr lang="en-GB" sz="1100">
+                  <a:effectLst/>
+                  <a:latin typeface="Times New Roman"/>
+                  <a:ea typeface="Calibri"/>
+                </a:rPr>
+                <a:t>Change Password</a:t>
+              </a:r>
+              <a:endParaRPr lang="en-GB" sz="1200">
+                <a:effectLst/>
+                <a:latin typeface="Times New Roman"/>
+                <a:ea typeface="Times New Roman"/>
+              </a:endParaRPr>
+            </a:p>
+          </p:txBody>
+        </p:sp>
+        <p:sp>
+          <p:nvSpPr>
+            <p:cNvPr id="64" name="Rectangle 63"/>
+            <p:cNvSpPr/>
+            <p:nvPr/>
+          </p:nvSpPr>
+          <p:spPr>
+            <a:xfrm>
+              <a:off x="2625926" y="1455552"/>
+              <a:ext cx="799328" cy="431613"/>
+            </a:xfrm>
+            <a:prstGeom prst="rect">
+              <a:avLst/>
+            </a:prstGeom>
+            <a:ln w="9525"/>
+          </p:spPr>
+          <p:style>
+            <a:lnRef idx="2">
+              <a:schemeClr val="dk1"/>
+            </a:lnRef>
+            <a:fillRef idx="1">
+              <a:schemeClr val="lt1"/>
+            </a:fillRef>
+            <a:effectRef idx="0">
+              <a:schemeClr val="dk1"/>
+            </a:effectRef>
+            <a:fontRef idx="minor">
+              <a:schemeClr val="dk1"/>
+            </a:fontRef>
+          </p:style>
+          <p:txBody>
+            <a:bodyPr rot="0" spcFirstLastPara="0" vert="horz" wrap="square" lIns="91440" tIns="45720" rIns="91440" bIns="45720" numCol="1" spcCol="0" rtlCol="0" fromWordArt="0" anchor="ctr" anchorCtr="0" forceAA="0" compatLnSpc="1">
+              <a:prstTxWarp prst="textNoShape">
+                <a:avLst/>
+              </a:prstTxWarp>
+              <a:noAutofit/>
+            </a:bodyPr>
+            <a:lstStyle/>
+            <a:p>
+              <a:pPr algn="ctr">
+                <a:lnSpc>
+                  <a:spcPct val="115000"/>
+                </a:lnSpc>
+                <a:spcAft>
+                  <a:spcPts val="1000"/>
+                </a:spcAft>
+              </a:pPr>
+              <a:r>
+                <a:rPr lang="en-GB" sz="1100">
+                  <a:effectLst/>
+                  <a:latin typeface="Times New Roman"/>
+                  <a:ea typeface="Calibri"/>
+                </a:rPr>
+                <a:t>Add an Employee</a:t>
+              </a:r>
+              <a:endParaRPr lang="en-GB" sz="1200">
+                <a:effectLst/>
+                <a:latin typeface="Times New Roman"/>
+                <a:ea typeface="Times New Roman"/>
+              </a:endParaRPr>
+            </a:p>
+          </p:txBody>
+        </p:sp>
+        <p:sp>
+          <p:nvSpPr>
+            <p:cNvPr id="65" name="Rectangle 64"/>
+            <p:cNvSpPr/>
+            <p:nvPr/>
+          </p:nvSpPr>
+          <p:spPr>
+            <a:xfrm>
+              <a:off x="1186778" y="1447489"/>
+              <a:ext cx="1352145" cy="439679"/>
+            </a:xfrm>
+            <a:prstGeom prst="rect">
+              <a:avLst/>
+            </a:prstGeom>
+            <a:ln w="9525"/>
+          </p:spPr>
+          <p:style>
+            <a:lnRef idx="2">
+              <a:schemeClr val="dk1"/>
+            </a:lnRef>
+            <a:fillRef idx="1">
+              <a:schemeClr val="lt1"/>
+            </a:fillRef>
+            <a:effectRef idx="0">
+              <a:schemeClr val="dk1"/>
+            </a:effectRef>
+            <a:fontRef idx="minor">
+              <a:schemeClr val="dk1"/>
+            </a:fontRef>
+          </p:style>
+          <p:txBody>
+            <a:bodyPr rot="0" spcFirstLastPara="0" vert="horz" wrap="square" lIns="91440" tIns="45720" rIns="91440" bIns="45720" numCol="1" spcCol="0" rtlCol="0" fromWordArt="0" anchor="ctr" anchorCtr="0" forceAA="0" compatLnSpc="1">
+              <a:prstTxWarp prst="textNoShape">
+                <a:avLst/>
+              </a:prstTxWarp>
+              <a:noAutofit/>
+            </a:bodyPr>
+            <a:lstStyle/>
+            <a:p>
+              <a:pPr algn="ctr">
+                <a:lnSpc>
+                  <a:spcPct val="115000"/>
+                </a:lnSpc>
+                <a:spcAft>
+                  <a:spcPts val="1000"/>
+                </a:spcAft>
+              </a:pPr>
+              <a:r>
+                <a:rPr lang="en-GB" sz="1100">
+                  <a:effectLst/>
+                  <a:latin typeface="Times New Roman"/>
+                  <a:ea typeface="Calibri"/>
+                </a:rPr>
+                <a:t>Search/Edit/ Delete an Employee</a:t>
+              </a:r>
+              <a:endParaRPr lang="en-GB" sz="1200">
+                <a:effectLst/>
+                <a:latin typeface="Times New Roman"/>
+                <a:ea typeface="Times New Roman"/>
+              </a:endParaRPr>
+            </a:p>
+          </p:txBody>
+        </p:sp>
+        <p:sp>
+          <p:nvSpPr>
+            <p:cNvPr id="66" name="Rectangle 65"/>
+            <p:cNvSpPr/>
+            <p:nvPr/>
+          </p:nvSpPr>
+          <p:spPr>
+            <a:xfrm>
+              <a:off x="321557" y="1446700"/>
+              <a:ext cx="787400" cy="440465"/>
+            </a:xfrm>
+            <a:prstGeom prst="rect">
+              <a:avLst/>
+            </a:prstGeom>
+            <a:ln w="9525"/>
+          </p:spPr>
+          <p:style>
+            <a:lnRef idx="2">
+              <a:schemeClr val="dk1"/>
+            </a:lnRef>
+            <a:fillRef idx="1">
+              <a:schemeClr val="lt1"/>
+            </a:fillRef>
+            <a:effectRef idx="0">
+              <a:schemeClr val="dk1"/>
+            </a:effectRef>
+            <a:fontRef idx="minor">
+              <a:schemeClr val="dk1"/>
+            </a:fontRef>
+          </p:style>
+          <p:txBody>
+            <a:bodyPr rot="0" spcFirstLastPara="0" vert="horz" wrap="square" lIns="91440" tIns="45720" rIns="91440" bIns="45720" numCol="1" spcCol="0" rtlCol="0" fromWordArt="0" anchor="ctr" anchorCtr="0" forceAA="0" compatLnSpc="1">
+              <a:prstTxWarp prst="textNoShape">
+                <a:avLst/>
+              </a:prstTxWarp>
+              <a:noAutofit/>
+            </a:bodyPr>
+            <a:lstStyle/>
+            <a:p>
+              <a:pPr algn="ctr">
+                <a:lnSpc>
+                  <a:spcPct val="115000"/>
+                </a:lnSpc>
+                <a:spcAft>
+                  <a:spcPts val="1000"/>
+                </a:spcAft>
+              </a:pPr>
+              <a:r>
+                <a:rPr lang="en-GB" sz="1100">
+                  <a:effectLst/>
+                  <a:latin typeface="Times New Roman"/>
+                  <a:ea typeface="Calibri"/>
+                </a:rPr>
+                <a:t>Add Line Manager</a:t>
+              </a:r>
+              <a:endParaRPr lang="en-GB" sz="1200">
+                <a:effectLst/>
+                <a:latin typeface="Times New Roman"/>
+                <a:ea typeface="Times New Roman"/>
+              </a:endParaRPr>
+            </a:p>
+          </p:txBody>
+        </p:sp>
+        <p:sp>
+          <p:nvSpPr>
+            <p:cNvPr id="67" name="Rectangle 66"/>
+            <p:cNvSpPr/>
+            <p:nvPr/>
+          </p:nvSpPr>
+          <p:spPr>
+            <a:xfrm>
+              <a:off x="1916350" y="2438838"/>
+              <a:ext cx="787400" cy="294642"/>
+            </a:xfrm>
+            <a:prstGeom prst="rect">
+              <a:avLst/>
+            </a:prstGeom>
+            <a:ln w="9525"/>
+          </p:spPr>
+          <p:style>
+            <a:lnRef idx="2">
+              <a:schemeClr val="dk1"/>
+            </a:lnRef>
+            <a:fillRef idx="1">
+              <a:schemeClr val="lt1"/>
+            </a:fillRef>
+            <a:effectRef idx="0">
+              <a:schemeClr val="dk1"/>
+            </a:effectRef>
+            <a:fontRef idx="minor">
+              <a:schemeClr val="dk1"/>
+            </a:fontRef>
+          </p:style>
+          <p:txBody>
+            <a:bodyPr rot="0" spcFirstLastPara="0" vert="horz" wrap="square" lIns="91440" tIns="45720" rIns="91440" bIns="45720" numCol="1" spcCol="0" rtlCol="0" fromWordArt="0" anchor="ctr" anchorCtr="0" forceAA="0" compatLnSpc="1">
+              <a:prstTxWarp prst="textNoShape">
+                <a:avLst/>
+              </a:prstTxWarp>
+              <a:noAutofit/>
+            </a:bodyPr>
+            <a:lstStyle/>
+            <a:p>
+              <a:pPr algn="ctr">
+                <a:lnSpc>
+                  <a:spcPct val="115000"/>
+                </a:lnSpc>
+                <a:spcAft>
+                  <a:spcPts val="1000"/>
+                </a:spcAft>
+              </a:pPr>
+              <a:r>
+                <a:rPr lang="en-GB" sz="1100">
+                  <a:effectLst/>
+                  <a:latin typeface="Times New Roman"/>
+                  <a:ea typeface="Calibri"/>
+                </a:rPr>
+                <a:t>Logout</a:t>
+              </a:r>
+              <a:endParaRPr lang="en-GB" sz="1200">
+                <a:effectLst/>
+                <a:latin typeface="Times New Roman"/>
+                <a:ea typeface="Times New Roman"/>
+              </a:endParaRPr>
+            </a:p>
+          </p:txBody>
+        </p:sp>
+        <p:cxnSp>
+          <p:nvCxnSpPr>
+            <p:cNvPr id="68" name="Straight Arrow Connector 67"/>
+            <p:cNvCxnSpPr>
+              <a:stCxn id="59" idx="2"/>
+              <a:endCxn id="60" idx="0"/>
+            </p:cNvCxnSpPr>
+            <p:nvPr/>
+          </p:nvCxnSpPr>
+          <p:spPr>
+            <a:xfrm flipH="1">
+              <a:off x="1811758" y="398834"/>
+              <a:ext cx="445060" cy="257821"/>
+            </a:xfrm>
+            <a:prstGeom prst="straightConnector1">
+              <a:avLst/>
+            </a:prstGeom>
+            <a:ln>
+              <a:solidFill>
+                <a:schemeClr val="tx1"/>
+              </a:solidFill>
+              <a:tailEnd type="arrow"/>
+            </a:ln>
+          </p:spPr>
+          <p:style>
+            <a:lnRef idx="1">
+              <a:schemeClr val="accent1"/>
+            </a:lnRef>
+            <a:fillRef idx="0">
+              <a:schemeClr val="accent1"/>
+            </a:fillRef>
+            <a:effectRef idx="0">
+              <a:schemeClr val="accent1"/>
+            </a:effectRef>
+            <a:fontRef idx="minor">
+              <a:schemeClr val="tx1"/>
+            </a:fontRef>
+          </p:style>
+        </p:cxnSp>
+        <p:cxnSp>
+          <p:nvCxnSpPr>
+            <p:cNvPr id="69" name="Straight Arrow Connector 68"/>
+            <p:cNvCxnSpPr>
+              <a:stCxn id="59" idx="2"/>
+            </p:cNvCxnSpPr>
+            <p:nvPr/>
+          </p:nvCxnSpPr>
+          <p:spPr>
+            <a:xfrm flipH="1">
+              <a:off x="651754" y="398834"/>
+              <a:ext cx="1605064" cy="257821"/>
+            </a:xfrm>
+            <a:prstGeom prst="straightConnector1">
+              <a:avLst/>
+            </a:prstGeom>
+            <a:ln>
+              <a:solidFill>
+                <a:schemeClr val="tx1"/>
+              </a:solidFill>
+              <a:tailEnd type="arrow"/>
+            </a:ln>
+          </p:spPr>
+          <p:style>
+            <a:lnRef idx="1">
+              <a:schemeClr val="accent1"/>
+            </a:lnRef>
+            <a:fillRef idx="0">
+              <a:schemeClr val="accent1"/>
+            </a:fillRef>
+            <a:effectRef idx="0">
+              <a:schemeClr val="accent1"/>
+            </a:effectRef>
+            <a:fontRef idx="minor">
+              <a:schemeClr val="tx1"/>
+            </a:fontRef>
+          </p:style>
+        </p:cxnSp>
+        <p:cxnSp>
+          <p:nvCxnSpPr>
+            <p:cNvPr id="70" name="Straight Arrow Connector 69"/>
+            <p:cNvCxnSpPr>
+              <a:stCxn id="59" idx="2"/>
+              <a:endCxn id="62" idx="0"/>
+            </p:cNvCxnSpPr>
+            <p:nvPr/>
+          </p:nvCxnSpPr>
+          <p:spPr>
+            <a:xfrm>
+              <a:off x="2256818" y="398834"/>
+              <a:ext cx="534782" cy="264382"/>
+            </a:xfrm>
+            <a:prstGeom prst="straightConnector1">
+              <a:avLst/>
+            </a:prstGeom>
+            <a:ln>
+              <a:solidFill>
+                <a:schemeClr val="tx1"/>
+              </a:solidFill>
+              <a:tailEnd type="arrow"/>
+            </a:ln>
+          </p:spPr>
+          <p:style>
+            <a:lnRef idx="1">
+              <a:schemeClr val="accent1"/>
+            </a:lnRef>
+            <a:fillRef idx="0">
+              <a:schemeClr val="accent1"/>
+            </a:fillRef>
+            <a:effectRef idx="0">
+              <a:schemeClr val="accent1"/>
+            </a:effectRef>
+            <a:fontRef idx="minor">
+              <a:schemeClr val="tx1"/>
+            </a:fontRef>
+          </p:style>
+        </p:cxnSp>
+        <p:cxnSp>
+          <p:nvCxnSpPr>
+            <p:cNvPr id="71" name="Straight Arrow Connector 70"/>
+            <p:cNvCxnSpPr>
+              <a:stCxn id="59" idx="2"/>
+              <a:endCxn id="63" idx="0"/>
+            </p:cNvCxnSpPr>
+            <p:nvPr/>
+          </p:nvCxnSpPr>
+          <p:spPr>
+            <a:xfrm>
+              <a:off x="2256818" y="398834"/>
+              <a:ext cx="1478369" cy="264381"/>
+            </a:xfrm>
+            <a:prstGeom prst="straightConnector1">
+              <a:avLst/>
+            </a:prstGeom>
+            <a:ln>
+              <a:solidFill>
+                <a:schemeClr val="tx1"/>
+              </a:solidFill>
+              <a:tailEnd type="arrow"/>
+            </a:ln>
+          </p:spPr>
+          <p:style>
+            <a:lnRef idx="1">
+              <a:schemeClr val="accent1"/>
+            </a:lnRef>
+            <a:fillRef idx="0">
+              <a:schemeClr val="accent1"/>
+            </a:fillRef>
+            <a:effectRef idx="0">
+              <a:schemeClr val="accent1"/>
+            </a:effectRef>
+            <a:fontRef idx="minor">
+              <a:schemeClr val="tx1"/>
+            </a:fontRef>
+          </p:style>
+        </p:cxnSp>
+        <p:cxnSp>
+          <p:nvCxnSpPr>
+            <p:cNvPr id="72" name="Straight Arrow Connector 71"/>
+            <p:cNvCxnSpPr>
+              <a:stCxn id="60" idx="2"/>
+              <a:endCxn id="66" idx="0"/>
+            </p:cNvCxnSpPr>
+            <p:nvPr/>
+          </p:nvCxnSpPr>
+          <p:spPr>
+            <a:xfrm flipH="1">
+              <a:off x="715257" y="1167319"/>
+              <a:ext cx="1096501" cy="279381"/>
+            </a:xfrm>
+            <a:prstGeom prst="straightConnector1">
+              <a:avLst/>
+            </a:prstGeom>
+            <a:ln>
+              <a:solidFill>
+                <a:schemeClr val="tx1"/>
+              </a:solidFill>
+              <a:tailEnd type="arrow"/>
+            </a:ln>
+          </p:spPr>
+          <p:style>
+            <a:lnRef idx="1">
+              <a:schemeClr val="accent1"/>
+            </a:lnRef>
+            <a:fillRef idx="0">
+              <a:schemeClr val="accent1"/>
+            </a:fillRef>
+            <a:effectRef idx="0">
+              <a:schemeClr val="accent1"/>
+            </a:effectRef>
+            <a:fontRef idx="minor">
+              <a:schemeClr val="tx1"/>
+            </a:fontRef>
+          </p:style>
+        </p:cxnSp>
+        <p:cxnSp>
+          <p:nvCxnSpPr>
+            <p:cNvPr id="73" name="Straight Arrow Connector 72"/>
+            <p:cNvCxnSpPr>
+              <a:stCxn id="60" idx="2"/>
+              <a:endCxn id="65" idx="0"/>
+            </p:cNvCxnSpPr>
+            <p:nvPr/>
+          </p:nvCxnSpPr>
+          <p:spPr>
+            <a:xfrm>
+              <a:off x="1811758" y="1167319"/>
+              <a:ext cx="51093" cy="280170"/>
+            </a:xfrm>
+            <a:prstGeom prst="straightConnector1">
+              <a:avLst/>
+            </a:prstGeom>
+            <a:ln>
+              <a:solidFill>
+                <a:schemeClr val="tx1"/>
+              </a:solidFill>
+              <a:tailEnd type="arrow"/>
+            </a:ln>
+          </p:spPr>
+          <p:style>
+            <a:lnRef idx="1">
+              <a:schemeClr val="accent1"/>
+            </a:lnRef>
+            <a:fillRef idx="0">
+              <a:schemeClr val="accent1"/>
+            </a:fillRef>
+            <a:effectRef idx="0">
+              <a:schemeClr val="accent1"/>
+            </a:effectRef>
+            <a:fontRef idx="minor">
+              <a:schemeClr val="tx1"/>
+            </a:fontRef>
+          </p:style>
+        </p:cxnSp>
+        <p:cxnSp>
+          <p:nvCxnSpPr>
+            <p:cNvPr id="74" name="Straight Arrow Connector 73"/>
+            <p:cNvCxnSpPr>
+              <a:stCxn id="60" idx="2"/>
+              <a:endCxn id="64" idx="0"/>
+            </p:cNvCxnSpPr>
+            <p:nvPr/>
+          </p:nvCxnSpPr>
+          <p:spPr>
+            <a:xfrm>
+              <a:off x="1811758" y="1167319"/>
+              <a:ext cx="1213832" cy="288233"/>
+            </a:xfrm>
+            <a:prstGeom prst="straightConnector1">
+              <a:avLst/>
+            </a:prstGeom>
+            <a:ln>
+              <a:solidFill>
+                <a:schemeClr val="tx1"/>
+              </a:solidFill>
+              <a:tailEnd type="arrow"/>
+            </a:ln>
+          </p:spPr>
+          <p:style>
+            <a:lnRef idx="1">
+              <a:schemeClr val="accent1"/>
+            </a:lnRef>
+            <a:fillRef idx="0">
+              <a:schemeClr val="accent1"/>
+            </a:fillRef>
+            <a:effectRef idx="0">
+              <a:schemeClr val="accent1"/>
+            </a:effectRef>
+            <a:fontRef idx="minor">
+              <a:schemeClr val="tx1"/>
+            </a:fontRef>
+          </p:style>
+        </p:cxnSp>
+        <p:cxnSp>
+          <p:nvCxnSpPr>
+            <p:cNvPr id="75" name="Straight Connector 74"/>
+            <p:cNvCxnSpPr/>
+            <p:nvPr/>
+          </p:nvCxnSpPr>
+          <p:spPr>
+            <a:xfrm>
+              <a:off x="233465" y="1167319"/>
+              <a:ext cx="0" cy="992227"/>
+            </a:xfrm>
+            <a:prstGeom prst="line">
+              <a:avLst/>
+            </a:prstGeom>
+            <a:ln>
+              <a:solidFill>
+                <a:schemeClr val="tx1"/>
+              </a:solidFill>
+            </a:ln>
+          </p:spPr>
+          <p:style>
+            <a:lnRef idx="1">
+              <a:schemeClr val="accent1"/>
+            </a:lnRef>
+            <a:fillRef idx="0">
+              <a:schemeClr val="accent1"/>
+            </a:fillRef>
+            <a:effectRef idx="0">
+              <a:schemeClr val="accent1"/>
+            </a:effectRef>
+            <a:fontRef idx="minor">
+              <a:schemeClr val="tx1"/>
+            </a:fontRef>
+          </p:style>
+        </p:cxnSp>
+        <p:cxnSp>
+          <p:nvCxnSpPr>
+            <p:cNvPr id="76" name="Straight Connector 75"/>
+            <p:cNvCxnSpPr/>
+            <p:nvPr/>
+          </p:nvCxnSpPr>
+          <p:spPr>
+            <a:xfrm>
+              <a:off x="243193" y="2159546"/>
+              <a:ext cx="3681754" cy="0"/>
+            </a:xfrm>
+            <a:prstGeom prst="line">
+              <a:avLst/>
+            </a:prstGeom>
+            <a:ln>
+              <a:solidFill>
+                <a:schemeClr val="tx1"/>
+              </a:solidFill>
+            </a:ln>
+          </p:spPr>
+          <p:style>
+            <a:lnRef idx="1">
+              <a:schemeClr val="accent1"/>
+            </a:lnRef>
+            <a:fillRef idx="0">
+              <a:schemeClr val="accent1"/>
+            </a:fillRef>
+            <a:effectRef idx="0">
+              <a:schemeClr val="accent1"/>
+            </a:effectRef>
+            <a:fontRef idx="minor">
+              <a:schemeClr val="tx1"/>
+            </a:fontRef>
+          </p:style>
+        </p:cxnSp>
+        <p:cxnSp>
+          <p:nvCxnSpPr>
+            <p:cNvPr id="77" name="Straight Connector 76"/>
+            <p:cNvCxnSpPr/>
+            <p:nvPr/>
+          </p:nvCxnSpPr>
+          <p:spPr>
+            <a:xfrm>
+              <a:off x="719956" y="1887165"/>
+              <a:ext cx="0" cy="272381"/>
+            </a:xfrm>
+            <a:prstGeom prst="line">
+              <a:avLst/>
+            </a:prstGeom>
+            <a:ln>
+              <a:solidFill>
+                <a:schemeClr val="tx1"/>
+              </a:solidFill>
+            </a:ln>
+          </p:spPr>
+          <p:style>
+            <a:lnRef idx="1">
+              <a:schemeClr val="accent1"/>
+            </a:lnRef>
+            <a:fillRef idx="0">
+              <a:schemeClr val="accent1"/>
+            </a:fillRef>
+            <a:effectRef idx="0">
+              <a:schemeClr val="accent1"/>
+            </a:effectRef>
+            <a:fontRef idx="minor">
+              <a:schemeClr val="tx1"/>
+            </a:fontRef>
+          </p:style>
+        </p:cxnSp>
+        <p:cxnSp>
+          <p:nvCxnSpPr>
+            <p:cNvPr id="78" name="Straight Connector 77"/>
+            <p:cNvCxnSpPr/>
+            <p:nvPr/>
+          </p:nvCxnSpPr>
+          <p:spPr>
+            <a:xfrm>
+              <a:off x="1853326" y="1887165"/>
+              <a:ext cx="0" cy="272381"/>
+            </a:xfrm>
+            <a:prstGeom prst="line">
+              <a:avLst/>
+            </a:prstGeom>
+            <a:ln>
+              <a:solidFill>
+                <a:schemeClr val="tx1"/>
+              </a:solidFill>
+            </a:ln>
+          </p:spPr>
+          <p:style>
+            <a:lnRef idx="1">
+              <a:schemeClr val="accent1"/>
+            </a:lnRef>
+            <a:fillRef idx="0">
+              <a:schemeClr val="accent1"/>
+            </a:fillRef>
+            <a:effectRef idx="0">
+              <a:schemeClr val="accent1"/>
+            </a:effectRef>
+            <a:fontRef idx="minor">
+              <a:schemeClr val="tx1"/>
+            </a:fontRef>
+          </p:style>
+        </p:cxnSp>
+        <p:cxnSp>
+          <p:nvCxnSpPr>
+            <p:cNvPr id="79" name="Straight Connector 78"/>
+            <p:cNvCxnSpPr/>
+            <p:nvPr/>
+          </p:nvCxnSpPr>
+          <p:spPr>
+            <a:xfrm>
+              <a:off x="3001309" y="1887165"/>
+              <a:ext cx="0" cy="272381"/>
+            </a:xfrm>
+            <a:prstGeom prst="line">
+              <a:avLst/>
+            </a:prstGeom>
+            <a:ln>
+              <a:solidFill>
+                <a:schemeClr val="tx1"/>
+              </a:solidFill>
+            </a:ln>
+          </p:spPr>
+          <p:style>
+            <a:lnRef idx="1">
+              <a:schemeClr val="accent1"/>
+            </a:lnRef>
+            <a:fillRef idx="0">
+              <a:schemeClr val="accent1"/>
+            </a:fillRef>
+            <a:effectRef idx="0">
+              <a:schemeClr val="accent1"/>
+            </a:effectRef>
+            <a:fontRef idx="minor">
+              <a:schemeClr val="tx1"/>
+            </a:fontRef>
+          </p:style>
+        </p:cxnSp>
+        <p:cxnSp>
+          <p:nvCxnSpPr>
+            <p:cNvPr id="80" name="Straight Connector 79"/>
+            <p:cNvCxnSpPr/>
+            <p:nvPr/>
+          </p:nvCxnSpPr>
+          <p:spPr>
+            <a:xfrm>
+              <a:off x="3915422" y="1167319"/>
+              <a:ext cx="9525" cy="992227"/>
+            </a:xfrm>
+            <a:prstGeom prst="line">
+              <a:avLst/>
+            </a:prstGeom>
+            <a:ln>
+              <a:solidFill>
+                <a:schemeClr val="tx1"/>
+              </a:solidFill>
+            </a:ln>
+          </p:spPr>
+          <p:style>
+            <a:lnRef idx="1">
+              <a:schemeClr val="accent1"/>
+            </a:lnRef>
+            <a:fillRef idx="0">
+              <a:schemeClr val="accent1"/>
+            </a:fillRef>
+            <a:effectRef idx="0">
+              <a:schemeClr val="accent1"/>
+            </a:effectRef>
+            <a:fontRef idx="minor">
+              <a:schemeClr val="tx1"/>
+            </a:fontRef>
+          </p:style>
+        </p:cxnSp>
+        <p:cxnSp>
+          <p:nvCxnSpPr>
+            <p:cNvPr id="81" name="Straight Connector 80"/>
+            <p:cNvCxnSpPr/>
+            <p:nvPr/>
+          </p:nvCxnSpPr>
+          <p:spPr>
+            <a:xfrm>
+              <a:off x="3565227" y="1323251"/>
+              <a:ext cx="9525" cy="836295"/>
+            </a:xfrm>
+            <a:prstGeom prst="line">
+              <a:avLst/>
+            </a:prstGeom>
+            <a:ln>
+              <a:solidFill>
+                <a:schemeClr val="tx1"/>
+              </a:solidFill>
+            </a:ln>
+          </p:spPr>
+          <p:style>
+            <a:lnRef idx="1">
+              <a:schemeClr val="accent1"/>
+            </a:lnRef>
+            <a:fillRef idx="0">
+              <a:schemeClr val="accent1"/>
+            </a:fillRef>
+            <a:effectRef idx="0">
+              <a:schemeClr val="accent1"/>
+            </a:effectRef>
+            <a:fontRef idx="minor">
+              <a:schemeClr val="tx1"/>
+            </a:fontRef>
+          </p:style>
+        </p:cxnSp>
+        <p:cxnSp>
+          <p:nvCxnSpPr>
+            <p:cNvPr id="82" name="Straight Connector 81"/>
+            <p:cNvCxnSpPr/>
+            <p:nvPr/>
+          </p:nvCxnSpPr>
+          <p:spPr>
+            <a:xfrm>
+              <a:off x="2796705" y="1167319"/>
+              <a:ext cx="768522" cy="155932"/>
+            </a:xfrm>
+            <a:prstGeom prst="line">
+              <a:avLst/>
+            </a:prstGeom>
+            <a:ln>
+              <a:solidFill>
+                <a:schemeClr val="tx1"/>
+              </a:solidFill>
+            </a:ln>
+          </p:spPr>
+          <p:style>
+            <a:lnRef idx="1">
+              <a:schemeClr val="accent1"/>
+            </a:lnRef>
+            <a:fillRef idx="0">
+              <a:schemeClr val="accent1"/>
+            </a:fillRef>
+            <a:effectRef idx="0">
+              <a:schemeClr val="accent1"/>
+            </a:effectRef>
+            <a:fontRef idx="minor">
+              <a:schemeClr val="tx1"/>
+            </a:fontRef>
+          </p:style>
+        </p:cxnSp>
+        <p:cxnSp>
+          <p:nvCxnSpPr>
+            <p:cNvPr id="83" name="Straight Arrow Connector 82"/>
+            <p:cNvCxnSpPr>
+              <a:endCxn id="67" idx="0"/>
+            </p:cNvCxnSpPr>
+            <p:nvPr/>
+          </p:nvCxnSpPr>
+          <p:spPr>
+            <a:xfrm>
+              <a:off x="2310050" y="2159546"/>
+              <a:ext cx="0" cy="279292"/>
+            </a:xfrm>
+            <a:prstGeom prst="straightConnector1">
+              <a:avLst/>
+            </a:prstGeom>
+            <a:ln>
+              <a:solidFill>
+                <a:schemeClr val="tx1"/>
+              </a:solidFill>
+              <a:tailEnd type="arrow"/>
+            </a:ln>
+          </p:spPr>
+          <p:style>
+            <a:lnRef idx="1">
+              <a:schemeClr val="accent1"/>
+            </a:lnRef>
+            <a:fillRef idx="0">
+              <a:schemeClr val="accent1"/>
+            </a:fillRef>
+            <a:effectRef idx="0">
+              <a:schemeClr val="accent1"/>
+            </a:effectRef>
+            <a:fontRef idx="minor">
+              <a:schemeClr val="tx1"/>
+            </a:fontRef>
+          </p:style>
+        </p:cxnSp>
+      </p:grpSp>
+      <p:sp>
+        <p:nvSpPr>
+          <p:cNvPr id="84" name="Rectangle 83"/>
+          <p:cNvSpPr/>
+          <p:nvPr/>
+        </p:nvSpPr>
+        <p:spPr>
+          <a:xfrm>
+            <a:off x="5078412" y="3387581"/>
+            <a:ext cx="1269306" cy="570813"/>
+          </a:xfrm>
+          <a:prstGeom prst="rect">
+            <a:avLst/>
+          </a:prstGeom>
+          <a:ln w="9525"/>
+        </p:spPr>
+        <p:style>
+          <a:lnRef idx="2">
+            <a:schemeClr val="dk1"/>
+          </a:lnRef>
+          <a:fillRef idx="1">
+            <a:schemeClr val="lt1"/>
+          </a:fillRef>
+          <a:effectRef idx="0">
+            <a:schemeClr val="dk1"/>
+          </a:effectRef>
+          <a:fontRef idx="minor">
+            <a:schemeClr val="dk1"/>
+          </a:fontRef>
+        </p:style>
+        <p:txBody>
+          <a:bodyPr rot="0" spcFirstLastPara="0" vert="horz" wrap="square" lIns="91440" tIns="45720" rIns="91440" bIns="45720" numCol="1" spcCol="0" rtlCol="0" fromWordArt="0" anchor="ctr" anchorCtr="0" forceAA="0" compatLnSpc="1">
+            <a:prstTxWarp prst="textNoShape">
+              <a:avLst/>
+            </a:prstTxWarp>
+            <a:noAutofit/>
+          </a:bodyPr>
+          <a:lstStyle/>
+          <a:p>
+            <a:pPr algn="ctr">
+              <a:lnSpc>
+                <a:spcPct val="115000"/>
+              </a:lnSpc>
+              <a:spcAft>
+                <a:spcPts val="1000"/>
+              </a:spcAft>
+            </a:pPr>
+            <a:r>
+              <a:rPr lang="en-GB" sz="1100" dirty="0" smtClean="0">
+                <a:effectLst/>
+                <a:latin typeface="Times New Roman"/>
+                <a:ea typeface="Calibri"/>
+              </a:rPr>
+              <a:t>Activate an Employee Account</a:t>
+            </a:r>
+            <a:endParaRPr lang="en-GB" sz="1200" dirty="0">
+              <a:effectLst/>
+              <a:latin typeface="Times New Roman"/>
+              <a:ea typeface="Times New Roman"/>
+            </a:endParaRPr>
+          </a:p>
+        </p:txBody>
+      </p:sp>
+      <p:sp>
+        <p:nvSpPr>
+          <p:cNvPr id="85" name="TextBox 84"/>
+          <p:cNvSpPr txBox="1"/>
+          <p:nvPr/>
+        </p:nvSpPr>
+        <p:spPr>
+          <a:xfrm>
+            <a:off x="294512" y="123686"/>
+            <a:ext cx="4707700" cy="523220"/>
+          </a:xfrm>
+          <a:prstGeom prst="rect">
+            <a:avLst/>
+          </a:prstGeom>
+          <a:noFill/>
+        </p:spPr>
+        <p:txBody>
+          <a:bodyPr wrap="square" rtlCol="0">
+            <a:spAutoFit/>
+          </a:bodyPr>
+          <a:lstStyle/>
+          <a:p>
+            <a:r>
+              <a:rPr lang="en-GB" sz="2800" b="1" dirty="0" smtClean="0">
+                <a:latin typeface="Times New Roman" panose="02020603050405020304" pitchFamily="18" charset="0"/>
+                <a:cs typeface="Times New Roman" panose="02020603050405020304" pitchFamily="18" charset="0"/>
+              </a:rPr>
+              <a:t>Gamification</a:t>
+            </a:r>
+            <a:endParaRPr lang="en-GB" sz="2800" b="1" dirty="0">
+              <a:latin typeface="Times New Roman" panose="02020603050405020304" pitchFamily="18" charset="0"/>
+              <a:cs typeface="Times New Roman" panose="02020603050405020304" pitchFamily="18" charset="0"/>
+            </a:endParaRPr>
+          </a:p>
+        </p:txBody>
+      </p:sp>
+      <p:sp>
+        <p:nvSpPr>
+          <p:cNvPr id="3" name="TextBox 2"/>
+          <p:cNvSpPr txBox="1"/>
+          <p:nvPr/>
+        </p:nvSpPr>
+        <p:spPr>
+          <a:xfrm>
+            <a:off x="464224" y="951706"/>
+            <a:ext cx="1337588" cy="369332"/>
+          </a:xfrm>
+          <a:prstGeom prst="rect">
+            <a:avLst/>
+          </a:prstGeom>
+          <a:noFill/>
+        </p:spPr>
+        <p:txBody>
+          <a:bodyPr wrap="square" rtlCol="0">
+            <a:spAutoFit/>
+          </a:bodyPr>
+          <a:lstStyle/>
+          <a:p>
+            <a:r>
+              <a:rPr lang="en-GB" b="1" dirty="0" smtClean="0">
+                <a:latin typeface="Times New Roman" panose="02020603050405020304" pitchFamily="18" charset="0"/>
+                <a:cs typeface="Times New Roman" panose="02020603050405020304" pitchFamily="18" charset="0"/>
+              </a:rPr>
+              <a:t>Admin :</a:t>
+            </a:r>
+            <a:endParaRPr lang="en-GB" b="1" dirty="0">
+              <a:latin typeface="Times New Roman" panose="02020603050405020304" pitchFamily="18" charset="0"/>
+              <a:cs typeface="Times New Roman" panose="02020603050405020304" pitchFamily="18" charset="0"/>
+            </a:endParaRPr>
+          </a:p>
+        </p:txBody>
+      </p:sp>
+      <p:sp>
+        <p:nvSpPr>
+          <p:cNvPr id="86" name="TextBox 85"/>
+          <p:cNvSpPr txBox="1"/>
+          <p:nvPr/>
+        </p:nvSpPr>
+        <p:spPr>
+          <a:xfrm>
+            <a:off x="4833937" y="827484"/>
+            <a:ext cx="1337588" cy="369332"/>
+          </a:xfrm>
+          <a:prstGeom prst="rect">
+            <a:avLst/>
+          </a:prstGeom>
+          <a:noFill/>
+        </p:spPr>
+        <p:txBody>
+          <a:bodyPr wrap="square" rtlCol="0">
+            <a:spAutoFit/>
+          </a:bodyPr>
+          <a:lstStyle/>
+          <a:p>
+            <a:r>
+              <a:rPr lang="en-GB" b="1" dirty="0" smtClean="0">
+                <a:latin typeface="Times New Roman" panose="02020603050405020304" pitchFamily="18" charset="0"/>
+                <a:cs typeface="Times New Roman" panose="02020603050405020304" pitchFamily="18" charset="0"/>
+              </a:rPr>
+              <a:t>Employee :</a:t>
+            </a:r>
+            <a:endParaRPr lang="en-GB" b="1" dirty="0">
+              <a:latin typeface="Times New Roman" panose="02020603050405020304" pitchFamily="18" charset="0"/>
+              <a:cs typeface="Times New Roman" panose="02020603050405020304" pitchFamily="18" charset="0"/>
+            </a:endParaRPr>
           </a:p>
         </p:txBody>
       </p:sp>

--- a/AmruthaMohan.pptx
+++ b/AmruthaMohan.pptx
@@ -5,10 +5,10 @@
     <p:sldMasterId id="2147483648" r:id="rId1"/>
   </p:sldMasterIdLst>
   <p:notesMasterIdLst>
-    <p:notesMasterId r:id="rId42"/>
+    <p:notesMasterId r:id="rId43"/>
   </p:notesMasterIdLst>
   <p:handoutMasterIdLst>
-    <p:handoutMasterId r:id="rId43"/>
+    <p:handoutMasterId r:id="rId44"/>
   </p:handoutMasterIdLst>
   <p:sldIdLst>
     <p:sldId id="257" r:id="rId2"/>
@@ -39,18 +39,19 @@
     <p:sldId id="291" r:id="rId27"/>
     <p:sldId id="292" r:id="rId28"/>
     <p:sldId id="293" r:id="rId29"/>
-    <p:sldId id="271" r:id="rId30"/>
-    <p:sldId id="272" r:id="rId31"/>
-    <p:sldId id="294" r:id="rId32"/>
-    <p:sldId id="296" r:id="rId33"/>
-    <p:sldId id="301" r:id="rId34"/>
-    <p:sldId id="300" r:id="rId35"/>
-    <p:sldId id="295" r:id="rId36"/>
-    <p:sldId id="273" r:id="rId37"/>
-    <p:sldId id="274" r:id="rId38"/>
-    <p:sldId id="275" r:id="rId39"/>
-    <p:sldId id="276" r:id="rId40"/>
-    <p:sldId id="277" r:id="rId41"/>
+    <p:sldId id="303" r:id="rId30"/>
+    <p:sldId id="271" r:id="rId31"/>
+    <p:sldId id="272" r:id="rId32"/>
+    <p:sldId id="294" r:id="rId33"/>
+    <p:sldId id="296" r:id="rId34"/>
+    <p:sldId id="301" r:id="rId35"/>
+    <p:sldId id="300" r:id="rId36"/>
+    <p:sldId id="295" r:id="rId37"/>
+    <p:sldId id="273" r:id="rId38"/>
+    <p:sldId id="274" r:id="rId39"/>
+    <p:sldId id="275" r:id="rId40"/>
+    <p:sldId id="276" r:id="rId41"/>
+    <p:sldId id="277" r:id="rId42"/>
   </p:sldIdLst>
   <p:sldSz cx="8785225" cy="5256213"/>
   <p:notesSz cx="6858000" cy="9144000"/>
@@ -151,7 +152,7 @@
   </p:defaultTextStyle>
   <p:extLst>
     <p:ext uri="{EFAFB233-063F-42B5-8137-9DF3F51BA10A}">
-      <p15:sldGuideLst xmlns:p15="http://schemas.microsoft.com/office/powerpoint/2012/main" xmlns="">
+      <p15:sldGuideLst xmlns="" xmlns:p15="http://schemas.microsoft.com/office/powerpoint/2012/main">
         <p15:guide id="1" orient="horz" pos="1656">
           <p15:clr>
             <a:srgbClr val="A4A3A4"/>
@@ -165,7 +166,7 @@
       </p15:sldGuideLst>
     </p:ext>
     <p:ext uri="{2D200454-40CA-4A62-9FC3-DE9A4176ACB9}">
-      <p15:notesGuideLst xmlns:p15="http://schemas.microsoft.com/office/powerpoint/2012/main" xmlns="">
+      <p15:notesGuideLst xmlns="" xmlns:p15="http://schemas.microsoft.com/office/powerpoint/2012/main">
         <p15:guide id="1" orient="horz" pos="2880">
           <p15:clr>
             <a:srgbClr val="A4A3A4"/>
@@ -264,7 +265,7 @@
           <a:p>
             <a:fld id="{2E403D10-7F5E-4FE6-8B11-C5F4484721E3}" type="datetimeFigureOut">
               <a:rPr lang="en-GB" smtClean="0"/>
-              <a:t>05/09/2018</a:t>
+              <a:t>06/09/2018</a:t>
             </a:fld>
             <a:endParaRPr lang="en-GB"/>
           </a:p>
@@ -429,7 +430,7 @@
           <a:p>
             <a:fld id="{9F5E9DC1-8FB7-41FF-9F50-7EF2E6EBE329}" type="datetimeFigureOut">
               <a:rPr lang="en-GB" smtClean="0"/>
-              <a:t>05/09/2018</a:t>
+              <a:t>06/09/2018</a:t>
             </a:fld>
             <a:endParaRPr lang="en-GB"/>
           </a:p>
@@ -879,7 +880,7 @@
             <a:fld id="{1D8BD707-D9CF-40AE-B4C6-C98DA3205C09}" type="datetimeFigureOut">
               <a:rPr lang="en-US" smtClean="0"/>
               <a:pPr/>
-              <a:t>9/5/2018</a:t>
+              <a:t>9/6/2018</a:t>
             </a:fld>
             <a:endParaRPr lang="en-US"/>
           </a:p>
@@ -1046,7 +1047,7 @@
             <a:fld id="{1D8BD707-D9CF-40AE-B4C6-C98DA3205C09}" type="datetimeFigureOut">
               <a:rPr lang="en-US" smtClean="0"/>
               <a:pPr/>
-              <a:t>9/5/2018</a:t>
+              <a:t>9/6/2018</a:t>
             </a:fld>
             <a:endParaRPr lang="en-US"/>
           </a:p>
@@ -1223,7 +1224,7 @@
             <a:fld id="{1D8BD707-D9CF-40AE-B4C6-C98DA3205C09}" type="datetimeFigureOut">
               <a:rPr lang="en-US" smtClean="0"/>
               <a:pPr/>
-              <a:t>9/5/2018</a:t>
+              <a:t>9/6/2018</a:t>
             </a:fld>
             <a:endParaRPr lang="en-US"/>
           </a:p>
@@ -2631,7 +2632,7 @@
           <a:p>
             <a:fld id="{B0712CAB-150C-4C67-A6F6-7AD476CA4C2E}" type="datetime5">
               <a:rPr lang="en-US" smtClean="0"/>
-              <a:t>5-Sep-18</a:t>
+              <a:t>6-Sep-18</a:t>
             </a:fld>
             <a:endParaRPr lang="en-GB"/>
           </a:p>
@@ -3024,7 +3025,7 @@
             <a:fld id="{1D8BD707-D9CF-40AE-B4C6-C98DA3205C09}" type="datetimeFigureOut">
               <a:rPr lang="en-US" smtClean="0"/>
               <a:pPr/>
-              <a:t>9/5/2018</a:t>
+              <a:t>9/6/2018</a:t>
             </a:fld>
             <a:endParaRPr lang="en-US"/>
           </a:p>
@@ -3267,7 +3268,7 @@
             <a:fld id="{1D8BD707-D9CF-40AE-B4C6-C98DA3205C09}" type="datetimeFigureOut">
               <a:rPr lang="en-US" smtClean="0"/>
               <a:pPr/>
-              <a:t>9/5/2018</a:t>
+              <a:t>9/6/2018</a:t>
             </a:fld>
             <a:endParaRPr lang="en-US"/>
           </a:p>
@@ -3552,7 +3553,7 @@
             <a:fld id="{1D8BD707-D9CF-40AE-B4C6-C98DA3205C09}" type="datetimeFigureOut">
               <a:rPr lang="en-US" smtClean="0"/>
               <a:pPr/>
-              <a:t>9/5/2018</a:t>
+              <a:t>9/6/2018</a:t>
             </a:fld>
             <a:endParaRPr lang="en-US"/>
           </a:p>
@@ -3971,7 +3972,7 @@
             <a:fld id="{1D8BD707-D9CF-40AE-B4C6-C98DA3205C09}" type="datetimeFigureOut">
               <a:rPr lang="en-US" smtClean="0"/>
               <a:pPr/>
-              <a:t>9/5/2018</a:t>
+              <a:t>9/6/2018</a:t>
             </a:fld>
             <a:endParaRPr lang="en-US"/>
           </a:p>
@@ -4086,7 +4087,7 @@
             <a:fld id="{1D8BD707-D9CF-40AE-B4C6-C98DA3205C09}" type="datetimeFigureOut">
               <a:rPr lang="en-US" smtClean="0"/>
               <a:pPr/>
-              <a:t>9/5/2018</a:t>
+              <a:t>9/6/2018</a:t>
             </a:fld>
             <a:endParaRPr lang="en-US"/>
           </a:p>
@@ -4178,7 +4179,7 @@
             <a:fld id="{1D8BD707-D9CF-40AE-B4C6-C98DA3205C09}" type="datetimeFigureOut">
               <a:rPr lang="en-US" smtClean="0"/>
               <a:pPr/>
-              <a:t>9/5/2018</a:t>
+              <a:t>9/6/2018</a:t>
             </a:fld>
             <a:endParaRPr lang="en-US"/>
           </a:p>
@@ -4452,7 +4453,7 @@
             <a:fld id="{1D8BD707-D9CF-40AE-B4C6-C98DA3205C09}" type="datetimeFigureOut">
               <a:rPr lang="en-US" smtClean="0"/>
               <a:pPr/>
-              <a:t>9/5/2018</a:t>
+              <a:t>9/6/2018</a:t>
             </a:fld>
             <a:endParaRPr lang="en-US"/>
           </a:p>
@@ -4702,7 +4703,7 @@
             <a:fld id="{1D8BD707-D9CF-40AE-B4C6-C98DA3205C09}" type="datetimeFigureOut">
               <a:rPr lang="en-US" smtClean="0"/>
               <a:pPr/>
-              <a:t>9/5/2018</a:t>
+              <a:t>9/6/2018</a:t>
             </a:fld>
             <a:endParaRPr lang="en-US"/>
           </a:p>
@@ -4912,7 +4913,7 @@
             <a:fld id="{1D8BD707-D9CF-40AE-B4C6-C98DA3205C09}" type="datetimeFigureOut">
               <a:rPr lang="en-US" smtClean="0"/>
               <a:pPr/>
-              <a:t>9/5/2018</a:t>
+              <a:t>9/6/2018</a:t>
             </a:fld>
             <a:endParaRPr lang="en-US"/>
           </a:p>
@@ -6715,14 +6716,7 @@
                 <a:latin typeface="Times New Roman" panose="02020603050405020304" pitchFamily="18" charset="0"/>
                 <a:cs typeface="Times New Roman" panose="02020603050405020304" pitchFamily="18" charset="0"/>
               </a:rPr>
-              <a:t>Admin : </a:t>
-            </a:r>
-            <a:r>
-              <a:rPr lang="en-GB" sz="2800" b="1" dirty="0" smtClean="0">
-                <a:latin typeface="Times New Roman" panose="02020603050405020304" pitchFamily="18" charset="0"/>
-                <a:cs typeface="Times New Roman" panose="02020603050405020304" pitchFamily="18" charset="0"/>
-              </a:rPr>
-              <a:t>Home Page</a:t>
+              <a:t>Admin : Home Page</a:t>
             </a:r>
             <a:endParaRPr lang="en-GB" sz="2800" b="1" dirty="0">
               <a:latin typeface="Times New Roman" panose="02020603050405020304" pitchFamily="18" charset="0"/>
@@ -9788,35 +9782,7 @@
                 <a:latin typeface="Times New Roman" panose="02020603050405020304" pitchFamily="18" charset="0"/>
                 <a:cs typeface="Times New Roman" panose="02020603050405020304" pitchFamily="18" charset="0"/>
               </a:rPr>
-              <a:t>Track </a:t>
-            </a:r>
-            <a:r>
-              <a:rPr lang="en-GB" sz="2000" dirty="0" smtClean="0">
-                <a:latin typeface="Times New Roman" panose="02020603050405020304" pitchFamily="18" charset="0"/>
-                <a:cs typeface="Times New Roman" panose="02020603050405020304" pitchFamily="18" charset="0"/>
-              </a:rPr>
-              <a:t>all </a:t>
-            </a:r>
-            <a:r>
-              <a:rPr lang="en-GB" sz="2000" dirty="0" smtClean="0">
-                <a:latin typeface="Times New Roman" panose="02020603050405020304" pitchFamily="18" charset="0"/>
-                <a:cs typeface="Times New Roman" panose="02020603050405020304" pitchFamily="18" charset="0"/>
-              </a:rPr>
-              <a:t>organizational data </a:t>
-            </a:r>
-            <a:r>
-              <a:rPr lang="en-GB" sz="2000" dirty="0" smtClean="0">
-                <a:latin typeface="Times New Roman" panose="02020603050405020304" pitchFamily="18" charset="0"/>
-                <a:cs typeface="Times New Roman" panose="02020603050405020304" pitchFamily="18" charset="0"/>
-              </a:rPr>
-              <a:t>and keep histories</a:t>
-            </a:r>
-            <a:r>
-              <a:rPr lang="en-GB" sz="2000" dirty="0" smtClean="0">
-                <a:latin typeface="Times New Roman" panose="02020603050405020304" pitchFamily="18" charset="0"/>
-                <a:cs typeface="Times New Roman" panose="02020603050405020304" pitchFamily="18" charset="0"/>
-              </a:rPr>
-              <a:t>.</a:t>
+              <a:t>Track all organizational data and keep histories.</a:t>
             </a:r>
           </a:p>
           <a:p>
@@ -9848,10 +9814,6 @@
               </a:rPr>
               <a:t>.</a:t>
             </a:r>
-            <a:endParaRPr lang="en-GB" sz="2000" dirty="0" smtClean="0">
-              <a:latin typeface="Times New Roman" panose="02020603050405020304" pitchFamily="18" charset="0"/>
-              <a:cs typeface="Times New Roman" panose="02020603050405020304" pitchFamily="18" charset="0"/>
-            </a:endParaRPr>
           </a:p>
           <a:p>
             <a:pPr marL="285750" indent="-285750">
@@ -9882,10 +9844,6 @@
               </a:rPr>
               <a:t>.</a:t>
             </a:r>
-            <a:endParaRPr lang="en-GB" sz="2000" dirty="0" smtClean="0">
-              <a:latin typeface="Times New Roman" panose="02020603050405020304" pitchFamily="18" charset="0"/>
-              <a:cs typeface="Times New Roman" panose="02020603050405020304" pitchFamily="18" charset="0"/>
-            </a:endParaRPr>
           </a:p>
           <a:p>
             <a:pPr marL="285750" indent="-285750">
@@ -10620,7 +10578,7 @@
       </p:grpSpPr>
       <p:sp>
         <p:nvSpPr>
-          <p:cNvPr id="9" name="Textplatzhalter 8"/>
+          <p:cNvPr id="11" name="Textplatzhalter 10"/>
           <p:cNvSpPr>
             <a:spLocks noGrp="1"/>
           </p:cNvSpPr>
@@ -10628,51 +10586,58 @@
             <p:ph type="body" sz="quarter" idx="19"/>
           </p:nvPr>
         </p:nvSpPr>
+        <p:spPr>
+          <a:xfrm>
+            <a:off x="0" y="8016"/>
+            <a:ext cx="7974008" cy="676049"/>
+          </a:xfrm>
+          <a:solidFill>
+            <a:schemeClr val="tx2">
+              <a:lumMod val="20000"/>
+              <a:lumOff val="80000"/>
+            </a:schemeClr>
+          </a:solidFill>
+          <a:ln>
+            <a:solidFill>
+              <a:schemeClr val="tx2">
+                <a:lumMod val="20000"/>
+                <a:lumOff val="80000"/>
+              </a:schemeClr>
+            </a:solidFill>
+          </a:ln>
+        </p:spPr>
+        <p:txBody>
+          <a:bodyPr/>
+          <a:lstStyle/>
+          <a:p>
+            <a:endParaRPr lang="de-DE" dirty="0"/>
+          </a:p>
+        </p:txBody>
+      </p:sp>
+      <p:sp>
+        <p:nvSpPr>
+          <p:cNvPr id="4" name="Foliennummernplatzhalter 3"/>
+          <p:cNvSpPr>
+            <a:spLocks noGrp="1"/>
+          </p:cNvSpPr>
+          <p:nvPr>
+            <p:ph type="sldNum" sz="quarter" idx="12"/>
+          </p:nvPr>
+        </p:nvSpPr>
         <p:spPr/>
         <p:txBody>
           <a:bodyPr/>
           <a:lstStyle/>
           <a:p>
-            <a:pPr marL="0" indent="0">
-              <a:buNone/>
-            </a:pPr>
-            <a:endParaRPr lang="de-DE" dirty="0"/>
-          </a:p>
-        </p:txBody>
-      </p:sp>
-      <p:pic>
-        <p:nvPicPr>
-          <p:cNvPr id="49" name="Grafik 8"/>
-          <p:cNvPicPr>
-            <a:picLocks noChangeAspect="1"/>
-          </p:cNvPicPr>
-          <p:nvPr/>
-        </p:nvPicPr>
-        <p:blipFill>
-          <a:blip r:embed="rId2">
-            <a:alphaModFix amt="45000"/>
-            <a:duotone>
-              <a:prstClr val="black"/>
-              <a:schemeClr val="tx2">
-                <a:tint val="45000"/>
-                <a:satMod val="400000"/>
-              </a:schemeClr>
-            </a:duotone>
-          </a:blip>
-          <a:stretch>
-            <a:fillRect/>
-          </a:stretch>
-        </p:blipFill>
-        <p:spPr>
-          <a:xfrm>
-            <a:off x="4392613" y="421526"/>
-            <a:ext cx="4392612" cy="4834689"/>
-          </a:xfrm>
-          <a:prstGeom prst="rect">
-            <a:avLst/>
-          </a:prstGeom>
-        </p:spPr>
-      </p:pic>
+            <a:fld id="{61201FF1-C63B-412E-ABF0-3D0E918900AC}" type="slidenum">
+              <a:rPr lang="en-GB" smtClean="0"/>
+              <a:pPr/>
+              <a:t>29</a:t>
+            </a:fld>
+            <a:endParaRPr lang="en-GB" dirty="0"/>
+          </a:p>
+        </p:txBody>
+      </p:sp>
       <p:sp>
         <p:nvSpPr>
           <p:cNvPr id="5" name="TextBox 4"/>
@@ -10681,8 +10646,8 @@
         </p:nvSpPr>
         <p:spPr>
           <a:xfrm>
-            <a:off x="582612" y="615118"/>
-            <a:ext cx="3657600" cy="2641977"/>
+            <a:off x="294512" y="123686"/>
+            <a:ext cx="4707700" cy="523220"/>
           </a:xfrm>
           <a:prstGeom prst="rect">
             <a:avLst/>
@@ -10695,43 +10660,860 @@
           </a:bodyPr>
           <a:lstStyle/>
           <a:p>
-            <a:pPr algn="ctr"/>
             <a:r>
-              <a:rPr lang="en-GB" sz="5400" b="1" dirty="0" smtClean="0">
-                <a:solidFill>
-                  <a:schemeClr val="bg1"/>
-                </a:solidFill>
-                <a:latin typeface="Allianz Serif" pitchFamily="50" charset="0"/>
+              <a:rPr lang="en-GB" sz="2800" b="1" dirty="0" smtClean="0">
+                <a:latin typeface="Times New Roman" panose="02020603050405020304" pitchFamily="18" charset="0"/>
                 <a:cs typeface="Times New Roman" panose="02020603050405020304" pitchFamily="18" charset="0"/>
               </a:rPr>
-              <a:t>07</a:t>
+              <a:t>Data Flow</a:t>
             </a:r>
-          </a:p>
-          <a:p>
-            <a:r>
-              <a:rPr lang="en-GB" sz="5400" b="1" dirty="0" smtClean="0">
-                <a:solidFill>
-                  <a:schemeClr val="bg1"/>
-                </a:solidFill>
-                <a:latin typeface="Allianz Serif" pitchFamily="50" charset="0"/>
-                <a:cs typeface="Times New Roman" panose="02020603050405020304" pitchFamily="18" charset="0"/>
-              </a:rPr>
-              <a:t>         SAS Technology</a:t>
-            </a:r>
-            <a:endParaRPr lang="en-GB" sz="5400" b="1" dirty="0">
+            <a:endParaRPr lang="en-GB" sz="2800" b="1" dirty="0">
+              <a:latin typeface="Times New Roman" panose="02020603050405020304" pitchFamily="18" charset="0"/>
+              <a:cs typeface="Times New Roman" panose="02020603050405020304" pitchFamily="18" charset="0"/>
+            </a:endParaRPr>
+          </a:p>
+        </p:txBody>
+      </p:sp>
+      <p:grpSp>
+        <p:nvGrpSpPr>
+          <p:cNvPr id="6" name="Canvas 1"/>
+          <p:cNvGrpSpPr/>
+          <p:nvPr/>
+        </p:nvGrpSpPr>
+        <p:grpSpPr>
+          <a:xfrm>
+            <a:off x="294512" y="1027905"/>
+            <a:ext cx="8060500" cy="4228308"/>
+            <a:chOff x="0" y="0"/>
+            <a:chExt cx="5856051" cy="2129790"/>
+          </a:xfrm>
+        </p:grpSpPr>
+        <p:sp>
+          <p:nvSpPr>
+            <p:cNvPr id="7" name="Rectangle 6"/>
+            <p:cNvSpPr/>
+            <p:nvPr/>
+          </p:nvSpPr>
+          <p:spPr>
+            <a:xfrm>
+              <a:off x="0" y="0"/>
+              <a:ext cx="5855970" cy="2129790"/>
+            </a:xfrm>
+            <a:prstGeom prst="rect">
+              <a:avLst/>
+            </a:prstGeom>
+          </p:spPr>
+        </p:sp>
+        <p:sp>
+          <p:nvSpPr>
+            <p:cNvPr id="8" name="Rectangle 7"/>
+            <p:cNvSpPr/>
+            <p:nvPr/>
+          </p:nvSpPr>
+          <p:spPr>
+            <a:xfrm>
+              <a:off x="1099170" y="301558"/>
+              <a:ext cx="3288003" cy="1352145"/>
+            </a:xfrm>
+            <a:prstGeom prst="rect">
+              <a:avLst/>
+            </a:prstGeom>
+            <a:ln w="3175"/>
+          </p:spPr>
+          <p:style>
+            <a:lnRef idx="2">
+              <a:schemeClr val="dk1"/>
+            </a:lnRef>
+            <a:fillRef idx="1">
+              <a:schemeClr val="lt1"/>
+            </a:fillRef>
+            <a:effectRef idx="0">
+              <a:schemeClr val="dk1"/>
+            </a:effectRef>
+            <a:fontRef idx="minor">
+              <a:schemeClr val="dk1"/>
+            </a:fontRef>
+          </p:style>
+          <p:txBody>
+            <a:bodyPr rot="0" spcFirstLastPara="0" vert="horz" wrap="square" lIns="91440" tIns="45720" rIns="91440" bIns="45720" numCol="1" spcCol="0" rtlCol="0" fromWordArt="0" anchor="ctr" anchorCtr="0" forceAA="0" compatLnSpc="1">
+              <a:prstTxWarp prst="textNoShape">
+                <a:avLst/>
+              </a:prstTxWarp>
+              <a:noAutofit/>
+            </a:bodyPr>
+            <a:lstStyle/>
+            <a:p>
+              <a:endParaRPr lang="en-GB"/>
+            </a:p>
+          </p:txBody>
+        </p:sp>
+        <p:sp>
+          <p:nvSpPr>
+            <p:cNvPr id="9" name="Rectangle 8"/>
+            <p:cNvSpPr/>
+            <p:nvPr/>
+          </p:nvSpPr>
+          <p:spPr>
+            <a:xfrm>
+              <a:off x="1342382" y="807397"/>
+              <a:ext cx="758785" cy="272374"/>
+            </a:xfrm>
+            <a:prstGeom prst="rect">
+              <a:avLst/>
+            </a:prstGeom>
+          </p:spPr>
+          <p:style>
+            <a:lnRef idx="1">
+              <a:schemeClr val="accent1"/>
+            </a:lnRef>
+            <a:fillRef idx="2">
+              <a:schemeClr val="accent1"/>
+            </a:fillRef>
+            <a:effectRef idx="1">
+              <a:schemeClr val="accent1"/>
+            </a:effectRef>
+            <a:fontRef idx="minor">
+              <a:schemeClr val="dk1"/>
+            </a:fontRef>
+          </p:style>
+          <p:txBody>
+            <a:bodyPr rot="0" spcFirstLastPara="0" vert="horz" wrap="square" lIns="91440" tIns="45720" rIns="91440" bIns="45720" numCol="1" spcCol="0" rtlCol="0" fromWordArt="0" anchor="ctr" anchorCtr="0" forceAA="0" compatLnSpc="1">
+              <a:prstTxWarp prst="textNoShape">
+                <a:avLst/>
+              </a:prstTxWarp>
+              <a:noAutofit/>
+            </a:bodyPr>
+            <a:lstStyle/>
+            <a:p>
+              <a:pPr algn="ctr">
+                <a:lnSpc>
+                  <a:spcPct val="115000"/>
+                </a:lnSpc>
+                <a:spcAft>
+                  <a:spcPts val="1000"/>
+                </a:spcAft>
+              </a:pPr>
+              <a:r>
+                <a:rPr lang="en-GB" sz="1100">
+                  <a:effectLst/>
+                  <a:ea typeface="Calibri"/>
+                  <a:cs typeface="Times New Roman"/>
+                </a:rPr>
+                <a:t>Platform</a:t>
+              </a:r>
+            </a:p>
+          </p:txBody>
+        </p:sp>
+        <p:sp>
+          <p:nvSpPr>
+            <p:cNvPr id="10" name="Rectangle 9"/>
+            <p:cNvSpPr/>
+            <p:nvPr/>
+          </p:nvSpPr>
+          <p:spPr>
+            <a:xfrm>
+              <a:off x="2324867" y="807397"/>
+              <a:ext cx="758190" cy="271780"/>
+            </a:xfrm>
+            <a:prstGeom prst="rect">
+              <a:avLst/>
+            </a:prstGeom>
+          </p:spPr>
+          <p:style>
+            <a:lnRef idx="1">
+              <a:schemeClr val="accent1"/>
+            </a:lnRef>
+            <a:fillRef idx="2">
+              <a:schemeClr val="accent1"/>
+            </a:fillRef>
+            <a:effectRef idx="1">
+              <a:schemeClr val="accent1"/>
+            </a:effectRef>
+            <a:fontRef idx="minor">
+              <a:schemeClr val="dk1"/>
+            </a:fontRef>
+          </p:style>
+          <p:txBody>
+            <a:bodyPr rot="0" spcFirstLastPara="0" vert="horz" wrap="square" lIns="91440" tIns="45720" rIns="91440" bIns="45720" numCol="1" spcCol="0" rtlCol="0" fromWordArt="0" anchor="ctr" anchorCtr="0" forceAA="0" compatLnSpc="1">
+              <a:prstTxWarp prst="textNoShape">
+                <a:avLst/>
+              </a:prstTxWarp>
+              <a:noAutofit/>
+            </a:bodyPr>
+            <a:lstStyle/>
+            <a:p>
+              <a:pPr algn="ctr">
+                <a:lnSpc>
+                  <a:spcPct val="115000"/>
+                </a:lnSpc>
+                <a:spcAft>
+                  <a:spcPts val="1000"/>
+                </a:spcAft>
+              </a:pPr>
+              <a:r>
+                <a:rPr lang="en-GB" sz="1100">
+                  <a:effectLst/>
+                  <a:latin typeface="Times New Roman"/>
+                  <a:ea typeface="Calibri"/>
+                </a:rPr>
+                <a:t>Model</a:t>
+              </a:r>
+              <a:endParaRPr lang="en-GB" sz="1200">
+                <a:effectLst/>
+                <a:latin typeface="Times New Roman"/>
+                <a:ea typeface="Times New Roman"/>
+              </a:endParaRPr>
+            </a:p>
+          </p:txBody>
+        </p:sp>
+        <p:sp>
+          <p:nvSpPr>
+            <p:cNvPr id="12" name="Rectangle 11"/>
+            <p:cNvSpPr/>
+            <p:nvPr/>
+          </p:nvSpPr>
+          <p:spPr>
+            <a:xfrm>
+              <a:off x="3316988" y="802571"/>
+              <a:ext cx="875655" cy="271780"/>
+            </a:xfrm>
+            <a:prstGeom prst="rect">
+              <a:avLst/>
+            </a:prstGeom>
+          </p:spPr>
+          <p:style>
+            <a:lnRef idx="1">
+              <a:schemeClr val="accent1"/>
+            </a:lnRef>
+            <a:fillRef idx="2">
+              <a:schemeClr val="accent1"/>
+            </a:fillRef>
+            <a:effectRef idx="1">
+              <a:schemeClr val="accent1"/>
+            </a:effectRef>
+            <a:fontRef idx="minor">
+              <a:schemeClr val="dk1"/>
+            </a:fontRef>
+          </p:style>
+          <p:txBody>
+            <a:bodyPr rot="0" spcFirstLastPara="0" vert="horz" wrap="square" lIns="91440" tIns="45720" rIns="91440" bIns="45720" numCol="1" spcCol="0" rtlCol="0" fromWordArt="0" anchor="ctr" anchorCtr="0" forceAA="0" compatLnSpc="1">
+              <a:prstTxWarp prst="textNoShape">
+                <a:avLst/>
+              </a:prstTxWarp>
+              <a:noAutofit/>
+            </a:bodyPr>
+            <a:lstStyle/>
+            <a:p>
+              <a:pPr algn="ctr">
+                <a:lnSpc>
+                  <a:spcPct val="115000"/>
+                </a:lnSpc>
+                <a:spcAft>
+                  <a:spcPts val="1000"/>
+                </a:spcAft>
+              </a:pPr>
+              <a:r>
+                <a:rPr lang="en-GB" sz="1100">
+                  <a:effectLst/>
+                  <a:latin typeface="Times New Roman"/>
+                  <a:ea typeface="Calibri"/>
+                </a:rPr>
+                <a:t>Summaries</a:t>
+              </a:r>
+              <a:endParaRPr lang="en-GB" sz="1200">
+                <a:effectLst/>
+                <a:latin typeface="Times New Roman"/>
+                <a:ea typeface="Times New Roman"/>
+              </a:endParaRPr>
+            </a:p>
+          </p:txBody>
+        </p:sp>
+        <p:sp>
+          <p:nvSpPr>
+            <p:cNvPr id="13" name="Text Box 11"/>
+            <p:cNvSpPr txBox="1"/>
+            <p:nvPr/>
+          </p:nvSpPr>
+          <p:spPr>
+            <a:xfrm>
+              <a:off x="2062224" y="1303506"/>
+              <a:ext cx="1167320" cy="262647"/>
+            </a:xfrm>
+            <a:prstGeom prst="rect">
+              <a:avLst/>
+            </a:prstGeom>
+            <a:solidFill>
+              <a:schemeClr val="lt1"/>
+            </a:solidFill>
+            <a:ln w="6350">
               <a:solidFill>
                 <a:schemeClr val="bg1"/>
               </a:solidFill>
-              <a:latin typeface="Allianz Serif" pitchFamily="50" charset="0"/>
-              <a:cs typeface="Times New Roman" panose="02020603050405020304" pitchFamily="18" charset="0"/>
-            </a:endParaRPr>
-          </a:p>
-        </p:txBody>
-      </p:sp>
+            </a:ln>
+            <a:effectLst/>
+          </p:spPr>
+          <p:style>
+            <a:lnRef idx="0">
+              <a:schemeClr val="accent1"/>
+            </a:lnRef>
+            <a:fillRef idx="0">
+              <a:schemeClr val="accent1"/>
+            </a:fillRef>
+            <a:effectRef idx="0">
+              <a:schemeClr val="accent1"/>
+            </a:effectRef>
+            <a:fontRef idx="minor">
+              <a:schemeClr val="dk1"/>
+            </a:fontRef>
+          </p:style>
+          <p:txBody>
+            <a:bodyPr rot="0" spcFirstLastPara="0" vert="horz" wrap="square" lIns="91440" tIns="45720" rIns="91440" bIns="45720" numCol="1" spcCol="0" rtlCol="0" fromWordArt="0" anchor="t" anchorCtr="0" forceAA="0" compatLnSpc="1">
+              <a:prstTxWarp prst="textNoShape">
+                <a:avLst/>
+              </a:prstTxWarp>
+              <a:noAutofit/>
+            </a:bodyPr>
+            <a:lstStyle/>
+            <a:p>
+              <a:pPr>
+                <a:lnSpc>
+                  <a:spcPct val="115000"/>
+                </a:lnSpc>
+                <a:spcAft>
+                  <a:spcPts val="1000"/>
+                </a:spcAft>
+              </a:pPr>
+              <a:r>
+                <a:rPr lang="en-GB" sz="1100">
+                  <a:effectLst/>
+                  <a:ea typeface="Calibri"/>
+                  <a:cs typeface="Times New Roman"/>
+                </a:rPr>
+                <a:t>Data Warehouse</a:t>
+              </a:r>
+            </a:p>
+          </p:txBody>
+        </p:sp>
+        <p:sp>
+          <p:nvSpPr>
+            <p:cNvPr id="14" name="Text Box 11"/>
+            <p:cNvSpPr txBox="1"/>
+            <p:nvPr/>
+          </p:nvSpPr>
+          <p:spPr>
+            <a:xfrm>
+              <a:off x="77821" y="882782"/>
+              <a:ext cx="574369" cy="101398"/>
+            </a:xfrm>
+            <a:prstGeom prst="rect">
+              <a:avLst/>
+            </a:prstGeom>
+            <a:solidFill>
+              <a:schemeClr val="lt1"/>
+            </a:solidFill>
+            <a:ln w="6350">
+              <a:solidFill>
+                <a:schemeClr val="bg1"/>
+              </a:solidFill>
+            </a:ln>
+            <a:effectLst/>
+          </p:spPr>
+          <p:style>
+            <a:lnRef idx="0">
+              <a:schemeClr val="accent1"/>
+            </a:lnRef>
+            <a:fillRef idx="0">
+              <a:schemeClr val="accent1"/>
+            </a:fillRef>
+            <a:effectRef idx="0">
+              <a:schemeClr val="accent1"/>
+            </a:effectRef>
+            <a:fontRef idx="minor">
+              <a:schemeClr val="dk1"/>
+            </a:fontRef>
+          </p:style>
+          <p:txBody>
+            <a:bodyPr rot="0" spcFirstLastPara="0" vert="horz" wrap="square" lIns="91440" tIns="45720" rIns="91440" bIns="45720" numCol="1" spcCol="0" rtlCol="0" fromWordArt="0" anchor="t" anchorCtr="0" forceAA="0" compatLnSpc="1">
+              <a:prstTxWarp prst="textNoShape">
+                <a:avLst/>
+              </a:prstTxWarp>
+              <a:noAutofit/>
+            </a:bodyPr>
+            <a:lstStyle/>
+            <a:p>
+              <a:pPr>
+                <a:lnSpc>
+                  <a:spcPct val="115000"/>
+                </a:lnSpc>
+                <a:spcAft>
+                  <a:spcPts val="1000"/>
+                </a:spcAft>
+              </a:pPr>
+              <a:r>
+                <a:rPr lang="en-GB" sz="1100" dirty="0">
+                  <a:effectLst/>
+                  <a:latin typeface="Times New Roman"/>
+                  <a:ea typeface="Calibri"/>
+                </a:rPr>
+                <a:t>Extracts</a:t>
+              </a:r>
+              <a:endParaRPr lang="en-GB" sz="1200" dirty="0">
+                <a:effectLst/>
+                <a:latin typeface="Times New Roman"/>
+                <a:ea typeface="Times New Roman"/>
+              </a:endParaRPr>
+            </a:p>
+          </p:txBody>
+        </p:sp>
+        <p:sp>
+          <p:nvSpPr>
+            <p:cNvPr id="15" name="Text Box 11"/>
+            <p:cNvSpPr txBox="1"/>
+            <p:nvPr/>
+          </p:nvSpPr>
+          <p:spPr>
+            <a:xfrm>
+              <a:off x="4611579" y="501405"/>
+              <a:ext cx="1244472" cy="262255"/>
+            </a:xfrm>
+            <a:prstGeom prst="rect">
+              <a:avLst/>
+            </a:prstGeom>
+            <a:solidFill>
+              <a:schemeClr val="lt1"/>
+            </a:solidFill>
+            <a:ln w="6350">
+              <a:solidFill>
+                <a:schemeClr val="bg1"/>
+              </a:solidFill>
+            </a:ln>
+            <a:effectLst/>
+          </p:spPr>
+          <p:style>
+            <a:lnRef idx="0">
+              <a:schemeClr val="accent1"/>
+            </a:lnRef>
+            <a:fillRef idx="0">
+              <a:schemeClr val="accent1"/>
+            </a:fillRef>
+            <a:effectRef idx="0">
+              <a:schemeClr val="accent1"/>
+            </a:effectRef>
+            <a:fontRef idx="minor">
+              <a:schemeClr val="dk1"/>
+            </a:fontRef>
+          </p:style>
+          <p:txBody>
+            <a:bodyPr rot="0" spcFirstLastPara="0" vert="horz" wrap="square" lIns="91440" tIns="45720" rIns="91440" bIns="45720" numCol="1" spcCol="0" rtlCol="0" fromWordArt="0" anchor="t" anchorCtr="0" forceAA="0" compatLnSpc="1">
+              <a:prstTxWarp prst="textNoShape">
+                <a:avLst/>
+              </a:prstTxWarp>
+              <a:noAutofit/>
+            </a:bodyPr>
+            <a:lstStyle/>
+            <a:p>
+              <a:pPr>
+                <a:lnSpc>
+                  <a:spcPct val="115000"/>
+                </a:lnSpc>
+                <a:spcAft>
+                  <a:spcPts val="1000"/>
+                </a:spcAft>
+              </a:pPr>
+              <a:r>
+                <a:rPr lang="en-GB" sz="1100">
+                  <a:effectLst/>
+                  <a:latin typeface="Times New Roman"/>
+                  <a:ea typeface="Calibri"/>
+                </a:rPr>
+                <a:t>DHOLAP Reports</a:t>
+              </a:r>
+              <a:endParaRPr lang="en-GB" sz="1200">
+                <a:effectLst/>
+                <a:latin typeface="Times New Roman"/>
+                <a:ea typeface="Times New Roman"/>
+              </a:endParaRPr>
+            </a:p>
+          </p:txBody>
+        </p:sp>
+        <p:sp>
+          <p:nvSpPr>
+            <p:cNvPr id="16" name="Text Box 11"/>
+            <p:cNvSpPr txBox="1"/>
+            <p:nvPr/>
+          </p:nvSpPr>
+          <p:spPr>
+            <a:xfrm>
+              <a:off x="4610172" y="812690"/>
+              <a:ext cx="953867" cy="262255"/>
+            </a:xfrm>
+            <a:prstGeom prst="rect">
+              <a:avLst/>
+            </a:prstGeom>
+            <a:solidFill>
+              <a:schemeClr val="lt1"/>
+            </a:solidFill>
+            <a:ln w="6350">
+              <a:solidFill>
+                <a:schemeClr val="bg1"/>
+              </a:solidFill>
+            </a:ln>
+            <a:effectLst/>
+          </p:spPr>
+          <p:style>
+            <a:lnRef idx="0">
+              <a:schemeClr val="accent1"/>
+            </a:lnRef>
+            <a:fillRef idx="0">
+              <a:schemeClr val="accent1"/>
+            </a:fillRef>
+            <a:effectRef idx="0">
+              <a:schemeClr val="accent1"/>
+            </a:effectRef>
+            <a:fontRef idx="minor">
+              <a:schemeClr val="dk1"/>
+            </a:fontRef>
+          </p:style>
+          <p:txBody>
+            <a:bodyPr rot="0" spcFirstLastPara="0" vert="horz" wrap="square" lIns="91440" tIns="45720" rIns="91440" bIns="45720" numCol="1" spcCol="0" rtlCol="0" fromWordArt="0" anchor="t" anchorCtr="0" forceAA="0" compatLnSpc="1">
+              <a:prstTxWarp prst="textNoShape">
+                <a:avLst/>
+              </a:prstTxWarp>
+              <a:noAutofit/>
+            </a:bodyPr>
+            <a:lstStyle/>
+            <a:p>
+              <a:pPr>
+                <a:lnSpc>
+                  <a:spcPct val="115000"/>
+                </a:lnSpc>
+                <a:spcAft>
+                  <a:spcPts val="1000"/>
+                </a:spcAft>
+              </a:pPr>
+              <a:r>
+                <a:rPr lang="en-GB" sz="1100">
+                  <a:effectLst/>
+                  <a:latin typeface="Times New Roman"/>
+                  <a:ea typeface="Calibri"/>
+                </a:rPr>
+                <a:t>Web Reports</a:t>
+              </a:r>
+              <a:endParaRPr lang="en-GB" sz="1200">
+                <a:effectLst/>
+                <a:latin typeface="Times New Roman"/>
+                <a:ea typeface="Times New Roman"/>
+              </a:endParaRPr>
+            </a:p>
+          </p:txBody>
+        </p:sp>
+        <p:sp>
+          <p:nvSpPr>
+            <p:cNvPr id="17" name="Text Box 11"/>
+            <p:cNvSpPr txBox="1"/>
+            <p:nvPr/>
+          </p:nvSpPr>
+          <p:spPr>
+            <a:xfrm>
+              <a:off x="4639940" y="1147858"/>
+              <a:ext cx="719993" cy="262255"/>
+            </a:xfrm>
+            <a:prstGeom prst="rect">
+              <a:avLst/>
+            </a:prstGeom>
+            <a:solidFill>
+              <a:schemeClr val="lt1"/>
+            </a:solidFill>
+            <a:ln w="6350">
+              <a:solidFill>
+                <a:schemeClr val="bg1"/>
+              </a:solidFill>
+            </a:ln>
+            <a:effectLst/>
+          </p:spPr>
+          <p:style>
+            <a:lnRef idx="0">
+              <a:schemeClr val="accent1"/>
+            </a:lnRef>
+            <a:fillRef idx="0">
+              <a:schemeClr val="accent1"/>
+            </a:fillRef>
+            <a:effectRef idx="0">
+              <a:schemeClr val="accent1"/>
+            </a:effectRef>
+            <a:fontRef idx="minor">
+              <a:schemeClr val="dk1"/>
+            </a:fontRef>
+          </p:style>
+          <p:txBody>
+            <a:bodyPr rot="0" spcFirstLastPara="0" vert="horz" wrap="square" lIns="91440" tIns="45720" rIns="91440" bIns="45720" numCol="1" spcCol="0" rtlCol="0" fromWordArt="0" anchor="t" anchorCtr="0" forceAA="0" compatLnSpc="1">
+              <a:prstTxWarp prst="textNoShape">
+                <a:avLst/>
+              </a:prstTxWarp>
+              <a:noAutofit/>
+            </a:bodyPr>
+            <a:lstStyle/>
+            <a:p>
+              <a:pPr>
+                <a:lnSpc>
+                  <a:spcPct val="115000"/>
+                </a:lnSpc>
+                <a:spcAft>
+                  <a:spcPts val="1000"/>
+                </a:spcAft>
+              </a:pPr>
+              <a:r>
+                <a:rPr lang="en-GB" sz="1100">
+                  <a:effectLst/>
+                  <a:latin typeface="Times New Roman"/>
+                  <a:ea typeface="Calibri"/>
+                </a:rPr>
+                <a:t>Excels</a:t>
+              </a:r>
+              <a:endParaRPr lang="en-GB" sz="1200">
+                <a:effectLst/>
+                <a:latin typeface="Times New Roman"/>
+                <a:ea typeface="Times New Roman"/>
+              </a:endParaRPr>
+            </a:p>
+          </p:txBody>
+        </p:sp>
+        <p:cxnSp>
+          <p:nvCxnSpPr>
+            <p:cNvPr id="18" name="Straight Arrow Connector 17"/>
+            <p:cNvCxnSpPr>
+              <a:endCxn id="9" idx="1"/>
+            </p:cNvCxnSpPr>
+            <p:nvPr/>
+          </p:nvCxnSpPr>
+          <p:spPr>
+            <a:xfrm>
+              <a:off x="710001" y="943427"/>
+              <a:ext cx="632381" cy="157"/>
+            </a:xfrm>
+            <a:prstGeom prst="straightConnector1">
+              <a:avLst/>
+            </a:prstGeom>
+            <a:ln>
+              <a:tailEnd type="arrow"/>
+            </a:ln>
+          </p:spPr>
+          <p:style>
+            <a:lnRef idx="1">
+              <a:schemeClr val="accent1"/>
+            </a:lnRef>
+            <a:fillRef idx="0">
+              <a:schemeClr val="accent1"/>
+            </a:fillRef>
+            <a:effectRef idx="0">
+              <a:schemeClr val="accent1"/>
+            </a:effectRef>
+            <a:fontRef idx="minor">
+              <a:schemeClr val="tx1"/>
+            </a:fontRef>
+          </p:style>
+        </p:cxnSp>
+        <p:cxnSp>
+          <p:nvCxnSpPr>
+            <p:cNvPr id="19" name="Straight Arrow Connector 18"/>
+            <p:cNvCxnSpPr>
+              <a:stCxn id="12" idx="3"/>
+              <a:endCxn id="15" idx="1"/>
+            </p:cNvCxnSpPr>
+            <p:nvPr/>
+          </p:nvCxnSpPr>
+          <p:spPr>
+            <a:xfrm flipV="1">
+              <a:off x="4192643" y="632533"/>
+              <a:ext cx="418936" cy="305928"/>
+            </a:xfrm>
+            <a:prstGeom prst="straightConnector1">
+              <a:avLst/>
+            </a:prstGeom>
+            <a:ln>
+              <a:tailEnd type="arrow"/>
+            </a:ln>
+          </p:spPr>
+          <p:style>
+            <a:lnRef idx="1">
+              <a:schemeClr val="accent1"/>
+            </a:lnRef>
+            <a:fillRef idx="0">
+              <a:schemeClr val="accent1"/>
+            </a:fillRef>
+            <a:effectRef idx="0">
+              <a:schemeClr val="accent1"/>
+            </a:effectRef>
+            <a:fontRef idx="minor">
+              <a:schemeClr val="tx1"/>
+            </a:fontRef>
+          </p:style>
+        </p:cxnSp>
+        <p:cxnSp>
+          <p:nvCxnSpPr>
+            <p:cNvPr id="20" name="Straight Arrow Connector 19"/>
+            <p:cNvCxnSpPr>
+              <a:stCxn id="12" idx="3"/>
+              <a:endCxn id="16" idx="1"/>
+            </p:cNvCxnSpPr>
+            <p:nvPr/>
+          </p:nvCxnSpPr>
+          <p:spPr>
+            <a:xfrm>
+              <a:off x="4192643" y="938461"/>
+              <a:ext cx="417529" cy="5357"/>
+            </a:xfrm>
+            <a:prstGeom prst="straightConnector1">
+              <a:avLst/>
+            </a:prstGeom>
+            <a:ln>
+              <a:tailEnd type="arrow"/>
+            </a:ln>
+          </p:spPr>
+          <p:style>
+            <a:lnRef idx="1">
+              <a:schemeClr val="accent1"/>
+            </a:lnRef>
+            <a:fillRef idx="0">
+              <a:schemeClr val="accent1"/>
+            </a:fillRef>
+            <a:effectRef idx="0">
+              <a:schemeClr val="accent1"/>
+            </a:effectRef>
+            <a:fontRef idx="minor">
+              <a:schemeClr val="tx1"/>
+            </a:fontRef>
+          </p:style>
+        </p:cxnSp>
+        <p:cxnSp>
+          <p:nvCxnSpPr>
+            <p:cNvPr id="21" name="Straight Arrow Connector 20"/>
+            <p:cNvCxnSpPr>
+              <a:stCxn id="12" idx="3"/>
+              <a:endCxn id="17" idx="1"/>
+            </p:cNvCxnSpPr>
+            <p:nvPr/>
+          </p:nvCxnSpPr>
+          <p:spPr>
+            <a:xfrm>
+              <a:off x="4192643" y="938461"/>
+              <a:ext cx="447297" cy="340525"/>
+            </a:xfrm>
+            <a:prstGeom prst="straightConnector1">
+              <a:avLst/>
+            </a:prstGeom>
+            <a:ln>
+              <a:tailEnd type="arrow"/>
+            </a:ln>
+          </p:spPr>
+          <p:style>
+            <a:lnRef idx="1">
+              <a:schemeClr val="accent1"/>
+            </a:lnRef>
+            <a:fillRef idx="0">
+              <a:schemeClr val="accent1"/>
+            </a:fillRef>
+            <a:effectRef idx="0">
+              <a:schemeClr val="accent1"/>
+            </a:effectRef>
+            <a:fontRef idx="minor">
+              <a:schemeClr val="tx1"/>
+            </a:fontRef>
+          </p:style>
+        </p:cxnSp>
+        <p:sp>
+          <p:nvSpPr>
+            <p:cNvPr id="22" name="Right Arrow 21"/>
+            <p:cNvSpPr/>
+            <p:nvPr/>
+          </p:nvSpPr>
+          <p:spPr>
+            <a:xfrm>
+              <a:off x="2101102" y="938461"/>
+              <a:ext cx="223693" cy="45719"/>
+            </a:xfrm>
+            <a:prstGeom prst="rightArrow">
+              <a:avLst/>
+            </a:prstGeom>
+          </p:spPr>
+          <p:style>
+            <a:lnRef idx="2">
+              <a:schemeClr val="accent1">
+                <a:shade val="50000"/>
+              </a:schemeClr>
+            </a:lnRef>
+            <a:fillRef idx="1">
+              <a:schemeClr val="accent1"/>
+            </a:fillRef>
+            <a:effectRef idx="0">
+              <a:schemeClr val="accent1"/>
+            </a:effectRef>
+            <a:fontRef idx="minor">
+              <a:schemeClr val="lt1"/>
+            </a:fontRef>
+          </p:style>
+          <p:txBody>
+            <a:bodyPr rot="0" spcFirstLastPara="0" vert="horz" wrap="square" lIns="91440" tIns="45720" rIns="91440" bIns="45720" numCol="1" spcCol="0" rtlCol="0" fromWordArt="0" anchor="ctr" anchorCtr="0" forceAA="0" compatLnSpc="1">
+              <a:prstTxWarp prst="textNoShape">
+                <a:avLst/>
+              </a:prstTxWarp>
+              <a:noAutofit/>
+            </a:bodyPr>
+            <a:lstStyle/>
+            <a:p>
+              <a:endParaRPr lang="en-GB"/>
+            </a:p>
+          </p:txBody>
+        </p:sp>
+        <p:sp>
+          <p:nvSpPr>
+            <p:cNvPr id="23" name="Right Arrow 22"/>
+            <p:cNvSpPr/>
+            <p:nvPr/>
+          </p:nvSpPr>
+          <p:spPr>
+            <a:xfrm>
+              <a:off x="3082968" y="933636"/>
+              <a:ext cx="223520" cy="45085"/>
+            </a:xfrm>
+            <a:prstGeom prst="rightArrow">
+              <a:avLst/>
+            </a:prstGeom>
+          </p:spPr>
+          <p:style>
+            <a:lnRef idx="2">
+              <a:schemeClr val="accent1">
+                <a:shade val="50000"/>
+              </a:schemeClr>
+            </a:lnRef>
+            <a:fillRef idx="1">
+              <a:schemeClr val="accent1"/>
+            </a:fillRef>
+            <a:effectRef idx="0">
+              <a:schemeClr val="accent1"/>
+            </a:effectRef>
+            <a:fontRef idx="minor">
+              <a:schemeClr val="lt1"/>
+            </a:fontRef>
+          </p:style>
+          <p:txBody>
+            <a:bodyPr rot="0" spcFirstLastPara="0" vert="horz" wrap="square" lIns="91440" tIns="45720" rIns="91440" bIns="45720" numCol="1" spcCol="0" rtlCol="0" fromWordArt="0" anchor="ctr" anchorCtr="0" forceAA="0" compatLnSpc="1">
+              <a:prstTxWarp prst="textNoShape">
+                <a:avLst/>
+              </a:prstTxWarp>
+              <a:noAutofit/>
+            </a:bodyPr>
+            <a:lstStyle/>
+            <a:p>
+              <a:endParaRPr lang="en-GB"/>
+            </a:p>
+          </p:txBody>
+        </p:sp>
+      </p:grpSp>
     </p:spTree>
     <p:extLst>
       <p:ext uri="{BB962C8B-B14F-4D97-AF65-F5344CB8AC3E}">
-        <p14:creationId xmlns:p14="http://schemas.microsoft.com/office/powerpoint/2010/main" val="680084884"/>
+        <p14:creationId xmlns:p14="http://schemas.microsoft.com/office/powerpoint/2010/main" val="3415427190"/>
       </p:ext>
     </p:extLst>
   </p:cSld>
@@ -10914,6 +11696,153 @@
       </p:grpSpPr>
       <p:sp>
         <p:nvSpPr>
+          <p:cNvPr id="9" name="Textplatzhalter 8"/>
+          <p:cNvSpPr>
+            <a:spLocks noGrp="1"/>
+          </p:cNvSpPr>
+          <p:nvPr>
+            <p:ph type="body" sz="quarter" idx="19"/>
+          </p:nvPr>
+        </p:nvSpPr>
+        <p:spPr/>
+        <p:txBody>
+          <a:bodyPr/>
+          <a:lstStyle/>
+          <a:p>
+            <a:pPr marL="0" indent="0">
+              <a:buNone/>
+            </a:pPr>
+            <a:endParaRPr lang="de-DE" dirty="0"/>
+          </a:p>
+        </p:txBody>
+      </p:sp>
+      <p:pic>
+        <p:nvPicPr>
+          <p:cNvPr id="49" name="Grafik 8"/>
+          <p:cNvPicPr>
+            <a:picLocks noChangeAspect="1"/>
+          </p:cNvPicPr>
+          <p:nvPr/>
+        </p:nvPicPr>
+        <p:blipFill>
+          <a:blip r:embed="rId2">
+            <a:alphaModFix amt="45000"/>
+            <a:duotone>
+              <a:prstClr val="black"/>
+              <a:schemeClr val="tx2">
+                <a:tint val="45000"/>
+                <a:satMod val="400000"/>
+              </a:schemeClr>
+            </a:duotone>
+          </a:blip>
+          <a:stretch>
+            <a:fillRect/>
+          </a:stretch>
+        </p:blipFill>
+        <p:spPr>
+          <a:xfrm>
+            <a:off x="4392613" y="421526"/>
+            <a:ext cx="4392612" cy="4834689"/>
+          </a:xfrm>
+          <a:prstGeom prst="rect">
+            <a:avLst/>
+          </a:prstGeom>
+        </p:spPr>
+      </p:pic>
+      <p:sp>
+        <p:nvSpPr>
+          <p:cNvPr id="5" name="TextBox 4"/>
+          <p:cNvSpPr txBox="1"/>
+          <p:nvPr/>
+        </p:nvSpPr>
+        <p:spPr>
+          <a:xfrm>
+            <a:off x="582612" y="615118"/>
+            <a:ext cx="3657600" cy="2641977"/>
+          </a:xfrm>
+          <a:prstGeom prst="rect">
+            <a:avLst/>
+          </a:prstGeom>
+          <a:noFill/>
+        </p:spPr>
+        <p:txBody>
+          <a:bodyPr wrap="square" rtlCol="0">
+            <a:spAutoFit/>
+          </a:bodyPr>
+          <a:lstStyle/>
+          <a:p>
+            <a:pPr algn="ctr"/>
+            <a:r>
+              <a:rPr lang="en-GB" sz="5400" b="1" dirty="0" smtClean="0">
+                <a:solidFill>
+                  <a:schemeClr val="bg1"/>
+                </a:solidFill>
+                <a:latin typeface="Allianz Serif" pitchFamily="50" charset="0"/>
+                <a:cs typeface="Times New Roman" panose="02020603050405020304" pitchFamily="18" charset="0"/>
+              </a:rPr>
+              <a:t>07</a:t>
+            </a:r>
+          </a:p>
+          <a:p>
+            <a:r>
+              <a:rPr lang="en-GB" sz="5400" b="1" dirty="0" smtClean="0">
+                <a:solidFill>
+                  <a:schemeClr val="bg1"/>
+                </a:solidFill>
+                <a:latin typeface="Allianz Serif" pitchFamily="50" charset="0"/>
+                <a:cs typeface="Times New Roman" panose="02020603050405020304" pitchFamily="18" charset="0"/>
+              </a:rPr>
+              <a:t>         SAS Technology</a:t>
+            </a:r>
+            <a:endParaRPr lang="en-GB" sz="5400" b="1" dirty="0">
+              <a:solidFill>
+                <a:schemeClr val="bg1"/>
+              </a:solidFill>
+              <a:latin typeface="Allianz Serif" pitchFamily="50" charset="0"/>
+              <a:cs typeface="Times New Roman" panose="02020603050405020304" pitchFamily="18" charset="0"/>
+            </a:endParaRPr>
+          </a:p>
+        </p:txBody>
+      </p:sp>
+    </p:spTree>
+    <p:extLst>
+      <p:ext uri="{BB962C8B-B14F-4D97-AF65-F5344CB8AC3E}">
+        <p14:creationId xmlns:p14="http://schemas.microsoft.com/office/powerpoint/2010/main" val="680084884"/>
+      </p:ext>
+    </p:extLst>
+  </p:cSld>
+  <p:clrMapOvr>
+    <a:masterClrMapping/>
+  </p:clrMapOvr>
+  <p:timing>
+    <p:tnLst>
+      <p:par>
+        <p:cTn id="1" dur="indefinite" restart="never" nodeType="tmRoot"/>
+      </p:par>
+    </p:tnLst>
+  </p:timing>
+</p:sld>
+</file>
+
+<file path=ppt/slides/slide31.xml><?xml version="1.0" encoding="utf-8"?>
+<p:sld xmlns:a="http://schemas.openxmlformats.org/drawingml/2006/main" xmlns:r="http://schemas.openxmlformats.org/officeDocument/2006/relationships" xmlns:p="http://schemas.openxmlformats.org/presentationml/2006/main">
+  <p:cSld>
+    <p:spTree>
+      <p:nvGrpSpPr>
+        <p:cNvPr id="1" name=""/>
+        <p:cNvGrpSpPr/>
+        <p:nvPr/>
+      </p:nvGrpSpPr>
+      <p:grpSpPr>
+        <a:xfrm>
+          <a:off x="0" y="0"/>
+          <a:ext cx="0" cy="0"/>
+          <a:chOff x="0" y="0"/>
+          <a:chExt cx="0" cy="0"/>
+        </a:xfrm>
+      </p:grpSpPr>
+      <p:sp>
+        <p:nvSpPr>
           <p:cNvPr id="11" name="Textplatzhalter 10"/>
           <p:cNvSpPr>
             <a:spLocks noGrp="1"/>
@@ -10968,7 +11897,7 @@
             <a:fld id="{61201FF1-C63B-412E-ABF0-3D0E918900AC}" type="slidenum">
               <a:rPr lang="en-GB" smtClean="0"/>
               <a:pPr/>
-              <a:t>30</a:t>
+              <a:t>31</a:t>
             </a:fld>
             <a:endParaRPr lang="en-GB" dirty="0"/>
           </a:p>
@@ -11018,8 +11947,8 @@
         </p:nvSpPr>
         <p:spPr>
           <a:xfrm>
-            <a:off x="294512" y="1027906"/>
-            <a:ext cx="7450900" cy="3785652"/>
+            <a:off x="294512" y="951706"/>
+            <a:ext cx="7450900" cy="4093428"/>
           </a:xfrm>
           <a:prstGeom prst="rect">
             <a:avLst/>
@@ -11138,8 +12067,56 @@
                 <a:latin typeface="Times New Roman" panose="02020603050405020304" pitchFamily="18" charset="0"/>
                 <a:cs typeface="Times New Roman" panose="02020603050405020304" pitchFamily="18" charset="0"/>
               </a:rPr>
-              <a:t>: How to read data.</a:t>
+              <a:t>: How to read data</a:t>
             </a:r>
+            <a:r>
+              <a:rPr lang="en-GB" sz="2000" dirty="0" smtClean="0">
+                <a:latin typeface="Times New Roman" panose="02020603050405020304" pitchFamily="18" charset="0"/>
+                <a:cs typeface="Times New Roman" panose="02020603050405020304" pitchFamily="18" charset="0"/>
+              </a:rPr>
+              <a:t>.</a:t>
+            </a:r>
+          </a:p>
+          <a:p>
+            <a:r>
+              <a:rPr lang="en-GB" sz="2000" dirty="0">
+                <a:latin typeface="Times New Roman" panose="02020603050405020304" pitchFamily="18" charset="0"/>
+                <a:cs typeface="Times New Roman" panose="02020603050405020304" pitchFamily="18" charset="0"/>
+              </a:rPr>
+              <a:t>	</a:t>
+            </a:r>
+            <a:r>
+              <a:rPr lang="en-GB" sz="2000" dirty="0" err="1" smtClean="0">
+                <a:latin typeface="Times New Roman" panose="02020603050405020304" pitchFamily="18" charset="0"/>
+                <a:cs typeface="Times New Roman" panose="02020603050405020304" pitchFamily="18" charset="0"/>
+              </a:rPr>
+              <a:t>Eg</a:t>
+            </a:r>
+            <a:r>
+              <a:rPr lang="en-GB" sz="2000" dirty="0" smtClean="0">
+                <a:latin typeface="Times New Roman" panose="02020603050405020304" pitchFamily="18" charset="0"/>
+                <a:cs typeface="Times New Roman" panose="02020603050405020304" pitchFamily="18" charset="0"/>
+              </a:rPr>
+              <a:t> : </a:t>
+            </a:r>
+            <a:r>
+              <a:rPr lang="en-GB" sz="2000" dirty="0" err="1" smtClean="0">
+                <a:latin typeface="Times New Roman" panose="02020603050405020304" pitchFamily="18" charset="0"/>
+                <a:cs typeface="Times New Roman" panose="02020603050405020304" pitchFamily="18" charset="0"/>
+              </a:rPr>
+              <a:t>DATEw</a:t>
+            </a:r>
+            <a:r>
+              <a:rPr lang="en-GB" sz="2000" dirty="0" smtClean="0">
+                <a:latin typeface="Times New Roman" panose="02020603050405020304" pitchFamily="18" charset="0"/>
+                <a:cs typeface="Times New Roman" panose="02020603050405020304" pitchFamily="18" charset="0"/>
+              </a:rPr>
+              <a:t>. Like date7. (16AUG95)</a:t>
+            </a:r>
+            <a:endParaRPr lang="en-GB" sz="2000" dirty="0" smtClean="0">
+              <a:latin typeface="Times New Roman" panose="02020603050405020304" pitchFamily="18" charset="0"/>
+              <a:cs typeface="Times New Roman" panose="02020603050405020304" pitchFamily="18" charset="0"/>
+            </a:endParaRPr>
           </a:p>
           <a:p>
             <a:pPr marL="285750" indent="-285750">
@@ -11197,289 +12174,6 @@
     <p:extLst>
       <p:ext uri="{BB962C8B-B14F-4D97-AF65-F5344CB8AC3E}">
         <p14:creationId xmlns:p14="http://schemas.microsoft.com/office/powerpoint/2010/main" val="1462879094"/>
-      </p:ext>
-    </p:extLst>
-  </p:cSld>
-  <p:clrMapOvr>
-    <a:masterClrMapping/>
-  </p:clrMapOvr>
-  <p:timing>
-    <p:tnLst>
-      <p:par>
-        <p:cTn id="1" dur="indefinite" restart="never" nodeType="tmRoot"/>
-      </p:par>
-    </p:tnLst>
-  </p:timing>
-</p:sld>
-</file>
-
-<file path=ppt/slides/slide31.xml><?xml version="1.0" encoding="utf-8"?>
-<p:sld xmlns:a="http://schemas.openxmlformats.org/drawingml/2006/main" xmlns:r="http://schemas.openxmlformats.org/officeDocument/2006/relationships" xmlns:p="http://schemas.openxmlformats.org/presentationml/2006/main">
-  <p:cSld>
-    <p:spTree>
-      <p:nvGrpSpPr>
-        <p:cNvPr id="1" name=""/>
-        <p:cNvGrpSpPr/>
-        <p:nvPr/>
-      </p:nvGrpSpPr>
-      <p:grpSpPr>
-        <a:xfrm>
-          <a:off x="0" y="0"/>
-          <a:ext cx="0" cy="0"/>
-          <a:chOff x="0" y="0"/>
-          <a:chExt cx="0" cy="0"/>
-        </a:xfrm>
-      </p:grpSpPr>
-      <p:sp>
-        <p:nvSpPr>
-          <p:cNvPr id="11" name="Textplatzhalter 10"/>
-          <p:cNvSpPr>
-            <a:spLocks noGrp="1"/>
-          </p:cNvSpPr>
-          <p:nvPr>
-            <p:ph type="body" sz="quarter" idx="19"/>
-          </p:nvPr>
-        </p:nvSpPr>
-        <p:spPr>
-          <a:xfrm>
-            <a:off x="0" y="8016"/>
-            <a:ext cx="7974008" cy="676049"/>
-          </a:xfrm>
-          <a:solidFill>
-            <a:schemeClr val="tx2">
-              <a:lumMod val="20000"/>
-              <a:lumOff val="80000"/>
-            </a:schemeClr>
-          </a:solidFill>
-          <a:ln>
-            <a:solidFill>
-              <a:schemeClr val="tx2">
-                <a:lumMod val="20000"/>
-                <a:lumOff val="80000"/>
-              </a:schemeClr>
-            </a:solidFill>
-          </a:ln>
-        </p:spPr>
-        <p:txBody>
-          <a:bodyPr/>
-          <a:lstStyle/>
-          <a:p>
-            <a:endParaRPr lang="de-DE" dirty="0"/>
-          </a:p>
-        </p:txBody>
-      </p:sp>
-      <p:sp>
-        <p:nvSpPr>
-          <p:cNvPr id="4" name="Foliennummernplatzhalter 3"/>
-          <p:cNvSpPr>
-            <a:spLocks noGrp="1"/>
-          </p:cNvSpPr>
-          <p:nvPr>
-            <p:ph type="sldNum" sz="quarter" idx="12"/>
-          </p:nvPr>
-        </p:nvSpPr>
-        <p:spPr/>
-        <p:txBody>
-          <a:bodyPr/>
-          <a:lstStyle/>
-          <a:p>
-            <a:fld id="{61201FF1-C63B-412E-ABF0-3D0E918900AC}" type="slidenum">
-              <a:rPr lang="en-GB" smtClean="0"/>
-              <a:pPr/>
-              <a:t>31</a:t>
-            </a:fld>
-            <a:endParaRPr lang="en-GB" dirty="0"/>
-          </a:p>
-        </p:txBody>
-      </p:sp>
-      <p:pic>
-        <p:nvPicPr>
-          <p:cNvPr id="5" name="Picture 4" descr="\\s81dsp01data01\ACIS-Udrive\Users\t10313\AILP Batch4\Images\sasProgram.png"/>
-          <p:cNvPicPr>
-            <a:picLocks noChangeAspect="1" noChangeArrowheads="1"/>
-          </p:cNvPicPr>
-          <p:nvPr/>
-        </p:nvPicPr>
-        <p:blipFill rotWithShape="1">
-          <a:blip r:embed="rId2">
-            <a:extLst>
-              <a:ext uri="{28A0092B-C50C-407E-A947-70E740481C1C}">
-                <a14:useLocalDpi xmlns:a14="http://schemas.microsoft.com/office/drawing/2010/main" val="0"/>
-              </a:ext>
-            </a:extLst>
-          </a:blip>
-          <a:srcRect t="4116" r="37361" b="8768"/>
-          <a:stretch/>
-        </p:blipFill>
-        <p:spPr bwMode="auto">
-          <a:xfrm>
-            <a:off x="201612" y="1096962"/>
-            <a:ext cx="3845687" cy="3055144"/>
-          </a:xfrm>
-          <a:prstGeom prst="rect">
-            <a:avLst/>
-          </a:prstGeom>
-          <a:noFill/>
-          <a:extLst>
-            <a:ext uri="{909E8E84-426E-40DD-AFC4-6F175D3DCCD1}">
-              <a14:hiddenFill xmlns:a14="http://schemas.microsoft.com/office/drawing/2010/main">
-                <a:solidFill>
-                  <a:srgbClr val="FFFFFF"/>
-                </a:solidFill>
-              </a14:hiddenFill>
-            </a:ext>
-          </a:extLst>
-        </p:spPr>
-      </p:pic>
-      <p:sp>
-        <p:nvSpPr>
-          <p:cNvPr id="6" name="TextBox 5"/>
-          <p:cNvSpPr txBox="1"/>
-          <p:nvPr/>
-        </p:nvSpPr>
-        <p:spPr>
-          <a:xfrm>
-            <a:off x="294512" y="123686"/>
-            <a:ext cx="4707700" cy="523220"/>
-          </a:xfrm>
-          <a:prstGeom prst="rect">
-            <a:avLst/>
-          </a:prstGeom>
-          <a:noFill/>
-        </p:spPr>
-        <p:txBody>
-          <a:bodyPr wrap="square" rtlCol="0">
-            <a:spAutoFit/>
-          </a:bodyPr>
-          <a:lstStyle/>
-          <a:p>
-            <a:r>
-              <a:rPr lang="en-GB" sz="2800" b="1" dirty="0" smtClean="0">
-                <a:latin typeface="Times New Roman" panose="02020603050405020304" pitchFamily="18" charset="0"/>
-                <a:cs typeface="Times New Roman" panose="02020603050405020304" pitchFamily="18" charset="0"/>
-              </a:rPr>
-              <a:t>SAS Program Structure</a:t>
-            </a:r>
-            <a:endParaRPr lang="en-GB" sz="2800" b="1" dirty="0">
-              <a:latin typeface="Times New Roman" panose="02020603050405020304" pitchFamily="18" charset="0"/>
-              <a:cs typeface="Times New Roman" panose="02020603050405020304" pitchFamily="18" charset="0"/>
-            </a:endParaRPr>
-          </a:p>
-        </p:txBody>
-      </p:sp>
-      <p:sp>
-        <p:nvSpPr>
-          <p:cNvPr id="3" name="TextBox 2"/>
-          <p:cNvSpPr txBox="1"/>
-          <p:nvPr/>
-        </p:nvSpPr>
-        <p:spPr>
-          <a:xfrm>
-            <a:off x="4468812" y="1256506"/>
-            <a:ext cx="3429000" cy="2862322"/>
-          </a:xfrm>
-          <a:prstGeom prst="rect">
-            <a:avLst/>
-          </a:prstGeom>
-          <a:noFill/>
-        </p:spPr>
-        <p:txBody>
-          <a:bodyPr wrap="square" rtlCol="0">
-            <a:spAutoFit/>
-          </a:bodyPr>
-          <a:lstStyle/>
-          <a:p>
-            <a:r>
-              <a:rPr lang="en-GB" sz="2000" dirty="0" smtClean="0">
-                <a:latin typeface="Times New Roman" panose="02020603050405020304" pitchFamily="18" charset="0"/>
-                <a:cs typeface="Times New Roman" panose="02020603050405020304" pitchFamily="18" charset="0"/>
-              </a:rPr>
-              <a:t>DATA Step :</a:t>
-            </a:r>
-          </a:p>
-          <a:p>
-            <a:endParaRPr lang="en-GB" sz="2000" dirty="0" smtClean="0">
-              <a:latin typeface="Times New Roman" panose="02020603050405020304" pitchFamily="18" charset="0"/>
-              <a:cs typeface="Times New Roman" panose="02020603050405020304" pitchFamily="18" charset="0"/>
-            </a:endParaRPr>
-          </a:p>
-          <a:p>
-            <a:pPr marL="285750" indent="-285750">
-              <a:buFont typeface="Wingdings" panose="05000000000000000000" pitchFamily="2" charset="2"/>
-              <a:buChar char="Ø"/>
-            </a:pPr>
-            <a:r>
-              <a:rPr lang="en-GB" sz="2000" dirty="0" smtClean="0">
-                <a:latin typeface="Times New Roman" panose="02020603050405020304" pitchFamily="18" charset="0"/>
-                <a:cs typeface="Times New Roman" panose="02020603050405020304" pitchFamily="18" charset="0"/>
-              </a:rPr>
-              <a:t>Read and Modify data.</a:t>
-            </a:r>
-          </a:p>
-          <a:p>
-            <a:pPr marL="285750" indent="-285750">
-              <a:buFont typeface="Wingdings" panose="05000000000000000000" pitchFamily="2" charset="2"/>
-              <a:buChar char="Ø"/>
-            </a:pPr>
-            <a:r>
-              <a:rPr lang="en-GB" sz="2000" dirty="0" smtClean="0">
-                <a:latin typeface="Times New Roman" panose="02020603050405020304" pitchFamily="18" charset="0"/>
-                <a:cs typeface="Times New Roman" panose="02020603050405020304" pitchFamily="18" charset="0"/>
-              </a:rPr>
-              <a:t>Create SAS Data Set.</a:t>
-            </a:r>
-          </a:p>
-          <a:p>
-            <a:endParaRPr lang="en-GB" sz="2000" dirty="0">
-              <a:latin typeface="Times New Roman" panose="02020603050405020304" pitchFamily="18" charset="0"/>
-              <a:cs typeface="Times New Roman" panose="02020603050405020304" pitchFamily="18" charset="0"/>
-            </a:endParaRPr>
-          </a:p>
-          <a:p>
-            <a:r>
-              <a:rPr lang="en-GB" sz="2000" dirty="0" smtClean="0">
-                <a:latin typeface="Times New Roman" panose="02020603050405020304" pitchFamily="18" charset="0"/>
-                <a:cs typeface="Times New Roman" panose="02020603050405020304" pitchFamily="18" charset="0"/>
-              </a:rPr>
-              <a:t>PROC Step :</a:t>
-            </a:r>
-          </a:p>
-          <a:p>
-            <a:pPr marL="285750" indent="-285750">
-              <a:buFont typeface="Wingdings" panose="05000000000000000000" pitchFamily="2" charset="2"/>
-              <a:buChar char="Ø"/>
-            </a:pPr>
-            <a:r>
-              <a:rPr lang="en-GB" sz="2000" dirty="0" smtClean="0">
-                <a:latin typeface="Times New Roman" panose="02020603050405020304" pitchFamily="18" charset="0"/>
-                <a:cs typeface="Times New Roman" panose="02020603050405020304" pitchFamily="18" charset="0"/>
-              </a:rPr>
-              <a:t>Perform specific analysis or function.</a:t>
-            </a:r>
-          </a:p>
-          <a:p>
-            <a:pPr marL="285750" indent="-285750">
-              <a:buFont typeface="Wingdings" panose="05000000000000000000" pitchFamily="2" charset="2"/>
-              <a:buChar char="Ø"/>
-            </a:pPr>
-            <a:r>
-              <a:rPr lang="en-GB" sz="2000" dirty="0" smtClean="0">
-                <a:latin typeface="Times New Roman" panose="02020603050405020304" pitchFamily="18" charset="0"/>
-                <a:cs typeface="Times New Roman" panose="02020603050405020304" pitchFamily="18" charset="0"/>
-              </a:rPr>
-              <a:t>Produce results or output.</a:t>
-            </a:r>
-            <a:endParaRPr lang="en-GB" sz="2000" dirty="0">
-              <a:latin typeface="Times New Roman" panose="02020603050405020304" pitchFamily="18" charset="0"/>
-              <a:cs typeface="Times New Roman" panose="02020603050405020304" pitchFamily="18" charset="0"/>
-            </a:endParaRPr>
-          </a:p>
-        </p:txBody>
-      </p:sp>
-    </p:spTree>
-    <p:extLst>
-      <p:ext uri="{BB962C8B-B14F-4D97-AF65-F5344CB8AC3E}">
-        <p14:creationId xmlns:p14="http://schemas.microsoft.com/office/powerpoint/2010/main" val="1373631645"/>
       </p:ext>
     </p:extLst>
   </p:cSld>
@@ -11577,13 +12271,13 @@
       </p:sp>
       <p:pic>
         <p:nvPicPr>
-          <p:cNvPr id="6" name="Picture 2" descr="\\s81dsp01data01\ACIS-Udrive\Users\t10313\AILP Batch4\Images\sas program sample.gif"/>
+          <p:cNvPr id="5" name="Picture 4" descr="\\s81dsp01data01\ACIS-Udrive\Users\t10313\AILP Batch4\Images\sasProgram.png"/>
           <p:cNvPicPr>
             <a:picLocks noChangeAspect="1" noChangeArrowheads="1"/>
           </p:cNvPicPr>
           <p:nvPr/>
         </p:nvPicPr>
-        <p:blipFill>
+        <p:blipFill rotWithShape="1">
           <a:blip r:embed="rId2">
             <a:extLst>
               <a:ext uri="{28A0092B-C50C-407E-A947-70E740481C1C}">
@@ -11591,15 +12285,13 @@
               </a:ext>
             </a:extLst>
           </a:blip>
-          <a:srcRect/>
-          <a:stretch>
-            <a:fillRect/>
-          </a:stretch>
+          <a:srcRect t="4116" r="37361" b="8768"/>
+          <a:stretch/>
         </p:blipFill>
         <p:spPr bwMode="auto">
           <a:xfrm>
-            <a:off x="582612" y="1027906"/>
-            <a:ext cx="6172200" cy="3581400"/>
+            <a:off x="201612" y="1096962"/>
+            <a:ext cx="3845687" cy="3055144"/>
           </a:xfrm>
           <a:prstGeom prst="rect">
             <a:avLst/>
@@ -11618,7 +12310,7 @@
       </p:pic>
       <p:sp>
         <p:nvSpPr>
-          <p:cNvPr id="7" name="TextBox 6"/>
+          <p:cNvPr id="6" name="TextBox 5"/>
           <p:cNvSpPr txBox="1"/>
           <p:nvPr/>
         </p:nvSpPr>
@@ -11643,7 +12335,7 @@
                 <a:latin typeface="Times New Roman" panose="02020603050405020304" pitchFamily="18" charset="0"/>
                 <a:cs typeface="Times New Roman" panose="02020603050405020304" pitchFamily="18" charset="0"/>
               </a:rPr>
-              <a:t>Sample SAS Program</a:t>
+              <a:t>SAS Program Structure</a:t>
             </a:r>
             <a:endParaRPr lang="en-GB" sz="2800" b="1" dirty="0">
               <a:latin typeface="Times New Roman" panose="02020603050405020304" pitchFamily="18" charset="0"/>
@@ -11652,10 +12344,121 @@
           </a:p>
         </p:txBody>
       </p:sp>
+      <p:sp>
+        <p:nvSpPr>
+          <p:cNvPr id="3" name="TextBox 2"/>
+          <p:cNvSpPr txBox="1"/>
+          <p:nvPr/>
+        </p:nvSpPr>
+        <p:spPr>
+          <a:xfrm>
+            <a:off x="4468812" y="1256506"/>
+            <a:ext cx="3429000" cy="2554545"/>
+          </a:xfrm>
+          <a:prstGeom prst="rect">
+            <a:avLst/>
+          </a:prstGeom>
+          <a:noFill/>
+        </p:spPr>
+        <p:txBody>
+          <a:bodyPr wrap="square" rtlCol="0">
+            <a:spAutoFit/>
+          </a:bodyPr>
+          <a:lstStyle/>
+          <a:p>
+            <a:pPr marL="285750" indent="-285750">
+              <a:buFont typeface="Wingdings" panose="05000000000000000000" pitchFamily="2" charset="2"/>
+              <a:buChar char="Ø"/>
+            </a:pPr>
+            <a:r>
+              <a:rPr lang="en-GB" sz="2000" dirty="0" smtClean="0">
+                <a:latin typeface="Times New Roman" panose="02020603050405020304" pitchFamily="18" charset="0"/>
+                <a:cs typeface="Times New Roman" panose="02020603050405020304" pitchFamily="18" charset="0"/>
+              </a:rPr>
+              <a:t>Read </a:t>
+            </a:r>
+            <a:r>
+              <a:rPr lang="en-GB" sz="2000" dirty="0" smtClean="0">
+                <a:latin typeface="Times New Roman" panose="02020603050405020304" pitchFamily="18" charset="0"/>
+                <a:cs typeface="Times New Roman" panose="02020603050405020304" pitchFamily="18" charset="0"/>
+              </a:rPr>
+              <a:t>and Modify data.</a:t>
+            </a:r>
+          </a:p>
+          <a:p>
+            <a:pPr marL="285750" indent="-285750">
+              <a:buFont typeface="Wingdings" panose="05000000000000000000" pitchFamily="2" charset="2"/>
+              <a:buChar char="Ø"/>
+            </a:pPr>
+            <a:r>
+              <a:rPr lang="en-GB" sz="2000" dirty="0" smtClean="0">
+                <a:latin typeface="Times New Roman" panose="02020603050405020304" pitchFamily="18" charset="0"/>
+                <a:cs typeface="Times New Roman" panose="02020603050405020304" pitchFamily="18" charset="0"/>
+              </a:rPr>
+              <a:t>Create SAS Data Set.</a:t>
+            </a:r>
+          </a:p>
+          <a:p>
+            <a:endParaRPr lang="en-GB" sz="2000" dirty="0" smtClean="0">
+              <a:latin typeface="Times New Roman" panose="02020603050405020304" pitchFamily="18" charset="0"/>
+              <a:cs typeface="Times New Roman" panose="02020603050405020304" pitchFamily="18" charset="0"/>
+            </a:endParaRPr>
+          </a:p>
+          <a:p>
+            <a:endParaRPr lang="en-GB" sz="2000" dirty="0" smtClean="0">
+              <a:latin typeface="Times New Roman" panose="02020603050405020304" pitchFamily="18" charset="0"/>
+              <a:cs typeface="Times New Roman" panose="02020603050405020304" pitchFamily="18" charset="0"/>
+            </a:endParaRPr>
+          </a:p>
+          <a:p>
+            <a:endParaRPr lang="en-GB" sz="2000" dirty="0">
+              <a:latin typeface="Times New Roman" panose="02020603050405020304" pitchFamily="18" charset="0"/>
+              <a:cs typeface="Times New Roman" panose="02020603050405020304" pitchFamily="18" charset="0"/>
+            </a:endParaRPr>
+          </a:p>
+          <a:p>
+            <a:pPr marL="285750" indent="-285750">
+              <a:buFont typeface="Wingdings" panose="05000000000000000000" pitchFamily="2" charset="2"/>
+              <a:buChar char="Ø"/>
+            </a:pPr>
+            <a:r>
+              <a:rPr lang="en-GB" sz="2000" dirty="0" smtClean="0">
+                <a:latin typeface="Times New Roman" panose="02020603050405020304" pitchFamily="18" charset="0"/>
+                <a:cs typeface="Times New Roman" panose="02020603050405020304" pitchFamily="18" charset="0"/>
+              </a:rPr>
+              <a:t>Perform </a:t>
+            </a:r>
+            <a:r>
+              <a:rPr lang="en-GB" sz="2000" dirty="0" smtClean="0">
+                <a:latin typeface="Times New Roman" panose="02020603050405020304" pitchFamily="18" charset="0"/>
+                <a:cs typeface="Times New Roman" panose="02020603050405020304" pitchFamily="18" charset="0"/>
+              </a:rPr>
+              <a:t>specific analysis or function.</a:t>
+            </a:r>
+          </a:p>
+          <a:p>
+            <a:pPr marL="285750" indent="-285750">
+              <a:buFont typeface="Wingdings" panose="05000000000000000000" pitchFamily="2" charset="2"/>
+              <a:buChar char="Ø"/>
+            </a:pPr>
+            <a:r>
+              <a:rPr lang="en-GB" sz="2000" dirty="0" smtClean="0">
+                <a:latin typeface="Times New Roman" panose="02020603050405020304" pitchFamily="18" charset="0"/>
+                <a:cs typeface="Times New Roman" panose="02020603050405020304" pitchFamily="18" charset="0"/>
+              </a:rPr>
+              <a:t>Produce results or output.</a:t>
+            </a:r>
+            <a:endParaRPr lang="en-GB" sz="2000" dirty="0">
+              <a:latin typeface="Times New Roman" panose="02020603050405020304" pitchFamily="18" charset="0"/>
+              <a:cs typeface="Times New Roman" panose="02020603050405020304" pitchFamily="18" charset="0"/>
+            </a:endParaRPr>
+          </a:p>
+        </p:txBody>
+      </p:sp>
     </p:spTree>
     <p:extLst>
       <p:ext uri="{BB962C8B-B14F-4D97-AF65-F5344CB8AC3E}">
-        <p14:creationId xmlns:p14="http://schemas.microsoft.com/office/powerpoint/2010/main" val="9462830"/>
+        <p14:creationId xmlns:p14="http://schemas.microsoft.com/office/powerpoint/2010/main" val="1373631645"/>
       </p:ext>
     </p:extLst>
   </p:cSld>
@@ -11751,51 +12554,15 @@
           </a:p>
         </p:txBody>
       </p:sp>
-      <p:sp>
-        <p:nvSpPr>
-          <p:cNvPr id="5" name="TextBox 4"/>
-          <p:cNvSpPr txBox="1"/>
-          <p:nvPr/>
-        </p:nvSpPr>
-        <p:spPr>
-          <a:xfrm>
-            <a:off x="294512" y="123686"/>
-            <a:ext cx="4707700" cy="523220"/>
-          </a:xfrm>
-          <a:prstGeom prst="rect">
-            <a:avLst/>
-          </a:prstGeom>
-          <a:noFill/>
-        </p:spPr>
-        <p:txBody>
-          <a:bodyPr wrap="square" rtlCol="0">
-            <a:spAutoFit/>
-          </a:bodyPr>
-          <a:lstStyle/>
-          <a:p>
-            <a:r>
-              <a:rPr lang="en-GB" sz="2800" b="1" dirty="0" smtClean="0">
-                <a:latin typeface="Times New Roman" panose="02020603050405020304" pitchFamily="18" charset="0"/>
-                <a:cs typeface="Times New Roman" panose="02020603050405020304" pitchFamily="18" charset="0"/>
-              </a:rPr>
-              <a:t>Applications of SAS</a:t>
-            </a:r>
-            <a:endParaRPr lang="en-GB" sz="2800" b="1" dirty="0">
-              <a:latin typeface="Times New Roman" panose="02020603050405020304" pitchFamily="18" charset="0"/>
-              <a:cs typeface="Times New Roman" panose="02020603050405020304" pitchFamily="18" charset="0"/>
-            </a:endParaRPr>
-          </a:p>
-        </p:txBody>
-      </p:sp>
       <p:pic>
         <p:nvPicPr>
-          <p:cNvPr id="6" name="Picture 2" descr="\\s81dsp01data01\ACIS-Udrive\Users\t10313\AILP Batch4\Images\sas applications.jpg"/>
+          <p:cNvPr id="6" name="Picture 2" descr="\\s81dsp01data01\ACIS-Udrive\Users\t10313\AILP Batch4\Images\sas program sample.gif"/>
           <p:cNvPicPr>
             <a:picLocks noChangeAspect="1" noChangeArrowheads="1"/>
           </p:cNvPicPr>
           <p:nvPr/>
         </p:nvPicPr>
-        <p:blipFill rotWithShape="1">
+        <p:blipFill>
           <a:blip r:embed="rId2">
             <a:extLst>
               <a:ext uri="{28A0092B-C50C-407E-A947-70E740481C1C}">
@@ -11803,13 +12570,15 @@
               </a:ext>
             </a:extLst>
           </a:blip>
-          <a:srcRect l="28369"/>
-          <a:stretch/>
+          <a:srcRect/>
+          <a:stretch>
+            <a:fillRect/>
+          </a:stretch>
         </p:blipFill>
         <p:spPr bwMode="auto">
           <a:xfrm>
-            <a:off x="0" y="646907"/>
-            <a:ext cx="6526212" cy="4609306"/>
+            <a:off x="582612" y="1027906"/>
+            <a:ext cx="6172200" cy="3581400"/>
           </a:xfrm>
           <a:prstGeom prst="rect">
             <a:avLst/>
@@ -11826,10 +12595,46 @@
           </a:extLst>
         </p:spPr>
       </p:pic>
+      <p:sp>
+        <p:nvSpPr>
+          <p:cNvPr id="7" name="TextBox 6"/>
+          <p:cNvSpPr txBox="1"/>
+          <p:nvPr/>
+        </p:nvSpPr>
+        <p:spPr>
+          <a:xfrm>
+            <a:off x="294512" y="123686"/>
+            <a:ext cx="4707700" cy="523220"/>
+          </a:xfrm>
+          <a:prstGeom prst="rect">
+            <a:avLst/>
+          </a:prstGeom>
+          <a:noFill/>
+        </p:spPr>
+        <p:txBody>
+          <a:bodyPr wrap="square" rtlCol="0">
+            <a:spAutoFit/>
+          </a:bodyPr>
+          <a:lstStyle/>
+          <a:p>
+            <a:r>
+              <a:rPr lang="en-GB" sz="2800" b="1" dirty="0" smtClean="0">
+                <a:latin typeface="Times New Roman" panose="02020603050405020304" pitchFamily="18" charset="0"/>
+                <a:cs typeface="Times New Roman" panose="02020603050405020304" pitchFamily="18" charset="0"/>
+              </a:rPr>
+              <a:t>Sample SAS Program</a:t>
+            </a:r>
+            <a:endParaRPr lang="en-GB" sz="2800" b="1" dirty="0">
+              <a:latin typeface="Times New Roman" panose="02020603050405020304" pitchFamily="18" charset="0"/>
+              <a:cs typeface="Times New Roman" panose="02020603050405020304" pitchFamily="18" charset="0"/>
+            </a:endParaRPr>
+          </a:p>
+        </p:txBody>
+      </p:sp>
     </p:spTree>
     <p:extLst>
       <p:ext uri="{BB962C8B-B14F-4D97-AF65-F5344CB8AC3E}">
-        <p14:creationId xmlns:p14="http://schemas.microsoft.com/office/powerpoint/2010/main" val="1002739986"/>
+        <p14:creationId xmlns:p14="http://schemas.microsoft.com/office/powerpoint/2010/main" val="9462830"/>
       </p:ext>
     </p:extLst>
   </p:cSld>
@@ -11925,15 +12730,51 @@
           </a:p>
         </p:txBody>
       </p:sp>
+      <p:sp>
+        <p:nvSpPr>
+          <p:cNvPr id="5" name="TextBox 4"/>
+          <p:cNvSpPr txBox="1"/>
+          <p:nvPr/>
+        </p:nvSpPr>
+        <p:spPr>
+          <a:xfrm>
+            <a:off x="294512" y="123686"/>
+            <a:ext cx="4707700" cy="523220"/>
+          </a:xfrm>
+          <a:prstGeom prst="rect">
+            <a:avLst/>
+          </a:prstGeom>
+          <a:noFill/>
+        </p:spPr>
+        <p:txBody>
+          <a:bodyPr wrap="square" rtlCol="0">
+            <a:spAutoFit/>
+          </a:bodyPr>
+          <a:lstStyle/>
+          <a:p>
+            <a:r>
+              <a:rPr lang="en-GB" sz="2800" b="1" dirty="0" smtClean="0">
+                <a:latin typeface="Times New Roman" panose="02020603050405020304" pitchFamily="18" charset="0"/>
+                <a:cs typeface="Times New Roman" panose="02020603050405020304" pitchFamily="18" charset="0"/>
+              </a:rPr>
+              <a:t>Applications of SAS</a:t>
+            </a:r>
+            <a:endParaRPr lang="en-GB" sz="2800" b="1" dirty="0">
+              <a:latin typeface="Times New Roman" panose="02020603050405020304" pitchFamily="18" charset="0"/>
+              <a:cs typeface="Times New Roman" panose="02020603050405020304" pitchFamily="18" charset="0"/>
+            </a:endParaRPr>
+          </a:p>
+        </p:txBody>
+      </p:sp>
       <p:pic>
         <p:nvPicPr>
-          <p:cNvPr id="3074" name="Picture 2" descr="\\s81dsp01data01\ACIS-Udrive\Users\t10313\AILP Batch4\Images\sas applications.jpg"/>
+          <p:cNvPr id="6" name="Picture 2" descr="\\s81dsp01data01\ACIS-Udrive\Users\t10313\AILP Batch4\Images\sas applications.jpg"/>
           <p:cNvPicPr>
             <a:picLocks noChangeAspect="1" noChangeArrowheads="1"/>
           </p:cNvPicPr>
           <p:nvPr/>
         </p:nvPicPr>
-        <p:blipFill>
+        <p:blipFill rotWithShape="1">
           <a:blip r:embed="rId2">
             <a:extLst>
               <a:ext uri="{28A0092B-C50C-407E-A947-70E740481C1C}">
@@ -11941,15 +12782,13 @@
               </a:ext>
             </a:extLst>
           </a:blip>
-          <a:srcRect/>
-          <a:stretch>
-            <a:fillRect/>
-          </a:stretch>
+          <a:srcRect l="28369"/>
+          <a:stretch/>
         </p:blipFill>
         <p:spPr bwMode="auto">
           <a:xfrm>
-            <a:off x="1268412" y="951706"/>
-            <a:ext cx="6934201" cy="3906044"/>
+            <a:off x="0" y="646907"/>
+            <a:ext cx="6526212" cy="4609306"/>
           </a:xfrm>
           <a:prstGeom prst="rect">
             <a:avLst/>
@@ -11969,7 +12808,7 @@
     </p:spTree>
     <p:extLst>
       <p:ext uri="{BB962C8B-B14F-4D97-AF65-F5344CB8AC3E}">
-        <p14:creationId xmlns:p14="http://schemas.microsoft.com/office/powerpoint/2010/main" val="637193032"/>
+        <p14:creationId xmlns:p14="http://schemas.microsoft.com/office/powerpoint/2010/main" val="1002739986"/>
       </p:ext>
     </p:extLst>
   </p:cSld>
@@ -12067,7 +12906,7 @@
       </p:sp>
       <p:pic>
         <p:nvPicPr>
-          <p:cNvPr id="2051" name="Picture 3" descr="\\s81dsp01data01\ACIS-Udrive\Users\t10313\AILP Batch4\Images\sas.jpg"/>
+          <p:cNvPr id="3074" name="Picture 2" descr="\\s81dsp01data01\ACIS-Udrive\Users\t10313\AILP Batch4\Images\sas applications.jpg"/>
           <p:cNvPicPr>
             <a:picLocks noChangeAspect="1" noChangeArrowheads="1"/>
           </p:cNvPicPr>
@@ -12088,8 +12927,8 @@
         </p:blipFill>
         <p:spPr bwMode="auto">
           <a:xfrm>
-            <a:off x="3249613" y="1484313"/>
-            <a:ext cx="2286000" cy="2286000"/>
+            <a:off x="1268412" y="951706"/>
+            <a:ext cx="6934201" cy="3906044"/>
           </a:xfrm>
           <a:prstGeom prst="rect">
             <a:avLst/>
@@ -12109,7 +12948,7 @@
     </p:spTree>
     <p:extLst>
       <p:ext uri="{BB962C8B-B14F-4D97-AF65-F5344CB8AC3E}">
-        <p14:creationId xmlns:p14="http://schemas.microsoft.com/office/powerpoint/2010/main" val="1373631645"/>
+        <p14:creationId xmlns:p14="http://schemas.microsoft.com/office/powerpoint/2010/main" val="637193032"/>
       </p:ext>
     </p:extLst>
   </p:cSld>
@@ -12145,7 +12984,7 @@
       </p:grpSpPr>
       <p:sp>
         <p:nvSpPr>
-          <p:cNvPr id="9" name="Textplatzhalter 8"/>
+          <p:cNvPr id="11" name="Textplatzhalter 10"/>
           <p:cNvSpPr>
             <a:spLocks noGrp="1"/>
           </p:cNvSpPr>
@@ -12153,110 +12992,103 @@
             <p:ph type="body" sz="quarter" idx="19"/>
           </p:nvPr>
         </p:nvSpPr>
+        <p:spPr>
+          <a:xfrm>
+            <a:off x="0" y="8016"/>
+            <a:ext cx="7974008" cy="676049"/>
+          </a:xfrm>
+          <a:solidFill>
+            <a:schemeClr val="tx2">
+              <a:lumMod val="20000"/>
+              <a:lumOff val="80000"/>
+            </a:schemeClr>
+          </a:solidFill>
+          <a:ln>
+            <a:solidFill>
+              <a:schemeClr val="tx2">
+                <a:lumMod val="20000"/>
+                <a:lumOff val="80000"/>
+              </a:schemeClr>
+            </a:solidFill>
+          </a:ln>
+        </p:spPr>
+        <p:txBody>
+          <a:bodyPr/>
+          <a:lstStyle/>
+          <a:p>
+            <a:endParaRPr lang="de-DE" dirty="0"/>
+          </a:p>
+        </p:txBody>
+      </p:sp>
+      <p:sp>
+        <p:nvSpPr>
+          <p:cNvPr id="4" name="Foliennummernplatzhalter 3"/>
+          <p:cNvSpPr>
+            <a:spLocks noGrp="1"/>
+          </p:cNvSpPr>
+          <p:nvPr>
+            <p:ph type="sldNum" sz="quarter" idx="12"/>
+          </p:nvPr>
+        </p:nvSpPr>
         <p:spPr/>
         <p:txBody>
           <a:bodyPr/>
           <a:lstStyle/>
           <a:p>
-            <a:pPr marL="0" indent="0">
-              <a:buNone/>
-            </a:pPr>
-            <a:endParaRPr lang="de-DE" dirty="0"/>
+            <a:fld id="{61201FF1-C63B-412E-ABF0-3D0E918900AC}" type="slidenum">
+              <a:rPr lang="en-GB" smtClean="0"/>
+              <a:pPr/>
+              <a:t>36</a:t>
+            </a:fld>
+            <a:endParaRPr lang="en-GB" dirty="0"/>
           </a:p>
         </p:txBody>
       </p:sp>
       <p:pic>
         <p:nvPicPr>
-          <p:cNvPr id="49" name="Grafik 8"/>
+          <p:cNvPr id="2051" name="Picture 3" descr="\\s81dsp01data01\ACIS-Udrive\Users\t10313\AILP Batch4\Images\sas.jpg"/>
           <p:cNvPicPr>
-            <a:picLocks noChangeAspect="1"/>
+            <a:picLocks noChangeAspect="1" noChangeArrowheads="1"/>
           </p:cNvPicPr>
           <p:nvPr/>
         </p:nvPicPr>
         <p:blipFill>
           <a:blip r:embed="rId2">
-            <a:alphaModFix amt="45000"/>
-            <a:duotone>
-              <a:prstClr val="black"/>
-              <a:schemeClr val="tx2">
-                <a:tint val="45000"/>
-                <a:satMod val="400000"/>
-              </a:schemeClr>
-            </a:duotone>
+            <a:extLst>
+              <a:ext uri="{28A0092B-C50C-407E-A947-70E740481C1C}">
+                <a14:useLocalDpi xmlns:a14="http://schemas.microsoft.com/office/drawing/2010/main" val="0"/>
+              </a:ext>
+            </a:extLst>
           </a:blip>
+          <a:srcRect/>
           <a:stretch>
             <a:fillRect/>
           </a:stretch>
         </p:blipFill>
-        <p:spPr>
-          <a:xfrm>
-            <a:off x="4392613" y="421526"/>
-            <a:ext cx="4392612" cy="4834689"/>
-          </a:xfrm>
-          <a:prstGeom prst="rect">
-            <a:avLst/>
-          </a:prstGeom>
-        </p:spPr>
-      </p:pic>
-      <p:sp>
-        <p:nvSpPr>
-          <p:cNvPr id="5" name="TextBox 4"/>
-          <p:cNvSpPr txBox="1"/>
-          <p:nvPr/>
-        </p:nvSpPr>
-        <p:spPr>
-          <a:xfrm>
-            <a:off x="735012" y="615117"/>
-            <a:ext cx="2362200" cy="1792770"/>
+        <p:spPr bwMode="auto">
+          <a:xfrm>
+            <a:off x="3249613" y="1484313"/>
+            <a:ext cx="2286000" cy="2286000"/>
           </a:xfrm>
           <a:prstGeom prst="rect">
             <a:avLst/>
           </a:prstGeom>
           <a:noFill/>
-        </p:spPr>
-        <p:txBody>
-          <a:bodyPr wrap="square" rtlCol="0">
-            <a:spAutoFit/>
-          </a:bodyPr>
-          <a:lstStyle/>
-          <a:p>
-            <a:pPr algn="ctr"/>
-            <a:r>
-              <a:rPr lang="en-GB" sz="5400" b="1" dirty="0" smtClean="0">
+          <a:extLst>
+            <a:ext uri="{909E8E84-426E-40DD-AFC4-6F175D3DCCD1}">
+              <a14:hiddenFill xmlns:a14="http://schemas.microsoft.com/office/drawing/2010/main">
                 <a:solidFill>
-                  <a:schemeClr val="bg1"/>
+                  <a:srgbClr val="FFFFFF"/>
                 </a:solidFill>
-                <a:latin typeface="Allianz Serif" pitchFamily="50" charset="0"/>
-                <a:cs typeface="Times New Roman" panose="02020603050405020304" pitchFamily="18" charset="0"/>
-              </a:rPr>
-              <a:t>08</a:t>
-            </a:r>
-          </a:p>
-          <a:p>
-            <a:r>
-              <a:rPr lang="en-GB" sz="5400" b="1" dirty="0" smtClean="0">
-                <a:solidFill>
-                  <a:schemeClr val="bg1"/>
-                </a:solidFill>
-                <a:latin typeface="Allianz Serif" pitchFamily="50" charset="0"/>
-                <a:cs typeface="Times New Roman" panose="02020603050405020304" pitchFamily="18" charset="0"/>
-              </a:rPr>
-              <a:t>Claims</a:t>
-            </a:r>
-            <a:endParaRPr lang="en-GB" sz="5400" b="1" dirty="0">
-              <a:solidFill>
-                <a:schemeClr val="bg1"/>
-              </a:solidFill>
-              <a:latin typeface="Allianz Serif" pitchFamily="50" charset="0"/>
-              <a:cs typeface="Times New Roman" panose="02020603050405020304" pitchFamily="18" charset="0"/>
-            </a:endParaRPr>
-          </a:p>
-        </p:txBody>
-      </p:sp>
+              </a14:hiddenFill>
+            </a:ext>
+          </a:extLst>
+        </p:spPr>
+      </p:pic>
     </p:spTree>
     <p:extLst>
       <p:ext uri="{BB962C8B-B14F-4D97-AF65-F5344CB8AC3E}">
-        <p14:creationId xmlns:p14="http://schemas.microsoft.com/office/powerpoint/2010/main" val="680084884"/>
+        <p14:creationId xmlns:p14="http://schemas.microsoft.com/office/powerpoint/2010/main" val="1373631645"/>
       </p:ext>
     </p:extLst>
   </p:cSld>
@@ -12292,7 +13124,7 @@
       </p:grpSpPr>
       <p:sp>
         <p:nvSpPr>
-          <p:cNvPr id="11" name="Textplatzhalter 10"/>
+          <p:cNvPr id="9" name="Textplatzhalter 8"/>
           <p:cNvSpPr>
             <a:spLocks noGrp="1"/>
           </p:cNvSpPr>
@@ -12300,62 +13132,110 @@
             <p:ph type="body" sz="quarter" idx="19"/>
           </p:nvPr>
         </p:nvSpPr>
+        <p:spPr/>
+        <p:txBody>
+          <a:bodyPr/>
+          <a:lstStyle/>
+          <a:p>
+            <a:pPr marL="0" indent="0">
+              <a:buNone/>
+            </a:pPr>
+            <a:endParaRPr lang="de-DE" dirty="0"/>
+          </a:p>
+        </p:txBody>
+      </p:sp>
+      <p:pic>
+        <p:nvPicPr>
+          <p:cNvPr id="49" name="Grafik 8"/>
+          <p:cNvPicPr>
+            <a:picLocks noChangeAspect="1"/>
+          </p:cNvPicPr>
+          <p:nvPr/>
+        </p:nvPicPr>
+        <p:blipFill>
+          <a:blip r:embed="rId2">
+            <a:alphaModFix amt="45000"/>
+            <a:duotone>
+              <a:prstClr val="black"/>
+              <a:schemeClr val="tx2">
+                <a:tint val="45000"/>
+                <a:satMod val="400000"/>
+              </a:schemeClr>
+            </a:duotone>
+          </a:blip>
+          <a:stretch>
+            <a:fillRect/>
+          </a:stretch>
+        </p:blipFill>
         <p:spPr>
           <a:xfrm>
-            <a:off x="0" y="8016"/>
-            <a:ext cx="7974008" cy="676049"/>
-          </a:xfrm>
-          <a:solidFill>
-            <a:schemeClr val="tx2">
-              <a:lumMod val="20000"/>
-              <a:lumOff val="80000"/>
-            </a:schemeClr>
-          </a:solidFill>
-          <a:ln>
-            <a:solidFill>
-              <a:schemeClr val="tx2">
-                <a:lumMod val="20000"/>
-                <a:lumOff val="80000"/>
-              </a:schemeClr>
-            </a:solidFill>
-          </a:ln>
-        </p:spPr>
-        <p:txBody>
-          <a:bodyPr/>
-          <a:lstStyle/>
-          <a:p>
-            <a:endParaRPr lang="de-DE" dirty="0"/>
-          </a:p>
-        </p:txBody>
-      </p:sp>
-      <p:sp>
-        <p:nvSpPr>
-          <p:cNvPr id="4" name="Foliennummernplatzhalter 3"/>
-          <p:cNvSpPr>
-            <a:spLocks noGrp="1"/>
-          </p:cNvSpPr>
-          <p:nvPr>
-            <p:ph type="sldNum" sz="quarter" idx="12"/>
-          </p:nvPr>
-        </p:nvSpPr>
-        <p:spPr/>
-        <p:txBody>
-          <a:bodyPr/>
-          <a:lstStyle/>
-          <a:p>
-            <a:fld id="{61201FF1-C63B-412E-ABF0-3D0E918900AC}" type="slidenum">
-              <a:rPr lang="en-GB" smtClean="0"/>
-              <a:pPr/>
-              <a:t>37</a:t>
-            </a:fld>
-            <a:endParaRPr lang="en-GB" dirty="0"/>
+            <a:off x="4392613" y="421526"/>
+            <a:ext cx="4392612" cy="4834689"/>
+          </a:xfrm>
+          <a:prstGeom prst="rect">
+            <a:avLst/>
+          </a:prstGeom>
+        </p:spPr>
+      </p:pic>
+      <p:sp>
+        <p:nvSpPr>
+          <p:cNvPr id="5" name="TextBox 4"/>
+          <p:cNvSpPr txBox="1"/>
+          <p:nvPr/>
+        </p:nvSpPr>
+        <p:spPr>
+          <a:xfrm>
+            <a:off x="735012" y="615117"/>
+            <a:ext cx="2362200" cy="1792770"/>
+          </a:xfrm>
+          <a:prstGeom prst="rect">
+            <a:avLst/>
+          </a:prstGeom>
+          <a:noFill/>
+        </p:spPr>
+        <p:txBody>
+          <a:bodyPr wrap="square" rtlCol="0">
+            <a:spAutoFit/>
+          </a:bodyPr>
+          <a:lstStyle/>
+          <a:p>
+            <a:pPr algn="ctr"/>
+            <a:r>
+              <a:rPr lang="en-GB" sz="5400" b="1" dirty="0" smtClean="0">
+                <a:solidFill>
+                  <a:schemeClr val="bg1"/>
+                </a:solidFill>
+                <a:latin typeface="Allianz Serif" pitchFamily="50" charset="0"/>
+                <a:cs typeface="Times New Roman" panose="02020603050405020304" pitchFamily="18" charset="0"/>
+              </a:rPr>
+              <a:t>08</a:t>
+            </a:r>
+          </a:p>
+          <a:p>
+            <a:r>
+              <a:rPr lang="en-GB" sz="5400" b="1" dirty="0" smtClean="0">
+                <a:solidFill>
+                  <a:schemeClr val="bg1"/>
+                </a:solidFill>
+                <a:latin typeface="Allianz Serif" pitchFamily="50" charset="0"/>
+                <a:cs typeface="Times New Roman" panose="02020603050405020304" pitchFamily="18" charset="0"/>
+              </a:rPr>
+              <a:t>Claims</a:t>
+            </a:r>
+            <a:endParaRPr lang="en-GB" sz="5400" b="1" dirty="0">
+              <a:solidFill>
+                <a:schemeClr val="bg1"/>
+              </a:solidFill>
+              <a:latin typeface="Allianz Serif" pitchFamily="50" charset="0"/>
+              <a:cs typeface="Times New Roman" panose="02020603050405020304" pitchFamily="18" charset="0"/>
+            </a:endParaRPr>
           </a:p>
         </p:txBody>
       </p:sp>
     </p:spTree>
     <p:extLst>
       <p:ext uri="{BB962C8B-B14F-4D97-AF65-F5344CB8AC3E}">
-        <p14:creationId xmlns:p14="http://schemas.microsoft.com/office/powerpoint/2010/main" val="1462879094"/>
+        <p14:creationId xmlns:p14="http://schemas.microsoft.com/office/powerpoint/2010/main" val="680084884"/>
       </p:ext>
     </p:extLst>
   </p:cSld>
@@ -12391,7 +13271,7 @@
       </p:grpSpPr>
       <p:sp>
         <p:nvSpPr>
-          <p:cNvPr id="9" name="Textplatzhalter 8"/>
+          <p:cNvPr id="11" name="Textplatzhalter 10"/>
           <p:cNvSpPr>
             <a:spLocks noGrp="1"/>
           </p:cNvSpPr>
@@ -12399,110 +13279,62 @@
             <p:ph type="body" sz="quarter" idx="19"/>
           </p:nvPr>
         </p:nvSpPr>
+        <p:spPr>
+          <a:xfrm>
+            <a:off x="0" y="8016"/>
+            <a:ext cx="7974008" cy="676049"/>
+          </a:xfrm>
+          <a:solidFill>
+            <a:schemeClr val="tx2">
+              <a:lumMod val="20000"/>
+              <a:lumOff val="80000"/>
+            </a:schemeClr>
+          </a:solidFill>
+          <a:ln>
+            <a:solidFill>
+              <a:schemeClr val="tx2">
+                <a:lumMod val="20000"/>
+                <a:lumOff val="80000"/>
+              </a:schemeClr>
+            </a:solidFill>
+          </a:ln>
+        </p:spPr>
+        <p:txBody>
+          <a:bodyPr/>
+          <a:lstStyle/>
+          <a:p>
+            <a:endParaRPr lang="de-DE" dirty="0"/>
+          </a:p>
+        </p:txBody>
+      </p:sp>
+      <p:sp>
+        <p:nvSpPr>
+          <p:cNvPr id="4" name="Foliennummernplatzhalter 3"/>
+          <p:cNvSpPr>
+            <a:spLocks noGrp="1"/>
+          </p:cNvSpPr>
+          <p:nvPr>
+            <p:ph type="sldNum" sz="quarter" idx="12"/>
+          </p:nvPr>
+        </p:nvSpPr>
         <p:spPr/>
         <p:txBody>
           <a:bodyPr/>
           <a:lstStyle/>
           <a:p>
-            <a:pPr marL="0" indent="0">
-              <a:buNone/>
-            </a:pPr>
-            <a:endParaRPr lang="de-DE" dirty="0"/>
-          </a:p>
-        </p:txBody>
-      </p:sp>
-      <p:pic>
-        <p:nvPicPr>
-          <p:cNvPr id="49" name="Grafik 8"/>
-          <p:cNvPicPr>
-            <a:picLocks noChangeAspect="1"/>
-          </p:cNvPicPr>
-          <p:nvPr/>
-        </p:nvPicPr>
-        <p:blipFill>
-          <a:blip r:embed="rId2">
-            <a:alphaModFix amt="45000"/>
-            <a:duotone>
-              <a:prstClr val="black"/>
-              <a:schemeClr val="tx2">
-                <a:tint val="45000"/>
-                <a:satMod val="400000"/>
-              </a:schemeClr>
-            </a:duotone>
-          </a:blip>
-          <a:stretch>
-            <a:fillRect/>
-          </a:stretch>
-        </p:blipFill>
-        <p:spPr>
-          <a:xfrm>
-            <a:off x="4392613" y="421526"/>
-            <a:ext cx="4392612" cy="4834689"/>
-          </a:xfrm>
-          <a:prstGeom prst="rect">
-            <a:avLst/>
-          </a:prstGeom>
-        </p:spPr>
-      </p:pic>
-      <p:sp>
-        <p:nvSpPr>
-          <p:cNvPr id="5" name="TextBox 4"/>
-          <p:cNvSpPr txBox="1"/>
-          <p:nvPr/>
-        </p:nvSpPr>
-        <p:spPr>
-          <a:xfrm>
-            <a:off x="506412" y="615117"/>
-            <a:ext cx="4572000" cy="1792770"/>
-          </a:xfrm>
-          <a:prstGeom prst="rect">
-            <a:avLst/>
-          </a:prstGeom>
-          <a:noFill/>
-        </p:spPr>
-        <p:txBody>
-          <a:bodyPr wrap="square" rtlCol="0">
-            <a:spAutoFit/>
-          </a:bodyPr>
-          <a:lstStyle/>
-          <a:p>
-            <a:pPr algn="ctr"/>
-            <a:r>
-              <a:rPr lang="en-GB" sz="5400" b="1" dirty="0" smtClean="0">
-                <a:solidFill>
-                  <a:schemeClr val="bg1"/>
-                </a:solidFill>
-                <a:latin typeface="Allianz Serif" pitchFamily="50" charset="0"/>
-                <a:cs typeface="Times New Roman" panose="02020603050405020304" pitchFamily="18" charset="0"/>
-              </a:rPr>
-              <a:t>09</a:t>
-            </a:r>
-          </a:p>
-          <a:p>
-            <a:r>
-              <a:rPr lang="en-GB" sz="5400" b="1" dirty="0" smtClean="0">
-                <a:solidFill>
-                  <a:schemeClr val="bg1"/>
-                </a:solidFill>
-                <a:latin typeface="Allianz Serif" pitchFamily="50" charset="0"/>
-                <a:cs typeface="Times New Roman" panose="02020603050405020304" pitchFamily="18" charset="0"/>
-              </a:rPr>
-              <a:t>Participations</a:t>
-            </a:r>
-            <a:endParaRPr lang="en-GB" sz="5400" b="1" dirty="0">
-              <a:solidFill>
-                <a:schemeClr val="bg1"/>
-              </a:solidFill>
-              <a:latin typeface="Allianz Serif" pitchFamily="50" charset="0"/>
-              <a:cs typeface="Times New Roman" panose="02020603050405020304" pitchFamily="18" charset="0"/>
-            </a:endParaRPr>
+            <a:fld id="{61201FF1-C63B-412E-ABF0-3D0E918900AC}" type="slidenum">
+              <a:rPr lang="en-GB" smtClean="0"/>
+              <a:pPr/>
+              <a:t>38</a:t>
+            </a:fld>
+            <a:endParaRPr lang="en-GB" dirty="0"/>
           </a:p>
         </p:txBody>
       </p:sp>
     </p:spTree>
     <p:extLst>
       <p:ext uri="{BB962C8B-B14F-4D97-AF65-F5344CB8AC3E}">
-        <p14:creationId xmlns:p14="http://schemas.microsoft.com/office/powerpoint/2010/main" val="680084884"/>
+        <p14:creationId xmlns:p14="http://schemas.microsoft.com/office/powerpoint/2010/main" val="1462879094"/>
       </p:ext>
     </p:extLst>
   </p:cSld>
@@ -12538,7 +13370,7 @@
       </p:grpSpPr>
       <p:sp>
         <p:nvSpPr>
-          <p:cNvPr id="11" name="Textplatzhalter 10"/>
+          <p:cNvPr id="9" name="Textplatzhalter 8"/>
           <p:cNvSpPr>
             <a:spLocks noGrp="1"/>
           </p:cNvSpPr>
@@ -12546,62 +13378,110 @@
             <p:ph type="body" sz="quarter" idx="19"/>
           </p:nvPr>
         </p:nvSpPr>
+        <p:spPr/>
+        <p:txBody>
+          <a:bodyPr/>
+          <a:lstStyle/>
+          <a:p>
+            <a:pPr marL="0" indent="0">
+              <a:buNone/>
+            </a:pPr>
+            <a:endParaRPr lang="de-DE" dirty="0"/>
+          </a:p>
+        </p:txBody>
+      </p:sp>
+      <p:pic>
+        <p:nvPicPr>
+          <p:cNvPr id="49" name="Grafik 8"/>
+          <p:cNvPicPr>
+            <a:picLocks noChangeAspect="1"/>
+          </p:cNvPicPr>
+          <p:nvPr/>
+        </p:nvPicPr>
+        <p:blipFill>
+          <a:blip r:embed="rId2">
+            <a:alphaModFix amt="45000"/>
+            <a:duotone>
+              <a:prstClr val="black"/>
+              <a:schemeClr val="tx2">
+                <a:tint val="45000"/>
+                <a:satMod val="400000"/>
+              </a:schemeClr>
+            </a:duotone>
+          </a:blip>
+          <a:stretch>
+            <a:fillRect/>
+          </a:stretch>
+        </p:blipFill>
         <p:spPr>
           <a:xfrm>
-            <a:off x="0" y="8016"/>
-            <a:ext cx="7974008" cy="676049"/>
-          </a:xfrm>
-          <a:solidFill>
-            <a:schemeClr val="tx2">
-              <a:lumMod val="20000"/>
-              <a:lumOff val="80000"/>
-            </a:schemeClr>
-          </a:solidFill>
-          <a:ln>
-            <a:solidFill>
-              <a:schemeClr val="tx2">
-                <a:lumMod val="20000"/>
-                <a:lumOff val="80000"/>
-              </a:schemeClr>
-            </a:solidFill>
-          </a:ln>
-        </p:spPr>
-        <p:txBody>
-          <a:bodyPr/>
-          <a:lstStyle/>
-          <a:p>
-            <a:endParaRPr lang="de-DE" dirty="0"/>
-          </a:p>
-        </p:txBody>
-      </p:sp>
-      <p:sp>
-        <p:nvSpPr>
-          <p:cNvPr id="4" name="Foliennummernplatzhalter 3"/>
-          <p:cNvSpPr>
-            <a:spLocks noGrp="1"/>
-          </p:cNvSpPr>
-          <p:nvPr>
-            <p:ph type="sldNum" sz="quarter" idx="12"/>
-          </p:nvPr>
-        </p:nvSpPr>
-        <p:spPr/>
-        <p:txBody>
-          <a:bodyPr/>
-          <a:lstStyle/>
-          <a:p>
-            <a:fld id="{61201FF1-C63B-412E-ABF0-3D0E918900AC}" type="slidenum">
-              <a:rPr lang="en-GB" smtClean="0"/>
-              <a:pPr/>
-              <a:t>39</a:t>
-            </a:fld>
-            <a:endParaRPr lang="en-GB" dirty="0"/>
+            <a:off x="4392613" y="421526"/>
+            <a:ext cx="4392612" cy="4834689"/>
+          </a:xfrm>
+          <a:prstGeom prst="rect">
+            <a:avLst/>
+          </a:prstGeom>
+        </p:spPr>
+      </p:pic>
+      <p:sp>
+        <p:nvSpPr>
+          <p:cNvPr id="5" name="TextBox 4"/>
+          <p:cNvSpPr txBox="1"/>
+          <p:nvPr/>
+        </p:nvSpPr>
+        <p:spPr>
+          <a:xfrm>
+            <a:off x="506412" y="615117"/>
+            <a:ext cx="4572000" cy="1792770"/>
+          </a:xfrm>
+          <a:prstGeom prst="rect">
+            <a:avLst/>
+          </a:prstGeom>
+          <a:noFill/>
+        </p:spPr>
+        <p:txBody>
+          <a:bodyPr wrap="square" rtlCol="0">
+            <a:spAutoFit/>
+          </a:bodyPr>
+          <a:lstStyle/>
+          <a:p>
+            <a:pPr algn="ctr"/>
+            <a:r>
+              <a:rPr lang="en-GB" sz="5400" b="1" dirty="0" smtClean="0">
+                <a:solidFill>
+                  <a:schemeClr val="bg1"/>
+                </a:solidFill>
+                <a:latin typeface="Allianz Serif" pitchFamily="50" charset="0"/>
+                <a:cs typeface="Times New Roman" panose="02020603050405020304" pitchFamily="18" charset="0"/>
+              </a:rPr>
+              <a:t>09</a:t>
+            </a:r>
+          </a:p>
+          <a:p>
+            <a:r>
+              <a:rPr lang="en-GB" sz="5400" b="1" dirty="0" smtClean="0">
+                <a:solidFill>
+                  <a:schemeClr val="bg1"/>
+                </a:solidFill>
+                <a:latin typeface="Allianz Serif" pitchFamily="50" charset="0"/>
+                <a:cs typeface="Times New Roman" panose="02020603050405020304" pitchFamily="18" charset="0"/>
+              </a:rPr>
+              <a:t>Participations</a:t>
+            </a:r>
+            <a:endParaRPr lang="en-GB" sz="5400" b="1" dirty="0">
+              <a:solidFill>
+                <a:schemeClr val="bg1"/>
+              </a:solidFill>
+              <a:latin typeface="Allianz Serif" pitchFamily="50" charset="0"/>
+              <a:cs typeface="Times New Roman" panose="02020603050405020304" pitchFamily="18" charset="0"/>
+            </a:endParaRPr>
           </a:p>
         </p:txBody>
       </p:sp>
     </p:spTree>
     <p:extLst>
       <p:ext uri="{BB962C8B-B14F-4D97-AF65-F5344CB8AC3E}">
-        <p14:creationId xmlns:p14="http://schemas.microsoft.com/office/powerpoint/2010/main" val="1462879094"/>
+        <p14:creationId xmlns:p14="http://schemas.microsoft.com/office/powerpoint/2010/main" val="680084884"/>
       </p:ext>
     </p:extLst>
   </p:cSld>
@@ -12777,6 +13657,44 @@
       </p:grpSpPr>
       <p:sp>
         <p:nvSpPr>
+          <p:cNvPr id="11" name="Textplatzhalter 10"/>
+          <p:cNvSpPr>
+            <a:spLocks noGrp="1"/>
+          </p:cNvSpPr>
+          <p:nvPr>
+            <p:ph type="body" sz="quarter" idx="19"/>
+          </p:nvPr>
+        </p:nvSpPr>
+        <p:spPr>
+          <a:xfrm>
+            <a:off x="0" y="8016"/>
+            <a:ext cx="7974008" cy="676049"/>
+          </a:xfrm>
+          <a:solidFill>
+            <a:schemeClr val="tx2">
+              <a:lumMod val="20000"/>
+              <a:lumOff val="80000"/>
+            </a:schemeClr>
+          </a:solidFill>
+          <a:ln>
+            <a:solidFill>
+              <a:schemeClr val="tx2">
+                <a:lumMod val="20000"/>
+                <a:lumOff val="80000"/>
+              </a:schemeClr>
+            </a:solidFill>
+          </a:ln>
+        </p:spPr>
+        <p:txBody>
+          <a:bodyPr/>
+          <a:lstStyle/>
+          <a:p>
+            <a:endParaRPr lang="de-DE" dirty="0"/>
+          </a:p>
+        </p:txBody>
+      </p:sp>
+      <p:sp>
+        <p:nvSpPr>
           <p:cNvPr id="4" name="Foliennummernplatzhalter 3"/>
           <p:cNvSpPr>
             <a:spLocks noGrp="1"/>
@@ -12794,6 +13712,67 @@
               <a:rPr lang="en-GB" smtClean="0"/>
               <a:pPr/>
               <a:t>40</a:t>
+            </a:fld>
+            <a:endParaRPr lang="en-GB" dirty="0"/>
+          </a:p>
+        </p:txBody>
+      </p:sp>
+    </p:spTree>
+    <p:extLst>
+      <p:ext uri="{BB962C8B-B14F-4D97-AF65-F5344CB8AC3E}">
+        <p14:creationId xmlns:p14="http://schemas.microsoft.com/office/powerpoint/2010/main" val="1462879094"/>
+      </p:ext>
+    </p:extLst>
+  </p:cSld>
+  <p:clrMapOvr>
+    <a:masterClrMapping/>
+  </p:clrMapOvr>
+  <p:timing>
+    <p:tnLst>
+      <p:par>
+        <p:cTn id="1" dur="indefinite" restart="never" nodeType="tmRoot"/>
+      </p:par>
+    </p:tnLst>
+  </p:timing>
+</p:sld>
+</file>
+
+<file path=ppt/slides/slide41.xml><?xml version="1.0" encoding="utf-8"?>
+<p:sld xmlns:a="http://schemas.openxmlformats.org/drawingml/2006/main" xmlns:r="http://schemas.openxmlformats.org/officeDocument/2006/relationships" xmlns:p="http://schemas.openxmlformats.org/presentationml/2006/main">
+  <p:cSld>
+    <p:spTree>
+      <p:nvGrpSpPr>
+        <p:cNvPr id="1" name=""/>
+        <p:cNvGrpSpPr/>
+        <p:nvPr/>
+      </p:nvGrpSpPr>
+      <p:grpSpPr>
+        <a:xfrm>
+          <a:off x="0" y="0"/>
+          <a:ext cx="0" cy="0"/>
+          <a:chOff x="0" y="0"/>
+          <a:chExt cx="0" cy="0"/>
+        </a:xfrm>
+      </p:grpSpPr>
+      <p:sp>
+        <p:nvSpPr>
+          <p:cNvPr id="4" name="Foliennummernplatzhalter 3"/>
+          <p:cNvSpPr>
+            <a:spLocks noGrp="1"/>
+          </p:cNvSpPr>
+          <p:nvPr>
+            <p:ph type="sldNum" sz="quarter" idx="12"/>
+          </p:nvPr>
+        </p:nvSpPr>
+        <p:spPr/>
+        <p:txBody>
+          <a:bodyPr/>
+          <a:lstStyle/>
+          <a:p>
+            <a:fld id="{61201FF1-C63B-412E-ABF0-3D0E918900AC}" type="slidenum">
+              <a:rPr lang="en-GB" smtClean="0"/>
+              <a:pPr/>
+              <a:t>41</a:t>
             </a:fld>
             <a:endParaRPr lang="en-GB" dirty="0"/>
           </a:p>
@@ -13309,14 +14288,7 @@
                           <a:latin typeface="Times New Roman" panose="02020603050405020304" pitchFamily="18" charset="0"/>
                           <a:cs typeface="Times New Roman" panose="02020603050405020304" pitchFamily="18" charset="0"/>
                         </a:rPr>
-                        <a:t>Java </a:t>
-                      </a:r>
-                      <a:r>
-                        <a:rPr lang="en-GB" dirty="0" smtClean="0">
-                          <a:latin typeface="Times New Roman" panose="02020603050405020304" pitchFamily="18" charset="0"/>
-                          <a:cs typeface="Times New Roman" panose="02020603050405020304" pitchFamily="18" charset="0"/>
-                        </a:rPr>
-                        <a:t>Script, Ajax</a:t>
+                        <a:t>Java Script, Ajax</a:t>
                       </a:r>
                       <a:endParaRPr lang="en-GB" dirty="0">
                         <a:latin typeface="Times New Roman" panose="02020603050405020304" pitchFamily="18" charset="0"/>
@@ -13446,14 +14418,7 @@
                           <a:latin typeface="Times New Roman" panose="02020603050405020304" pitchFamily="18" charset="0"/>
                           <a:cs typeface="Times New Roman" panose="02020603050405020304" pitchFamily="18" charset="0"/>
                         </a:rPr>
-                        <a:t>Basics of </a:t>
-                      </a:r>
-                      <a:r>
-                        <a:rPr lang="en-GB" dirty="0" smtClean="0">
-                          <a:latin typeface="Times New Roman" panose="02020603050405020304" pitchFamily="18" charset="0"/>
-                          <a:cs typeface="Times New Roman" panose="02020603050405020304" pitchFamily="18" charset="0"/>
-                        </a:rPr>
-                        <a:t>Insurance</a:t>
+                        <a:t>Basics of Insurance</a:t>
                       </a:r>
                     </a:p>
                   </a:txBody>

--- a/AmruthaMohan.pptx
+++ b/AmruthaMohan.pptx
@@ -5,10 +5,10 @@
     <p:sldMasterId id="2147483648" r:id="rId1"/>
   </p:sldMasterIdLst>
   <p:notesMasterIdLst>
-    <p:notesMasterId r:id="rId43"/>
+    <p:notesMasterId r:id="rId49"/>
   </p:notesMasterIdLst>
   <p:handoutMasterIdLst>
-    <p:handoutMasterId r:id="rId44"/>
+    <p:handoutMasterId r:id="rId50"/>
   </p:handoutMasterIdLst>
   <p:sldIdLst>
     <p:sldId id="257" r:id="rId2"/>
@@ -35,23 +35,29 @@
     <p:sldId id="269" r:id="rId23"/>
     <p:sldId id="270" r:id="rId24"/>
     <p:sldId id="290" r:id="rId25"/>
-    <p:sldId id="302" r:id="rId26"/>
-    <p:sldId id="291" r:id="rId27"/>
-    <p:sldId id="292" r:id="rId28"/>
-    <p:sldId id="293" r:id="rId29"/>
-    <p:sldId id="303" r:id="rId30"/>
-    <p:sldId id="271" r:id="rId31"/>
-    <p:sldId id="272" r:id="rId32"/>
-    <p:sldId id="294" r:id="rId33"/>
-    <p:sldId id="296" r:id="rId34"/>
-    <p:sldId id="301" r:id="rId35"/>
-    <p:sldId id="300" r:id="rId36"/>
-    <p:sldId id="295" r:id="rId37"/>
-    <p:sldId id="273" r:id="rId38"/>
-    <p:sldId id="274" r:id="rId39"/>
-    <p:sldId id="275" r:id="rId40"/>
-    <p:sldId id="276" r:id="rId41"/>
-    <p:sldId id="277" r:id="rId42"/>
+    <p:sldId id="310" r:id="rId26"/>
+    <p:sldId id="302" r:id="rId27"/>
+    <p:sldId id="291" r:id="rId28"/>
+    <p:sldId id="292" r:id="rId29"/>
+    <p:sldId id="293" r:id="rId30"/>
+    <p:sldId id="303" r:id="rId31"/>
+    <p:sldId id="271" r:id="rId32"/>
+    <p:sldId id="272" r:id="rId33"/>
+    <p:sldId id="304" r:id="rId34"/>
+    <p:sldId id="294" r:id="rId35"/>
+    <p:sldId id="296" r:id="rId36"/>
+    <p:sldId id="301" r:id="rId37"/>
+    <p:sldId id="295" r:id="rId38"/>
+    <p:sldId id="305" r:id="rId39"/>
+    <p:sldId id="306" r:id="rId40"/>
+    <p:sldId id="307" r:id="rId41"/>
+    <p:sldId id="308" r:id="rId42"/>
+    <p:sldId id="309" r:id="rId43"/>
+    <p:sldId id="273" r:id="rId44"/>
+    <p:sldId id="274" r:id="rId45"/>
+    <p:sldId id="275" r:id="rId46"/>
+    <p:sldId id="276" r:id="rId47"/>
+    <p:sldId id="277" r:id="rId48"/>
   </p:sldIdLst>
   <p:sldSz cx="8785225" cy="5256213"/>
   <p:notesSz cx="6858000" cy="9144000"/>
@@ -152,7 +158,7 @@
   </p:defaultTextStyle>
   <p:extLst>
     <p:ext uri="{EFAFB233-063F-42B5-8137-9DF3F51BA10A}">
-      <p15:sldGuideLst xmlns="" xmlns:p15="http://schemas.microsoft.com/office/powerpoint/2012/main">
+      <p15:sldGuideLst xmlns:p15="http://schemas.microsoft.com/office/powerpoint/2012/main" xmlns="">
         <p15:guide id="1" orient="horz" pos="1656">
           <p15:clr>
             <a:srgbClr val="A4A3A4"/>
@@ -166,7 +172,7 @@
       </p15:sldGuideLst>
     </p:ext>
     <p:ext uri="{2D200454-40CA-4A62-9FC3-DE9A4176ACB9}">
-      <p15:notesGuideLst xmlns="" xmlns:p15="http://schemas.microsoft.com/office/powerpoint/2012/main">
+      <p15:notesGuideLst xmlns:p15="http://schemas.microsoft.com/office/powerpoint/2012/main" xmlns="">
         <p15:guide id="1" orient="horz" pos="2880">
           <p15:clr>
             <a:srgbClr val="A4A3A4"/>
@@ -265,7 +271,7 @@
           <a:p>
             <a:fld id="{2E403D10-7F5E-4FE6-8B11-C5F4484721E3}" type="datetimeFigureOut">
               <a:rPr lang="en-GB" smtClean="0"/>
-              <a:t>06/09/2018</a:t>
+              <a:t>07/09/2018</a:t>
             </a:fld>
             <a:endParaRPr lang="en-GB"/>
           </a:p>
@@ -430,7 +436,7 @@
           <a:p>
             <a:fld id="{9F5E9DC1-8FB7-41FF-9F50-7EF2E6EBE329}" type="datetimeFigureOut">
               <a:rPr lang="en-GB" smtClean="0"/>
-              <a:t>06/09/2018</a:t>
+              <a:t>07/09/2018</a:t>
             </a:fld>
             <a:endParaRPr lang="en-GB"/>
           </a:p>
@@ -880,7 +886,7 @@
             <a:fld id="{1D8BD707-D9CF-40AE-B4C6-C98DA3205C09}" type="datetimeFigureOut">
               <a:rPr lang="en-US" smtClean="0"/>
               <a:pPr/>
-              <a:t>9/6/2018</a:t>
+              <a:t>9/7/2018</a:t>
             </a:fld>
             <a:endParaRPr lang="en-US"/>
           </a:p>
@@ -1047,7 +1053,7 @@
             <a:fld id="{1D8BD707-D9CF-40AE-B4C6-C98DA3205C09}" type="datetimeFigureOut">
               <a:rPr lang="en-US" smtClean="0"/>
               <a:pPr/>
-              <a:t>9/6/2018</a:t>
+              <a:t>9/7/2018</a:t>
             </a:fld>
             <a:endParaRPr lang="en-US"/>
           </a:p>
@@ -1224,7 +1230,7 @@
             <a:fld id="{1D8BD707-D9CF-40AE-B4C6-C98DA3205C09}" type="datetimeFigureOut">
               <a:rPr lang="en-US" smtClean="0"/>
               <a:pPr/>
-              <a:t>9/6/2018</a:t>
+              <a:t>9/7/2018</a:t>
             </a:fld>
             <a:endParaRPr lang="en-US"/>
           </a:p>
@@ -2632,7 +2638,7 @@
           <a:p>
             <a:fld id="{B0712CAB-150C-4C67-A6F6-7AD476CA4C2E}" type="datetime5">
               <a:rPr lang="en-US" smtClean="0"/>
-              <a:t>6-Sep-18</a:t>
+              <a:t>7-Sep-18</a:t>
             </a:fld>
             <a:endParaRPr lang="en-GB"/>
           </a:p>
@@ -3025,7 +3031,7 @@
             <a:fld id="{1D8BD707-D9CF-40AE-B4C6-C98DA3205C09}" type="datetimeFigureOut">
               <a:rPr lang="en-US" smtClean="0"/>
               <a:pPr/>
-              <a:t>9/6/2018</a:t>
+              <a:t>9/7/2018</a:t>
             </a:fld>
             <a:endParaRPr lang="en-US"/>
           </a:p>
@@ -3268,7 +3274,7 @@
             <a:fld id="{1D8BD707-D9CF-40AE-B4C6-C98DA3205C09}" type="datetimeFigureOut">
               <a:rPr lang="en-US" smtClean="0"/>
               <a:pPr/>
-              <a:t>9/6/2018</a:t>
+              <a:t>9/7/2018</a:t>
             </a:fld>
             <a:endParaRPr lang="en-US"/>
           </a:p>
@@ -3553,7 +3559,7 @@
             <a:fld id="{1D8BD707-D9CF-40AE-B4C6-C98DA3205C09}" type="datetimeFigureOut">
               <a:rPr lang="en-US" smtClean="0"/>
               <a:pPr/>
-              <a:t>9/6/2018</a:t>
+              <a:t>9/7/2018</a:t>
             </a:fld>
             <a:endParaRPr lang="en-US"/>
           </a:p>
@@ -3972,7 +3978,7 @@
             <a:fld id="{1D8BD707-D9CF-40AE-B4C6-C98DA3205C09}" type="datetimeFigureOut">
               <a:rPr lang="en-US" smtClean="0"/>
               <a:pPr/>
-              <a:t>9/6/2018</a:t>
+              <a:t>9/7/2018</a:t>
             </a:fld>
             <a:endParaRPr lang="en-US"/>
           </a:p>
@@ -4087,7 +4093,7 @@
             <a:fld id="{1D8BD707-D9CF-40AE-B4C6-C98DA3205C09}" type="datetimeFigureOut">
               <a:rPr lang="en-US" smtClean="0"/>
               <a:pPr/>
-              <a:t>9/6/2018</a:t>
+              <a:t>9/7/2018</a:t>
             </a:fld>
             <a:endParaRPr lang="en-US"/>
           </a:p>
@@ -4179,7 +4185,7 @@
             <a:fld id="{1D8BD707-D9CF-40AE-B4C6-C98DA3205C09}" type="datetimeFigureOut">
               <a:rPr lang="en-US" smtClean="0"/>
               <a:pPr/>
-              <a:t>9/6/2018</a:t>
+              <a:t>9/7/2018</a:t>
             </a:fld>
             <a:endParaRPr lang="en-US"/>
           </a:p>
@@ -4453,7 +4459,7 @@
             <a:fld id="{1D8BD707-D9CF-40AE-B4C6-C98DA3205C09}" type="datetimeFigureOut">
               <a:rPr lang="en-US" smtClean="0"/>
               <a:pPr/>
-              <a:t>9/6/2018</a:t>
+              <a:t>9/7/2018</a:t>
             </a:fld>
             <a:endParaRPr lang="en-US"/>
           </a:p>
@@ -4703,7 +4709,7 @@
             <a:fld id="{1D8BD707-D9CF-40AE-B4C6-C98DA3205C09}" type="datetimeFigureOut">
               <a:rPr lang="en-US" smtClean="0"/>
               <a:pPr/>
-              <a:t>9/6/2018</a:t>
+              <a:t>9/7/2018</a:t>
             </a:fld>
             <a:endParaRPr lang="en-US"/>
           </a:p>
@@ -4913,7 +4919,7 @@
             <a:fld id="{1D8BD707-D9CF-40AE-B4C6-C98DA3205C09}" type="datetimeFigureOut">
               <a:rPr lang="en-US" smtClean="0"/>
               <a:pPr/>
-              <a:t>9/6/2018</a:t>
+              <a:t>9/7/2018</a:t>
             </a:fld>
             <a:endParaRPr lang="en-US"/>
           </a:p>
@@ -9753,14 +9759,14 @@
       </p:sp>
       <p:sp>
         <p:nvSpPr>
-          <p:cNvPr id="5" name="TextBox 4"/>
+          <p:cNvPr id="2" name="TextBox 1"/>
           <p:cNvSpPr txBox="1"/>
           <p:nvPr/>
         </p:nvSpPr>
         <p:spPr>
           <a:xfrm>
-            <a:off x="354012" y="1180306"/>
-            <a:ext cx="7620000" cy="2862322"/>
+            <a:off x="506412" y="1256506"/>
+            <a:ext cx="7620000" cy="923330"/>
           </a:xfrm>
           <a:prstGeom prst="rect">
             <a:avLst/>
@@ -9773,166 +9779,20 @@
           </a:bodyPr>
           <a:lstStyle/>
           <a:p>
-            <a:pPr marL="285750" indent="-285750">
-              <a:buFont typeface="Wingdings" panose="05000000000000000000" pitchFamily="2" charset="2"/>
-              <a:buChar char="Ø"/>
-            </a:pPr>
-            <a:r>
-              <a:rPr lang="en-GB" sz="2000" dirty="0" smtClean="0">
-                <a:latin typeface="Times New Roman" panose="02020603050405020304" pitchFamily="18" charset="0"/>
-                <a:cs typeface="Times New Roman" panose="02020603050405020304" pitchFamily="18" charset="0"/>
-              </a:rPr>
-              <a:t>Track all organizational data and keep histories.</a:t>
-            </a:r>
-          </a:p>
-          <a:p>
-            <a:pPr marL="285750" indent="-285750">
-              <a:buFont typeface="Wingdings" panose="05000000000000000000" pitchFamily="2" charset="2"/>
-              <a:buChar char="Ø"/>
-            </a:pPr>
-            <a:endParaRPr lang="en-GB" sz="2000" dirty="0">
-              <a:latin typeface="Times New Roman" panose="02020603050405020304" pitchFamily="18" charset="0"/>
-              <a:cs typeface="Times New Roman" panose="02020603050405020304" pitchFamily="18" charset="0"/>
-            </a:endParaRPr>
-          </a:p>
-          <a:p>
-            <a:pPr marL="285750" indent="-285750">
-              <a:buFont typeface="Wingdings" panose="05000000000000000000" pitchFamily="2" charset="2"/>
-              <a:buChar char="Ø"/>
-            </a:pPr>
-            <a:r>
-              <a:rPr lang="en-GB" sz="2000" dirty="0">
-                <a:latin typeface="Times New Roman" panose="02020603050405020304" pitchFamily="18" charset="0"/>
-                <a:cs typeface="Times New Roman" panose="02020603050405020304" pitchFamily="18" charset="0"/>
-              </a:rPr>
-              <a:t>Produces reports on operations for every level of management</a:t>
-            </a:r>
-            <a:r>
-              <a:rPr lang="en-GB" sz="2000" dirty="0" smtClean="0">
-                <a:latin typeface="Times New Roman" panose="02020603050405020304" pitchFamily="18" charset="0"/>
-                <a:cs typeface="Times New Roman" panose="02020603050405020304" pitchFamily="18" charset="0"/>
-              </a:rPr>
-              <a:t>.</a:t>
-            </a:r>
-          </a:p>
-          <a:p>
-            <a:pPr marL="285750" indent="-285750">
-              <a:buFont typeface="Wingdings" panose="05000000000000000000" pitchFamily="2" charset="2"/>
-              <a:buChar char="Ø"/>
-            </a:pPr>
-            <a:endParaRPr lang="en-GB" sz="2000" dirty="0">
-              <a:latin typeface="Times New Roman" panose="02020603050405020304" pitchFamily="18" charset="0"/>
-              <a:cs typeface="Times New Roman" panose="02020603050405020304" pitchFamily="18" charset="0"/>
-            </a:endParaRPr>
-          </a:p>
-          <a:p>
-            <a:pPr marL="285750" indent="-285750">
-              <a:buFont typeface="Wingdings" panose="05000000000000000000" pitchFamily="2" charset="2"/>
-              <a:buChar char="Ø"/>
-            </a:pPr>
-            <a:r>
-              <a:rPr lang="en-GB" sz="2000" dirty="0">
-                <a:latin typeface="Times New Roman" panose="02020603050405020304" pitchFamily="18" charset="0"/>
-                <a:cs typeface="Times New Roman" panose="02020603050405020304" pitchFamily="18" charset="0"/>
-              </a:rPr>
-              <a:t>Data Warehousing and Data Reporting</a:t>
-            </a:r>
-            <a:r>
-              <a:rPr lang="en-GB" sz="2000" dirty="0" smtClean="0">
-                <a:latin typeface="Times New Roman" panose="02020603050405020304" pitchFamily="18" charset="0"/>
-                <a:cs typeface="Times New Roman" panose="02020603050405020304" pitchFamily="18" charset="0"/>
-              </a:rPr>
-              <a:t>.</a:t>
-            </a:r>
-          </a:p>
-          <a:p>
-            <a:pPr marL="285750" indent="-285750">
-              <a:buFont typeface="Wingdings" panose="05000000000000000000" pitchFamily="2" charset="2"/>
-              <a:buChar char="Ø"/>
-            </a:pPr>
-            <a:endParaRPr lang="en-GB" sz="2000" dirty="0">
-              <a:latin typeface="Times New Roman" panose="02020603050405020304" pitchFamily="18" charset="0"/>
-              <a:cs typeface="Times New Roman" panose="02020603050405020304" pitchFamily="18" charset="0"/>
-            </a:endParaRPr>
-          </a:p>
-          <a:p>
-            <a:pPr marL="285750" indent="-285750">
-              <a:buFont typeface="Wingdings" panose="05000000000000000000" pitchFamily="2" charset="2"/>
-              <a:buChar char="Ø"/>
-            </a:pPr>
-            <a:r>
-              <a:rPr lang="en-GB" sz="2000" dirty="0">
-                <a:latin typeface="Times New Roman" panose="02020603050405020304" pitchFamily="18" charset="0"/>
-                <a:cs typeface="Times New Roman" panose="02020603050405020304" pitchFamily="18" charset="0"/>
-              </a:rPr>
-              <a:t>Data Analysis and Decision Making.</a:t>
-            </a:r>
-          </a:p>
-          <a:p>
-            <a:endParaRPr lang="en-GB" sz="2000" dirty="0">
-              <a:latin typeface="Times New Roman" panose="02020603050405020304" pitchFamily="18" charset="0"/>
-              <a:cs typeface="Times New Roman" panose="02020603050405020304" pitchFamily="18" charset="0"/>
-            </a:endParaRPr>
-          </a:p>
-          <a:p>
-            <a:pPr marL="285750" indent="-285750">
-              <a:buFont typeface="Wingdings" panose="05000000000000000000" pitchFamily="2" charset="2"/>
-              <a:buChar char="Ø"/>
-            </a:pPr>
-            <a:r>
-              <a:rPr lang="en-GB" sz="2000" dirty="0" smtClean="0">
-                <a:latin typeface="Times New Roman" panose="02020603050405020304" pitchFamily="18" charset="0"/>
-                <a:cs typeface="Times New Roman" panose="02020603050405020304" pitchFamily="18" charset="0"/>
-              </a:rPr>
-              <a:t>Ultimate Goal : Increase the Value and Profit of business.</a:t>
-            </a:r>
-            <a:endParaRPr lang="en-GB" sz="2000" dirty="0">
-              <a:latin typeface="Times New Roman" panose="02020603050405020304" pitchFamily="18" charset="0"/>
-              <a:cs typeface="Times New Roman" panose="02020603050405020304" pitchFamily="18" charset="0"/>
-            </a:endParaRPr>
-          </a:p>
-        </p:txBody>
-      </p:sp>
-      <p:sp>
-        <p:nvSpPr>
-          <p:cNvPr id="6" name="TextBox 5"/>
-          <p:cNvSpPr txBox="1"/>
-          <p:nvPr/>
-        </p:nvSpPr>
-        <p:spPr>
-          <a:xfrm>
-            <a:off x="125412" y="123686"/>
-            <a:ext cx="3505200" cy="523220"/>
-          </a:xfrm>
-          <a:prstGeom prst="rect">
-            <a:avLst/>
-          </a:prstGeom>
-          <a:noFill/>
-        </p:spPr>
-        <p:txBody>
-          <a:bodyPr wrap="square" rtlCol="0">
-            <a:spAutoFit/>
-          </a:bodyPr>
-          <a:lstStyle/>
-          <a:p>
-            <a:r>
-              <a:rPr lang="en-GB" sz="2800" b="1" dirty="0" smtClean="0">
-                <a:latin typeface="Times New Roman" panose="02020603050405020304" pitchFamily="18" charset="0"/>
-                <a:cs typeface="Times New Roman" panose="02020603050405020304" pitchFamily="18" charset="0"/>
-              </a:rPr>
-              <a:t>Why such a Team?</a:t>
-            </a:r>
-            <a:endParaRPr lang="en-GB" sz="2800" b="1" dirty="0">
-              <a:latin typeface="Times New Roman" panose="02020603050405020304" pitchFamily="18" charset="0"/>
-              <a:cs typeface="Times New Roman" panose="02020603050405020304" pitchFamily="18" charset="0"/>
-            </a:endParaRPr>
+            <a:r>
+              <a:rPr lang="en-GB" dirty="0" smtClean="0"/>
+              <a:t>Focuses in the management of operation systems data which helps in efficient and effective decision making.</a:t>
+            </a:r>
+          </a:p>
+          <a:p>
+            <a:endParaRPr lang="en-GB" dirty="0"/>
           </a:p>
         </p:txBody>
       </p:sp>
     </p:spTree>
     <p:extLst>
       <p:ext uri="{BB962C8B-B14F-4D97-AF65-F5344CB8AC3E}">
-        <p14:creationId xmlns:p14="http://schemas.microsoft.com/office/powerpoint/2010/main" val="2096581181"/>
+        <p14:creationId xmlns:p14="http://schemas.microsoft.com/office/powerpoint/2010/main" val="349420121"/>
       </p:ext>
     </p:extLst>
   </p:cSld>
@@ -10036,8 +9896,8 @@
         </p:nvSpPr>
         <p:spPr>
           <a:xfrm>
-            <a:off x="294512" y="123686"/>
-            <a:ext cx="4707700" cy="523220"/>
+            <a:off x="354012" y="1180306"/>
+            <a:ext cx="7620000" cy="2862322"/>
           </a:xfrm>
           <a:prstGeom prst="rect">
             <a:avLst/>
@@ -10050,12 +9910,161 @@
           </a:bodyPr>
           <a:lstStyle/>
           <a:p>
+            <a:pPr marL="285750" indent="-285750">
+              <a:buFont typeface="Wingdings" panose="05000000000000000000" pitchFamily="2" charset="2"/>
+              <a:buChar char="Ø"/>
+            </a:pPr>
+            <a:r>
+              <a:rPr lang="en-GB" sz="2000" dirty="0" smtClean="0">
+                <a:latin typeface="Times New Roman" panose="02020603050405020304" pitchFamily="18" charset="0"/>
+                <a:cs typeface="Times New Roman" panose="02020603050405020304" pitchFamily="18" charset="0"/>
+              </a:rPr>
+              <a:t>Track all organizational data and keep histories.</a:t>
+            </a:r>
+          </a:p>
+          <a:p>
+            <a:pPr marL="285750" indent="-285750">
+              <a:buFont typeface="Wingdings" panose="05000000000000000000" pitchFamily="2" charset="2"/>
+              <a:buChar char="Ø"/>
+            </a:pPr>
+            <a:endParaRPr lang="en-GB" sz="2000" dirty="0">
+              <a:latin typeface="Times New Roman" panose="02020603050405020304" pitchFamily="18" charset="0"/>
+              <a:cs typeface="Times New Roman" panose="02020603050405020304" pitchFamily="18" charset="0"/>
+            </a:endParaRPr>
+          </a:p>
+          <a:p>
+            <a:pPr marL="285750" indent="-285750">
+              <a:buFont typeface="Wingdings" panose="05000000000000000000" pitchFamily="2" charset="2"/>
+              <a:buChar char="Ø"/>
+            </a:pPr>
+            <a:r>
+              <a:rPr lang="en-GB" sz="2000" dirty="0" smtClean="0">
+                <a:latin typeface="Times New Roman" panose="02020603050405020304" pitchFamily="18" charset="0"/>
+                <a:cs typeface="Times New Roman" panose="02020603050405020304" pitchFamily="18" charset="0"/>
+              </a:rPr>
+              <a:t>Produce reports </a:t>
+            </a:r>
+            <a:r>
+              <a:rPr lang="en-GB" sz="2000" dirty="0">
+                <a:latin typeface="Times New Roman" panose="02020603050405020304" pitchFamily="18" charset="0"/>
+                <a:cs typeface="Times New Roman" panose="02020603050405020304" pitchFamily="18" charset="0"/>
+              </a:rPr>
+              <a:t>on operations for every level of management</a:t>
+            </a:r>
+            <a:r>
+              <a:rPr lang="en-GB" sz="2000" dirty="0" smtClean="0">
+                <a:latin typeface="Times New Roman" panose="02020603050405020304" pitchFamily="18" charset="0"/>
+                <a:cs typeface="Times New Roman" panose="02020603050405020304" pitchFamily="18" charset="0"/>
+              </a:rPr>
+              <a:t>.</a:t>
+            </a:r>
+          </a:p>
+          <a:p>
+            <a:pPr marL="285750" indent="-285750">
+              <a:buFont typeface="Wingdings" panose="05000000000000000000" pitchFamily="2" charset="2"/>
+              <a:buChar char="Ø"/>
+            </a:pPr>
+            <a:endParaRPr lang="en-GB" sz="2000" dirty="0">
+              <a:latin typeface="Times New Roman" panose="02020603050405020304" pitchFamily="18" charset="0"/>
+              <a:cs typeface="Times New Roman" panose="02020603050405020304" pitchFamily="18" charset="0"/>
+            </a:endParaRPr>
+          </a:p>
+          <a:p>
+            <a:pPr marL="285750" indent="-285750">
+              <a:buFont typeface="Wingdings" panose="05000000000000000000" pitchFamily="2" charset="2"/>
+              <a:buChar char="Ø"/>
+            </a:pPr>
+            <a:r>
+              <a:rPr lang="en-GB" sz="2000" dirty="0">
+                <a:latin typeface="Times New Roman" panose="02020603050405020304" pitchFamily="18" charset="0"/>
+                <a:cs typeface="Times New Roman" panose="02020603050405020304" pitchFamily="18" charset="0"/>
+              </a:rPr>
+              <a:t>Data Warehousing and Data Reporting</a:t>
+            </a:r>
+            <a:r>
+              <a:rPr lang="en-GB" sz="2000" dirty="0" smtClean="0">
+                <a:latin typeface="Times New Roman" panose="02020603050405020304" pitchFamily="18" charset="0"/>
+                <a:cs typeface="Times New Roman" panose="02020603050405020304" pitchFamily="18" charset="0"/>
+              </a:rPr>
+              <a:t>.</a:t>
+            </a:r>
+          </a:p>
+          <a:p>
+            <a:pPr marL="285750" indent="-285750">
+              <a:buFont typeface="Wingdings" panose="05000000000000000000" pitchFamily="2" charset="2"/>
+              <a:buChar char="Ø"/>
+            </a:pPr>
+            <a:endParaRPr lang="en-GB" sz="2000" dirty="0">
+              <a:latin typeface="Times New Roman" panose="02020603050405020304" pitchFamily="18" charset="0"/>
+              <a:cs typeface="Times New Roman" panose="02020603050405020304" pitchFamily="18" charset="0"/>
+            </a:endParaRPr>
+          </a:p>
+          <a:p>
+            <a:pPr marL="285750" indent="-285750">
+              <a:buFont typeface="Wingdings" panose="05000000000000000000" pitchFamily="2" charset="2"/>
+              <a:buChar char="Ø"/>
+            </a:pPr>
+            <a:r>
+              <a:rPr lang="en-GB" sz="2000" dirty="0">
+                <a:latin typeface="Times New Roman" panose="02020603050405020304" pitchFamily="18" charset="0"/>
+                <a:cs typeface="Times New Roman" panose="02020603050405020304" pitchFamily="18" charset="0"/>
+              </a:rPr>
+              <a:t>Data Analysis and Decision Making.</a:t>
+            </a:r>
+          </a:p>
+          <a:p>
+            <a:endParaRPr lang="en-GB" sz="2000" dirty="0">
+              <a:latin typeface="Times New Roman" panose="02020603050405020304" pitchFamily="18" charset="0"/>
+              <a:cs typeface="Times New Roman" panose="02020603050405020304" pitchFamily="18" charset="0"/>
+            </a:endParaRPr>
+          </a:p>
+          <a:p>
+            <a:pPr marL="285750" indent="-285750">
+              <a:buFont typeface="Wingdings" panose="05000000000000000000" pitchFamily="2" charset="2"/>
+              <a:buChar char="Ø"/>
+            </a:pPr>
+            <a:r>
+              <a:rPr lang="en-GB" sz="2000" dirty="0" smtClean="0">
+                <a:latin typeface="Times New Roman" panose="02020603050405020304" pitchFamily="18" charset="0"/>
+                <a:cs typeface="Times New Roman" panose="02020603050405020304" pitchFamily="18" charset="0"/>
+              </a:rPr>
+              <a:t>Ultimate Goal : Increase the Value and Profit of business.</a:t>
+            </a:r>
+            <a:endParaRPr lang="en-GB" sz="2000" dirty="0">
+              <a:latin typeface="Times New Roman" panose="02020603050405020304" pitchFamily="18" charset="0"/>
+              <a:cs typeface="Times New Roman" panose="02020603050405020304" pitchFamily="18" charset="0"/>
+            </a:endParaRPr>
+          </a:p>
+        </p:txBody>
+      </p:sp>
+      <p:sp>
+        <p:nvSpPr>
+          <p:cNvPr id="6" name="TextBox 5"/>
+          <p:cNvSpPr txBox="1"/>
+          <p:nvPr/>
+        </p:nvSpPr>
+        <p:spPr>
+          <a:xfrm>
+            <a:off x="125412" y="123686"/>
+            <a:ext cx="3505200" cy="523220"/>
+          </a:xfrm>
+          <a:prstGeom prst="rect">
+            <a:avLst/>
+          </a:prstGeom>
+          <a:noFill/>
+        </p:spPr>
+        <p:txBody>
+          <a:bodyPr wrap="square" rtlCol="0">
+            <a:spAutoFit/>
+          </a:bodyPr>
+          <a:lstStyle/>
+          <a:p>
             <a:r>
               <a:rPr lang="en-GB" sz="2800" b="1" dirty="0" smtClean="0">
                 <a:latin typeface="Times New Roman" panose="02020603050405020304" pitchFamily="18" charset="0"/>
                 <a:cs typeface="Times New Roman" panose="02020603050405020304" pitchFamily="18" charset="0"/>
               </a:rPr>
-              <a:t>Data Warehouse</a:t>
+              <a:t>What we do</a:t>
             </a:r>
             <a:endParaRPr lang="en-GB" sz="2800" b="1" dirty="0">
               <a:latin typeface="Times New Roman" panose="02020603050405020304" pitchFamily="18" charset="0"/>
@@ -10064,51 +10073,10 @@
           </a:p>
         </p:txBody>
       </p:sp>
-      <p:pic>
-        <p:nvPicPr>
-          <p:cNvPr id="1026" name="Picture 2" descr="\\s81dsp01data01\ACIS-Udrive\Users\t10313\AILP Batch4\Images\archetecture.png"/>
-          <p:cNvPicPr>
-            <a:picLocks noChangeAspect="1" noChangeArrowheads="1"/>
-          </p:cNvPicPr>
-          <p:nvPr/>
-        </p:nvPicPr>
-        <p:blipFill>
-          <a:blip r:embed="rId2">
-            <a:extLst>
-              <a:ext uri="{28A0092B-C50C-407E-A947-70E740481C1C}">
-                <a14:useLocalDpi xmlns:a14="http://schemas.microsoft.com/office/drawing/2010/main" val="0"/>
-              </a:ext>
-            </a:extLst>
-          </a:blip>
-          <a:srcRect/>
-          <a:stretch>
-            <a:fillRect/>
-          </a:stretch>
-        </p:blipFill>
-        <p:spPr bwMode="auto">
-          <a:xfrm>
-            <a:off x="16555" y="705983"/>
-            <a:ext cx="8768670" cy="4550230"/>
-          </a:xfrm>
-          <a:prstGeom prst="rect">
-            <a:avLst/>
-          </a:prstGeom>
-          <a:noFill/>
-          <a:extLst>
-            <a:ext uri="{909E8E84-426E-40DD-AFC4-6F175D3DCCD1}">
-              <a14:hiddenFill xmlns:a14="http://schemas.microsoft.com/office/drawing/2010/main">
-                <a:solidFill>
-                  <a:srgbClr val="FFFFFF"/>
-                </a:solidFill>
-              </a14:hiddenFill>
-            </a:ext>
-          </a:extLst>
-        </p:spPr>
-      </p:pic>
     </p:spTree>
     <p:extLst>
       <p:ext uri="{BB962C8B-B14F-4D97-AF65-F5344CB8AC3E}">
-        <p14:creationId xmlns:p14="http://schemas.microsoft.com/office/powerpoint/2010/main" val="4199472096"/>
+        <p14:creationId xmlns:p14="http://schemas.microsoft.com/office/powerpoint/2010/main" val="2096581181"/>
       </p:ext>
     </p:extLst>
   </p:cSld>
@@ -10204,9 +10172,45 @@
           </a:p>
         </p:txBody>
       </p:sp>
+      <p:sp>
+        <p:nvSpPr>
+          <p:cNvPr id="5" name="TextBox 4"/>
+          <p:cNvSpPr txBox="1"/>
+          <p:nvPr/>
+        </p:nvSpPr>
+        <p:spPr>
+          <a:xfrm>
+            <a:off x="294512" y="123686"/>
+            <a:ext cx="4707700" cy="523220"/>
+          </a:xfrm>
+          <a:prstGeom prst="rect">
+            <a:avLst/>
+          </a:prstGeom>
+          <a:noFill/>
+        </p:spPr>
+        <p:txBody>
+          <a:bodyPr wrap="square" rtlCol="0">
+            <a:spAutoFit/>
+          </a:bodyPr>
+          <a:lstStyle/>
+          <a:p>
+            <a:r>
+              <a:rPr lang="en-GB" sz="2800" b="1" dirty="0" smtClean="0">
+                <a:latin typeface="Times New Roman" panose="02020603050405020304" pitchFamily="18" charset="0"/>
+                <a:cs typeface="Times New Roman" panose="02020603050405020304" pitchFamily="18" charset="0"/>
+              </a:rPr>
+              <a:t>Data Warehouse</a:t>
+            </a:r>
+            <a:endParaRPr lang="en-GB" sz="2800" b="1" dirty="0">
+              <a:latin typeface="Times New Roman" panose="02020603050405020304" pitchFamily="18" charset="0"/>
+              <a:cs typeface="Times New Roman" panose="02020603050405020304" pitchFamily="18" charset="0"/>
+            </a:endParaRPr>
+          </a:p>
+        </p:txBody>
+      </p:sp>
       <p:pic>
         <p:nvPicPr>
-          <p:cNvPr id="2050" name="Picture 2" descr="\\s81dsp01data01\ACIS-Udrive\Users\t10313\AILP Batch4\Images\ETL.jpg"/>
+          <p:cNvPr id="1026" name="Picture 2" descr="\\s81dsp01data01\ACIS-Udrive\Users\t10313\AILP Batch4\Images\archetecture.png"/>
           <p:cNvPicPr>
             <a:picLocks noChangeAspect="1" noChangeArrowheads="1"/>
           </p:cNvPicPr>
@@ -10227,8 +10231,8 @@
         </p:blipFill>
         <p:spPr bwMode="auto">
           <a:xfrm>
-            <a:off x="125411" y="799306"/>
-            <a:ext cx="8458201" cy="4191000"/>
+            <a:off x="16555" y="705983"/>
+            <a:ext cx="8768670" cy="4550230"/>
           </a:xfrm>
           <a:prstGeom prst="rect">
             <a:avLst/>
@@ -10248,7 +10252,7 @@
     </p:spTree>
     <p:extLst>
       <p:ext uri="{BB962C8B-B14F-4D97-AF65-F5344CB8AC3E}">
-        <p14:creationId xmlns:p14="http://schemas.microsoft.com/office/powerpoint/2010/main" val="379036599"/>
+        <p14:creationId xmlns:p14="http://schemas.microsoft.com/office/powerpoint/2010/main" val="4199472096"/>
       </p:ext>
     </p:extLst>
   </p:cSld>
@@ -10330,12 +10334,7 @@
             <p:ph type="sldNum" sz="quarter" idx="12"/>
           </p:nvPr>
         </p:nvSpPr>
-        <p:spPr>
-          <a:xfrm>
-            <a:off x="7897812" y="4871733"/>
-            <a:ext cx="448152" cy="270974"/>
-          </a:xfrm>
-        </p:spPr>
+        <p:spPr/>
         <p:txBody>
           <a:bodyPr/>
           <a:lstStyle/>
@@ -10349,45 +10348,9 @@
           </a:p>
         </p:txBody>
       </p:sp>
-      <p:sp>
-        <p:nvSpPr>
-          <p:cNvPr id="5" name="TextBox 4"/>
-          <p:cNvSpPr txBox="1"/>
-          <p:nvPr/>
-        </p:nvSpPr>
-        <p:spPr>
-          <a:xfrm>
-            <a:off x="294512" y="123686"/>
-            <a:ext cx="4707700" cy="523220"/>
-          </a:xfrm>
-          <a:prstGeom prst="rect">
-            <a:avLst/>
-          </a:prstGeom>
-          <a:noFill/>
-        </p:spPr>
-        <p:txBody>
-          <a:bodyPr wrap="square" rtlCol="0">
-            <a:spAutoFit/>
-          </a:bodyPr>
-          <a:lstStyle/>
-          <a:p>
-            <a:r>
-              <a:rPr lang="en-GB" sz="2800" b="1" dirty="0" smtClean="0">
-                <a:latin typeface="Times New Roman" panose="02020603050405020304" pitchFamily="18" charset="0"/>
-                <a:cs typeface="Times New Roman" panose="02020603050405020304" pitchFamily="18" charset="0"/>
-              </a:rPr>
-              <a:t>Multidimensional Schema</a:t>
-            </a:r>
-            <a:endParaRPr lang="en-GB" sz="2800" b="1" dirty="0">
-              <a:latin typeface="Times New Roman" panose="02020603050405020304" pitchFamily="18" charset="0"/>
-              <a:cs typeface="Times New Roman" panose="02020603050405020304" pitchFamily="18" charset="0"/>
-            </a:endParaRPr>
-          </a:p>
-        </p:txBody>
-      </p:sp>
       <p:pic>
         <p:nvPicPr>
-          <p:cNvPr id="1026" name="Picture 2" descr="\\s81dsp01data01\ACIS-Udrive\Users\t10313\AILP Batch4\Images\star.png"/>
+          <p:cNvPr id="2050" name="Picture 2" descr="\\s81dsp01data01\ACIS-Udrive\Users\t10313\AILP Batch4\Images\ETL.jpg"/>
           <p:cNvPicPr>
             <a:picLocks noChangeAspect="1" noChangeArrowheads="1"/>
           </p:cNvPicPr>
@@ -10408,8 +10371,8 @@
         </p:blipFill>
         <p:spPr bwMode="auto">
           <a:xfrm>
-            <a:off x="201612" y="1485106"/>
-            <a:ext cx="3352800" cy="3000375"/>
+            <a:off x="125411" y="799306"/>
+            <a:ext cx="8458201" cy="4191000"/>
           </a:xfrm>
           <a:prstGeom prst="rect">
             <a:avLst/>
@@ -10426,119 +10389,6 @@
           </a:extLst>
         </p:spPr>
       </p:pic>
-      <p:pic>
-        <p:nvPicPr>
-          <p:cNvPr id="1027" name="Picture 3" descr="\\s81dsp01data01\ACIS-Udrive\Users\t10313\AILP Batch4\Images\snowflake.png"/>
-          <p:cNvPicPr>
-            <a:picLocks noChangeAspect="1" noChangeArrowheads="1"/>
-          </p:cNvPicPr>
-          <p:nvPr/>
-        </p:nvPicPr>
-        <p:blipFill>
-          <a:blip r:embed="rId3">
-            <a:extLst>
-              <a:ext uri="{28A0092B-C50C-407E-A947-70E740481C1C}">
-                <a14:useLocalDpi xmlns:a14="http://schemas.microsoft.com/office/drawing/2010/main" val="0"/>
-              </a:ext>
-            </a:extLst>
-          </a:blip>
-          <a:srcRect/>
-          <a:stretch>
-            <a:fillRect/>
-          </a:stretch>
-        </p:blipFill>
-        <p:spPr bwMode="auto">
-          <a:xfrm>
-            <a:off x="4240212" y="1509712"/>
-            <a:ext cx="4343400" cy="3095625"/>
-          </a:xfrm>
-          <a:prstGeom prst="rect">
-            <a:avLst/>
-          </a:prstGeom>
-          <a:noFill/>
-          <a:extLst>
-            <a:ext uri="{909E8E84-426E-40DD-AFC4-6F175D3DCCD1}">
-              <a14:hiddenFill xmlns:a14="http://schemas.microsoft.com/office/drawing/2010/main">
-                <a:solidFill>
-                  <a:srgbClr val="FFFFFF"/>
-                </a:solidFill>
-              </a14:hiddenFill>
-            </a:ext>
-          </a:extLst>
-        </p:spPr>
-      </p:pic>
-      <p:sp>
-        <p:nvSpPr>
-          <p:cNvPr id="2" name="TextBox 1"/>
-          <p:cNvSpPr txBox="1"/>
-          <p:nvPr/>
-        </p:nvSpPr>
-        <p:spPr>
-          <a:xfrm>
-            <a:off x="201612" y="856178"/>
-            <a:ext cx="1600200" cy="369332"/>
-          </a:xfrm>
-          <a:prstGeom prst="rect">
-            <a:avLst/>
-          </a:prstGeom>
-          <a:noFill/>
-        </p:spPr>
-        <p:txBody>
-          <a:bodyPr wrap="square" rtlCol="0">
-            <a:spAutoFit/>
-          </a:bodyPr>
-          <a:lstStyle/>
-          <a:p>
-            <a:r>
-              <a:rPr lang="en-GB" b="1" dirty="0" smtClean="0">
-                <a:latin typeface="Times New Roman" panose="02020603050405020304" pitchFamily="18" charset="0"/>
-                <a:cs typeface="Times New Roman" panose="02020603050405020304" pitchFamily="18" charset="0"/>
-              </a:rPr>
-              <a:t>Star Schema</a:t>
-            </a:r>
-            <a:endParaRPr lang="en-GB" b="1" dirty="0">
-              <a:latin typeface="Times New Roman" panose="02020603050405020304" pitchFamily="18" charset="0"/>
-              <a:cs typeface="Times New Roman" panose="02020603050405020304" pitchFamily="18" charset="0"/>
-            </a:endParaRPr>
-          </a:p>
-        </p:txBody>
-      </p:sp>
-      <p:sp>
-        <p:nvSpPr>
-          <p:cNvPr id="8" name="TextBox 7"/>
-          <p:cNvSpPr txBox="1"/>
-          <p:nvPr/>
-        </p:nvSpPr>
-        <p:spPr>
-          <a:xfrm>
-            <a:off x="4240212" y="881340"/>
-            <a:ext cx="2095500" cy="369332"/>
-          </a:xfrm>
-          <a:prstGeom prst="rect">
-            <a:avLst/>
-          </a:prstGeom>
-          <a:noFill/>
-        </p:spPr>
-        <p:txBody>
-          <a:bodyPr wrap="square" rtlCol="0">
-            <a:spAutoFit/>
-          </a:bodyPr>
-          <a:lstStyle/>
-          <a:p>
-            <a:r>
-              <a:rPr lang="en-GB" b="1" dirty="0" smtClean="0">
-                <a:latin typeface="Times New Roman" panose="02020603050405020304" pitchFamily="18" charset="0"/>
-                <a:cs typeface="Times New Roman" panose="02020603050405020304" pitchFamily="18" charset="0"/>
-              </a:rPr>
-              <a:t>Snowflake Schema</a:t>
-            </a:r>
-            <a:endParaRPr lang="en-GB" b="1" dirty="0">
-              <a:latin typeface="Times New Roman" panose="02020603050405020304" pitchFamily="18" charset="0"/>
-              <a:cs typeface="Times New Roman" panose="02020603050405020304" pitchFamily="18" charset="0"/>
-            </a:endParaRPr>
-          </a:p>
-        </p:txBody>
-      </p:sp>
     </p:spTree>
     <p:extLst>
       <p:ext uri="{BB962C8B-B14F-4D97-AF65-F5344CB8AC3E}">
@@ -10624,7 +10474,12 @@
             <p:ph type="sldNum" sz="quarter" idx="12"/>
           </p:nvPr>
         </p:nvSpPr>
-        <p:spPr/>
+        <p:spPr>
+          <a:xfrm>
+            <a:off x="7897812" y="4871733"/>
+            <a:ext cx="448152" cy="270974"/>
+          </a:xfrm>
+        </p:spPr>
         <p:txBody>
           <a:bodyPr/>
           <a:lstStyle/>
@@ -10633,6 +10488,442 @@
               <a:rPr lang="en-GB" smtClean="0"/>
               <a:pPr/>
               <a:t>29</a:t>
+            </a:fld>
+            <a:endParaRPr lang="en-GB" dirty="0"/>
+          </a:p>
+        </p:txBody>
+      </p:sp>
+      <p:sp>
+        <p:nvSpPr>
+          <p:cNvPr id="5" name="TextBox 4"/>
+          <p:cNvSpPr txBox="1"/>
+          <p:nvPr/>
+        </p:nvSpPr>
+        <p:spPr>
+          <a:xfrm>
+            <a:off x="294512" y="123686"/>
+            <a:ext cx="4707700" cy="523220"/>
+          </a:xfrm>
+          <a:prstGeom prst="rect">
+            <a:avLst/>
+          </a:prstGeom>
+          <a:noFill/>
+        </p:spPr>
+        <p:txBody>
+          <a:bodyPr wrap="square" rtlCol="0">
+            <a:spAutoFit/>
+          </a:bodyPr>
+          <a:lstStyle/>
+          <a:p>
+            <a:r>
+              <a:rPr lang="en-GB" sz="2800" b="1" dirty="0" smtClean="0">
+                <a:latin typeface="Times New Roman" panose="02020603050405020304" pitchFamily="18" charset="0"/>
+                <a:cs typeface="Times New Roman" panose="02020603050405020304" pitchFamily="18" charset="0"/>
+              </a:rPr>
+              <a:t>Multidimensional Schema</a:t>
+            </a:r>
+            <a:endParaRPr lang="en-GB" sz="2800" b="1" dirty="0">
+              <a:latin typeface="Times New Roman" panose="02020603050405020304" pitchFamily="18" charset="0"/>
+              <a:cs typeface="Times New Roman" panose="02020603050405020304" pitchFamily="18" charset="0"/>
+            </a:endParaRPr>
+          </a:p>
+        </p:txBody>
+      </p:sp>
+      <p:pic>
+        <p:nvPicPr>
+          <p:cNvPr id="1026" name="Picture 2" descr="\\s81dsp01data01\ACIS-Udrive\Users\t10313\AILP Batch4\Images\star.png"/>
+          <p:cNvPicPr>
+            <a:picLocks noChangeAspect="1" noChangeArrowheads="1"/>
+          </p:cNvPicPr>
+          <p:nvPr/>
+        </p:nvPicPr>
+        <p:blipFill>
+          <a:blip r:embed="rId2">
+            <a:extLst>
+              <a:ext uri="{28A0092B-C50C-407E-A947-70E740481C1C}">
+                <a14:useLocalDpi xmlns:a14="http://schemas.microsoft.com/office/drawing/2010/main" val="0"/>
+              </a:ext>
+            </a:extLst>
+          </a:blip>
+          <a:srcRect/>
+          <a:stretch>
+            <a:fillRect/>
+          </a:stretch>
+        </p:blipFill>
+        <p:spPr bwMode="auto">
+          <a:xfrm>
+            <a:off x="201612" y="1485106"/>
+            <a:ext cx="3352800" cy="3000375"/>
+          </a:xfrm>
+          <a:prstGeom prst="rect">
+            <a:avLst/>
+          </a:prstGeom>
+          <a:noFill/>
+          <a:extLst>
+            <a:ext uri="{909E8E84-426E-40DD-AFC4-6F175D3DCCD1}">
+              <a14:hiddenFill xmlns:a14="http://schemas.microsoft.com/office/drawing/2010/main">
+                <a:solidFill>
+                  <a:srgbClr val="FFFFFF"/>
+                </a:solidFill>
+              </a14:hiddenFill>
+            </a:ext>
+          </a:extLst>
+        </p:spPr>
+      </p:pic>
+      <p:pic>
+        <p:nvPicPr>
+          <p:cNvPr id="1027" name="Picture 3" descr="\\s81dsp01data01\ACIS-Udrive\Users\t10313\AILP Batch4\Images\snowflake.png"/>
+          <p:cNvPicPr>
+            <a:picLocks noChangeAspect="1" noChangeArrowheads="1"/>
+          </p:cNvPicPr>
+          <p:nvPr/>
+        </p:nvPicPr>
+        <p:blipFill>
+          <a:blip r:embed="rId3">
+            <a:extLst>
+              <a:ext uri="{28A0092B-C50C-407E-A947-70E740481C1C}">
+                <a14:useLocalDpi xmlns:a14="http://schemas.microsoft.com/office/drawing/2010/main" val="0"/>
+              </a:ext>
+            </a:extLst>
+          </a:blip>
+          <a:srcRect/>
+          <a:stretch>
+            <a:fillRect/>
+          </a:stretch>
+        </p:blipFill>
+        <p:spPr bwMode="auto">
+          <a:xfrm>
+            <a:off x="4240212" y="1509712"/>
+            <a:ext cx="4343400" cy="3095625"/>
+          </a:xfrm>
+          <a:prstGeom prst="rect">
+            <a:avLst/>
+          </a:prstGeom>
+          <a:noFill/>
+          <a:extLst>
+            <a:ext uri="{909E8E84-426E-40DD-AFC4-6F175D3DCCD1}">
+              <a14:hiddenFill xmlns:a14="http://schemas.microsoft.com/office/drawing/2010/main">
+                <a:solidFill>
+                  <a:srgbClr val="FFFFFF"/>
+                </a:solidFill>
+              </a14:hiddenFill>
+            </a:ext>
+          </a:extLst>
+        </p:spPr>
+      </p:pic>
+      <p:sp>
+        <p:nvSpPr>
+          <p:cNvPr id="2" name="TextBox 1"/>
+          <p:cNvSpPr txBox="1"/>
+          <p:nvPr/>
+        </p:nvSpPr>
+        <p:spPr>
+          <a:xfrm>
+            <a:off x="201612" y="856178"/>
+            <a:ext cx="1600200" cy="369332"/>
+          </a:xfrm>
+          <a:prstGeom prst="rect">
+            <a:avLst/>
+          </a:prstGeom>
+          <a:noFill/>
+        </p:spPr>
+        <p:txBody>
+          <a:bodyPr wrap="square" rtlCol="0">
+            <a:spAutoFit/>
+          </a:bodyPr>
+          <a:lstStyle/>
+          <a:p>
+            <a:r>
+              <a:rPr lang="en-GB" b="1" dirty="0" smtClean="0">
+                <a:latin typeface="Times New Roman" panose="02020603050405020304" pitchFamily="18" charset="0"/>
+                <a:cs typeface="Times New Roman" panose="02020603050405020304" pitchFamily="18" charset="0"/>
+              </a:rPr>
+              <a:t>Star Schema</a:t>
+            </a:r>
+            <a:endParaRPr lang="en-GB" b="1" dirty="0">
+              <a:latin typeface="Times New Roman" panose="02020603050405020304" pitchFamily="18" charset="0"/>
+              <a:cs typeface="Times New Roman" panose="02020603050405020304" pitchFamily="18" charset="0"/>
+            </a:endParaRPr>
+          </a:p>
+        </p:txBody>
+      </p:sp>
+      <p:sp>
+        <p:nvSpPr>
+          <p:cNvPr id="8" name="TextBox 7"/>
+          <p:cNvSpPr txBox="1"/>
+          <p:nvPr/>
+        </p:nvSpPr>
+        <p:spPr>
+          <a:xfrm>
+            <a:off x="4240212" y="881340"/>
+            <a:ext cx="2095500" cy="369332"/>
+          </a:xfrm>
+          <a:prstGeom prst="rect">
+            <a:avLst/>
+          </a:prstGeom>
+          <a:noFill/>
+        </p:spPr>
+        <p:txBody>
+          <a:bodyPr wrap="square" rtlCol="0">
+            <a:spAutoFit/>
+          </a:bodyPr>
+          <a:lstStyle/>
+          <a:p>
+            <a:r>
+              <a:rPr lang="en-GB" b="1" dirty="0" smtClean="0">
+                <a:latin typeface="Times New Roman" panose="02020603050405020304" pitchFamily="18" charset="0"/>
+                <a:cs typeface="Times New Roman" panose="02020603050405020304" pitchFamily="18" charset="0"/>
+              </a:rPr>
+              <a:t>Snowflake Schema</a:t>
+            </a:r>
+            <a:endParaRPr lang="en-GB" b="1" dirty="0">
+              <a:latin typeface="Times New Roman" panose="02020603050405020304" pitchFamily="18" charset="0"/>
+              <a:cs typeface="Times New Roman" panose="02020603050405020304" pitchFamily="18" charset="0"/>
+            </a:endParaRPr>
+          </a:p>
+        </p:txBody>
+      </p:sp>
+    </p:spTree>
+    <p:extLst>
+      <p:ext uri="{BB962C8B-B14F-4D97-AF65-F5344CB8AC3E}">
+        <p14:creationId xmlns:p14="http://schemas.microsoft.com/office/powerpoint/2010/main" val="379036599"/>
+      </p:ext>
+    </p:extLst>
+  </p:cSld>
+  <p:clrMapOvr>
+    <a:masterClrMapping/>
+  </p:clrMapOvr>
+  <p:timing>
+    <p:tnLst>
+      <p:par>
+        <p:cTn id="1" dur="indefinite" restart="never" nodeType="tmRoot"/>
+      </p:par>
+    </p:tnLst>
+  </p:timing>
+</p:sld>
+</file>
+
+<file path=ppt/slides/slide3.xml><?xml version="1.0" encoding="utf-8"?>
+<p:sld xmlns:a="http://schemas.openxmlformats.org/drawingml/2006/main" xmlns:r="http://schemas.openxmlformats.org/officeDocument/2006/relationships" xmlns:p="http://schemas.openxmlformats.org/presentationml/2006/main">
+  <p:cSld>
+    <p:spTree>
+      <p:nvGrpSpPr>
+        <p:cNvPr id="1" name=""/>
+        <p:cNvGrpSpPr/>
+        <p:nvPr/>
+      </p:nvGrpSpPr>
+      <p:grpSpPr>
+        <a:xfrm>
+          <a:off x="0" y="0"/>
+          <a:ext cx="0" cy="0"/>
+          <a:chOff x="0" y="0"/>
+          <a:chExt cx="0" cy="0"/>
+        </a:xfrm>
+      </p:grpSpPr>
+      <p:sp>
+        <p:nvSpPr>
+          <p:cNvPr id="9" name="Textplatzhalter 8"/>
+          <p:cNvSpPr>
+            <a:spLocks noGrp="1"/>
+          </p:cNvSpPr>
+          <p:nvPr>
+            <p:ph type="body" sz="quarter" idx="19"/>
+          </p:nvPr>
+        </p:nvSpPr>
+        <p:spPr/>
+        <p:txBody>
+          <a:bodyPr/>
+          <a:lstStyle/>
+          <a:p>
+            <a:pPr marL="0" indent="0">
+              <a:buNone/>
+            </a:pPr>
+            <a:endParaRPr lang="de-DE" dirty="0"/>
+          </a:p>
+        </p:txBody>
+      </p:sp>
+      <p:pic>
+        <p:nvPicPr>
+          <p:cNvPr id="49" name="Grafik 8"/>
+          <p:cNvPicPr>
+            <a:picLocks noChangeAspect="1"/>
+          </p:cNvPicPr>
+          <p:nvPr/>
+        </p:nvPicPr>
+        <p:blipFill>
+          <a:blip r:embed="rId2">
+            <a:alphaModFix amt="45000"/>
+            <a:duotone>
+              <a:prstClr val="black"/>
+              <a:schemeClr val="tx2">
+                <a:tint val="45000"/>
+                <a:satMod val="400000"/>
+              </a:schemeClr>
+            </a:duotone>
+          </a:blip>
+          <a:stretch>
+            <a:fillRect/>
+          </a:stretch>
+        </p:blipFill>
+        <p:spPr>
+          <a:xfrm>
+            <a:off x="4392613" y="421526"/>
+            <a:ext cx="4392612" cy="4834689"/>
+          </a:xfrm>
+          <a:prstGeom prst="rect">
+            <a:avLst/>
+          </a:prstGeom>
+        </p:spPr>
+      </p:pic>
+      <p:sp>
+        <p:nvSpPr>
+          <p:cNvPr id="7" name="TextBox 6"/>
+          <p:cNvSpPr txBox="1"/>
+          <p:nvPr/>
+        </p:nvSpPr>
+        <p:spPr>
+          <a:xfrm>
+            <a:off x="887412" y="615117"/>
+            <a:ext cx="2438400" cy="1792770"/>
+          </a:xfrm>
+          <a:prstGeom prst="rect">
+            <a:avLst/>
+          </a:prstGeom>
+          <a:noFill/>
+        </p:spPr>
+        <p:txBody>
+          <a:bodyPr wrap="square" rtlCol="0">
+            <a:spAutoFit/>
+          </a:bodyPr>
+          <a:lstStyle/>
+          <a:p>
+            <a:pPr algn="ctr"/>
+            <a:r>
+              <a:rPr lang="en-GB" sz="5400" b="1" dirty="0" smtClean="0">
+                <a:solidFill>
+                  <a:schemeClr val="bg1"/>
+                </a:solidFill>
+                <a:latin typeface="Allianz Serif" pitchFamily="50" charset="0"/>
+                <a:cs typeface="Times New Roman" panose="02020603050405020304" pitchFamily="18" charset="0"/>
+              </a:rPr>
+              <a:t>01</a:t>
+            </a:r>
+          </a:p>
+          <a:p>
+            <a:r>
+              <a:rPr lang="en-GB" sz="5400" b="1" dirty="0" smtClean="0">
+                <a:solidFill>
+                  <a:schemeClr val="bg1"/>
+                </a:solidFill>
+                <a:latin typeface="Allianz Serif" pitchFamily="50" charset="0"/>
+                <a:cs typeface="Times New Roman" panose="02020603050405020304" pitchFamily="18" charset="0"/>
+              </a:rPr>
+              <a:t>Allianz</a:t>
+            </a:r>
+            <a:endParaRPr lang="en-GB" sz="5400" b="1" dirty="0">
+              <a:solidFill>
+                <a:schemeClr val="bg1"/>
+              </a:solidFill>
+              <a:latin typeface="Allianz Serif" pitchFamily="50" charset="0"/>
+              <a:cs typeface="Times New Roman" panose="02020603050405020304" pitchFamily="18" charset="0"/>
+            </a:endParaRPr>
+          </a:p>
+        </p:txBody>
+      </p:sp>
+    </p:spTree>
+    <p:extLst>
+      <p:ext uri="{BB962C8B-B14F-4D97-AF65-F5344CB8AC3E}">
+        <p14:creationId xmlns:p14="http://schemas.microsoft.com/office/powerpoint/2010/main" val="1456957972"/>
+      </p:ext>
+    </p:extLst>
+  </p:cSld>
+  <p:clrMapOvr>
+    <a:masterClrMapping/>
+  </p:clrMapOvr>
+  <p:timing>
+    <p:tnLst>
+      <p:par>
+        <p:cTn id="1" dur="indefinite" restart="never" nodeType="tmRoot"/>
+      </p:par>
+    </p:tnLst>
+  </p:timing>
+</p:sld>
+</file>
+
+<file path=ppt/slides/slide30.xml><?xml version="1.0" encoding="utf-8"?>
+<p:sld xmlns:a="http://schemas.openxmlformats.org/drawingml/2006/main" xmlns:r="http://schemas.openxmlformats.org/officeDocument/2006/relationships" xmlns:p="http://schemas.openxmlformats.org/presentationml/2006/main">
+  <p:cSld>
+    <p:spTree>
+      <p:nvGrpSpPr>
+        <p:cNvPr id="1" name=""/>
+        <p:cNvGrpSpPr/>
+        <p:nvPr/>
+      </p:nvGrpSpPr>
+      <p:grpSpPr>
+        <a:xfrm>
+          <a:off x="0" y="0"/>
+          <a:ext cx="0" cy="0"/>
+          <a:chOff x="0" y="0"/>
+          <a:chExt cx="0" cy="0"/>
+        </a:xfrm>
+      </p:grpSpPr>
+      <p:sp>
+        <p:nvSpPr>
+          <p:cNvPr id="11" name="Textplatzhalter 10"/>
+          <p:cNvSpPr>
+            <a:spLocks noGrp="1"/>
+          </p:cNvSpPr>
+          <p:nvPr>
+            <p:ph type="body" sz="quarter" idx="19"/>
+          </p:nvPr>
+        </p:nvSpPr>
+        <p:spPr>
+          <a:xfrm>
+            <a:off x="0" y="8016"/>
+            <a:ext cx="7974008" cy="676049"/>
+          </a:xfrm>
+          <a:solidFill>
+            <a:schemeClr val="tx2">
+              <a:lumMod val="20000"/>
+              <a:lumOff val="80000"/>
+            </a:schemeClr>
+          </a:solidFill>
+          <a:ln>
+            <a:solidFill>
+              <a:schemeClr val="tx2">
+                <a:lumMod val="20000"/>
+                <a:lumOff val="80000"/>
+              </a:schemeClr>
+            </a:solidFill>
+          </a:ln>
+        </p:spPr>
+        <p:txBody>
+          <a:bodyPr/>
+          <a:lstStyle/>
+          <a:p>
+            <a:endParaRPr lang="de-DE" dirty="0"/>
+          </a:p>
+        </p:txBody>
+      </p:sp>
+      <p:sp>
+        <p:nvSpPr>
+          <p:cNvPr id="4" name="Foliennummernplatzhalter 3"/>
+          <p:cNvSpPr>
+            <a:spLocks noGrp="1"/>
+          </p:cNvSpPr>
+          <p:nvPr>
+            <p:ph type="sldNum" sz="quarter" idx="12"/>
+          </p:nvPr>
+        </p:nvSpPr>
+        <p:spPr/>
+        <p:txBody>
+          <a:bodyPr/>
+          <a:lstStyle/>
+          <a:p>
+            <a:fld id="{61201FF1-C63B-412E-ABF0-3D0E918900AC}" type="slidenum">
+              <a:rPr lang="en-GB" smtClean="0"/>
+              <a:pPr/>
+              <a:t>30</a:t>
             </a:fld>
             <a:endParaRPr lang="en-GB" dirty="0"/>
           </a:p>
@@ -11530,7 +11821,7 @@
 </p:sld>
 </file>
 
-<file path=ppt/slides/slide3.xml><?xml version="1.0" encoding="utf-8"?>
+<file path=ppt/slides/slide31.xml><?xml version="1.0" encoding="utf-8"?>
 <p:sld xmlns:a="http://schemas.openxmlformats.org/drawingml/2006/main" xmlns:r="http://schemas.openxmlformats.org/officeDocument/2006/relationships" xmlns:p="http://schemas.openxmlformats.org/presentationml/2006/main">
   <p:cSld>
     <p:spTree>
@@ -11604,153 +11895,6 @@
       </p:pic>
       <p:sp>
         <p:nvSpPr>
-          <p:cNvPr id="7" name="TextBox 6"/>
-          <p:cNvSpPr txBox="1"/>
-          <p:nvPr/>
-        </p:nvSpPr>
-        <p:spPr>
-          <a:xfrm>
-            <a:off x="887412" y="615117"/>
-            <a:ext cx="2438400" cy="1792770"/>
-          </a:xfrm>
-          <a:prstGeom prst="rect">
-            <a:avLst/>
-          </a:prstGeom>
-          <a:noFill/>
-        </p:spPr>
-        <p:txBody>
-          <a:bodyPr wrap="square" rtlCol="0">
-            <a:spAutoFit/>
-          </a:bodyPr>
-          <a:lstStyle/>
-          <a:p>
-            <a:pPr algn="ctr"/>
-            <a:r>
-              <a:rPr lang="en-GB" sz="5400" b="1" dirty="0" smtClean="0">
-                <a:solidFill>
-                  <a:schemeClr val="bg1"/>
-                </a:solidFill>
-                <a:latin typeface="Allianz Serif" pitchFamily="50" charset="0"/>
-                <a:cs typeface="Times New Roman" panose="02020603050405020304" pitchFamily="18" charset="0"/>
-              </a:rPr>
-              <a:t>01</a:t>
-            </a:r>
-          </a:p>
-          <a:p>
-            <a:r>
-              <a:rPr lang="en-GB" sz="5400" b="1" dirty="0" smtClean="0">
-                <a:solidFill>
-                  <a:schemeClr val="bg1"/>
-                </a:solidFill>
-                <a:latin typeface="Allianz Serif" pitchFamily="50" charset="0"/>
-                <a:cs typeface="Times New Roman" panose="02020603050405020304" pitchFamily="18" charset="0"/>
-              </a:rPr>
-              <a:t>Allianz</a:t>
-            </a:r>
-            <a:endParaRPr lang="en-GB" sz="5400" b="1" dirty="0">
-              <a:solidFill>
-                <a:schemeClr val="bg1"/>
-              </a:solidFill>
-              <a:latin typeface="Allianz Serif" pitchFamily="50" charset="0"/>
-              <a:cs typeface="Times New Roman" panose="02020603050405020304" pitchFamily="18" charset="0"/>
-            </a:endParaRPr>
-          </a:p>
-        </p:txBody>
-      </p:sp>
-    </p:spTree>
-    <p:extLst>
-      <p:ext uri="{BB962C8B-B14F-4D97-AF65-F5344CB8AC3E}">
-        <p14:creationId xmlns:p14="http://schemas.microsoft.com/office/powerpoint/2010/main" val="1456957972"/>
-      </p:ext>
-    </p:extLst>
-  </p:cSld>
-  <p:clrMapOvr>
-    <a:masterClrMapping/>
-  </p:clrMapOvr>
-  <p:timing>
-    <p:tnLst>
-      <p:par>
-        <p:cTn id="1" dur="indefinite" restart="never" nodeType="tmRoot"/>
-      </p:par>
-    </p:tnLst>
-  </p:timing>
-</p:sld>
-</file>
-
-<file path=ppt/slides/slide30.xml><?xml version="1.0" encoding="utf-8"?>
-<p:sld xmlns:a="http://schemas.openxmlformats.org/drawingml/2006/main" xmlns:r="http://schemas.openxmlformats.org/officeDocument/2006/relationships" xmlns:p="http://schemas.openxmlformats.org/presentationml/2006/main">
-  <p:cSld>
-    <p:spTree>
-      <p:nvGrpSpPr>
-        <p:cNvPr id="1" name=""/>
-        <p:cNvGrpSpPr/>
-        <p:nvPr/>
-      </p:nvGrpSpPr>
-      <p:grpSpPr>
-        <a:xfrm>
-          <a:off x="0" y="0"/>
-          <a:ext cx="0" cy="0"/>
-          <a:chOff x="0" y="0"/>
-          <a:chExt cx="0" cy="0"/>
-        </a:xfrm>
-      </p:grpSpPr>
-      <p:sp>
-        <p:nvSpPr>
-          <p:cNvPr id="9" name="Textplatzhalter 8"/>
-          <p:cNvSpPr>
-            <a:spLocks noGrp="1"/>
-          </p:cNvSpPr>
-          <p:nvPr>
-            <p:ph type="body" sz="quarter" idx="19"/>
-          </p:nvPr>
-        </p:nvSpPr>
-        <p:spPr/>
-        <p:txBody>
-          <a:bodyPr/>
-          <a:lstStyle/>
-          <a:p>
-            <a:pPr marL="0" indent="0">
-              <a:buNone/>
-            </a:pPr>
-            <a:endParaRPr lang="de-DE" dirty="0"/>
-          </a:p>
-        </p:txBody>
-      </p:sp>
-      <p:pic>
-        <p:nvPicPr>
-          <p:cNvPr id="49" name="Grafik 8"/>
-          <p:cNvPicPr>
-            <a:picLocks noChangeAspect="1"/>
-          </p:cNvPicPr>
-          <p:nvPr/>
-        </p:nvPicPr>
-        <p:blipFill>
-          <a:blip r:embed="rId2">
-            <a:alphaModFix amt="45000"/>
-            <a:duotone>
-              <a:prstClr val="black"/>
-              <a:schemeClr val="tx2">
-                <a:tint val="45000"/>
-                <a:satMod val="400000"/>
-              </a:schemeClr>
-            </a:duotone>
-          </a:blip>
-          <a:stretch>
-            <a:fillRect/>
-          </a:stretch>
-        </p:blipFill>
-        <p:spPr>
-          <a:xfrm>
-            <a:off x="4392613" y="421526"/>
-            <a:ext cx="4392612" cy="4834689"/>
-          </a:xfrm>
-          <a:prstGeom prst="rect">
-            <a:avLst/>
-          </a:prstGeom>
-        </p:spPr>
-      </p:pic>
-      <p:sp>
-        <p:nvSpPr>
           <p:cNvPr id="5" name="TextBox 4"/>
           <p:cNvSpPr txBox="1"/>
           <p:nvPr/>
@@ -11808,372 +11952,6 @@
     <p:extLst>
       <p:ext uri="{BB962C8B-B14F-4D97-AF65-F5344CB8AC3E}">
         <p14:creationId xmlns:p14="http://schemas.microsoft.com/office/powerpoint/2010/main" val="680084884"/>
-      </p:ext>
-    </p:extLst>
-  </p:cSld>
-  <p:clrMapOvr>
-    <a:masterClrMapping/>
-  </p:clrMapOvr>
-  <p:timing>
-    <p:tnLst>
-      <p:par>
-        <p:cTn id="1" dur="indefinite" restart="never" nodeType="tmRoot"/>
-      </p:par>
-    </p:tnLst>
-  </p:timing>
-</p:sld>
-</file>
-
-<file path=ppt/slides/slide31.xml><?xml version="1.0" encoding="utf-8"?>
-<p:sld xmlns:a="http://schemas.openxmlformats.org/drawingml/2006/main" xmlns:r="http://schemas.openxmlformats.org/officeDocument/2006/relationships" xmlns:p="http://schemas.openxmlformats.org/presentationml/2006/main">
-  <p:cSld>
-    <p:spTree>
-      <p:nvGrpSpPr>
-        <p:cNvPr id="1" name=""/>
-        <p:cNvGrpSpPr/>
-        <p:nvPr/>
-      </p:nvGrpSpPr>
-      <p:grpSpPr>
-        <a:xfrm>
-          <a:off x="0" y="0"/>
-          <a:ext cx="0" cy="0"/>
-          <a:chOff x="0" y="0"/>
-          <a:chExt cx="0" cy="0"/>
-        </a:xfrm>
-      </p:grpSpPr>
-      <p:sp>
-        <p:nvSpPr>
-          <p:cNvPr id="11" name="Textplatzhalter 10"/>
-          <p:cNvSpPr>
-            <a:spLocks noGrp="1"/>
-          </p:cNvSpPr>
-          <p:nvPr>
-            <p:ph type="body" sz="quarter" idx="19"/>
-          </p:nvPr>
-        </p:nvSpPr>
-        <p:spPr>
-          <a:xfrm>
-            <a:off x="0" y="8016"/>
-            <a:ext cx="7974008" cy="676049"/>
-          </a:xfrm>
-          <a:solidFill>
-            <a:schemeClr val="tx2">
-              <a:lumMod val="20000"/>
-              <a:lumOff val="80000"/>
-            </a:schemeClr>
-          </a:solidFill>
-          <a:ln>
-            <a:solidFill>
-              <a:schemeClr val="tx2">
-                <a:lumMod val="20000"/>
-                <a:lumOff val="80000"/>
-              </a:schemeClr>
-            </a:solidFill>
-          </a:ln>
-        </p:spPr>
-        <p:txBody>
-          <a:bodyPr/>
-          <a:lstStyle/>
-          <a:p>
-            <a:endParaRPr lang="de-DE" dirty="0"/>
-          </a:p>
-        </p:txBody>
-      </p:sp>
-      <p:sp>
-        <p:nvSpPr>
-          <p:cNvPr id="4" name="Foliennummernplatzhalter 3"/>
-          <p:cNvSpPr>
-            <a:spLocks noGrp="1"/>
-          </p:cNvSpPr>
-          <p:nvPr>
-            <p:ph type="sldNum" sz="quarter" idx="12"/>
-          </p:nvPr>
-        </p:nvSpPr>
-        <p:spPr/>
-        <p:txBody>
-          <a:bodyPr/>
-          <a:lstStyle/>
-          <a:p>
-            <a:fld id="{61201FF1-C63B-412E-ABF0-3D0E918900AC}" type="slidenum">
-              <a:rPr lang="en-GB" smtClean="0"/>
-              <a:pPr/>
-              <a:t>31</a:t>
-            </a:fld>
-            <a:endParaRPr lang="en-GB" dirty="0"/>
-          </a:p>
-        </p:txBody>
-      </p:sp>
-      <p:sp>
-        <p:nvSpPr>
-          <p:cNvPr id="5" name="TextBox 4"/>
-          <p:cNvSpPr txBox="1"/>
-          <p:nvPr/>
-        </p:nvSpPr>
-        <p:spPr>
-          <a:xfrm>
-            <a:off x="294512" y="123686"/>
-            <a:ext cx="4707700" cy="523220"/>
-          </a:xfrm>
-          <a:prstGeom prst="rect">
-            <a:avLst/>
-          </a:prstGeom>
-          <a:noFill/>
-        </p:spPr>
-        <p:txBody>
-          <a:bodyPr wrap="square" rtlCol="0">
-            <a:spAutoFit/>
-          </a:bodyPr>
-          <a:lstStyle/>
-          <a:p>
-            <a:r>
-              <a:rPr lang="en-GB" sz="2800" b="1" dirty="0" smtClean="0">
-                <a:latin typeface="Times New Roman" panose="02020603050405020304" pitchFamily="18" charset="0"/>
-                <a:cs typeface="Times New Roman" panose="02020603050405020304" pitchFamily="18" charset="0"/>
-              </a:rPr>
-              <a:t>SAS</a:t>
-            </a:r>
-            <a:endParaRPr lang="en-GB" sz="2800" b="1" dirty="0">
-              <a:latin typeface="Times New Roman" panose="02020603050405020304" pitchFamily="18" charset="0"/>
-              <a:cs typeface="Times New Roman" panose="02020603050405020304" pitchFamily="18" charset="0"/>
-            </a:endParaRPr>
-          </a:p>
-        </p:txBody>
-      </p:sp>
-      <p:sp>
-        <p:nvSpPr>
-          <p:cNvPr id="2" name="TextBox 1"/>
-          <p:cNvSpPr txBox="1"/>
-          <p:nvPr/>
-        </p:nvSpPr>
-        <p:spPr>
-          <a:xfrm>
-            <a:off x="294512" y="951706"/>
-            <a:ext cx="7450900" cy="4093428"/>
-          </a:xfrm>
-          <a:prstGeom prst="rect">
-            <a:avLst/>
-          </a:prstGeom>
-          <a:noFill/>
-        </p:spPr>
-        <p:txBody>
-          <a:bodyPr wrap="square" rtlCol="0">
-            <a:spAutoFit/>
-          </a:bodyPr>
-          <a:lstStyle/>
-          <a:p>
-            <a:pPr marL="285750" indent="-285750">
-              <a:buFont typeface="Wingdings" panose="05000000000000000000" pitchFamily="2" charset="2"/>
-              <a:buChar char="Ø"/>
-            </a:pPr>
-            <a:r>
-              <a:rPr lang="en-GB" sz="2000" dirty="0" smtClean="0">
-                <a:latin typeface="Times New Roman" panose="02020603050405020304" pitchFamily="18" charset="0"/>
-                <a:cs typeface="Times New Roman" panose="02020603050405020304" pitchFamily="18" charset="0"/>
-              </a:rPr>
-              <a:t>Company and Software.</a:t>
-            </a:r>
-          </a:p>
-          <a:p>
-            <a:pPr marL="285750" indent="-285750">
-              <a:buFont typeface="Wingdings" panose="05000000000000000000" pitchFamily="2" charset="2"/>
-              <a:buChar char="Ø"/>
-            </a:pPr>
-            <a:endParaRPr lang="en-GB" sz="2000" dirty="0">
-              <a:latin typeface="Times New Roman" panose="02020603050405020304" pitchFamily="18" charset="0"/>
-              <a:cs typeface="Times New Roman" panose="02020603050405020304" pitchFamily="18" charset="0"/>
-            </a:endParaRPr>
-          </a:p>
-          <a:p>
-            <a:pPr marL="285750" indent="-285750">
-              <a:buFont typeface="Wingdings" panose="05000000000000000000" pitchFamily="2" charset="2"/>
-              <a:buChar char="Ø"/>
-            </a:pPr>
-            <a:r>
-              <a:rPr lang="en-GB" sz="2000" dirty="0" smtClean="0">
-                <a:latin typeface="Times New Roman" panose="02020603050405020304" pitchFamily="18" charset="0"/>
-                <a:cs typeface="Times New Roman" panose="02020603050405020304" pitchFamily="18" charset="0"/>
-              </a:rPr>
-              <a:t>Have rules and conventions like other programming languages</a:t>
-            </a:r>
-          </a:p>
-          <a:p>
-            <a:pPr marL="285750" indent="-285750">
-              <a:buFont typeface="Wingdings" panose="05000000000000000000" pitchFamily="2" charset="2"/>
-              <a:buChar char="Ø"/>
-            </a:pPr>
-            <a:endParaRPr lang="en-GB" sz="2000" dirty="0">
-              <a:latin typeface="Times New Roman" panose="02020603050405020304" pitchFamily="18" charset="0"/>
-              <a:cs typeface="Times New Roman" panose="02020603050405020304" pitchFamily="18" charset="0"/>
-            </a:endParaRPr>
-          </a:p>
-          <a:p>
-            <a:pPr marL="285750" indent="-285750">
-              <a:buFont typeface="Wingdings" panose="05000000000000000000" pitchFamily="2" charset="2"/>
-              <a:buChar char="Ø"/>
-            </a:pPr>
-            <a:r>
-              <a:rPr lang="en-GB" sz="2000" dirty="0" smtClean="0">
-                <a:latin typeface="Times New Roman" panose="02020603050405020304" pitchFamily="18" charset="0"/>
-                <a:cs typeface="Times New Roman" panose="02020603050405020304" pitchFamily="18" charset="0"/>
-              </a:rPr>
-              <a:t>Only two datatypes : Character &amp; Numeric</a:t>
-            </a:r>
-          </a:p>
-          <a:p>
-            <a:pPr marL="285750" indent="-285750">
-              <a:buFont typeface="Wingdings" panose="05000000000000000000" pitchFamily="2" charset="2"/>
-              <a:buChar char="Ø"/>
-            </a:pPr>
-            <a:endParaRPr lang="en-GB" sz="2000" dirty="0">
-              <a:latin typeface="Times New Roman" panose="02020603050405020304" pitchFamily="18" charset="0"/>
-              <a:cs typeface="Times New Roman" panose="02020603050405020304" pitchFamily="18" charset="0"/>
-            </a:endParaRPr>
-          </a:p>
-          <a:p>
-            <a:pPr marL="285750" indent="-285750">
-              <a:buFont typeface="Wingdings" panose="05000000000000000000" pitchFamily="2" charset="2"/>
-              <a:buChar char="Ø"/>
-            </a:pPr>
-            <a:r>
-              <a:rPr lang="en-GB" sz="2000" dirty="0" smtClean="0">
-                <a:latin typeface="Times New Roman" panose="02020603050405020304" pitchFamily="18" charset="0"/>
-                <a:cs typeface="Times New Roman" panose="02020603050405020304" pitchFamily="18" charset="0"/>
-              </a:rPr>
-              <a:t>Formats and </a:t>
-            </a:r>
-            <a:r>
-              <a:rPr lang="en-GB" sz="2000" dirty="0" err="1" smtClean="0">
-                <a:latin typeface="Times New Roman" panose="02020603050405020304" pitchFamily="18" charset="0"/>
-                <a:cs typeface="Times New Roman" panose="02020603050405020304" pitchFamily="18" charset="0"/>
-              </a:rPr>
-              <a:t>Informats</a:t>
-            </a:r>
-            <a:r>
-              <a:rPr lang="en-GB" sz="2000" dirty="0" smtClean="0">
-                <a:latin typeface="Times New Roman" panose="02020603050405020304" pitchFamily="18" charset="0"/>
-                <a:cs typeface="Times New Roman" panose="02020603050405020304" pitchFamily="18" charset="0"/>
-              </a:rPr>
-              <a:t>. Format : How to write data. </a:t>
-            </a:r>
-            <a:r>
-              <a:rPr lang="en-GB" sz="2000" dirty="0" err="1" smtClean="0">
-                <a:latin typeface="Times New Roman" panose="02020603050405020304" pitchFamily="18" charset="0"/>
-                <a:cs typeface="Times New Roman" panose="02020603050405020304" pitchFamily="18" charset="0"/>
-              </a:rPr>
-              <a:t>Informat</a:t>
-            </a:r>
-            <a:r>
-              <a:rPr lang="en-GB" sz="2000" dirty="0" smtClean="0">
-                <a:latin typeface="Times New Roman" panose="02020603050405020304" pitchFamily="18" charset="0"/>
-                <a:cs typeface="Times New Roman" panose="02020603050405020304" pitchFamily="18" charset="0"/>
-              </a:rPr>
-              <a:t>: How to read data</a:t>
-            </a:r>
-            <a:r>
-              <a:rPr lang="en-GB" sz="2000" dirty="0" smtClean="0">
-                <a:latin typeface="Times New Roman" panose="02020603050405020304" pitchFamily="18" charset="0"/>
-                <a:cs typeface="Times New Roman" panose="02020603050405020304" pitchFamily="18" charset="0"/>
-              </a:rPr>
-              <a:t>.</a:t>
-            </a:r>
-          </a:p>
-          <a:p>
-            <a:r>
-              <a:rPr lang="en-GB" sz="2000" dirty="0">
-                <a:latin typeface="Times New Roman" panose="02020603050405020304" pitchFamily="18" charset="0"/>
-                <a:cs typeface="Times New Roman" panose="02020603050405020304" pitchFamily="18" charset="0"/>
-              </a:rPr>
-              <a:t>	</a:t>
-            </a:r>
-            <a:r>
-              <a:rPr lang="en-GB" sz="2000" dirty="0" err="1" smtClean="0">
-                <a:latin typeface="Times New Roman" panose="02020603050405020304" pitchFamily="18" charset="0"/>
-                <a:cs typeface="Times New Roman" panose="02020603050405020304" pitchFamily="18" charset="0"/>
-              </a:rPr>
-              <a:t>Eg</a:t>
-            </a:r>
-            <a:r>
-              <a:rPr lang="en-GB" sz="2000" dirty="0" smtClean="0">
-                <a:latin typeface="Times New Roman" panose="02020603050405020304" pitchFamily="18" charset="0"/>
-                <a:cs typeface="Times New Roman" panose="02020603050405020304" pitchFamily="18" charset="0"/>
-              </a:rPr>
-              <a:t> : </a:t>
-            </a:r>
-            <a:r>
-              <a:rPr lang="en-GB" sz="2000" dirty="0" err="1" smtClean="0">
-                <a:latin typeface="Times New Roman" panose="02020603050405020304" pitchFamily="18" charset="0"/>
-                <a:cs typeface="Times New Roman" panose="02020603050405020304" pitchFamily="18" charset="0"/>
-              </a:rPr>
-              <a:t>DATEw</a:t>
-            </a:r>
-            <a:r>
-              <a:rPr lang="en-GB" sz="2000" dirty="0" smtClean="0">
-                <a:latin typeface="Times New Roman" panose="02020603050405020304" pitchFamily="18" charset="0"/>
-                <a:cs typeface="Times New Roman" panose="02020603050405020304" pitchFamily="18" charset="0"/>
-              </a:rPr>
-              <a:t>. Like date7. (16AUG95)</a:t>
-            </a:r>
-            <a:endParaRPr lang="en-GB" sz="2000" dirty="0" smtClean="0">
-              <a:latin typeface="Times New Roman" panose="02020603050405020304" pitchFamily="18" charset="0"/>
-              <a:cs typeface="Times New Roman" panose="02020603050405020304" pitchFamily="18" charset="0"/>
-            </a:endParaRPr>
-          </a:p>
-          <a:p>
-            <a:pPr marL="285750" indent="-285750">
-              <a:buFont typeface="Wingdings" panose="05000000000000000000" pitchFamily="2" charset="2"/>
-              <a:buChar char="Ø"/>
-            </a:pPr>
-            <a:endParaRPr lang="en-GB" sz="2000" dirty="0">
-              <a:latin typeface="Times New Roman" panose="02020603050405020304" pitchFamily="18" charset="0"/>
-              <a:cs typeface="Times New Roman" panose="02020603050405020304" pitchFamily="18" charset="0"/>
-            </a:endParaRPr>
-          </a:p>
-          <a:p>
-            <a:pPr marL="285750" indent="-285750">
-              <a:buFont typeface="Wingdings" panose="05000000000000000000" pitchFamily="2" charset="2"/>
-              <a:buChar char="Ø"/>
-            </a:pPr>
-            <a:r>
-              <a:rPr lang="en-GB" sz="2000" dirty="0" smtClean="0">
-                <a:latin typeface="Times New Roman" panose="02020603050405020304" pitchFamily="18" charset="0"/>
-                <a:cs typeface="Times New Roman" panose="02020603050405020304" pitchFamily="18" charset="0"/>
-              </a:rPr>
-              <a:t>SAS Dataset : Variables and Observations.</a:t>
-            </a:r>
-          </a:p>
-          <a:p>
-            <a:pPr marL="285750" indent="-285750">
-              <a:buFont typeface="Wingdings" panose="05000000000000000000" pitchFamily="2" charset="2"/>
-              <a:buChar char="Ø"/>
-            </a:pPr>
-            <a:endParaRPr lang="en-GB" sz="2000" dirty="0">
-              <a:latin typeface="Times New Roman" panose="02020603050405020304" pitchFamily="18" charset="0"/>
-              <a:cs typeface="Times New Roman" panose="02020603050405020304" pitchFamily="18" charset="0"/>
-            </a:endParaRPr>
-          </a:p>
-          <a:p>
-            <a:pPr marL="285750" indent="-285750">
-              <a:buFont typeface="Wingdings" panose="05000000000000000000" pitchFamily="2" charset="2"/>
-              <a:buChar char="Ø"/>
-            </a:pPr>
-            <a:r>
-              <a:rPr lang="en-GB" sz="2000" dirty="0" smtClean="0">
-                <a:latin typeface="Times New Roman" panose="02020603050405020304" pitchFamily="18" charset="0"/>
-                <a:cs typeface="Times New Roman" panose="02020603050405020304" pitchFamily="18" charset="0"/>
-              </a:rPr>
-              <a:t>DATA Step &amp; PROC Step of a SAS program.</a:t>
-            </a:r>
-            <a:endParaRPr lang="en-GB" sz="2000" dirty="0">
-              <a:latin typeface="Times New Roman" panose="02020603050405020304" pitchFamily="18" charset="0"/>
-              <a:cs typeface="Times New Roman" panose="02020603050405020304" pitchFamily="18" charset="0"/>
-            </a:endParaRPr>
-          </a:p>
-        </p:txBody>
-      </p:sp>
-    </p:spTree>
-    <p:extLst>
-      <p:ext uri="{BB962C8B-B14F-4D97-AF65-F5344CB8AC3E}">
-        <p14:creationId xmlns:p14="http://schemas.microsoft.com/office/powerpoint/2010/main" val="1462879094"/>
       </p:ext>
     </p:extLst>
   </p:cSld>
@@ -12269,55 +12047,52 @@
           </a:p>
         </p:txBody>
       </p:sp>
-      <p:pic>
-        <p:nvPicPr>
-          <p:cNvPr id="5" name="Picture 4" descr="\\s81dsp01data01\ACIS-Udrive\Users\t10313\AILP Batch4\Images\sasProgram.png"/>
-          <p:cNvPicPr>
-            <a:picLocks noChangeAspect="1" noChangeArrowheads="1"/>
-          </p:cNvPicPr>
+      <p:sp>
+        <p:nvSpPr>
+          <p:cNvPr id="5" name="TextBox 4"/>
+          <p:cNvSpPr txBox="1"/>
           <p:nvPr/>
-        </p:nvPicPr>
-        <p:blipFill rotWithShape="1">
-          <a:blip r:embed="rId2">
-            <a:extLst>
-              <a:ext uri="{28A0092B-C50C-407E-A947-70E740481C1C}">
-                <a14:useLocalDpi xmlns:a14="http://schemas.microsoft.com/office/drawing/2010/main" val="0"/>
-              </a:ext>
-            </a:extLst>
-          </a:blip>
-          <a:srcRect t="4116" r="37361" b="8768"/>
-          <a:stretch/>
-        </p:blipFill>
-        <p:spPr bwMode="auto">
-          <a:xfrm>
-            <a:off x="201612" y="1096962"/>
-            <a:ext cx="3845687" cy="3055144"/>
+        </p:nvSpPr>
+        <p:spPr>
+          <a:xfrm>
+            <a:off x="294512" y="123686"/>
+            <a:ext cx="4707700" cy="523220"/>
           </a:xfrm>
           <a:prstGeom prst="rect">
             <a:avLst/>
           </a:prstGeom>
           <a:noFill/>
-          <a:extLst>
-            <a:ext uri="{909E8E84-426E-40DD-AFC4-6F175D3DCCD1}">
-              <a14:hiddenFill xmlns:a14="http://schemas.microsoft.com/office/drawing/2010/main">
-                <a:solidFill>
-                  <a:srgbClr val="FFFFFF"/>
-                </a:solidFill>
-              </a14:hiddenFill>
-            </a:ext>
-          </a:extLst>
-        </p:spPr>
-      </p:pic>
-      <p:sp>
-        <p:nvSpPr>
-          <p:cNvPr id="6" name="TextBox 5"/>
+        </p:spPr>
+        <p:txBody>
+          <a:bodyPr wrap="square" rtlCol="0">
+            <a:spAutoFit/>
+          </a:bodyPr>
+          <a:lstStyle/>
+          <a:p>
+            <a:r>
+              <a:rPr lang="en-GB" sz="2800" b="1" dirty="0" smtClean="0">
+                <a:latin typeface="Times New Roman" panose="02020603050405020304" pitchFamily="18" charset="0"/>
+                <a:cs typeface="Times New Roman" panose="02020603050405020304" pitchFamily="18" charset="0"/>
+              </a:rPr>
+              <a:t>SAS</a:t>
+            </a:r>
+            <a:endParaRPr lang="en-GB" sz="2800" b="1" dirty="0">
+              <a:latin typeface="Times New Roman" panose="02020603050405020304" pitchFamily="18" charset="0"/>
+              <a:cs typeface="Times New Roman" panose="02020603050405020304" pitchFamily="18" charset="0"/>
+            </a:endParaRPr>
+          </a:p>
+        </p:txBody>
+      </p:sp>
+      <p:sp>
+        <p:nvSpPr>
+          <p:cNvPr id="2" name="TextBox 1"/>
           <p:cNvSpPr txBox="1"/>
           <p:nvPr/>
         </p:nvSpPr>
         <p:spPr>
           <a:xfrm>
-            <a:off x="294512" y="123686"/>
-            <a:ext cx="4707700" cy="523220"/>
+            <a:off x="658812" y="832584"/>
+            <a:ext cx="7086600" cy="3785652"/>
           </a:xfrm>
           <a:prstGeom prst="rect">
             <a:avLst/>
@@ -12330,42 +12105,6 @@
           </a:bodyPr>
           <a:lstStyle/>
           <a:p>
-            <a:r>
-              <a:rPr lang="en-GB" sz="2800" b="1" dirty="0" smtClean="0">
-                <a:latin typeface="Times New Roman" panose="02020603050405020304" pitchFamily="18" charset="0"/>
-                <a:cs typeface="Times New Roman" panose="02020603050405020304" pitchFamily="18" charset="0"/>
-              </a:rPr>
-              <a:t>SAS Program Structure</a:t>
-            </a:r>
-            <a:endParaRPr lang="en-GB" sz="2800" b="1" dirty="0">
-              <a:latin typeface="Times New Roman" panose="02020603050405020304" pitchFamily="18" charset="0"/>
-              <a:cs typeface="Times New Roman" panose="02020603050405020304" pitchFamily="18" charset="0"/>
-            </a:endParaRPr>
-          </a:p>
-        </p:txBody>
-      </p:sp>
-      <p:sp>
-        <p:nvSpPr>
-          <p:cNvPr id="3" name="TextBox 2"/>
-          <p:cNvSpPr txBox="1"/>
-          <p:nvPr/>
-        </p:nvSpPr>
-        <p:spPr>
-          <a:xfrm>
-            <a:off x="4468812" y="1256506"/>
-            <a:ext cx="3429000" cy="2554545"/>
-          </a:xfrm>
-          <a:prstGeom prst="rect">
-            <a:avLst/>
-          </a:prstGeom>
-          <a:noFill/>
-        </p:spPr>
-        <p:txBody>
-          <a:bodyPr wrap="square" rtlCol="0">
-            <a:spAutoFit/>
-          </a:bodyPr>
-          <a:lstStyle/>
-          <a:p>
             <a:pPr marL="285750" indent="-285750">
               <a:buFont typeface="Wingdings" panose="05000000000000000000" pitchFamily="2" charset="2"/>
               <a:buChar char="Ø"/>
@@ -12375,14 +12114,14 @@
                 <a:latin typeface="Times New Roman" panose="02020603050405020304" pitchFamily="18" charset="0"/>
                 <a:cs typeface="Times New Roman" panose="02020603050405020304" pitchFamily="18" charset="0"/>
               </a:rPr>
-              <a:t>Read </a:t>
+              <a:t>Company (SAS Institute) </a:t>
             </a:r>
             <a:r>
               <a:rPr lang="en-GB" sz="2000" dirty="0" smtClean="0">
                 <a:latin typeface="Times New Roman" panose="02020603050405020304" pitchFamily="18" charset="0"/>
                 <a:cs typeface="Times New Roman" panose="02020603050405020304" pitchFamily="18" charset="0"/>
               </a:rPr>
-              <a:t>and Modify data.</a:t>
+              <a:t>and Software.</a:t>
             </a:r>
           </a:p>
           <a:p>
@@ -12390,27 +12129,91 @@
               <a:buFont typeface="Wingdings" panose="05000000000000000000" pitchFamily="2" charset="2"/>
               <a:buChar char="Ø"/>
             </a:pPr>
+            <a:endParaRPr lang="en-GB" sz="2000" dirty="0" smtClean="0">
+              <a:latin typeface="Times New Roman" panose="02020603050405020304" pitchFamily="18" charset="0"/>
+              <a:cs typeface="Times New Roman" panose="02020603050405020304" pitchFamily="18" charset="0"/>
+            </a:endParaRPr>
+          </a:p>
+          <a:p>
+            <a:pPr marL="285750" indent="-285750">
+              <a:buFont typeface="Wingdings" panose="05000000000000000000" pitchFamily="2" charset="2"/>
+              <a:buChar char="Ø"/>
+            </a:pPr>
             <a:r>
               <a:rPr lang="en-GB" sz="2000" dirty="0" smtClean="0">
                 <a:latin typeface="Times New Roman" panose="02020603050405020304" pitchFamily="18" charset="0"/>
                 <a:cs typeface="Times New Roman" panose="02020603050405020304" pitchFamily="18" charset="0"/>
               </a:rPr>
-              <a:t>Create SAS Data Set.</a:t>
-            </a:r>
-          </a:p>
-          <a:p>
+              <a:t>SAS suit has 200 components.</a:t>
+            </a:r>
+          </a:p>
+          <a:p>
+            <a:pPr marL="285750" indent="-285750">
+              <a:buFont typeface="Wingdings" panose="05000000000000000000" pitchFamily="2" charset="2"/>
+              <a:buChar char="Ø"/>
+            </a:pPr>
             <a:endParaRPr lang="en-GB" sz="2000" dirty="0" smtClean="0">
               <a:latin typeface="Times New Roman" panose="02020603050405020304" pitchFamily="18" charset="0"/>
               <a:cs typeface="Times New Roman" panose="02020603050405020304" pitchFamily="18" charset="0"/>
             </a:endParaRPr>
           </a:p>
           <a:p>
-            <a:endParaRPr lang="en-GB" sz="2000" dirty="0" smtClean="0">
-              <a:latin typeface="Times New Roman" panose="02020603050405020304" pitchFamily="18" charset="0"/>
-              <a:cs typeface="Times New Roman" panose="02020603050405020304" pitchFamily="18" charset="0"/>
-            </a:endParaRPr>
-          </a:p>
-          <a:p>
+            <a:pPr marL="1257300" lvl="2" indent="-342900">
+              <a:buFont typeface="Arial" panose="020B0604020202020204" pitchFamily="34" charset="0"/>
+              <a:buChar char="•"/>
+            </a:pPr>
+            <a:r>
+              <a:rPr lang="en-GB" sz="2000" dirty="0" smtClean="0">
+                <a:latin typeface="Times New Roman" panose="02020603050405020304" pitchFamily="18" charset="0"/>
+                <a:cs typeface="Times New Roman" panose="02020603050405020304" pitchFamily="18" charset="0"/>
+              </a:rPr>
+              <a:t>Base SAS</a:t>
+            </a:r>
+          </a:p>
+          <a:p>
+            <a:pPr marL="1257300" lvl="2" indent="-342900">
+              <a:buFont typeface="Arial" panose="020B0604020202020204" pitchFamily="34" charset="0"/>
+              <a:buChar char="•"/>
+            </a:pPr>
+            <a:r>
+              <a:rPr lang="en-GB" sz="2000" dirty="0" smtClean="0">
+                <a:latin typeface="Times New Roman" panose="02020603050405020304" pitchFamily="18" charset="0"/>
+                <a:cs typeface="Times New Roman" panose="02020603050405020304" pitchFamily="18" charset="0"/>
+              </a:rPr>
+              <a:t>SAS/ACCESS</a:t>
+            </a:r>
+          </a:p>
+          <a:p>
+            <a:pPr marL="1257300" lvl="2" indent="-342900">
+              <a:buFont typeface="Arial" panose="020B0604020202020204" pitchFamily="34" charset="0"/>
+              <a:buChar char="•"/>
+            </a:pPr>
+            <a:r>
+              <a:rPr lang="en-GB" sz="2000" dirty="0" smtClean="0">
+                <a:latin typeface="Times New Roman" panose="02020603050405020304" pitchFamily="18" charset="0"/>
+                <a:cs typeface="Times New Roman" panose="02020603050405020304" pitchFamily="18" charset="0"/>
+              </a:rPr>
+              <a:t>SAS Data Quality Server</a:t>
+            </a:r>
+          </a:p>
+          <a:p>
+            <a:pPr marL="1257300" lvl="2" indent="-342900">
+              <a:buFont typeface="Arial" panose="020B0604020202020204" pitchFamily="34" charset="0"/>
+              <a:buChar char="•"/>
+            </a:pPr>
+            <a:r>
+              <a:rPr lang="en-GB" sz="2000" dirty="0" smtClean="0">
+                <a:latin typeface="Times New Roman" panose="02020603050405020304" pitchFamily="18" charset="0"/>
+                <a:cs typeface="Times New Roman" panose="02020603050405020304" pitchFamily="18" charset="0"/>
+              </a:rPr>
+              <a:t>SAS/STAT etc.</a:t>
+            </a:r>
+          </a:p>
+          <a:p>
+            <a:pPr marL="285750" indent="-285750">
+              <a:buFont typeface="Wingdings" panose="05000000000000000000" pitchFamily="2" charset="2"/>
+              <a:buChar char="Ø"/>
+            </a:pPr>
             <a:endParaRPr lang="en-GB" sz="2000" dirty="0">
               <a:latin typeface="Times New Roman" panose="02020603050405020304" pitchFamily="18" charset="0"/>
               <a:cs typeface="Times New Roman" panose="02020603050405020304" pitchFamily="18" charset="0"/>
@@ -12426,14 +12229,21 @@
                 <a:latin typeface="Times New Roman" panose="02020603050405020304" pitchFamily="18" charset="0"/>
                 <a:cs typeface="Times New Roman" panose="02020603050405020304" pitchFamily="18" charset="0"/>
               </a:rPr>
-              <a:t>Perform </a:t>
+              <a:t>SAS is a </a:t>
+            </a:r>
+            <a:r>
+              <a:rPr lang="en-GB" sz="2000" b="1" i="1" dirty="0" smtClean="0">
+                <a:latin typeface="Times New Roman" panose="02020603050405020304" pitchFamily="18" charset="0"/>
+                <a:cs typeface="Times New Roman" panose="02020603050405020304" pitchFamily="18" charset="0"/>
+              </a:rPr>
+              <a:t>4GL</a:t>
             </a:r>
             <a:r>
               <a:rPr lang="en-GB" sz="2000" dirty="0" smtClean="0">
                 <a:latin typeface="Times New Roman" panose="02020603050405020304" pitchFamily="18" charset="0"/>
                 <a:cs typeface="Times New Roman" panose="02020603050405020304" pitchFamily="18" charset="0"/>
               </a:rPr>
-              <a:t>specific analysis or function.</a:t>
+              <a:t>.</a:t>
             </a:r>
           </a:p>
           <a:p>
@@ -12441,24 +12251,30 @@
               <a:buFont typeface="Wingdings" panose="05000000000000000000" pitchFamily="2" charset="2"/>
               <a:buChar char="Ø"/>
             </a:pPr>
+            <a:endParaRPr lang="en-GB" sz="2000" dirty="0">
+              <a:latin typeface="Times New Roman" panose="02020603050405020304" pitchFamily="18" charset="0"/>
+              <a:cs typeface="Times New Roman" panose="02020603050405020304" pitchFamily="18" charset="0"/>
+            </a:endParaRPr>
+          </a:p>
+          <a:p>
+            <a:pPr marL="285750" indent="-285750">
+              <a:buFont typeface="Wingdings" panose="05000000000000000000" pitchFamily="2" charset="2"/>
+              <a:buChar char="Ø"/>
+            </a:pPr>
             <a:r>
               <a:rPr lang="en-GB" sz="2000" dirty="0" smtClean="0">
                 <a:latin typeface="Times New Roman" panose="02020603050405020304" pitchFamily="18" charset="0"/>
                 <a:cs typeface="Times New Roman" panose="02020603050405020304" pitchFamily="18" charset="0"/>
               </a:rPr>
-              <a:t>Produce results or output.</a:t>
-            </a:r>
-            <a:endParaRPr lang="en-GB" sz="2000" dirty="0">
-              <a:latin typeface="Times New Roman" panose="02020603050405020304" pitchFamily="18" charset="0"/>
-              <a:cs typeface="Times New Roman" panose="02020603050405020304" pitchFamily="18" charset="0"/>
-            </a:endParaRPr>
+              <a:t>ETL Tool &amp; BI.</a:t>
+            </a:r>
           </a:p>
         </p:txBody>
       </p:sp>
     </p:spTree>
     <p:extLst>
       <p:ext uri="{BB962C8B-B14F-4D97-AF65-F5344CB8AC3E}">
-        <p14:creationId xmlns:p14="http://schemas.microsoft.com/office/powerpoint/2010/main" val="1373631645"/>
+        <p14:creationId xmlns:p14="http://schemas.microsoft.com/office/powerpoint/2010/main" val="1462879094"/>
       </p:ext>
     </p:extLst>
   </p:cSld>
@@ -12554,57 +12370,52 @@
           </a:p>
         </p:txBody>
       </p:sp>
-      <p:pic>
-        <p:nvPicPr>
-          <p:cNvPr id="6" name="Picture 2" descr="\\s81dsp01data01\ACIS-Udrive\Users\t10313\AILP Batch4\Images\sas program sample.gif"/>
-          <p:cNvPicPr>
-            <a:picLocks noChangeAspect="1" noChangeArrowheads="1"/>
-          </p:cNvPicPr>
+      <p:sp>
+        <p:nvSpPr>
+          <p:cNvPr id="5" name="TextBox 4"/>
+          <p:cNvSpPr txBox="1"/>
           <p:nvPr/>
-        </p:nvPicPr>
-        <p:blipFill>
-          <a:blip r:embed="rId2">
-            <a:extLst>
-              <a:ext uri="{28A0092B-C50C-407E-A947-70E740481C1C}">
-                <a14:useLocalDpi xmlns:a14="http://schemas.microsoft.com/office/drawing/2010/main" val="0"/>
-              </a:ext>
-            </a:extLst>
-          </a:blip>
-          <a:srcRect/>
-          <a:stretch>
-            <a:fillRect/>
-          </a:stretch>
-        </p:blipFill>
-        <p:spPr bwMode="auto">
-          <a:xfrm>
-            <a:off x="582612" y="1027906"/>
-            <a:ext cx="6172200" cy="3581400"/>
+        </p:nvSpPr>
+        <p:spPr>
+          <a:xfrm>
+            <a:off x="294512" y="123686"/>
+            <a:ext cx="4707700" cy="523220"/>
           </a:xfrm>
           <a:prstGeom prst="rect">
             <a:avLst/>
           </a:prstGeom>
           <a:noFill/>
-          <a:extLst>
-            <a:ext uri="{909E8E84-426E-40DD-AFC4-6F175D3DCCD1}">
-              <a14:hiddenFill xmlns:a14="http://schemas.microsoft.com/office/drawing/2010/main">
-                <a:solidFill>
-                  <a:srgbClr val="FFFFFF"/>
-                </a:solidFill>
-              </a14:hiddenFill>
-            </a:ext>
-          </a:extLst>
-        </p:spPr>
-      </p:pic>
-      <p:sp>
-        <p:nvSpPr>
-          <p:cNvPr id="7" name="TextBox 6"/>
+        </p:spPr>
+        <p:txBody>
+          <a:bodyPr wrap="square" rtlCol="0">
+            <a:spAutoFit/>
+          </a:bodyPr>
+          <a:lstStyle/>
+          <a:p>
+            <a:r>
+              <a:rPr lang="en-GB" sz="2800" b="1" dirty="0" smtClean="0">
+                <a:latin typeface="Times New Roman" panose="02020603050405020304" pitchFamily="18" charset="0"/>
+                <a:cs typeface="Times New Roman" panose="02020603050405020304" pitchFamily="18" charset="0"/>
+              </a:rPr>
+              <a:t>SAS Programming</a:t>
+            </a:r>
+            <a:endParaRPr lang="en-GB" sz="2800" b="1" dirty="0">
+              <a:latin typeface="Times New Roman" panose="02020603050405020304" pitchFamily="18" charset="0"/>
+              <a:cs typeface="Times New Roman" panose="02020603050405020304" pitchFamily="18" charset="0"/>
+            </a:endParaRPr>
+          </a:p>
+        </p:txBody>
+      </p:sp>
+      <p:sp>
+        <p:nvSpPr>
+          <p:cNvPr id="2" name="TextBox 1"/>
           <p:cNvSpPr txBox="1"/>
           <p:nvPr/>
         </p:nvSpPr>
         <p:spPr>
           <a:xfrm>
-            <a:off x="294512" y="123686"/>
-            <a:ext cx="4707700" cy="523220"/>
+            <a:off x="506412" y="979031"/>
+            <a:ext cx="7239000" cy="3477875"/>
           </a:xfrm>
           <a:prstGeom prst="rect">
             <a:avLst/>
@@ -12617,24 +12428,192 @@
           </a:bodyPr>
           <a:lstStyle/>
           <a:p>
-            <a:r>
-              <a:rPr lang="en-GB" sz="2800" b="1" dirty="0" smtClean="0">
+            <a:pPr marL="285750" indent="-285750">
+              <a:buFont typeface="Wingdings" panose="05000000000000000000" pitchFamily="2" charset="2"/>
+              <a:buChar char="Ø"/>
+            </a:pPr>
+            <a:r>
+              <a:rPr lang="en-GB" sz="2000" dirty="0" smtClean="0">
                 <a:latin typeface="Times New Roman" panose="02020603050405020304" pitchFamily="18" charset="0"/>
                 <a:cs typeface="Times New Roman" panose="02020603050405020304" pitchFamily="18" charset="0"/>
               </a:rPr>
-              <a:t>Sample SAS Program</a:t>
-            </a:r>
-            <a:endParaRPr lang="en-GB" sz="2800" b="1" dirty="0">
+              <a:t>Rules and Conventions.</a:t>
+            </a:r>
+          </a:p>
+          <a:p>
+            <a:pPr marL="285750" indent="-285750">
+              <a:buFont typeface="Wingdings" panose="05000000000000000000" pitchFamily="2" charset="2"/>
+              <a:buChar char="Ø"/>
+            </a:pPr>
+            <a:endParaRPr lang="en-GB" sz="2000" dirty="0">
               <a:latin typeface="Times New Roman" panose="02020603050405020304" pitchFamily="18" charset="0"/>
               <a:cs typeface="Times New Roman" panose="02020603050405020304" pitchFamily="18" charset="0"/>
             </a:endParaRPr>
           </a:p>
+          <a:p>
+            <a:pPr marL="285750" indent="-285750">
+              <a:buFont typeface="Wingdings" panose="05000000000000000000" pitchFamily="2" charset="2"/>
+              <a:buChar char="Ø"/>
+            </a:pPr>
+            <a:r>
+              <a:rPr lang="en-GB" sz="2000" dirty="0" smtClean="0">
+                <a:latin typeface="Times New Roman" panose="02020603050405020304" pitchFamily="18" charset="0"/>
+                <a:cs typeface="Times New Roman" panose="02020603050405020304" pitchFamily="18" charset="0"/>
+              </a:rPr>
+              <a:t>Only two datatypes : Character &amp; Numeric</a:t>
+            </a:r>
+          </a:p>
+          <a:p>
+            <a:pPr marL="285750" indent="-285750">
+              <a:buFont typeface="Wingdings" panose="05000000000000000000" pitchFamily="2" charset="2"/>
+              <a:buChar char="Ø"/>
+            </a:pPr>
+            <a:endParaRPr lang="en-GB" sz="2000" dirty="0">
+              <a:latin typeface="Times New Roman" panose="02020603050405020304" pitchFamily="18" charset="0"/>
+              <a:cs typeface="Times New Roman" panose="02020603050405020304" pitchFamily="18" charset="0"/>
+            </a:endParaRPr>
+          </a:p>
+          <a:p>
+            <a:pPr marL="285750" indent="-285750">
+              <a:buFont typeface="Wingdings" panose="05000000000000000000" pitchFamily="2" charset="2"/>
+              <a:buChar char="Ø"/>
+            </a:pPr>
+            <a:r>
+              <a:rPr lang="en-GB" sz="2000" dirty="0" smtClean="0">
+                <a:latin typeface="Times New Roman" panose="02020603050405020304" pitchFamily="18" charset="0"/>
+                <a:cs typeface="Times New Roman" panose="02020603050405020304" pitchFamily="18" charset="0"/>
+              </a:rPr>
+              <a:t>Formats and </a:t>
+            </a:r>
+            <a:r>
+              <a:rPr lang="en-GB" sz="2000" dirty="0" err="1" smtClean="0">
+                <a:latin typeface="Times New Roman" panose="02020603050405020304" pitchFamily="18" charset="0"/>
+                <a:cs typeface="Times New Roman" panose="02020603050405020304" pitchFamily="18" charset="0"/>
+              </a:rPr>
+              <a:t>Informats</a:t>
+            </a:r>
+            <a:r>
+              <a:rPr lang="en-GB" sz="2000" dirty="0" smtClean="0">
+                <a:latin typeface="Times New Roman" panose="02020603050405020304" pitchFamily="18" charset="0"/>
+                <a:cs typeface="Times New Roman" panose="02020603050405020304" pitchFamily="18" charset="0"/>
+              </a:rPr>
+              <a:t>. Format : How to write data. </a:t>
+            </a:r>
+            <a:r>
+              <a:rPr lang="en-GB" sz="2000" dirty="0" err="1" smtClean="0">
+                <a:latin typeface="Times New Roman" panose="02020603050405020304" pitchFamily="18" charset="0"/>
+                <a:cs typeface="Times New Roman" panose="02020603050405020304" pitchFamily="18" charset="0"/>
+              </a:rPr>
+              <a:t>Informat</a:t>
+            </a:r>
+            <a:r>
+              <a:rPr lang="en-GB" sz="2000" dirty="0" smtClean="0">
+                <a:latin typeface="Times New Roman" panose="02020603050405020304" pitchFamily="18" charset="0"/>
+                <a:cs typeface="Times New Roman" panose="02020603050405020304" pitchFamily="18" charset="0"/>
+              </a:rPr>
+              <a:t> : </a:t>
+            </a:r>
+            <a:r>
+              <a:rPr lang="en-GB" sz="2000" dirty="0" smtClean="0">
+                <a:latin typeface="Times New Roman" panose="02020603050405020304" pitchFamily="18" charset="0"/>
+                <a:cs typeface="Times New Roman" panose="02020603050405020304" pitchFamily="18" charset="0"/>
+              </a:rPr>
+              <a:t>How to read data.</a:t>
+            </a:r>
+          </a:p>
+          <a:p>
+            <a:r>
+              <a:rPr lang="en-GB" sz="2000" dirty="0">
+                <a:latin typeface="Times New Roman" panose="02020603050405020304" pitchFamily="18" charset="0"/>
+                <a:cs typeface="Times New Roman" panose="02020603050405020304" pitchFamily="18" charset="0"/>
+              </a:rPr>
+              <a:t>	</a:t>
+            </a:r>
+            <a:r>
+              <a:rPr lang="en-GB" sz="2000" dirty="0" err="1" smtClean="0">
+                <a:latin typeface="Times New Roman" panose="02020603050405020304" pitchFamily="18" charset="0"/>
+                <a:cs typeface="Times New Roman" panose="02020603050405020304" pitchFamily="18" charset="0"/>
+              </a:rPr>
+              <a:t>Eg</a:t>
+            </a:r>
+            <a:r>
+              <a:rPr lang="en-GB" sz="2000" dirty="0" smtClean="0">
+                <a:latin typeface="Times New Roman" panose="02020603050405020304" pitchFamily="18" charset="0"/>
+                <a:cs typeface="Times New Roman" panose="02020603050405020304" pitchFamily="18" charset="0"/>
+              </a:rPr>
+              <a:t> : </a:t>
+            </a:r>
+            <a:r>
+              <a:rPr lang="en-GB" sz="2000" dirty="0" err="1" smtClean="0">
+                <a:latin typeface="Times New Roman" panose="02020603050405020304" pitchFamily="18" charset="0"/>
+                <a:cs typeface="Times New Roman" panose="02020603050405020304" pitchFamily="18" charset="0"/>
+              </a:rPr>
+              <a:t>DATEw</a:t>
+            </a:r>
+            <a:r>
+              <a:rPr lang="en-GB" sz="2000" dirty="0" smtClean="0">
+                <a:latin typeface="Times New Roman" panose="02020603050405020304" pitchFamily="18" charset="0"/>
+                <a:cs typeface="Times New Roman" panose="02020603050405020304" pitchFamily="18" charset="0"/>
+              </a:rPr>
+              <a:t>. Like date7. (16AUG95)</a:t>
+            </a:r>
+          </a:p>
+          <a:p>
+            <a:pPr marL="285750" indent="-285750">
+              <a:buFont typeface="Wingdings" panose="05000000000000000000" pitchFamily="2" charset="2"/>
+              <a:buChar char="Ø"/>
+            </a:pPr>
+            <a:endParaRPr lang="en-GB" sz="2000" dirty="0">
+              <a:latin typeface="Times New Roman" panose="02020603050405020304" pitchFamily="18" charset="0"/>
+              <a:cs typeface="Times New Roman" panose="02020603050405020304" pitchFamily="18" charset="0"/>
+            </a:endParaRPr>
+          </a:p>
+          <a:p>
+            <a:pPr marL="285750" indent="-285750">
+              <a:buFont typeface="Wingdings" panose="05000000000000000000" pitchFamily="2" charset="2"/>
+              <a:buChar char="Ø"/>
+            </a:pPr>
+            <a:r>
+              <a:rPr lang="en-GB" sz="2000" dirty="0" smtClean="0">
+                <a:latin typeface="Times New Roman" panose="02020603050405020304" pitchFamily="18" charset="0"/>
+                <a:cs typeface="Times New Roman" panose="02020603050405020304" pitchFamily="18" charset="0"/>
+              </a:rPr>
+              <a:t>SAS Dataset : Variables and Observations.</a:t>
+            </a:r>
+          </a:p>
+          <a:p>
+            <a:pPr marL="285750" indent="-285750">
+              <a:buFont typeface="Wingdings" panose="05000000000000000000" pitchFamily="2" charset="2"/>
+              <a:buChar char="Ø"/>
+            </a:pPr>
+            <a:endParaRPr lang="en-GB" sz="2000" dirty="0">
+              <a:latin typeface="Times New Roman" panose="02020603050405020304" pitchFamily="18" charset="0"/>
+              <a:cs typeface="Times New Roman" panose="02020603050405020304" pitchFamily="18" charset="0"/>
+            </a:endParaRPr>
+          </a:p>
+          <a:p>
+            <a:pPr marL="285750" indent="-285750">
+              <a:buFont typeface="Wingdings" panose="05000000000000000000" pitchFamily="2" charset="2"/>
+              <a:buChar char="Ø"/>
+            </a:pPr>
+            <a:r>
+              <a:rPr lang="en-GB" sz="2000" dirty="0" smtClean="0">
+                <a:latin typeface="Times New Roman" panose="02020603050405020304" pitchFamily="18" charset="0"/>
+                <a:cs typeface="Times New Roman" panose="02020603050405020304" pitchFamily="18" charset="0"/>
+              </a:rPr>
+              <a:t>DATA Step &amp; PROC Step of a SAS program.</a:t>
+            </a:r>
+            <a:endParaRPr lang="en-GB" sz="2000" dirty="0">
+              <a:latin typeface="Times New Roman" panose="02020603050405020304" pitchFamily="18" charset="0"/>
+              <a:cs typeface="Times New Roman" panose="02020603050405020304" pitchFamily="18" charset="0"/>
+            </a:endParaRPr>
+          </a:p>
         </p:txBody>
       </p:sp>
     </p:spTree>
     <p:extLst>
       <p:ext uri="{BB962C8B-B14F-4D97-AF65-F5344CB8AC3E}">
-        <p14:creationId xmlns:p14="http://schemas.microsoft.com/office/powerpoint/2010/main" val="9462830"/>
+        <p14:creationId xmlns:p14="http://schemas.microsoft.com/office/powerpoint/2010/main" val="3990933855"/>
       </p:ext>
     </p:extLst>
   </p:cSld>
@@ -12730,45 +12709,9 @@
           </a:p>
         </p:txBody>
       </p:sp>
-      <p:sp>
-        <p:nvSpPr>
-          <p:cNvPr id="5" name="TextBox 4"/>
-          <p:cNvSpPr txBox="1"/>
-          <p:nvPr/>
-        </p:nvSpPr>
-        <p:spPr>
-          <a:xfrm>
-            <a:off x="294512" y="123686"/>
-            <a:ext cx="4707700" cy="523220"/>
-          </a:xfrm>
-          <a:prstGeom prst="rect">
-            <a:avLst/>
-          </a:prstGeom>
-          <a:noFill/>
-        </p:spPr>
-        <p:txBody>
-          <a:bodyPr wrap="square" rtlCol="0">
-            <a:spAutoFit/>
-          </a:bodyPr>
-          <a:lstStyle/>
-          <a:p>
-            <a:r>
-              <a:rPr lang="en-GB" sz="2800" b="1" dirty="0" smtClean="0">
-                <a:latin typeface="Times New Roman" panose="02020603050405020304" pitchFamily="18" charset="0"/>
-                <a:cs typeface="Times New Roman" panose="02020603050405020304" pitchFamily="18" charset="0"/>
-              </a:rPr>
-              <a:t>Applications of SAS</a:t>
-            </a:r>
-            <a:endParaRPr lang="en-GB" sz="2800" b="1" dirty="0">
-              <a:latin typeface="Times New Roman" panose="02020603050405020304" pitchFamily="18" charset="0"/>
-              <a:cs typeface="Times New Roman" panose="02020603050405020304" pitchFamily="18" charset="0"/>
-            </a:endParaRPr>
-          </a:p>
-        </p:txBody>
-      </p:sp>
       <p:pic>
         <p:nvPicPr>
-          <p:cNvPr id="6" name="Picture 2" descr="\\s81dsp01data01\ACIS-Udrive\Users\t10313\AILP Batch4\Images\sas applications.jpg"/>
+          <p:cNvPr id="5" name="Picture 4" descr="\\s81dsp01data01\ACIS-Udrive\Users\t10313\AILP Batch4\Images\sasProgram.png"/>
           <p:cNvPicPr>
             <a:picLocks noChangeAspect="1" noChangeArrowheads="1"/>
           </p:cNvPicPr>
@@ -12782,13 +12725,13 @@
               </a:ext>
             </a:extLst>
           </a:blip>
-          <a:srcRect l="28369"/>
+          <a:srcRect t="4116" r="37361" b="8768"/>
           <a:stretch/>
         </p:blipFill>
         <p:spPr bwMode="auto">
           <a:xfrm>
-            <a:off x="0" y="646907"/>
-            <a:ext cx="6526212" cy="4609306"/>
+            <a:off x="318325" y="1096962"/>
+            <a:ext cx="3845687" cy="3055144"/>
           </a:xfrm>
           <a:prstGeom prst="rect">
             <a:avLst/>
@@ -12805,10 +12748,143 @@
           </a:extLst>
         </p:spPr>
       </p:pic>
+      <p:sp>
+        <p:nvSpPr>
+          <p:cNvPr id="6" name="TextBox 5"/>
+          <p:cNvSpPr txBox="1"/>
+          <p:nvPr/>
+        </p:nvSpPr>
+        <p:spPr>
+          <a:xfrm>
+            <a:off x="294512" y="123686"/>
+            <a:ext cx="4707700" cy="523220"/>
+          </a:xfrm>
+          <a:prstGeom prst="rect">
+            <a:avLst/>
+          </a:prstGeom>
+          <a:noFill/>
+        </p:spPr>
+        <p:txBody>
+          <a:bodyPr wrap="square" rtlCol="0">
+            <a:spAutoFit/>
+          </a:bodyPr>
+          <a:lstStyle/>
+          <a:p>
+            <a:r>
+              <a:rPr lang="en-GB" sz="2800" b="1" dirty="0" smtClean="0">
+                <a:latin typeface="Times New Roman" panose="02020603050405020304" pitchFamily="18" charset="0"/>
+                <a:cs typeface="Times New Roman" panose="02020603050405020304" pitchFamily="18" charset="0"/>
+              </a:rPr>
+              <a:t>SAS Program Structure</a:t>
+            </a:r>
+            <a:endParaRPr lang="en-GB" sz="2800" b="1" dirty="0">
+              <a:latin typeface="Times New Roman" panose="02020603050405020304" pitchFamily="18" charset="0"/>
+              <a:cs typeface="Times New Roman" panose="02020603050405020304" pitchFamily="18" charset="0"/>
+            </a:endParaRPr>
+          </a:p>
+        </p:txBody>
+      </p:sp>
+      <p:sp>
+        <p:nvSpPr>
+          <p:cNvPr id="3" name="TextBox 2"/>
+          <p:cNvSpPr txBox="1"/>
+          <p:nvPr/>
+        </p:nvSpPr>
+        <p:spPr>
+          <a:xfrm>
+            <a:off x="4697412" y="1256506"/>
+            <a:ext cx="3429000" cy="2554545"/>
+          </a:xfrm>
+          <a:prstGeom prst="rect">
+            <a:avLst/>
+          </a:prstGeom>
+          <a:noFill/>
+        </p:spPr>
+        <p:txBody>
+          <a:bodyPr wrap="square" rtlCol="0">
+            <a:spAutoFit/>
+          </a:bodyPr>
+          <a:lstStyle/>
+          <a:p>
+            <a:pPr marL="285750" indent="-285750">
+              <a:buFont typeface="Wingdings" panose="05000000000000000000" pitchFamily="2" charset="2"/>
+              <a:buChar char="Ø"/>
+            </a:pPr>
+            <a:r>
+              <a:rPr lang="en-GB" sz="2000" dirty="0" smtClean="0">
+                <a:latin typeface="Times New Roman" panose="02020603050405020304" pitchFamily="18" charset="0"/>
+                <a:cs typeface="Times New Roman" panose="02020603050405020304" pitchFamily="18" charset="0"/>
+              </a:rPr>
+              <a:t>Read and Modify data.</a:t>
+            </a:r>
+          </a:p>
+          <a:p>
+            <a:pPr marL="285750" indent="-285750">
+              <a:buFont typeface="Wingdings" panose="05000000000000000000" pitchFamily="2" charset="2"/>
+              <a:buChar char="Ø"/>
+            </a:pPr>
+            <a:r>
+              <a:rPr lang="en-GB" sz="2000" dirty="0" smtClean="0">
+                <a:latin typeface="Times New Roman" panose="02020603050405020304" pitchFamily="18" charset="0"/>
+                <a:cs typeface="Times New Roman" panose="02020603050405020304" pitchFamily="18" charset="0"/>
+              </a:rPr>
+              <a:t>Create SAS Data Set.</a:t>
+            </a:r>
+          </a:p>
+          <a:p>
+            <a:endParaRPr lang="en-GB" sz="2000" dirty="0" smtClean="0">
+              <a:latin typeface="Times New Roman" panose="02020603050405020304" pitchFamily="18" charset="0"/>
+              <a:cs typeface="Times New Roman" panose="02020603050405020304" pitchFamily="18" charset="0"/>
+            </a:endParaRPr>
+          </a:p>
+          <a:p>
+            <a:endParaRPr lang="en-GB" sz="2000" dirty="0" smtClean="0">
+              <a:latin typeface="Times New Roman" panose="02020603050405020304" pitchFamily="18" charset="0"/>
+              <a:cs typeface="Times New Roman" panose="02020603050405020304" pitchFamily="18" charset="0"/>
+            </a:endParaRPr>
+          </a:p>
+          <a:p>
+            <a:endParaRPr lang="en-GB" sz="2000" dirty="0">
+              <a:latin typeface="Times New Roman" panose="02020603050405020304" pitchFamily="18" charset="0"/>
+              <a:cs typeface="Times New Roman" panose="02020603050405020304" pitchFamily="18" charset="0"/>
+            </a:endParaRPr>
+          </a:p>
+          <a:p>
+            <a:pPr marL="285750" indent="-285750">
+              <a:buFont typeface="Wingdings" panose="05000000000000000000" pitchFamily="2" charset="2"/>
+              <a:buChar char="Ø"/>
+            </a:pPr>
+            <a:r>
+              <a:rPr lang="en-GB" sz="2000" dirty="0" smtClean="0">
+                <a:latin typeface="Times New Roman" panose="02020603050405020304" pitchFamily="18" charset="0"/>
+                <a:cs typeface="Times New Roman" panose="02020603050405020304" pitchFamily="18" charset="0"/>
+              </a:rPr>
+              <a:t>Perform specific analysis or function.</a:t>
+            </a:r>
+          </a:p>
+          <a:p>
+            <a:pPr marL="285750" indent="-285750">
+              <a:buFont typeface="Wingdings" panose="05000000000000000000" pitchFamily="2" charset="2"/>
+              <a:buChar char="Ø"/>
+            </a:pPr>
+            <a:r>
+              <a:rPr lang="en-GB" sz="2000" dirty="0" smtClean="0">
+                <a:latin typeface="Times New Roman" panose="02020603050405020304" pitchFamily="18" charset="0"/>
+                <a:cs typeface="Times New Roman" panose="02020603050405020304" pitchFamily="18" charset="0"/>
+              </a:rPr>
+              <a:t>Produce results or output.</a:t>
+            </a:r>
+            <a:endParaRPr lang="en-GB" sz="2000" dirty="0">
+              <a:latin typeface="Times New Roman" panose="02020603050405020304" pitchFamily="18" charset="0"/>
+              <a:cs typeface="Times New Roman" panose="02020603050405020304" pitchFamily="18" charset="0"/>
+            </a:endParaRPr>
+          </a:p>
+        </p:txBody>
+      </p:sp>
     </p:spTree>
     <p:extLst>
       <p:ext uri="{BB962C8B-B14F-4D97-AF65-F5344CB8AC3E}">
-        <p14:creationId xmlns:p14="http://schemas.microsoft.com/office/powerpoint/2010/main" val="1002739986"/>
+        <p14:creationId xmlns:p14="http://schemas.microsoft.com/office/powerpoint/2010/main" val="1373631645"/>
       </p:ext>
     </p:extLst>
   </p:cSld>
@@ -12906,7 +12982,7 @@
       </p:sp>
       <p:pic>
         <p:nvPicPr>
-          <p:cNvPr id="3074" name="Picture 2" descr="\\s81dsp01data01\ACIS-Udrive\Users\t10313\AILP Batch4\Images\sas applications.jpg"/>
+          <p:cNvPr id="6" name="Picture 2" descr="\\s81dsp01data01\ACIS-Udrive\Users\t10313\AILP Batch4\Images\sas program sample.gif"/>
           <p:cNvPicPr>
             <a:picLocks noChangeAspect="1" noChangeArrowheads="1"/>
           </p:cNvPicPr>
@@ -12927,8 +13003,8 @@
         </p:blipFill>
         <p:spPr bwMode="auto">
           <a:xfrm>
-            <a:off x="1268412" y="951706"/>
-            <a:ext cx="6934201" cy="3906044"/>
+            <a:off x="582612" y="1027906"/>
+            <a:ext cx="6172200" cy="3581400"/>
           </a:xfrm>
           <a:prstGeom prst="rect">
             <a:avLst/>
@@ -12945,10 +13021,46 @@
           </a:extLst>
         </p:spPr>
       </p:pic>
+      <p:sp>
+        <p:nvSpPr>
+          <p:cNvPr id="7" name="TextBox 6"/>
+          <p:cNvSpPr txBox="1"/>
+          <p:nvPr/>
+        </p:nvSpPr>
+        <p:spPr>
+          <a:xfrm>
+            <a:off x="294512" y="123686"/>
+            <a:ext cx="4707700" cy="523220"/>
+          </a:xfrm>
+          <a:prstGeom prst="rect">
+            <a:avLst/>
+          </a:prstGeom>
+          <a:noFill/>
+        </p:spPr>
+        <p:txBody>
+          <a:bodyPr wrap="square" rtlCol="0">
+            <a:spAutoFit/>
+          </a:bodyPr>
+          <a:lstStyle/>
+          <a:p>
+            <a:r>
+              <a:rPr lang="en-GB" sz="2800" b="1" dirty="0" smtClean="0">
+                <a:latin typeface="Times New Roman" panose="02020603050405020304" pitchFamily="18" charset="0"/>
+                <a:cs typeface="Times New Roman" panose="02020603050405020304" pitchFamily="18" charset="0"/>
+              </a:rPr>
+              <a:t>Sample SAS Program</a:t>
+            </a:r>
+            <a:endParaRPr lang="en-GB" sz="2800" b="1" dirty="0">
+              <a:latin typeface="Times New Roman" panose="02020603050405020304" pitchFamily="18" charset="0"/>
+              <a:cs typeface="Times New Roman" panose="02020603050405020304" pitchFamily="18" charset="0"/>
+            </a:endParaRPr>
+          </a:p>
+        </p:txBody>
+      </p:sp>
     </p:spTree>
     <p:extLst>
       <p:ext uri="{BB962C8B-B14F-4D97-AF65-F5344CB8AC3E}">
-        <p14:creationId xmlns:p14="http://schemas.microsoft.com/office/powerpoint/2010/main" val="637193032"/>
+        <p14:creationId xmlns:p14="http://schemas.microsoft.com/office/powerpoint/2010/main" val="9462830"/>
       </p:ext>
     </p:extLst>
   </p:cSld>
@@ -13044,9 +13156,45 @@
           </a:p>
         </p:txBody>
       </p:sp>
+      <p:sp>
+        <p:nvSpPr>
+          <p:cNvPr id="5" name="TextBox 4"/>
+          <p:cNvSpPr txBox="1"/>
+          <p:nvPr/>
+        </p:nvSpPr>
+        <p:spPr>
+          <a:xfrm>
+            <a:off x="294512" y="123686"/>
+            <a:ext cx="4707700" cy="523220"/>
+          </a:xfrm>
+          <a:prstGeom prst="rect">
+            <a:avLst/>
+          </a:prstGeom>
+          <a:noFill/>
+        </p:spPr>
+        <p:txBody>
+          <a:bodyPr wrap="square" rtlCol="0">
+            <a:spAutoFit/>
+          </a:bodyPr>
+          <a:lstStyle/>
+          <a:p>
+            <a:r>
+              <a:rPr lang="en-GB" sz="2800" b="1" dirty="0" smtClean="0">
+                <a:latin typeface="Times New Roman" panose="02020603050405020304" pitchFamily="18" charset="0"/>
+                <a:cs typeface="Times New Roman" panose="02020603050405020304" pitchFamily="18" charset="0"/>
+              </a:rPr>
+              <a:t>Applications of SAS</a:t>
+            </a:r>
+            <a:endParaRPr lang="en-GB" sz="2800" b="1" dirty="0">
+              <a:latin typeface="Times New Roman" panose="02020603050405020304" pitchFamily="18" charset="0"/>
+              <a:cs typeface="Times New Roman" panose="02020603050405020304" pitchFamily="18" charset="0"/>
+            </a:endParaRPr>
+          </a:p>
+        </p:txBody>
+      </p:sp>
       <p:pic>
         <p:nvPicPr>
-          <p:cNvPr id="2051" name="Picture 3" descr="\\s81dsp01data01\ACIS-Udrive\Users\t10313\AILP Batch4\Images\sas.jpg"/>
+          <p:cNvPr id="7" name="Picture 2" descr="\\s81dsp01data01\ACIS-Udrive\Users\t10313\AILP Batch4\Images\sas applications.jpg"/>
           <p:cNvPicPr>
             <a:picLocks noChangeAspect="1" noChangeArrowheads="1"/>
           </p:cNvPicPr>
@@ -13067,8 +13215,8 @@
         </p:blipFill>
         <p:spPr bwMode="auto">
           <a:xfrm>
-            <a:off x="3249613" y="1484313"/>
-            <a:ext cx="2286000" cy="2286000"/>
+            <a:off x="0" y="723105"/>
+            <a:ext cx="8785225" cy="4533107"/>
           </a:xfrm>
           <a:prstGeom prst="rect">
             <a:avLst/>
@@ -13088,7 +13236,7 @@
     </p:spTree>
     <p:extLst>
       <p:ext uri="{BB962C8B-B14F-4D97-AF65-F5344CB8AC3E}">
-        <p14:creationId xmlns:p14="http://schemas.microsoft.com/office/powerpoint/2010/main" val="1373631645"/>
+        <p14:creationId xmlns:p14="http://schemas.microsoft.com/office/powerpoint/2010/main" val="1002739986"/>
       </p:ext>
     </p:extLst>
   </p:cSld>
@@ -13124,7 +13272,7 @@
       </p:grpSpPr>
       <p:sp>
         <p:nvSpPr>
-          <p:cNvPr id="9" name="Textplatzhalter 8"/>
+          <p:cNvPr id="11" name="Textplatzhalter 10"/>
           <p:cNvSpPr>
             <a:spLocks noGrp="1"/>
           </p:cNvSpPr>
@@ -13132,110 +13280,103 @@
             <p:ph type="body" sz="quarter" idx="19"/>
           </p:nvPr>
         </p:nvSpPr>
+        <p:spPr>
+          <a:xfrm>
+            <a:off x="0" y="8016"/>
+            <a:ext cx="7974008" cy="676049"/>
+          </a:xfrm>
+          <a:solidFill>
+            <a:schemeClr val="tx2">
+              <a:lumMod val="20000"/>
+              <a:lumOff val="80000"/>
+            </a:schemeClr>
+          </a:solidFill>
+          <a:ln>
+            <a:solidFill>
+              <a:schemeClr val="tx2">
+                <a:lumMod val="20000"/>
+                <a:lumOff val="80000"/>
+              </a:schemeClr>
+            </a:solidFill>
+          </a:ln>
+        </p:spPr>
+        <p:txBody>
+          <a:bodyPr/>
+          <a:lstStyle/>
+          <a:p>
+            <a:endParaRPr lang="de-DE" dirty="0"/>
+          </a:p>
+        </p:txBody>
+      </p:sp>
+      <p:sp>
+        <p:nvSpPr>
+          <p:cNvPr id="4" name="Foliennummernplatzhalter 3"/>
+          <p:cNvSpPr>
+            <a:spLocks noGrp="1"/>
+          </p:cNvSpPr>
+          <p:nvPr>
+            <p:ph type="sldNum" sz="quarter" idx="12"/>
+          </p:nvPr>
+        </p:nvSpPr>
         <p:spPr/>
         <p:txBody>
           <a:bodyPr/>
           <a:lstStyle/>
           <a:p>
-            <a:pPr marL="0" indent="0">
-              <a:buNone/>
-            </a:pPr>
-            <a:endParaRPr lang="de-DE" dirty="0"/>
+            <a:fld id="{61201FF1-C63B-412E-ABF0-3D0E918900AC}" type="slidenum">
+              <a:rPr lang="en-GB" smtClean="0"/>
+              <a:pPr/>
+              <a:t>37</a:t>
+            </a:fld>
+            <a:endParaRPr lang="en-GB" dirty="0"/>
           </a:p>
         </p:txBody>
       </p:sp>
       <p:pic>
         <p:nvPicPr>
-          <p:cNvPr id="49" name="Grafik 8"/>
+          <p:cNvPr id="2051" name="Picture 3" descr="\\s81dsp01data01\ACIS-Udrive\Users\t10313\AILP Batch4\Images\sas.jpg"/>
           <p:cNvPicPr>
-            <a:picLocks noChangeAspect="1"/>
+            <a:picLocks noChangeAspect="1" noChangeArrowheads="1"/>
           </p:cNvPicPr>
           <p:nvPr/>
         </p:nvPicPr>
         <p:blipFill>
           <a:blip r:embed="rId2">
-            <a:alphaModFix amt="45000"/>
-            <a:duotone>
-              <a:prstClr val="black"/>
-              <a:schemeClr val="tx2">
-                <a:tint val="45000"/>
-                <a:satMod val="400000"/>
-              </a:schemeClr>
-            </a:duotone>
+            <a:extLst>
+              <a:ext uri="{28A0092B-C50C-407E-A947-70E740481C1C}">
+                <a14:useLocalDpi xmlns:a14="http://schemas.microsoft.com/office/drawing/2010/main" val="0"/>
+              </a:ext>
+            </a:extLst>
           </a:blip>
+          <a:srcRect/>
           <a:stretch>
             <a:fillRect/>
           </a:stretch>
         </p:blipFill>
-        <p:spPr>
-          <a:xfrm>
-            <a:off x="4392613" y="421526"/>
-            <a:ext cx="4392612" cy="4834689"/>
-          </a:xfrm>
-          <a:prstGeom prst="rect">
-            <a:avLst/>
-          </a:prstGeom>
-        </p:spPr>
-      </p:pic>
-      <p:sp>
-        <p:nvSpPr>
-          <p:cNvPr id="5" name="TextBox 4"/>
-          <p:cNvSpPr txBox="1"/>
-          <p:nvPr/>
-        </p:nvSpPr>
-        <p:spPr>
-          <a:xfrm>
-            <a:off x="735012" y="615117"/>
-            <a:ext cx="2362200" cy="1792770"/>
+        <p:spPr bwMode="auto">
+          <a:xfrm>
+            <a:off x="3249613" y="1484313"/>
+            <a:ext cx="2286000" cy="2286000"/>
           </a:xfrm>
           <a:prstGeom prst="rect">
             <a:avLst/>
           </a:prstGeom>
           <a:noFill/>
-        </p:spPr>
-        <p:txBody>
-          <a:bodyPr wrap="square" rtlCol="0">
-            <a:spAutoFit/>
-          </a:bodyPr>
-          <a:lstStyle/>
-          <a:p>
-            <a:pPr algn="ctr"/>
-            <a:r>
-              <a:rPr lang="en-GB" sz="5400" b="1" dirty="0" smtClean="0">
+          <a:extLst>
+            <a:ext uri="{909E8E84-426E-40DD-AFC4-6F175D3DCCD1}">
+              <a14:hiddenFill xmlns:a14="http://schemas.microsoft.com/office/drawing/2010/main">
                 <a:solidFill>
-                  <a:schemeClr val="bg1"/>
+                  <a:srgbClr val="FFFFFF"/>
                 </a:solidFill>
-                <a:latin typeface="Allianz Serif" pitchFamily="50" charset="0"/>
-                <a:cs typeface="Times New Roman" panose="02020603050405020304" pitchFamily="18" charset="0"/>
-              </a:rPr>
-              <a:t>08</a:t>
-            </a:r>
-          </a:p>
-          <a:p>
-            <a:r>
-              <a:rPr lang="en-GB" sz="5400" b="1" dirty="0" smtClean="0">
-                <a:solidFill>
-                  <a:schemeClr val="bg1"/>
-                </a:solidFill>
-                <a:latin typeface="Allianz Serif" pitchFamily="50" charset="0"/>
-                <a:cs typeface="Times New Roman" panose="02020603050405020304" pitchFamily="18" charset="0"/>
-              </a:rPr>
-              <a:t>Claims</a:t>
-            </a:r>
-            <a:endParaRPr lang="en-GB" sz="5400" b="1" dirty="0">
-              <a:solidFill>
-                <a:schemeClr val="bg1"/>
-              </a:solidFill>
-              <a:latin typeface="Allianz Serif" pitchFamily="50" charset="0"/>
-              <a:cs typeface="Times New Roman" panose="02020603050405020304" pitchFamily="18" charset="0"/>
-            </a:endParaRPr>
-          </a:p>
-        </p:txBody>
-      </p:sp>
+              </a14:hiddenFill>
+            </a:ext>
+          </a:extLst>
+        </p:spPr>
+      </p:pic>
     </p:spTree>
     <p:extLst>
       <p:ext uri="{BB962C8B-B14F-4D97-AF65-F5344CB8AC3E}">
-        <p14:creationId xmlns:p14="http://schemas.microsoft.com/office/powerpoint/2010/main" val="680084884"/>
+        <p14:creationId xmlns:p14="http://schemas.microsoft.com/office/powerpoint/2010/main" val="1373631645"/>
       </p:ext>
     </p:extLst>
   </p:cSld>
@@ -13331,10 +13472,123 @@
           </a:p>
         </p:txBody>
       </p:sp>
+      <p:sp>
+        <p:nvSpPr>
+          <p:cNvPr id="2" name="Rectangle 1"/>
+          <p:cNvSpPr/>
+          <p:nvPr/>
+        </p:nvSpPr>
+        <p:spPr>
+          <a:xfrm>
+            <a:off x="376237" y="265906"/>
+            <a:ext cx="8382000" cy="4247317"/>
+          </a:xfrm>
+          <a:prstGeom prst="rect">
+            <a:avLst/>
+          </a:prstGeom>
+        </p:spPr>
+        <p:txBody>
+          <a:bodyPr wrap="square">
+            <a:spAutoFit/>
+          </a:bodyPr>
+          <a:lstStyle/>
+          <a:p>
+            <a:r>
+              <a:rPr lang="en-GB" b="1" dirty="0"/>
+              <a:t>WHO ARE WE?</a:t>
+            </a:r>
+          </a:p>
+          <a:p>
+            <a:r>
+              <a:rPr lang="en-GB" dirty="0"/>
+              <a:t>MANAGEMENT INFORMATION SYSTEM</a:t>
+            </a:r>
+          </a:p>
+          <a:p>
+            <a:r>
+              <a:rPr lang="en-GB" dirty="0"/>
+              <a:t>MIS Team focuses on the management of operational</a:t>
+            </a:r>
+          </a:p>
+          <a:p>
+            <a:r>
+              <a:rPr lang="en-GB" dirty="0"/>
+              <a:t>systems data which helps in efficient and effective</a:t>
+            </a:r>
+          </a:p>
+          <a:p>
+            <a:r>
+              <a:rPr lang="en-GB" dirty="0"/>
+              <a:t>strategic decision making.</a:t>
+            </a:r>
+          </a:p>
+          <a:p>
+            <a:r>
+              <a:rPr lang="en-GB" dirty="0"/>
+              <a:t>MIS plays a pivotal role in the organization and creates an</a:t>
+            </a:r>
+          </a:p>
+          <a:p>
+            <a:r>
+              <a:rPr lang="en-GB" dirty="0"/>
+              <a:t>impact on the organization’s functions, performance and</a:t>
+            </a:r>
+          </a:p>
+          <a:p>
+            <a:r>
+              <a:rPr lang="en-GB" dirty="0"/>
+              <a:t>productivity.</a:t>
+            </a:r>
+          </a:p>
+          <a:p>
+            <a:r>
+              <a:rPr lang="en-GB" dirty="0"/>
+              <a:t>It goes without saying that all managerial functions are</a:t>
+            </a:r>
+          </a:p>
+          <a:p>
+            <a:r>
+              <a:rPr lang="en-GB" dirty="0"/>
+              <a:t>performed through decision-making. For taking rational</a:t>
+            </a:r>
+          </a:p>
+          <a:p>
+            <a:r>
+              <a:rPr lang="en-GB" dirty="0"/>
+              <a:t>decision, timely and reliable information is essential and</a:t>
+            </a:r>
+          </a:p>
+          <a:p>
+            <a:r>
+              <a:rPr lang="en-GB" dirty="0"/>
+              <a:t>is procured through a logical and well-structured method</a:t>
+            </a:r>
+          </a:p>
+          <a:p>
+            <a:r>
+              <a:rPr lang="en-GB" dirty="0"/>
+              <a:t>of information collecting, processing and disseminating to</a:t>
+            </a:r>
+          </a:p>
+          <a:p>
+            <a:r>
+              <a:rPr lang="en-GB" dirty="0"/>
+              <a:t>decision makers. Such a method in the field of management</a:t>
+            </a:r>
+          </a:p>
+          <a:p>
+            <a:r>
+              <a:rPr lang="en-GB" dirty="0"/>
+              <a:t>is widely known as MIS.</a:t>
+            </a:r>
+            <a:endParaRPr lang="en-GB" dirty="0"/>
+          </a:p>
+        </p:txBody>
+      </p:sp>
     </p:spTree>
     <p:extLst>
       <p:ext uri="{BB962C8B-B14F-4D97-AF65-F5344CB8AC3E}">
-        <p14:creationId xmlns:p14="http://schemas.microsoft.com/office/powerpoint/2010/main" val="1462879094"/>
+        <p14:creationId xmlns:p14="http://schemas.microsoft.com/office/powerpoint/2010/main" val="2847854953"/>
       </p:ext>
     </p:extLst>
   </p:cSld>
@@ -13370,7 +13624,7 @@
       </p:grpSpPr>
       <p:sp>
         <p:nvSpPr>
-          <p:cNvPr id="9" name="Textplatzhalter 8"/>
+          <p:cNvPr id="11" name="Textplatzhalter 10"/>
           <p:cNvSpPr>
             <a:spLocks noGrp="1"/>
           </p:cNvSpPr>
@@ -13378,110 +13632,151 @@
             <p:ph type="body" sz="quarter" idx="19"/>
           </p:nvPr>
         </p:nvSpPr>
+        <p:spPr>
+          <a:xfrm>
+            <a:off x="0" y="8016"/>
+            <a:ext cx="7974008" cy="676049"/>
+          </a:xfrm>
+          <a:solidFill>
+            <a:schemeClr val="tx2">
+              <a:lumMod val="20000"/>
+              <a:lumOff val="80000"/>
+            </a:schemeClr>
+          </a:solidFill>
+          <a:ln>
+            <a:solidFill>
+              <a:schemeClr val="tx2">
+                <a:lumMod val="20000"/>
+                <a:lumOff val="80000"/>
+              </a:schemeClr>
+            </a:solidFill>
+          </a:ln>
+        </p:spPr>
+        <p:txBody>
+          <a:bodyPr/>
+          <a:lstStyle/>
+          <a:p>
+            <a:endParaRPr lang="de-DE" dirty="0"/>
+          </a:p>
+        </p:txBody>
+      </p:sp>
+      <p:sp>
+        <p:nvSpPr>
+          <p:cNvPr id="4" name="Foliennummernplatzhalter 3"/>
+          <p:cNvSpPr>
+            <a:spLocks noGrp="1"/>
+          </p:cNvSpPr>
+          <p:nvPr>
+            <p:ph type="sldNum" sz="quarter" idx="12"/>
+          </p:nvPr>
+        </p:nvSpPr>
         <p:spPr/>
         <p:txBody>
           <a:bodyPr/>
           <a:lstStyle/>
           <a:p>
-            <a:pPr marL="0" indent="0">
-              <a:buNone/>
-            </a:pPr>
-            <a:endParaRPr lang="de-DE" dirty="0"/>
-          </a:p>
-        </p:txBody>
-      </p:sp>
-      <p:pic>
-        <p:nvPicPr>
-          <p:cNvPr id="49" name="Grafik 8"/>
-          <p:cNvPicPr>
-            <a:picLocks noChangeAspect="1"/>
-          </p:cNvPicPr>
+            <a:fld id="{61201FF1-C63B-412E-ABF0-3D0E918900AC}" type="slidenum">
+              <a:rPr lang="en-GB" smtClean="0"/>
+              <a:pPr/>
+              <a:t>39</a:t>
+            </a:fld>
+            <a:endParaRPr lang="en-GB" dirty="0"/>
+          </a:p>
+        </p:txBody>
+      </p:sp>
+      <p:sp>
+        <p:nvSpPr>
+          <p:cNvPr id="2" name="Rectangle 1"/>
+          <p:cNvSpPr/>
           <p:nvPr/>
-        </p:nvPicPr>
-        <p:blipFill>
-          <a:blip r:embed="rId2">
-            <a:alphaModFix amt="45000"/>
-            <a:duotone>
-              <a:prstClr val="black"/>
-              <a:schemeClr val="tx2">
-                <a:tint val="45000"/>
-                <a:satMod val="400000"/>
-              </a:schemeClr>
-            </a:duotone>
-          </a:blip>
-          <a:stretch>
-            <a:fillRect/>
-          </a:stretch>
-        </p:blipFill>
+        </p:nvSpPr>
         <p:spPr>
           <a:xfrm>
-            <a:off x="4392613" y="421526"/>
-            <a:ext cx="4392612" cy="4834689"/>
+            <a:off x="125412" y="-50343"/>
+            <a:ext cx="8153400" cy="3139321"/>
           </a:xfrm>
           <a:prstGeom prst="rect">
             <a:avLst/>
           </a:prstGeom>
         </p:spPr>
-      </p:pic>
-      <p:sp>
-        <p:nvSpPr>
-          <p:cNvPr id="5" name="TextBox 4"/>
-          <p:cNvSpPr txBox="1"/>
-          <p:nvPr/>
-        </p:nvSpPr>
-        <p:spPr>
-          <a:xfrm>
-            <a:off x="506412" y="615117"/>
-            <a:ext cx="4572000" cy="1792770"/>
-          </a:xfrm>
-          <a:prstGeom prst="rect">
-            <a:avLst/>
-          </a:prstGeom>
-          <a:noFill/>
-        </p:spPr>
-        <p:txBody>
-          <a:bodyPr wrap="square" rtlCol="0">
+        <p:txBody>
+          <a:bodyPr wrap="square">
             <a:spAutoFit/>
           </a:bodyPr>
           <a:lstStyle/>
           <a:p>
-            <a:pPr algn="ctr"/>
-            <a:r>
-              <a:rPr lang="en-GB" sz="5400" b="1" dirty="0" smtClean="0">
-                <a:solidFill>
-                  <a:schemeClr val="bg1"/>
-                </a:solidFill>
-                <a:latin typeface="Allianz Serif" pitchFamily="50" charset="0"/>
-                <a:cs typeface="Times New Roman" panose="02020603050405020304" pitchFamily="18" charset="0"/>
-              </a:rPr>
-              <a:t>09</a:t>
-            </a:r>
-          </a:p>
-          <a:p>
-            <a:r>
-              <a:rPr lang="en-GB" sz="5400" b="1" dirty="0" smtClean="0">
-                <a:solidFill>
-                  <a:schemeClr val="bg1"/>
-                </a:solidFill>
-                <a:latin typeface="Allianz Serif" pitchFamily="50" charset="0"/>
-                <a:cs typeface="Times New Roman" panose="02020603050405020304" pitchFamily="18" charset="0"/>
-              </a:rPr>
-              <a:t>Participations</a:t>
-            </a:r>
-            <a:endParaRPr lang="en-GB" sz="5400" b="1" dirty="0">
-              <a:solidFill>
-                <a:schemeClr val="bg1"/>
-              </a:solidFill>
-              <a:latin typeface="Allianz Serif" pitchFamily="50" charset="0"/>
-              <a:cs typeface="Times New Roman" panose="02020603050405020304" pitchFamily="18" charset="0"/>
-            </a:endParaRPr>
+            <a:r>
+              <a:rPr lang="en-GB" b="1" dirty="0"/>
+              <a:t>WHAT MAKES MIS TEAM SO SPECIAL?</a:t>
+            </a:r>
+          </a:p>
+          <a:p>
+            <a:r>
+              <a:rPr lang="en-GB" dirty="0"/>
+              <a:t>Can be compared to the role of heart in the body;</a:t>
+            </a:r>
+          </a:p>
+          <a:p>
+            <a:r>
+              <a:rPr lang="en-GB" dirty="0"/>
+              <a:t>information as the blood and MIS the heart.</a:t>
+            </a:r>
+          </a:p>
+          <a:p>
+            <a:r>
+              <a:rPr lang="en-GB" dirty="0"/>
+              <a:t>MIS ensures that an appropriate data is collected from</a:t>
+            </a:r>
+          </a:p>
+          <a:p>
+            <a:r>
+              <a:rPr lang="en-GB" dirty="0"/>
+              <a:t>the various sources, processed and send further to all the</a:t>
+            </a:r>
+          </a:p>
+          <a:p>
+            <a:r>
+              <a:rPr lang="en-GB" dirty="0"/>
+              <a:t>needy destinations. The system is expected to fulfil the</a:t>
+            </a:r>
+          </a:p>
+          <a:p>
+            <a:r>
+              <a:rPr lang="en-GB" dirty="0"/>
+              <a:t>information needs of an individual, a group of individuals,</a:t>
+            </a:r>
+          </a:p>
+          <a:p>
+            <a:r>
+              <a:rPr lang="en-GB" dirty="0"/>
+              <a:t>the management functionaries: the managers and top</a:t>
+            </a:r>
+          </a:p>
+          <a:p>
+            <a:r>
+              <a:rPr lang="en-GB" dirty="0"/>
+              <a:t>management. Thus MIS helps in strategic planning,</a:t>
+            </a:r>
+          </a:p>
+          <a:p>
+            <a:r>
+              <a:rPr lang="en-GB" dirty="0"/>
+              <a:t>management control, operational control and transaction</a:t>
+            </a:r>
+          </a:p>
+          <a:p>
+            <a:r>
+              <a:rPr lang="en-GB" dirty="0"/>
+              <a:t>processing.</a:t>
+            </a:r>
+            <a:endParaRPr lang="en-GB" dirty="0"/>
           </a:p>
         </p:txBody>
       </p:sp>
     </p:spTree>
     <p:extLst>
       <p:ext uri="{BB962C8B-B14F-4D97-AF65-F5344CB8AC3E}">
-        <p14:creationId xmlns:p14="http://schemas.microsoft.com/office/powerpoint/2010/main" val="680084884"/>
+        <p14:creationId xmlns:p14="http://schemas.microsoft.com/office/powerpoint/2010/main" val="2847854953"/>
       </p:ext>
     </p:extLst>
   </p:cSld>
@@ -13717,10 +14012,66 @@
           </a:p>
         </p:txBody>
       </p:sp>
+      <p:pic>
+        <p:nvPicPr>
+          <p:cNvPr id="5" name="Picture 2"/>
+          <p:cNvPicPr>
+            <a:picLocks noGrp="1" noChangeAspect="1" noChangeArrowheads="1"/>
+          </p:cNvPicPr>
+          <p:nvPr>
+            <p:ph sz="quarter" idx="4294967295"/>
+          </p:nvPr>
+        </p:nvPicPr>
+        <p:blipFill>
+          <a:blip r:embed="rId2">
+            <a:extLst>
+              <a:ext uri="{28A0092B-C50C-407E-A947-70E740481C1C}">
+                <a14:useLocalDpi xmlns:a14="http://schemas.microsoft.com/office/drawing/2010/main" val="0"/>
+              </a:ext>
+            </a:extLst>
+          </a:blip>
+          <a:srcRect/>
+          <a:stretch>
+            <a:fillRect/>
+          </a:stretch>
+        </p:blipFill>
+        <p:spPr bwMode="auto">
+          <a:xfrm>
+            <a:off x="963612" y="418306"/>
+            <a:ext cx="6929090" cy="4648200"/>
+          </a:xfrm>
+          <a:prstGeom prst="rect">
+            <a:avLst/>
+          </a:prstGeom>
+          <a:noFill/>
+          <a:ln>
+            <a:noFill/>
+          </a:ln>
+          <a:extLst>
+            <a:ext uri="{909E8E84-426E-40DD-AFC4-6F175D3DCCD1}">
+              <a14:hiddenFill xmlns:a14="http://schemas.microsoft.com/office/drawing/2010/main">
+                <a:solidFill>
+                  <a:schemeClr val="accent1"/>
+                </a:solidFill>
+              </a14:hiddenFill>
+            </a:ext>
+            <a:ext uri="{91240B29-F687-4F45-9708-019B960494DF}">
+              <a14:hiddenLine xmlns:a14="http://schemas.microsoft.com/office/drawing/2010/main" w="9525">
+                <a:solidFill>
+                  <a:schemeClr val="tx1"/>
+                </a:solidFill>
+                <a:miter lim="800000"/>
+                <a:headEnd/>
+                <a:tailEnd/>
+              </a14:hiddenLine>
+            </a:ext>
+          </a:extLst>
+        </p:spPr>
+      </p:pic>
     </p:spTree>
     <p:extLst>
       <p:ext uri="{BB962C8B-B14F-4D97-AF65-F5344CB8AC3E}">
-        <p14:creationId xmlns:p14="http://schemas.microsoft.com/office/powerpoint/2010/main" val="1462879094"/>
+        <p14:creationId xmlns:p14="http://schemas.microsoft.com/office/powerpoint/2010/main" val="2847854953"/>
       </p:ext>
     </p:extLst>
   </p:cSld>
@@ -13730,7 +14081,129 @@
   <p:timing>
     <p:tnLst>
       <p:par>
-        <p:cTn id="1" dur="indefinite" restart="never" nodeType="tmRoot"/>
+        <p:cTn id="1" dur="indefinite" restart="never" nodeType="tmRoot">
+          <p:childTnLst>
+            <p:seq concurrent="1" nextAc="seek">
+              <p:cTn id="2" dur="indefinite" nodeType="mainSeq">
+                <p:childTnLst>
+                  <p:par>
+                    <p:cTn id="3" fill="hold">
+                      <p:stCondLst>
+                        <p:cond delay="indefinite"/>
+                      </p:stCondLst>
+                      <p:childTnLst>
+                        <p:par>
+                          <p:cTn id="4" fill="hold">
+                            <p:stCondLst>
+                              <p:cond delay="0"/>
+                            </p:stCondLst>
+                            <p:childTnLst>
+                              <p:par>
+                                <p:cTn id="5" presetID="53" presetClass="entr" presetSubtype="16" fill="hold" nodeType="clickEffect">
+                                  <p:stCondLst>
+                                    <p:cond delay="0"/>
+                                  </p:stCondLst>
+                                  <p:childTnLst>
+                                    <p:set>
+                                      <p:cBhvr>
+                                        <p:cTn id="6" dur="1" fill="hold">
+                                          <p:stCondLst>
+                                            <p:cond delay="0"/>
+                                          </p:stCondLst>
+                                        </p:cTn>
+                                        <p:tgtEl>
+                                          <p:spTgt spid="5"/>
+                                        </p:tgtEl>
+                                        <p:attrNameLst>
+                                          <p:attrName>style.visibility</p:attrName>
+                                        </p:attrNameLst>
+                                      </p:cBhvr>
+                                      <p:to>
+                                        <p:strVal val="visible"/>
+                                      </p:to>
+                                    </p:set>
+                                    <p:anim calcmode="lin" valueType="num">
+                                      <p:cBhvr>
+                                        <p:cTn id="7" dur="500" fill="hold"/>
+                                        <p:tgtEl>
+                                          <p:spTgt spid="5"/>
+                                        </p:tgtEl>
+                                        <p:attrNameLst>
+                                          <p:attrName>ppt_w</p:attrName>
+                                        </p:attrNameLst>
+                                      </p:cBhvr>
+                                      <p:tavLst>
+                                        <p:tav tm="0">
+                                          <p:val>
+                                            <p:fltVal val="0"/>
+                                          </p:val>
+                                        </p:tav>
+                                        <p:tav tm="100000">
+                                          <p:val>
+                                            <p:strVal val="#ppt_w"/>
+                                          </p:val>
+                                        </p:tav>
+                                      </p:tavLst>
+                                    </p:anim>
+                                    <p:anim calcmode="lin" valueType="num">
+                                      <p:cBhvr>
+                                        <p:cTn id="8" dur="500" fill="hold"/>
+                                        <p:tgtEl>
+                                          <p:spTgt spid="5"/>
+                                        </p:tgtEl>
+                                        <p:attrNameLst>
+                                          <p:attrName>ppt_h</p:attrName>
+                                        </p:attrNameLst>
+                                      </p:cBhvr>
+                                      <p:tavLst>
+                                        <p:tav tm="0">
+                                          <p:val>
+                                            <p:fltVal val="0"/>
+                                          </p:val>
+                                        </p:tav>
+                                        <p:tav tm="100000">
+                                          <p:val>
+                                            <p:strVal val="#ppt_h"/>
+                                          </p:val>
+                                        </p:tav>
+                                      </p:tavLst>
+                                    </p:anim>
+                                    <p:animEffect transition="in" filter="fade">
+                                      <p:cBhvr>
+                                        <p:cTn id="9" dur="500"/>
+                                        <p:tgtEl>
+                                          <p:spTgt spid="5"/>
+                                        </p:tgtEl>
+                                      </p:cBhvr>
+                                    </p:animEffect>
+                                  </p:childTnLst>
+                                </p:cTn>
+                              </p:par>
+                            </p:childTnLst>
+                          </p:cTn>
+                        </p:par>
+                      </p:childTnLst>
+                    </p:cTn>
+                  </p:par>
+                </p:childTnLst>
+              </p:cTn>
+              <p:prevCondLst>
+                <p:cond evt="onPrev" delay="0">
+                  <p:tgtEl>
+                    <p:sldTgt/>
+                  </p:tgtEl>
+                </p:cond>
+              </p:prevCondLst>
+              <p:nextCondLst>
+                <p:cond evt="onNext" delay="0">
+                  <p:tgtEl>
+                    <p:sldTgt/>
+                  </p:tgtEl>
+                </p:cond>
+              </p:nextCondLst>
+            </p:seq>
+          </p:childTnLst>
+        </p:cTn>
       </p:par>
     </p:tnLst>
   </p:timing>
@@ -13756,6 +14229,44 @@
       </p:grpSpPr>
       <p:sp>
         <p:nvSpPr>
+          <p:cNvPr id="11" name="Textplatzhalter 10"/>
+          <p:cNvSpPr>
+            <a:spLocks noGrp="1"/>
+          </p:cNvSpPr>
+          <p:nvPr>
+            <p:ph type="body" sz="quarter" idx="19"/>
+          </p:nvPr>
+        </p:nvSpPr>
+        <p:spPr>
+          <a:xfrm>
+            <a:off x="0" y="8016"/>
+            <a:ext cx="7974008" cy="676049"/>
+          </a:xfrm>
+          <a:solidFill>
+            <a:schemeClr val="tx2">
+              <a:lumMod val="20000"/>
+              <a:lumOff val="80000"/>
+            </a:schemeClr>
+          </a:solidFill>
+          <a:ln>
+            <a:solidFill>
+              <a:schemeClr val="tx2">
+                <a:lumMod val="20000"/>
+                <a:lumOff val="80000"/>
+              </a:schemeClr>
+            </a:solidFill>
+          </a:ln>
+        </p:spPr>
+        <p:txBody>
+          <a:bodyPr/>
+          <a:lstStyle/>
+          <a:p>
+            <a:endParaRPr lang="de-DE" dirty="0"/>
+          </a:p>
+        </p:txBody>
+      </p:sp>
+      <p:sp>
+        <p:nvSpPr>
           <p:cNvPr id="4" name="Foliennummernplatzhalter 3"/>
           <p:cNvSpPr>
             <a:spLocks noGrp="1"/>
@@ -13773,6 +14284,884 @@
               <a:rPr lang="en-GB" smtClean="0"/>
               <a:pPr/>
               <a:t>41</a:t>
+            </a:fld>
+            <a:endParaRPr lang="en-GB" dirty="0"/>
+          </a:p>
+        </p:txBody>
+      </p:sp>
+      <p:sp>
+        <p:nvSpPr>
+          <p:cNvPr id="2" name="Rectangle 1"/>
+          <p:cNvSpPr/>
+          <p:nvPr/>
+        </p:nvSpPr>
+        <p:spPr>
+          <a:xfrm>
+            <a:off x="201612" y="-267494"/>
+            <a:ext cx="8077200" cy="4524315"/>
+          </a:xfrm>
+          <a:prstGeom prst="rect">
+            <a:avLst/>
+          </a:prstGeom>
+        </p:spPr>
+        <p:txBody>
+          <a:bodyPr wrap="square">
+            <a:spAutoFit/>
+          </a:bodyPr>
+          <a:lstStyle/>
+          <a:p>
+            <a:r>
+              <a:rPr lang="en-GB" b="1" dirty="0"/>
+              <a:t>CUSTOMER GROUP?</a:t>
+            </a:r>
+          </a:p>
+          <a:p>
+            <a:r>
+              <a:rPr lang="en-GB" b="1" dirty="0"/>
+              <a:t>Actuarial and Planning </a:t>
+            </a:r>
+            <a:r>
+              <a:rPr lang="en-GB" dirty="0"/>
+              <a:t>- Provides the GLM data for</a:t>
+            </a:r>
+          </a:p>
+          <a:p>
+            <a:r>
+              <a:rPr lang="en-GB" dirty="0"/>
+              <a:t>statistical analysis</a:t>
+            </a:r>
+          </a:p>
+          <a:p>
+            <a:r>
+              <a:rPr lang="en-GB" b="1" dirty="0"/>
+              <a:t>Accounts Team </a:t>
+            </a:r>
+            <a:r>
+              <a:rPr lang="en-GB" dirty="0"/>
+              <a:t>- Supports Accounts team in the</a:t>
+            </a:r>
+          </a:p>
+          <a:p>
+            <a:r>
+              <a:rPr lang="en-GB" dirty="0"/>
+              <a:t>generation of reconciliation reports between different</a:t>
+            </a:r>
+          </a:p>
+          <a:p>
+            <a:r>
+              <a:rPr lang="en-GB" dirty="0"/>
+              <a:t>systems and sends inputs to SAP</a:t>
+            </a:r>
+          </a:p>
+          <a:p>
+            <a:r>
+              <a:rPr lang="en-GB" b="1" dirty="0"/>
+              <a:t>Commercial Lines Business Users </a:t>
+            </a:r>
+            <a:r>
+              <a:rPr lang="en-GB" dirty="0"/>
+              <a:t>- Provides reports</a:t>
+            </a:r>
+          </a:p>
+          <a:p>
+            <a:r>
+              <a:rPr lang="en-GB" dirty="0"/>
+              <a:t>on different date basis (E.g. Financial date basis, Effective</a:t>
+            </a:r>
+          </a:p>
+          <a:p>
+            <a:r>
+              <a:rPr lang="en-GB" dirty="0"/>
+              <a:t>date basis, Underwriting date basis and Triangle reports</a:t>
+            </a:r>
+            <a:r>
+              <a:rPr lang="en-GB" dirty="0" smtClean="0"/>
+              <a:t>)</a:t>
+            </a:r>
+          </a:p>
+          <a:p>
+            <a:r>
+              <a:rPr lang="en-GB" dirty="0" smtClean="0"/>
+              <a:t> </a:t>
+            </a:r>
+            <a:r>
+              <a:rPr lang="en-GB" b="1" dirty="0" smtClean="0"/>
+              <a:t>Retail </a:t>
+            </a:r>
+            <a:r>
+              <a:rPr lang="en-GB" b="1" dirty="0"/>
+              <a:t>Business </a:t>
+            </a:r>
+            <a:r>
+              <a:rPr lang="en-GB" dirty="0"/>
+              <a:t>– A number of reports for Retail Direct,</a:t>
+            </a:r>
+          </a:p>
+          <a:p>
+            <a:r>
+              <a:rPr lang="en-GB" dirty="0"/>
+              <a:t>Retail Broker and Retail Corporate Partners (Schemes)</a:t>
+            </a:r>
+          </a:p>
+          <a:p>
+            <a:r>
+              <a:rPr lang="en-GB" dirty="0"/>
+              <a:t>[E.g. Triangles, Portfolio based reports, Profitability reports]</a:t>
+            </a:r>
+          </a:p>
+          <a:p>
+            <a:r>
+              <a:rPr lang="en-GB" b="1" dirty="0"/>
+              <a:t>Claims Business </a:t>
+            </a:r>
+            <a:r>
+              <a:rPr lang="en-GB" dirty="0"/>
+              <a:t>- Generates Dashboards, Web reports</a:t>
+            </a:r>
+          </a:p>
+          <a:p>
+            <a:r>
+              <a:rPr lang="en-GB" dirty="0"/>
+              <a:t>and Claims Specialist reports</a:t>
+            </a:r>
+          </a:p>
+          <a:p>
+            <a:r>
+              <a:rPr lang="en-GB" b="1" dirty="0"/>
+              <a:t>Senior Managers </a:t>
+            </a:r>
+            <a:r>
+              <a:rPr lang="en-GB" dirty="0"/>
+              <a:t>- Financial Results Pack and Daily claims</a:t>
+            </a:r>
+          </a:p>
+          <a:p>
+            <a:r>
+              <a:rPr lang="en-GB" dirty="0"/>
+              <a:t>alert reports</a:t>
+            </a:r>
+            <a:endParaRPr lang="en-GB" dirty="0"/>
+          </a:p>
+        </p:txBody>
+      </p:sp>
+    </p:spTree>
+    <p:extLst>
+      <p:ext uri="{BB962C8B-B14F-4D97-AF65-F5344CB8AC3E}">
+        <p14:creationId xmlns:p14="http://schemas.microsoft.com/office/powerpoint/2010/main" val="1967515922"/>
+      </p:ext>
+    </p:extLst>
+  </p:cSld>
+  <p:clrMapOvr>
+    <a:masterClrMapping/>
+  </p:clrMapOvr>
+  <p:timing>
+    <p:tnLst>
+      <p:par>
+        <p:cTn id="1" dur="indefinite" restart="never" nodeType="tmRoot"/>
+      </p:par>
+    </p:tnLst>
+  </p:timing>
+</p:sld>
+</file>
+
+<file path=ppt/slides/slide42.xml><?xml version="1.0" encoding="utf-8"?>
+<p:sld xmlns:a="http://schemas.openxmlformats.org/drawingml/2006/main" xmlns:r="http://schemas.openxmlformats.org/officeDocument/2006/relationships" xmlns:p="http://schemas.openxmlformats.org/presentationml/2006/main">
+  <p:cSld>
+    <p:spTree>
+      <p:nvGrpSpPr>
+        <p:cNvPr id="1" name=""/>
+        <p:cNvGrpSpPr/>
+        <p:nvPr/>
+      </p:nvGrpSpPr>
+      <p:grpSpPr>
+        <a:xfrm>
+          <a:off x="0" y="0"/>
+          <a:ext cx="0" cy="0"/>
+          <a:chOff x="0" y="0"/>
+          <a:chExt cx="0" cy="0"/>
+        </a:xfrm>
+      </p:grpSpPr>
+      <p:sp>
+        <p:nvSpPr>
+          <p:cNvPr id="11" name="Textplatzhalter 10"/>
+          <p:cNvSpPr>
+            <a:spLocks noGrp="1"/>
+          </p:cNvSpPr>
+          <p:nvPr>
+            <p:ph type="body" sz="quarter" idx="19"/>
+          </p:nvPr>
+        </p:nvSpPr>
+        <p:spPr>
+          <a:xfrm>
+            <a:off x="0" y="8016"/>
+            <a:ext cx="7974008" cy="676049"/>
+          </a:xfrm>
+          <a:solidFill>
+            <a:schemeClr val="tx2">
+              <a:lumMod val="20000"/>
+              <a:lumOff val="80000"/>
+            </a:schemeClr>
+          </a:solidFill>
+          <a:ln>
+            <a:solidFill>
+              <a:schemeClr val="tx2">
+                <a:lumMod val="20000"/>
+                <a:lumOff val="80000"/>
+              </a:schemeClr>
+            </a:solidFill>
+          </a:ln>
+        </p:spPr>
+        <p:txBody>
+          <a:bodyPr/>
+          <a:lstStyle/>
+          <a:p>
+            <a:endParaRPr lang="de-DE" dirty="0"/>
+          </a:p>
+        </p:txBody>
+      </p:sp>
+      <p:sp>
+        <p:nvSpPr>
+          <p:cNvPr id="4" name="Foliennummernplatzhalter 3"/>
+          <p:cNvSpPr>
+            <a:spLocks noGrp="1"/>
+          </p:cNvSpPr>
+          <p:nvPr>
+            <p:ph type="sldNum" sz="quarter" idx="12"/>
+          </p:nvPr>
+        </p:nvSpPr>
+        <p:spPr/>
+        <p:txBody>
+          <a:bodyPr/>
+          <a:lstStyle/>
+          <a:p>
+            <a:fld id="{61201FF1-C63B-412E-ABF0-3D0E918900AC}" type="slidenum">
+              <a:rPr lang="en-GB" smtClean="0"/>
+              <a:pPr/>
+              <a:t>42</a:t>
+            </a:fld>
+            <a:endParaRPr lang="en-GB" dirty="0"/>
+          </a:p>
+        </p:txBody>
+      </p:sp>
+      <p:sp>
+        <p:nvSpPr>
+          <p:cNvPr id="2" name="Rectangle 1"/>
+          <p:cNvSpPr/>
+          <p:nvPr/>
+        </p:nvSpPr>
+        <p:spPr>
+          <a:xfrm>
+            <a:off x="2197100" y="1334652"/>
+            <a:ext cx="4391025" cy="2862322"/>
+          </a:xfrm>
+          <a:prstGeom prst="rect">
+            <a:avLst/>
+          </a:prstGeom>
+        </p:spPr>
+        <p:txBody>
+          <a:bodyPr>
+            <a:spAutoFit/>
+          </a:bodyPr>
+          <a:lstStyle/>
+          <a:p>
+            <a:r>
+              <a:rPr lang="en-GB" dirty="0" smtClean="0"/>
+              <a:t>Technology</a:t>
+            </a:r>
+          </a:p>
+          <a:p>
+            <a:r>
+              <a:rPr lang="en-GB" dirty="0" smtClean="0"/>
+              <a:t>Primary </a:t>
+            </a:r>
+            <a:r>
+              <a:rPr lang="en-GB" dirty="0"/>
+              <a:t>Technology: SAS Base: Macros/Base</a:t>
+            </a:r>
+          </a:p>
+          <a:p>
+            <a:r>
+              <a:rPr lang="en-GB" dirty="0"/>
+              <a:t>SAS BI: SAS OLAP Cube Studio/ SAS Web Report Studio/ SAS Information</a:t>
+            </a:r>
+          </a:p>
+          <a:p>
+            <a:r>
+              <a:rPr lang="en-GB" dirty="0"/>
+              <a:t>Delivery Portal/ SAS Data Integration Studio/SAS Enterprise</a:t>
+            </a:r>
+          </a:p>
+          <a:p>
+            <a:r>
+              <a:rPr lang="fr-FR" dirty="0"/>
+              <a:t>Guide/SAS Information </a:t>
+            </a:r>
+            <a:r>
+              <a:rPr lang="fr-FR" dirty="0" err="1"/>
+              <a:t>Map</a:t>
+            </a:r>
+            <a:r>
+              <a:rPr lang="fr-FR" dirty="0"/>
+              <a:t> Studio/SAS Management Console</a:t>
+            </a:r>
+          </a:p>
+          <a:p>
+            <a:r>
+              <a:rPr lang="en-GB" dirty="0"/>
+              <a:t>Supportive Technologies: Mainframes, UNIX, Windows and Oracle</a:t>
+            </a:r>
+            <a:endParaRPr lang="en-GB" dirty="0"/>
+          </a:p>
+        </p:txBody>
+      </p:sp>
+    </p:spTree>
+    <p:extLst>
+      <p:ext uri="{BB962C8B-B14F-4D97-AF65-F5344CB8AC3E}">
+        <p14:creationId xmlns:p14="http://schemas.microsoft.com/office/powerpoint/2010/main" val="1530183752"/>
+      </p:ext>
+    </p:extLst>
+  </p:cSld>
+  <p:clrMapOvr>
+    <a:masterClrMapping/>
+  </p:clrMapOvr>
+  <p:timing>
+    <p:tnLst>
+      <p:par>
+        <p:cTn id="1" dur="indefinite" restart="never" nodeType="tmRoot"/>
+      </p:par>
+    </p:tnLst>
+  </p:timing>
+</p:sld>
+</file>
+
+<file path=ppt/slides/slide43.xml><?xml version="1.0" encoding="utf-8"?>
+<p:sld xmlns:a="http://schemas.openxmlformats.org/drawingml/2006/main" xmlns:r="http://schemas.openxmlformats.org/officeDocument/2006/relationships" xmlns:p="http://schemas.openxmlformats.org/presentationml/2006/main">
+  <p:cSld>
+    <p:spTree>
+      <p:nvGrpSpPr>
+        <p:cNvPr id="1" name=""/>
+        <p:cNvGrpSpPr/>
+        <p:nvPr/>
+      </p:nvGrpSpPr>
+      <p:grpSpPr>
+        <a:xfrm>
+          <a:off x="0" y="0"/>
+          <a:ext cx="0" cy="0"/>
+          <a:chOff x="0" y="0"/>
+          <a:chExt cx="0" cy="0"/>
+        </a:xfrm>
+      </p:grpSpPr>
+      <p:sp>
+        <p:nvSpPr>
+          <p:cNvPr id="9" name="Textplatzhalter 8"/>
+          <p:cNvSpPr>
+            <a:spLocks noGrp="1"/>
+          </p:cNvSpPr>
+          <p:nvPr>
+            <p:ph type="body" sz="quarter" idx="19"/>
+          </p:nvPr>
+        </p:nvSpPr>
+        <p:spPr/>
+        <p:txBody>
+          <a:bodyPr/>
+          <a:lstStyle/>
+          <a:p>
+            <a:pPr marL="0" indent="0">
+              <a:buNone/>
+            </a:pPr>
+            <a:endParaRPr lang="de-DE" dirty="0"/>
+          </a:p>
+        </p:txBody>
+      </p:sp>
+      <p:pic>
+        <p:nvPicPr>
+          <p:cNvPr id="49" name="Grafik 8"/>
+          <p:cNvPicPr>
+            <a:picLocks noChangeAspect="1"/>
+          </p:cNvPicPr>
+          <p:nvPr/>
+        </p:nvPicPr>
+        <p:blipFill>
+          <a:blip r:embed="rId2">
+            <a:alphaModFix amt="45000"/>
+            <a:duotone>
+              <a:prstClr val="black"/>
+              <a:schemeClr val="tx2">
+                <a:tint val="45000"/>
+                <a:satMod val="400000"/>
+              </a:schemeClr>
+            </a:duotone>
+          </a:blip>
+          <a:stretch>
+            <a:fillRect/>
+          </a:stretch>
+        </p:blipFill>
+        <p:spPr>
+          <a:xfrm>
+            <a:off x="4392613" y="421526"/>
+            <a:ext cx="4392612" cy="4834689"/>
+          </a:xfrm>
+          <a:prstGeom prst="rect">
+            <a:avLst/>
+          </a:prstGeom>
+        </p:spPr>
+      </p:pic>
+      <p:sp>
+        <p:nvSpPr>
+          <p:cNvPr id="5" name="TextBox 4"/>
+          <p:cNvSpPr txBox="1"/>
+          <p:nvPr/>
+        </p:nvSpPr>
+        <p:spPr>
+          <a:xfrm>
+            <a:off x="735012" y="615117"/>
+            <a:ext cx="2362200" cy="1792770"/>
+          </a:xfrm>
+          <a:prstGeom prst="rect">
+            <a:avLst/>
+          </a:prstGeom>
+          <a:noFill/>
+        </p:spPr>
+        <p:txBody>
+          <a:bodyPr wrap="square" rtlCol="0">
+            <a:spAutoFit/>
+          </a:bodyPr>
+          <a:lstStyle/>
+          <a:p>
+            <a:pPr algn="ctr"/>
+            <a:r>
+              <a:rPr lang="en-GB" sz="5400" b="1" dirty="0" smtClean="0">
+                <a:solidFill>
+                  <a:schemeClr val="bg1"/>
+                </a:solidFill>
+                <a:latin typeface="Allianz Serif" pitchFamily="50" charset="0"/>
+                <a:cs typeface="Times New Roman" panose="02020603050405020304" pitchFamily="18" charset="0"/>
+              </a:rPr>
+              <a:t>08</a:t>
+            </a:r>
+          </a:p>
+          <a:p>
+            <a:r>
+              <a:rPr lang="en-GB" sz="5400" b="1" dirty="0" smtClean="0">
+                <a:solidFill>
+                  <a:schemeClr val="bg1"/>
+                </a:solidFill>
+                <a:latin typeface="Allianz Serif" pitchFamily="50" charset="0"/>
+                <a:cs typeface="Times New Roman" panose="02020603050405020304" pitchFamily="18" charset="0"/>
+              </a:rPr>
+              <a:t>Claims</a:t>
+            </a:r>
+            <a:endParaRPr lang="en-GB" sz="5400" b="1" dirty="0">
+              <a:solidFill>
+                <a:schemeClr val="bg1"/>
+              </a:solidFill>
+              <a:latin typeface="Allianz Serif" pitchFamily="50" charset="0"/>
+              <a:cs typeface="Times New Roman" panose="02020603050405020304" pitchFamily="18" charset="0"/>
+            </a:endParaRPr>
+          </a:p>
+        </p:txBody>
+      </p:sp>
+    </p:spTree>
+    <p:extLst>
+      <p:ext uri="{BB962C8B-B14F-4D97-AF65-F5344CB8AC3E}">
+        <p14:creationId xmlns:p14="http://schemas.microsoft.com/office/powerpoint/2010/main" val="680084884"/>
+      </p:ext>
+    </p:extLst>
+  </p:cSld>
+  <p:clrMapOvr>
+    <a:masterClrMapping/>
+  </p:clrMapOvr>
+  <p:timing>
+    <p:tnLst>
+      <p:par>
+        <p:cTn id="1" dur="indefinite" restart="never" nodeType="tmRoot"/>
+      </p:par>
+    </p:tnLst>
+  </p:timing>
+</p:sld>
+</file>
+
+<file path=ppt/slides/slide44.xml><?xml version="1.0" encoding="utf-8"?>
+<p:sld xmlns:a="http://schemas.openxmlformats.org/drawingml/2006/main" xmlns:r="http://schemas.openxmlformats.org/officeDocument/2006/relationships" xmlns:p="http://schemas.openxmlformats.org/presentationml/2006/main">
+  <p:cSld>
+    <p:spTree>
+      <p:nvGrpSpPr>
+        <p:cNvPr id="1" name=""/>
+        <p:cNvGrpSpPr/>
+        <p:nvPr/>
+      </p:nvGrpSpPr>
+      <p:grpSpPr>
+        <a:xfrm>
+          <a:off x="0" y="0"/>
+          <a:ext cx="0" cy="0"/>
+          <a:chOff x="0" y="0"/>
+          <a:chExt cx="0" cy="0"/>
+        </a:xfrm>
+      </p:grpSpPr>
+      <p:sp>
+        <p:nvSpPr>
+          <p:cNvPr id="11" name="Textplatzhalter 10"/>
+          <p:cNvSpPr>
+            <a:spLocks noGrp="1"/>
+          </p:cNvSpPr>
+          <p:nvPr>
+            <p:ph type="body" sz="quarter" idx="19"/>
+          </p:nvPr>
+        </p:nvSpPr>
+        <p:spPr>
+          <a:xfrm>
+            <a:off x="0" y="8016"/>
+            <a:ext cx="7974008" cy="676049"/>
+          </a:xfrm>
+          <a:solidFill>
+            <a:schemeClr val="tx2">
+              <a:lumMod val="20000"/>
+              <a:lumOff val="80000"/>
+            </a:schemeClr>
+          </a:solidFill>
+          <a:ln>
+            <a:solidFill>
+              <a:schemeClr val="tx2">
+                <a:lumMod val="20000"/>
+                <a:lumOff val="80000"/>
+              </a:schemeClr>
+            </a:solidFill>
+          </a:ln>
+        </p:spPr>
+        <p:txBody>
+          <a:bodyPr/>
+          <a:lstStyle/>
+          <a:p>
+            <a:endParaRPr lang="de-DE" dirty="0"/>
+          </a:p>
+        </p:txBody>
+      </p:sp>
+      <p:sp>
+        <p:nvSpPr>
+          <p:cNvPr id="4" name="Foliennummernplatzhalter 3"/>
+          <p:cNvSpPr>
+            <a:spLocks noGrp="1"/>
+          </p:cNvSpPr>
+          <p:nvPr>
+            <p:ph type="sldNum" sz="quarter" idx="12"/>
+          </p:nvPr>
+        </p:nvSpPr>
+        <p:spPr/>
+        <p:txBody>
+          <a:bodyPr/>
+          <a:lstStyle/>
+          <a:p>
+            <a:fld id="{61201FF1-C63B-412E-ABF0-3D0E918900AC}" type="slidenum">
+              <a:rPr lang="en-GB" smtClean="0"/>
+              <a:pPr/>
+              <a:t>44</a:t>
+            </a:fld>
+            <a:endParaRPr lang="en-GB" dirty="0"/>
+          </a:p>
+        </p:txBody>
+      </p:sp>
+    </p:spTree>
+    <p:extLst>
+      <p:ext uri="{BB962C8B-B14F-4D97-AF65-F5344CB8AC3E}">
+        <p14:creationId xmlns:p14="http://schemas.microsoft.com/office/powerpoint/2010/main" val="1462879094"/>
+      </p:ext>
+    </p:extLst>
+  </p:cSld>
+  <p:clrMapOvr>
+    <a:masterClrMapping/>
+  </p:clrMapOvr>
+  <p:timing>
+    <p:tnLst>
+      <p:par>
+        <p:cTn id="1" dur="indefinite" restart="never" nodeType="tmRoot"/>
+      </p:par>
+    </p:tnLst>
+  </p:timing>
+</p:sld>
+</file>
+
+<file path=ppt/slides/slide45.xml><?xml version="1.0" encoding="utf-8"?>
+<p:sld xmlns:a="http://schemas.openxmlformats.org/drawingml/2006/main" xmlns:r="http://schemas.openxmlformats.org/officeDocument/2006/relationships" xmlns:p="http://schemas.openxmlformats.org/presentationml/2006/main">
+  <p:cSld>
+    <p:spTree>
+      <p:nvGrpSpPr>
+        <p:cNvPr id="1" name=""/>
+        <p:cNvGrpSpPr/>
+        <p:nvPr/>
+      </p:nvGrpSpPr>
+      <p:grpSpPr>
+        <a:xfrm>
+          <a:off x="0" y="0"/>
+          <a:ext cx="0" cy="0"/>
+          <a:chOff x="0" y="0"/>
+          <a:chExt cx="0" cy="0"/>
+        </a:xfrm>
+      </p:grpSpPr>
+      <p:sp>
+        <p:nvSpPr>
+          <p:cNvPr id="9" name="Textplatzhalter 8"/>
+          <p:cNvSpPr>
+            <a:spLocks noGrp="1"/>
+          </p:cNvSpPr>
+          <p:nvPr>
+            <p:ph type="body" sz="quarter" idx="19"/>
+          </p:nvPr>
+        </p:nvSpPr>
+        <p:spPr/>
+        <p:txBody>
+          <a:bodyPr/>
+          <a:lstStyle/>
+          <a:p>
+            <a:pPr marL="0" indent="0">
+              <a:buNone/>
+            </a:pPr>
+            <a:endParaRPr lang="de-DE" dirty="0"/>
+          </a:p>
+        </p:txBody>
+      </p:sp>
+      <p:pic>
+        <p:nvPicPr>
+          <p:cNvPr id="49" name="Grafik 8"/>
+          <p:cNvPicPr>
+            <a:picLocks noChangeAspect="1"/>
+          </p:cNvPicPr>
+          <p:nvPr/>
+        </p:nvPicPr>
+        <p:blipFill>
+          <a:blip r:embed="rId2">
+            <a:alphaModFix amt="45000"/>
+            <a:duotone>
+              <a:prstClr val="black"/>
+              <a:schemeClr val="tx2">
+                <a:tint val="45000"/>
+                <a:satMod val="400000"/>
+              </a:schemeClr>
+            </a:duotone>
+          </a:blip>
+          <a:stretch>
+            <a:fillRect/>
+          </a:stretch>
+        </p:blipFill>
+        <p:spPr>
+          <a:xfrm>
+            <a:off x="4392613" y="421526"/>
+            <a:ext cx="4392612" cy="4834689"/>
+          </a:xfrm>
+          <a:prstGeom prst="rect">
+            <a:avLst/>
+          </a:prstGeom>
+        </p:spPr>
+      </p:pic>
+      <p:sp>
+        <p:nvSpPr>
+          <p:cNvPr id="5" name="TextBox 4"/>
+          <p:cNvSpPr txBox="1"/>
+          <p:nvPr/>
+        </p:nvSpPr>
+        <p:spPr>
+          <a:xfrm>
+            <a:off x="506412" y="615117"/>
+            <a:ext cx="4572000" cy="1792770"/>
+          </a:xfrm>
+          <a:prstGeom prst="rect">
+            <a:avLst/>
+          </a:prstGeom>
+          <a:noFill/>
+        </p:spPr>
+        <p:txBody>
+          <a:bodyPr wrap="square" rtlCol="0">
+            <a:spAutoFit/>
+          </a:bodyPr>
+          <a:lstStyle/>
+          <a:p>
+            <a:pPr algn="ctr"/>
+            <a:r>
+              <a:rPr lang="en-GB" sz="5400" b="1" dirty="0" smtClean="0">
+                <a:solidFill>
+                  <a:schemeClr val="bg1"/>
+                </a:solidFill>
+                <a:latin typeface="Allianz Serif" pitchFamily="50" charset="0"/>
+                <a:cs typeface="Times New Roman" panose="02020603050405020304" pitchFamily="18" charset="0"/>
+              </a:rPr>
+              <a:t>09</a:t>
+            </a:r>
+          </a:p>
+          <a:p>
+            <a:r>
+              <a:rPr lang="en-GB" sz="5400" b="1" dirty="0" smtClean="0">
+                <a:solidFill>
+                  <a:schemeClr val="bg1"/>
+                </a:solidFill>
+                <a:latin typeface="Allianz Serif" pitchFamily="50" charset="0"/>
+                <a:cs typeface="Times New Roman" panose="02020603050405020304" pitchFamily="18" charset="0"/>
+              </a:rPr>
+              <a:t>Participations</a:t>
+            </a:r>
+            <a:endParaRPr lang="en-GB" sz="5400" b="1" dirty="0">
+              <a:solidFill>
+                <a:schemeClr val="bg1"/>
+              </a:solidFill>
+              <a:latin typeface="Allianz Serif" pitchFamily="50" charset="0"/>
+              <a:cs typeface="Times New Roman" panose="02020603050405020304" pitchFamily="18" charset="0"/>
+            </a:endParaRPr>
+          </a:p>
+        </p:txBody>
+      </p:sp>
+    </p:spTree>
+    <p:extLst>
+      <p:ext uri="{BB962C8B-B14F-4D97-AF65-F5344CB8AC3E}">
+        <p14:creationId xmlns:p14="http://schemas.microsoft.com/office/powerpoint/2010/main" val="680084884"/>
+      </p:ext>
+    </p:extLst>
+  </p:cSld>
+  <p:clrMapOvr>
+    <a:masterClrMapping/>
+  </p:clrMapOvr>
+  <p:timing>
+    <p:tnLst>
+      <p:par>
+        <p:cTn id="1" dur="indefinite" restart="never" nodeType="tmRoot"/>
+      </p:par>
+    </p:tnLst>
+  </p:timing>
+</p:sld>
+</file>
+
+<file path=ppt/slides/slide46.xml><?xml version="1.0" encoding="utf-8"?>
+<p:sld xmlns:a="http://schemas.openxmlformats.org/drawingml/2006/main" xmlns:r="http://schemas.openxmlformats.org/officeDocument/2006/relationships" xmlns:p="http://schemas.openxmlformats.org/presentationml/2006/main">
+  <p:cSld>
+    <p:spTree>
+      <p:nvGrpSpPr>
+        <p:cNvPr id="1" name=""/>
+        <p:cNvGrpSpPr/>
+        <p:nvPr/>
+      </p:nvGrpSpPr>
+      <p:grpSpPr>
+        <a:xfrm>
+          <a:off x="0" y="0"/>
+          <a:ext cx="0" cy="0"/>
+          <a:chOff x="0" y="0"/>
+          <a:chExt cx="0" cy="0"/>
+        </a:xfrm>
+      </p:grpSpPr>
+      <p:sp>
+        <p:nvSpPr>
+          <p:cNvPr id="11" name="Textplatzhalter 10"/>
+          <p:cNvSpPr>
+            <a:spLocks noGrp="1"/>
+          </p:cNvSpPr>
+          <p:nvPr>
+            <p:ph type="body" sz="quarter" idx="19"/>
+          </p:nvPr>
+        </p:nvSpPr>
+        <p:spPr>
+          <a:xfrm>
+            <a:off x="0" y="8016"/>
+            <a:ext cx="7974008" cy="676049"/>
+          </a:xfrm>
+          <a:solidFill>
+            <a:schemeClr val="tx2">
+              <a:lumMod val="20000"/>
+              <a:lumOff val="80000"/>
+            </a:schemeClr>
+          </a:solidFill>
+          <a:ln>
+            <a:solidFill>
+              <a:schemeClr val="tx2">
+                <a:lumMod val="20000"/>
+                <a:lumOff val="80000"/>
+              </a:schemeClr>
+            </a:solidFill>
+          </a:ln>
+        </p:spPr>
+        <p:txBody>
+          <a:bodyPr/>
+          <a:lstStyle/>
+          <a:p>
+            <a:endParaRPr lang="de-DE" dirty="0"/>
+          </a:p>
+        </p:txBody>
+      </p:sp>
+      <p:sp>
+        <p:nvSpPr>
+          <p:cNvPr id="4" name="Foliennummernplatzhalter 3"/>
+          <p:cNvSpPr>
+            <a:spLocks noGrp="1"/>
+          </p:cNvSpPr>
+          <p:nvPr>
+            <p:ph type="sldNum" sz="quarter" idx="12"/>
+          </p:nvPr>
+        </p:nvSpPr>
+        <p:spPr/>
+        <p:txBody>
+          <a:bodyPr/>
+          <a:lstStyle/>
+          <a:p>
+            <a:fld id="{61201FF1-C63B-412E-ABF0-3D0E918900AC}" type="slidenum">
+              <a:rPr lang="en-GB" smtClean="0"/>
+              <a:pPr/>
+              <a:t>46</a:t>
+            </a:fld>
+            <a:endParaRPr lang="en-GB" dirty="0"/>
+          </a:p>
+        </p:txBody>
+      </p:sp>
+    </p:spTree>
+    <p:extLst>
+      <p:ext uri="{BB962C8B-B14F-4D97-AF65-F5344CB8AC3E}">
+        <p14:creationId xmlns:p14="http://schemas.microsoft.com/office/powerpoint/2010/main" val="1462879094"/>
+      </p:ext>
+    </p:extLst>
+  </p:cSld>
+  <p:clrMapOvr>
+    <a:masterClrMapping/>
+  </p:clrMapOvr>
+  <p:timing>
+    <p:tnLst>
+      <p:par>
+        <p:cTn id="1" dur="indefinite" restart="never" nodeType="tmRoot"/>
+      </p:par>
+    </p:tnLst>
+  </p:timing>
+</p:sld>
+</file>
+
+<file path=ppt/slides/slide47.xml><?xml version="1.0" encoding="utf-8"?>
+<p:sld xmlns:a="http://schemas.openxmlformats.org/drawingml/2006/main" xmlns:r="http://schemas.openxmlformats.org/officeDocument/2006/relationships" xmlns:p="http://schemas.openxmlformats.org/presentationml/2006/main">
+  <p:cSld>
+    <p:spTree>
+      <p:nvGrpSpPr>
+        <p:cNvPr id="1" name=""/>
+        <p:cNvGrpSpPr/>
+        <p:nvPr/>
+      </p:nvGrpSpPr>
+      <p:grpSpPr>
+        <a:xfrm>
+          <a:off x="0" y="0"/>
+          <a:ext cx="0" cy="0"/>
+          <a:chOff x="0" y="0"/>
+          <a:chExt cx="0" cy="0"/>
+        </a:xfrm>
+      </p:grpSpPr>
+      <p:sp>
+        <p:nvSpPr>
+          <p:cNvPr id="4" name="Foliennummernplatzhalter 3"/>
+          <p:cNvSpPr>
+            <a:spLocks noGrp="1"/>
+          </p:cNvSpPr>
+          <p:nvPr>
+            <p:ph type="sldNum" sz="quarter" idx="12"/>
+          </p:nvPr>
+        </p:nvSpPr>
+        <p:spPr/>
+        <p:txBody>
+          <a:bodyPr/>
+          <a:lstStyle/>
+          <a:p>
+            <a:fld id="{61201FF1-C63B-412E-ABF0-3D0E918900AC}" type="slidenum">
+              <a:rPr lang="en-GB" smtClean="0"/>
+              <a:pPr/>
+              <a:t>47</a:t>
             </a:fld>
             <a:endParaRPr lang="en-GB" dirty="0"/>
           </a:p>

--- a/AmruthaMohan.pptx
+++ b/AmruthaMohan.pptx
@@ -158,7 +158,7 @@
   </p:defaultTextStyle>
   <p:extLst>
     <p:ext uri="{EFAFB233-063F-42B5-8137-9DF3F51BA10A}">
-      <p15:sldGuideLst xmlns:p15="http://schemas.microsoft.com/office/powerpoint/2012/main" xmlns="">
+      <p15:sldGuideLst xmlns:p15="http://schemas.microsoft.com/office/powerpoint/2012/main">
         <p15:guide id="1" orient="horz" pos="1656">
           <p15:clr>
             <a:srgbClr val="A4A3A4"/>
@@ -172,7 +172,7 @@
       </p15:sldGuideLst>
     </p:ext>
     <p:ext uri="{2D200454-40CA-4A62-9FC3-DE9A4176ACB9}">
-      <p15:notesGuideLst xmlns:p15="http://schemas.microsoft.com/office/powerpoint/2012/main" xmlns="">
+      <p15:notesGuideLst xmlns:p15="http://schemas.microsoft.com/office/powerpoint/2012/main">
         <p15:guide id="1" orient="horz" pos="2880">
           <p15:clr>
             <a:srgbClr val="A4A3A4"/>
@@ -271,7 +271,7 @@
           <a:p>
             <a:fld id="{2E403D10-7F5E-4FE6-8B11-C5F4484721E3}" type="datetimeFigureOut">
               <a:rPr lang="en-GB" smtClean="0"/>
-              <a:t>07/09/2018</a:t>
+              <a:t>09/09/2018</a:t>
             </a:fld>
             <a:endParaRPr lang="en-GB"/>
           </a:p>
@@ -436,7 +436,7 @@
           <a:p>
             <a:fld id="{9F5E9DC1-8FB7-41FF-9F50-7EF2E6EBE329}" type="datetimeFigureOut">
               <a:rPr lang="en-GB" smtClean="0"/>
-              <a:t>07/09/2018</a:t>
+              <a:t>09/09/2018</a:t>
             </a:fld>
             <a:endParaRPr lang="en-GB"/>
           </a:p>
@@ -886,7 +886,7 @@
             <a:fld id="{1D8BD707-D9CF-40AE-B4C6-C98DA3205C09}" type="datetimeFigureOut">
               <a:rPr lang="en-US" smtClean="0"/>
               <a:pPr/>
-              <a:t>9/7/2018</a:t>
+              <a:t>9/9/2018</a:t>
             </a:fld>
             <a:endParaRPr lang="en-US"/>
           </a:p>
@@ -1053,7 +1053,7 @@
             <a:fld id="{1D8BD707-D9CF-40AE-B4C6-C98DA3205C09}" type="datetimeFigureOut">
               <a:rPr lang="en-US" smtClean="0"/>
               <a:pPr/>
-              <a:t>9/7/2018</a:t>
+              <a:t>9/9/2018</a:t>
             </a:fld>
             <a:endParaRPr lang="en-US"/>
           </a:p>
@@ -1230,7 +1230,7 @@
             <a:fld id="{1D8BD707-D9CF-40AE-B4C6-C98DA3205C09}" type="datetimeFigureOut">
               <a:rPr lang="en-US" smtClean="0"/>
               <a:pPr/>
-              <a:t>9/7/2018</a:t>
+              <a:t>9/9/2018</a:t>
             </a:fld>
             <a:endParaRPr lang="en-US"/>
           </a:p>
@@ -2638,7 +2638,7 @@
           <a:p>
             <a:fld id="{B0712CAB-150C-4C67-A6F6-7AD476CA4C2E}" type="datetime5">
               <a:rPr lang="en-US" smtClean="0"/>
-              <a:t>7-Sep-18</a:t>
+              <a:t>9-Sep-18</a:t>
             </a:fld>
             <a:endParaRPr lang="en-GB"/>
           </a:p>
@@ -3031,7 +3031,7 @@
             <a:fld id="{1D8BD707-D9CF-40AE-B4C6-C98DA3205C09}" type="datetimeFigureOut">
               <a:rPr lang="en-US" smtClean="0"/>
               <a:pPr/>
-              <a:t>9/7/2018</a:t>
+              <a:t>9/9/2018</a:t>
             </a:fld>
             <a:endParaRPr lang="en-US"/>
           </a:p>
@@ -3274,7 +3274,7 @@
             <a:fld id="{1D8BD707-D9CF-40AE-B4C6-C98DA3205C09}" type="datetimeFigureOut">
               <a:rPr lang="en-US" smtClean="0"/>
               <a:pPr/>
-              <a:t>9/7/2018</a:t>
+              <a:t>9/9/2018</a:t>
             </a:fld>
             <a:endParaRPr lang="en-US"/>
           </a:p>
@@ -3559,7 +3559,7 @@
             <a:fld id="{1D8BD707-D9CF-40AE-B4C6-C98DA3205C09}" type="datetimeFigureOut">
               <a:rPr lang="en-US" smtClean="0"/>
               <a:pPr/>
-              <a:t>9/7/2018</a:t>
+              <a:t>9/9/2018</a:t>
             </a:fld>
             <a:endParaRPr lang="en-US"/>
           </a:p>
@@ -3978,7 +3978,7 @@
             <a:fld id="{1D8BD707-D9CF-40AE-B4C6-C98DA3205C09}" type="datetimeFigureOut">
               <a:rPr lang="en-US" smtClean="0"/>
               <a:pPr/>
-              <a:t>9/7/2018</a:t>
+              <a:t>9/9/2018</a:t>
             </a:fld>
             <a:endParaRPr lang="en-US"/>
           </a:p>
@@ -4093,7 +4093,7 @@
             <a:fld id="{1D8BD707-D9CF-40AE-B4C6-C98DA3205C09}" type="datetimeFigureOut">
               <a:rPr lang="en-US" smtClean="0"/>
               <a:pPr/>
-              <a:t>9/7/2018</a:t>
+              <a:t>9/9/2018</a:t>
             </a:fld>
             <a:endParaRPr lang="en-US"/>
           </a:p>
@@ -4185,7 +4185,7 @@
             <a:fld id="{1D8BD707-D9CF-40AE-B4C6-C98DA3205C09}" type="datetimeFigureOut">
               <a:rPr lang="en-US" smtClean="0"/>
               <a:pPr/>
-              <a:t>9/7/2018</a:t>
+              <a:t>9/9/2018</a:t>
             </a:fld>
             <a:endParaRPr lang="en-US"/>
           </a:p>
@@ -4459,7 +4459,7 @@
             <a:fld id="{1D8BD707-D9CF-40AE-B4C6-C98DA3205C09}" type="datetimeFigureOut">
               <a:rPr lang="en-US" smtClean="0"/>
               <a:pPr/>
-              <a:t>9/7/2018</a:t>
+              <a:t>9/9/2018</a:t>
             </a:fld>
             <a:endParaRPr lang="en-US"/>
           </a:p>
@@ -4709,7 +4709,7 @@
             <a:fld id="{1D8BD707-D9CF-40AE-B4C6-C98DA3205C09}" type="datetimeFigureOut">
               <a:rPr lang="en-US" smtClean="0"/>
               <a:pPr/>
-              <a:t>9/7/2018</a:t>
+              <a:t>9/9/2018</a:t>
             </a:fld>
             <a:endParaRPr lang="en-US"/>
           </a:p>
@@ -4919,7 +4919,7 @@
             <a:fld id="{1D8BD707-D9CF-40AE-B4C6-C98DA3205C09}" type="datetimeFigureOut">
               <a:rPr lang="en-US" smtClean="0"/>
               <a:pPr/>
-              <a:t>9/7/2018</a:t>
+              <a:t>9/9/2018</a:t>
             </a:fld>
             <a:endParaRPr lang="en-US"/>
           </a:p>
@@ -12049,14 +12049,14 @@
       </p:sp>
       <p:sp>
         <p:nvSpPr>
-          <p:cNvPr id="5" name="TextBox 4"/>
+          <p:cNvPr id="2" name="TextBox 1"/>
           <p:cNvSpPr txBox="1"/>
           <p:nvPr/>
         </p:nvSpPr>
         <p:spPr>
           <a:xfrm>
-            <a:off x="294512" y="123686"/>
-            <a:ext cx="4707700" cy="523220"/>
+            <a:off x="582612" y="1226002"/>
+            <a:ext cx="7086600" cy="3785652"/>
           </a:xfrm>
           <a:prstGeom prst="rect">
             <a:avLst/>
@@ -12069,42 +12069,6 @@
           </a:bodyPr>
           <a:lstStyle/>
           <a:p>
-            <a:r>
-              <a:rPr lang="en-GB" sz="2800" b="1" dirty="0" smtClean="0">
-                <a:latin typeface="Times New Roman" panose="02020603050405020304" pitchFamily="18" charset="0"/>
-                <a:cs typeface="Times New Roman" panose="02020603050405020304" pitchFamily="18" charset="0"/>
-              </a:rPr>
-              <a:t>SAS</a:t>
-            </a:r>
-            <a:endParaRPr lang="en-GB" sz="2800" b="1" dirty="0">
-              <a:latin typeface="Times New Roman" panose="02020603050405020304" pitchFamily="18" charset="0"/>
-              <a:cs typeface="Times New Roman" panose="02020603050405020304" pitchFamily="18" charset="0"/>
-            </a:endParaRPr>
-          </a:p>
-        </p:txBody>
-      </p:sp>
-      <p:sp>
-        <p:nvSpPr>
-          <p:cNvPr id="2" name="TextBox 1"/>
-          <p:cNvSpPr txBox="1"/>
-          <p:nvPr/>
-        </p:nvSpPr>
-        <p:spPr>
-          <a:xfrm>
-            <a:off x="658812" y="832584"/>
-            <a:ext cx="7086600" cy="3785652"/>
-          </a:xfrm>
-          <a:prstGeom prst="rect">
-            <a:avLst/>
-          </a:prstGeom>
-          <a:noFill/>
-        </p:spPr>
-        <p:txBody>
-          <a:bodyPr wrap="square" rtlCol="0">
-            <a:spAutoFit/>
-          </a:bodyPr>
-          <a:lstStyle/>
-          <a:p>
             <a:pPr marL="285750" indent="-285750">
               <a:buFont typeface="Wingdings" panose="05000000000000000000" pitchFamily="2" charset="2"/>
               <a:buChar char="Ø"/>
@@ -12114,14 +12078,7 @@
                 <a:latin typeface="Times New Roman" panose="02020603050405020304" pitchFamily="18" charset="0"/>
                 <a:cs typeface="Times New Roman" panose="02020603050405020304" pitchFamily="18" charset="0"/>
               </a:rPr>
-              <a:t>Company (SAS Institute) </a:t>
-            </a:r>
-            <a:r>
-              <a:rPr lang="en-GB" sz="2000" dirty="0" smtClean="0">
-                <a:latin typeface="Times New Roman" panose="02020603050405020304" pitchFamily="18" charset="0"/>
-                <a:cs typeface="Times New Roman" panose="02020603050405020304" pitchFamily="18" charset="0"/>
-              </a:rPr>
-              <a:t>and Software.</a:t>
+              <a:t>Company (SAS Institute) and Software.</a:t>
             </a:r>
           </a:p>
           <a:p>
@@ -12271,6 +12228,45 @@
           </a:p>
         </p:txBody>
       </p:sp>
+      <p:pic>
+        <p:nvPicPr>
+          <p:cNvPr id="6" name="Picture 3" descr="\\s81dsp01data01\ACIS-Udrive\Users\t10313\AILP Batch4\Images\sas.jpg"/>
+          <p:cNvPicPr>
+            <a:picLocks noChangeAspect="1" noChangeArrowheads="1"/>
+          </p:cNvPicPr>
+          <p:nvPr/>
+        </p:nvPicPr>
+        <p:blipFill rotWithShape="1">
+          <a:blip r:embed="rId2">
+            <a:extLst>
+              <a:ext uri="{28A0092B-C50C-407E-A947-70E740481C1C}">
+                <a14:useLocalDpi xmlns:a14="http://schemas.microsoft.com/office/drawing/2010/main" val="0"/>
+              </a:ext>
+            </a:extLst>
+          </a:blip>
+          <a:srcRect t="26667" b="31626"/>
+          <a:stretch/>
+        </p:blipFill>
+        <p:spPr bwMode="auto">
+          <a:xfrm>
+            <a:off x="294512" y="37306"/>
+            <a:ext cx="2286000" cy="953441"/>
+          </a:xfrm>
+          <a:prstGeom prst="rect">
+            <a:avLst/>
+          </a:prstGeom>
+          <a:noFill/>
+          <a:extLst>
+            <a:ext uri="{909E8E84-426E-40DD-AFC4-6F175D3DCCD1}">
+              <a14:hiddenFill xmlns:a14="http://schemas.microsoft.com/office/drawing/2010/main">
+                <a:solidFill>
+                  <a:srgbClr val="FFFFFF"/>
+                </a:solidFill>
+              </a14:hiddenFill>
+            </a:ext>
+          </a:extLst>
+        </p:spPr>
+      </p:pic>
     </p:spTree>
     <p:extLst>
       <p:ext uri="{BB962C8B-B14F-4D97-AF65-F5344CB8AC3E}">
@@ -12284,7 +12280,446 @@
   <p:timing>
     <p:tnLst>
       <p:par>
-        <p:cTn id="1" dur="indefinite" restart="never" nodeType="tmRoot"/>
+        <p:cTn id="1" dur="indefinite" restart="never" nodeType="tmRoot">
+          <p:childTnLst>
+            <p:seq concurrent="1" nextAc="seek">
+              <p:cTn id="2" dur="indefinite" nodeType="mainSeq">
+                <p:childTnLst>
+                  <p:par>
+                    <p:cTn id="3" fill="hold">
+                      <p:stCondLst>
+                        <p:cond delay="indefinite"/>
+                      </p:stCondLst>
+                      <p:childTnLst>
+                        <p:par>
+                          <p:cTn id="4" fill="hold">
+                            <p:stCondLst>
+                              <p:cond delay="0"/>
+                            </p:stCondLst>
+                            <p:childTnLst>
+                              <p:par>
+                                <p:cTn id="5" presetID="22" presetClass="entr" presetSubtype="4" fill="hold" nodeType="clickEffect">
+                                  <p:stCondLst>
+                                    <p:cond delay="0"/>
+                                  </p:stCondLst>
+                                  <p:childTnLst>
+                                    <p:set>
+                                      <p:cBhvr>
+                                        <p:cTn id="6" dur="1" fill="hold">
+                                          <p:stCondLst>
+                                            <p:cond delay="0"/>
+                                          </p:stCondLst>
+                                        </p:cTn>
+                                        <p:tgtEl>
+                                          <p:spTgt spid="2">
+                                            <p:txEl>
+                                              <p:pRg st="0" end="0"/>
+                                            </p:txEl>
+                                          </p:spTgt>
+                                        </p:tgtEl>
+                                        <p:attrNameLst>
+                                          <p:attrName>style.visibility</p:attrName>
+                                        </p:attrNameLst>
+                                      </p:cBhvr>
+                                      <p:to>
+                                        <p:strVal val="visible"/>
+                                      </p:to>
+                                    </p:set>
+                                    <p:animEffect transition="in" filter="wipe(down)">
+                                      <p:cBhvr>
+                                        <p:cTn id="7" dur="500"/>
+                                        <p:tgtEl>
+                                          <p:spTgt spid="2">
+                                            <p:txEl>
+                                              <p:pRg st="0" end="0"/>
+                                            </p:txEl>
+                                          </p:spTgt>
+                                        </p:tgtEl>
+                                      </p:cBhvr>
+                                    </p:animEffect>
+                                  </p:childTnLst>
+                                </p:cTn>
+                              </p:par>
+                            </p:childTnLst>
+                          </p:cTn>
+                        </p:par>
+                      </p:childTnLst>
+                    </p:cTn>
+                  </p:par>
+                  <p:par>
+                    <p:cTn id="8" fill="hold">
+                      <p:stCondLst>
+                        <p:cond delay="indefinite"/>
+                      </p:stCondLst>
+                      <p:childTnLst>
+                        <p:par>
+                          <p:cTn id="9" fill="hold">
+                            <p:stCondLst>
+                              <p:cond delay="0"/>
+                            </p:stCondLst>
+                            <p:childTnLst>
+                              <p:par>
+                                <p:cTn id="10" presetID="22" presetClass="entr" presetSubtype="4" fill="hold" nodeType="clickEffect">
+                                  <p:stCondLst>
+                                    <p:cond delay="0"/>
+                                  </p:stCondLst>
+                                  <p:childTnLst>
+                                    <p:set>
+                                      <p:cBhvr>
+                                        <p:cTn id="11" dur="1" fill="hold">
+                                          <p:stCondLst>
+                                            <p:cond delay="0"/>
+                                          </p:stCondLst>
+                                        </p:cTn>
+                                        <p:tgtEl>
+                                          <p:spTgt spid="2">
+                                            <p:txEl>
+                                              <p:pRg st="2" end="2"/>
+                                            </p:txEl>
+                                          </p:spTgt>
+                                        </p:tgtEl>
+                                        <p:attrNameLst>
+                                          <p:attrName>style.visibility</p:attrName>
+                                        </p:attrNameLst>
+                                      </p:cBhvr>
+                                      <p:to>
+                                        <p:strVal val="visible"/>
+                                      </p:to>
+                                    </p:set>
+                                    <p:animEffect transition="in" filter="wipe(down)">
+                                      <p:cBhvr>
+                                        <p:cTn id="12" dur="500"/>
+                                        <p:tgtEl>
+                                          <p:spTgt spid="2">
+                                            <p:txEl>
+                                              <p:pRg st="2" end="2"/>
+                                            </p:txEl>
+                                          </p:spTgt>
+                                        </p:tgtEl>
+                                      </p:cBhvr>
+                                    </p:animEffect>
+                                  </p:childTnLst>
+                                </p:cTn>
+                              </p:par>
+                              <p:par>
+                                <p:cTn id="13" presetID="22" presetClass="entr" presetSubtype="4" fill="hold" nodeType="withEffect">
+                                  <p:stCondLst>
+                                    <p:cond delay="0"/>
+                                  </p:stCondLst>
+                                  <p:childTnLst>
+                                    <p:set>
+                                      <p:cBhvr>
+                                        <p:cTn id="14" dur="1" fill="hold">
+                                          <p:stCondLst>
+                                            <p:cond delay="0"/>
+                                          </p:stCondLst>
+                                        </p:cTn>
+                                        <p:tgtEl>
+                                          <p:spTgt spid="2">
+                                            <p:txEl>
+                                              <p:pRg st="4" end="4"/>
+                                            </p:txEl>
+                                          </p:spTgt>
+                                        </p:tgtEl>
+                                        <p:attrNameLst>
+                                          <p:attrName>style.visibility</p:attrName>
+                                        </p:attrNameLst>
+                                      </p:cBhvr>
+                                      <p:to>
+                                        <p:strVal val="visible"/>
+                                      </p:to>
+                                    </p:set>
+                                    <p:animEffect transition="in" filter="wipe(down)">
+                                      <p:cBhvr>
+                                        <p:cTn id="15" dur="500"/>
+                                        <p:tgtEl>
+                                          <p:spTgt spid="2">
+                                            <p:txEl>
+                                              <p:pRg st="4" end="4"/>
+                                            </p:txEl>
+                                          </p:spTgt>
+                                        </p:tgtEl>
+                                      </p:cBhvr>
+                                    </p:animEffect>
+                                  </p:childTnLst>
+                                </p:cTn>
+                              </p:par>
+                              <p:par>
+                                <p:cTn id="16" presetID="22" presetClass="entr" presetSubtype="4" fill="hold" nodeType="withEffect">
+                                  <p:stCondLst>
+                                    <p:cond delay="0"/>
+                                  </p:stCondLst>
+                                  <p:childTnLst>
+                                    <p:set>
+                                      <p:cBhvr>
+                                        <p:cTn id="17" dur="1" fill="hold">
+                                          <p:stCondLst>
+                                            <p:cond delay="0"/>
+                                          </p:stCondLst>
+                                        </p:cTn>
+                                        <p:tgtEl>
+                                          <p:spTgt spid="2">
+                                            <p:txEl>
+                                              <p:pRg st="5" end="5"/>
+                                            </p:txEl>
+                                          </p:spTgt>
+                                        </p:tgtEl>
+                                        <p:attrNameLst>
+                                          <p:attrName>style.visibility</p:attrName>
+                                        </p:attrNameLst>
+                                      </p:cBhvr>
+                                      <p:to>
+                                        <p:strVal val="visible"/>
+                                      </p:to>
+                                    </p:set>
+                                    <p:animEffect transition="in" filter="wipe(down)">
+                                      <p:cBhvr>
+                                        <p:cTn id="18" dur="500"/>
+                                        <p:tgtEl>
+                                          <p:spTgt spid="2">
+                                            <p:txEl>
+                                              <p:pRg st="5" end="5"/>
+                                            </p:txEl>
+                                          </p:spTgt>
+                                        </p:tgtEl>
+                                      </p:cBhvr>
+                                    </p:animEffect>
+                                  </p:childTnLst>
+                                </p:cTn>
+                              </p:par>
+                              <p:par>
+                                <p:cTn id="19" presetID="22" presetClass="entr" presetSubtype="4" fill="hold" nodeType="withEffect">
+                                  <p:stCondLst>
+                                    <p:cond delay="0"/>
+                                  </p:stCondLst>
+                                  <p:childTnLst>
+                                    <p:set>
+                                      <p:cBhvr>
+                                        <p:cTn id="20" dur="1" fill="hold">
+                                          <p:stCondLst>
+                                            <p:cond delay="0"/>
+                                          </p:stCondLst>
+                                        </p:cTn>
+                                        <p:tgtEl>
+                                          <p:spTgt spid="2">
+                                            <p:txEl>
+                                              <p:pRg st="6" end="6"/>
+                                            </p:txEl>
+                                          </p:spTgt>
+                                        </p:tgtEl>
+                                        <p:attrNameLst>
+                                          <p:attrName>style.visibility</p:attrName>
+                                        </p:attrNameLst>
+                                      </p:cBhvr>
+                                      <p:to>
+                                        <p:strVal val="visible"/>
+                                      </p:to>
+                                    </p:set>
+                                    <p:animEffect transition="in" filter="wipe(down)">
+                                      <p:cBhvr>
+                                        <p:cTn id="21" dur="500"/>
+                                        <p:tgtEl>
+                                          <p:spTgt spid="2">
+                                            <p:txEl>
+                                              <p:pRg st="6" end="6"/>
+                                            </p:txEl>
+                                          </p:spTgt>
+                                        </p:tgtEl>
+                                      </p:cBhvr>
+                                    </p:animEffect>
+                                  </p:childTnLst>
+                                </p:cTn>
+                              </p:par>
+                              <p:par>
+                                <p:cTn id="22" presetID="22" presetClass="entr" presetSubtype="4" fill="hold" nodeType="withEffect">
+                                  <p:stCondLst>
+                                    <p:cond delay="0"/>
+                                  </p:stCondLst>
+                                  <p:childTnLst>
+                                    <p:set>
+                                      <p:cBhvr>
+                                        <p:cTn id="23" dur="1" fill="hold">
+                                          <p:stCondLst>
+                                            <p:cond delay="0"/>
+                                          </p:stCondLst>
+                                        </p:cTn>
+                                        <p:tgtEl>
+                                          <p:spTgt spid="2">
+                                            <p:txEl>
+                                              <p:pRg st="7" end="7"/>
+                                            </p:txEl>
+                                          </p:spTgt>
+                                        </p:tgtEl>
+                                        <p:attrNameLst>
+                                          <p:attrName>style.visibility</p:attrName>
+                                        </p:attrNameLst>
+                                      </p:cBhvr>
+                                      <p:to>
+                                        <p:strVal val="visible"/>
+                                      </p:to>
+                                    </p:set>
+                                    <p:animEffect transition="in" filter="wipe(down)">
+                                      <p:cBhvr>
+                                        <p:cTn id="24" dur="500"/>
+                                        <p:tgtEl>
+                                          <p:spTgt spid="2">
+                                            <p:txEl>
+                                              <p:pRg st="7" end="7"/>
+                                            </p:txEl>
+                                          </p:spTgt>
+                                        </p:tgtEl>
+                                      </p:cBhvr>
+                                    </p:animEffect>
+                                  </p:childTnLst>
+                                </p:cTn>
+                              </p:par>
+                            </p:childTnLst>
+                          </p:cTn>
+                        </p:par>
+                      </p:childTnLst>
+                    </p:cTn>
+                  </p:par>
+                  <p:par>
+                    <p:cTn id="25" fill="hold">
+                      <p:stCondLst>
+                        <p:cond delay="indefinite"/>
+                      </p:stCondLst>
+                      <p:childTnLst>
+                        <p:par>
+                          <p:cTn id="26" fill="hold">
+                            <p:stCondLst>
+                              <p:cond delay="0"/>
+                            </p:stCondLst>
+                            <p:childTnLst>
+                              <p:par>
+                                <p:cTn id="27" presetID="22" presetClass="entr" presetSubtype="4" fill="hold" nodeType="clickEffect">
+                                  <p:stCondLst>
+                                    <p:cond delay="0"/>
+                                  </p:stCondLst>
+                                  <p:childTnLst>
+                                    <p:set>
+                                      <p:cBhvr>
+                                        <p:cTn id="28" dur="1" fill="hold">
+                                          <p:stCondLst>
+                                            <p:cond delay="0"/>
+                                          </p:stCondLst>
+                                        </p:cTn>
+                                        <p:tgtEl>
+                                          <p:spTgt spid="2">
+                                            <p:txEl>
+                                              <p:pRg st="9" end="9"/>
+                                            </p:txEl>
+                                          </p:spTgt>
+                                        </p:tgtEl>
+                                        <p:attrNameLst>
+                                          <p:attrName>style.visibility</p:attrName>
+                                        </p:attrNameLst>
+                                      </p:cBhvr>
+                                      <p:to>
+                                        <p:strVal val="visible"/>
+                                      </p:to>
+                                    </p:set>
+                                    <p:animEffect transition="in" filter="wipe(down)">
+                                      <p:cBhvr>
+                                        <p:cTn id="29" dur="500"/>
+                                        <p:tgtEl>
+                                          <p:spTgt spid="2">
+                                            <p:txEl>
+                                              <p:pRg st="9" end="9"/>
+                                            </p:txEl>
+                                          </p:spTgt>
+                                        </p:tgtEl>
+                                      </p:cBhvr>
+                                    </p:animEffect>
+                                  </p:childTnLst>
+                                </p:cTn>
+                              </p:par>
+                            </p:childTnLst>
+                          </p:cTn>
+                        </p:par>
+                      </p:childTnLst>
+                    </p:cTn>
+                  </p:par>
+                  <p:par>
+                    <p:cTn id="30" fill="hold">
+                      <p:stCondLst>
+                        <p:cond delay="indefinite"/>
+                      </p:stCondLst>
+                      <p:childTnLst>
+                        <p:par>
+                          <p:cTn id="31" fill="hold">
+                            <p:stCondLst>
+                              <p:cond delay="0"/>
+                            </p:stCondLst>
+                            <p:childTnLst>
+                              <p:par>
+                                <p:cTn id="32" presetID="22" presetClass="entr" presetSubtype="4" fill="hold" nodeType="clickEffect">
+                                  <p:stCondLst>
+                                    <p:cond delay="0"/>
+                                  </p:stCondLst>
+                                  <p:childTnLst>
+                                    <p:set>
+                                      <p:cBhvr>
+                                        <p:cTn id="33" dur="1" fill="hold">
+                                          <p:stCondLst>
+                                            <p:cond delay="0"/>
+                                          </p:stCondLst>
+                                        </p:cTn>
+                                        <p:tgtEl>
+                                          <p:spTgt spid="2">
+                                            <p:txEl>
+                                              <p:pRg st="11" end="11"/>
+                                            </p:txEl>
+                                          </p:spTgt>
+                                        </p:tgtEl>
+                                        <p:attrNameLst>
+                                          <p:attrName>style.visibility</p:attrName>
+                                        </p:attrNameLst>
+                                      </p:cBhvr>
+                                      <p:to>
+                                        <p:strVal val="visible"/>
+                                      </p:to>
+                                    </p:set>
+                                    <p:animEffect transition="in" filter="wipe(down)">
+                                      <p:cBhvr>
+                                        <p:cTn id="34" dur="500"/>
+                                        <p:tgtEl>
+                                          <p:spTgt spid="2">
+                                            <p:txEl>
+                                              <p:pRg st="11" end="11"/>
+                                            </p:txEl>
+                                          </p:spTgt>
+                                        </p:tgtEl>
+                                      </p:cBhvr>
+                                    </p:animEffect>
+                                  </p:childTnLst>
+                                </p:cTn>
+                              </p:par>
+                            </p:childTnLst>
+                          </p:cTn>
+                        </p:par>
+                      </p:childTnLst>
+                    </p:cTn>
+                  </p:par>
+                </p:childTnLst>
+              </p:cTn>
+              <p:prevCondLst>
+                <p:cond evt="onPrev" delay="0">
+                  <p:tgtEl>
+                    <p:sldTgt/>
+                  </p:tgtEl>
+                </p:cond>
+              </p:prevCondLst>
+              <p:nextCondLst>
+                <p:cond evt="onNext" delay="0">
+                  <p:tgtEl>
+                    <p:sldTgt/>
+                  </p:tgtEl>
+                </p:cond>
+              </p:nextCondLst>
+            </p:seq>
+          </p:childTnLst>
+        </p:cTn>
       </p:par>
     </p:tnLst>
   </p:timing>
@@ -12511,14 +12946,7 @@
                 <a:latin typeface="Times New Roman" panose="02020603050405020304" pitchFamily="18" charset="0"/>
                 <a:cs typeface="Times New Roman" panose="02020603050405020304" pitchFamily="18" charset="0"/>
               </a:rPr>
-              <a:t> : </a:t>
-            </a:r>
-            <a:r>
-              <a:rPr lang="en-GB" sz="2000" dirty="0" smtClean="0">
-                <a:latin typeface="Times New Roman" panose="02020603050405020304" pitchFamily="18" charset="0"/>
-                <a:cs typeface="Times New Roman" panose="02020603050405020304" pitchFamily="18" charset="0"/>
-              </a:rPr>
-              <a:t>How to read data.</a:t>
+              <a:t> : How to read data.</a:t>
             </a:r>
           </a:p>
           <a:p>
@@ -13164,7 +13592,7 @@
         </p:nvSpPr>
         <p:spPr>
           <a:xfrm>
-            <a:off x="294512" y="123686"/>
+            <a:off x="294512" y="47486"/>
             <a:ext cx="4707700" cy="523220"/>
           </a:xfrm>
           <a:prstGeom prst="rect">
@@ -13200,7 +13628,7 @@
           </p:cNvPicPr>
           <p:nvPr/>
         </p:nvPicPr>
-        <p:blipFill>
+        <p:blipFill rotWithShape="1">
           <a:blip r:embed="rId2">
             <a:extLst>
               <a:ext uri="{28A0092B-C50C-407E-A947-70E740481C1C}">
@@ -13208,15 +13636,130 @@
               </a:ext>
             </a:extLst>
           </a:blip>
-          <a:srcRect/>
-          <a:stretch>
-            <a:fillRect/>
-          </a:stretch>
+          <a:srcRect l="31104" t="4188" r="48690" b="55813"/>
+          <a:stretch/>
         </p:blipFill>
         <p:spPr bwMode="auto">
           <a:xfrm>
-            <a:off x="0" y="723105"/>
-            <a:ext cx="8785225" cy="4533107"/>
+            <a:off x="506412" y="1027906"/>
+            <a:ext cx="1981200" cy="1676400"/>
+          </a:xfrm>
+          <a:prstGeom prst="rect">
+            <a:avLst/>
+          </a:prstGeom>
+          <a:noFill/>
+          <a:extLst>
+            <a:ext uri="{909E8E84-426E-40DD-AFC4-6F175D3DCCD1}">
+              <a14:hiddenFill xmlns:a14="http://schemas.microsoft.com/office/drawing/2010/main">
+                <a:solidFill>
+                  <a:srgbClr val="FFFFFF"/>
+                </a:solidFill>
+              </a14:hiddenFill>
+            </a:ext>
+          </a:extLst>
+        </p:spPr>
+      </p:pic>
+      <p:pic>
+        <p:nvPicPr>
+          <p:cNvPr id="6" name="Picture 2" descr="\\s81dsp01data01\ACIS-Udrive\Users\t10313\AILP Batch4\Images\sas applications.jpg"/>
+          <p:cNvPicPr>
+            <a:picLocks noChangeAspect="1" noChangeArrowheads="1"/>
+          </p:cNvPicPr>
+          <p:nvPr/>
+        </p:nvPicPr>
+        <p:blipFill rotWithShape="1">
+          <a:blip r:embed="rId2">
+            <a:extLst>
+              <a:ext uri="{28A0092B-C50C-407E-A947-70E740481C1C}">
+                <a14:useLocalDpi xmlns:a14="http://schemas.microsoft.com/office/drawing/2010/main" val="0"/>
+              </a:ext>
+            </a:extLst>
+          </a:blip>
+          <a:srcRect l="61761" t="4188" r="18033" b="57480"/>
+          <a:stretch/>
+        </p:blipFill>
+        <p:spPr bwMode="auto">
+          <a:xfrm>
+            <a:off x="4018650" y="1012203"/>
+            <a:ext cx="2057400" cy="1600200"/>
+          </a:xfrm>
+          <a:prstGeom prst="rect">
+            <a:avLst/>
+          </a:prstGeom>
+          <a:noFill/>
+          <a:extLst>
+            <a:ext uri="{909E8E84-426E-40DD-AFC4-6F175D3DCCD1}">
+              <a14:hiddenFill xmlns:a14="http://schemas.microsoft.com/office/drawing/2010/main">
+                <a:solidFill>
+                  <a:srgbClr val="FFFFFF"/>
+                </a:solidFill>
+              </a14:hiddenFill>
+            </a:ext>
+          </a:extLst>
+        </p:spPr>
+      </p:pic>
+      <p:pic>
+        <p:nvPicPr>
+          <p:cNvPr id="8" name="Picture 2" descr="\\s81dsp01data01\ACIS-Udrive\Users\t10313\AILP Batch4\Images\sas applications.jpg"/>
+          <p:cNvPicPr>
+            <a:picLocks noChangeAspect="1" noChangeArrowheads="1"/>
+          </p:cNvPicPr>
+          <p:nvPr/>
+        </p:nvPicPr>
+        <p:blipFill rotWithShape="1">
+          <a:blip r:embed="rId2">
+            <a:extLst>
+              <a:ext uri="{28A0092B-C50C-407E-A947-70E740481C1C}">
+                <a14:useLocalDpi xmlns:a14="http://schemas.microsoft.com/office/drawing/2010/main" val="0"/>
+              </a:ext>
+            </a:extLst>
+          </a:blip>
+          <a:srcRect l="40782" t="47520" r="34832" b="7481"/>
+          <a:stretch/>
+        </p:blipFill>
+        <p:spPr bwMode="auto">
+          <a:xfrm>
+            <a:off x="2030412" y="3195332"/>
+            <a:ext cx="2133600" cy="1676400"/>
+          </a:xfrm>
+          <a:prstGeom prst="rect">
+            <a:avLst/>
+          </a:prstGeom>
+          <a:noFill/>
+          <a:extLst>
+            <a:ext uri="{909E8E84-426E-40DD-AFC4-6F175D3DCCD1}">
+              <a14:hiddenFill xmlns:a14="http://schemas.microsoft.com/office/drawing/2010/main">
+                <a:solidFill>
+                  <a:srgbClr val="FFFFFF"/>
+                </a:solidFill>
+              </a14:hiddenFill>
+            </a:ext>
+          </a:extLst>
+        </p:spPr>
+      </p:pic>
+      <p:pic>
+        <p:nvPicPr>
+          <p:cNvPr id="9" name="Picture 2" descr="\\s81dsp01data01\ACIS-Udrive\Users\t10313\AILP Batch4\Images\sas applications.jpg"/>
+          <p:cNvPicPr>
+            <a:picLocks noChangeAspect="1" noChangeArrowheads="1"/>
+          </p:cNvPicPr>
+          <p:nvPr/>
+        </p:nvPicPr>
+        <p:blipFill rotWithShape="1">
+          <a:blip r:embed="rId2">
+            <a:extLst>
+              <a:ext uri="{28A0092B-C50C-407E-A947-70E740481C1C}">
+                <a14:useLocalDpi xmlns:a14="http://schemas.microsoft.com/office/drawing/2010/main" val="0"/>
+              </a:ext>
+            </a:extLst>
+          </a:blip>
+          <a:srcRect l="69425" t="44186" r="2704" b="4149"/>
+          <a:stretch/>
+        </p:blipFill>
+        <p:spPr bwMode="auto">
+          <a:xfrm>
+            <a:off x="5916612" y="2966732"/>
+            <a:ext cx="2285996" cy="1905000"/>
           </a:xfrm>
           <a:prstGeom prst="rect">
             <a:avLst/>
@@ -13246,7 +13789,426 @@
   <p:timing>
     <p:tnLst>
       <p:par>
-        <p:cTn id="1" dur="indefinite" restart="never" nodeType="tmRoot"/>
+        <p:cTn id="1" dur="indefinite" restart="never" nodeType="tmRoot">
+          <p:childTnLst>
+            <p:seq concurrent="1" nextAc="seek">
+              <p:cTn id="2" dur="indefinite" nodeType="mainSeq">
+                <p:childTnLst>
+                  <p:par>
+                    <p:cTn id="3" fill="hold">
+                      <p:stCondLst>
+                        <p:cond delay="indefinite"/>
+                      </p:stCondLst>
+                      <p:childTnLst>
+                        <p:par>
+                          <p:cTn id="4" fill="hold">
+                            <p:stCondLst>
+                              <p:cond delay="0"/>
+                            </p:stCondLst>
+                            <p:childTnLst>
+                              <p:par>
+                                <p:cTn id="5" presetID="42" presetClass="entr" presetSubtype="0" fill="hold" nodeType="clickEffect">
+                                  <p:stCondLst>
+                                    <p:cond delay="0"/>
+                                  </p:stCondLst>
+                                  <p:childTnLst>
+                                    <p:set>
+                                      <p:cBhvr>
+                                        <p:cTn id="6" dur="1" fill="hold">
+                                          <p:stCondLst>
+                                            <p:cond delay="0"/>
+                                          </p:stCondLst>
+                                        </p:cTn>
+                                        <p:tgtEl>
+                                          <p:spTgt spid="7"/>
+                                        </p:tgtEl>
+                                        <p:attrNameLst>
+                                          <p:attrName>style.visibility</p:attrName>
+                                        </p:attrNameLst>
+                                      </p:cBhvr>
+                                      <p:to>
+                                        <p:strVal val="visible"/>
+                                      </p:to>
+                                    </p:set>
+                                    <p:animEffect transition="in" filter="fade">
+                                      <p:cBhvr>
+                                        <p:cTn id="7" dur="1000"/>
+                                        <p:tgtEl>
+                                          <p:spTgt spid="7"/>
+                                        </p:tgtEl>
+                                      </p:cBhvr>
+                                    </p:animEffect>
+                                    <p:anim calcmode="lin" valueType="num">
+                                      <p:cBhvr>
+                                        <p:cTn id="8" dur="1000" fill="hold"/>
+                                        <p:tgtEl>
+                                          <p:spTgt spid="7"/>
+                                        </p:tgtEl>
+                                        <p:attrNameLst>
+                                          <p:attrName>ppt_x</p:attrName>
+                                        </p:attrNameLst>
+                                      </p:cBhvr>
+                                      <p:tavLst>
+                                        <p:tav tm="0">
+                                          <p:val>
+                                            <p:strVal val="#ppt_x"/>
+                                          </p:val>
+                                        </p:tav>
+                                        <p:tav tm="100000">
+                                          <p:val>
+                                            <p:strVal val="#ppt_x"/>
+                                          </p:val>
+                                        </p:tav>
+                                      </p:tavLst>
+                                    </p:anim>
+                                    <p:anim calcmode="lin" valueType="num">
+                                      <p:cBhvr>
+                                        <p:cTn id="9" dur="1000" fill="hold"/>
+                                        <p:tgtEl>
+                                          <p:spTgt spid="7"/>
+                                        </p:tgtEl>
+                                        <p:attrNameLst>
+                                          <p:attrName>ppt_y</p:attrName>
+                                        </p:attrNameLst>
+                                      </p:cBhvr>
+                                      <p:tavLst>
+                                        <p:tav tm="0">
+                                          <p:val>
+                                            <p:strVal val="#ppt_y+.1"/>
+                                          </p:val>
+                                        </p:tav>
+                                        <p:tav tm="100000">
+                                          <p:val>
+                                            <p:strVal val="#ppt_y"/>
+                                          </p:val>
+                                        </p:tav>
+                                      </p:tavLst>
+                                    </p:anim>
+                                  </p:childTnLst>
+                                </p:cTn>
+                              </p:par>
+                            </p:childTnLst>
+                          </p:cTn>
+                        </p:par>
+                      </p:childTnLst>
+                    </p:cTn>
+                  </p:par>
+                  <p:par>
+                    <p:cTn id="10" fill="hold">
+                      <p:stCondLst>
+                        <p:cond delay="indefinite"/>
+                      </p:stCondLst>
+                      <p:childTnLst>
+                        <p:par>
+                          <p:cTn id="11" fill="hold">
+                            <p:stCondLst>
+                              <p:cond delay="0"/>
+                            </p:stCondLst>
+                            <p:childTnLst>
+                              <p:par>
+                                <p:cTn id="12" presetID="42" presetClass="entr" presetSubtype="0" fill="hold" nodeType="clickEffect">
+                                  <p:stCondLst>
+                                    <p:cond delay="0"/>
+                                  </p:stCondLst>
+                                  <p:childTnLst>
+                                    <p:set>
+                                      <p:cBhvr>
+                                        <p:cTn id="13" dur="1" fill="hold">
+                                          <p:stCondLst>
+                                            <p:cond delay="0"/>
+                                          </p:stCondLst>
+                                        </p:cTn>
+                                        <p:tgtEl>
+                                          <p:spTgt spid="6"/>
+                                        </p:tgtEl>
+                                        <p:attrNameLst>
+                                          <p:attrName>style.visibility</p:attrName>
+                                        </p:attrNameLst>
+                                      </p:cBhvr>
+                                      <p:to>
+                                        <p:strVal val="visible"/>
+                                      </p:to>
+                                    </p:set>
+                                    <p:animEffect transition="in" filter="fade">
+                                      <p:cBhvr>
+                                        <p:cTn id="14" dur="1000"/>
+                                        <p:tgtEl>
+                                          <p:spTgt spid="6"/>
+                                        </p:tgtEl>
+                                      </p:cBhvr>
+                                    </p:animEffect>
+                                    <p:anim calcmode="lin" valueType="num">
+                                      <p:cBhvr>
+                                        <p:cTn id="15" dur="1000" fill="hold"/>
+                                        <p:tgtEl>
+                                          <p:spTgt spid="6"/>
+                                        </p:tgtEl>
+                                        <p:attrNameLst>
+                                          <p:attrName>ppt_x</p:attrName>
+                                        </p:attrNameLst>
+                                      </p:cBhvr>
+                                      <p:tavLst>
+                                        <p:tav tm="0">
+                                          <p:val>
+                                            <p:strVal val="#ppt_x"/>
+                                          </p:val>
+                                        </p:tav>
+                                        <p:tav tm="100000">
+                                          <p:val>
+                                            <p:strVal val="#ppt_x"/>
+                                          </p:val>
+                                        </p:tav>
+                                      </p:tavLst>
+                                    </p:anim>
+                                    <p:anim calcmode="lin" valueType="num">
+                                      <p:cBhvr>
+                                        <p:cTn id="16" dur="1000" fill="hold"/>
+                                        <p:tgtEl>
+                                          <p:spTgt spid="6"/>
+                                        </p:tgtEl>
+                                        <p:attrNameLst>
+                                          <p:attrName>ppt_y</p:attrName>
+                                        </p:attrNameLst>
+                                      </p:cBhvr>
+                                      <p:tavLst>
+                                        <p:tav tm="0">
+                                          <p:val>
+                                            <p:strVal val="#ppt_y+.1"/>
+                                          </p:val>
+                                        </p:tav>
+                                        <p:tav tm="100000">
+                                          <p:val>
+                                            <p:strVal val="#ppt_y"/>
+                                          </p:val>
+                                        </p:tav>
+                                      </p:tavLst>
+                                    </p:anim>
+                                  </p:childTnLst>
+                                </p:cTn>
+                              </p:par>
+                            </p:childTnLst>
+                          </p:cTn>
+                        </p:par>
+                      </p:childTnLst>
+                    </p:cTn>
+                  </p:par>
+                  <p:par>
+                    <p:cTn id="17" fill="hold">
+                      <p:stCondLst>
+                        <p:cond delay="indefinite"/>
+                      </p:stCondLst>
+                      <p:childTnLst>
+                        <p:par>
+                          <p:cTn id="18" fill="hold">
+                            <p:stCondLst>
+                              <p:cond delay="0"/>
+                            </p:stCondLst>
+                            <p:childTnLst>
+                              <p:par>
+                                <p:cTn id="19" presetID="42" presetClass="entr" presetSubtype="0" fill="hold" nodeType="clickEffect">
+                                  <p:stCondLst>
+                                    <p:cond delay="0"/>
+                                  </p:stCondLst>
+                                  <p:childTnLst>
+                                    <p:set>
+                                      <p:cBhvr>
+                                        <p:cTn id="20" dur="1" fill="hold">
+                                          <p:stCondLst>
+                                            <p:cond delay="0"/>
+                                          </p:stCondLst>
+                                        </p:cTn>
+                                        <p:tgtEl>
+                                          <p:spTgt spid="8"/>
+                                        </p:tgtEl>
+                                        <p:attrNameLst>
+                                          <p:attrName>style.visibility</p:attrName>
+                                        </p:attrNameLst>
+                                      </p:cBhvr>
+                                      <p:to>
+                                        <p:strVal val="visible"/>
+                                      </p:to>
+                                    </p:set>
+                                    <p:animEffect transition="in" filter="fade">
+                                      <p:cBhvr>
+                                        <p:cTn id="21" dur="1000"/>
+                                        <p:tgtEl>
+                                          <p:spTgt spid="8"/>
+                                        </p:tgtEl>
+                                      </p:cBhvr>
+                                    </p:animEffect>
+                                    <p:anim calcmode="lin" valueType="num">
+                                      <p:cBhvr>
+                                        <p:cTn id="22" dur="1000" fill="hold"/>
+                                        <p:tgtEl>
+                                          <p:spTgt spid="8"/>
+                                        </p:tgtEl>
+                                        <p:attrNameLst>
+                                          <p:attrName>ppt_x</p:attrName>
+                                        </p:attrNameLst>
+                                      </p:cBhvr>
+                                      <p:tavLst>
+                                        <p:tav tm="0">
+                                          <p:val>
+                                            <p:strVal val="#ppt_x"/>
+                                          </p:val>
+                                        </p:tav>
+                                        <p:tav tm="100000">
+                                          <p:val>
+                                            <p:strVal val="#ppt_x"/>
+                                          </p:val>
+                                        </p:tav>
+                                      </p:tavLst>
+                                    </p:anim>
+                                    <p:anim calcmode="lin" valueType="num">
+                                      <p:cBhvr>
+                                        <p:cTn id="23" dur="1000" fill="hold"/>
+                                        <p:tgtEl>
+                                          <p:spTgt spid="8"/>
+                                        </p:tgtEl>
+                                        <p:attrNameLst>
+                                          <p:attrName>ppt_y</p:attrName>
+                                        </p:attrNameLst>
+                                      </p:cBhvr>
+                                      <p:tavLst>
+                                        <p:tav tm="0">
+                                          <p:val>
+                                            <p:strVal val="#ppt_y+.1"/>
+                                          </p:val>
+                                        </p:tav>
+                                        <p:tav tm="100000">
+                                          <p:val>
+                                            <p:strVal val="#ppt_y"/>
+                                          </p:val>
+                                        </p:tav>
+                                      </p:tavLst>
+                                    </p:anim>
+                                  </p:childTnLst>
+                                </p:cTn>
+                              </p:par>
+                            </p:childTnLst>
+                          </p:cTn>
+                        </p:par>
+                      </p:childTnLst>
+                    </p:cTn>
+                  </p:par>
+                  <p:par>
+                    <p:cTn id="24" fill="hold">
+                      <p:stCondLst>
+                        <p:cond delay="indefinite"/>
+                      </p:stCondLst>
+                      <p:childTnLst>
+                        <p:par>
+                          <p:cTn id="25" fill="hold">
+                            <p:stCondLst>
+                              <p:cond delay="0"/>
+                            </p:stCondLst>
+                            <p:childTnLst>
+                              <p:par>
+                                <p:cTn id="26" presetID="42" presetClass="entr" presetSubtype="0" fill="hold" nodeType="clickEffect">
+                                  <p:stCondLst>
+                                    <p:cond delay="0"/>
+                                  </p:stCondLst>
+                                  <p:childTnLst>
+                                    <p:set>
+                                      <p:cBhvr>
+                                        <p:cTn id="27" dur="1" fill="hold">
+                                          <p:stCondLst>
+                                            <p:cond delay="0"/>
+                                          </p:stCondLst>
+                                        </p:cTn>
+                                        <p:tgtEl>
+                                          <p:spTgt spid="9"/>
+                                        </p:tgtEl>
+                                        <p:attrNameLst>
+                                          <p:attrName>style.visibility</p:attrName>
+                                        </p:attrNameLst>
+                                      </p:cBhvr>
+                                      <p:to>
+                                        <p:strVal val="visible"/>
+                                      </p:to>
+                                    </p:set>
+                                    <p:animEffect transition="in" filter="fade">
+                                      <p:cBhvr>
+                                        <p:cTn id="28" dur="1000"/>
+                                        <p:tgtEl>
+                                          <p:spTgt spid="9"/>
+                                        </p:tgtEl>
+                                      </p:cBhvr>
+                                    </p:animEffect>
+                                    <p:anim calcmode="lin" valueType="num">
+                                      <p:cBhvr>
+                                        <p:cTn id="29" dur="1000" fill="hold"/>
+                                        <p:tgtEl>
+                                          <p:spTgt spid="9"/>
+                                        </p:tgtEl>
+                                        <p:attrNameLst>
+                                          <p:attrName>ppt_x</p:attrName>
+                                        </p:attrNameLst>
+                                      </p:cBhvr>
+                                      <p:tavLst>
+                                        <p:tav tm="0">
+                                          <p:val>
+                                            <p:strVal val="#ppt_x"/>
+                                          </p:val>
+                                        </p:tav>
+                                        <p:tav tm="100000">
+                                          <p:val>
+                                            <p:strVal val="#ppt_x"/>
+                                          </p:val>
+                                        </p:tav>
+                                      </p:tavLst>
+                                    </p:anim>
+                                    <p:anim calcmode="lin" valueType="num">
+                                      <p:cBhvr>
+                                        <p:cTn id="30" dur="1000" fill="hold"/>
+                                        <p:tgtEl>
+                                          <p:spTgt spid="9"/>
+                                        </p:tgtEl>
+                                        <p:attrNameLst>
+                                          <p:attrName>ppt_y</p:attrName>
+                                        </p:attrNameLst>
+                                      </p:cBhvr>
+                                      <p:tavLst>
+                                        <p:tav tm="0">
+                                          <p:val>
+                                            <p:strVal val="#ppt_y+.1"/>
+                                          </p:val>
+                                        </p:tav>
+                                        <p:tav tm="100000">
+                                          <p:val>
+                                            <p:strVal val="#ppt_y"/>
+                                          </p:val>
+                                        </p:tav>
+                                      </p:tavLst>
+                                    </p:anim>
+                                  </p:childTnLst>
+                                </p:cTn>
+                              </p:par>
+                            </p:childTnLst>
+                          </p:cTn>
+                        </p:par>
+                      </p:childTnLst>
+                    </p:cTn>
+                  </p:par>
+                </p:childTnLst>
+              </p:cTn>
+              <p:prevCondLst>
+                <p:cond evt="onPrev" delay="0">
+                  <p:tgtEl>
+                    <p:sldTgt/>
+                  </p:tgtEl>
+                </p:cond>
+              </p:prevCondLst>
+              <p:nextCondLst>
+                <p:cond evt="onNext" delay="0">
+                  <p:tgtEl>
+                    <p:sldTgt/>
+                  </p:tgtEl>
+                </p:cond>
+              </p:nextCondLst>
+            </p:seq>
+          </p:childTnLst>
+        </p:cTn>
       </p:par>
     </p:tnLst>
   </p:timing>
@@ -13332,47 +14294,6 @@
           </a:p>
         </p:txBody>
       </p:sp>
-      <p:pic>
-        <p:nvPicPr>
-          <p:cNvPr id="2051" name="Picture 3" descr="\\s81dsp01data01\ACIS-Udrive\Users\t10313\AILP Batch4\Images\sas.jpg"/>
-          <p:cNvPicPr>
-            <a:picLocks noChangeAspect="1" noChangeArrowheads="1"/>
-          </p:cNvPicPr>
-          <p:nvPr/>
-        </p:nvPicPr>
-        <p:blipFill>
-          <a:blip r:embed="rId2">
-            <a:extLst>
-              <a:ext uri="{28A0092B-C50C-407E-A947-70E740481C1C}">
-                <a14:useLocalDpi xmlns:a14="http://schemas.microsoft.com/office/drawing/2010/main" val="0"/>
-              </a:ext>
-            </a:extLst>
-          </a:blip>
-          <a:srcRect/>
-          <a:stretch>
-            <a:fillRect/>
-          </a:stretch>
-        </p:blipFill>
-        <p:spPr bwMode="auto">
-          <a:xfrm>
-            <a:off x="3249613" y="1484313"/>
-            <a:ext cx="2286000" cy="2286000"/>
-          </a:xfrm>
-          <a:prstGeom prst="rect">
-            <a:avLst/>
-          </a:prstGeom>
-          <a:noFill/>
-          <a:extLst>
-            <a:ext uri="{909E8E84-426E-40DD-AFC4-6F175D3DCCD1}">
-              <a14:hiddenFill xmlns:a14="http://schemas.microsoft.com/office/drawing/2010/main">
-                <a:solidFill>
-                  <a:srgbClr val="FFFFFF"/>
-                </a:solidFill>
-              </a14:hiddenFill>
-            </a:ext>
-          </a:extLst>
-        </p:spPr>
-      </p:pic>
     </p:spTree>
     <p:extLst>
       <p:ext uri="{BB962C8B-B14F-4D97-AF65-F5344CB8AC3E}">
@@ -13581,7 +14502,6 @@
               <a:rPr lang="en-GB" dirty="0"/>
               <a:t>is widely known as MIS.</a:t>
             </a:r>
-            <a:endParaRPr lang="en-GB" dirty="0"/>
           </a:p>
         </p:txBody>
       </p:sp>
@@ -13769,7 +14689,6 @@
               <a:rPr lang="en-GB" dirty="0"/>
               <a:t>processing.</a:t>
             </a:r>
-            <a:endParaRPr lang="en-GB" dirty="0"/>
           </a:p>
         </p:txBody>
       </p:sp>
@@ -14440,7 +15359,6 @@
               <a:rPr lang="en-GB" dirty="0"/>
               <a:t>alert reports</a:t>
             </a:r>
-            <a:endParaRPr lang="en-GB" dirty="0"/>
           </a:p>
         </p:txBody>
       </p:sp>
@@ -14610,7 +15528,6 @@
               <a:rPr lang="en-GB" dirty="0"/>
               <a:t>Supportive Technologies: Mainframes, UNIX, Windows and Oracle</a:t>
             </a:r>
-            <a:endParaRPr lang="en-GB" dirty="0"/>
           </a:p>
         </p:txBody>
       </p:sp>

--- a/AmruthaMohan.pptx
+++ b/AmruthaMohan.pptx
@@ -158,7 +158,7 @@
   </p:defaultTextStyle>
   <p:extLst>
     <p:ext uri="{EFAFB233-063F-42B5-8137-9DF3F51BA10A}">
-      <p15:sldGuideLst xmlns:p15="http://schemas.microsoft.com/office/powerpoint/2012/main">
+      <p15:sldGuideLst xmlns:p15="http://schemas.microsoft.com/office/powerpoint/2012/main" xmlns="">
         <p15:guide id="1" orient="horz" pos="1656">
           <p15:clr>
             <a:srgbClr val="A4A3A4"/>
@@ -172,7 +172,7 @@
       </p15:sldGuideLst>
     </p:ext>
     <p:ext uri="{2D200454-40CA-4A62-9FC3-DE9A4176ACB9}">
-      <p15:notesGuideLst xmlns:p15="http://schemas.microsoft.com/office/powerpoint/2012/main">
+      <p15:notesGuideLst xmlns:p15="http://schemas.microsoft.com/office/powerpoint/2012/main" xmlns="">
         <p15:guide id="1" orient="horz" pos="2880">
           <p15:clr>
             <a:srgbClr val="A4A3A4"/>
@@ -271,7 +271,7 @@
           <a:p>
             <a:fld id="{2E403D10-7F5E-4FE6-8B11-C5F4484721E3}" type="datetimeFigureOut">
               <a:rPr lang="en-GB" smtClean="0"/>
-              <a:t>09/09/2018</a:t>
+              <a:t>10/09/2018</a:t>
             </a:fld>
             <a:endParaRPr lang="en-GB"/>
           </a:p>
@@ -436,7 +436,7 @@
           <a:p>
             <a:fld id="{9F5E9DC1-8FB7-41FF-9F50-7EF2E6EBE329}" type="datetimeFigureOut">
               <a:rPr lang="en-GB" smtClean="0"/>
-              <a:t>09/09/2018</a:t>
+              <a:t>10/09/2018</a:t>
             </a:fld>
             <a:endParaRPr lang="en-GB"/>
           </a:p>
@@ -886,7 +886,7 @@
             <a:fld id="{1D8BD707-D9CF-40AE-B4C6-C98DA3205C09}" type="datetimeFigureOut">
               <a:rPr lang="en-US" smtClean="0"/>
               <a:pPr/>
-              <a:t>9/9/2018</a:t>
+              <a:t>9/10/2018</a:t>
             </a:fld>
             <a:endParaRPr lang="en-US"/>
           </a:p>
@@ -1053,7 +1053,7 @@
             <a:fld id="{1D8BD707-D9CF-40AE-B4C6-C98DA3205C09}" type="datetimeFigureOut">
               <a:rPr lang="en-US" smtClean="0"/>
               <a:pPr/>
-              <a:t>9/9/2018</a:t>
+              <a:t>9/10/2018</a:t>
             </a:fld>
             <a:endParaRPr lang="en-US"/>
           </a:p>
@@ -1230,7 +1230,7 @@
             <a:fld id="{1D8BD707-D9CF-40AE-B4C6-C98DA3205C09}" type="datetimeFigureOut">
               <a:rPr lang="en-US" smtClean="0"/>
               <a:pPr/>
-              <a:t>9/9/2018</a:t>
+              <a:t>9/10/2018</a:t>
             </a:fld>
             <a:endParaRPr lang="en-US"/>
           </a:p>
@@ -2638,7 +2638,7 @@
           <a:p>
             <a:fld id="{B0712CAB-150C-4C67-A6F6-7AD476CA4C2E}" type="datetime5">
               <a:rPr lang="en-US" smtClean="0"/>
-              <a:t>9-Sep-18</a:t>
+              <a:t>10-Sep-18</a:t>
             </a:fld>
             <a:endParaRPr lang="en-GB"/>
           </a:p>
@@ -3031,7 +3031,7 @@
             <a:fld id="{1D8BD707-D9CF-40AE-B4C6-C98DA3205C09}" type="datetimeFigureOut">
               <a:rPr lang="en-US" smtClean="0"/>
               <a:pPr/>
-              <a:t>9/9/2018</a:t>
+              <a:t>9/10/2018</a:t>
             </a:fld>
             <a:endParaRPr lang="en-US"/>
           </a:p>
@@ -3274,7 +3274,7 @@
             <a:fld id="{1D8BD707-D9CF-40AE-B4C6-C98DA3205C09}" type="datetimeFigureOut">
               <a:rPr lang="en-US" smtClean="0"/>
               <a:pPr/>
-              <a:t>9/9/2018</a:t>
+              <a:t>9/10/2018</a:t>
             </a:fld>
             <a:endParaRPr lang="en-US"/>
           </a:p>
@@ -3559,7 +3559,7 @@
             <a:fld id="{1D8BD707-D9CF-40AE-B4C6-C98DA3205C09}" type="datetimeFigureOut">
               <a:rPr lang="en-US" smtClean="0"/>
               <a:pPr/>
-              <a:t>9/9/2018</a:t>
+              <a:t>9/10/2018</a:t>
             </a:fld>
             <a:endParaRPr lang="en-US"/>
           </a:p>
@@ -3978,7 +3978,7 @@
             <a:fld id="{1D8BD707-D9CF-40AE-B4C6-C98DA3205C09}" type="datetimeFigureOut">
               <a:rPr lang="en-US" smtClean="0"/>
               <a:pPr/>
-              <a:t>9/9/2018</a:t>
+              <a:t>9/10/2018</a:t>
             </a:fld>
             <a:endParaRPr lang="en-US"/>
           </a:p>
@@ -4093,7 +4093,7 @@
             <a:fld id="{1D8BD707-D9CF-40AE-B4C6-C98DA3205C09}" type="datetimeFigureOut">
               <a:rPr lang="en-US" smtClean="0"/>
               <a:pPr/>
-              <a:t>9/9/2018</a:t>
+              <a:t>9/10/2018</a:t>
             </a:fld>
             <a:endParaRPr lang="en-US"/>
           </a:p>
@@ -4185,7 +4185,7 @@
             <a:fld id="{1D8BD707-D9CF-40AE-B4C6-C98DA3205C09}" type="datetimeFigureOut">
               <a:rPr lang="en-US" smtClean="0"/>
               <a:pPr/>
-              <a:t>9/9/2018</a:t>
+              <a:t>9/10/2018</a:t>
             </a:fld>
             <a:endParaRPr lang="en-US"/>
           </a:p>
@@ -4459,7 +4459,7 @@
             <a:fld id="{1D8BD707-D9CF-40AE-B4C6-C98DA3205C09}" type="datetimeFigureOut">
               <a:rPr lang="en-US" smtClean="0"/>
               <a:pPr/>
-              <a:t>9/9/2018</a:t>
+              <a:t>9/10/2018</a:t>
             </a:fld>
             <a:endParaRPr lang="en-US"/>
           </a:p>
@@ -4709,7 +4709,7 @@
             <a:fld id="{1D8BD707-D9CF-40AE-B4C6-C98DA3205C09}" type="datetimeFigureOut">
               <a:rPr lang="en-US" smtClean="0"/>
               <a:pPr/>
-              <a:t>9/9/2018</a:t>
+              <a:t>9/10/2018</a:t>
             </a:fld>
             <a:endParaRPr lang="en-US"/>
           </a:p>
@@ -4919,7 +4919,7 @@
             <a:fld id="{1D8BD707-D9CF-40AE-B4C6-C98DA3205C09}" type="datetimeFigureOut">
               <a:rPr lang="en-US" smtClean="0"/>
               <a:pPr/>
-              <a:t>9/9/2018</a:t>
+              <a:t>9/10/2018</a:t>
             </a:fld>
             <a:endParaRPr lang="en-US"/>
           </a:p>
@@ -10967,28 +10967,28 @@
       </p:sp>
       <p:grpSp>
         <p:nvGrpSpPr>
-          <p:cNvPr id="6" name="Canvas 1"/>
+          <p:cNvPr id="41" name="Canvas 1"/>
           <p:cNvGrpSpPr/>
           <p:nvPr/>
         </p:nvGrpSpPr>
         <p:grpSpPr>
           <a:xfrm>
-            <a:off x="294512" y="1027905"/>
-            <a:ext cx="8060500" cy="4228308"/>
+            <a:off x="294512" y="951706"/>
+            <a:ext cx="8136700" cy="3581399"/>
             <a:chOff x="0" y="0"/>
-            <a:chExt cx="5856051" cy="2129790"/>
+            <a:chExt cx="6624320" cy="1857375"/>
           </a:xfrm>
         </p:grpSpPr>
         <p:sp>
           <p:nvSpPr>
-            <p:cNvPr id="7" name="Rectangle 6"/>
+            <p:cNvPr id="42" name="Rectangle 41"/>
             <p:cNvSpPr/>
             <p:nvPr/>
           </p:nvSpPr>
           <p:spPr>
             <a:xfrm>
               <a:off x="0" y="0"/>
-              <a:ext cx="5855970" cy="2129790"/>
+              <a:ext cx="6624320" cy="1857375"/>
             </a:xfrm>
             <a:prstGeom prst="rect">
               <a:avLst/>
@@ -10997,14 +10997,14 @@
         </p:sp>
         <p:sp>
           <p:nvSpPr>
-            <p:cNvPr id="8" name="Rectangle 7"/>
+            <p:cNvPr id="43" name="Rectangle 42"/>
             <p:cNvSpPr/>
             <p:nvPr/>
           </p:nvSpPr>
           <p:spPr>
             <a:xfrm>
-              <a:off x="1099170" y="301558"/>
-              <a:ext cx="3288003" cy="1352145"/>
+              <a:off x="1206078" y="194235"/>
+              <a:ext cx="3900867" cy="1478923"/>
             </a:xfrm>
             <a:prstGeom prst="rect">
               <a:avLst/>
@@ -11040,14 +11040,14 @@
         </p:sp>
         <p:sp>
           <p:nvSpPr>
-            <p:cNvPr id="9" name="Rectangle 8"/>
+            <p:cNvPr id="44" name="Rectangle 43"/>
             <p:cNvSpPr/>
             <p:nvPr/>
           </p:nvSpPr>
           <p:spPr>
             <a:xfrm>
-              <a:off x="1342382" y="807397"/>
-              <a:ext cx="758785" cy="272374"/>
+              <a:off x="1546688" y="700179"/>
+              <a:ext cx="1021396" cy="272374"/>
             </a:xfrm>
             <a:prstGeom prst="rect">
               <a:avLst/>
@@ -11085,25 +11085,31 @@
                 </a:spcAft>
               </a:pPr>
               <a:r>
-                <a:rPr lang="en-GB" sz="1100">
+                <a:rPr lang="en-GB" sz="1400" b="1">
                   <a:effectLst/>
+                  <a:latin typeface="Times New Roman"/>
                   <a:ea typeface="Calibri"/>
                   <a:cs typeface="Times New Roman"/>
                 </a:rPr>
                 <a:t>Platform</a:t>
               </a:r>
+              <a:endParaRPr lang="en-GB" sz="1100">
+                <a:effectLst/>
+                <a:ea typeface="Calibri"/>
+                <a:cs typeface="Times New Roman"/>
+              </a:endParaRPr>
             </a:p>
           </p:txBody>
         </p:sp>
         <p:sp>
           <p:nvSpPr>
-            <p:cNvPr id="10" name="Rectangle 9"/>
+            <p:cNvPr id="45" name="Rectangle 44"/>
             <p:cNvSpPr/>
             <p:nvPr/>
           </p:nvSpPr>
           <p:spPr>
             <a:xfrm>
-              <a:off x="2324867" y="807397"/>
+              <a:off x="2830695" y="700394"/>
               <a:ext cx="758190" cy="271780"/>
             </a:xfrm>
             <a:prstGeom prst="rect">
@@ -11142,7 +11148,7 @@
                 </a:spcAft>
               </a:pPr>
               <a:r>
-                <a:rPr lang="en-GB" sz="1100">
+                <a:rPr lang="en-GB" sz="1400" b="1">
                   <a:effectLst/>
                   <a:latin typeface="Times New Roman"/>
                   <a:ea typeface="Calibri"/>
@@ -11159,14 +11165,14 @@
         </p:sp>
         <p:sp>
           <p:nvSpPr>
-            <p:cNvPr id="12" name="Rectangle 11"/>
+            <p:cNvPr id="46" name="Rectangle 45"/>
             <p:cNvSpPr/>
             <p:nvPr/>
           </p:nvSpPr>
           <p:spPr>
             <a:xfrm>
-              <a:off x="3316988" y="802571"/>
-              <a:ext cx="875655" cy="271780"/>
+              <a:off x="3831779" y="704080"/>
+              <a:ext cx="1109586" cy="271780"/>
             </a:xfrm>
             <a:prstGeom prst="rect">
               <a:avLst/>
@@ -11204,7 +11210,7 @@
                 </a:spcAft>
               </a:pPr>
               <a:r>
-                <a:rPr lang="en-GB" sz="1100">
+                <a:rPr lang="en-GB" sz="1400" b="1">
                   <a:effectLst/>
                   <a:latin typeface="Times New Roman"/>
                   <a:ea typeface="Calibri"/>
@@ -11221,14 +11227,14 @@
         </p:sp>
         <p:sp>
           <p:nvSpPr>
-            <p:cNvPr id="13" name="Text Box 11"/>
+            <p:cNvPr id="47" name="Text Box 11"/>
             <p:cNvSpPr txBox="1"/>
             <p:nvPr/>
           </p:nvSpPr>
           <p:spPr>
             <a:xfrm>
-              <a:off x="2062224" y="1303506"/>
-              <a:ext cx="1167320" cy="262647"/>
+              <a:off x="2557890" y="1194768"/>
+              <a:ext cx="1478928" cy="351931"/>
             </a:xfrm>
             <a:prstGeom prst="rect">
               <a:avLst/>
@@ -11275,26 +11281,32 @@
                 </a:spcAft>
               </a:pPr>
               <a:r>
-                <a:rPr lang="en-GB" sz="1100">
+                <a:rPr lang="en-GB" sz="1400" b="1">
                   <a:effectLst/>
+                  <a:latin typeface="Times New Roman"/>
                   <a:ea typeface="Calibri"/>
                   <a:cs typeface="Times New Roman"/>
                 </a:rPr>
                 <a:t>Data Warehouse</a:t>
               </a:r>
+              <a:endParaRPr lang="en-GB" sz="1100">
+                <a:effectLst/>
+                <a:ea typeface="Calibri"/>
+                <a:cs typeface="Times New Roman"/>
+              </a:endParaRPr>
             </a:p>
           </p:txBody>
         </p:sp>
         <p:sp>
           <p:nvSpPr>
-            <p:cNvPr id="14" name="Text Box 11"/>
+            <p:cNvPr id="48" name="Text Box 11"/>
             <p:cNvSpPr txBox="1"/>
             <p:nvPr/>
           </p:nvSpPr>
           <p:spPr>
             <a:xfrm>
-              <a:off x="77821" y="882782"/>
-              <a:ext cx="574369" cy="101398"/>
+              <a:off x="172979" y="765604"/>
+              <a:ext cx="992121" cy="182843"/>
             </a:xfrm>
             <a:prstGeom prst="rect">
               <a:avLst/>
@@ -11341,7 +11353,7 @@
                 </a:spcAft>
               </a:pPr>
               <a:r>
-                <a:rPr lang="en-GB" sz="1100" dirty="0">
+                <a:rPr lang="en-GB" sz="1400" b="1" dirty="0">
                   <a:effectLst/>
                   <a:latin typeface="Times New Roman"/>
                   <a:ea typeface="Calibri"/>
@@ -11358,14 +11370,14 @@
         </p:sp>
         <p:sp>
           <p:nvSpPr>
-            <p:cNvPr id="15" name="Text Box 11"/>
+            <p:cNvPr id="49" name="Text Box 11"/>
             <p:cNvSpPr txBox="1"/>
             <p:nvPr/>
           </p:nvSpPr>
           <p:spPr>
             <a:xfrm>
-              <a:off x="4611579" y="501405"/>
-              <a:ext cx="1244472" cy="262255"/>
+              <a:off x="5310464" y="408560"/>
+              <a:ext cx="1313510" cy="290875"/>
             </a:xfrm>
             <a:prstGeom prst="rect">
               <a:avLst/>
@@ -11412,7 +11424,7 @@
                 </a:spcAft>
               </a:pPr>
               <a:r>
-                <a:rPr lang="en-GB" sz="1100">
+                <a:rPr lang="en-GB" sz="1100" b="1">
                   <a:effectLst/>
                   <a:latin typeface="Times New Roman"/>
                   <a:ea typeface="Calibri"/>
@@ -11429,14 +11441,14 @@
         </p:sp>
         <p:sp>
           <p:nvSpPr>
-            <p:cNvPr id="16" name="Text Box 11"/>
+            <p:cNvPr id="50" name="Text Box 11"/>
             <p:cNvSpPr txBox="1"/>
             <p:nvPr/>
           </p:nvSpPr>
           <p:spPr>
             <a:xfrm>
-              <a:off x="4610172" y="812690"/>
-              <a:ext cx="953867" cy="262255"/>
+              <a:off x="5339744" y="705255"/>
+              <a:ext cx="1245880" cy="334773"/>
             </a:xfrm>
             <a:prstGeom prst="rect">
               <a:avLst/>
@@ -11483,7 +11495,7 @@
                 </a:spcAft>
               </a:pPr>
               <a:r>
-                <a:rPr lang="en-GB" sz="1100">
+                <a:rPr lang="en-GB" sz="1400" b="1">
                   <a:effectLst/>
                   <a:latin typeface="Times New Roman"/>
                   <a:ea typeface="Calibri"/>
@@ -11500,14 +11512,14 @@
         </p:sp>
         <p:sp>
           <p:nvSpPr>
-            <p:cNvPr id="17" name="Text Box 11"/>
+            <p:cNvPr id="51" name="Text Box 11"/>
             <p:cNvSpPr txBox="1"/>
             <p:nvPr/>
           </p:nvSpPr>
           <p:spPr>
             <a:xfrm>
-              <a:off x="4639940" y="1147858"/>
-              <a:ext cx="719993" cy="262255"/>
+              <a:off x="5369512" y="1038719"/>
+              <a:ext cx="749184" cy="322239"/>
             </a:xfrm>
             <a:prstGeom prst="rect">
               <a:avLst/>
@@ -11554,7 +11566,7 @@
                 </a:spcAft>
               </a:pPr>
               <a:r>
-                <a:rPr lang="en-GB" sz="1100">
+                <a:rPr lang="en-GB" sz="1400" b="1">
                   <a:effectLst/>
                   <a:latin typeface="Times New Roman"/>
                   <a:ea typeface="Calibri"/>
@@ -11571,21 +11583,21 @@
         </p:sp>
         <p:cxnSp>
           <p:nvCxnSpPr>
-            <p:cNvPr id="18" name="Straight Arrow Connector 17"/>
+            <p:cNvPr id="52" name="Straight Arrow Connector 51"/>
             <p:cNvCxnSpPr>
-              <a:endCxn id="9" idx="1"/>
+              <a:stCxn id="46" idx="3"/>
             </p:cNvCxnSpPr>
             <p:nvPr/>
           </p:nvCxnSpPr>
           <p:spPr>
-            <a:xfrm>
-              <a:off x="710001" y="943427"/>
-              <a:ext cx="632381" cy="157"/>
+            <a:xfrm flipV="1">
+              <a:off x="4941365" y="583661"/>
+              <a:ext cx="369618" cy="256309"/>
             </a:xfrm>
             <a:prstGeom prst="straightConnector1">
               <a:avLst/>
             </a:prstGeom>
-            <a:ln>
+            <a:ln w="38100">
               <a:tailEnd type="arrow"/>
             </a:ln>
           </p:spPr>
@@ -11606,22 +11618,22 @@
         </p:cxnSp>
         <p:cxnSp>
           <p:nvCxnSpPr>
-            <p:cNvPr id="19" name="Straight Arrow Connector 18"/>
+            <p:cNvPr id="53" name="Straight Arrow Connector 52"/>
             <p:cNvCxnSpPr>
-              <a:stCxn id="12" idx="3"/>
-              <a:endCxn id="15" idx="1"/>
+              <a:stCxn id="46" idx="3"/>
+              <a:endCxn id="50" idx="1"/>
             </p:cNvCxnSpPr>
             <p:nvPr/>
           </p:nvCxnSpPr>
           <p:spPr>
-            <a:xfrm flipV="1">
-              <a:off x="4192643" y="632533"/>
-              <a:ext cx="418936" cy="305928"/>
+            <a:xfrm>
+              <a:off x="4941365" y="839970"/>
+              <a:ext cx="398379" cy="32672"/>
             </a:xfrm>
             <a:prstGeom prst="straightConnector1">
               <a:avLst/>
             </a:prstGeom>
-            <a:ln>
+            <a:ln w="38100">
               <a:tailEnd type="arrow"/>
             </a:ln>
           </p:spPr>
@@ -11642,58 +11654,21 @@
         </p:cxnSp>
         <p:cxnSp>
           <p:nvCxnSpPr>
-            <p:cNvPr id="20" name="Straight Arrow Connector 19"/>
+            <p:cNvPr id="54" name="Straight Arrow Connector 53"/>
             <p:cNvCxnSpPr>
-              <a:stCxn id="12" idx="3"/>
-              <a:endCxn id="16" idx="1"/>
+              <a:stCxn id="46" idx="3"/>
             </p:cNvCxnSpPr>
             <p:nvPr/>
           </p:nvCxnSpPr>
           <p:spPr>
             <a:xfrm>
-              <a:off x="4192643" y="938461"/>
-              <a:ext cx="417529" cy="5357"/>
+              <a:off x="4941365" y="839970"/>
+              <a:ext cx="369618" cy="359521"/>
             </a:xfrm>
             <a:prstGeom prst="straightConnector1">
               <a:avLst/>
             </a:prstGeom>
-            <a:ln>
-              <a:tailEnd type="arrow"/>
-            </a:ln>
-          </p:spPr>
-          <p:style>
-            <a:lnRef idx="1">
-              <a:schemeClr val="accent1"/>
-            </a:lnRef>
-            <a:fillRef idx="0">
-              <a:schemeClr val="accent1"/>
-            </a:fillRef>
-            <a:effectRef idx="0">
-              <a:schemeClr val="accent1"/>
-            </a:effectRef>
-            <a:fontRef idx="minor">
-              <a:schemeClr val="tx1"/>
-            </a:fontRef>
-          </p:style>
-        </p:cxnSp>
-        <p:cxnSp>
-          <p:nvCxnSpPr>
-            <p:cNvPr id="21" name="Straight Arrow Connector 20"/>
-            <p:cNvCxnSpPr>
-              <a:stCxn id="12" idx="3"/>
-              <a:endCxn id="17" idx="1"/>
-            </p:cNvCxnSpPr>
-            <p:nvPr/>
-          </p:nvCxnSpPr>
-          <p:spPr>
-            <a:xfrm>
-              <a:off x="4192643" y="938461"/>
-              <a:ext cx="447297" cy="340525"/>
-            </a:xfrm>
-            <a:prstGeom prst="straightConnector1">
-              <a:avLst/>
-            </a:prstGeom>
-            <a:ln>
+            <a:ln w="38100">
               <a:tailEnd type="arrow"/>
             </a:ln>
           </p:spPr>
@@ -11714,13 +11689,13 @@
         </p:cxnSp>
         <p:sp>
           <p:nvSpPr>
-            <p:cNvPr id="22" name="Right Arrow 21"/>
+            <p:cNvPr id="55" name="Right Arrow 54"/>
             <p:cNvSpPr/>
             <p:nvPr/>
           </p:nvSpPr>
           <p:spPr>
             <a:xfrm>
-              <a:off x="2101102" y="938461"/>
+              <a:off x="2587474" y="831458"/>
               <a:ext cx="223693" cy="45719"/>
             </a:xfrm>
             <a:prstGeom prst="rightArrow">
@@ -11758,14 +11733,58 @@
         </p:sp>
         <p:sp>
           <p:nvSpPr>
-            <p:cNvPr id="23" name="Right Arrow 22"/>
+            <p:cNvPr id="56" name="Right Arrow 55"/>
             <p:cNvSpPr/>
             <p:nvPr/>
           </p:nvSpPr>
           <p:spPr>
             <a:xfrm>
-              <a:off x="3082968" y="933636"/>
+              <a:off x="3608252" y="826633"/>
               <a:ext cx="223520" cy="45085"/>
+            </a:xfrm>
+            <a:prstGeom prst="rightArrow">
+              <a:avLst/>
+            </a:prstGeom>
+          </p:spPr>
+          <p:style>
+            <a:lnRef idx="2">
+              <a:schemeClr val="accent1">
+                <a:shade val="50000"/>
+              </a:schemeClr>
+            </a:lnRef>
+            <a:fillRef idx="1">
+              <a:schemeClr val="accent1"/>
+            </a:fillRef>
+            <a:effectRef idx="0">
+              <a:schemeClr val="accent1"/>
+            </a:effectRef>
+            <a:fontRef idx="minor">
+              <a:schemeClr val="lt1"/>
+            </a:fontRef>
+          </p:style>
+          <p:txBody>
+            <a:bodyPr rot="0" spcFirstLastPara="0" vert="horz" wrap="square" lIns="91440" tIns="45720" rIns="91440" bIns="45720" numCol="1" spcCol="0" rtlCol="0" fromWordArt="0" anchor="ctr" anchorCtr="0" forceAA="0" compatLnSpc="1">
+              <a:prstTxWarp prst="textNoShape">
+                <a:avLst/>
+              </a:prstTxWarp>
+              <a:noAutofit/>
+            </a:bodyPr>
+            <a:lstStyle/>
+            <a:p>
+              <a:endParaRPr lang="en-GB"/>
+            </a:p>
+          </p:txBody>
+        </p:sp>
+        <p:sp>
+          <p:nvSpPr>
+            <p:cNvPr id="57" name="Right Arrow 56"/>
+            <p:cNvSpPr/>
+            <p:nvPr/>
+          </p:nvSpPr>
+          <p:spPr>
+            <a:xfrm>
+              <a:off x="860906" y="831640"/>
+              <a:ext cx="656533" cy="45719"/>
             </a:xfrm>
             <a:prstGeom prst="rightArrow">
               <a:avLst/>
@@ -12101,7 +12120,21 @@
                 <a:latin typeface="Times New Roman" panose="02020603050405020304" pitchFamily="18" charset="0"/>
                 <a:cs typeface="Times New Roman" panose="02020603050405020304" pitchFamily="18" charset="0"/>
               </a:rPr>
-              <a:t>SAS suit has 200 components.</a:t>
+              <a:t>SAS suit has </a:t>
+            </a:r>
+            <a:r>
+              <a:rPr lang="en-GB" sz="2000" dirty="0" smtClean="0">
+                <a:latin typeface="Times New Roman" panose="02020603050405020304" pitchFamily="18" charset="0"/>
+                <a:cs typeface="Times New Roman" panose="02020603050405020304" pitchFamily="18" charset="0"/>
+              </a:rPr>
+              <a:t>more than 200 </a:t>
+            </a:r>
+            <a:r>
+              <a:rPr lang="en-GB" sz="2000" dirty="0" smtClean="0">
+                <a:latin typeface="Times New Roman" panose="02020603050405020304" pitchFamily="18" charset="0"/>
+                <a:cs typeface="Times New Roman" panose="02020603050405020304" pitchFamily="18" charset="0"/>
+              </a:rPr>
+              <a:t>components.</a:t>
             </a:r>
           </a:p>
           <a:p>
@@ -12850,7 +12883,7 @@
         <p:spPr>
           <a:xfrm>
             <a:off x="506412" y="979031"/>
-            <a:ext cx="7239000" cy="3477875"/>
+            <a:ext cx="7239000" cy="3170099"/>
           </a:xfrm>
           <a:prstGeom prst="rect">
             <a:avLst/>
@@ -12863,6 +12896,12 @@
           </a:bodyPr>
           <a:lstStyle/>
           <a:p>
+            <a:endParaRPr lang="en-GB" sz="2000" dirty="0">
+              <a:latin typeface="Times New Roman" panose="02020603050405020304" pitchFamily="18" charset="0"/>
+              <a:cs typeface="Times New Roman" panose="02020603050405020304" pitchFamily="18" charset="0"/>
+            </a:endParaRPr>
+          </a:p>
+          <a:p>
             <a:pPr marL="285750" indent="-285750">
               <a:buFont typeface="Wingdings" panose="05000000000000000000" pitchFamily="2" charset="2"/>
               <a:buChar char="Ø"/>
@@ -12872,7 +12911,7 @@
                 <a:latin typeface="Times New Roman" panose="02020603050405020304" pitchFamily="18" charset="0"/>
                 <a:cs typeface="Times New Roman" panose="02020603050405020304" pitchFamily="18" charset="0"/>
               </a:rPr>
-              <a:t>Rules and Conventions.</a:t>
+              <a:t>Only two datatypes : Character &amp; Numeric</a:t>
             </a:r>
           </a:p>
           <a:p>
@@ -12895,29 +12934,6 @@
                 <a:latin typeface="Times New Roman" panose="02020603050405020304" pitchFamily="18" charset="0"/>
                 <a:cs typeface="Times New Roman" panose="02020603050405020304" pitchFamily="18" charset="0"/>
               </a:rPr>
-              <a:t>Only two datatypes : Character &amp; Numeric</a:t>
-            </a:r>
-          </a:p>
-          <a:p>
-            <a:pPr marL="285750" indent="-285750">
-              <a:buFont typeface="Wingdings" panose="05000000000000000000" pitchFamily="2" charset="2"/>
-              <a:buChar char="Ø"/>
-            </a:pPr>
-            <a:endParaRPr lang="en-GB" sz="2000" dirty="0">
-              <a:latin typeface="Times New Roman" panose="02020603050405020304" pitchFamily="18" charset="0"/>
-              <a:cs typeface="Times New Roman" panose="02020603050405020304" pitchFamily="18" charset="0"/>
-            </a:endParaRPr>
-          </a:p>
-          <a:p>
-            <a:pPr marL="285750" indent="-285750">
-              <a:buFont typeface="Wingdings" panose="05000000000000000000" pitchFamily="2" charset="2"/>
-              <a:buChar char="Ø"/>
-            </a:pPr>
-            <a:r>
-              <a:rPr lang="en-GB" sz="2000" dirty="0" smtClean="0">
-                <a:latin typeface="Times New Roman" panose="02020603050405020304" pitchFamily="18" charset="0"/>
-                <a:cs typeface="Times New Roman" panose="02020603050405020304" pitchFamily="18" charset="0"/>
-              </a:rPr>
               <a:t>Formats and </a:t>
             </a:r>
             <a:r>
@@ -12983,7 +12999,21 @@
                 <a:latin typeface="Times New Roman" panose="02020603050405020304" pitchFamily="18" charset="0"/>
                 <a:cs typeface="Times New Roman" panose="02020603050405020304" pitchFamily="18" charset="0"/>
               </a:rPr>
-              <a:t>. Like date7. (16AUG95)</a:t>
+              <a:t>. Like date7. </a:t>
+            </a:r>
+            <a:r>
+              <a:rPr lang="en-GB" sz="2000" dirty="0" smtClean="0">
+                <a:latin typeface="Times New Roman" panose="02020603050405020304" pitchFamily="18" charset="0"/>
+                <a:cs typeface="Times New Roman" panose="02020603050405020304" pitchFamily="18" charset="0"/>
+              </a:rPr>
+              <a:t>( Aug 16, 1995 -&gt; 16AUG95</a:t>
+            </a:r>
+            <a:r>
+              <a:rPr lang="en-GB" sz="2000" dirty="0" smtClean="0">
+                <a:latin typeface="Times New Roman" panose="02020603050405020304" pitchFamily="18" charset="0"/>
+                <a:cs typeface="Times New Roman" panose="02020603050405020304" pitchFamily="18" charset="0"/>
+              </a:rPr>
+              <a:t>)</a:t>
             </a:r>
           </a:p>
           <a:p>
@@ -16172,7 +16202,13 @@
             <p:ph type="body" sz="quarter" idx="19"/>
           </p:nvPr>
         </p:nvSpPr>
-        <p:spPr/>
+        <p:spPr>
+          <a:ln>
+            <a:solidFill>
+              <a:schemeClr val="tx2"/>
+            </a:solidFill>
+          </a:ln>
+        </p:spPr>
         <p:txBody>
           <a:bodyPr/>
           <a:lstStyle/>
@@ -16180,7 +16216,11 @@
             <a:pPr marL="0" indent="0">
               <a:buNone/>
             </a:pPr>
-            <a:endParaRPr lang="de-DE" dirty="0"/>
+            <a:endParaRPr lang="de-DE" dirty="0">
+              <a:solidFill>
+                <a:schemeClr val="tx2"/>
+              </a:solidFill>
+            </a:endParaRPr>
           </a:p>
         </p:txBody>
       </p:sp>

--- a/AmruthaMohan.pptx
+++ b/AmruthaMohan.pptx
@@ -5,10 +5,10 @@
     <p:sldMasterId id="2147483648" r:id="rId1"/>
   </p:sldMasterIdLst>
   <p:notesMasterIdLst>
-    <p:notesMasterId r:id="rId47"/>
+    <p:notesMasterId r:id="rId46"/>
   </p:notesMasterIdLst>
   <p:handoutMasterIdLst>
-    <p:handoutMasterId r:id="rId48"/>
+    <p:handoutMasterId r:id="rId47"/>
   </p:handoutMasterIdLst>
   <p:sldIdLst>
     <p:sldId id="257" r:id="rId2"/>
@@ -34,28 +34,27 @@
     <p:sldId id="287" r:id="rId22"/>
     <p:sldId id="269" r:id="rId23"/>
     <p:sldId id="270" r:id="rId24"/>
-    <p:sldId id="290" r:id="rId25"/>
-    <p:sldId id="310" r:id="rId26"/>
-    <p:sldId id="291" r:id="rId27"/>
-    <p:sldId id="292" r:id="rId28"/>
-    <p:sldId id="293" r:id="rId29"/>
-    <p:sldId id="319" r:id="rId30"/>
-    <p:sldId id="303" r:id="rId31"/>
-    <p:sldId id="271" r:id="rId32"/>
-    <p:sldId id="272" r:id="rId33"/>
-    <p:sldId id="304" r:id="rId34"/>
-    <p:sldId id="294" r:id="rId35"/>
-    <p:sldId id="296" r:id="rId36"/>
-    <p:sldId id="301" r:id="rId37"/>
-    <p:sldId id="273" r:id="rId38"/>
-    <p:sldId id="274" r:id="rId39"/>
-    <p:sldId id="326" r:id="rId40"/>
-    <p:sldId id="320" r:id="rId41"/>
-    <p:sldId id="321" r:id="rId42"/>
-    <p:sldId id="322" r:id="rId43"/>
-    <p:sldId id="275" r:id="rId44"/>
-    <p:sldId id="276" r:id="rId45"/>
-    <p:sldId id="277" r:id="rId46"/>
+    <p:sldId id="310" r:id="rId25"/>
+    <p:sldId id="291" r:id="rId26"/>
+    <p:sldId id="292" r:id="rId27"/>
+    <p:sldId id="293" r:id="rId28"/>
+    <p:sldId id="319" r:id="rId29"/>
+    <p:sldId id="303" r:id="rId30"/>
+    <p:sldId id="271" r:id="rId31"/>
+    <p:sldId id="272" r:id="rId32"/>
+    <p:sldId id="304" r:id="rId33"/>
+    <p:sldId id="294" r:id="rId34"/>
+    <p:sldId id="296" r:id="rId35"/>
+    <p:sldId id="301" r:id="rId36"/>
+    <p:sldId id="273" r:id="rId37"/>
+    <p:sldId id="274" r:id="rId38"/>
+    <p:sldId id="326" r:id="rId39"/>
+    <p:sldId id="320" r:id="rId40"/>
+    <p:sldId id="321" r:id="rId41"/>
+    <p:sldId id="322" r:id="rId42"/>
+    <p:sldId id="275" r:id="rId43"/>
+    <p:sldId id="276" r:id="rId44"/>
+    <p:sldId id="277" r:id="rId45"/>
   </p:sldIdLst>
   <p:sldSz cx="8785225" cy="5256213"/>
   <p:notesSz cx="6858000" cy="9144000"/>
@@ -156,7 +155,7 @@
   </p:defaultTextStyle>
   <p:extLst>
     <p:ext uri="{EFAFB233-063F-42B5-8137-9DF3F51BA10A}">
-      <p15:sldGuideLst xmlns:p15="http://schemas.microsoft.com/office/powerpoint/2012/main" xmlns="">
+      <p15:sldGuideLst xmlns="" xmlns:p15="http://schemas.microsoft.com/office/powerpoint/2012/main">
         <p15:guide id="1" orient="horz" pos="1656">
           <p15:clr>
             <a:srgbClr val="A4A3A4"/>
@@ -170,7 +169,7 @@
       </p15:sldGuideLst>
     </p:ext>
     <p:ext uri="{2D200454-40CA-4A62-9FC3-DE9A4176ACB9}">
-      <p15:notesGuideLst xmlns:p15="http://schemas.microsoft.com/office/powerpoint/2012/main" xmlns="">
+      <p15:notesGuideLst xmlns="" xmlns:p15="http://schemas.microsoft.com/office/powerpoint/2012/main">
         <p15:guide id="1" orient="horz" pos="2880">
           <p15:clr>
             <a:srgbClr val="A4A3A4"/>
@@ -18853,7 +18852,7 @@
           <a:p>
             <a:fld id="{E9CB1C54-5ED4-44E6-9A67-249D716383BE}" type="slidenum">
               <a:rPr lang="en-GB" smtClean="0"/>
-              <a:t>25</a:t>
+              <a:t>24</a:t>
             </a:fld>
             <a:endParaRPr lang="en-GB"/>
           </a:p>
@@ -18922,11 +18921,7 @@
             </a:r>
             <a:r>
               <a:rPr lang="en-GB" baseline="0" dirty="0" smtClean="0"/>
-              <a:t> coverage or compensation for a covered loss or policy event</a:t>
-            </a:r>
-            <a:r>
-              <a:rPr lang="en-GB" baseline="0" dirty="0" smtClean="0"/>
-              <a:t>.</a:t>
+              <a:t> coverage or compensation for a covered loss or policy event.</a:t>
             </a:r>
           </a:p>
           <a:p>
@@ -18960,11 +18955,7 @@
           <a:p>
             <a:r>
               <a:rPr lang="en-GB" baseline="0" dirty="0" smtClean="0"/>
-              <a:t>Claim estimate : Guess of how much  the claim cost. It can be a manual estimate by the claim handler</a:t>
-            </a:r>
-            <a:r>
-              <a:rPr lang="en-GB" baseline="0" dirty="0" smtClean="0"/>
-              <a:t>.</a:t>
+              <a:t>Claim estimate : Guess of how much  the claim cost. It can be a manual estimate by the claim handler.</a:t>
             </a:r>
           </a:p>
           <a:p>
@@ -18984,7 +18975,6 @@
               <a:rPr lang="en-GB" baseline="0" dirty="0" smtClean="0"/>
               <a:t>Claim recovery : money received from other insurers or money received from other recoverable. </a:t>
             </a:r>
-            <a:endParaRPr lang="en-GB" baseline="0" dirty="0" smtClean="0"/>
           </a:p>
           <a:p>
             <a:endParaRPr lang="en-GB" baseline="0" dirty="0" smtClean="0"/>
@@ -18995,28 +18985,7 @@
                 <a:latin typeface="Times New Roman" panose="02020603050405020304" pitchFamily="18" charset="0"/>
                 <a:cs typeface="Times New Roman" panose="02020603050405020304" pitchFamily="18" charset="0"/>
               </a:rPr>
-              <a:t>Claim </a:t>
-            </a:r>
-            <a:r>
-              <a:rPr lang="en-GB" b="0" dirty="0" smtClean="0">
-                <a:latin typeface="Times New Roman" panose="02020603050405020304" pitchFamily="18" charset="0"/>
-                <a:cs typeface="Times New Roman" panose="02020603050405020304" pitchFamily="18" charset="0"/>
-              </a:rPr>
-              <a:t>recovery is called “subrogation”, which is a legal term meaning that the insurance company assumes the right of its insured to pursue a claim against a </a:t>
-            </a:r>
-            <a:r>
-              <a:rPr lang="en-GB" b="0" dirty="0" smtClean="0">
-                <a:latin typeface="Times New Roman" panose="02020603050405020304" pitchFamily="18" charset="0"/>
-                <a:cs typeface="Times New Roman" panose="02020603050405020304" pitchFamily="18" charset="0"/>
-              </a:rPr>
-              <a:t>wrongdoer. If </a:t>
-            </a:r>
-            <a:r>
-              <a:rPr lang="en-GB" b="0" dirty="0" smtClean="0">
-                <a:latin typeface="Times New Roman" panose="02020603050405020304" pitchFamily="18" charset="0"/>
-                <a:cs typeface="Times New Roman" panose="02020603050405020304" pitchFamily="18" charset="0"/>
-              </a:rPr>
-              <a:t>your insurance company pays for damage to your car under the collision coverage, it will pursue its payment (and your deductible amount) from the party who was at fault for the accident. It will make a subrogation claim against that person’s insurance company. If it recovers all or part of the loss, you will get a pro rata share of your deductible back again.</a:t>
+              <a:t>Claim recovery is called “subrogation”, which is a legal term meaning that the insurance company assumes the right of its insured to pursue a claim against a wrongdoer. If your insurance company pays for damage to your car under the collision coverage, it will pursue its payment (and your deductible amount) from the party who was at fault for the accident. It will make a subrogation claim against that person’s insurance company. If it recovers all or part of the loss, you will get a pro rata share of your deductible back again.</a:t>
             </a:r>
           </a:p>
           <a:p>
@@ -19078,7 +19047,7 @@
           <a:p>
             <a:fld id="{E9CB1C54-5ED4-44E6-9A67-249D716383BE}" type="slidenum">
               <a:rPr lang="en-GB" smtClean="0"/>
-              <a:t>38</a:t>
+              <a:t>37</a:t>
             </a:fld>
             <a:endParaRPr lang="en-GB"/>
           </a:p>
@@ -19371,7 +19340,7 @@
           <a:p>
             <a:fld id="{E9CB1C54-5ED4-44E6-9A67-249D716383BE}" type="slidenum">
               <a:rPr lang="en-GB" smtClean="0"/>
-              <a:t>39</a:t>
+              <a:t>38</a:t>
             </a:fld>
             <a:endParaRPr lang="en-GB" dirty="0"/>
           </a:p>
@@ -19518,11 +19487,7 @@
             </a:r>
             <a:r>
               <a:rPr lang="en-GB" baseline="0" dirty="0" smtClean="0"/>
-              <a:t> </a:t>
-            </a:r>
-            <a:r>
-              <a:rPr lang="en-GB" baseline="0" dirty="0" smtClean="0"/>
-              <a:t>level details (one-to-one relationship with coronet)</a:t>
+              <a:t> level details (one-to-one relationship with coronet)</a:t>
             </a:r>
           </a:p>
           <a:p>
@@ -19554,7 +19519,7 @@
           <a:p>
             <a:fld id="{E9CB1C54-5ED4-44E6-9A67-249D716383BE}" type="slidenum">
               <a:rPr lang="en-GB" smtClean="0"/>
-              <a:t>40</a:t>
+              <a:t>39</a:t>
             </a:fld>
             <a:endParaRPr lang="en-GB"/>
           </a:p>
@@ -19682,7 +19647,7 @@
           <a:p>
             <a:fld id="{E9CB1C54-5ED4-44E6-9A67-249D716383BE}" type="slidenum">
               <a:rPr lang="en-GB" smtClean="0"/>
-              <a:t>41</a:t>
+              <a:t>40</a:t>
             </a:fld>
             <a:endParaRPr lang="en-GB"/>
           </a:p>
@@ -19756,11 +19721,24 @@
           <a:p>
             <a:r>
               <a:rPr lang="en-GB" dirty="0" smtClean="0"/>
-              <a:t>Summarised form than</a:t>
+              <a:t>Summarised</a:t>
             </a:r>
             <a:r>
               <a:rPr lang="en-GB" baseline="0" dirty="0" smtClean="0"/>
-              <a:t> the low level layer.</a:t>
+              <a:t> and aggregated version than the low level layer.</a:t>
+            </a:r>
+          </a:p>
+          <a:p>
+            <a:endParaRPr lang="en-GB" baseline="0" dirty="0" smtClean="0"/>
+          </a:p>
+          <a:p>
+            <a:r>
+              <a:rPr lang="en-GB" baseline="0" dirty="0" smtClean="0"/>
+              <a:t>There may be summaries </a:t>
+            </a:r>
+            <a:r>
+              <a:rPr lang="en-GB" baseline="0" smtClean="0"/>
+              <a:t>and pre-summaries</a:t>
             </a:r>
             <a:endParaRPr lang="en-GB" dirty="0" smtClean="0"/>
           </a:p>
@@ -19789,7 +19767,7 @@
           <a:p>
             <a:fld id="{E9CB1C54-5ED4-44E6-9A67-249D716383BE}" type="slidenum">
               <a:rPr lang="en-GB" smtClean="0"/>
-              <a:t>42</a:t>
+              <a:t>41</a:t>
             </a:fld>
             <a:endParaRPr lang="en-GB" dirty="0"/>
           </a:p>
@@ -28010,7 +27988,7 @@
         <p:spPr>
           <a:xfrm>
             <a:off x="0" y="8016"/>
-            <a:ext cx="7974012" cy="676049"/>
+            <a:ext cx="7974008" cy="676049"/>
           </a:xfrm>
           <a:solidFill>
             <a:schemeClr val="tx2">
@@ -28056,6 +28034,102 @@
               <a:t>24</a:t>
             </a:fld>
             <a:endParaRPr lang="en-GB" dirty="0"/>
+          </a:p>
+        </p:txBody>
+      </p:sp>
+      <p:sp>
+        <p:nvSpPr>
+          <p:cNvPr id="2" name="TextBox 1"/>
+          <p:cNvSpPr txBox="1"/>
+          <p:nvPr/>
+        </p:nvSpPr>
+        <p:spPr>
+          <a:xfrm>
+            <a:off x="277812" y="979031"/>
+            <a:ext cx="8077200" cy="3477875"/>
+          </a:xfrm>
+          <a:prstGeom prst="rect">
+            <a:avLst/>
+          </a:prstGeom>
+          <a:noFill/>
+        </p:spPr>
+        <p:txBody>
+          <a:bodyPr wrap="square" rtlCol="0">
+            <a:spAutoFit/>
+          </a:bodyPr>
+          <a:lstStyle/>
+          <a:p>
+            <a:pPr marL="285750" indent="-285750" algn="just">
+              <a:buFont typeface="Wingdings" panose="05000000000000000000" pitchFamily="2" charset="2"/>
+              <a:buChar char="Ø"/>
+            </a:pPr>
+            <a:r>
+              <a:rPr lang="en-GB" sz="2000" dirty="0" smtClean="0">
+                <a:latin typeface="Times New Roman" panose="02020603050405020304" pitchFamily="18" charset="0"/>
+                <a:cs typeface="Times New Roman" panose="02020603050405020304" pitchFamily="18" charset="0"/>
+              </a:rPr>
+              <a:t>Focuses in the management of operational systems data which helps in efficient and effective strategic decision making.</a:t>
+            </a:r>
+          </a:p>
+          <a:p>
+            <a:pPr algn="just"/>
+            <a:endParaRPr lang="en-GB" sz="2000" dirty="0" smtClean="0">
+              <a:latin typeface="Times New Roman" panose="02020603050405020304" pitchFamily="18" charset="0"/>
+              <a:cs typeface="Times New Roman" panose="02020603050405020304" pitchFamily="18" charset="0"/>
+            </a:endParaRPr>
+          </a:p>
+          <a:p>
+            <a:pPr marL="285750" indent="-285750" algn="just">
+              <a:buFont typeface="Wingdings" panose="05000000000000000000" pitchFamily="2" charset="2"/>
+              <a:buChar char="Ø"/>
+            </a:pPr>
+            <a:endParaRPr lang="en-GB" sz="2000" dirty="0">
+              <a:latin typeface="Times New Roman" panose="02020603050405020304" pitchFamily="18" charset="0"/>
+              <a:cs typeface="Times New Roman" panose="02020603050405020304" pitchFamily="18" charset="0"/>
+            </a:endParaRPr>
+          </a:p>
+          <a:p>
+            <a:pPr marL="285750" indent="-285750" algn="just">
+              <a:buFont typeface="Wingdings" panose="05000000000000000000" pitchFamily="2" charset="2"/>
+              <a:buChar char="Ø"/>
+            </a:pPr>
+            <a:r>
+              <a:rPr lang="en-GB" sz="2000" dirty="0" smtClean="0">
+                <a:latin typeface="Times New Roman" panose="02020603050405020304" pitchFamily="18" charset="0"/>
+                <a:cs typeface="Times New Roman" panose="02020603050405020304" pitchFamily="18" charset="0"/>
+              </a:rPr>
+              <a:t>MIS(Management Information System) : Logical and well structured method of collecting, processing and disseminating information to the decision makers.</a:t>
+            </a:r>
+          </a:p>
+          <a:p>
+            <a:pPr algn="just"/>
+            <a:endParaRPr lang="en-GB" sz="2000" dirty="0" smtClean="0">
+              <a:latin typeface="Times New Roman" panose="02020603050405020304" pitchFamily="18" charset="0"/>
+              <a:cs typeface="Times New Roman" panose="02020603050405020304" pitchFamily="18" charset="0"/>
+            </a:endParaRPr>
+          </a:p>
+          <a:p>
+            <a:pPr marL="285750" indent="-285750" algn="just">
+              <a:buFont typeface="Wingdings" panose="05000000000000000000" pitchFamily="2" charset="2"/>
+              <a:buChar char="Ø"/>
+            </a:pPr>
+            <a:endParaRPr lang="en-GB" sz="2000" dirty="0">
+              <a:latin typeface="Times New Roman" panose="02020603050405020304" pitchFamily="18" charset="0"/>
+              <a:cs typeface="Times New Roman" panose="02020603050405020304" pitchFamily="18" charset="0"/>
+            </a:endParaRPr>
+          </a:p>
+          <a:p>
+            <a:pPr marL="285750" indent="-285750" algn="just">
+              <a:buFont typeface="Wingdings" panose="05000000000000000000" pitchFamily="2" charset="2"/>
+              <a:buChar char="Ø"/>
+            </a:pPr>
+            <a:r>
+              <a:rPr lang="en-GB" sz="2000" dirty="0" smtClean="0">
+                <a:latin typeface="Times New Roman" panose="02020603050405020304" pitchFamily="18" charset="0"/>
+                <a:cs typeface="Times New Roman" panose="02020603050405020304" pitchFamily="18" charset="0"/>
+              </a:rPr>
+              <a:t>Strategic planning, management control, operational control and transaction processing.</a:t>
+            </a:r>
           </a:p>
         </p:txBody>
       </p:sp>
@@ -28086,7 +28160,7 @@
                 <a:latin typeface="Times New Roman" panose="02020603050405020304" pitchFamily="18" charset="0"/>
                 <a:cs typeface="Times New Roman" panose="02020603050405020304" pitchFamily="18" charset="0"/>
               </a:rPr>
-              <a:t>Organizational Chart</a:t>
+              <a:t>About Team</a:t>
             </a:r>
             <a:endParaRPr lang="en-GB" sz="2800" b="1" dirty="0">
               <a:latin typeface="Times New Roman" panose="02020603050405020304" pitchFamily="18" charset="0"/>
@@ -28095,523 +28169,10 @@
           </a:p>
         </p:txBody>
       </p:sp>
-      <p:pic>
-        <p:nvPicPr>
-          <p:cNvPr id="11269" name="Picture 5" descr="U:\AILP Batch4\org\org1.PNG"/>
-          <p:cNvPicPr>
-            <a:picLocks noChangeAspect="1" noChangeArrowheads="1"/>
-          </p:cNvPicPr>
-          <p:nvPr/>
-        </p:nvPicPr>
-        <p:blipFill rotWithShape="1">
-          <a:blip r:embed="rId2">
-            <a:extLst>
-              <a:ext uri="{28A0092B-C50C-407E-A947-70E740481C1C}">
-                <a14:useLocalDpi xmlns:a14="http://schemas.microsoft.com/office/drawing/2010/main" val="0"/>
-              </a:ext>
-            </a:extLst>
-          </a:blip>
-          <a:srcRect l="30464" t="4995" r="28704" b="62653"/>
-          <a:stretch/>
-        </p:blipFill>
-        <p:spPr bwMode="auto">
-          <a:xfrm>
-            <a:off x="430212" y="1758377"/>
-            <a:ext cx="747712" cy="793529"/>
-          </a:xfrm>
-          <a:prstGeom prst="rect">
-            <a:avLst/>
-          </a:prstGeom>
-          <a:noFill/>
-          <a:extLst>
-            <a:ext uri="{909E8E84-426E-40DD-AFC4-6F175D3DCCD1}">
-              <a14:hiddenFill xmlns:a14="http://schemas.microsoft.com/office/drawing/2010/main">
-                <a:solidFill>
-                  <a:srgbClr val="FFFFFF"/>
-                </a:solidFill>
-              </a14:hiddenFill>
-            </a:ext>
-          </a:extLst>
-        </p:spPr>
-      </p:pic>
-      <p:pic>
-        <p:nvPicPr>
-          <p:cNvPr id="11270" name="Picture 6" descr="U:\AILP Batch4\org\org1.PNG"/>
-          <p:cNvPicPr>
-            <a:picLocks noChangeAspect="1" noChangeArrowheads="1"/>
-          </p:cNvPicPr>
-          <p:nvPr/>
-        </p:nvPicPr>
-        <p:blipFill rotWithShape="1">
-          <a:blip r:embed="rId2">
-            <a:extLst>
-              <a:ext uri="{28A0092B-C50C-407E-A947-70E740481C1C}">
-                <a14:useLocalDpi xmlns:a14="http://schemas.microsoft.com/office/drawing/2010/main" val="0"/>
-              </a:ext>
-            </a:extLst>
-          </a:blip>
-          <a:srcRect l="29353" t="60141" r="28148" b="7506"/>
-          <a:stretch/>
-        </p:blipFill>
-        <p:spPr bwMode="auto">
-          <a:xfrm>
-            <a:off x="1504156" y="1761344"/>
-            <a:ext cx="747712" cy="793529"/>
-          </a:xfrm>
-          <a:prstGeom prst="rect">
-            <a:avLst/>
-          </a:prstGeom>
-          <a:noFill/>
-          <a:extLst>
-            <a:ext uri="{909E8E84-426E-40DD-AFC4-6F175D3DCCD1}">
-              <a14:hiddenFill xmlns:a14="http://schemas.microsoft.com/office/drawing/2010/main">
-                <a:solidFill>
-                  <a:srgbClr val="FFFFFF"/>
-                </a:solidFill>
-              </a14:hiddenFill>
-            </a:ext>
-          </a:extLst>
-        </p:spPr>
-      </p:pic>
-      <p:pic>
-        <p:nvPicPr>
-          <p:cNvPr id="11274" name="Picture 10" descr="U:\AILP Batch4\org\org5.PNG"/>
-          <p:cNvPicPr>
-            <a:picLocks noChangeAspect="1" noChangeArrowheads="1"/>
-          </p:cNvPicPr>
-          <p:nvPr/>
-        </p:nvPicPr>
-        <p:blipFill rotWithShape="1">
-          <a:blip r:embed="rId3">
-            <a:extLst>
-              <a:ext uri="{28A0092B-C50C-407E-A947-70E740481C1C}">
-                <a14:useLocalDpi xmlns:a14="http://schemas.microsoft.com/office/drawing/2010/main" val="0"/>
-              </a:ext>
-            </a:extLst>
-          </a:blip>
-          <a:srcRect l="38127" t="38863" r="38796" b="42180"/>
-          <a:stretch/>
-        </p:blipFill>
-        <p:spPr bwMode="auto">
-          <a:xfrm>
-            <a:off x="5778500" y="1757882"/>
-            <a:ext cx="747712" cy="792735"/>
-          </a:xfrm>
-          <a:prstGeom prst="rect">
-            <a:avLst/>
-          </a:prstGeom>
-          <a:noFill/>
-          <a:extLst>
-            <a:ext uri="{909E8E84-426E-40DD-AFC4-6F175D3DCCD1}">
-              <a14:hiddenFill xmlns:a14="http://schemas.microsoft.com/office/drawing/2010/main">
-                <a:solidFill>
-                  <a:srgbClr val="FFFFFF"/>
-                </a:solidFill>
-              </a14:hiddenFill>
-            </a:ext>
-          </a:extLst>
-        </p:spPr>
-      </p:pic>
-      <p:pic>
-        <p:nvPicPr>
-          <p:cNvPr id="11275" name="Picture 11" descr="U:\AILP Batch4\org\org5.PNG"/>
-          <p:cNvPicPr>
-            <a:picLocks noChangeAspect="1" noChangeArrowheads="1"/>
-          </p:cNvPicPr>
-          <p:nvPr/>
-        </p:nvPicPr>
-        <p:blipFill rotWithShape="1">
-          <a:blip r:embed="rId3">
-            <a:extLst>
-              <a:ext uri="{28A0092B-C50C-407E-A947-70E740481C1C}">
-                <a14:useLocalDpi xmlns:a14="http://schemas.microsoft.com/office/drawing/2010/main" val="0"/>
-              </a:ext>
-            </a:extLst>
-          </a:blip>
-          <a:srcRect l="38728" t="2349" r="38195" b="76798"/>
-          <a:stretch/>
-        </p:blipFill>
-        <p:spPr bwMode="auto">
-          <a:xfrm>
-            <a:off x="4715272" y="1757883"/>
-            <a:ext cx="747712" cy="792734"/>
-          </a:xfrm>
-          <a:prstGeom prst="rect">
-            <a:avLst/>
-          </a:prstGeom>
-          <a:noFill/>
-          <a:extLst>
-            <a:ext uri="{909E8E84-426E-40DD-AFC4-6F175D3DCCD1}">
-              <a14:hiddenFill xmlns:a14="http://schemas.microsoft.com/office/drawing/2010/main">
-                <a:solidFill>
-                  <a:srgbClr val="FFFFFF"/>
-                </a:solidFill>
-              </a14:hiddenFill>
-            </a:ext>
-          </a:extLst>
-        </p:spPr>
-      </p:pic>
-      <p:pic>
-        <p:nvPicPr>
-          <p:cNvPr id="13" name="Picture 11" descr="U:\AILP Batch4\org\org5.PNG"/>
-          <p:cNvPicPr>
-            <a:picLocks noChangeAspect="1" noChangeArrowheads="1"/>
-          </p:cNvPicPr>
-          <p:nvPr/>
-        </p:nvPicPr>
-        <p:blipFill rotWithShape="1">
-          <a:blip r:embed="rId3">
-            <a:extLst>
-              <a:ext uri="{28A0092B-C50C-407E-A947-70E740481C1C}">
-                <a14:useLocalDpi xmlns:a14="http://schemas.microsoft.com/office/drawing/2010/main" val="0"/>
-              </a:ext>
-            </a:extLst>
-          </a:blip>
-          <a:srcRect l="7691" t="66570" r="7693" b="4993"/>
-          <a:stretch/>
-        </p:blipFill>
-        <p:spPr bwMode="auto">
-          <a:xfrm>
-            <a:off x="5009356" y="3085306"/>
-            <a:ext cx="2286000" cy="1066800"/>
-          </a:xfrm>
-          <a:prstGeom prst="rect">
-            <a:avLst/>
-          </a:prstGeom>
-          <a:noFill/>
-          <a:extLst>
-            <a:ext uri="{909E8E84-426E-40DD-AFC4-6F175D3DCCD1}">
-              <a14:hiddenFill xmlns:a14="http://schemas.microsoft.com/office/drawing/2010/main">
-                <a:solidFill>
-                  <a:srgbClr val="FFFFFF"/>
-                </a:solidFill>
-              </a14:hiddenFill>
-            </a:ext>
-          </a:extLst>
-        </p:spPr>
-      </p:pic>
-      <p:sp>
-        <p:nvSpPr>
-          <p:cNvPr id="3" name="Right Arrow 2"/>
-          <p:cNvSpPr/>
-          <p:nvPr/>
-        </p:nvSpPr>
-        <p:spPr>
-          <a:xfrm>
-            <a:off x="1177924" y="2037238"/>
-            <a:ext cx="326232" cy="241742"/>
-          </a:xfrm>
-          <a:prstGeom prst="rightArrow">
-            <a:avLst/>
-          </a:prstGeom>
-        </p:spPr>
-        <p:style>
-          <a:lnRef idx="2">
-            <a:schemeClr val="accent1">
-              <a:shade val="50000"/>
-            </a:schemeClr>
-          </a:lnRef>
-          <a:fillRef idx="1">
-            <a:schemeClr val="accent1"/>
-          </a:fillRef>
-          <a:effectRef idx="0">
-            <a:schemeClr val="accent1"/>
-          </a:effectRef>
-          <a:fontRef idx="minor">
-            <a:schemeClr val="lt1"/>
-          </a:fontRef>
-        </p:style>
-        <p:txBody>
-          <a:bodyPr rtlCol="0" anchor="ctr"/>
-          <a:lstStyle/>
-          <a:p>
-            <a:pPr algn="ctr"/>
-            <a:endParaRPr lang="en-GB" dirty="0"/>
-          </a:p>
-        </p:txBody>
-      </p:sp>
-      <p:sp>
-        <p:nvSpPr>
-          <p:cNvPr id="19" name="Right Arrow 18"/>
-          <p:cNvSpPr/>
-          <p:nvPr/>
-        </p:nvSpPr>
-        <p:spPr>
-          <a:xfrm>
-            <a:off x="2251868" y="2034270"/>
-            <a:ext cx="326232" cy="241742"/>
-          </a:xfrm>
-          <a:prstGeom prst="rightArrow">
-            <a:avLst/>
-          </a:prstGeom>
-        </p:spPr>
-        <p:style>
-          <a:lnRef idx="2">
-            <a:schemeClr val="accent1">
-              <a:shade val="50000"/>
-            </a:schemeClr>
-          </a:lnRef>
-          <a:fillRef idx="1">
-            <a:schemeClr val="accent1"/>
-          </a:fillRef>
-          <a:effectRef idx="0">
-            <a:schemeClr val="accent1"/>
-          </a:effectRef>
-          <a:fontRef idx="minor">
-            <a:schemeClr val="lt1"/>
-          </a:fontRef>
-        </p:style>
-        <p:txBody>
-          <a:bodyPr rtlCol="0" anchor="ctr"/>
-          <a:lstStyle/>
-          <a:p>
-            <a:pPr algn="ctr"/>
-            <a:endParaRPr lang="en-GB" dirty="0"/>
-          </a:p>
-        </p:txBody>
-      </p:sp>
-      <p:sp>
-        <p:nvSpPr>
-          <p:cNvPr id="20" name="Right Arrow 19"/>
-          <p:cNvSpPr/>
-          <p:nvPr/>
-        </p:nvSpPr>
-        <p:spPr>
-          <a:xfrm>
-            <a:off x="3315096" y="2037238"/>
-            <a:ext cx="326232" cy="241742"/>
-          </a:xfrm>
-          <a:prstGeom prst="rightArrow">
-            <a:avLst/>
-          </a:prstGeom>
-        </p:spPr>
-        <p:style>
-          <a:lnRef idx="2">
-            <a:schemeClr val="accent1">
-              <a:shade val="50000"/>
-            </a:schemeClr>
-          </a:lnRef>
-          <a:fillRef idx="1">
-            <a:schemeClr val="accent1"/>
-          </a:fillRef>
-          <a:effectRef idx="0">
-            <a:schemeClr val="accent1"/>
-          </a:effectRef>
-          <a:fontRef idx="minor">
-            <a:schemeClr val="lt1"/>
-          </a:fontRef>
-        </p:style>
-        <p:txBody>
-          <a:bodyPr rtlCol="0" anchor="ctr"/>
-          <a:lstStyle/>
-          <a:p>
-            <a:pPr algn="ctr"/>
-            <a:endParaRPr lang="en-GB" dirty="0"/>
-          </a:p>
-        </p:txBody>
-      </p:sp>
-      <p:sp>
-        <p:nvSpPr>
-          <p:cNvPr id="21" name="Right Arrow 20"/>
-          <p:cNvSpPr/>
-          <p:nvPr/>
-        </p:nvSpPr>
-        <p:spPr>
-          <a:xfrm>
-            <a:off x="4389040" y="2033379"/>
-            <a:ext cx="326232" cy="241742"/>
-          </a:xfrm>
-          <a:prstGeom prst="rightArrow">
-            <a:avLst/>
-          </a:prstGeom>
-        </p:spPr>
-        <p:style>
-          <a:lnRef idx="2">
-            <a:schemeClr val="accent1">
-              <a:shade val="50000"/>
-            </a:schemeClr>
-          </a:lnRef>
-          <a:fillRef idx="1">
-            <a:schemeClr val="accent1"/>
-          </a:fillRef>
-          <a:effectRef idx="0">
-            <a:schemeClr val="accent1"/>
-          </a:effectRef>
-          <a:fontRef idx="minor">
-            <a:schemeClr val="lt1"/>
-          </a:fontRef>
-        </p:style>
-        <p:txBody>
-          <a:bodyPr rtlCol="0" anchor="ctr"/>
-          <a:lstStyle/>
-          <a:p>
-            <a:pPr algn="ctr"/>
-            <a:endParaRPr lang="en-GB" dirty="0"/>
-          </a:p>
-        </p:txBody>
-      </p:sp>
-      <p:sp>
-        <p:nvSpPr>
-          <p:cNvPr id="22" name="Right Arrow 21"/>
-          <p:cNvSpPr/>
-          <p:nvPr/>
-        </p:nvSpPr>
-        <p:spPr>
-          <a:xfrm>
-            <a:off x="5470524" y="2037238"/>
-            <a:ext cx="326232" cy="241742"/>
-          </a:xfrm>
-          <a:prstGeom prst="rightArrow">
-            <a:avLst/>
-          </a:prstGeom>
-        </p:spPr>
-        <p:style>
-          <a:lnRef idx="2">
-            <a:schemeClr val="accent1">
-              <a:shade val="50000"/>
-            </a:schemeClr>
-          </a:lnRef>
-          <a:fillRef idx="1">
-            <a:schemeClr val="accent1"/>
-          </a:fillRef>
-          <a:effectRef idx="0">
-            <a:schemeClr val="accent1"/>
-          </a:effectRef>
-          <a:fontRef idx="minor">
-            <a:schemeClr val="lt1"/>
-          </a:fontRef>
-        </p:style>
-        <p:txBody>
-          <a:bodyPr rtlCol="0" anchor="ctr"/>
-          <a:lstStyle/>
-          <a:p>
-            <a:pPr algn="ctr"/>
-            <a:endParaRPr lang="en-GB" dirty="0"/>
-          </a:p>
-        </p:txBody>
-      </p:sp>
-      <p:sp>
-        <p:nvSpPr>
-          <p:cNvPr id="8" name="Down Arrow 7"/>
-          <p:cNvSpPr/>
-          <p:nvPr/>
-        </p:nvSpPr>
-        <p:spPr>
-          <a:xfrm>
-            <a:off x="6038056" y="2554872"/>
-            <a:ext cx="228600" cy="530433"/>
-          </a:xfrm>
-          <a:prstGeom prst="downArrow">
-            <a:avLst/>
-          </a:prstGeom>
-        </p:spPr>
-        <p:style>
-          <a:lnRef idx="2">
-            <a:schemeClr val="accent1">
-              <a:shade val="50000"/>
-            </a:schemeClr>
-          </a:lnRef>
-          <a:fillRef idx="1">
-            <a:schemeClr val="accent1"/>
-          </a:fillRef>
-          <a:effectRef idx="0">
-            <a:schemeClr val="accent1"/>
-          </a:effectRef>
-          <a:fontRef idx="minor">
-            <a:schemeClr val="lt1"/>
-          </a:fontRef>
-        </p:style>
-        <p:txBody>
-          <a:bodyPr rtlCol="0" anchor="ctr"/>
-          <a:lstStyle/>
-          <a:p>
-            <a:pPr algn="ctr"/>
-            <a:endParaRPr lang="en-GB" dirty="0"/>
-          </a:p>
-        </p:txBody>
-      </p:sp>
-      <p:pic>
-        <p:nvPicPr>
-          <p:cNvPr id="1026" name="Picture 2" descr="\\s81dsp01data01\ACIS-Udrive\Users\t10313\AILP Batch4\org\org3.PNG"/>
-          <p:cNvPicPr>
-            <a:picLocks noChangeAspect="1" noChangeArrowheads="1"/>
-          </p:cNvPicPr>
-          <p:nvPr/>
-        </p:nvPicPr>
-        <p:blipFill rotWithShape="1">
-          <a:blip r:embed="rId4">
-            <a:extLst>
-              <a:ext uri="{28A0092B-C50C-407E-A947-70E740481C1C}">
-                <a14:useLocalDpi xmlns:a14="http://schemas.microsoft.com/office/drawing/2010/main" val="0"/>
-              </a:ext>
-            </a:extLst>
-          </a:blip>
-          <a:srcRect l="16311" t="5427" r="19482" b="63800"/>
-          <a:stretch/>
-        </p:blipFill>
-        <p:spPr bwMode="auto">
-          <a:xfrm>
-            <a:off x="2578100" y="1757882"/>
-            <a:ext cx="731043" cy="796991"/>
-          </a:xfrm>
-          <a:prstGeom prst="rect">
-            <a:avLst/>
-          </a:prstGeom>
-          <a:noFill/>
-          <a:extLst>
-            <a:ext uri="{909E8E84-426E-40DD-AFC4-6F175D3DCCD1}">
-              <a14:hiddenFill xmlns:a14="http://schemas.microsoft.com/office/drawing/2010/main">
-                <a:solidFill>
-                  <a:srgbClr val="FFFFFF"/>
-                </a:solidFill>
-              </a14:hiddenFill>
-            </a:ext>
-          </a:extLst>
-        </p:spPr>
-      </p:pic>
-      <p:pic>
-        <p:nvPicPr>
-          <p:cNvPr id="1027" name="Picture 3" descr="\\s81dsp01data01\ACIS-Udrive\Users\t10313\AILP Batch4\org\org3.PNG"/>
-          <p:cNvPicPr>
-            <a:picLocks noChangeAspect="1" noChangeArrowheads="1"/>
-          </p:cNvPicPr>
-          <p:nvPr/>
-        </p:nvPicPr>
-        <p:blipFill rotWithShape="1">
-          <a:blip r:embed="rId4">
-            <a:extLst>
-              <a:ext uri="{28A0092B-C50C-407E-A947-70E740481C1C}">
-                <a14:useLocalDpi xmlns:a14="http://schemas.microsoft.com/office/drawing/2010/main" val="0"/>
-              </a:ext>
-            </a:extLst>
-          </a:blip>
-          <a:srcRect l="15427" t="60872" r="15228" b="4972"/>
-          <a:stretch/>
-        </p:blipFill>
-        <p:spPr bwMode="auto">
-          <a:xfrm>
-            <a:off x="3630612" y="1757882"/>
-            <a:ext cx="758428" cy="796991"/>
-          </a:xfrm>
-          <a:prstGeom prst="rect">
-            <a:avLst/>
-          </a:prstGeom>
-          <a:noFill/>
-          <a:extLst>
-            <a:ext uri="{909E8E84-426E-40DD-AFC4-6F175D3DCCD1}">
-              <a14:hiddenFill xmlns:a14="http://schemas.microsoft.com/office/drawing/2010/main">
-                <a:solidFill>
-                  <a:srgbClr val="FFFFFF"/>
-                </a:solidFill>
-              </a14:hiddenFill>
-            </a:ext>
-          </a:extLst>
-        </p:spPr>
-      </p:pic>
     </p:spTree>
     <p:extLst>
       <p:ext uri="{BB962C8B-B14F-4D97-AF65-F5344CB8AC3E}">
-        <p14:creationId xmlns:p14="http://schemas.microsoft.com/office/powerpoint/2010/main" val="4199472096"/>
+        <p14:creationId xmlns:p14="http://schemas.microsoft.com/office/powerpoint/2010/main" val="349420121"/>
       </p:ext>
     </p:extLst>
   </p:cSld>
@@ -28709,14 +28270,14 @@
       </p:sp>
       <p:sp>
         <p:nvSpPr>
-          <p:cNvPr id="2" name="TextBox 1"/>
+          <p:cNvPr id="5" name="TextBox 4"/>
           <p:cNvSpPr txBox="1"/>
           <p:nvPr/>
         </p:nvSpPr>
         <p:spPr>
           <a:xfrm>
-            <a:off x="277812" y="979031"/>
-            <a:ext cx="8077200" cy="3477875"/>
+            <a:off x="294512" y="123686"/>
+            <a:ext cx="4707700" cy="523220"/>
           </a:xfrm>
           <a:prstGeom prst="rect">
             <a:avLst/>
@@ -28729,120 +28290,65 @@
           </a:bodyPr>
           <a:lstStyle/>
           <a:p>
-            <a:pPr marL="285750" indent="-285750" algn="just">
-              <a:buFont typeface="Wingdings" panose="05000000000000000000" pitchFamily="2" charset="2"/>
-              <a:buChar char="Ø"/>
-            </a:pPr>
             <a:r>
-              <a:rPr lang="en-GB" sz="2000" dirty="0" smtClean="0">
+              <a:rPr lang="en-GB" sz="2800" b="1" dirty="0" smtClean="0">
                 <a:latin typeface="Times New Roman" panose="02020603050405020304" pitchFamily="18" charset="0"/>
                 <a:cs typeface="Times New Roman" panose="02020603050405020304" pitchFamily="18" charset="0"/>
               </a:rPr>
-              <a:t>Focuses in the management of operational systems data which helps in efficient and effective strategic decision making.</a:t>
+              <a:t>Data Warehouse</a:t>
             </a:r>
-          </a:p>
-          <a:p>
-            <a:pPr algn="just"/>
-            <a:endParaRPr lang="en-GB" sz="2000" dirty="0" smtClean="0">
+            <a:endParaRPr lang="en-GB" sz="2800" b="1" dirty="0">
               <a:latin typeface="Times New Roman" panose="02020603050405020304" pitchFamily="18" charset="0"/>
               <a:cs typeface="Times New Roman" panose="02020603050405020304" pitchFamily="18" charset="0"/>
             </a:endParaRPr>
           </a:p>
-          <a:p>
-            <a:pPr marL="285750" indent="-285750" algn="just">
-              <a:buFont typeface="Wingdings" panose="05000000000000000000" pitchFamily="2" charset="2"/>
-              <a:buChar char="Ø"/>
-            </a:pPr>
-            <a:endParaRPr lang="en-GB" sz="2000" dirty="0">
-              <a:latin typeface="Times New Roman" panose="02020603050405020304" pitchFamily="18" charset="0"/>
-              <a:cs typeface="Times New Roman" panose="02020603050405020304" pitchFamily="18" charset="0"/>
-            </a:endParaRPr>
-          </a:p>
-          <a:p>
-            <a:pPr marL="285750" indent="-285750" algn="just">
-              <a:buFont typeface="Wingdings" panose="05000000000000000000" pitchFamily="2" charset="2"/>
-              <a:buChar char="Ø"/>
-            </a:pPr>
-            <a:r>
-              <a:rPr lang="en-GB" sz="2000" dirty="0" smtClean="0">
-                <a:latin typeface="Times New Roman" panose="02020603050405020304" pitchFamily="18" charset="0"/>
-                <a:cs typeface="Times New Roman" panose="02020603050405020304" pitchFamily="18" charset="0"/>
-              </a:rPr>
-              <a:t>MIS(Management Information System) : Logical and well structured method of collecting, processing and disseminating information to the decision makers.</a:t>
-            </a:r>
-          </a:p>
-          <a:p>
-            <a:pPr algn="just"/>
-            <a:endParaRPr lang="en-GB" sz="2000" dirty="0" smtClean="0">
-              <a:latin typeface="Times New Roman" panose="02020603050405020304" pitchFamily="18" charset="0"/>
-              <a:cs typeface="Times New Roman" panose="02020603050405020304" pitchFamily="18" charset="0"/>
-            </a:endParaRPr>
-          </a:p>
-          <a:p>
-            <a:pPr marL="285750" indent="-285750" algn="just">
-              <a:buFont typeface="Wingdings" panose="05000000000000000000" pitchFamily="2" charset="2"/>
-              <a:buChar char="Ø"/>
-            </a:pPr>
-            <a:endParaRPr lang="en-GB" sz="2000" dirty="0">
-              <a:latin typeface="Times New Roman" panose="02020603050405020304" pitchFamily="18" charset="0"/>
-              <a:cs typeface="Times New Roman" panose="02020603050405020304" pitchFamily="18" charset="0"/>
-            </a:endParaRPr>
-          </a:p>
-          <a:p>
-            <a:pPr marL="285750" indent="-285750" algn="just">
-              <a:buFont typeface="Wingdings" panose="05000000000000000000" pitchFamily="2" charset="2"/>
-              <a:buChar char="Ø"/>
-            </a:pPr>
-            <a:r>
-              <a:rPr lang="en-GB" sz="2000" dirty="0" smtClean="0">
-                <a:latin typeface="Times New Roman" panose="02020603050405020304" pitchFamily="18" charset="0"/>
-                <a:cs typeface="Times New Roman" panose="02020603050405020304" pitchFamily="18" charset="0"/>
-              </a:rPr>
-              <a:t>Strategic planning, management control, operational control and transaction processing.</a:t>
-            </a:r>
-          </a:p>
         </p:txBody>
       </p:sp>
-      <p:sp>
-        <p:nvSpPr>
-          <p:cNvPr id="5" name="TextBox 4"/>
-          <p:cNvSpPr txBox="1"/>
+      <p:pic>
+        <p:nvPicPr>
+          <p:cNvPr id="1026" name="Picture 2" descr="\\s81dsp01data01\ACIS-Udrive\Users\t10313\AILP Batch4\Images\archetecture.png"/>
+          <p:cNvPicPr>
+            <a:picLocks noChangeAspect="1" noChangeArrowheads="1"/>
+          </p:cNvPicPr>
           <p:nvPr/>
-        </p:nvSpPr>
-        <p:spPr>
+        </p:nvPicPr>
+        <p:blipFill>
+          <a:blip r:embed="rId2">
+            <a:extLst>
+              <a:ext uri="{28A0092B-C50C-407E-A947-70E740481C1C}">
+                <a14:useLocalDpi xmlns:a14="http://schemas.microsoft.com/office/drawing/2010/main" val="0"/>
+              </a:ext>
+            </a:extLst>
+          </a:blip>
+          <a:srcRect/>
+          <a:stretch>
+            <a:fillRect/>
+          </a:stretch>
+        </p:blipFill>
+        <p:spPr bwMode="auto">
           <a:xfrm>
-            <a:off x="125412" y="123686"/>
-            <a:ext cx="3505200" cy="523220"/>
+            <a:off x="16555" y="705983"/>
+            <a:ext cx="8768670" cy="4550230"/>
           </a:xfrm>
           <a:prstGeom prst="rect">
             <a:avLst/>
           </a:prstGeom>
           <a:noFill/>
+          <a:extLst>
+            <a:ext uri="{909E8E84-426E-40DD-AFC4-6F175D3DCCD1}">
+              <a14:hiddenFill xmlns:a14="http://schemas.microsoft.com/office/drawing/2010/main">
+                <a:solidFill>
+                  <a:srgbClr val="FFFFFF"/>
+                </a:solidFill>
+              </a14:hiddenFill>
+            </a:ext>
+          </a:extLst>
         </p:spPr>
-        <p:txBody>
-          <a:bodyPr wrap="square" rtlCol="0">
-            <a:spAutoFit/>
-          </a:bodyPr>
-          <a:lstStyle/>
-          <a:p>
-            <a:r>
-              <a:rPr lang="en-GB" sz="2800" b="1" dirty="0" smtClean="0">
-                <a:latin typeface="Times New Roman" panose="02020603050405020304" pitchFamily="18" charset="0"/>
-                <a:cs typeface="Times New Roman" panose="02020603050405020304" pitchFamily="18" charset="0"/>
-              </a:rPr>
-              <a:t>About Team</a:t>
-            </a:r>
-            <a:endParaRPr lang="en-GB" sz="2800" b="1" dirty="0">
-              <a:latin typeface="Times New Roman" panose="02020603050405020304" pitchFamily="18" charset="0"/>
-              <a:cs typeface="Times New Roman" panose="02020603050405020304" pitchFamily="18" charset="0"/>
-            </a:endParaRPr>
-          </a:p>
-        </p:txBody>
-      </p:sp>
+      </p:pic>
     </p:spTree>
     <p:extLst>
       <p:ext uri="{BB962C8B-B14F-4D97-AF65-F5344CB8AC3E}">
-        <p14:creationId xmlns:p14="http://schemas.microsoft.com/office/powerpoint/2010/main" val="349420121"/>
+        <p14:creationId xmlns:p14="http://schemas.microsoft.com/office/powerpoint/2010/main" val="4199472096"/>
       </p:ext>
     </p:extLst>
   </p:cSld>
@@ -28938,45 +28444,9 @@
           </a:p>
         </p:txBody>
       </p:sp>
-      <p:sp>
-        <p:nvSpPr>
-          <p:cNvPr id="5" name="TextBox 4"/>
-          <p:cNvSpPr txBox="1"/>
-          <p:nvPr/>
-        </p:nvSpPr>
-        <p:spPr>
-          <a:xfrm>
-            <a:off x="294512" y="123686"/>
-            <a:ext cx="4707700" cy="523220"/>
-          </a:xfrm>
-          <a:prstGeom prst="rect">
-            <a:avLst/>
-          </a:prstGeom>
-          <a:noFill/>
-        </p:spPr>
-        <p:txBody>
-          <a:bodyPr wrap="square" rtlCol="0">
-            <a:spAutoFit/>
-          </a:bodyPr>
-          <a:lstStyle/>
-          <a:p>
-            <a:r>
-              <a:rPr lang="en-GB" sz="2800" b="1" dirty="0" smtClean="0">
-                <a:latin typeface="Times New Roman" panose="02020603050405020304" pitchFamily="18" charset="0"/>
-                <a:cs typeface="Times New Roman" panose="02020603050405020304" pitchFamily="18" charset="0"/>
-              </a:rPr>
-              <a:t>Data Warehouse</a:t>
-            </a:r>
-            <a:endParaRPr lang="en-GB" sz="2800" b="1" dirty="0">
-              <a:latin typeface="Times New Roman" panose="02020603050405020304" pitchFamily="18" charset="0"/>
-              <a:cs typeface="Times New Roman" panose="02020603050405020304" pitchFamily="18" charset="0"/>
-            </a:endParaRPr>
-          </a:p>
-        </p:txBody>
-      </p:sp>
       <p:pic>
         <p:nvPicPr>
-          <p:cNvPr id="1026" name="Picture 2" descr="\\s81dsp01data01\ACIS-Udrive\Users\t10313\AILP Batch4\Images\archetecture.png"/>
+          <p:cNvPr id="2050" name="Picture 2" descr="\\s81dsp01data01\ACIS-Udrive\Users\t10313\AILP Batch4\Images\ETL.jpg"/>
           <p:cNvPicPr>
             <a:picLocks noChangeAspect="1" noChangeArrowheads="1"/>
           </p:cNvPicPr>
@@ -28997,8 +28467,8 @@
         </p:blipFill>
         <p:spPr bwMode="auto">
           <a:xfrm>
-            <a:off x="16555" y="705983"/>
-            <a:ext cx="8768670" cy="4550230"/>
+            <a:off x="125411" y="799306"/>
+            <a:ext cx="8458201" cy="4191000"/>
           </a:xfrm>
           <a:prstGeom prst="rect">
             <a:avLst/>
@@ -29018,7 +28488,7 @@
     </p:spTree>
     <p:extLst>
       <p:ext uri="{BB962C8B-B14F-4D97-AF65-F5344CB8AC3E}">
-        <p14:creationId xmlns:p14="http://schemas.microsoft.com/office/powerpoint/2010/main" val="4199472096"/>
+        <p14:creationId xmlns:p14="http://schemas.microsoft.com/office/powerpoint/2010/main" val="379036599"/>
       </p:ext>
     </p:extLst>
   </p:cSld>
@@ -29100,146 +28570,6 @@
             <p:ph type="sldNum" sz="quarter" idx="12"/>
           </p:nvPr>
         </p:nvSpPr>
-        <p:spPr/>
-        <p:txBody>
-          <a:bodyPr/>
-          <a:lstStyle/>
-          <a:p>
-            <a:fld id="{61201FF1-C63B-412E-ABF0-3D0E918900AC}" type="slidenum">
-              <a:rPr lang="en-GB" smtClean="0"/>
-              <a:pPr/>
-              <a:t>27</a:t>
-            </a:fld>
-            <a:endParaRPr lang="en-GB" dirty="0"/>
-          </a:p>
-        </p:txBody>
-      </p:sp>
-      <p:pic>
-        <p:nvPicPr>
-          <p:cNvPr id="2050" name="Picture 2" descr="\\s81dsp01data01\ACIS-Udrive\Users\t10313\AILP Batch4\Images\ETL.jpg"/>
-          <p:cNvPicPr>
-            <a:picLocks noChangeAspect="1" noChangeArrowheads="1"/>
-          </p:cNvPicPr>
-          <p:nvPr/>
-        </p:nvPicPr>
-        <p:blipFill>
-          <a:blip r:embed="rId2">
-            <a:extLst>
-              <a:ext uri="{28A0092B-C50C-407E-A947-70E740481C1C}">
-                <a14:useLocalDpi xmlns:a14="http://schemas.microsoft.com/office/drawing/2010/main" val="0"/>
-              </a:ext>
-            </a:extLst>
-          </a:blip>
-          <a:srcRect/>
-          <a:stretch>
-            <a:fillRect/>
-          </a:stretch>
-        </p:blipFill>
-        <p:spPr bwMode="auto">
-          <a:xfrm>
-            <a:off x="125411" y="799306"/>
-            <a:ext cx="8458201" cy="4191000"/>
-          </a:xfrm>
-          <a:prstGeom prst="rect">
-            <a:avLst/>
-          </a:prstGeom>
-          <a:noFill/>
-          <a:extLst>
-            <a:ext uri="{909E8E84-426E-40DD-AFC4-6F175D3DCCD1}">
-              <a14:hiddenFill xmlns:a14="http://schemas.microsoft.com/office/drawing/2010/main">
-                <a:solidFill>
-                  <a:srgbClr val="FFFFFF"/>
-                </a:solidFill>
-              </a14:hiddenFill>
-            </a:ext>
-          </a:extLst>
-        </p:spPr>
-      </p:pic>
-    </p:spTree>
-    <p:extLst>
-      <p:ext uri="{BB962C8B-B14F-4D97-AF65-F5344CB8AC3E}">
-        <p14:creationId xmlns:p14="http://schemas.microsoft.com/office/powerpoint/2010/main" val="379036599"/>
-      </p:ext>
-    </p:extLst>
-  </p:cSld>
-  <p:clrMapOvr>
-    <a:masterClrMapping/>
-  </p:clrMapOvr>
-  <p:timing>
-    <p:tnLst>
-      <p:par>
-        <p:cTn id="1" dur="indefinite" restart="never" nodeType="tmRoot"/>
-      </p:par>
-    </p:tnLst>
-  </p:timing>
-</p:sld>
-</file>
-
-<file path=ppt/slides/slide28.xml><?xml version="1.0" encoding="utf-8"?>
-<p:sld xmlns:a="http://schemas.openxmlformats.org/drawingml/2006/main" xmlns:r="http://schemas.openxmlformats.org/officeDocument/2006/relationships" xmlns:p="http://schemas.openxmlformats.org/presentationml/2006/main">
-  <p:cSld>
-    <p:spTree>
-      <p:nvGrpSpPr>
-        <p:cNvPr id="1" name=""/>
-        <p:cNvGrpSpPr/>
-        <p:nvPr/>
-      </p:nvGrpSpPr>
-      <p:grpSpPr>
-        <a:xfrm>
-          <a:off x="0" y="0"/>
-          <a:ext cx="0" cy="0"/>
-          <a:chOff x="0" y="0"/>
-          <a:chExt cx="0" cy="0"/>
-        </a:xfrm>
-      </p:grpSpPr>
-      <p:sp>
-        <p:nvSpPr>
-          <p:cNvPr id="11" name="Textplatzhalter 10"/>
-          <p:cNvSpPr>
-            <a:spLocks noGrp="1"/>
-          </p:cNvSpPr>
-          <p:nvPr>
-            <p:ph type="body" sz="quarter" idx="19"/>
-          </p:nvPr>
-        </p:nvSpPr>
-        <p:spPr>
-          <a:xfrm>
-            <a:off x="0" y="8016"/>
-            <a:ext cx="7974008" cy="676049"/>
-          </a:xfrm>
-          <a:solidFill>
-            <a:schemeClr val="tx2">
-              <a:lumMod val="20000"/>
-              <a:lumOff val="80000"/>
-            </a:schemeClr>
-          </a:solidFill>
-          <a:ln>
-            <a:solidFill>
-              <a:schemeClr val="tx2">
-                <a:lumMod val="20000"/>
-                <a:lumOff val="80000"/>
-              </a:schemeClr>
-            </a:solidFill>
-          </a:ln>
-        </p:spPr>
-        <p:txBody>
-          <a:bodyPr/>
-          <a:lstStyle/>
-          <a:p>
-            <a:endParaRPr lang="de-DE" dirty="0"/>
-          </a:p>
-        </p:txBody>
-      </p:sp>
-      <p:sp>
-        <p:nvSpPr>
-          <p:cNvPr id="4" name="Foliennummernplatzhalter 3"/>
-          <p:cNvSpPr>
-            <a:spLocks noGrp="1"/>
-          </p:cNvSpPr>
-          <p:nvPr>
-            <p:ph type="sldNum" sz="quarter" idx="12"/>
-          </p:nvPr>
-        </p:nvSpPr>
         <p:spPr>
           <a:xfrm>
             <a:off x="7897812" y="4871733"/>
@@ -29253,7 +28583,7 @@
             <a:fld id="{61201FF1-C63B-412E-ABF0-3D0E918900AC}" type="slidenum">
               <a:rPr lang="en-GB" smtClean="0"/>
               <a:pPr/>
-              <a:t>28</a:t>
+              <a:t>27</a:t>
             </a:fld>
             <a:endParaRPr lang="en-GB" dirty="0"/>
           </a:p>
@@ -29469,7 +28799,7 @@
 </p:sld>
 </file>
 
-<file path=ppt/slides/slide29.xml><?xml version="1.0" encoding="utf-8"?>
+<file path=ppt/slides/slide28.xml><?xml version="1.0" encoding="utf-8"?>
 <p:sld xmlns:a="http://schemas.openxmlformats.org/drawingml/2006/main" xmlns:r="http://schemas.openxmlformats.org/officeDocument/2006/relationships" xmlns:p="http://schemas.openxmlformats.org/presentationml/2006/main">
   <p:cSld>
     <p:spTree>
@@ -29542,7 +28872,7 @@
             <a:fld id="{61201FF1-C63B-412E-ABF0-3D0E918900AC}" type="slidenum">
               <a:rPr lang="en-GB" smtClean="0"/>
               <a:pPr/>
-              <a:t>29</a:t>
+              <a:t>28</a:t>
             </a:fld>
             <a:endParaRPr lang="en-GB" dirty="0"/>
           </a:p>
@@ -29780,154 +29110,7 @@
 </p:sld>
 </file>
 
-<file path=ppt/slides/slide3.xml><?xml version="1.0" encoding="utf-8"?>
-<p:sld xmlns:a="http://schemas.openxmlformats.org/drawingml/2006/main" xmlns:r="http://schemas.openxmlformats.org/officeDocument/2006/relationships" xmlns:p="http://schemas.openxmlformats.org/presentationml/2006/main">
-  <p:cSld>
-    <p:spTree>
-      <p:nvGrpSpPr>
-        <p:cNvPr id="1" name=""/>
-        <p:cNvGrpSpPr/>
-        <p:nvPr/>
-      </p:nvGrpSpPr>
-      <p:grpSpPr>
-        <a:xfrm>
-          <a:off x="0" y="0"/>
-          <a:ext cx="0" cy="0"/>
-          <a:chOff x="0" y="0"/>
-          <a:chExt cx="0" cy="0"/>
-        </a:xfrm>
-      </p:grpSpPr>
-      <p:sp>
-        <p:nvSpPr>
-          <p:cNvPr id="9" name="Textplatzhalter 8"/>
-          <p:cNvSpPr>
-            <a:spLocks noGrp="1"/>
-          </p:cNvSpPr>
-          <p:nvPr>
-            <p:ph type="body" sz="quarter" idx="19"/>
-          </p:nvPr>
-        </p:nvSpPr>
-        <p:spPr/>
-        <p:txBody>
-          <a:bodyPr/>
-          <a:lstStyle/>
-          <a:p>
-            <a:pPr marL="0" indent="0">
-              <a:buNone/>
-            </a:pPr>
-            <a:endParaRPr lang="de-DE" dirty="0"/>
-          </a:p>
-        </p:txBody>
-      </p:sp>
-      <p:pic>
-        <p:nvPicPr>
-          <p:cNvPr id="49" name="Grafik 8"/>
-          <p:cNvPicPr>
-            <a:picLocks noChangeAspect="1"/>
-          </p:cNvPicPr>
-          <p:nvPr/>
-        </p:nvPicPr>
-        <p:blipFill>
-          <a:blip r:embed="rId2">
-            <a:alphaModFix amt="45000"/>
-            <a:duotone>
-              <a:prstClr val="black"/>
-              <a:schemeClr val="tx2">
-                <a:tint val="45000"/>
-                <a:satMod val="400000"/>
-              </a:schemeClr>
-            </a:duotone>
-          </a:blip>
-          <a:stretch>
-            <a:fillRect/>
-          </a:stretch>
-        </p:blipFill>
-        <p:spPr>
-          <a:xfrm>
-            <a:off x="4392613" y="421526"/>
-            <a:ext cx="4392612" cy="4834689"/>
-          </a:xfrm>
-          <a:prstGeom prst="rect">
-            <a:avLst/>
-          </a:prstGeom>
-        </p:spPr>
-      </p:pic>
-      <p:sp>
-        <p:nvSpPr>
-          <p:cNvPr id="7" name="TextBox 6"/>
-          <p:cNvSpPr txBox="1"/>
-          <p:nvPr/>
-        </p:nvSpPr>
-        <p:spPr>
-          <a:xfrm>
-            <a:off x="887412" y="615117"/>
-            <a:ext cx="2438400" cy="1792770"/>
-          </a:xfrm>
-          <a:prstGeom prst="rect">
-            <a:avLst/>
-          </a:prstGeom>
-          <a:noFill/>
-        </p:spPr>
-        <p:txBody>
-          <a:bodyPr wrap="square" rtlCol="0">
-            <a:spAutoFit/>
-          </a:bodyPr>
-          <a:lstStyle/>
-          <a:p>
-            <a:pPr algn="ctr"/>
-            <a:r>
-              <a:rPr lang="en-GB" sz="5400" b="1" dirty="0" smtClean="0">
-                <a:solidFill>
-                  <a:schemeClr val="bg1"/>
-                </a:solidFill>
-                <a:latin typeface="Allianz Serif" pitchFamily="50" charset="0"/>
-                <a:cs typeface="Times New Roman" panose="02020603050405020304" pitchFamily="18" charset="0"/>
-              </a:rPr>
-              <a:t>01</a:t>
-            </a:r>
-          </a:p>
-          <a:p>
-            <a:r>
-              <a:rPr lang="en-GB" sz="5400" b="1" dirty="0" smtClean="0">
-                <a:solidFill>
-                  <a:schemeClr val="bg1"/>
-                </a:solidFill>
-                <a:latin typeface="Allianz Serif" pitchFamily="50" charset="0"/>
-                <a:cs typeface="Times New Roman" panose="02020603050405020304" pitchFamily="18" charset="0"/>
-              </a:rPr>
-              <a:t>Allianz</a:t>
-            </a:r>
-            <a:endParaRPr lang="en-GB" sz="5400" b="1" dirty="0">
-              <a:solidFill>
-                <a:schemeClr val="bg1"/>
-              </a:solidFill>
-              <a:latin typeface="Allianz Serif" pitchFamily="50" charset="0"/>
-              <a:cs typeface="Times New Roman" panose="02020603050405020304" pitchFamily="18" charset="0"/>
-            </a:endParaRPr>
-          </a:p>
-        </p:txBody>
-      </p:sp>
-    </p:spTree>
-    <p:extLst>
-      <p:ext uri="{BB962C8B-B14F-4D97-AF65-F5344CB8AC3E}">
-        <p14:creationId xmlns:p14="http://schemas.microsoft.com/office/powerpoint/2010/main" val="1456957972"/>
-      </p:ext>
-    </p:extLst>
-  </p:cSld>
-  <p:clrMapOvr>
-    <a:masterClrMapping/>
-  </p:clrMapOvr>
-  <p:timing>
-    <p:tnLst>
-      <p:par>
-        <p:cTn id="1" dur="indefinite" restart="never" nodeType="tmRoot"/>
-      </p:par>
-    </p:tnLst>
-  </p:timing>
-</p:sld>
-</file>
-
-<file path=ppt/slides/slide30.xml><?xml version="1.0" encoding="utf-8"?>
+<file path=ppt/slides/slide29.xml><?xml version="1.0" encoding="utf-8"?>
 <p:sld xmlns:a="http://schemas.openxmlformats.org/drawingml/2006/main" xmlns:r="http://schemas.openxmlformats.org/officeDocument/2006/relationships" xmlns:p="http://schemas.openxmlformats.org/presentationml/2006/main">
   <p:cSld>
     <p:spTree>
@@ -30000,7 +29183,7 @@
             <a:fld id="{61201FF1-C63B-412E-ABF0-3D0E918900AC}" type="slidenum">
               <a:rPr lang="en-GB" smtClean="0"/>
               <a:pPr/>
-              <a:t>30</a:t>
+              <a:t>29</a:t>
             </a:fld>
             <a:endParaRPr lang="en-GB" dirty="0"/>
           </a:p>
@@ -30915,7 +30098,154 @@
 </p:sld>
 </file>
 
-<file path=ppt/slides/slide31.xml><?xml version="1.0" encoding="utf-8"?>
+<file path=ppt/slides/slide3.xml><?xml version="1.0" encoding="utf-8"?>
+<p:sld xmlns:a="http://schemas.openxmlformats.org/drawingml/2006/main" xmlns:r="http://schemas.openxmlformats.org/officeDocument/2006/relationships" xmlns:p="http://schemas.openxmlformats.org/presentationml/2006/main">
+  <p:cSld>
+    <p:spTree>
+      <p:nvGrpSpPr>
+        <p:cNvPr id="1" name=""/>
+        <p:cNvGrpSpPr/>
+        <p:nvPr/>
+      </p:nvGrpSpPr>
+      <p:grpSpPr>
+        <a:xfrm>
+          <a:off x="0" y="0"/>
+          <a:ext cx="0" cy="0"/>
+          <a:chOff x="0" y="0"/>
+          <a:chExt cx="0" cy="0"/>
+        </a:xfrm>
+      </p:grpSpPr>
+      <p:sp>
+        <p:nvSpPr>
+          <p:cNvPr id="9" name="Textplatzhalter 8"/>
+          <p:cNvSpPr>
+            <a:spLocks noGrp="1"/>
+          </p:cNvSpPr>
+          <p:nvPr>
+            <p:ph type="body" sz="quarter" idx="19"/>
+          </p:nvPr>
+        </p:nvSpPr>
+        <p:spPr/>
+        <p:txBody>
+          <a:bodyPr/>
+          <a:lstStyle/>
+          <a:p>
+            <a:pPr marL="0" indent="0">
+              <a:buNone/>
+            </a:pPr>
+            <a:endParaRPr lang="de-DE" dirty="0"/>
+          </a:p>
+        </p:txBody>
+      </p:sp>
+      <p:pic>
+        <p:nvPicPr>
+          <p:cNvPr id="49" name="Grafik 8"/>
+          <p:cNvPicPr>
+            <a:picLocks noChangeAspect="1"/>
+          </p:cNvPicPr>
+          <p:nvPr/>
+        </p:nvPicPr>
+        <p:blipFill>
+          <a:blip r:embed="rId2">
+            <a:alphaModFix amt="45000"/>
+            <a:duotone>
+              <a:prstClr val="black"/>
+              <a:schemeClr val="tx2">
+                <a:tint val="45000"/>
+                <a:satMod val="400000"/>
+              </a:schemeClr>
+            </a:duotone>
+          </a:blip>
+          <a:stretch>
+            <a:fillRect/>
+          </a:stretch>
+        </p:blipFill>
+        <p:spPr>
+          <a:xfrm>
+            <a:off x="4392613" y="421526"/>
+            <a:ext cx="4392612" cy="4834689"/>
+          </a:xfrm>
+          <a:prstGeom prst="rect">
+            <a:avLst/>
+          </a:prstGeom>
+        </p:spPr>
+      </p:pic>
+      <p:sp>
+        <p:nvSpPr>
+          <p:cNvPr id="7" name="TextBox 6"/>
+          <p:cNvSpPr txBox="1"/>
+          <p:nvPr/>
+        </p:nvSpPr>
+        <p:spPr>
+          <a:xfrm>
+            <a:off x="887412" y="615117"/>
+            <a:ext cx="2438400" cy="1792770"/>
+          </a:xfrm>
+          <a:prstGeom prst="rect">
+            <a:avLst/>
+          </a:prstGeom>
+          <a:noFill/>
+        </p:spPr>
+        <p:txBody>
+          <a:bodyPr wrap="square" rtlCol="0">
+            <a:spAutoFit/>
+          </a:bodyPr>
+          <a:lstStyle/>
+          <a:p>
+            <a:pPr algn="ctr"/>
+            <a:r>
+              <a:rPr lang="en-GB" sz="5400" b="1" dirty="0" smtClean="0">
+                <a:solidFill>
+                  <a:schemeClr val="bg1"/>
+                </a:solidFill>
+                <a:latin typeface="Allianz Serif" pitchFamily="50" charset="0"/>
+                <a:cs typeface="Times New Roman" panose="02020603050405020304" pitchFamily="18" charset="0"/>
+              </a:rPr>
+              <a:t>01</a:t>
+            </a:r>
+          </a:p>
+          <a:p>
+            <a:r>
+              <a:rPr lang="en-GB" sz="5400" b="1" dirty="0" smtClean="0">
+                <a:solidFill>
+                  <a:schemeClr val="bg1"/>
+                </a:solidFill>
+                <a:latin typeface="Allianz Serif" pitchFamily="50" charset="0"/>
+                <a:cs typeface="Times New Roman" panose="02020603050405020304" pitchFamily="18" charset="0"/>
+              </a:rPr>
+              <a:t>Allianz</a:t>
+            </a:r>
+            <a:endParaRPr lang="en-GB" sz="5400" b="1" dirty="0">
+              <a:solidFill>
+                <a:schemeClr val="bg1"/>
+              </a:solidFill>
+              <a:latin typeface="Allianz Serif" pitchFamily="50" charset="0"/>
+              <a:cs typeface="Times New Roman" panose="02020603050405020304" pitchFamily="18" charset="0"/>
+            </a:endParaRPr>
+          </a:p>
+        </p:txBody>
+      </p:sp>
+    </p:spTree>
+    <p:extLst>
+      <p:ext uri="{BB962C8B-B14F-4D97-AF65-F5344CB8AC3E}">
+        <p14:creationId xmlns:p14="http://schemas.microsoft.com/office/powerpoint/2010/main" val="1456957972"/>
+      </p:ext>
+    </p:extLst>
+  </p:cSld>
+  <p:clrMapOvr>
+    <a:masterClrMapping/>
+  </p:clrMapOvr>
+  <p:timing>
+    <p:tnLst>
+      <p:par>
+        <p:cTn id="1" dur="indefinite" restart="never" nodeType="tmRoot"/>
+      </p:par>
+    </p:tnLst>
+  </p:timing>
+</p:sld>
+</file>
+
+<file path=ppt/slides/slide30.xml><?xml version="1.0" encoding="utf-8"?>
 <p:sld xmlns:a="http://schemas.openxmlformats.org/drawingml/2006/main" xmlns:r="http://schemas.openxmlformats.org/officeDocument/2006/relationships" xmlns:p="http://schemas.openxmlformats.org/presentationml/2006/main">
   <p:cSld>
     <p:spTree>
@@ -31062,7 +30392,7 @@
 </p:sld>
 </file>
 
-<file path=ppt/slides/slide32.xml><?xml version="1.0" encoding="utf-8"?>
+<file path=ppt/slides/slide31.xml><?xml version="1.0" encoding="utf-8"?>
 <p:sld xmlns:a="http://schemas.openxmlformats.org/drawingml/2006/main" xmlns:r="http://schemas.openxmlformats.org/officeDocument/2006/relationships" xmlns:p="http://schemas.openxmlformats.org/presentationml/2006/main">
   <p:cSld>
     <p:spTree>
@@ -31135,7 +30465,7 @@
             <a:fld id="{61201FF1-C63B-412E-ABF0-3D0E918900AC}" type="slidenum">
               <a:rPr lang="en-GB" smtClean="0"/>
               <a:pPr/>
-              <a:t>32</a:t>
+              <a:t>31</a:t>
             </a:fld>
             <a:endParaRPr lang="en-GB" dirty="0"/>
           </a:p>
@@ -31820,6 +31150,327 @@
 </p:sld>
 </file>
 
+<file path=ppt/slides/slide32.xml><?xml version="1.0" encoding="utf-8"?>
+<p:sld xmlns:a="http://schemas.openxmlformats.org/drawingml/2006/main" xmlns:r="http://schemas.openxmlformats.org/officeDocument/2006/relationships" xmlns:p="http://schemas.openxmlformats.org/presentationml/2006/main">
+  <p:cSld>
+    <p:spTree>
+      <p:nvGrpSpPr>
+        <p:cNvPr id="1" name=""/>
+        <p:cNvGrpSpPr/>
+        <p:nvPr/>
+      </p:nvGrpSpPr>
+      <p:grpSpPr>
+        <a:xfrm>
+          <a:off x="0" y="0"/>
+          <a:ext cx="0" cy="0"/>
+          <a:chOff x="0" y="0"/>
+          <a:chExt cx="0" cy="0"/>
+        </a:xfrm>
+      </p:grpSpPr>
+      <p:sp>
+        <p:nvSpPr>
+          <p:cNvPr id="11" name="Textplatzhalter 10"/>
+          <p:cNvSpPr>
+            <a:spLocks noGrp="1"/>
+          </p:cNvSpPr>
+          <p:nvPr>
+            <p:ph type="body" sz="quarter" idx="19"/>
+          </p:nvPr>
+        </p:nvSpPr>
+        <p:spPr>
+          <a:xfrm>
+            <a:off x="0" y="8016"/>
+            <a:ext cx="7974008" cy="676049"/>
+          </a:xfrm>
+          <a:solidFill>
+            <a:schemeClr val="tx2">
+              <a:lumMod val="20000"/>
+              <a:lumOff val="80000"/>
+            </a:schemeClr>
+          </a:solidFill>
+          <a:ln>
+            <a:solidFill>
+              <a:schemeClr val="tx2">
+                <a:lumMod val="20000"/>
+                <a:lumOff val="80000"/>
+              </a:schemeClr>
+            </a:solidFill>
+          </a:ln>
+        </p:spPr>
+        <p:txBody>
+          <a:bodyPr/>
+          <a:lstStyle/>
+          <a:p>
+            <a:endParaRPr lang="de-DE" dirty="0"/>
+          </a:p>
+        </p:txBody>
+      </p:sp>
+      <p:sp>
+        <p:nvSpPr>
+          <p:cNvPr id="4" name="Foliennummernplatzhalter 3"/>
+          <p:cNvSpPr>
+            <a:spLocks noGrp="1"/>
+          </p:cNvSpPr>
+          <p:nvPr>
+            <p:ph type="sldNum" sz="quarter" idx="12"/>
+          </p:nvPr>
+        </p:nvSpPr>
+        <p:spPr/>
+        <p:txBody>
+          <a:bodyPr/>
+          <a:lstStyle/>
+          <a:p>
+            <a:fld id="{61201FF1-C63B-412E-ABF0-3D0E918900AC}" type="slidenum">
+              <a:rPr lang="en-GB" smtClean="0"/>
+              <a:pPr/>
+              <a:t>32</a:t>
+            </a:fld>
+            <a:endParaRPr lang="en-GB" dirty="0"/>
+          </a:p>
+        </p:txBody>
+      </p:sp>
+      <p:sp>
+        <p:nvSpPr>
+          <p:cNvPr id="5" name="TextBox 4"/>
+          <p:cNvSpPr txBox="1"/>
+          <p:nvPr/>
+        </p:nvSpPr>
+        <p:spPr>
+          <a:xfrm>
+            <a:off x="294512" y="123686"/>
+            <a:ext cx="4707700" cy="523220"/>
+          </a:xfrm>
+          <a:prstGeom prst="rect">
+            <a:avLst/>
+          </a:prstGeom>
+          <a:noFill/>
+        </p:spPr>
+        <p:txBody>
+          <a:bodyPr wrap="square" rtlCol="0">
+            <a:spAutoFit/>
+          </a:bodyPr>
+          <a:lstStyle/>
+          <a:p>
+            <a:r>
+              <a:rPr lang="en-GB" sz="2800" b="1" dirty="0" smtClean="0">
+                <a:latin typeface="Times New Roman" panose="02020603050405020304" pitchFamily="18" charset="0"/>
+                <a:cs typeface="Times New Roman" panose="02020603050405020304" pitchFamily="18" charset="0"/>
+              </a:rPr>
+              <a:t>SAS Programming</a:t>
+            </a:r>
+            <a:endParaRPr lang="en-GB" sz="2800" b="1" dirty="0">
+              <a:latin typeface="Times New Roman" panose="02020603050405020304" pitchFamily="18" charset="0"/>
+              <a:cs typeface="Times New Roman" panose="02020603050405020304" pitchFamily="18" charset="0"/>
+            </a:endParaRPr>
+          </a:p>
+        </p:txBody>
+      </p:sp>
+      <p:sp>
+        <p:nvSpPr>
+          <p:cNvPr id="2" name="TextBox 1"/>
+          <p:cNvSpPr txBox="1"/>
+          <p:nvPr/>
+        </p:nvSpPr>
+        <p:spPr>
+          <a:xfrm>
+            <a:off x="506412" y="979031"/>
+            <a:ext cx="7239000" cy="3477875"/>
+          </a:xfrm>
+          <a:prstGeom prst="rect">
+            <a:avLst/>
+          </a:prstGeom>
+          <a:noFill/>
+        </p:spPr>
+        <p:txBody>
+          <a:bodyPr wrap="square" rtlCol="0">
+            <a:spAutoFit/>
+          </a:bodyPr>
+          <a:lstStyle/>
+          <a:p>
+            <a:endParaRPr lang="en-GB" sz="2000" dirty="0">
+              <a:latin typeface="Times New Roman" panose="02020603050405020304" pitchFamily="18" charset="0"/>
+              <a:cs typeface="Times New Roman" panose="02020603050405020304" pitchFamily="18" charset="0"/>
+            </a:endParaRPr>
+          </a:p>
+          <a:p>
+            <a:pPr marL="285750" indent="-285750">
+              <a:buFont typeface="Wingdings" panose="05000000000000000000" pitchFamily="2" charset="2"/>
+              <a:buChar char="Ø"/>
+            </a:pPr>
+            <a:r>
+              <a:rPr lang="en-GB" sz="2000" dirty="0" smtClean="0">
+                <a:latin typeface="Times New Roman" panose="02020603050405020304" pitchFamily="18" charset="0"/>
+                <a:cs typeface="Times New Roman" panose="02020603050405020304" pitchFamily="18" charset="0"/>
+              </a:rPr>
+              <a:t>Only two datatypes : Character &amp; Numeric</a:t>
+            </a:r>
+          </a:p>
+          <a:p>
+            <a:pPr marL="285750" indent="-285750">
+              <a:buFont typeface="Wingdings" panose="05000000000000000000" pitchFamily="2" charset="2"/>
+              <a:buChar char="Ø"/>
+            </a:pPr>
+            <a:endParaRPr lang="en-GB" sz="2000" dirty="0">
+              <a:latin typeface="Times New Roman" panose="02020603050405020304" pitchFamily="18" charset="0"/>
+              <a:cs typeface="Times New Roman" panose="02020603050405020304" pitchFamily="18" charset="0"/>
+            </a:endParaRPr>
+          </a:p>
+          <a:p>
+            <a:pPr marL="285750" indent="-285750">
+              <a:buFont typeface="Wingdings" panose="05000000000000000000" pitchFamily="2" charset="2"/>
+              <a:buChar char="Ø"/>
+            </a:pPr>
+            <a:r>
+              <a:rPr lang="en-GB" sz="2000" dirty="0" smtClean="0">
+                <a:latin typeface="Times New Roman" panose="02020603050405020304" pitchFamily="18" charset="0"/>
+                <a:cs typeface="Times New Roman" panose="02020603050405020304" pitchFamily="18" charset="0"/>
+              </a:rPr>
+              <a:t>Formats and </a:t>
+            </a:r>
+            <a:r>
+              <a:rPr lang="en-GB" sz="2000" dirty="0" err="1" smtClean="0">
+                <a:latin typeface="Times New Roman" panose="02020603050405020304" pitchFamily="18" charset="0"/>
+                <a:cs typeface="Times New Roman" panose="02020603050405020304" pitchFamily="18" charset="0"/>
+              </a:rPr>
+              <a:t>Informats</a:t>
+            </a:r>
+            <a:r>
+              <a:rPr lang="en-GB" sz="2000" dirty="0" smtClean="0">
+                <a:latin typeface="Times New Roman" panose="02020603050405020304" pitchFamily="18" charset="0"/>
+                <a:cs typeface="Times New Roman" panose="02020603050405020304" pitchFamily="18" charset="0"/>
+              </a:rPr>
+              <a:t>. Format : How to write data. </a:t>
+            </a:r>
+            <a:r>
+              <a:rPr lang="en-GB" sz="2000" dirty="0" err="1" smtClean="0">
+                <a:latin typeface="Times New Roman" panose="02020603050405020304" pitchFamily="18" charset="0"/>
+                <a:cs typeface="Times New Roman" panose="02020603050405020304" pitchFamily="18" charset="0"/>
+              </a:rPr>
+              <a:t>Informat</a:t>
+            </a:r>
+            <a:r>
+              <a:rPr lang="en-GB" sz="2000" dirty="0" smtClean="0">
+                <a:latin typeface="Times New Roman" panose="02020603050405020304" pitchFamily="18" charset="0"/>
+                <a:cs typeface="Times New Roman" panose="02020603050405020304" pitchFamily="18" charset="0"/>
+              </a:rPr>
+              <a:t> : How to read data.</a:t>
+            </a:r>
+          </a:p>
+          <a:p>
+            <a:endParaRPr lang="en-GB" sz="2000" dirty="0" smtClean="0">
+              <a:latin typeface="Times New Roman" panose="02020603050405020304" pitchFamily="18" charset="0"/>
+              <a:cs typeface="Times New Roman" panose="02020603050405020304" pitchFamily="18" charset="0"/>
+            </a:endParaRPr>
+          </a:p>
+          <a:p>
+            <a:r>
+              <a:rPr lang="en-GB" sz="2000" dirty="0">
+                <a:latin typeface="Times New Roman" panose="02020603050405020304" pitchFamily="18" charset="0"/>
+                <a:cs typeface="Times New Roman" panose="02020603050405020304" pitchFamily="18" charset="0"/>
+              </a:rPr>
+              <a:t>	</a:t>
+            </a:r>
+            <a:r>
+              <a:rPr lang="en-GB" sz="2000" dirty="0" err="1" smtClean="0">
+                <a:latin typeface="Times New Roman" panose="02020603050405020304" pitchFamily="18" charset="0"/>
+                <a:cs typeface="Times New Roman" panose="02020603050405020304" pitchFamily="18" charset="0"/>
+              </a:rPr>
+              <a:t>Eg</a:t>
+            </a:r>
+            <a:r>
+              <a:rPr lang="en-GB" sz="2000" dirty="0" smtClean="0">
+                <a:latin typeface="Times New Roman" panose="02020603050405020304" pitchFamily="18" charset="0"/>
+                <a:cs typeface="Times New Roman" panose="02020603050405020304" pitchFamily="18" charset="0"/>
+              </a:rPr>
+              <a:t> : </a:t>
+            </a:r>
+            <a:r>
+              <a:rPr lang="en-GB" sz="2000" dirty="0" err="1" smtClean="0">
+                <a:latin typeface="Times New Roman" panose="02020603050405020304" pitchFamily="18" charset="0"/>
+                <a:cs typeface="Times New Roman" panose="02020603050405020304" pitchFamily="18" charset="0"/>
+              </a:rPr>
+              <a:t>DATEw</a:t>
+            </a:r>
+            <a:r>
+              <a:rPr lang="en-GB" sz="2000" dirty="0" smtClean="0">
+                <a:latin typeface="Times New Roman" panose="02020603050405020304" pitchFamily="18" charset="0"/>
+                <a:cs typeface="Times New Roman" panose="02020603050405020304" pitchFamily="18" charset="0"/>
+              </a:rPr>
+              <a:t>. Like date7. ( Aug 16, 1995 -&gt; 16AUG95)</a:t>
+            </a:r>
+          </a:p>
+          <a:p>
+            <a:pPr marL="285750" indent="-285750">
+              <a:buFont typeface="Wingdings" panose="05000000000000000000" pitchFamily="2" charset="2"/>
+              <a:buChar char="Ø"/>
+            </a:pPr>
+            <a:endParaRPr lang="en-GB" sz="2000" dirty="0">
+              <a:latin typeface="Times New Roman" panose="02020603050405020304" pitchFamily="18" charset="0"/>
+              <a:cs typeface="Times New Roman" panose="02020603050405020304" pitchFamily="18" charset="0"/>
+            </a:endParaRPr>
+          </a:p>
+          <a:p>
+            <a:pPr marL="285750" indent="-285750">
+              <a:buFont typeface="Wingdings" panose="05000000000000000000" pitchFamily="2" charset="2"/>
+              <a:buChar char="Ø"/>
+            </a:pPr>
+            <a:r>
+              <a:rPr lang="en-GB" sz="2000" dirty="0" smtClean="0">
+                <a:latin typeface="Times New Roman" panose="02020603050405020304" pitchFamily="18" charset="0"/>
+                <a:cs typeface="Times New Roman" panose="02020603050405020304" pitchFamily="18" charset="0"/>
+              </a:rPr>
+              <a:t>SAS Dataset : Variables and Observations.</a:t>
+            </a:r>
+          </a:p>
+          <a:p>
+            <a:pPr marL="285750" indent="-285750">
+              <a:buFont typeface="Wingdings" panose="05000000000000000000" pitchFamily="2" charset="2"/>
+              <a:buChar char="Ø"/>
+            </a:pPr>
+            <a:endParaRPr lang="en-GB" sz="2000" dirty="0">
+              <a:latin typeface="Times New Roman" panose="02020603050405020304" pitchFamily="18" charset="0"/>
+              <a:cs typeface="Times New Roman" panose="02020603050405020304" pitchFamily="18" charset="0"/>
+            </a:endParaRPr>
+          </a:p>
+          <a:p>
+            <a:pPr marL="285750" indent="-285750">
+              <a:buFont typeface="Wingdings" panose="05000000000000000000" pitchFamily="2" charset="2"/>
+              <a:buChar char="Ø"/>
+            </a:pPr>
+            <a:r>
+              <a:rPr lang="en-GB" sz="2000" dirty="0" smtClean="0">
+                <a:latin typeface="Times New Roman" panose="02020603050405020304" pitchFamily="18" charset="0"/>
+                <a:cs typeface="Times New Roman" panose="02020603050405020304" pitchFamily="18" charset="0"/>
+              </a:rPr>
+              <a:t>DATA Step &amp; PROC Step of a SAS program.</a:t>
+            </a:r>
+            <a:endParaRPr lang="en-GB" sz="2000" dirty="0">
+              <a:latin typeface="Times New Roman" panose="02020603050405020304" pitchFamily="18" charset="0"/>
+              <a:cs typeface="Times New Roman" panose="02020603050405020304" pitchFamily="18" charset="0"/>
+            </a:endParaRPr>
+          </a:p>
+        </p:txBody>
+      </p:sp>
+    </p:spTree>
+    <p:extLst>
+      <p:ext uri="{BB962C8B-B14F-4D97-AF65-F5344CB8AC3E}">
+        <p14:creationId xmlns:p14="http://schemas.microsoft.com/office/powerpoint/2010/main" val="3990933855"/>
+      </p:ext>
+    </p:extLst>
+  </p:cSld>
+  <p:clrMapOvr>
+    <a:masterClrMapping/>
+  </p:clrMapOvr>
+  <p:timing>
+    <p:tnLst>
+      <p:par>
+        <p:cTn id="1" dur="indefinite" restart="never" nodeType="tmRoot"/>
+      </p:par>
+    </p:tnLst>
+  </p:timing>
+</p:sld>
+</file>
+
 <file path=ppt/slides/slide33.xml><?xml version="1.0" encoding="utf-8"?>
 <p:sld xmlns:a="http://schemas.openxmlformats.org/drawingml/2006/main" xmlns:r="http://schemas.openxmlformats.org/officeDocument/2006/relationships" xmlns:p="http://schemas.openxmlformats.org/presentationml/2006/main">
   <p:cSld>
@@ -31899,9 +31550,48 @@
           </a:p>
         </p:txBody>
       </p:sp>
+      <p:pic>
+        <p:nvPicPr>
+          <p:cNvPr id="5" name="Picture 4" descr="\\s81dsp01data01\ACIS-Udrive\Users\t10313\AILP Batch4\Images\sasProgram.png"/>
+          <p:cNvPicPr>
+            <a:picLocks noChangeAspect="1" noChangeArrowheads="1"/>
+          </p:cNvPicPr>
+          <p:nvPr/>
+        </p:nvPicPr>
+        <p:blipFill rotWithShape="1">
+          <a:blip r:embed="rId2">
+            <a:extLst>
+              <a:ext uri="{28A0092B-C50C-407E-A947-70E740481C1C}">
+                <a14:useLocalDpi xmlns:a14="http://schemas.microsoft.com/office/drawing/2010/main" val="0"/>
+              </a:ext>
+            </a:extLst>
+          </a:blip>
+          <a:srcRect t="4116" r="37361" b="8768"/>
+          <a:stretch/>
+        </p:blipFill>
+        <p:spPr bwMode="auto">
+          <a:xfrm>
+            <a:off x="318325" y="1096962"/>
+            <a:ext cx="3845687" cy="3055144"/>
+          </a:xfrm>
+          <a:prstGeom prst="rect">
+            <a:avLst/>
+          </a:prstGeom>
+          <a:noFill/>
+          <a:extLst>
+            <a:ext uri="{909E8E84-426E-40DD-AFC4-6F175D3DCCD1}">
+              <a14:hiddenFill xmlns:a14="http://schemas.microsoft.com/office/drawing/2010/main">
+                <a:solidFill>
+                  <a:srgbClr val="FFFFFF"/>
+                </a:solidFill>
+              </a14:hiddenFill>
+            </a:ext>
+          </a:extLst>
+        </p:spPr>
+      </p:pic>
       <p:sp>
         <p:nvSpPr>
-          <p:cNvPr id="5" name="TextBox 4"/>
+          <p:cNvPr id="6" name="TextBox 5"/>
           <p:cNvSpPr txBox="1"/>
           <p:nvPr/>
         </p:nvSpPr>
@@ -31926,7 +31616,7 @@
                 <a:latin typeface="Times New Roman" panose="02020603050405020304" pitchFamily="18" charset="0"/>
                 <a:cs typeface="Times New Roman" panose="02020603050405020304" pitchFamily="18" charset="0"/>
               </a:rPr>
-              <a:t>SAS Programming</a:t>
+              <a:t>SAS Program Structure</a:t>
             </a:r>
             <a:endParaRPr lang="en-GB" sz="2800" b="1" dirty="0">
               <a:latin typeface="Times New Roman" panose="02020603050405020304" pitchFamily="18" charset="0"/>
@@ -31937,14 +31627,14 @@
       </p:sp>
       <p:sp>
         <p:nvSpPr>
-          <p:cNvPr id="2" name="TextBox 1"/>
+          <p:cNvPr id="3" name="TextBox 2"/>
           <p:cNvSpPr txBox="1"/>
           <p:nvPr/>
         </p:nvSpPr>
         <p:spPr>
           <a:xfrm>
-            <a:off x="506412" y="979031"/>
-            <a:ext cx="7239000" cy="3477875"/>
+            <a:off x="4697412" y="1256506"/>
+            <a:ext cx="3429000" cy="2554545"/>
           </a:xfrm>
           <a:prstGeom prst="rect">
             <a:avLst/>
@@ -31957,12 +31647,6 @@
           </a:bodyPr>
           <a:lstStyle/>
           <a:p>
-            <a:endParaRPr lang="en-GB" sz="2000" dirty="0">
-              <a:latin typeface="Times New Roman" panose="02020603050405020304" pitchFamily="18" charset="0"/>
-              <a:cs typeface="Times New Roman" panose="02020603050405020304" pitchFamily="18" charset="0"/>
-            </a:endParaRPr>
-          </a:p>
-          <a:p>
             <a:pPr marL="285750" indent="-285750">
               <a:buFont typeface="Wingdings" panose="05000000000000000000" pitchFamily="2" charset="2"/>
               <a:buChar char="Ø"/>
@@ -31972,18 +31656,8 @@
                 <a:latin typeface="Times New Roman" panose="02020603050405020304" pitchFamily="18" charset="0"/>
                 <a:cs typeface="Times New Roman" panose="02020603050405020304" pitchFamily="18" charset="0"/>
               </a:rPr>
-              <a:t>Only two datatypes : Character &amp; Numeric</a:t>
+              <a:t>Read and Modify data.</a:t>
             </a:r>
-          </a:p>
-          <a:p>
-            <a:pPr marL="285750" indent="-285750">
-              <a:buFont typeface="Wingdings" panose="05000000000000000000" pitchFamily="2" charset="2"/>
-              <a:buChar char="Ø"/>
-            </a:pPr>
-            <a:endParaRPr lang="en-GB" sz="2000" dirty="0">
-              <a:latin typeface="Times New Roman" panose="02020603050405020304" pitchFamily="18" charset="0"/>
-              <a:cs typeface="Times New Roman" panose="02020603050405020304" pitchFamily="18" charset="0"/>
-            </a:endParaRPr>
           </a:p>
           <a:p>
             <a:pPr marL="285750" indent="-285750">
@@ -31995,42 +31669,7 @@
                 <a:latin typeface="Times New Roman" panose="02020603050405020304" pitchFamily="18" charset="0"/>
                 <a:cs typeface="Times New Roman" panose="02020603050405020304" pitchFamily="18" charset="0"/>
               </a:rPr>
-              <a:t>Formats and </a:t>
-            </a:r>
-            <a:r>
-              <a:rPr lang="en-GB" sz="2000" dirty="0" err="1" smtClean="0">
-                <a:latin typeface="Times New Roman" panose="02020603050405020304" pitchFamily="18" charset="0"/>
-                <a:cs typeface="Times New Roman" panose="02020603050405020304" pitchFamily="18" charset="0"/>
-              </a:rPr>
-              <a:t>Informats</a:t>
-            </a:r>
-            <a:r>
-              <a:rPr lang="en-GB" sz="2000" dirty="0" smtClean="0">
-                <a:latin typeface="Times New Roman" panose="02020603050405020304" pitchFamily="18" charset="0"/>
-                <a:cs typeface="Times New Roman" panose="02020603050405020304" pitchFamily="18" charset="0"/>
-              </a:rPr>
-              <a:t>. Format : How to write data. </a:t>
-            </a:r>
-            <a:r>
-              <a:rPr lang="en-GB" sz="2000" dirty="0" err="1" smtClean="0">
-                <a:latin typeface="Times New Roman" panose="02020603050405020304" pitchFamily="18" charset="0"/>
-                <a:cs typeface="Times New Roman" panose="02020603050405020304" pitchFamily="18" charset="0"/>
-              </a:rPr>
-              <a:t>Informat</a:t>
-            </a:r>
-            <a:r>
-              <a:rPr lang="en-GB" sz="2000" dirty="0" smtClean="0">
-                <a:latin typeface="Times New Roman" panose="02020603050405020304" pitchFamily="18" charset="0"/>
-                <a:cs typeface="Times New Roman" panose="02020603050405020304" pitchFamily="18" charset="0"/>
-              </a:rPr>
-              <a:t> : How to read data</a:t>
-            </a:r>
-            <a:r>
-              <a:rPr lang="en-GB" sz="2000" dirty="0" smtClean="0">
-                <a:latin typeface="Times New Roman" panose="02020603050405020304" pitchFamily="18" charset="0"/>
-                <a:cs typeface="Times New Roman" panose="02020603050405020304" pitchFamily="18" charset="0"/>
-              </a:rPr>
-              <a:t>.</a:t>
+              <a:t>Create SAS Data Set.</a:t>
             </a:r>
           </a:p>
           <a:p>
@@ -32040,47 +31679,12 @@
             </a:endParaRPr>
           </a:p>
           <a:p>
-            <a:r>
-              <a:rPr lang="en-GB" sz="2000" dirty="0">
-                <a:latin typeface="Times New Roman" panose="02020603050405020304" pitchFamily="18" charset="0"/>
-                <a:cs typeface="Times New Roman" panose="02020603050405020304" pitchFamily="18" charset="0"/>
-              </a:rPr>
-              <a:t>	</a:t>
-            </a:r>
-            <a:r>
-              <a:rPr lang="en-GB" sz="2000" dirty="0" err="1" smtClean="0">
-                <a:latin typeface="Times New Roman" panose="02020603050405020304" pitchFamily="18" charset="0"/>
-                <a:cs typeface="Times New Roman" panose="02020603050405020304" pitchFamily="18" charset="0"/>
-              </a:rPr>
-              <a:t>Eg</a:t>
-            </a:r>
-            <a:r>
-              <a:rPr lang="en-GB" sz="2000" dirty="0" smtClean="0">
-                <a:latin typeface="Times New Roman" panose="02020603050405020304" pitchFamily="18" charset="0"/>
-                <a:cs typeface="Times New Roman" panose="02020603050405020304" pitchFamily="18" charset="0"/>
-              </a:rPr>
-              <a:t> : </a:t>
-            </a:r>
-            <a:r>
-              <a:rPr lang="en-GB" sz="2000" dirty="0" err="1" smtClean="0">
-                <a:latin typeface="Times New Roman" panose="02020603050405020304" pitchFamily="18" charset="0"/>
-                <a:cs typeface="Times New Roman" panose="02020603050405020304" pitchFamily="18" charset="0"/>
-              </a:rPr>
-              <a:t>DATEw</a:t>
-            </a:r>
-            <a:r>
-              <a:rPr lang="en-GB" sz="2000" dirty="0" smtClean="0">
-                <a:latin typeface="Times New Roman" panose="02020603050405020304" pitchFamily="18" charset="0"/>
-                <a:cs typeface="Times New Roman" panose="02020603050405020304" pitchFamily="18" charset="0"/>
-              </a:rPr>
-              <a:t>. Like date7. ( Aug 16, 1995 -&gt; 16AUG95)</a:t>
-            </a:r>
-          </a:p>
-          <a:p>
-            <a:pPr marL="285750" indent="-285750">
-              <a:buFont typeface="Wingdings" panose="05000000000000000000" pitchFamily="2" charset="2"/>
-              <a:buChar char="Ø"/>
-            </a:pPr>
+            <a:endParaRPr lang="en-GB" sz="2000" dirty="0" smtClean="0">
+              <a:latin typeface="Times New Roman" panose="02020603050405020304" pitchFamily="18" charset="0"/>
+              <a:cs typeface="Times New Roman" panose="02020603050405020304" pitchFamily="18" charset="0"/>
+            </a:endParaRPr>
+          </a:p>
+          <a:p>
             <a:endParaRPr lang="en-GB" sz="2000" dirty="0">
               <a:latin typeface="Times New Roman" panose="02020603050405020304" pitchFamily="18" charset="0"/>
               <a:cs typeface="Times New Roman" panose="02020603050405020304" pitchFamily="18" charset="0"/>
@@ -32096,18 +31700,8 @@
                 <a:latin typeface="Times New Roman" panose="02020603050405020304" pitchFamily="18" charset="0"/>
                 <a:cs typeface="Times New Roman" panose="02020603050405020304" pitchFamily="18" charset="0"/>
               </a:rPr>
-              <a:t>SAS Dataset : Variables and Observations.</a:t>
+              <a:t>Perform specific analysis or function.</a:t>
             </a:r>
-          </a:p>
-          <a:p>
-            <a:pPr marL="285750" indent="-285750">
-              <a:buFont typeface="Wingdings" panose="05000000000000000000" pitchFamily="2" charset="2"/>
-              <a:buChar char="Ø"/>
-            </a:pPr>
-            <a:endParaRPr lang="en-GB" sz="2000" dirty="0">
-              <a:latin typeface="Times New Roman" panose="02020603050405020304" pitchFamily="18" charset="0"/>
-              <a:cs typeface="Times New Roman" panose="02020603050405020304" pitchFamily="18" charset="0"/>
-            </a:endParaRPr>
           </a:p>
           <a:p>
             <a:pPr marL="285750" indent="-285750">
@@ -32119,7 +31713,7 @@
                 <a:latin typeface="Times New Roman" panose="02020603050405020304" pitchFamily="18" charset="0"/>
                 <a:cs typeface="Times New Roman" panose="02020603050405020304" pitchFamily="18" charset="0"/>
               </a:rPr>
-              <a:t>DATA Step &amp; PROC Step of a SAS program.</a:t>
+              <a:t>Produce results or output.</a:t>
             </a:r>
             <a:endParaRPr lang="en-GB" sz="2000" dirty="0">
               <a:latin typeface="Times New Roman" panose="02020603050405020304" pitchFamily="18" charset="0"/>
@@ -32131,7 +31725,7 @@
     </p:spTree>
     <p:extLst>
       <p:ext uri="{BB962C8B-B14F-4D97-AF65-F5344CB8AC3E}">
-        <p14:creationId xmlns:p14="http://schemas.microsoft.com/office/powerpoint/2010/main" val="3990933855"/>
+        <p14:creationId xmlns:p14="http://schemas.microsoft.com/office/powerpoint/2010/main" val="1373631645"/>
       </p:ext>
     </p:extLst>
   </p:cSld>
@@ -32229,13 +31823,13 @@
       </p:sp>
       <p:pic>
         <p:nvPicPr>
-          <p:cNvPr id="5" name="Picture 4" descr="\\s81dsp01data01\ACIS-Udrive\Users\t10313\AILP Batch4\Images\sasProgram.png"/>
+          <p:cNvPr id="6" name="Picture 2" descr="\\s81dsp01data01\ACIS-Udrive\Users\t10313\AILP Batch4\Images\sas program sample.gif"/>
           <p:cNvPicPr>
             <a:picLocks noChangeAspect="1" noChangeArrowheads="1"/>
           </p:cNvPicPr>
           <p:nvPr/>
         </p:nvPicPr>
-        <p:blipFill rotWithShape="1">
+        <p:blipFill>
           <a:blip r:embed="rId2">
             <a:extLst>
               <a:ext uri="{28A0092B-C50C-407E-A947-70E740481C1C}">
@@ -32243,13 +31837,15 @@
               </a:ext>
             </a:extLst>
           </a:blip>
-          <a:srcRect t="4116" r="37361" b="8768"/>
-          <a:stretch/>
+          <a:srcRect/>
+          <a:stretch>
+            <a:fillRect/>
+          </a:stretch>
         </p:blipFill>
         <p:spPr bwMode="auto">
           <a:xfrm>
-            <a:off x="318325" y="1096962"/>
-            <a:ext cx="3845687" cy="3055144"/>
+            <a:off x="582612" y="1027906"/>
+            <a:ext cx="6172200" cy="3581400"/>
           </a:xfrm>
           <a:prstGeom prst="rect">
             <a:avLst/>
@@ -32268,7 +31864,7 @@
       </p:pic>
       <p:sp>
         <p:nvSpPr>
-          <p:cNvPr id="6" name="TextBox 5"/>
+          <p:cNvPr id="7" name="TextBox 6"/>
           <p:cNvSpPr txBox="1"/>
           <p:nvPr/>
         </p:nvSpPr>
@@ -32293,7 +31889,7 @@
                 <a:latin typeface="Times New Roman" panose="02020603050405020304" pitchFamily="18" charset="0"/>
                 <a:cs typeface="Times New Roman" panose="02020603050405020304" pitchFamily="18" charset="0"/>
               </a:rPr>
-              <a:t>SAS Program Structure</a:t>
+              <a:t>Sample SAS Program</a:t>
             </a:r>
             <a:endParaRPr lang="en-GB" sz="2800" b="1" dirty="0">
               <a:latin typeface="Times New Roman" panose="02020603050405020304" pitchFamily="18" charset="0"/>
@@ -32302,107 +31898,10 @@
           </a:p>
         </p:txBody>
       </p:sp>
-      <p:sp>
-        <p:nvSpPr>
-          <p:cNvPr id="3" name="TextBox 2"/>
-          <p:cNvSpPr txBox="1"/>
-          <p:nvPr/>
-        </p:nvSpPr>
-        <p:spPr>
-          <a:xfrm>
-            <a:off x="4697412" y="1256506"/>
-            <a:ext cx="3429000" cy="2554545"/>
-          </a:xfrm>
-          <a:prstGeom prst="rect">
-            <a:avLst/>
-          </a:prstGeom>
-          <a:noFill/>
-        </p:spPr>
-        <p:txBody>
-          <a:bodyPr wrap="square" rtlCol="0">
-            <a:spAutoFit/>
-          </a:bodyPr>
-          <a:lstStyle/>
-          <a:p>
-            <a:pPr marL="285750" indent="-285750">
-              <a:buFont typeface="Wingdings" panose="05000000000000000000" pitchFamily="2" charset="2"/>
-              <a:buChar char="Ø"/>
-            </a:pPr>
-            <a:r>
-              <a:rPr lang="en-GB" sz="2000" dirty="0" smtClean="0">
-                <a:latin typeface="Times New Roman" panose="02020603050405020304" pitchFamily="18" charset="0"/>
-                <a:cs typeface="Times New Roman" panose="02020603050405020304" pitchFamily="18" charset="0"/>
-              </a:rPr>
-              <a:t>Read and Modify data.</a:t>
-            </a:r>
-          </a:p>
-          <a:p>
-            <a:pPr marL="285750" indent="-285750">
-              <a:buFont typeface="Wingdings" panose="05000000000000000000" pitchFamily="2" charset="2"/>
-              <a:buChar char="Ø"/>
-            </a:pPr>
-            <a:r>
-              <a:rPr lang="en-GB" sz="2000" dirty="0" smtClean="0">
-                <a:latin typeface="Times New Roman" panose="02020603050405020304" pitchFamily="18" charset="0"/>
-                <a:cs typeface="Times New Roman" panose="02020603050405020304" pitchFamily="18" charset="0"/>
-              </a:rPr>
-              <a:t>Create SAS Data Set.</a:t>
-            </a:r>
-          </a:p>
-          <a:p>
-            <a:endParaRPr lang="en-GB" sz="2000" dirty="0" smtClean="0">
-              <a:latin typeface="Times New Roman" panose="02020603050405020304" pitchFamily="18" charset="0"/>
-              <a:cs typeface="Times New Roman" panose="02020603050405020304" pitchFamily="18" charset="0"/>
-            </a:endParaRPr>
-          </a:p>
-          <a:p>
-            <a:endParaRPr lang="en-GB" sz="2000" dirty="0" smtClean="0">
-              <a:latin typeface="Times New Roman" panose="02020603050405020304" pitchFamily="18" charset="0"/>
-              <a:cs typeface="Times New Roman" panose="02020603050405020304" pitchFamily="18" charset="0"/>
-            </a:endParaRPr>
-          </a:p>
-          <a:p>
-            <a:endParaRPr lang="en-GB" sz="2000" dirty="0">
-              <a:latin typeface="Times New Roman" panose="02020603050405020304" pitchFamily="18" charset="0"/>
-              <a:cs typeface="Times New Roman" panose="02020603050405020304" pitchFamily="18" charset="0"/>
-            </a:endParaRPr>
-          </a:p>
-          <a:p>
-            <a:pPr marL="285750" indent="-285750">
-              <a:buFont typeface="Wingdings" panose="05000000000000000000" pitchFamily="2" charset="2"/>
-              <a:buChar char="Ø"/>
-            </a:pPr>
-            <a:r>
-              <a:rPr lang="en-GB" sz="2000" dirty="0" smtClean="0">
-                <a:latin typeface="Times New Roman" panose="02020603050405020304" pitchFamily="18" charset="0"/>
-                <a:cs typeface="Times New Roman" panose="02020603050405020304" pitchFamily="18" charset="0"/>
-              </a:rPr>
-              <a:t>Perform specific analysis or function.</a:t>
-            </a:r>
-          </a:p>
-          <a:p>
-            <a:pPr marL="285750" indent="-285750">
-              <a:buFont typeface="Wingdings" panose="05000000000000000000" pitchFamily="2" charset="2"/>
-              <a:buChar char="Ø"/>
-            </a:pPr>
-            <a:r>
-              <a:rPr lang="en-GB" sz="2000" dirty="0" smtClean="0">
-                <a:latin typeface="Times New Roman" panose="02020603050405020304" pitchFamily="18" charset="0"/>
-                <a:cs typeface="Times New Roman" panose="02020603050405020304" pitchFamily="18" charset="0"/>
-              </a:rPr>
-              <a:t>Produce results or output.</a:t>
-            </a:r>
-            <a:endParaRPr lang="en-GB" sz="2000" dirty="0">
-              <a:latin typeface="Times New Roman" panose="02020603050405020304" pitchFamily="18" charset="0"/>
-              <a:cs typeface="Times New Roman" panose="02020603050405020304" pitchFamily="18" charset="0"/>
-            </a:endParaRPr>
-          </a:p>
-        </p:txBody>
-      </p:sp>
     </p:spTree>
     <p:extLst>
       <p:ext uri="{BB962C8B-B14F-4D97-AF65-F5344CB8AC3E}">
-        <p14:creationId xmlns:p14="http://schemas.microsoft.com/office/powerpoint/2010/main" val="1373631645"/>
+        <p14:creationId xmlns:p14="http://schemas.microsoft.com/office/powerpoint/2010/main" val="9462830"/>
       </p:ext>
     </p:extLst>
   </p:cSld>
@@ -32493,182 +31992,6 @@
               <a:rPr lang="en-GB" smtClean="0"/>
               <a:pPr/>
               <a:t>35</a:t>
-            </a:fld>
-            <a:endParaRPr lang="en-GB" dirty="0"/>
-          </a:p>
-        </p:txBody>
-      </p:sp>
-      <p:pic>
-        <p:nvPicPr>
-          <p:cNvPr id="6" name="Picture 2" descr="\\s81dsp01data01\ACIS-Udrive\Users\t10313\AILP Batch4\Images\sas program sample.gif"/>
-          <p:cNvPicPr>
-            <a:picLocks noChangeAspect="1" noChangeArrowheads="1"/>
-          </p:cNvPicPr>
-          <p:nvPr/>
-        </p:nvPicPr>
-        <p:blipFill>
-          <a:blip r:embed="rId2">
-            <a:extLst>
-              <a:ext uri="{28A0092B-C50C-407E-A947-70E740481C1C}">
-                <a14:useLocalDpi xmlns:a14="http://schemas.microsoft.com/office/drawing/2010/main" val="0"/>
-              </a:ext>
-            </a:extLst>
-          </a:blip>
-          <a:srcRect/>
-          <a:stretch>
-            <a:fillRect/>
-          </a:stretch>
-        </p:blipFill>
-        <p:spPr bwMode="auto">
-          <a:xfrm>
-            <a:off x="582612" y="1027906"/>
-            <a:ext cx="6172200" cy="3581400"/>
-          </a:xfrm>
-          <a:prstGeom prst="rect">
-            <a:avLst/>
-          </a:prstGeom>
-          <a:noFill/>
-          <a:extLst>
-            <a:ext uri="{909E8E84-426E-40DD-AFC4-6F175D3DCCD1}">
-              <a14:hiddenFill xmlns:a14="http://schemas.microsoft.com/office/drawing/2010/main">
-                <a:solidFill>
-                  <a:srgbClr val="FFFFFF"/>
-                </a:solidFill>
-              </a14:hiddenFill>
-            </a:ext>
-          </a:extLst>
-        </p:spPr>
-      </p:pic>
-      <p:sp>
-        <p:nvSpPr>
-          <p:cNvPr id="7" name="TextBox 6"/>
-          <p:cNvSpPr txBox="1"/>
-          <p:nvPr/>
-        </p:nvSpPr>
-        <p:spPr>
-          <a:xfrm>
-            <a:off x="294512" y="123686"/>
-            <a:ext cx="4707700" cy="523220"/>
-          </a:xfrm>
-          <a:prstGeom prst="rect">
-            <a:avLst/>
-          </a:prstGeom>
-          <a:noFill/>
-        </p:spPr>
-        <p:txBody>
-          <a:bodyPr wrap="square" rtlCol="0">
-            <a:spAutoFit/>
-          </a:bodyPr>
-          <a:lstStyle/>
-          <a:p>
-            <a:r>
-              <a:rPr lang="en-GB" sz="2800" b="1" dirty="0" smtClean="0">
-                <a:latin typeface="Times New Roman" panose="02020603050405020304" pitchFamily="18" charset="0"/>
-                <a:cs typeface="Times New Roman" panose="02020603050405020304" pitchFamily="18" charset="0"/>
-              </a:rPr>
-              <a:t>Sample SAS Program</a:t>
-            </a:r>
-            <a:endParaRPr lang="en-GB" sz="2800" b="1" dirty="0">
-              <a:latin typeface="Times New Roman" panose="02020603050405020304" pitchFamily="18" charset="0"/>
-              <a:cs typeface="Times New Roman" panose="02020603050405020304" pitchFamily="18" charset="0"/>
-            </a:endParaRPr>
-          </a:p>
-        </p:txBody>
-      </p:sp>
-    </p:spTree>
-    <p:extLst>
-      <p:ext uri="{BB962C8B-B14F-4D97-AF65-F5344CB8AC3E}">
-        <p14:creationId xmlns:p14="http://schemas.microsoft.com/office/powerpoint/2010/main" val="9462830"/>
-      </p:ext>
-    </p:extLst>
-  </p:cSld>
-  <p:clrMapOvr>
-    <a:masterClrMapping/>
-  </p:clrMapOvr>
-  <p:timing>
-    <p:tnLst>
-      <p:par>
-        <p:cTn id="1" dur="indefinite" restart="never" nodeType="tmRoot"/>
-      </p:par>
-    </p:tnLst>
-  </p:timing>
-</p:sld>
-</file>
-
-<file path=ppt/slides/slide36.xml><?xml version="1.0" encoding="utf-8"?>
-<p:sld xmlns:a="http://schemas.openxmlformats.org/drawingml/2006/main" xmlns:r="http://schemas.openxmlformats.org/officeDocument/2006/relationships" xmlns:p="http://schemas.openxmlformats.org/presentationml/2006/main">
-  <p:cSld>
-    <p:spTree>
-      <p:nvGrpSpPr>
-        <p:cNvPr id="1" name=""/>
-        <p:cNvGrpSpPr/>
-        <p:nvPr/>
-      </p:nvGrpSpPr>
-      <p:grpSpPr>
-        <a:xfrm>
-          <a:off x="0" y="0"/>
-          <a:ext cx="0" cy="0"/>
-          <a:chOff x="0" y="0"/>
-          <a:chExt cx="0" cy="0"/>
-        </a:xfrm>
-      </p:grpSpPr>
-      <p:sp>
-        <p:nvSpPr>
-          <p:cNvPr id="11" name="Textplatzhalter 10"/>
-          <p:cNvSpPr>
-            <a:spLocks noGrp="1"/>
-          </p:cNvSpPr>
-          <p:nvPr>
-            <p:ph type="body" sz="quarter" idx="19"/>
-          </p:nvPr>
-        </p:nvSpPr>
-        <p:spPr>
-          <a:xfrm>
-            <a:off x="0" y="8016"/>
-            <a:ext cx="7974008" cy="676049"/>
-          </a:xfrm>
-          <a:solidFill>
-            <a:schemeClr val="tx2">
-              <a:lumMod val="20000"/>
-              <a:lumOff val="80000"/>
-            </a:schemeClr>
-          </a:solidFill>
-          <a:ln>
-            <a:solidFill>
-              <a:schemeClr val="tx2">
-                <a:lumMod val="20000"/>
-                <a:lumOff val="80000"/>
-              </a:schemeClr>
-            </a:solidFill>
-          </a:ln>
-        </p:spPr>
-        <p:txBody>
-          <a:bodyPr/>
-          <a:lstStyle/>
-          <a:p>
-            <a:endParaRPr lang="de-DE" dirty="0"/>
-          </a:p>
-        </p:txBody>
-      </p:sp>
-      <p:sp>
-        <p:nvSpPr>
-          <p:cNvPr id="4" name="Foliennummernplatzhalter 3"/>
-          <p:cNvSpPr>
-            <a:spLocks noGrp="1"/>
-          </p:cNvSpPr>
-          <p:nvPr>
-            <p:ph type="sldNum" sz="quarter" idx="12"/>
-          </p:nvPr>
-        </p:nvSpPr>
-        <p:spPr/>
-        <p:txBody>
-          <a:bodyPr/>
-          <a:lstStyle/>
-          <a:p>
-            <a:fld id="{61201FF1-C63B-412E-ABF0-3D0E918900AC}" type="slidenum">
-              <a:rPr lang="en-GB" smtClean="0"/>
-              <a:pPr/>
-              <a:t>36</a:t>
             </a:fld>
             <a:endParaRPr lang="en-GB" dirty="0"/>
           </a:p>
@@ -33305,7 +32628,7 @@
 </p:sld>
 </file>
 
-<file path=ppt/slides/slide37.xml><?xml version="1.0" encoding="utf-8"?>
+<file path=ppt/slides/slide36.xml><?xml version="1.0" encoding="utf-8"?>
 <p:sld xmlns:a="http://schemas.openxmlformats.org/drawingml/2006/main" xmlns:r="http://schemas.openxmlformats.org/officeDocument/2006/relationships" xmlns:p="http://schemas.openxmlformats.org/presentationml/2006/main">
   <p:cSld>
     <p:spTree>
@@ -33436,6 +32759,163 @@
     <p:extLst>
       <p:ext uri="{BB962C8B-B14F-4D97-AF65-F5344CB8AC3E}">
         <p14:creationId xmlns:p14="http://schemas.microsoft.com/office/powerpoint/2010/main" val="680084884"/>
+      </p:ext>
+    </p:extLst>
+  </p:cSld>
+  <p:clrMapOvr>
+    <a:masterClrMapping/>
+  </p:clrMapOvr>
+  <p:timing>
+    <p:tnLst>
+      <p:par>
+        <p:cTn id="1" dur="indefinite" restart="never" nodeType="tmRoot"/>
+      </p:par>
+    </p:tnLst>
+  </p:timing>
+</p:sld>
+</file>
+
+<file path=ppt/slides/slide37.xml><?xml version="1.0" encoding="utf-8"?>
+<p:sld xmlns:a="http://schemas.openxmlformats.org/drawingml/2006/main" xmlns:r="http://schemas.openxmlformats.org/officeDocument/2006/relationships" xmlns:p="http://schemas.openxmlformats.org/presentationml/2006/main">
+  <p:cSld>
+    <p:spTree>
+      <p:nvGrpSpPr>
+        <p:cNvPr id="1" name=""/>
+        <p:cNvGrpSpPr/>
+        <p:nvPr/>
+      </p:nvGrpSpPr>
+      <p:grpSpPr>
+        <a:xfrm>
+          <a:off x="0" y="0"/>
+          <a:ext cx="0" cy="0"/>
+          <a:chOff x="0" y="0"/>
+          <a:chExt cx="0" cy="0"/>
+        </a:xfrm>
+      </p:grpSpPr>
+      <p:sp>
+        <p:nvSpPr>
+          <p:cNvPr id="11" name="Textplatzhalter 10"/>
+          <p:cNvSpPr>
+            <a:spLocks noGrp="1"/>
+          </p:cNvSpPr>
+          <p:nvPr>
+            <p:ph type="body" sz="quarter" idx="19"/>
+          </p:nvPr>
+        </p:nvSpPr>
+        <p:spPr>
+          <a:xfrm>
+            <a:off x="0" y="8016"/>
+            <a:ext cx="7974008" cy="676049"/>
+          </a:xfrm>
+          <a:solidFill>
+            <a:schemeClr val="tx2">
+              <a:lumMod val="20000"/>
+              <a:lumOff val="80000"/>
+            </a:schemeClr>
+          </a:solidFill>
+          <a:ln>
+            <a:solidFill>
+              <a:schemeClr val="tx2">
+                <a:lumMod val="20000"/>
+                <a:lumOff val="80000"/>
+              </a:schemeClr>
+            </a:solidFill>
+          </a:ln>
+        </p:spPr>
+        <p:txBody>
+          <a:bodyPr/>
+          <a:lstStyle/>
+          <a:p>
+            <a:endParaRPr lang="de-DE" dirty="0"/>
+          </a:p>
+        </p:txBody>
+      </p:sp>
+      <p:sp>
+        <p:nvSpPr>
+          <p:cNvPr id="4" name="Foliennummernplatzhalter 3"/>
+          <p:cNvSpPr>
+            <a:spLocks noGrp="1"/>
+          </p:cNvSpPr>
+          <p:nvPr>
+            <p:ph type="sldNum" sz="quarter" idx="12"/>
+          </p:nvPr>
+        </p:nvSpPr>
+        <p:spPr/>
+        <p:txBody>
+          <a:bodyPr/>
+          <a:lstStyle/>
+          <a:p>
+            <a:fld id="{61201FF1-C63B-412E-ABF0-3D0E918900AC}" type="slidenum">
+              <a:rPr lang="en-GB" smtClean="0"/>
+              <a:pPr/>
+              <a:t>37</a:t>
+            </a:fld>
+            <a:endParaRPr lang="en-GB" dirty="0"/>
+          </a:p>
+        </p:txBody>
+      </p:sp>
+      <p:sp>
+        <p:nvSpPr>
+          <p:cNvPr id="5" name="TextBox 4"/>
+          <p:cNvSpPr txBox="1"/>
+          <p:nvPr/>
+        </p:nvSpPr>
+        <p:spPr>
+          <a:xfrm>
+            <a:off x="294512" y="123686"/>
+            <a:ext cx="4707700" cy="523220"/>
+          </a:xfrm>
+          <a:prstGeom prst="rect">
+            <a:avLst/>
+          </a:prstGeom>
+          <a:noFill/>
+        </p:spPr>
+        <p:txBody>
+          <a:bodyPr wrap="square" rtlCol="0">
+            <a:spAutoFit/>
+          </a:bodyPr>
+          <a:lstStyle/>
+          <a:p>
+            <a:r>
+              <a:rPr lang="en-GB" sz="2800" b="1" dirty="0" smtClean="0">
+                <a:latin typeface="Times New Roman" panose="02020603050405020304" pitchFamily="18" charset="0"/>
+                <a:cs typeface="Times New Roman" panose="02020603050405020304" pitchFamily="18" charset="0"/>
+              </a:rPr>
+              <a:t>What is a Claim?</a:t>
+            </a:r>
+            <a:endParaRPr lang="en-GB" sz="2800" b="1" dirty="0">
+              <a:latin typeface="Times New Roman" panose="02020603050405020304" pitchFamily="18" charset="0"/>
+              <a:cs typeface="Times New Roman" panose="02020603050405020304" pitchFamily="18" charset="0"/>
+            </a:endParaRPr>
+          </a:p>
+        </p:txBody>
+      </p:sp>
+      <p:graphicFrame>
+        <p:nvGraphicFramePr>
+          <p:cNvPr id="3" name="Diagram 2"/>
+          <p:cNvGraphicFramePr/>
+          <p:nvPr>
+            <p:extLst>
+              <p:ext uri="{D42A27DB-BD31-4B8C-83A1-F6EECF244321}">
+                <p14:modId xmlns:p14="http://schemas.microsoft.com/office/powerpoint/2010/main" val="3684321166"/>
+              </p:ext>
+            </p:extLst>
+          </p:nvPr>
+        </p:nvGraphicFramePr>
+        <p:xfrm>
+          <a:off x="963612" y="723105"/>
+          <a:ext cx="6324600" cy="4533107"/>
+        </p:xfrm>
+        <a:graphic>
+          <a:graphicData uri="http://schemas.openxmlformats.org/drawingml/2006/diagram">
+            <dgm:relIds xmlns:dgm="http://schemas.openxmlformats.org/drawingml/2006/diagram" xmlns:r="http://schemas.openxmlformats.org/officeDocument/2006/relationships" r:dm="rId3" r:lo="rId4" r:qs="rId5" r:cs="rId6"/>
+          </a:graphicData>
+        </a:graphic>
+      </p:graphicFrame>
+    </p:spTree>
+    <p:extLst>
+      <p:ext uri="{BB962C8B-B14F-4D97-AF65-F5344CB8AC3E}">
+        <p14:creationId xmlns:p14="http://schemas.microsoft.com/office/powerpoint/2010/main" val="1462879094"/>
       </p:ext>
     </p:extLst>
   </p:cSld>
@@ -33503,7 +32983,10 @@
           <a:bodyPr/>
           <a:lstStyle/>
           <a:p>
-            <a:endParaRPr lang="de-DE" dirty="0"/>
+            <a:endParaRPr lang="de-DE" dirty="0">
+              <a:latin typeface="Times New Roman" panose="02020603050405020304" pitchFamily="18" charset="0"/>
+              <a:cs typeface="Times New Roman" panose="02020603050405020304" pitchFamily="18" charset="0"/>
+            </a:endParaRPr>
           </a:p>
         </p:txBody>
       </p:sp>
@@ -33523,172 +33006,12 @@
           <a:lstStyle/>
           <a:p>
             <a:fld id="{61201FF1-C63B-412E-ABF0-3D0E918900AC}" type="slidenum">
-              <a:rPr lang="en-GB" smtClean="0"/>
-              <a:pPr/>
-              <a:t>38</a:t>
-            </a:fld>
-            <a:endParaRPr lang="en-GB" dirty="0"/>
-          </a:p>
-        </p:txBody>
-      </p:sp>
-      <p:sp>
-        <p:nvSpPr>
-          <p:cNvPr id="5" name="TextBox 4"/>
-          <p:cNvSpPr txBox="1"/>
-          <p:nvPr/>
-        </p:nvSpPr>
-        <p:spPr>
-          <a:xfrm>
-            <a:off x="294512" y="123686"/>
-            <a:ext cx="4707700" cy="523220"/>
-          </a:xfrm>
-          <a:prstGeom prst="rect">
-            <a:avLst/>
-          </a:prstGeom>
-          <a:noFill/>
-        </p:spPr>
-        <p:txBody>
-          <a:bodyPr wrap="square" rtlCol="0">
-            <a:spAutoFit/>
-          </a:bodyPr>
-          <a:lstStyle/>
-          <a:p>
-            <a:r>
-              <a:rPr lang="en-GB" sz="2800" b="1" dirty="0" smtClean="0">
-                <a:latin typeface="Times New Roman" panose="02020603050405020304" pitchFamily="18" charset="0"/>
-                <a:cs typeface="Times New Roman" panose="02020603050405020304" pitchFamily="18" charset="0"/>
-              </a:rPr>
-              <a:t>What is a Claim?</a:t>
-            </a:r>
-            <a:endParaRPr lang="en-GB" sz="2800" b="1" dirty="0">
-              <a:latin typeface="Times New Roman" panose="02020603050405020304" pitchFamily="18" charset="0"/>
-              <a:cs typeface="Times New Roman" panose="02020603050405020304" pitchFamily="18" charset="0"/>
-            </a:endParaRPr>
-          </a:p>
-        </p:txBody>
-      </p:sp>
-      <p:graphicFrame>
-        <p:nvGraphicFramePr>
-          <p:cNvPr id="3" name="Diagram 2"/>
-          <p:cNvGraphicFramePr/>
-          <p:nvPr>
-            <p:extLst>
-              <p:ext uri="{D42A27DB-BD31-4B8C-83A1-F6EECF244321}">
-                <p14:modId xmlns:p14="http://schemas.microsoft.com/office/powerpoint/2010/main" val="3684321166"/>
-              </p:ext>
-            </p:extLst>
-          </p:nvPr>
-        </p:nvGraphicFramePr>
-        <p:xfrm>
-          <a:off x="963612" y="723105"/>
-          <a:ext cx="6324600" cy="4533107"/>
-        </p:xfrm>
-        <a:graphic>
-          <a:graphicData uri="http://schemas.openxmlformats.org/drawingml/2006/diagram">
-            <dgm:relIds xmlns:dgm="http://schemas.openxmlformats.org/drawingml/2006/diagram" xmlns:r="http://schemas.openxmlformats.org/officeDocument/2006/relationships" r:dm="rId3" r:lo="rId4" r:qs="rId5" r:cs="rId6"/>
-          </a:graphicData>
-        </a:graphic>
-      </p:graphicFrame>
-    </p:spTree>
-    <p:extLst>
-      <p:ext uri="{BB962C8B-B14F-4D97-AF65-F5344CB8AC3E}">
-        <p14:creationId xmlns:p14="http://schemas.microsoft.com/office/powerpoint/2010/main" val="1462879094"/>
-      </p:ext>
-    </p:extLst>
-  </p:cSld>
-  <p:clrMapOvr>
-    <a:masterClrMapping/>
-  </p:clrMapOvr>
-  <p:timing>
-    <p:tnLst>
-      <p:par>
-        <p:cTn id="1" dur="indefinite" restart="never" nodeType="tmRoot"/>
-      </p:par>
-    </p:tnLst>
-  </p:timing>
-</p:sld>
-</file>
-
-<file path=ppt/slides/slide39.xml><?xml version="1.0" encoding="utf-8"?>
-<p:sld xmlns:a="http://schemas.openxmlformats.org/drawingml/2006/main" xmlns:r="http://schemas.openxmlformats.org/officeDocument/2006/relationships" xmlns:p="http://schemas.openxmlformats.org/presentationml/2006/main">
-  <p:cSld>
-    <p:spTree>
-      <p:nvGrpSpPr>
-        <p:cNvPr id="1" name=""/>
-        <p:cNvGrpSpPr/>
-        <p:nvPr/>
-      </p:nvGrpSpPr>
-      <p:grpSpPr>
-        <a:xfrm>
-          <a:off x="0" y="0"/>
-          <a:ext cx="0" cy="0"/>
-          <a:chOff x="0" y="0"/>
-          <a:chExt cx="0" cy="0"/>
-        </a:xfrm>
-      </p:grpSpPr>
-      <p:sp>
-        <p:nvSpPr>
-          <p:cNvPr id="11" name="Textplatzhalter 10"/>
-          <p:cNvSpPr>
-            <a:spLocks noGrp="1"/>
-          </p:cNvSpPr>
-          <p:nvPr>
-            <p:ph type="body" sz="quarter" idx="19"/>
-          </p:nvPr>
-        </p:nvSpPr>
-        <p:spPr>
-          <a:xfrm>
-            <a:off x="0" y="8016"/>
-            <a:ext cx="7974008" cy="676049"/>
-          </a:xfrm>
-          <a:solidFill>
-            <a:schemeClr val="tx2">
-              <a:lumMod val="20000"/>
-              <a:lumOff val="80000"/>
-            </a:schemeClr>
-          </a:solidFill>
-          <a:ln>
-            <a:solidFill>
-              <a:schemeClr val="tx2">
-                <a:lumMod val="20000"/>
-                <a:lumOff val="80000"/>
-              </a:schemeClr>
-            </a:solidFill>
-          </a:ln>
-        </p:spPr>
-        <p:txBody>
-          <a:bodyPr/>
-          <a:lstStyle/>
-          <a:p>
-            <a:endParaRPr lang="de-DE" dirty="0">
-              <a:latin typeface="Times New Roman" panose="02020603050405020304" pitchFamily="18" charset="0"/>
-              <a:cs typeface="Times New Roman" panose="02020603050405020304" pitchFamily="18" charset="0"/>
-            </a:endParaRPr>
-          </a:p>
-        </p:txBody>
-      </p:sp>
-      <p:sp>
-        <p:nvSpPr>
-          <p:cNvPr id="4" name="Foliennummernplatzhalter 3"/>
-          <p:cNvSpPr>
-            <a:spLocks noGrp="1"/>
-          </p:cNvSpPr>
-          <p:nvPr>
-            <p:ph type="sldNum" sz="quarter" idx="12"/>
-          </p:nvPr>
-        </p:nvSpPr>
-        <p:spPr/>
-        <p:txBody>
-          <a:bodyPr/>
-          <a:lstStyle/>
-          <a:p>
-            <a:fld id="{61201FF1-C63B-412E-ABF0-3D0E918900AC}" type="slidenum">
               <a:rPr lang="en-GB" smtClean="0">
                 <a:latin typeface="Times New Roman" panose="02020603050405020304" pitchFamily="18" charset="0"/>
                 <a:cs typeface="Times New Roman" panose="02020603050405020304" pitchFamily="18" charset="0"/>
               </a:rPr>
               <a:pPr/>
-              <a:t>39</a:t>
+              <a:t>38</a:t>
             </a:fld>
             <a:endParaRPr lang="en-GB" dirty="0">
               <a:latin typeface="Times New Roman" panose="02020603050405020304" pitchFamily="18" charset="0"/>
@@ -34148,6 +33471,945 @@
 </p:sld>
 </file>
 
+<file path=ppt/slides/slide39.xml><?xml version="1.0" encoding="utf-8"?>
+<p:sld xmlns:a="http://schemas.openxmlformats.org/drawingml/2006/main" xmlns:r="http://schemas.openxmlformats.org/officeDocument/2006/relationships" xmlns:p="http://schemas.openxmlformats.org/presentationml/2006/main">
+  <p:cSld>
+    <p:spTree>
+      <p:nvGrpSpPr>
+        <p:cNvPr id="1" name=""/>
+        <p:cNvGrpSpPr/>
+        <p:nvPr/>
+      </p:nvGrpSpPr>
+      <p:grpSpPr>
+        <a:xfrm>
+          <a:off x="0" y="0"/>
+          <a:ext cx="0" cy="0"/>
+          <a:chOff x="0" y="0"/>
+          <a:chExt cx="0" cy="0"/>
+        </a:xfrm>
+      </p:grpSpPr>
+      <p:sp>
+        <p:nvSpPr>
+          <p:cNvPr id="11" name="Textplatzhalter 10"/>
+          <p:cNvSpPr>
+            <a:spLocks noGrp="1"/>
+          </p:cNvSpPr>
+          <p:nvPr>
+            <p:ph type="body" sz="quarter" idx="19"/>
+          </p:nvPr>
+        </p:nvSpPr>
+        <p:spPr>
+          <a:xfrm>
+            <a:off x="0" y="8016"/>
+            <a:ext cx="7974008" cy="676049"/>
+          </a:xfrm>
+          <a:solidFill>
+            <a:schemeClr val="tx2">
+              <a:lumMod val="20000"/>
+              <a:lumOff val="80000"/>
+            </a:schemeClr>
+          </a:solidFill>
+          <a:ln>
+            <a:solidFill>
+              <a:schemeClr val="tx2">
+                <a:lumMod val="20000"/>
+                <a:lumOff val="80000"/>
+              </a:schemeClr>
+            </a:solidFill>
+          </a:ln>
+        </p:spPr>
+        <p:txBody>
+          <a:bodyPr/>
+          <a:lstStyle/>
+          <a:p>
+            <a:endParaRPr lang="de-DE" dirty="0"/>
+          </a:p>
+        </p:txBody>
+      </p:sp>
+      <p:sp>
+        <p:nvSpPr>
+          <p:cNvPr id="4" name="Foliennummernplatzhalter 3"/>
+          <p:cNvSpPr>
+            <a:spLocks noGrp="1"/>
+          </p:cNvSpPr>
+          <p:nvPr>
+            <p:ph type="sldNum" sz="quarter" idx="12"/>
+          </p:nvPr>
+        </p:nvSpPr>
+        <p:spPr>
+          <a:xfrm>
+            <a:off x="7966074" y="4871733"/>
+            <a:ext cx="379889" cy="270974"/>
+          </a:xfrm>
+        </p:spPr>
+        <p:txBody>
+          <a:bodyPr/>
+          <a:lstStyle/>
+          <a:p>
+            <a:fld id="{61201FF1-C63B-412E-ABF0-3D0E918900AC}" type="slidenum">
+              <a:rPr lang="en-GB" smtClean="0"/>
+              <a:pPr/>
+              <a:t>39</a:t>
+            </a:fld>
+            <a:endParaRPr lang="en-GB" dirty="0"/>
+          </a:p>
+        </p:txBody>
+      </p:sp>
+      <p:sp>
+        <p:nvSpPr>
+          <p:cNvPr id="5" name="TextBox 4"/>
+          <p:cNvSpPr txBox="1"/>
+          <p:nvPr/>
+        </p:nvSpPr>
+        <p:spPr>
+          <a:xfrm>
+            <a:off x="294512" y="123686"/>
+            <a:ext cx="4707700" cy="523220"/>
+          </a:xfrm>
+          <a:prstGeom prst="rect">
+            <a:avLst/>
+          </a:prstGeom>
+          <a:noFill/>
+        </p:spPr>
+        <p:txBody>
+          <a:bodyPr wrap="square" rtlCol="0">
+            <a:spAutoFit/>
+          </a:bodyPr>
+          <a:lstStyle/>
+          <a:p>
+            <a:r>
+              <a:rPr lang="en-GB" sz="2800" b="1" dirty="0" smtClean="0">
+                <a:latin typeface="Times New Roman" panose="02020603050405020304" pitchFamily="18" charset="0"/>
+                <a:cs typeface="Times New Roman" panose="02020603050405020304" pitchFamily="18" charset="0"/>
+              </a:rPr>
+              <a:t>Claims : Platform Layer</a:t>
+            </a:r>
+            <a:endParaRPr lang="en-GB" sz="2800" b="1" dirty="0">
+              <a:latin typeface="Times New Roman" panose="02020603050405020304" pitchFamily="18" charset="0"/>
+              <a:cs typeface="Times New Roman" panose="02020603050405020304" pitchFamily="18" charset="0"/>
+            </a:endParaRPr>
+          </a:p>
+        </p:txBody>
+      </p:sp>
+      <p:sp>
+        <p:nvSpPr>
+          <p:cNvPr id="21" name="WordArt 16"/>
+          <p:cNvSpPr>
+            <a:spLocks noChangeArrowheads="1" noChangeShapeType="1" noTextEdit="1"/>
+          </p:cNvSpPr>
+          <p:nvPr/>
+        </p:nvSpPr>
+        <p:spPr bwMode="auto">
+          <a:xfrm>
+            <a:off x="77788" y="1637506"/>
+            <a:ext cx="1295400" cy="428625"/>
+          </a:xfrm>
+          <a:prstGeom prst="rect">
+            <a:avLst/>
+          </a:prstGeom>
+          <a:extLst>
+            <a:ext uri="{AF507438-7753-43E0-B8FC-AC1667EBCBE1}">
+              <a14:hiddenEffects xmlns:a14="http://schemas.microsoft.com/office/drawing/2010/main">
+                <a:effectLst/>
+              </a14:hiddenEffects>
+            </a:ext>
+          </a:extLst>
+        </p:spPr>
+        <p:txBody>
+          <a:bodyPr wrap="none" fromWordArt="1">
+            <a:prstTxWarp prst="textPlain">
+              <a:avLst>
+                <a:gd name="adj" fmla="val 51769"/>
+              </a:avLst>
+            </a:prstTxWarp>
+          </a:bodyPr>
+          <a:lstStyle/>
+          <a:p>
+            <a:pPr algn="ctr"/>
+            <a:r>
+              <a:rPr lang="en-GB" sz="2400" kern="10" dirty="0">
+                <a:ln w="9525">
+                  <a:solidFill>
+                    <a:srgbClr val="000000"/>
+                  </a:solidFill>
+                  <a:round/>
+                  <a:headEnd/>
+                  <a:tailEnd/>
+                </a:ln>
+                <a:solidFill>
+                  <a:srgbClr val="FFFFFF"/>
+                </a:solidFill>
+                <a:latin typeface="Arial Black"/>
+              </a:rPr>
+              <a:t>CORONET</a:t>
+            </a:r>
+          </a:p>
+        </p:txBody>
+      </p:sp>
+      <p:sp>
+        <p:nvSpPr>
+          <p:cNvPr id="22" name="WordArt 17"/>
+          <p:cNvSpPr>
+            <a:spLocks noChangeArrowheads="1" noChangeShapeType="1" noTextEdit="1"/>
+          </p:cNvSpPr>
+          <p:nvPr/>
+        </p:nvSpPr>
+        <p:spPr bwMode="auto">
+          <a:xfrm>
+            <a:off x="149225" y="3390558"/>
+            <a:ext cx="898525" cy="428625"/>
+          </a:xfrm>
+          <a:prstGeom prst="rect">
+            <a:avLst/>
+          </a:prstGeom>
+          <a:extLst>
+            <a:ext uri="{AF507438-7753-43E0-B8FC-AC1667EBCBE1}">
+              <a14:hiddenEffects xmlns:a14="http://schemas.microsoft.com/office/drawing/2010/main">
+                <a:effectLst/>
+              </a14:hiddenEffects>
+            </a:ext>
+          </a:extLst>
+        </p:spPr>
+        <p:txBody>
+          <a:bodyPr wrap="none" fromWordArt="1">
+            <a:prstTxWarp prst="textPlain">
+              <a:avLst>
+                <a:gd name="adj" fmla="val 51769"/>
+              </a:avLst>
+            </a:prstTxWarp>
+          </a:bodyPr>
+          <a:lstStyle/>
+          <a:p>
+            <a:pPr algn="ctr"/>
+            <a:r>
+              <a:rPr lang="en-GB" sz="2400" kern="10" dirty="0">
+                <a:ln w="9525">
+                  <a:solidFill>
+                    <a:srgbClr val="000000"/>
+                  </a:solidFill>
+                  <a:round/>
+                  <a:headEnd/>
+                  <a:tailEnd/>
+                </a:ln>
+                <a:solidFill>
+                  <a:srgbClr val="FFFFFF"/>
+                </a:solidFill>
+                <a:latin typeface="Arial Black"/>
+              </a:rPr>
+              <a:t>UNIX</a:t>
+            </a:r>
+          </a:p>
+        </p:txBody>
+      </p:sp>
+      <p:sp>
+        <p:nvSpPr>
+          <p:cNvPr id="35" name="AutoShape 30"/>
+          <p:cNvSpPr>
+            <a:spLocks noChangeArrowheads="1"/>
+          </p:cNvSpPr>
+          <p:nvPr/>
+        </p:nvSpPr>
+        <p:spPr bwMode="auto">
+          <a:xfrm>
+            <a:off x="2020111" y="2366168"/>
+            <a:ext cx="215900" cy="503238"/>
+          </a:xfrm>
+          <a:prstGeom prst="downArrow">
+            <a:avLst>
+              <a:gd name="adj1" fmla="val 50000"/>
+              <a:gd name="adj2" fmla="val 58272"/>
+            </a:avLst>
+          </a:prstGeom>
+          <a:solidFill>
+            <a:schemeClr val="accent1"/>
+          </a:solidFill>
+          <a:ln w="9525">
+            <a:solidFill>
+              <a:schemeClr val="tx1"/>
+            </a:solidFill>
+            <a:miter lim="800000"/>
+            <a:headEnd/>
+            <a:tailEnd/>
+          </a:ln>
+          <a:effectLst/>
+          <a:extLst>
+            <a:ext uri="{AF507438-7753-43E0-B8FC-AC1667EBCBE1}">
+              <a14:hiddenEffects xmlns:a14="http://schemas.microsoft.com/office/drawing/2010/main">
+                <a:effectLst>
+                  <a:outerShdw dist="35921" dir="2700000" algn="ctr" rotWithShape="0">
+                    <a:schemeClr val="bg2"/>
+                  </a:outerShdw>
+                </a:effectLst>
+              </a14:hiddenEffects>
+            </a:ext>
+          </a:extLst>
+        </p:spPr>
+        <p:txBody>
+          <a:bodyPr vert="eaVert" wrap="none" anchor="ctr"/>
+          <a:lstStyle/>
+          <a:p>
+            <a:endParaRPr lang="en-GB"/>
+          </a:p>
+        </p:txBody>
+      </p:sp>
+      <p:sp>
+        <p:nvSpPr>
+          <p:cNvPr id="36" name="AutoShape 31"/>
+          <p:cNvSpPr>
+            <a:spLocks noChangeArrowheads="1"/>
+          </p:cNvSpPr>
+          <p:nvPr/>
+        </p:nvSpPr>
+        <p:spPr bwMode="auto">
+          <a:xfrm>
+            <a:off x="3783012" y="2366168"/>
+            <a:ext cx="215900" cy="503238"/>
+          </a:xfrm>
+          <a:prstGeom prst="downArrow">
+            <a:avLst>
+              <a:gd name="adj1" fmla="val 50000"/>
+              <a:gd name="adj2" fmla="val 58272"/>
+            </a:avLst>
+          </a:prstGeom>
+          <a:solidFill>
+            <a:schemeClr val="accent1"/>
+          </a:solidFill>
+          <a:ln w="9525">
+            <a:solidFill>
+              <a:schemeClr val="tx1"/>
+            </a:solidFill>
+            <a:miter lim="800000"/>
+            <a:headEnd/>
+            <a:tailEnd/>
+          </a:ln>
+          <a:effectLst/>
+          <a:extLst>
+            <a:ext uri="{AF507438-7753-43E0-B8FC-AC1667EBCBE1}">
+              <a14:hiddenEffects xmlns:a14="http://schemas.microsoft.com/office/drawing/2010/main">
+                <a:effectLst>
+                  <a:outerShdw dist="35921" dir="2700000" algn="ctr" rotWithShape="0">
+                    <a:schemeClr val="bg2"/>
+                  </a:outerShdw>
+                </a:effectLst>
+              </a14:hiddenEffects>
+            </a:ext>
+          </a:extLst>
+        </p:spPr>
+        <p:txBody>
+          <a:bodyPr vert="eaVert" wrap="none" anchor="ctr"/>
+          <a:lstStyle/>
+          <a:p>
+            <a:endParaRPr lang="en-GB"/>
+          </a:p>
+        </p:txBody>
+      </p:sp>
+      <p:sp>
+        <p:nvSpPr>
+          <p:cNvPr id="37" name="AutoShape 32"/>
+          <p:cNvSpPr>
+            <a:spLocks noChangeArrowheads="1"/>
+          </p:cNvSpPr>
+          <p:nvPr/>
+        </p:nvSpPr>
+        <p:spPr bwMode="auto">
+          <a:xfrm>
+            <a:off x="5649946" y="2323306"/>
+            <a:ext cx="215900" cy="503238"/>
+          </a:xfrm>
+          <a:prstGeom prst="downArrow">
+            <a:avLst>
+              <a:gd name="adj1" fmla="val 50000"/>
+              <a:gd name="adj2" fmla="val 58272"/>
+            </a:avLst>
+          </a:prstGeom>
+          <a:solidFill>
+            <a:schemeClr val="accent1"/>
+          </a:solidFill>
+          <a:ln w="9525">
+            <a:solidFill>
+              <a:schemeClr val="tx1"/>
+            </a:solidFill>
+            <a:miter lim="800000"/>
+            <a:headEnd/>
+            <a:tailEnd/>
+          </a:ln>
+          <a:effectLst/>
+          <a:extLst>
+            <a:ext uri="{AF507438-7753-43E0-B8FC-AC1667EBCBE1}">
+              <a14:hiddenEffects xmlns:a14="http://schemas.microsoft.com/office/drawing/2010/main">
+                <a:effectLst>
+                  <a:outerShdw dist="35921" dir="2700000" algn="ctr" rotWithShape="0">
+                    <a:schemeClr val="bg2"/>
+                  </a:outerShdw>
+                </a:effectLst>
+              </a14:hiddenEffects>
+            </a:ext>
+          </a:extLst>
+        </p:spPr>
+        <p:txBody>
+          <a:bodyPr vert="eaVert" wrap="none" anchor="ctr"/>
+          <a:lstStyle/>
+          <a:p>
+            <a:endParaRPr lang="en-GB"/>
+          </a:p>
+        </p:txBody>
+      </p:sp>
+      <p:sp>
+        <p:nvSpPr>
+          <p:cNvPr id="38" name="AutoShape 33"/>
+          <p:cNvSpPr>
+            <a:spLocks noChangeArrowheads="1"/>
+          </p:cNvSpPr>
+          <p:nvPr/>
+        </p:nvSpPr>
+        <p:spPr bwMode="auto">
+          <a:xfrm>
+            <a:off x="7398559" y="2339407"/>
+            <a:ext cx="215900" cy="503238"/>
+          </a:xfrm>
+          <a:prstGeom prst="downArrow">
+            <a:avLst>
+              <a:gd name="adj1" fmla="val 50000"/>
+              <a:gd name="adj2" fmla="val 58272"/>
+            </a:avLst>
+          </a:prstGeom>
+          <a:solidFill>
+            <a:schemeClr val="accent1"/>
+          </a:solidFill>
+          <a:ln w="9525">
+            <a:solidFill>
+              <a:schemeClr val="tx1"/>
+            </a:solidFill>
+            <a:miter lim="800000"/>
+            <a:headEnd/>
+            <a:tailEnd/>
+          </a:ln>
+          <a:effectLst/>
+          <a:extLst>
+            <a:ext uri="{AF507438-7753-43E0-B8FC-AC1667EBCBE1}">
+              <a14:hiddenEffects xmlns:a14="http://schemas.microsoft.com/office/drawing/2010/main">
+                <a:effectLst>
+                  <a:outerShdw dist="35921" dir="2700000" algn="ctr" rotWithShape="0">
+                    <a:schemeClr val="bg2"/>
+                  </a:outerShdw>
+                </a:effectLst>
+              </a14:hiddenEffects>
+            </a:ext>
+          </a:extLst>
+        </p:spPr>
+        <p:txBody>
+          <a:bodyPr vert="eaVert" wrap="none" anchor="ctr"/>
+          <a:lstStyle/>
+          <a:p>
+            <a:endParaRPr lang="en-GB"/>
+          </a:p>
+        </p:txBody>
+      </p:sp>
+      <p:sp>
+        <p:nvSpPr>
+          <p:cNvPr id="74" name="Rectangle 73"/>
+          <p:cNvSpPr/>
+          <p:nvPr/>
+        </p:nvSpPr>
+        <p:spPr>
+          <a:xfrm>
+            <a:off x="3217862" y="1561306"/>
+            <a:ext cx="1332296" cy="533400"/>
+          </a:xfrm>
+          <a:prstGeom prst="rect">
+            <a:avLst/>
+          </a:prstGeom>
+        </p:spPr>
+        <p:style>
+          <a:lnRef idx="0">
+            <a:schemeClr val="accent1"/>
+          </a:lnRef>
+          <a:fillRef idx="3">
+            <a:schemeClr val="accent1"/>
+          </a:fillRef>
+          <a:effectRef idx="3">
+            <a:schemeClr val="accent1"/>
+          </a:effectRef>
+          <a:fontRef idx="minor">
+            <a:schemeClr val="lt1"/>
+          </a:fontRef>
+        </p:style>
+        <p:txBody>
+          <a:bodyPr rtlCol="0" anchor="ctr"/>
+          <a:lstStyle/>
+          <a:p>
+            <a:pPr algn="ctr"/>
+            <a:r>
+              <a:rPr lang="en-GB" sz="1600" dirty="0" smtClean="0">
+                <a:latin typeface="Times New Roman" panose="02020603050405020304" pitchFamily="18" charset="0"/>
+                <a:cs typeface="Times New Roman" panose="02020603050405020304" pitchFamily="18" charset="0"/>
+              </a:rPr>
+              <a:t>Claim Estimate</a:t>
+            </a:r>
+            <a:endParaRPr lang="en-GB" sz="1600" dirty="0">
+              <a:latin typeface="Times New Roman" panose="02020603050405020304" pitchFamily="18" charset="0"/>
+              <a:cs typeface="Times New Roman" panose="02020603050405020304" pitchFamily="18" charset="0"/>
+            </a:endParaRPr>
+          </a:p>
+        </p:txBody>
+      </p:sp>
+      <p:sp>
+        <p:nvSpPr>
+          <p:cNvPr id="75" name="Rectangle 74"/>
+          <p:cNvSpPr/>
+          <p:nvPr/>
+        </p:nvSpPr>
+        <p:spPr>
+          <a:xfrm>
+            <a:off x="5109118" y="1561306"/>
+            <a:ext cx="1295468" cy="533400"/>
+          </a:xfrm>
+          <a:prstGeom prst="rect">
+            <a:avLst/>
+          </a:prstGeom>
+        </p:spPr>
+        <p:style>
+          <a:lnRef idx="0">
+            <a:schemeClr val="accent1"/>
+          </a:lnRef>
+          <a:fillRef idx="3">
+            <a:schemeClr val="accent1"/>
+          </a:fillRef>
+          <a:effectRef idx="3">
+            <a:schemeClr val="accent1"/>
+          </a:effectRef>
+          <a:fontRef idx="minor">
+            <a:schemeClr val="lt1"/>
+          </a:fontRef>
+        </p:style>
+        <p:txBody>
+          <a:bodyPr rtlCol="0" anchor="ctr"/>
+          <a:lstStyle/>
+          <a:p>
+            <a:pPr algn="ctr"/>
+            <a:r>
+              <a:rPr lang="en-GB" sz="1600" dirty="0" smtClean="0">
+                <a:latin typeface="Times New Roman" panose="02020603050405020304" pitchFamily="18" charset="0"/>
+                <a:cs typeface="Times New Roman" panose="02020603050405020304" pitchFamily="18" charset="0"/>
+              </a:rPr>
+              <a:t>Claim Payments</a:t>
+            </a:r>
+            <a:endParaRPr lang="en-GB" sz="1600" dirty="0">
+              <a:latin typeface="Times New Roman" panose="02020603050405020304" pitchFamily="18" charset="0"/>
+              <a:cs typeface="Times New Roman" panose="02020603050405020304" pitchFamily="18" charset="0"/>
+            </a:endParaRPr>
+          </a:p>
+        </p:txBody>
+      </p:sp>
+      <p:sp>
+        <p:nvSpPr>
+          <p:cNvPr id="76" name="Rectangle 75"/>
+          <p:cNvSpPr/>
+          <p:nvPr/>
+        </p:nvSpPr>
+        <p:spPr>
+          <a:xfrm>
+            <a:off x="6859717" y="1561306"/>
+            <a:ext cx="1293585" cy="533400"/>
+          </a:xfrm>
+          <a:prstGeom prst="rect">
+            <a:avLst/>
+          </a:prstGeom>
+        </p:spPr>
+        <p:style>
+          <a:lnRef idx="0">
+            <a:schemeClr val="accent1"/>
+          </a:lnRef>
+          <a:fillRef idx="3">
+            <a:schemeClr val="accent1"/>
+          </a:fillRef>
+          <a:effectRef idx="3">
+            <a:schemeClr val="accent1"/>
+          </a:effectRef>
+          <a:fontRef idx="minor">
+            <a:schemeClr val="lt1"/>
+          </a:fontRef>
+        </p:style>
+        <p:txBody>
+          <a:bodyPr rtlCol="0" anchor="ctr"/>
+          <a:lstStyle/>
+          <a:p>
+            <a:pPr algn="ctr"/>
+            <a:r>
+              <a:rPr lang="en-GB" sz="1600" dirty="0" smtClean="0">
+                <a:latin typeface="Times New Roman" panose="02020603050405020304" pitchFamily="18" charset="0"/>
+                <a:cs typeface="Times New Roman" panose="02020603050405020304" pitchFamily="18" charset="0"/>
+              </a:rPr>
+              <a:t>Claim Recovery</a:t>
+            </a:r>
+            <a:endParaRPr lang="en-GB" sz="1600" dirty="0">
+              <a:latin typeface="Times New Roman" panose="02020603050405020304" pitchFamily="18" charset="0"/>
+              <a:cs typeface="Times New Roman" panose="02020603050405020304" pitchFamily="18" charset="0"/>
+            </a:endParaRPr>
+          </a:p>
+        </p:txBody>
+      </p:sp>
+      <p:sp>
+        <p:nvSpPr>
+          <p:cNvPr id="77" name="Rectangle 76"/>
+          <p:cNvSpPr/>
+          <p:nvPr/>
+        </p:nvSpPr>
+        <p:spPr>
+          <a:xfrm>
+            <a:off x="1486711" y="1574710"/>
+            <a:ext cx="1371600" cy="533400"/>
+          </a:xfrm>
+          <a:prstGeom prst="rect">
+            <a:avLst/>
+          </a:prstGeom>
+        </p:spPr>
+        <p:style>
+          <a:lnRef idx="0">
+            <a:schemeClr val="accent1"/>
+          </a:lnRef>
+          <a:fillRef idx="3">
+            <a:schemeClr val="accent1"/>
+          </a:fillRef>
+          <a:effectRef idx="3">
+            <a:schemeClr val="accent1"/>
+          </a:effectRef>
+          <a:fontRef idx="minor">
+            <a:schemeClr val="lt1"/>
+          </a:fontRef>
+        </p:style>
+        <p:txBody>
+          <a:bodyPr rtlCol="0" anchor="ctr"/>
+          <a:lstStyle/>
+          <a:p>
+            <a:pPr algn="ctr"/>
+            <a:r>
+              <a:rPr lang="en-GB" sz="1600" dirty="0" smtClean="0">
+                <a:latin typeface="Times New Roman" panose="02020603050405020304" pitchFamily="18" charset="0"/>
+                <a:cs typeface="Times New Roman" panose="02020603050405020304" pitchFamily="18" charset="0"/>
+              </a:rPr>
+              <a:t>Claim Notification</a:t>
+            </a:r>
+            <a:endParaRPr lang="en-GB" sz="1600" dirty="0">
+              <a:latin typeface="Times New Roman" panose="02020603050405020304" pitchFamily="18" charset="0"/>
+              <a:cs typeface="Times New Roman" panose="02020603050405020304" pitchFamily="18" charset="0"/>
+            </a:endParaRPr>
+          </a:p>
+        </p:txBody>
+      </p:sp>
+      <p:sp>
+        <p:nvSpPr>
+          <p:cNvPr id="78" name="Rectangle 77"/>
+          <p:cNvSpPr/>
+          <p:nvPr/>
+        </p:nvSpPr>
+        <p:spPr>
+          <a:xfrm>
+            <a:off x="1438086" y="3109820"/>
+            <a:ext cx="1379950" cy="1042286"/>
+          </a:xfrm>
+          <a:prstGeom prst="rect">
+            <a:avLst/>
+          </a:prstGeom>
+        </p:spPr>
+        <p:style>
+          <a:lnRef idx="0">
+            <a:schemeClr val="accent1"/>
+          </a:lnRef>
+          <a:fillRef idx="3">
+            <a:schemeClr val="accent1"/>
+          </a:fillRef>
+          <a:effectRef idx="3">
+            <a:schemeClr val="accent1"/>
+          </a:effectRef>
+          <a:fontRef idx="minor">
+            <a:schemeClr val="lt1"/>
+          </a:fontRef>
+        </p:style>
+        <p:txBody>
+          <a:bodyPr rtlCol="0" anchor="ctr"/>
+          <a:lstStyle/>
+          <a:p>
+            <a:pPr algn="ctr"/>
+            <a:r>
+              <a:rPr lang="en-GB" sz="1500" dirty="0" smtClean="0">
+                <a:latin typeface="Times New Roman" panose="02020603050405020304" pitchFamily="18" charset="0"/>
+                <a:cs typeface="Times New Roman" panose="02020603050405020304" pitchFamily="18" charset="0"/>
+              </a:rPr>
+              <a:t>History Platform</a:t>
+            </a:r>
+          </a:p>
+          <a:p>
+            <a:pPr algn="ctr"/>
+            <a:r>
+              <a:rPr lang="en-GB" altLang="en-US" sz="1500" dirty="0">
+                <a:latin typeface="Times New Roman" panose="02020603050405020304" pitchFamily="18" charset="0"/>
+                <a:cs typeface="Times New Roman" panose="02020603050405020304" pitchFamily="18" charset="0"/>
+              </a:rPr>
+              <a:t>%</a:t>
+            </a:r>
+            <a:r>
+              <a:rPr lang="en-GB" altLang="en-US" sz="1500" dirty="0" smtClean="0">
+                <a:latin typeface="Times New Roman" panose="02020603050405020304" pitchFamily="18" charset="0"/>
+                <a:cs typeface="Times New Roman" panose="02020603050405020304" pitchFamily="18" charset="0"/>
+              </a:rPr>
+              <a:t>shr(hisplat)</a:t>
+            </a:r>
+            <a:endParaRPr lang="en-GB" altLang="en-US" sz="1500" dirty="0">
+              <a:latin typeface="Times New Roman" panose="02020603050405020304" pitchFamily="18" charset="0"/>
+              <a:cs typeface="Times New Roman" panose="02020603050405020304" pitchFamily="18" charset="0"/>
+            </a:endParaRPr>
+          </a:p>
+        </p:txBody>
+      </p:sp>
+      <p:sp>
+        <p:nvSpPr>
+          <p:cNvPr id="79" name="Rectangle 78"/>
+          <p:cNvSpPr/>
+          <p:nvPr/>
+        </p:nvSpPr>
+        <p:spPr>
+          <a:xfrm>
+            <a:off x="3122010" y="3109820"/>
+            <a:ext cx="1524000" cy="1042286"/>
+          </a:xfrm>
+          <a:prstGeom prst="rect">
+            <a:avLst/>
+          </a:prstGeom>
+        </p:spPr>
+        <p:style>
+          <a:lnRef idx="0">
+            <a:schemeClr val="accent1"/>
+          </a:lnRef>
+          <a:fillRef idx="3">
+            <a:schemeClr val="accent1"/>
+          </a:fillRef>
+          <a:effectRef idx="3">
+            <a:schemeClr val="accent1"/>
+          </a:effectRef>
+          <a:fontRef idx="minor">
+            <a:schemeClr val="lt1"/>
+          </a:fontRef>
+        </p:style>
+        <p:txBody>
+          <a:bodyPr rtlCol="0" anchor="ctr"/>
+          <a:lstStyle/>
+          <a:p>
+            <a:pPr algn="ctr"/>
+            <a:r>
+              <a:rPr lang="en-GB" sz="1500" dirty="0" smtClean="0">
+                <a:latin typeface="Times New Roman" panose="02020603050405020304" pitchFamily="18" charset="0"/>
+                <a:cs typeface="Times New Roman" panose="02020603050405020304" pitchFamily="18" charset="0"/>
+              </a:rPr>
+              <a:t>Estimate Platform</a:t>
+            </a:r>
+          </a:p>
+          <a:p>
+            <a:pPr algn="ctr"/>
+            <a:r>
+              <a:rPr lang="en-GB" altLang="en-US" sz="1500" dirty="0">
+                <a:latin typeface="Times New Roman" panose="02020603050405020304" pitchFamily="18" charset="0"/>
+                <a:cs typeface="Times New Roman" panose="02020603050405020304" pitchFamily="18" charset="0"/>
+              </a:rPr>
+              <a:t>%</a:t>
+            </a:r>
+            <a:r>
+              <a:rPr lang="en-GB" altLang="en-US" sz="1500" dirty="0" smtClean="0">
+                <a:latin typeface="Times New Roman" panose="02020603050405020304" pitchFamily="18" charset="0"/>
+                <a:cs typeface="Times New Roman" panose="02020603050405020304" pitchFamily="18" charset="0"/>
+              </a:rPr>
+              <a:t>shr(estimate)</a:t>
+            </a:r>
+            <a:endParaRPr lang="en-GB" altLang="en-US" sz="1500" dirty="0">
+              <a:latin typeface="Times New Roman" panose="02020603050405020304" pitchFamily="18" charset="0"/>
+              <a:cs typeface="Times New Roman" panose="02020603050405020304" pitchFamily="18" charset="0"/>
+            </a:endParaRPr>
+          </a:p>
+        </p:txBody>
+      </p:sp>
+      <p:sp>
+        <p:nvSpPr>
+          <p:cNvPr id="80" name="Rectangle 79"/>
+          <p:cNvSpPr/>
+          <p:nvPr/>
+        </p:nvSpPr>
+        <p:spPr>
+          <a:xfrm>
+            <a:off x="4956752" y="3084165"/>
+            <a:ext cx="1600200" cy="1042286"/>
+          </a:xfrm>
+          <a:prstGeom prst="rect">
+            <a:avLst/>
+          </a:prstGeom>
+        </p:spPr>
+        <p:style>
+          <a:lnRef idx="0">
+            <a:schemeClr val="accent1"/>
+          </a:lnRef>
+          <a:fillRef idx="3">
+            <a:schemeClr val="accent1"/>
+          </a:fillRef>
+          <a:effectRef idx="3">
+            <a:schemeClr val="accent1"/>
+          </a:effectRef>
+          <a:fontRef idx="minor">
+            <a:schemeClr val="lt1"/>
+          </a:fontRef>
+        </p:style>
+        <p:txBody>
+          <a:bodyPr rtlCol="0" anchor="ctr"/>
+          <a:lstStyle/>
+          <a:p>
+            <a:pPr algn="ctr"/>
+            <a:r>
+              <a:rPr lang="en-GB" sz="1500" dirty="0" smtClean="0">
+                <a:latin typeface="Times New Roman" panose="02020603050405020304" pitchFamily="18" charset="0"/>
+                <a:cs typeface="Times New Roman" panose="02020603050405020304" pitchFamily="18" charset="0"/>
+              </a:rPr>
+              <a:t>Payment Platform</a:t>
+            </a:r>
+          </a:p>
+          <a:p>
+            <a:pPr algn="ctr"/>
+            <a:r>
+              <a:rPr lang="en-GB" altLang="en-US" sz="1500" dirty="0">
+                <a:latin typeface="Times New Roman" panose="02020603050405020304" pitchFamily="18" charset="0"/>
+                <a:cs typeface="Times New Roman" panose="02020603050405020304" pitchFamily="18" charset="0"/>
+              </a:rPr>
+              <a:t>%</a:t>
+            </a:r>
+            <a:r>
+              <a:rPr lang="en-GB" altLang="en-US" sz="1500" dirty="0" smtClean="0">
+                <a:latin typeface="Times New Roman" panose="02020603050405020304" pitchFamily="18" charset="0"/>
+                <a:cs typeface="Times New Roman" panose="02020603050405020304" pitchFamily="18" charset="0"/>
+              </a:rPr>
+              <a:t>shr(payments)</a:t>
+            </a:r>
+            <a:endParaRPr lang="en-GB" altLang="en-US" sz="1500" dirty="0">
+              <a:latin typeface="Times New Roman" panose="02020603050405020304" pitchFamily="18" charset="0"/>
+              <a:cs typeface="Times New Roman" panose="02020603050405020304" pitchFamily="18" charset="0"/>
+            </a:endParaRPr>
+          </a:p>
+        </p:txBody>
+      </p:sp>
+      <p:sp>
+        <p:nvSpPr>
+          <p:cNvPr id="81" name="Rectangle 80"/>
+          <p:cNvSpPr/>
+          <p:nvPr/>
+        </p:nvSpPr>
+        <p:spPr>
+          <a:xfrm>
+            <a:off x="6754812" y="3082128"/>
+            <a:ext cx="1587863" cy="1044324"/>
+          </a:xfrm>
+          <a:prstGeom prst="rect">
+            <a:avLst/>
+          </a:prstGeom>
+        </p:spPr>
+        <p:style>
+          <a:lnRef idx="0">
+            <a:schemeClr val="accent1"/>
+          </a:lnRef>
+          <a:fillRef idx="3">
+            <a:schemeClr val="accent1"/>
+          </a:fillRef>
+          <a:effectRef idx="3">
+            <a:schemeClr val="accent1"/>
+          </a:effectRef>
+          <a:fontRef idx="minor">
+            <a:schemeClr val="lt1"/>
+          </a:fontRef>
+        </p:style>
+        <p:txBody>
+          <a:bodyPr rtlCol="0" anchor="ctr"/>
+          <a:lstStyle/>
+          <a:p>
+            <a:pPr algn="ctr"/>
+            <a:r>
+              <a:rPr lang="en-GB" sz="1500" dirty="0" smtClean="0">
+                <a:latin typeface="Times New Roman" panose="02020603050405020304" pitchFamily="18" charset="0"/>
+                <a:cs typeface="Times New Roman" panose="02020603050405020304" pitchFamily="18" charset="0"/>
+              </a:rPr>
+              <a:t>Recovery Platform</a:t>
+            </a:r>
+          </a:p>
+          <a:p>
+            <a:pPr algn="ctr"/>
+            <a:r>
+              <a:rPr lang="en-GB" altLang="en-US" sz="1500" dirty="0">
+                <a:latin typeface="Times New Roman" panose="02020603050405020304" pitchFamily="18" charset="0"/>
+                <a:cs typeface="Times New Roman" panose="02020603050405020304" pitchFamily="18" charset="0"/>
+              </a:rPr>
+              <a:t>%</a:t>
+            </a:r>
+            <a:r>
+              <a:rPr lang="en-GB" altLang="en-US" sz="1500" dirty="0" smtClean="0">
+                <a:latin typeface="Times New Roman" panose="02020603050405020304" pitchFamily="18" charset="0"/>
+                <a:cs typeface="Times New Roman" panose="02020603050405020304" pitchFamily="18" charset="0"/>
+              </a:rPr>
+              <a:t>shr(recovery)</a:t>
+            </a:r>
+            <a:endParaRPr lang="en-GB" altLang="en-US" sz="1500" dirty="0">
+              <a:latin typeface="Times New Roman" panose="02020603050405020304" pitchFamily="18" charset="0"/>
+              <a:cs typeface="Times New Roman" panose="02020603050405020304" pitchFamily="18" charset="0"/>
+            </a:endParaRPr>
+          </a:p>
+        </p:txBody>
+      </p:sp>
+      <p:cxnSp>
+        <p:nvCxnSpPr>
+          <p:cNvPr id="3" name="Straight Connector 2"/>
+          <p:cNvCxnSpPr/>
+          <p:nvPr/>
+        </p:nvCxnSpPr>
+        <p:spPr>
+          <a:xfrm flipV="1">
+            <a:off x="237762" y="2574925"/>
+            <a:ext cx="8193450" cy="42862"/>
+          </a:xfrm>
+          <a:prstGeom prst="line">
+            <a:avLst/>
+          </a:prstGeom>
+          <a:ln>
+            <a:prstDash val="lgDash"/>
+          </a:ln>
+        </p:spPr>
+        <p:style>
+          <a:lnRef idx="1">
+            <a:schemeClr val="dk1"/>
+          </a:lnRef>
+          <a:fillRef idx="0">
+            <a:schemeClr val="dk1"/>
+          </a:fillRef>
+          <a:effectRef idx="0">
+            <a:schemeClr val="dk1"/>
+          </a:effectRef>
+          <a:fontRef idx="minor">
+            <a:schemeClr val="tx1"/>
+          </a:fontRef>
+        </p:style>
+      </p:cxnSp>
+    </p:spTree>
+    <p:extLst>
+      <p:ext uri="{BB962C8B-B14F-4D97-AF65-F5344CB8AC3E}">
+        <p14:creationId xmlns:p14="http://schemas.microsoft.com/office/powerpoint/2010/main" val="2629060217"/>
+      </p:ext>
+    </p:extLst>
+  </p:cSld>
+  <p:clrMapOvr>
+    <a:masterClrMapping/>
+  </p:clrMapOvr>
+  <p:timing>
+    <p:tnLst>
+      <p:par>
+        <p:cTn id="1" dur="indefinite" restart="never" nodeType="tmRoot"/>
+      </p:par>
+    </p:tnLst>
+  </p:timing>
+</p:sld>
+</file>
+
 <file path=ppt/slides/slide4.xml><?xml version="1.0" encoding="utf-8"?>
 <p:sld xmlns:a="http://schemas.openxmlformats.org/drawingml/2006/main" xmlns:r="http://schemas.openxmlformats.org/officeDocument/2006/relationships" xmlns:p="http://schemas.openxmlformats.org/presentationml/2006/main">
   <p:cSld>
@@ -34406,945 +34668,6 @@
         </p:nvSpPr>
         <p:spPr>
           <a:xfrm>
-            <a:off x="7966074" y="4871733"/>
-            <a:ext cx="379889" cy="270974"/>
-          </a:xfrm>
-        </p:spPr>
-        <p:txBody>
-          <a:bodyPr/>
-          <a:lstStyle/>
-          <a:p>
-            <a:fld id="{61201FF1-C63B-412E-ABF0-3D0E918900AC}" type="slidenum">
-              <a:rPr lang="en-GB" smtClean="0"/>
-              <a:pPr/>
-              <a:t>40</a:t>
-            </a:fld>
-            <a:endParaRPr lang="en-GB" dirty="0"/>
-          </a:p>
-        </p:txBody>
-      </p:sp>
-      <p:sp>
-        <p:nvSpPr>
-          <p:cNvPr id="5" name="TextBox 4"/>
-          <p:cNvSpPr txBox="1"/>
-          <p:nvPr/>
-        </p:nvSpPr>
-        <p:spPr>
-          <a:xfrm>
-            <a:off x="294512" y="123686"/>
-            <a:ext cx="4707700" cy="523220"/>
-          </a:xfrm>
-          <a:prstGeom prst="rect">
-            <a:avLst/>
-          </a:prstGeom>
-          <a:noFill/>
-        </p:spPr>
-        <p:txBody>
-          <a:bodyPr wrap="square" rtlCol="0">
-            <a:spAutoFit/>
-          </a:bodyPr>
-          <a:lstStyle/>
-          <a:p>
-            <a:r>
-              <a:rPr lang="en-GB" sz="2800" b="1" dirty="0" smtClean="0">
-                <a:latin typeface="Times New Roman" panose="02020603050405020304" pitchFamily="18" charset="0"/>
-                <a:cs typeface="Times New Roman" panose="02020603050405020304" pitchFamily="18" charset="0"/>
-              </a:rPr>
-              <a:t>Claims : Platform Layer</a:t>
-            </a:r>
-            <a:endParaRPr lang="en-GB" sz="2800" b="1" dirty="0">
-              <a:latin typeface="Times New Roman" panose="02020603050405020304" pitchFamily="18" charset="0"/>
-              <a:cs typeface="Times New Roman" panose="02020603050405020304" pitchFamily="18" charset="0"/>
-            </a:endParaRPr>
-          </a:p>
-        </p:txBody>
-      </p:sp>
-      <p:sp>
-        <p:nvSpPr>
-          <p:cNvPr id="21" name="WordArt 16"/>
-          <p:cNvSpPr>
-            <a:spLocks noChangeArrowheads="1" noChangeShapeType="1" noTextEdit="1"/>
-          </p:cNvSpPr>
-          <p:nvPr/>
-        </p:nvSpPr>
-        <p:spPr bwMode="auto">
-          <a:xfrm>
-            <a:off x="77788" y="1637506"/>
-            <a:ext cx="1295400" cy="428625"/>
-          </a:xfrm>
-          <a:prstGeom prst="rect">
-            <a:avLst/>
-          </a:prstGeom>
-          <a:extLst>
-            <a:ext uri="{AF507438-7753-43E0-B8FC-AC1667EBCBE1}">
-              <a14:hiddenEffects xmlns:a14="http://schemas.microsoft.com/office/drawing/2010/main">
-                <a:effectLst/>
-              </a14:hiddenEffects>
-            </a:ext>
-          </a:extLst>
-        </p:spPr>
-        <p:txBody>
-          <a:bodyPr wrap="none" fromWordArt="1">
-            <a:prstTxWarp prst="textPlain">
-              <a:avLst>
-                <a:gd name="adj" fmla="val 51769"/>
-              </a:avLst>
-            </a:prstTxWarp>
-          </a:bodyPr>
-          <a:lstStyle/>
-          <a:p>
-            <a:pPr algn="ctr"/>
-            <a:r>
-              <a:rPr lang="en-GB" sz="2400" kern="10" dirty="0">
-                <a:ln w="9525">
-                  <a:solidFill>
-                    <a:srgbClr val="000000"/>
-                  </a:solidFill>
-                  <a:round/>
-                  <a:headEnd/>
-                  <a:tailEnd/>
-                </a:ln>
-                <a:solidFill>
-                  <a:srgbClr val="FFFFFF"/>
-                </a:solidFill>
-                <a:latin typeface="Arial Black"/>
-              </a:rPr>
-              <a:t>CORONET</a:t>
-            </a:r>
-          </a:p>
-        </p:txBody>
-      </p:sp>
-      <p:sp>
-        <p:nvSpPr>
-          <p:cNvPr id="22" name="WordArt 17"/>
-          <p:cNvSpPr>
-            <a:spLocks noChangeArrowheads="1" noChangeShapeType="1" noTextEdit="1"/>
-          </p:cNvSpPr>
-          <p:nvPr/>
-        </p:nvSpPr>
-        <p:spPr bwMode="auto">
-          <a:xfrm>
-            <a:off x="149225" y="3390558"/>
-            <a:ext cx="898525" cy="428625"/>
-          </a:xfrm>
-          <a:prstGeom prst="rect">
-            <a:avLst/>
-          </a:prstGeom>
-          <a:extLst>
-            <a:ext uri="{AF507438-7753-43E0-B8FC-AC1667EBCBE1}">
-              <a14:hiddenEffects xmlns:a14="http://schemas.microsoft.com/office/drawing/2010/main">
-                <a:effectLst/>
-              </a14:hiddenEffects>
-            </a:ext>
-          </a:extLst>
-        </p:spPr>
-        <p:txBody>
-          <a:bodyPr wrap="none" fromWordArt="1">
-            <a:prstTxWarp prst="textPlain">
-              <a:avLst>
-                <a:gd name="adj" fmla="val 51769"/>
-              </a:avLst>
-            </a:prstTxWarp>
-          </a:bodyPr>
-          <a:lstStyle/>
-          <a:p>
-            <a:pPr algn="ctr"/>
-            <a:r>
-              <a:rPr lang="en-GB" sz="2400" kern="10" dirty="0">
-                <a:ln w="9525">
-                  <a:solidFill>
-                    <a:srgbClr val="000000"/>
-                  </a:solidFill>
-                  <a:round/>
-                  <a:headEnd/>
-                  <a:tailEnd/>
-                </a:ln>
-                <a:solidFill>
-                  <a:srgbClr val="FFFFFF"/>
-                </a:solidFill>
-                <a:latin typeface="Arial Black"/>
-              </a:rPr>
-              <a:t>UNIX</a:t>
-            </a:r>
-          </a:p>
-        </p:txBody>
-      </p:sp>
-      <p:sp>
-        <p:nvSpPr>
-          <p:cNvPr id="35" name="AutoShape 30"/>
-          <p:cNvSpPr>
-            <a:spLocks noChangeArrowheads="1"/>
-          </p:cNvSpPr>
-          <p:nvPr/>
-        </p:nvSpPr>
-        <p:spPr bwMode="auto">
-          <a:xfrm>
-            <a:off x="2020111" y="2366168"/>
-            <a:ext cx="215900" cy="503238"/>
-          </a:xfrm>
-          <a:prstGeom prst="downArrow">
-            <a:avLst>
-              <a:gd name="adj1" fmla="val 50000"/>
-              <a:gd name="adj2" fmla="val 58272"/>
-            </a:avLst>
-          </a:prstGeom>
-          <a:solidFill>
-            <a:schemeClr val="accent1"/>
-          </a:solidFill>
-          <a:ln w="9525">
-            <a:solidFill>
-              <a:schemeClr val="tx1"/>
-            </a:solidFill>
-            <a:miter lim="800000"/>
-            <a:headEnd/>
-            <a:tailEnd/>
-          </a:ln>
-          <a:effectLst/>
-          <a:extLst>
-            <a:ext uri="{AF507438-7753-43E0-B8FC-AC1667EBCBE1}">
-              <a14:hiddenEffects xmlns:a14="http://schemas.microsoft.com/office/drawing/2010/main">
-                <a:effectLst>
-                  <a:outerShdw dist="35921" dir="2700000" algn="ctr" rotWithShape="0">
-                    <a:schemeClr val="bg2"/>
-                  </a:outerShdw>
-                </a:effectLst>
-              </a14:hiddenEffects>
-            </a:ext>
-          </a:extLst>
-        </p:spPr>
-        <p:txBody>
-          <a:bodyPr vert="eaVert" wrap="none" anchor="ctr"/>
-          <a:lstStyle/>
-          <a:p>
-            <a:endParaRPr lang="en-GB"/>
-          </a:p>
-        </p:txBody>
-      </p:sp>
-      <p:sp>
-        <p:nvSpPr>
-          <p:cNvPr id="36" name="AutoShape 31"/>
-          <p:cNvSpPr>
-            <a:spLocks noChangeArrowheads="1"/>
-          </p:cNvSpPr>
-          <p:nvPr/>
-        </p:nvSpPr>
-        <p:spPr bwMode="auto">
-          <a:xfrm>
-            <a:off x="3783012" y="2366168"/>
-            <a:ext cx="215900" cy="503238"/>
-          </a:xfrm>
-          <a:prstGeom prst="downArrow">
-            <a:avLst>
-              <a:gd name="adj1" fmla="val 50000"/>
-              <a:gd name="adj2" fmla="val 58272"/>
-            </a:avLst>
-          </a:prstGeom>
-          <a:solidFill>
-            <a:schemeClr val="accent1"/>
-          </a:solidFill>
-          <a:ln w="9525">
-            <a:solidFill>
-              <a:schemeClr val="tx1"/>
-            </a:solidFill>
-            <a:miter lim="800000"/>
-            <a:headEnd/>
-            <a:tailEnd/>
-          </a:ln>
-          <a:effectLst/>
-          <a:extLst>
-            <a:ext uri="{AF507438-7753-43E0-B8FC-AC1667EBCBE1}">
-              <a14:hiddenEffects xmlns:a14="http://schemas.microsoft.com/office/drawing/2010/main">
-                <a:effectLst>
-                  <a:outerShdw dist="35921" dir="2700000" algn="ctr" rotWithShape="0">
-                    <a:schemeClr val="bg2"/>
-                  </a:outerShdw>
-                </a:effectLst>
-              </a14:hiddenEffects>
-            </a:ext>
-          </a:extLst>
-        </p:spPr>
-        <p:txBody>
-          <a:bodyPr vert="eaVert" wrap="none" anchor="ctr"/>
-          <a:lstStyle/>
-          <a:p>
-            <a:endParaRPr lang="en-GB"/>
-          </a:p>
-        </p:txBody>
-      </p:sp>
-      <p:sp>
-        <p:nvSpPr>
-          <p:cNvPr id="37" name="AutoShape 32"/>
-          <p:cNvSpPr>
-            <a:spLocks noChangeArrowheads="1"/>
-          </p:cNvSpPr>
-          <p:nvPr/>
-        </p:nvSpPr>
-        <p:spPr bwMode="auto">
-          <a:xfrm>
-            <a:off x="5649946" y="2323306"/>
-            <a:ext cx="215900" cy="503238"/>
-          </a:xfrm>
-          <a:prstGeom prst="downArrow">
-            <a:avLst>
-              <a:gd name="adj1" fmla="val 50000"/>
-              <a:gd name="adj2" fmla="val 58272"/>
-            </a:avLst>
-          </a:prstGeom>
-          <a:solidFill>
-            <a:schemeClr val="accent1"/>
-          </a:solidFill>
-          <a:ln w="9525">
-            <a:solidFill>
-              <a:schemeClr val="tx1"/>
-            </a:solidFill>
-            <a:miter lim="800000"/>
-            <a:headEnd/>
-            <a:tailEnd/>
-          </a:ln>
-          <a:effectLst/>
-          <a:extLst>
-            <a:ext uri="{AF507438-7753-43E0-B8FC-AC1667EBCBE1}">
-              <a14:hiddenEffects xmlns:a14="http://schemas.microsoft.com/office/drawing/2010/main">
-                <a:effectLst>
-                  <a:outerShdw dist="35921" dir="2700000" algn="ctr" rotWithShape="0">
-                    <a:schemeClr val="bg2"/>
-                  </a:outerShdw>
-                </a:effectLst>
-              </a14:hiddenEffects>
-            </a:ext>
-          </a:extLst>
-        </p:spPr>
-        <p:txBody>
-          <a:bodyPr vert="eaVert" wrap="none" anchor="ctr"/>
-          <a:lstStyle/>
-          <a:p>
-            <a:endParaRPr lang="en-GB"/>
-          </a:p>
-        </p:txBody>
-      </p:sp>
-      <p:sp>
-        <p:nvSpPr>
-          <p:cNvPr id="38" name="AutoShape 33"/>
-          <p:cNvSpPr>
-            <a:spLocks noChangeArrowheads="1"/>
-          </p:cNvSpPr>
-          <p:nvPr/>
-        </p:nvSpPr>
-        <p:spPr bwMode="auto">
-          <a:xfrm>
-            <a:off x="7398559" y="2339407"/>
-            <a:ext cx="215900" cy="503238"/>
-          </a:xfrm>
-          <a:prstGeom prst="downArrow">
-            <a:avLst>
-              <a:gd name="adj1" fmla="val 50000"/>
-              <a:gd name="adj2" fmla="val 58272"/>
-            </a:avLst>
-          </a:prstGeom>
-          <a:solidFill>
-            <a:schemeClr val="accent1"/>
-          </a:solidFill>
-          <a:ln w="9525">
-            <a:solidFill>
-              <a:schemeClr val="tx1"/>
-            </a:solidFill>
-            <a:miter lim="800000"/>
-            <a:headEnd/>
-            <a:tailEnd/>
-          </a:ln>
-          <a:effectLst/>
-          <a:extLst>
-            <a:ext uri="{AF507438-7753-43E0-B8FC-AC1667EBCBE1}">
-              <a14:hiddenEffects xmlns:a14="http://schemas.microsoft.com/office/drawing/2010/main">
-                <a:effectLst>
-                  <a:outerShdw dist="35921" dir="2700000" algn="ctr" rotWithShape="0">
-                    <a:schemeClr val="bg2"/>
-                  </a:outerShdw>
-                </a:effectLst>
-              </a14:hiddenEffects>
-            </a:ext>
-          </a:extLst>
-        </p:spPr>
-        <p:txBody>
-          <a:bodyPr vert="eaVert" wrap="none" anchor="ctr"/>
-          <a:lstStyle/>
-          <a:p>
-            <a:endParaRPr lang="en-GB"/>
-          </a:p>
-        </p:txBody>
-      </p:sp>
-      <p:sp>
-        <p:nvSpPr>
-          <p:cNvPr id="74" name="Rectangle 73"/>
-          <p:cNvSpPr/>
-          <p:nvPr/>
-        </p:nvSpPr>
-        <p:spPr>
-          <a:xfrm>
-            <a:off x="3217862" y="1561306"/>
-            <a:ext cx="1332296" cy="533400"/>
-          </a:xfrm>
-          <a:prstGeom prst="rect">
-            <a:avLst/>
-          </a:prstGeom>
-        </p:spPr>
-        <p:style>
-          <a:lnRef idx="0">
-            <a:schemeClr val="accent1"/>
-          </a:lnRef>
-          <a:fillRef idx="3">
-            <a:schemeClr val="accent1"/>
-          </a:fillRef>
-          <a:effectRef idx="3">
-            <a:schemeClr val="accent1"/>
-          </a:effectRef>
-          <a:fontRef idx="minor">
-            <a:schemeClr val="lt1"/>
-          </a:fontRef>
-        </p:style>
-        <p:txBody>
-          <a:bodyPr rtlCol="0" anchor="ctr"/>
-          <a:lstStyle/>
-          <a:p>
-            <a:pPr algn="ctr"/>
-            <a:r>
-              <a:rPr lang="en-GB" sz="1600" dirty="0" smtClean="0">
-                <a:latin typeface="Times New Roman" panose="02020603050405020304" pitchFamily="18" charset="0"/>
-                <a:cs typeface="Times New Roman" panose="02020603050405020304" pitchFamily="18" charset="0"/>
-              </a:rPr>
-              <a:t>Claim Estimate</a:t>
-            </a:r>
-            <a:endParaRPr lang="en-GB" sz="1600" dirty="0">
-              <a:latin typeface="Times New Roman" panose="02020603050405020304" pitchFamily="18" charset="0"/>
-              <a:cs typeface="Times New Roman" panose="02020603050405020304" pitchFamily="18" charset="0"/>
-            </a:endParaRPr>
-          </a:p>
-        </p:txBody>
-      </p:sp>
-      <p:sp>
-        <p:nvSpPr>
-          <p:cNvPr id="75" name="Rectangle 74"/>
-          <p:cNvSpPr/>
-          <p:nvPr/>
-        </p:nvSpPr>
-        <p:spPr>
-          <a:xfrm>
-            <a:off x="5109118" y="1561306"/>
-            <a:ext cx="1295468" cy="533400"/>
-          </a:xfrm>
-          <a:prstGeom prst="rect">
-            <a:avLst/>
-          </a:prstGeom>
-        </p:spPr>
-        <p:style>
-          <a:lnRef idx="0">
-            <a:schemeClr val="accent1"/>
-          </a:lnRef>
-          <a:fillRef idx="3">
-            <a:schemeClr val="accent1"/>
-          </a:fillRef>
-          <a:effectRef idx="3">
-            <a:schemeClr val="accent1"/>
-          </a:effectRef>
-          <a:fontRef idx="minor">
-            <a:schemeClr val="lt1"/>
-          </a:fontRef>
-        </p:style>
-        <p:txBody>
-          <a:bodyPr rtlCol="0" anchor="ctr"/>
-          <a:lstStyle/>
-          <a:p>
-            <a:pPr algn="ctr"/>
-            <a:r>
-              <a:rPr lang="en-GB" sz="1600" dirty="0" smtClean="0">
-                <a:latin typeface="Times New Roman" panose="02020603050405020304" pitchFamily="18" charset="0"/>
-                <a:cs typeface="Times New Roman" panose="02020603050405020304" pitchFamily="18" charset="0"/>
-              </a:rPr>
-              <a:t>Claim Payments</a:t>
-            </a:r>
-            <a:endParaRPr lang="en-GB" sz="1600" dirty="0">
-              <a:latin typeface="Times New Roman" panose="02020603050405020304" pitchFamily="18" charset="0"/>
-              <a:cs typeface="Times New Roman" panose="02020603050405020304" pitchFamily="18" charset="0"/>
-            </a:endParaRPr>
-          </a:p>
-        </p:txBody>
-      </p:sp>
-      <p:sp>
-        <p:nvSpPr>
-          <p:cNvPr id="76" name="Rectangle 75"/>
-          <p:cNvSpPr/>
-          <p:nvPr/>
-        </p:nvSpPr>
-        <p:spPr>
-          <a:xfrm>
-            <a:off x="6859717" y="1561306"/>
-            <a:ext cx="1293585" cy="533400"/>
-          </a:xfrm>
-          <a:prstGeom prst="rect">
-            <a:avLst/>
-          </a:prstGeom>
-        </p:spPr>
-        <p:style>
-          <a:lnRef idx="0">
-            <a:schemeClr val="accent1"/>
-          </a:lnRef>
-          <a:fillRef idx="3">
-            <a:schemeClr val="accent1"/>
-          </a:fillRef>
-          <a:effectRef idx="3">
-            <a:schemeClr val="accent1"/>
-          </a:effectRef>
-          <a:fontRef idx="minor">
-            <a:schemeClr val="lt1"/>
-          </a:fontRef>
-        </p:style>
-        <p:txBody>
-          <a:bodyPr rtlCol="0" anchor="ctr"/>
-          <a:lstStyle/>
-          <a:p>
-            <a:pPr algn="ctr"/>
-            <a:r>
-              <a:rPr lang="en-GB" sz="1600" dirty="0" smtClean="0">
-                <a:latin typeface="Times New Roman" panose="02020603050405020304" pitchFamily="18" charset="0"/>
-                <a:cs typeface="Times New Roman" panose="02020603050405020304" pitchFamily="18" charset="0"/>
-              </a:rPr>
-              <a:t>Claim Recovery</a:t>
-            </a:r>
-            <a:endParaRPr lang="en-GB" sz="1600" dirty="0">
-              <a:latin typeface="Times New Roman" panose="02020603050405020304" pitchFamily="18" charset="0"/>
-              <a:cs typeface="Times New Roman" panose="02020603050405020304" pitchFamily="18" charset="0"/>
-            </a:endParaRPr>
-          </a:p>
-        </p:txBody>
-      </p:sp>
-      <p:sp>
-        <p:nvSpPr>
-          <p:cNvPr id="77" name="Rectangle 76"/>
-          <p:cNvSpPr/>
-          <p:nvPr/>
-        </p:nvSpPr>
-        <p:spPr>
-          <a:xfrm>
-            <a:off x="1486711" y="1574710"/>
-            <a:ext cx="1371600" cy="533400"/>
-          </a:xfrm>
-          <a:prstGeom prst="rect">
-            <a:avLst/>
-          </a:prstGeom>
-        </p:spPr>
-        <p:style>
-          <a:lnRef idx="0">
-            <a:schemeClr val="accent1"/>
-          </a:lnRef>
-          <a:fillRef idx="3">
-            <a:schemeClr val="accent1"/>
-          </a:fillRef>
-          <a:effectRef idx="3">
-            <a:schemeClr val="accent1"/>
-          </a:effectRef>
-          <a:fontRef idx="minor">
-            <a:schemeClr val="lt1"/>
-          </a:fontRef>
-        </p:style>
-        <p:txBody>
-          <a:bodyPr rtlCol="0" anchor="ctr"/>
-          <a:lstStyle/>
-          <a:p>
-            <a:pPr algn="ctr"/>
-            <a:r>
-              <a:rPr lang="en-GB" sz="1600" dirty="0" smtClean="0">
-                <a:latin typeface="Times New Roman" panose="02020603050405020304" pitchFamily="18" charset="0"/>
-                <a:cs typeface="Times New Roman" panose="02020603050405020304" pitchFamily="18" charset="0"/>
-              </a:rPr>
-              <a:t>Claim Notification</a:t>
-            </a:r>
-            <a:endParaRPr lang="en-GB" sz="1600" dirty="0">
-              <a:latin typeface="Times New Roman" panose="02020603050405020304" pitchFamily="18" charset="0"/>
-              <a:cs typeface="Times New Roman" panose="02020603050405020304" pitchFamily="18" charset="0"/>
-            </a:endParaRPr>
-          </a:p>
-        </p:txBody>
-      </p:sp>
-      <p:sp>
-        <p:nvSpPr>
-          <p:cNvPr id="78" name="Rectangle 77"/>
-          <p:cNvSpPr/>
-          <p:nvPr/>
-        </p:nvSpPr>
-        <p:spPr>
-          <a:xfrm>
-            <a:off x="1438086" y="3109820"/>
-            <a:ext cx="1379950" cy="1042286"/>
-          </a:xfrm>
-          <a:prstGeom prst="rect">
-            <a:avLst/>
-          </a:prstGeom>
-        </p:spPr>
-        <p:style>
-          <a:lnRef idx="0">
-            <a:schemeClr val="accent1"/>
-          </a:lnRef>
-          <a:fillRef idx="3">
-            <a:schemeClr val="accent1"/>
-          </a:fillRef>
-          <a:effectRef idx="3">
-            <a:schemeClr val="accent1"/>
-          </a:effectRef>
-          <a:fontRef idx="minor">
-            <a:schemeClr val="lt1"/>
-          </a:fontRef>
-        </p:style>
-        <p:txBody>
-          <a:bodyPr rtlCol="0" anchor="ctr"/>
-          <a:lstStyle/>
-          <a:p>
-            <a:pPr algn="ctr"/>
-            <a:r>
-              <a:rPr lang="en-GB" sz="1500" dirty="0" smtClean="0">
-                <a:latin typeface="Times New Roman" panose="02020603050405020304" pitchFamily="18" charset="0"/>
-                <a:cs typeface="Times New Roman" panose="02020603050405020304" pitchFamily="18" charset="0"/>
-              </a:rPr>
-              <a:t>History Platform</a:t>
-            </a:r>
-          </a:p>
-          <a:p>
-            <a:pPr algn="ctr"/>
-            <a:r>
-              <a:rPr lang="en-GB" altLang="en-US" sz="1500" dirty="0">
-                <a:latin typeface="Times New Roman" panose="02020603050405020304" pitchFamily="18" charset="0"/>
-                <a:cs typeface="Times New Roman" panose="02020603050405020304" pitchFamily="18" charset="0"/>
-              </a:rPr>
-              <a:t>%</a:t>
-            </a:r>
-            <a:r>
-              <a:rPr lang="en-GB" altLang="en-US" sz="1500" dirty="0" smtClean="0">
-                <a:latin typeface="Times New Roman" panose="02020603050405020304" pitchFamily="18" charset="0"/>
-                <a:cs typeface="Times New Roman" panose="02020603050405020304" pitchFamily="18" charset="0"/>
-              </a:rPr>
-              <a:t>shr(hisplat)</a:t>
-            </a:r>
-            <a:endParaRPr lang="en-GB" altLang="en-US" sz="1500" dirty="0">
-              <a:latin typeface="Times New Roman" panose="02020603050405020304" pitchFamily="18" charset="0"/>
-              <a:cs typeface="Times New Roman" panose="02020603050405020304" pitchFamily="18" charset="0"/>
-            </a:endParaRPr>
-          </a:p>
-        </p:txBody>
-      </p:sp>
-      <p:sp>
-        <p:nvSpPr>
-          <p:cNvPr id="79" name="Rectangle 78"/>
-          <p:cNvSpPr/>
-          <p:nvPr/>
-        </p:nvSpPr>
-        <p:spPr>
-          <a:xfrm>
-            <a:off x="3122010" y="3109820"/>
-            <a:ext cx="1524000" cy="1042286"/>
-          </a:xfrm>
-          <a:prstGeom prst="rect">
-            <a:avLst/>
-          </a:prstGeom>
-        </p:spPr>
-        <p:style>
-          <a:lnRef idx="0">
-            <a:schemeClr val="accent1"/>
-          </a:lnRef>
-          <a:fillRef idx="3">
-            <a:schemeClr val="accent1"/>
-          </a:fillRef>
-          <a:effectRef idx="3">
-            <a:schemeClr val="accent1"/>
-          </a:effectRef>
-          <a:fontRef idx="minor">
-            <a:schemeClr val="lt1"/>
-          </a:fontRef>
-        </p:style>
-        <p:txBody>
-          <a:bodyPr rtlCol="0" anchor="ctr"/>
-          <a:lstStyle/>
-          <a:p>
-            <a:pPr algn="ctr"/>
-            <a:r>
-              <a:rPr lang="en-GB" sz="1500" dirty="0" smtClean="0">
-                <a:latin typeface="Times New Roman" panose="02020603050405020304" pitchFamily="18" charset="0"/>
-                <a:cs typeface="Times New Roman" panose="02020603050405020304" pitchFamily="18" charset="0"/>
-              </a:rPr>
-              <a:t>Estimate Platform</a:t>
-            </a:r>
-          </a:p>
-          <a:p>
-            <a:pPr algn="ctr"/>
-            <a:r>
-              <a:rPr lang="en-GB" altLang="en-US" sz="1500" dirty="0">
-                <a:latin typeface="Times New Roman" panose="02020603050405020304" pitchFamily="18" charset="0"/>
-                <a:cs typeface="Times New Roman" panose="02020603050405020304" pitchFamily="18" charset="0"/>
-              </a:rPr>
-              <a:t>%</a:t>
-            </a:r>
-            <a:r>
-              <a:rPr lang="en-GB" altLang="en-US" sz="1500" dirty="0" smtClean="0">
-                <a:latin typeface="Times New Roman" panose="02020603050405020304" pitchFamily="18" charset="0"/>
-                <a:cs typeface="Times New Roman" panose="02020603050405020304" pitchFamily="18" charset="0"/>
-              </a:rPr>
-              <a:t>shr(estimate)</a:t>
-            </a:r>
-            <a:endParaRPr lang="en-GB" altLang="en-US" sz="1500" dirty="0">
-              <a:latin typeface="Times New Roman" panose="02020603050405020304" pitchFamily="18" charset="0"/>
-              <a:cs typeface="Times New Roman" panose="02020603050405020304" pitchFamily="18" charset="0"/>
-            </a:endParaRPr>
-          </a:p>
-        </p:txBody>
-      </p:sp>
-      <p:sp>
-        <p:nvSpPr>
-          <p:cNvPr id="80" name="Rectangle 79"/>
-          <p:cNvSpPr/>
-          <p:nvPr/>
-        </p:nvSpPr>
-        <p:spPr>
-          <a:xfrm>
-            <a:off x="4956752" y="3084165"/>
-            <a:ext cx="1600200" cy="1042286"/>
-          </a:xfrm>
-          <a:prstGeom prst="rect">
-            <a:avLst/>
-          </a:prstGeom>
-        </p:spPr>
-        <p:style>
-          <a:lnRef idx="0">
-            <a:schemeClr val="accent1"/>
-          </a:lnRef>
-          <a:fillRef idx="3">
-            <a:schemeClr val="accent1"/>
-          </a:fillRef>
-          <a:effectRef idx="3">
-            <a:schemeClr val="accent1"/>
-          </a:effectRef>
-          <a:fontRef idx="minor">
-            <a:schemeClr val="lt1"/>
-          </a:fontRef>
-        </p:style>
-        <p:txBody>
-          <a:bodyPr rtlCol="0" anchor="ctr"/>
-          <a:lstStyle/>
-          <a:p>
-            <a:pPr algn="ctr"/>
-            <a:r>
-              <a:rPr lang="en-GB" sz="1500" dirty="0" smtClean="0">
-                <a:latin typeface="Times New Roman" panose="02020603050405020304" pitchFamily="18" charset="0"/>
-                <a:cs typeface="Times New Roman" panose="02020603050405020304" pitchFamily="18" charset="0"/>
-              </a:rPr>
-              <a:t>Payment Platform</a:t>
-            </a:r>
-          </a:p>
-          <a:p>
-            <a:pPr algn="ctr"/>
-            <a:r>
-              <a:rPr lang="en-GB" altLang="en-US" sz="1500" dirty="0">
-                <a:latin typeface="Times New Roman" panose="02020603050405020304" pitchFamily="18" charset="0"/>
-                <a:cs typeface="Times New Roman" panose="02020603050405020304" pitchFamily="18" charset="0"/>
-              </a:rPr>
-              <a:t>%</a:t>
-            </a:r>
-            <a:r>
-              <a:rPr lang="en-GB" altLang="en-US" sz="1500" dirty="0" smtClean="0">
-                <a:latin typeface="Times New Roman" panose="02020603050405020304" pitchFamily="18" charset="0"/>
-                <a:cs typeface="Times New Roman" panose="02020603050405020304" pitchFamily="18" charset="0"/>
-              </a:rPr>
-              <a:t>shr(payments)</a:t>
-            </a:r>
-            <a:endParaRPr lang="en-GB" altLang="en-US" sz="1500" dirty="0">
-              <a:latin typeface="Times New Roman" panose="02020603050405020304" pitchFamily="18" charset="0"/>
-              <a:cs typeface="Times New Roman" panose="02020603050405020304" pitchFamily="18" charset="0"/>
-            </a:endParaRPr>
-          </a:p>
-        </p:txBody>
-      </p:sp>
-      <p:sp>
-        <p:nvSpPr>
-          <p:cNvPr id="81" name="Rectangle 80"/>
-          <p:cNvSpPr/>
-          <p:nvPr/>
-        </p:nvSpPr>
-        <p:spPr>
-          <a:xfrm>
-            <a:off x="6754812" y="3082128"/>
-            <a:ext cx="1587863" cy="1044324"/>
-          </a:xfrm>
-          <a:prstGeom prst="rect">
-            <a:avLst/>
-          </a:prstGeom>
-        </p:spPr>
-        <p:style>
-          <a:lnRef idx="0">
-            <a:schemeClr val="accent1"/>
-          </a:lnRef>
-          <a:fillRef idx="3">
-            <a:schemeClr val="accent1"/>
-          </a:fillRef>
-          <a:effectRef idx="3">
-            <a:schemeClr val="accent1"/>
-          </a:effectRef>
-          <a:fontRef idx="minor">
-            <a:schemeClr val="lt1"/>
-          </a:fontRef>
-        </p:style>
-        <p:txBody>
-          <a:bodyPr rtlCol="0" anchor="ctr"/>
-          <a:lstStyle/>
-          <a:p>
-            <a:pPr algn="ctr"/>
-            <a:r>
-              <a:rPr lang="en-GB" sz="1500" dirty="0" smtClean="0">
-                <a:latin typeface="Times New Roman" panose="02020603050405020304" pitchFamily="18" charset="0"/>
-                <a:cs typeface="Times New Roman" panose="02020603050405020304" pitchFamily="18" charset="0"/>
-              </a:rPr>
-              <a:t>Recovery Platform</a:t>
-            </a:r>
-          </a:p>
-          <a:p>
-            <a:pPr algn="ctr"/>
-            <a:r>
-              <a:rPr lang="en-GB" altLang="en-US" sz="1500" dirty="0">
-                <a:latin typeface="Times New Roman" panose="02020603050405020304" pitchFamily="18" charset="0"/>
-                <a:cs typeface="Times New Roman" panose="02020603050405020304" pitchFamily="18" charset="0"/>
-              </a:rPr>
-              <a:t>%</a:t>
-            </a:r>
-            <a:r>
-              <a:rPr lang="en-GB" altLang="en-US" sz="1500" dirty="0" smtClean="0">
-                <a:latin typeface="Times New Roman" panose="02020603050405020304" pitchFamily="18" charset="0"/>
-                <a:cs typeface="Times New Roman" panose="02020603050405020304" pitchFamily="18" charset="0"/>
-              </a:rPr>
-              <a:t>shr(recovery)</a:t>
-            </a:r>
-            <a:endParaRPr lang="en-GB" altLang="en-US" sz="1500" dirty="0">
-              <a:latin typeface="Times New Roman" panose="02020603050405020304" pitchFamily="18" charset="0"/>
-              <a:cs typeface="Times New Roman" panose="02020603050405020304" pitchFamily="18" charset="0"/>
-            </a:endParaRPr>
-          </a:p>
-        </p:txBody>
-      </p:sp>
-      <p:cxnSp>
-        <p:nvCxnSpPr>
-          <p:cNvPr id="3" name="Straight Connector 2"/>
-          <p:cNvCxnSpPr/>
-          <p:nvPr/>
-        </p:nvCxnSpPr>
-        <p:spPr>
-          <a:xfrm flipV="1">
-            <a:off x="237762" y="2574925"/>
-            <a:ext cx="8193450" cy="42862"/>
-          </a:xfrm>
-          <a:prstGeom prst="line">
-            <a:avLst/>
-          </a:prstGeom>
-          <a:ln>
-            <a:prstDash val="lgDash"/>
-          </a:ln>
-        </p:spPr>
-        <p:style>
-          <a:lnRef idx="1">
-            <a:schemeClr val="dk1"/>
-          </a:lnRef>
-          <a:fillRef idx="0">
-            <a:schemeClr val="dk1"/>
-          </a:fillRef>
-          <a:effectRef idx="0">
-            <a:schemeClr val="dk1"/>
-          </a:effectRef>
-          <a:fontRef idx="minor">
-            <a:schemeClr val="tx1"/>
-          </a:fontRef>
-        </p:style>
-      </p:cxnSp>
-    </p:spTree>
-    <p:extLst>
-      <p:ext uri="{BB962C8B-B14F-4D97-AF65-F5344CB8AC3E}">
-        <p14:creationId xmlns:p14="http://schemas.microsoft.com/office/powerpoint/2010/main" val="2629060217"/>
-      </p:ext>
-    </p:extLst>
-  </p:cSld>
-  <p:clrMapOvr>
-    <a:masterClrMapping/>
-  </p:clrMapOvr>
-  <p:timing>
-    <p:tnLst>
-      <p:par>
-        <p:cTn id="1" dur="indefinite" restart="never" nodeType="tmRoot"/>
-      </p:par>
-    </p:tnLst>
-  </p:timing>
-</p:sld>
-</file>
-
-<file path=ppt/slides/slide41.xml><?xml version="1.0" encoding="utf-8"?>
-<p:sld xmlns:a="http://schemas.openxmlformats.org/drawingml/2006/main" xmlns:r="http://schemas.openxmlformats.org/officeDocument/2006/relationships" xmlns:p="http://schemas.openxmlformats.org/presentationml/2006/main">
-  <p:cSld>
-    <p:spTree>
-      <p:nvGrpSpPr>
-        <p:cNvPr id="1" name=""/>
-        <p:cNvGrpSpPr/>
-        <p:nvPr/>
-      </p:nvGrpSpPr>
-      <p:grpSpPr>
-        <a:xfrm>
-          <a:off x="0" y="0"/>
-          <a:ext cx="0" cy="0"/>
-          <a:chOff x="0" y="0"/>
-          <a:chExt cx="0" cy="0"/>
-        </a:xfrm>
-      </p:grpSpPr>
-      <p:sp>
-        <p:nvSpPr>
-          <p:cNvPr id="11" name="Textplatzhalter 10"/>
-          <p:cNvSpPr>
-            <a:spLocks noGrp="1"/>
-          </p:cNvSpPr>
-          <p:nvPr>
-            <p:ph type="body" sz="quarter" idx="19"/>
-          </p:nvPr>
-        </p:nvSpPr>
-        <p:spPr>
-          <a:xfrm>
-            <a:off x="0" y="8016"/>
-            <a:ext cx="7974008" cy="676049"/>
-          </a:xfrm>
-          <a:solidFill>
-            <a:schemeClr val="tx2">
-              <a:lumMod val="20000"/>
-              <a:lumOff val="80000"/>
-            </a:schemeClr>
-          </a:solidFill>
-          <a:ln>
-            <a:solidFill>
-              <a:schemeClr val="tx2">
-                <a:lumMod val="20000"/>
-                <a:lumOff val="80000"/>
-              </a:schemeClr>
-            </a:solidFill>
-          </a:ln>
-        </p:spPr>
-        <p:txBody>
-          <a:bodyPr/>
-          <a:lstStyle/>
-          <a:p>
-            <a:endParaRPr lang="de-DE" dirty="0"/>
-          </a:p>
-        </p:txBody>
-      </p:sp>
-      <p:sp>
-        <p:nvSpPr>
-          <p:cNvPr id="4" name="Foliennummernplatzhalter 3"/>
-          <p:cNvSpPr>
-            <a:spLocks noGrp="1"/>
-          </p:cNvSpPr>
-          <p:nvPr>
-            <p:ph type="sldNum" sz="quarter" idx="12"/>
-          </p:nvPr>
-        </p:nvSpPr>
-        <p:spPr>
-          <a:xfrm>
             <a:off x="7843838" y="4871733"/>
             <a:ext cx="502126" cy="270974"/>
           </a:xfrm>
@@ -35356,7 +34679,7 @@
             <a:fld id="{61201FF1-C63B-412E-ABF0-3D0E918900AC}" type="slidenum">
               <a:rPr lang="en-GB" smtClean="0"/>
               <a:pPr/>
-              <a:t>41</a:t>
+              <a:t>40</a:t>
             </a:fld>
             <a:endParaRPr lang="en-GB" dirty="0"/>
           </a:p>
@@ -36003,7 +35326,7 @@
 </p:sld>
 </file>
 
-<file path=ppt/slides/slide42.xml><?xml version="1.0" encoding="utf-8"?>
+<file path=ppt/slides/slide41.xml><?xml version="1.0" encoding="utf-8"?>
 <p:sld xmlns:a="http://schemas.openxmlformats.org/drawingml/2006/main" xmlns:r="http://schemas.openxmlformats.org/officeDocument/2006/relationships" xmlns:p="http://schemas.openxmlformats.org/presentationml/2006/main">
   <p:cSld>
     <p:spTree>
@@ -36076,7 +35399,7 @@
             <a:fld id="{61201FF1-C63B-412E-ABF0-3D0E918900AC}" type="slidenum">
               <a:rPr lang="en-GB" smtClean="0"/>
               <a:pPr/>
-              <a:t>42</a:t>
+              <a:t>41</a:t>
             </a:fld>
             <a:endParaRPr lang="en-GB" dirty="0"/>
           </a:p>
@@ -36115,62 +35438,6 @@
               <a:latin typeface="Times New Roman" panose="02020603050405020304" pitchFamily="18" charset="0"/>
               <a:cs typeface="Times New Roman" panose="02020603050405020304" pitchFamily="18" charset="0"/>
             </a:endParaRPr>
-          </a:p>
-        </p:txBody>
-      </p:sp>
-      <p:sp>
-        <p:nvSpPr>
-          <p:cNvPr id="6" name="Line 7"/>
-          <p:cNvSpPr>
-            <a:spLocks noChangeShapeType="1"/>
-          </p:cNvSpPr>
-          <p:nvPr/>
-        </p:nvSpPr>
-        <p:spPr bwMode="auto">
-          <a:xfrm flipV="1">
-            <a:off x="293688" y="2018506"/>
-            <a:ext cx="8213724" cy="0"/>
-          </a:xfrm>
-          <a:prstGeom prst="line">
-            <a:avLst/>
-          </a:prstGeom>
-          <a:noFill/>
-          <a:ln w="9525">
-            <a:pattFill prst="solidDmnd">
-              <a:fgClr>
-                <a:schemeClr val="tx1"/>
-              </a:fgClr>
-              <a:bgClr>
-                <a:srgbClr val="FFFFFF"/>
-              </a:bgClr>
-            </a:pattFill>
-            <a:round/>
-            <a:headEnd/>
-            <a:tailEnd/>
-          </a:ln>
-          <a:effectLst/>
-          <a:extLst>
-            <a:ext uri="{909E8E84-426E-40DD-AFC4-6F175D3DCCD1}">
-              <a14:hiddenFill xmlns:a14="http://schemas.microsoft.com/office/drawing/2010/main">
-                <a:noFill/>
-              </a14:hiddenFill>
-            </a:ext>
-            <a:ext uri="{AF507438-7753-43E0-B8FC-AC1667EBCBE1}">
-              <a14:hiddenEffects xmlns:a14="http://schemas.microsoft.com/office/drawing/2010/main">
-                <a:effectLst>
-                  <a:outerShdw dist="35921" dir="2700000" algn="ctr" rotWithShape="0">
-                    <a:schemeClr val="bg2"/>
-                  </a:outerShdw>
-                </a:effectLst>
-              </a14:hiddenEffects>
-            </a:ext>
-          </a:extLst>
-        </p:spPr>
-        <p:txBody>
-          <a:bodyPr/>
-          <a:lstStyle/>
-          <a:p>
-            <a:endParaRPr lang="en-GB"/>
           </a:p>
         </p:txBody>
       </p:sp>
@@ -36620,6 +35887,39 @@
           </a:fontRef>
         </p:style>
       </p:cxnSp>
+      <p:cxnSp>
+        <p:nvCxnSpPr>
+          <p:cNvPr id="3" name="Straight Connector 2"/>
+          <p:cNvCxnSpPr/>
+          <p:nvPr/>
+        </p:nvCxnSpPr>
+        <p:spPr>
+          <a:xfrm>
+            <a:off x="1268412" y="1976029"/>
+            <a:ext cx="6172200" cy="0"/>
+          </a:xfrm>
+          <a:prstGeom prst="line">
+            <a:avLst/>
+          </a:prstGeom>
+          <a:ln>
+            <a:prstDash val="lgDash"/>
+          </a:ln>
+        </p:spPr>
+        <p:style>
+          <a:lnRef idx="1">
+            <a:schemeClr val="dk1"/>
+          </a:lnRef>
+          <a:fillRef idx="0">
+            <a:schemeClr val="dk1"/>
+          </a:fillRef>
+          <a:effectRef idx="0">
+            <a:schemeClr val="dk1"/>
+          </a:effectRef>
+          <a:fontRef idx="minor">
+            <a:schemeClr val="tx1"/>
+          </a:fontRef>
+        </p:style>
+      </p:cxnSp>
     </p:spTree>
     <p:extLst>
       <p:ext uri="{BB962C8B-B14F-4D97-AF65-F5344CB8AC3E}">
@@ -36640,7 +35940,7 @@
 </p:sld>
 </file>
 
-<file path=ppt/slides/slide43.xml><?xml version="1.0" encoding="utf-8"?>
+<file path=ppt/slides/slide42.xml><?xml version="1.0" encoding="utf-8"?>
 <p:sld xmlns:a="http://schemas.openxmlformats.org/drawingml/2006/main" xmlns:r="http://schemas.openxmlformats.org/officeDocument/2006/relationships" xmlns:p="http://schemas.openxmlformats.org/presentationml/2006/main">
   <p:cSld>
     <p:spTree>
@@ -36787,7 +36087,7 @@
 </p:sld>
 </file>
 
-<file path=ppt/slides/slide44.xml><?xml version="1.0" encoding="utf-8"?>
+<file path=ppt/slides/slide43.xml><?xml version="1.0" encoding="utf-8"?>
 <p:sld xmlns:a="http://schemas.openxmlformats.org/drawingml/2006/main" xmlns:r="http://schemas.openxmlformats.org/officeDocument/2006/relationships" xmlns:p="http://schemas.openxmlformats.org/presentationml/2006/main">
   <p:cSld>
     <p:spTree>
@@ -36860,7 +36160,7 @@
             <a:fld id="{61201FF1-C63B-412E-ABF0-3D0E918900AC}" type="slidenum">
               <a:rPr lang="en-GB" smtClean="0"/>
               <a:pPr/>
-              <a:t>44</a:t>
+              <a:t>43</a:t>
             </a:fld>
             <a:endParaRPr lang="en-GB" dirty="0"/>
           </a:p>
@@ -37332,7 +36632,7 @@
 </p:sld>
 </file>
 
-<file path=ppt/slides/slide45.xml><?xml version="1.0" encoding="utf-8"?>
+<file path=ppt/slides/slide44.xml><?xml version="1.0" encoding="utf-8"?>
 <p:sld xmlns:a="http://schemas.openxmlformats.org/drawingml/2006/main" xmlns:r="http://schemas.openxmlformats.org/officeDocument/2006/relationships" xmlns:p="http://schemas.openxmlformats.org/presentationml/2006/main">
   <p:cSld>
     <p:spTree>
@@ -37367,7 +36667,7 @@
             <a:fld id="{61201FF1-C63B-412E-ABF0-3D0E918900AC}" type="slidenum">
               <a:rPr lang="en-GB" smtClean="0"/>
               <a:pPr/>
-              <a:t>45</a:t>
+              <a:t>44</a:t>
             </a:fld>
             <a:endParaRPr lang="en-GB" dirty="0"/>
           </a:p>
@@ -39210,14 +38510,7 @@
                 <a:latin typeface="Times New Roman" panose="02020603050405020304" pitchFamily="18" charset="0"/>
                 <a:cs typeface="Times New Roman" panose="02020603050405020304" pitchFamily="18" charset="0"/>
               </a:rPr>
-              <a:t>Gamification : Flow </a:t>
-            </a:r>
-            <a:r>
-              <a:rPr lang="en-GB" sz="2800" b="1" dirty="0" smtClean="0">
-                <a:latin typeface="Times New Roman" panose="02020603050405020304" pitchFamily="18" charset="0"/>
-                <a:cs typeface="Times New Roman" panose="02020603050405020304" pitchFamily="18" charset="0"/>
-              </a:rPr>
-              <a:t>Chart</a:t>
+              <a:t>Gamification : Flow Chart</a:t>
             </a:r>
             <a:endParaRPr lang="en-GB" sz="2800" b="1" dirty="0">
               <a:latin typeface="Times New Roman" panose="02020603050405020304" pitchFamily="18" charset="0"/>
